--- a/Presentation/Towards_Identity_Anonymization_on_graph(K-degree anonymization).pptx
+++ b/Presentation/Towards_Identity_Anonymization_on_graph(K-degree anonymization).pptx
@@ -6,8 +6,18 @@
   </p:sldMasterIdLst>
   <p:sldIdLst>
     <p:sldId id="256" r:id="rId2"/>
-    <p:sldId id="257" r:id="rId3"/>
+    <p:sldId id="264" r:id="rId3"/>
     <p:sldId id="258" r:id="rId4"/>
+    <p:sldId id="265" r:id="rId5"/>
+    <p:sldId id="259" r:id="rId6"/>
+    <p:sldId id="266" r:id="rId7"/>
+    <p:sldId id="269" r:id="rId8"/>
+    <p:sldId id="260" r:id="rId9"/>
+    <p:sldId id="261" r:id="rId10"/>
+    <p:sldId id="267" r:id="rId11"/>
+    <p:sldId id="262" r:id="rId12"/>
+    <p:sldId id="268" r:id="rId13"/>
+    <p:sldId id="263" r:id="rId14"/>
   </p:sldIdLst>
   <p:sldSz cx="9144000" cy="5143500" type="screen16x9"/>
   <p:notesSz cx="6858000" cy="9144000"/>
@@ -3050,17 +3060,6 @@
               </a:rPr>
               <a:t>Towards Identity Anonymization on Graph</a:t>
             </a:r>
-            <a:endParaRPr lang="en-US" altLang="ko-KR" sz="3200" b="1" dirty="0" smtClean="0">
-              <a:solidFill>
-                <a:schemeClr val="tx1">
-                  <a:lumMod val="65000"/>
-                  <a:lumOff val="35000"/>
-                </a:schemeClr>
-              </a:solidFill>
-              <a:latin typeface="Arial" pitchFamily="34" charset="0"/>
-              <a:ea typeface="맑은 고딕" pitchFamily="50" charset="-127"/>
-              <a:cs typeface="Arial" pitchFamily="34" charset="0"/>
-            </a:endParaRPr>
           </a:p>
         </p:txBody>
       </p:sp>
@@ -3381,6 +3380,544 @@
 </p:sld>
 </file>
 
+<file path=ppt/slides/slide10.xml><?xml version="1.0" encoding="utf-8"?>
+<p:sld xmlns:a="http://schemas.openxmlformats.org/drawingml/2006/main" xmlns:r="http://schemas.openxmlformats.org/officeDocument/2006/relationships" xmlns:p="http://schemas.openxmlformats.org/presentationml/2006/main">
+  <p:cSld>
+    <p:spTree>
+      <p:nvGrpSpPr>
+        <p:cNvPr id="1" name=""/>
+        <p:cNvGrpSpPr/>
+        <p:nvPr/>
+      </p:nvGrpSpPr>
+      <p:grpSpPr>
+        <a:xfrm>
+          <a:off x="0" y="0"/>
+          <a:ext cx="0" cy="0"/>
+          <a:chOff x="0" y="0"/>
+          <a:chExt cx="0" cy="0"/>
+        </a:xfrm>
+      </p:grpSpPr>
+      <p:sp>
+        <p:nvSpPr>
+          <p:cNvPr id="2" name="Titolo 1"/>
+          <p:cNvSpPr>
+            <a:spLocks noGrp="1"/>
+          </p:cNvSpPr>
+          <p:nvPr>
+            <p:ph type="title"/>
+          </p:nvPr>
+        </p:nvSpPr>
+        <p:spPr/>
+        <p:txBody>
+          <a:bodyPr/>
+          <a:lstStyle/>
+          <a:p>
+            <a:r>
+              <a:rPr lang="en-GB" dirty="0" smtClean="0">
+                <a:solidFill>
+                  <a:schemeClr val="bg1">
+                    <a:lumMod val="50000"/>
+                  </a:schemeClr>
+                </a:solidFill>
+                <a:latin typeface="+mj-lt"/>
+              </a:rPr>
+              <a:t>Construct</a:t>
+            </a:r>
+            <a:endParaRPr lang="it-IT" dirty="0">
+              <a:solidFill>
+                <a:schemeClr val="bg1">
+                  <a:lumMod val="50000"/>
+                </a:schemeClr>
+              </a:solidFill>
+              <a:latin typeface="+mj-lt"/>
+            </a:endParaRPr>
+          </a:p>
+        </p:txBody>
+      </p:sp>
+      <p:sp>
+        <p:nvSpPr>
+          <p:cNvPr id="3" name="Segnaposto contenuto 2"/>
+          <p:cNvSpPr>
+            <a:spLocks noGrp="1"/>
+          </p:cNvSpPr>
+          <p:nvPr>
+            <p:ph idx="1"/>
+          </p:nvPr>
+        </p:nvSpPr>
+        <p:spPr/>
+        <p:txBody>
+          <a:bodyPr>
+            <a:normAutofit fontScale="92500" lnSpcReduction="10000"/>
+          </a:bodyPr>
+          <a:lstStyle/>
+          <a:p>
+            <a:pPr marL="0" indent="0">
+              <a:buNone/>
+            </a:pPr>
+            <a:r>
+              <a:rPr lang="it-IT" dirty="0"/>
+              <a:t>Questa tecnica di costruzione del grafo </a:t>
+            </a:r>
+            <a:r>
+              <a:rPr lang="it-IT" dirty="0" err="1"/>
+              <a:t>riassembla</a:t>
+            </a:r>
+            <a:r>
+              <a:rPr lang="it-IT" dirty="0"/>
+              <a:t> i vari nodi in maniera </a:t>
+            </a:r>
+            <a:r>
+              <a:rPr lang="it-IT" dirty="0" err="1"/>
+              <a:t>randomica</a:t>
+            </a:r>
+            <a:r>
+              <a:rPr lang="it-IT" dirty="0"/>
+              <a:t>: ciò comporta che ad ogni persona venga attribuito un numero di archi pari al numero indicato dal grado di </a:t>
+            </a:r>
+            <a:r>
+              <a:rPr lang="it-IT" dirty="0" err="1"/>
+              <a:t>anonimizzazione</a:t>
+            </a:r>
+            <a:r>
+              <a:rPr lang="it-IT" dirty="0"/>
+              <a:t> presente nel vettore sopra citato, tuttavia gli archi così generati non avranno alcun riferimento con quelli presenti nel grafo originale non anonimizzato.</a:t>
+            </a:r>
+          </a:p>
+          <a:p>
+            <a:pPr marL="0" indent="0">
+              <a:buNone/>
+            </a:pPr>
+            <a:endParaRPr lang="it-IT" dirty="0"/>
+          </a:p>
+        </p:txBody>
+      </p:sp>
+      <p:pic>
+        <p:nvPicPr>
+          <p:cNvPr id="4" name="Immagine 3"/>
+          <p:cNvPicPr>
+            <a:picLocks noChangeAspect="1"/>
+          </p:cNvPicPr>
+          <p:nvPr/>
+        </p:nvPicPr>
+        <p:blipFill>
+          <a:blip r:embed="rId2" cstate="print">
+            <a:extLst>
+              <a:ext uri="{28A0092B-C50C-407E-A947-70E740481C1C}">
+                <a14:useLocalDpi xmlns:a14="http://schemas.microsoft.com/office/drawing/2010/main" val="0"/>
+              </a:ext>
+            </a:extLst>
+          </a:blip>
+          <a:stretch>
+            <a:fillRect/>
+          </a:stretch>
+        </p:blipFill>
+        <p:spPr>
+          <a:xfrm>
+            <a:off x="179512" y="4468193"/>
+            <a:ext cx="1114320" cy="572830"/>
+          </a:xfrm>
+          <a:prstGeom prst="rect">
+            <a:avLst/>
+          </a:prstGeom>
+        </p:spPr>
+      </p:pic>
+    </p:spTree>
+    <p:extLst>
+      <p:ext uri="{BB962C8B-B14F-4D97-AF65-F5344CB8AC3E}">
+        <p14:creationId xmlns:p14="http://schemas.microsoft.com/office/powerpoint/2010/main" val="2909754712"/>
+      </p:ext>
+    </p:extLst>
+  </p:cSld>
+  <p:clrMapOvr>
+    <a:masterClrMapping/>
+  </p:clrMapOvr>
+  <p:timing>
+    <p:tnLst>
+      <p:par>
+        <p:cTn id="1" dur="indefinite" restart="never" nodeType="tmRoot"/>
+      </p:par>
+    </p:tnLst>
+  </p:timing>
+</p:sld>
+</file>
+
+<file path=ppt/slides/slide11.xml><?xml version="1.0" encoding="utf-8"?>
+<p:sld xmlns:a="http://schemas.openxmlformats.org/drawingml/2006/main" xmlns:r="http://schemas.openxmlformats.org/officeDocument/2006/relationships" xmlns:p="http://schemas.openxmlformats.org/presentationml/2006/main">
+  <p:cSld>
+    <p:spTree>
+      <p:nvGrpSpPr>
+        <p:cNvPr id="1" name=""/>
+        <p:cNvGrpSpPr/>
+        <p:nvPr/>
+      </p:nvGrpSpPr>
+      <p:grpSpPr>
+        <a:xfrm>
+          <a:off x="0" y="0"/>
+          <a:ext cx="0" cy="0"/>
+          <a:chOff x="0" y="0"/>
+          <a:chExt cx="0" cy="0"/>
+        </a:xfrm>
+      </p:grpSpPr>
+      <p:sp>
+        <p:nvSpPr>
+          <p:cNvPr id="2" name="Titolo 1"/>
+          <p:cNvSpPr>
+            <a:spLocks noGrp="1"/>
+          </p:cNvSpPr>
+          <p:nvPr>
+            <p:ph type="title"/>
+          </p:nvPr>
+        </p:nvSpPr>
+        <p:spPr/>
+        <p:txBody>
+          <a:bodyPr/>
+          <a:lstStyle/>
+          <a:p>
+            <a:r>
+              <a:rPr lang="en-GB" dirty="0" smtClean="0">
+                <a:solidFill>
+                  <a:schemeClr val="bg1">
+                    <a:lumMod val="50000"/>
+                  </a:schemeClr>
+                </a:solidFill>
+                <a:latin typeface="+mj-lt"/>
+              </a:rPr>
+              <a:t>Priority</a:t>
+            </a:r>
+            <a:endParaRPr lang="it-IT" dirty="0">
+              <a:solidFill>
+                <a:schemeClr val="bg1">
+                  <a:lumMod val="50000"/>
+                </a:schemeClr>
+              </a:solidFill>
+              <a:latin typeface="+mj-lt"/>
+            </a:endParaRPr>
+          </a:p>
+        </p:txBody>
+      </p:sp>
+      <p:sp>
+        <p:nvSpPr>
+          <p:cNvPr id="3" name="Segnaposto contenuto 2"/>
+          <p:cNvSpPr>
+            <a:spLocks noGrp="1"/>
+          </p:cNvSpPr>
+          <p:nvPr>
+            <p:ph idx="1"/>
+          </p:nvPr>
+        </p:nvSpPr>
+        <p:spPr/>
+        <p:txBody>
+          <a:bodyPr>
+            <a:normAutofit fontScale="85000" lnSpcReduction="20000"/>
+          </a:bodyPr>
+          <a:lstStyle/>
+          <a:p>
+            <a:pPr marL="0" indent="0">
+              <a:buNone/>
+            </a:pPr>
+            <a:r>
+              <a:rPr lang="it-IT" dirty="0"/>
+              <a:t>Questa tecnica di costruzione del grafo</a:t>
+            </a:r>
+            <a:r>
+              <a:rPr lang="it-IT" b="1" dirty="0"/>
+              <a:t>, </a:t>
+            </a:r>
+            <a:r>
+              <a:rPr lang="it-IT" dirty="0"/>
+              <a:t>viceversa, parte dal grafo originale e aggiunge solamente ad ogni nodo un numero di archi necessario a portarlo al nuovo grado di </a:t>
+            </a:r>
+            <a:r>
+              <a:rPr lang="it-IT" dirty="0" err="1"/>
+              <a:t>anonimizzazione</a:t>
+            </a:r>
+            <a:r>
+              <a:rPr lang="it-IT" dirty="0"/>
+              <a:t> precedentemente calcolato, mantenendo una coerenza col grafo originale. Dato che questa versione dell’algoritmo di costruzione del grafo deve valutare per ogni nodo l’introduzione di ogni possibile arco fino al raggiungimento del grado richiesto per l’</a:t>
+            </a:r>
+            <a:r>
+              <a:rPr lang="it-IT" dirty="0" err="1"/>
+              <a:t>anonimizzazione</a:t>
+            </a:r>
+            <a:r>
+              <a:rPr lang="it-IT" dirty="0"/>
+              <a:t>, è atteso che la complessità sia più elevata.</a:t>
+            </a:r>
+          </a:p>
+          <a:p>
+            <a:pPr marL="0" indent="0">
+              <a:buNone/>
+            </a:pPr>
+            <a:endParaRPr lang="it-IT" dirty="0"/>
+          </a:p>
+        </p:txBody>
+      </p:sp>
+      <p:pic>
+        <p:nvPicPr>
+          <p:cNvPr id="4" name="Immagine 3"/>
+          <p:cNvPicPr>
+            <a:picLocks noChangeAspect="1"/>
+          </p:cNvPicPr>
+          <p:nvPr/>
+        </p:nvPicPr>
+        <p:blipFill>
+          <a:blip r:embed="rId2" cstate="print">
+            <a:extLst>
+              <a:ext uri="{28A0092B-C50C-407E-A947-70E740481C1C}">
+                <a14:useLocalDpi xmlns:a14="http://schemas.microsoft.com/office/drawing/2010/main" val="0"/>
+              </a:ext>
+            </a:extLst>
+          </a:blip>
+          <a:stretch>
+            <a:fillRect/>
+          </a:stretch>
+        </p:blipFill>
+        <p:spPr>
+          <a:xfrm>
+            <a:off x="179512" y="4468193"/>
+            <a:ext cx="1114320" cy="572830"/>
+          </a:xfrm>
+          <a:prstGeom prst="rect">
+            <a:avLst/>
+          </a:prstGeom>
+        </p:spPr>
+      </p:pic>
+    </p:spTree>
+    <p:extLst>
+      <p:ext uri="{BB962C8B-B14F-4D97-AF65-F5344CB8AC3E}">
+        <p14:creationId xmlns:p14="http://schemas.microsoft.com/office/powerpoint/2010/main" val="2213572595"/>
+      </p:ext>
+    </p:extLst>
+  </p:cSld>
+  <p:clrMapOvr>
+    <a:masterClrMapping/>
+  </p:clrMapOvr>
+  <p:timing>
+    <p:tnLst>
+      <p:par>
+        <p:cTn id="1" dur="indefinite" restart="never" nodeType="tmRoot"/>
+      </p:par>
+    </p:tnLst>
+  </p:timing>
+</p:sld>
+</file>
+
+<file path=ppt/slides/slide12.xml><?xml version="1.0" encoding="utf-8"?>
+<p:sld xmlns:a="http://schemas.openxmlformats.org/drawingml/2006/main" xmlns:r="http://schemas.openxmlformats.org/officeDocument/2006/relationships" xmlns:p="http://schemas.openxmlformats.org/presentationml/2006/main">
+  <p:cSld>
+    <p:spTree>
+      <p:nvGrpSpPr>
+        <p:cNvPr id="1" name=""/>
+        <p:cNvGrpSpPr/>
+        <p:nvPr/>
+      </p:nvGrpSpPr>
+      <p:grpSpPr>
+        <a:xfrm>
+          <a:off x="0" y="0"/>
+          <a:ext cx="0" cy="0"/>
+          <a:chOff x="0" y="0"/>
+          <a:chExt cx="0" cy="0"/>
+        </a:xfrm>
+      </p:grpSpPr>
+      <p:sp>
+        <p:nvSpPr>
+          <p:cNvPr id="2" name="Titolo 1"/>
+          <p:cNvSpPr>
+            <a:spLocks noGrp="1"/>
+          </p:cNvSpPr>
+          <p:nvPr>
+            <p:ph type="title"/>
+          </p:nvPr>
+        </p:nvSpPr>
+        <p:spPr/>
+        <p:txBody>
+          <a:bodyPr/>
+          <a:lstStyle/>
+          <a:p>
+            <a:r>
+              <a:rPr lang="en-GB" dirty="0" err="1" smtClean="0">
+                <a:solidFill>
+                  <a:schemeClr val="bg1">
+                    <a:lumMod val="50000"/>
+                  </a:schemeClr>
+                </a:solidFill>
+                <a:latin typeface="+mj-lt"/>
+              </a:rPr>
+              <a:t>Risultati</a:t>
+            </a:r>
+            <a:endParaRPr lang="it-IT" dirty="0">
+              <a:solidFill>
+                <a:schemeClr val="bg1">
+                  <a:lumMod val="50000"/>
+                </a:schemeClr>
+              </a:solidFill>
+              <a:latin typeface="+mj-lt"/>
+            </a:endParaRPr>
+          </a:p>
+        </p:txBody>
+      </p:sp>
+      <p:sp>
+        <p:nvSpPr>
+          <p:cNvPr id="3" name="Segnaposto contenuto 2"/>
+          <p:cNvSpPr>
+            <a:spLocks noGrp="1"/>
+          </p:cNvSpPr>
+          <p:nvPr>
+            <p:ph idx="1"/>
+          </p:nvPr>
+        </p:nvSpPr>
+        <p:spPr/>
+        <p:txBody>
+          <a:bodyPr/>
+          <a:lstStyle/>
+          <a:p>
+            <a:endParaRPr lang="it-IT"/>
+          </a:p>
+        </p:txBody>
+      </p:sp>
+    </p:spTree>
+    <p:extLst>
+      <p:ext uri="{BB962C8B-B14F-4D97-AF65-F5344CB8AC3E}">
+        <p14:creationId xmlns:p14="http://schemas.microsoft.com/office/powerpoint/2010/main" val="3426889340"/>
+      </p:ext>
+    </p:extLst>
+  </p:cSld>
+  <p:clrMapOvr>
+    <a:masterClrMapping/>
+  </p:clrMapOvr>
+  <p:timing>
+    <p:tnLst>
+      <p:par>
+        <p:cTn id="1" dur="indefinite" restart="never" nodeType="tmRoot"/>
+      </p:par>
+    </p:tnLst>
+  </p:timing>
+</p:sld>
+</file>
+
+<file path=ppt/slides/slide13.xml><?xml version="1.0" encoding="utf-8"?>
+<p:sld xmlns:a="http://schemas.openxmlformats.org/drawingml/2006/main" xmlns:r="http://schemas.openxmlformats.org/officeDocument/2006/relationships" xmlns:p="http://schemas.openxmlformats.org/presentationml/2006/main">
+  <p:cSld>
+    <p:spTree>
+      <p:nvGrpSpPr>
+        <p:cNvPr id="1" name=""/>
+        <p:cNvGrpSpPr/>
+        <p:nvPr/>
+      </p:nvGrpSpPr>
+      <p:grpSpPr>
+        <a:xfrm>
+          <a:off x="0" y="0"/>
+          <a:ext cx="0" cy="0"/>
+          <a:chOff x="0" y="0"/>
+          <a:chExt cx="0" cy="0"/>
+        </a:xfrm>
+      </p:grpSpPr>
+      <p:sp>
+        <p:nvSpPr>
+          <p:cNvPr id="2" name="Titolo 1"/>
+          <p:cNvSpPr>
+            <a:spLocks noGrp="1"/>
+          </p:cNvSpPr>
+          <p:nvPr>
+            <p:ph type="title"/>
+          </p:nvPr>
+        </p:nvSpPr>
+        <p:spPr/>
+        <p:txBody>
+          <a:bodyPr/>
+          <a:lstStyle/>
+          <a:p>
+            <a:r>
+              <a:rPr lang="en-GB" dirty="0" err="1" smtClean="0">
+                <a:solidFill>
+                  <a:schemeClr val="bg1">
+                    <a:lumMod val="50000"/>
+                  </a:schemeClr>
+                </a:solidFill>
+                <a:latin typeface="+mj-lt"/>
+              </a:rPr>
+              <a:t>Conclusioni</a:t>
+            </a:r>
+            <a:endParaRPr lang="it-IT" dirty="0">
+              <a:solidFill>
+                <a:schemeClr val="bg1">
+                  <a:lumMod val="50000"/>
+                </a:schemeClr>
+              </a:solidFill>
+              <a:latin typeface="+mj-lt"/>
+            </a:endParaRPr>
+          </a:p>
+        </p:txBody>
+      </p:sp>
+      <p:sp>
+        <p:nvSpPr>
+          <p:cNvPr id="3" name="Segnaposto contenuto 2"/>
+          <p:cNvSpPr>
+            <a:spLocks noGrp="1"/>
+          </p:cNvSpPr>
+          <p:nvPr>
+            <p:ph idx="1"/>
+          </p:nvPr>
+        </p:nvSpPr>
+        <p:spPr/>
+        <p:txBody>
+          <a:bodyPr/>
+          <a:lstStyle/>
+          <a:p>
+            <a:endParaRPr lang="it-IT"/>
+          </a:p>
+        </p:txBody>
+      </p:sp>
+      <p:pic>
+        <p:nvPicPr>
+          <p:cNvPr id="4" name="Immagine 3"/>
+          <p:cNvPicPr>
+            <a:picLocks noChangeAspect="1"/>
+          </p:cNvPicPr>
+          <p:nvPr/>
+        </p:nvPicPr>
+        <p:blipFill>
+          <a:blip r:embed="rId2" cstate="print">
+            <a:extLst>
+              <a:ext uri="{28A0092B-C50C-407E-A947-70E740481C1C}">
+                <a14:useLocalDpi xmlns:a14="http://schemas.microsoft.com/office/drawing/2010/main" val="0"/>
+              </a:ext>
+            </a:extLst>
+          </a:blip>
+          <a:stretch>
+            <a:fillRect/>
+          </a:stretch>
+        </p:blipFill>
+        <p:spPr>
+          <a:xfrm>
+            <a:off x="179512" y="4468193"/>
+            <a:ext cx="1114320" cy="572830"/>
+          </a:xfrm>
+          <a:prstGeom prst="rect">
+            <a:avLst/>
+          </a:prstGeom>
+        </p:spPr>
+      </p:pic>
+    </p:spTree>
+    <p:extLst>
+      <p:ext uri="{BB962C8B-B14F-4D97-AF65-F5344CB8AC3E}">
+        <p14:creationId xmlns:p14="http://schemas.microsoft.com/office/powerpoint/2010/main" val="1879587016"/>
+      </p:ext>
+    </p:extLst>
+  </p:cSld>
+  <p:clrMapOvr>
+    <a:masterClrMapping/>
+  </p:clrMapOvr>
+  <p:timing>
+    <p:tnLst>
+      <p:par>
+        <p:cTn id="1" dur="indefinite" restart="never" nodeType="tmRoot"/>
+      </p:par>
+    </p:tnLst>
+  </p:timing>
+</p:sld>
+</file>
+
 <file path=ppt/slides/slide2.xml><?xml version="1.0" encoding="utf-8"?>
 <p:sld xmlns:a="http://schemas.openxmlformats.org/drawingml/2006/main" xmlns:r="http://schemas.openxmlformats.org/officeDocument/2006/relationships" xmlns:p="http://schemas.openxmlformats.org/presentationml/2006/main">
   <p:cSld>
@@ -3400,7 +3937,7 @@
       </p:grpSpPr>
       <p:sp>
         <p:nvSpPr>
-          <p:cNvPr id="2" name="Title 1"/>
+          <p:cNvPr id="2" name="Titolo 1"/>
           <p:cNvSpPr>
             <a:spLocks noGrp="1"/>
           </p:cNvSpPr>
@@ -3409,161 +3946,185 @@
           </p:nvPr>
         </p:nvSpPr>
         <p:spPr/>
+        <p:txBody>
+          <a:bodyPr/>
+          <a:lstStyle/>
+          <a:p>
+            <a:r>
+              <a:rPr lang="en-GB" dirty="0" err="1" smtClean="0">
+                <a:solidFill>
+                  <a:schemeClr val="bg1">
+                    <a:lumMod val="50000"/>
+                  </a:schemeClr>
+                </a:solidFill>
+                <a:latin typeface="+mj-lt"/>
+              </a:rPr>
+              <a:t>Obiettivo</a:t>
+            </a:r>
+            <a:endParaRPr lang="it-IT" dirty="0">
+              <a:solidFill>
+                <a:schemeClr val="bg1">
+                  <a:lumMod val="50000"/>
+                </a:schemeClr>
+              </a:solidFill>
+              <a:latin typeface="+mj-lt"/>
+            </a:endParaRPr>
+          </a:p>
+        </p:txBody>
+      </p:sp>
+      <p:sp>
+        <p:nvSpPr>
+          <p:cNvPr id="3" name="Segnaposto contenuto 2"/>
+          <p:cNvSpPr>
+            <a:spLocks noGrp="1"/>
+          </p:cNvSpPr>
+          <p:nvPr>
+            <p:ph idx="1"/>
+          </p:nvPr>
+        </p:nvSpPr>
+        <p:spPr>
+          <a:xfrm>
+            <a:off x="179512" y="1707654"/>
+            <a:ext cx="8712968" cy="2890416"/>
+          </a:xfrm>
+        </p:spPr>
         <p:txBody>
           <a:bodyPr>
             <a:normAutofit/>
           </a:bodyPr>
           <a:lstStyle/>
           <a:p>
-            <a:pPr algn="l"/>
-            <a:r>
-              <a:rPr lang="en-US" altLang="ko-KR" sz="4000" dirty="0" smtClean="0">
+            <a:pPr marL="0" indent="0">
+              <a:buNone/>
+            </a:pPr>
+            <a:r>
+              <a:rPr lang="it-IT" dirty="0" smtClean="0"/>
+              <a:t>Implementare</a:t>
+            </a:r>
+            <a:r>
+              <a:rPr lang="en-GB" dirty="0" smtClean="0"/>
+              <a:t> </a:t>
+            </a:r>
+            <a:r>
+              <a:rPr lang="en-GB" dirty="0" err="1" smtClean="0"/>
+              <a:t>l’algoritmo</a:t>
+            </a:r>
+            <a:r>
+              <a:rPr lang="en-GB" dirty="0" smtClean="0"/>
+              <a:t> </a:t>
+            </a:r>
+            <a:r>
+              <a:rPr lang="en-GB" dirty="0" err="1" smtClean="0"/>
+              <a:t>descritto</a:t>
+            </a:r>
+            <a:r>
+              <a:rPr lang="en-GB" dirty="0" smtClean="0"/>
+              <a:t> dal </a:t>
+            </a:r>
+            <a:r>
+              <a:rPr lang="en-GB" dirty="0"/>
+              <a:t>paper </a:t>
+            </a:r>
+            <a:r>
+              <a:rPr lang="en-GB" dirty="0" err="1" smtClean="0">
                 <a:solidFill>
-                  <a:schemeClr val="bg1"/>
+                  <a:srgbClr val="FF0000"/>
                 </a:solidFill>
               </a:rPr>
-              <a:t> Enter Your Tittle </a:t>
-            </a:r>
-            <a:endParaRPr lang="ko-KR" altLang="en-US" sz="4000" dirty="0">
+              <a:t>T</a:t>
+            </a:r>
+            <a:r>
+              <a:rPr lang="en-GB" i="1" dirty="0" err="1" smtClean="0">
+                <a:solidFill>
+                  <a:srgbClr val="FF0000"/>
+                </a:solidFill>
+              </a:rPr>
+              <a:t>owards_Identity_Anonymization_on_Graphs</a:t>
+            </a:r>
+            <a:endParaRPr lang="en-GB" i="1" dirty="0">
               <a:solidFill>
-                <a:schemeClr val="bg1"/>
+                <a:srgbClr val="FF0000"/>
               </a:solidFill>
             </a:endParaRPr>
           </a:p>
-        </p:txBody>
-      </p:sp>
-      <p:sp>
-        <p:nvSpPr>
-          <p:cNvPr id="4" name="Content Placeholder 3"/>
-          <p:cNvSpPr>
-            <a:spLocks noGrp="1"/>
-          </p:cNvSpPr>
-          <p:nvPr>
-            <p:ph idx="1"/>
-          </p:nvPr>
-        </p:nvSpPr>
+          <a:p>
+            <a:pPr marL="0" indent="0">
+              <a:buNone/>
+            </a:pPr>
+            <a:r>
+              <a:rPr lang="en-GB" dirty="0" err="1" smtClean="0"/>
+              <a:t>verificandone</a:t>
+            </a:r>
+            <a:r>
+              <a:rPr lang="en-GB" dirty="0" smtClean="0"/>
+              <a:t> </a:t>
+            </a:r>
+            <a:r>
+              <a:rPr lang="en-GB" dirty="0" err="1" smtClean="0"/>
+              <a:t>ed</a:t>
+            </a:r>
+            <a:r>
+              <a:rPr lang="en-GB" dirty="0" smtClean="0"/>
+              <a:t> </a:t>
+            </a:r>
+            <a:r>
+              <a:rPr lang="en-GB" dirty="0" err="1" smtClean="0"/>
+              <a:t>analizzandone</a:t>
+            </a:r>
+            <a:r>
+              <a:rPr lang="en-GB" dirty="0" smtClean="0"/>
+              <a:t> I </a:t>
+            </a:r>
+            <a:r>
+              <a:rPr lang="en-GB" dirty="0" err="1" smtClean="0"/>
+              <a:t>risultati</a:t>
+            </a:r>
+            <a:r>
+              <a:rPr lang="en-GB" dirty="0" smtClean="0"/>
+              <a:t> </a:t>
+            </a:r>
+            <a:r>
+              <a:rPr lang="en-GB" dirty="0" err="1" smtClean="0"/>
+              <a:t>prodotti</a:t>
+            </a:r>
+            <a:endParaRPr lang="it-IT" dirty="0"/>
+          </a:p>
+        </p:txBody>
+      </p:sp>
+      <p:pic>
+        <p:nvPicPr>
+          <p:cNvPr id="4" name="Immagine 3"/>
+          <p:cNvPicPr>
+            <a:picLocks noChangeAspect="1"/>
+          </p:cNvPicPr>
+          <p:nvPr/>
+        </p:nvPicPr>
+        <p:blipFill>
+          <a:blip r:embed="rId2" cstate="print">
+            <a:extLst>
+              <a:ext uri="{28A0092B-C50C-407E-A947-70E740481C1C}">
+                <a14:useLocalDpi xmlns:a14="http://schemas.microsoft.com/office/drawing/2010/main" val="0"/>
+              </a:ext>
+            </a:extLst>
+          </a:blip>
+          <a:stretch>
+            <a:fillRect/>
+          </a:stretch>
+        </p:blipFill>
         <p:spPr>
           <a:xfrm>
-            <a:off x="457200" y="1265510"/>
-            <a:ext cx="8229600" cy="3394472"/>
+            <a:off x="179512" y="4468193"/>
+            <a:ext cx="1114320" cy="572830"/>
           </a:xfrm>
+          <a:prstGeom prst="rect">
+            <a:avLst/>
+          </a:prstGeom>
         </p:spPr>
-        <p:txBody>
-          <a:bodyPr>
-            <a:normAutofit lnSpcReduction="10000"/>
-          </a:bodyPr>
-          <a:lstStyle/>
-          <a:p>
-            <a:r>
-              <a:rPr lang="en-US" altLang="ko-KR" sz="2800" dirty="0" smtClean="0">
-                <a:solidFill>
-                  <a:schemeClr val="tx1">
-                    <a:lumMod val="75000"/>
-                    <a:lumOff val="25000"/>
-                  </a:schemeClr>
-                </a:solidFill>
-                <a:latin typeface="Arial" pitchFamily="34" charset="0"/>
-                <a:cs typeface="Arial" pitchFamily="34" charset="0"/>
-              </a:rPr>
-              <a:t>Widescreen 16:9</a:t>
-            </a:r>
-          </a:p>
-          <a:p>
-            <a:pPr>
-              <a:buFont typeface="Wingdings" pitchFamily="2" charset="2"/>
-              <a:buChar char="ü"/>
-            </a:pPr>
-            <a:r>
-              <a:rPr lang="en-US" altLang="ko-KR" sz="2000" dirty="0" smtClean="0">
-                <a:solidFill>
-                  <a:schemeClr val="tx1">
-                    <a:lumMod val="50000"/>
-                    <a:lumOff val="50000"/>
-                  </a:schemeClr>
-                </a:solidFill>
-                <a:latin typeface="Arial" pitchFamily="34" charset="0"/>
-                <a:cs typeface="Arial" pitchFamily="34" charset="0"/>
-              </a:rPr>
-              <a:t>This PowerPoint Template has clean and neutral design that can be adapted to any content and meets various market segments. With this many slides you are able to make a complete PowerPoint Presentation that best suit your needs. </a:t>
-            </a:r>
-          </a:p>
-          <a:p>
-            <a:pPr>
-              <a:buFont typeface="Wingdings" pitchFamily="2" charset="2"/>
-              <a:buChar char="ü"/>
-            </a:pPr>
-            <a:endParaRPr lang="en-US" altLang="ko-KR" sz="2000" dirty="0">
-              <a:solidFill>
-                <a:schemeClr val="tx1">
-                  <a:lumMod val="50000"/>
-                  <a:lumOff val="50000"/>
-                </a:schemeClr>
-              </a:solidFill>
-              <a:latin typeface="Arial" pitchFamily="34" charset="0"/>
-              <a:cs typeface="Arial" pitchFamily="34" charset="0"/>
-            </a:endParaRPr>
-          </a:p>
-          <a:p>
-            <a:pPr>
-              <a:buFont typeface="Wingdings" pitchFamily="2" charset="2"/>
-              <a:buChar char="ü"/>
-            </a:pPr>
-            <a:r>
-              <a:rPr lang="en-US" altLang="ko-KR" sz="2000" dirty="0" smtClean="0">
-                <a:solidFill>
-                  <a:schemeClr val="tx1">
-                    <a:lumMod val="50000"/>
-                    <a:lumOff val="50000"/>
-                  </a:schemeClr>
-                </a:solidFill>
-                <a:latin typeface="Arial" pitchFamily="34" charset="0"/>
-                <a:cs typeface="Arial" pitchFamily="34" charset="0"/>
-              </a:rPr>
-              <a:t>This </a:t>
-            </a:r>
-            <a:r>
-              <a:rPr lang="en-US" altLang="ko-KR" sz="2000" dirty="0">
-                <a:solidFill>
-                  <a:schemeClr val="tx1">
-                    <a:lumMod val="50000"/>
-                    <a:lumOff val="50000"/>
-                  </a:schemeClr>
-                </a:solidFill>
-                <a:latin typeface="Arial" pitchFamily="34" charset="0"/>
-                <a:cs typeface="Arial" pitchFamily="34" charset="0"/>
-              </a:rPr>
-              <a:t>PowerPoint Template has clean and neutral design that can be adapted to any content and meets various market segments. With this many slides you are able to make a complete PowerPoint Presentation that best suit your needs</a:t>
-            </a:r>
-            <a:r>
-              <a:rPr lang="en-US" altLang="ko-KR" sz="2000" dirty="0" smtClean="0">
-                <a:solidFill>
-                  <a:schemeClr val="tx1">
-                    <a:lumMod val="50000"/>
-                    <a:lumOff val="50000"/>
-                  </a:schemeClr>
-                </a:solidFill>
-                <a:latin typeface="Arial" pitchFamily="34" charset="0"/>
-                <a:cs typeface="Arial" pitchFamily="34" charset="0"/>
-              </a:rPr>
-              <a:t>.</a:t>
-            </a:r>
-            <a:endParaRPr lang="ko-KR" altLang="en-US" sz="2000" dirty="0">
-              <a:solidFill>
-                <a:schemeClr val="tx1">
-                  <a:lumMod val="50000"/>
-                  <a:lumOff val="50000"/>
-                </a:schemeClr>
-              </a:solidFill>
-              <a:latin typeface="Arial" pitchFamily="34" charset="0"/>
-              <a:cs typeface="Arial" pitchFamily="34" charset="0"/>
-            </a:endParaRPr>
-          </a:p>
-        </p:txBody>
-      </p:sp>
+      </p:pic>
     </p:spTree>
     <p:extLst>
       <p:ext uri="{BB962C8B-B14F-4D97-AF65-F5344CB8AC3E}">
-        <p14:creationId xmlns:p14="http://schemas.microsoft.com/office/powerpoint/2010/main" val="2090594489"/>
+        <p14:creationId xmlns:p14="http://schemas.microsoft.com/office/powerpoint/2010/main" val="3360031116"/>
       </p:ext>
     </p:extLst>
   </p:cSld>
@@ -3612,29 +4173,440 @@
           <a:bodyPr/>
           <a:lstStyle/>
           <a:p>
+            <a:r>
+              <a:rPr lang="en-GB" dirty="0" err="1" smtClean="0">
+                <a:solidFill>
+                  <a:schemeClr val="bg1">
+                    <a:lumMod val="50000"/>
+                  </a:schemeClr>
+                </a:solidFill>
+                <a:latin typeface="+mj-lt"/>
+              </a:rPr>
+              <a:t>Presentazione</a:t>
+            </a:r>
+            <a:r>
+              <a:rPr lang="en-GB" dirty="0" smtClean="0">
+                <a:solidFill>
+                  <a:schemeClr val="bg1">
+                    <a:lumMod val="50000"/>
+                  </a:schemeClr>
+                </a:solidFill>
+                <a:latin typeface="+mj-lt"/>
+              </a:rPr>
+              <a:t> </a:t>
+            </a:r>
+            <a:r>
+              <a:rPr lang="en-GB" dirty="0" err="1" smtClean="0">
+                <a:solidFill>
+                  <a:schemeClr val="bg1">
+                    <a:lumMod val="50000"/>
+                  </a:schemeClr>
+                </a:solidFill>
+                <a:latin typeface="+mj-lt"/>
+              </a:rPr>
+              <a:t>algoritmo</a:t>
+            </a:r>
+            <a:endParaRPr lang="it-IT" dirty="0">
+              <a:solidFill>
+                <a:schemeClr val="bg1">
+                  <a:lumMod val="50000"/>
+                </a:schemeClr>
+              </a:solidFill>
+              <a:latin typeface="+mj-lt"/>
+            </a:endParaRPr>
+          </a:p>
+        </p:txBody>
+      </p:sp>
+      <p:sp>
+        <p:nvSpPr>
+          <p:cNvPr id="4" name="Segnaposto contenuto 2"/>
+          <p:cNvSpPr txBox="1">
+            <a:spLocks/>
+          </p:cNvSpPr>
+          <p:nvPr/>
+        </p:nvSpPr>
+        <p:spPr>
+          <a:xfrm>
+            <a:off x="323528" y="1275204"/>
+            <a:ext cx="8640960" cy="3394472"/>
+          </a:xfrm>
+          <a:prstGeom prst="rect">
+            <a:avLst/>
+          </a:prstGeom>
+        </p:spPr>
+        <p:txBody>
+          <a:bodyPr vert="horz" lIns="91440" tIns="45720" rIns="91440" bIns="45720" rtlCol="0">
+            <a:normAutofit/>
+          </a:bodyPr>
+          <a:lstStyle>
+            <a:lvl1pPr marL="342900" indent="-342900" algn="l" defTabSz="914400" rtl="0" eaLnBrk="1" latinLnBrk="1" hangingPunct="1">
+              <a:spcBef>
+                <a:spcPct val="20000"/>
+              </a:spcBef>
+              <a:buFont typeface="Arial" pitchFamily="34" charset="0"/>
+              <a:buChar char="•"/>
+              <a:defRPr sz="3200" kern="1200">
+                <a:solidFill>
+                  <a:schemeClr val="tx1"/>
+                </a:solidFill>
+                <a:latin typeface="+mn-lt"/>
+                <a:ea typeface="+mn-ea"/>
+                <a:cs typeface="+mn-cs"/>
+              </a:defRPr>
+            </a:lvl1pPr>
+            <a:lvl2pPr marL="742950" indent="-285750" algn="l" defTabSz="914400" rtl="0" eaLnBrk="1" latinLnBrk="1" hangingPunct="1">
+              <a:spcBef>
+                <a:spcPct val="20000"/>
+              </a:spcBef>
+              <a:buFont typeface="Arial" pitchFamily="34" charset="0"/>
+              <a:buChar char="–"/>
+              <a:defRPr sz="2800" kern="1200">
+                <a:solidFill>
+                  <a:schemeClr val="tx1"/>
+                </a:solidFill>
+                <a:latin typeface="+mn-lt"/>
+                <a:ea typeface="+mn-ea"/>
+                <a:cs typeface="+mn-cs"/>
+              </a:defRPr>
+            </a:lvl2pPr>
+            <a:lvl3pPr marL="1143000" indent="-228600" algn="l" defTabSz="914400" rtl="0" eaLnBrk="1" latinLnBrk="1" hangingPunct="1">
+              <a:spcBef>
+                <a:spcPct val="20000"/>
+              </a:spcBef>
+              <a:buFont typeface="Arial" pitchFamily="34" charset="0"/>
+              <a:buChar char="•"/>
+              <a:defRPr sz="2400" kern="1200">
+                <a:solidFill>
+                  <a:schemeClr val="tx1"/>
+                </a:solidFill>
+                <a:latin typeface="+mn-lt"/>
+                <a:ea typeface="+mn-ea"/>
+                <a:cs typeface="+mn-cs"/>
+              </a:defRPr>
+            </a:lvl3pPr>
+            <a:lvl4pPr marL="1600200" indent="-228600" algn="l" defTabSz="914400" rtl="0" eaLnBrk="1" latinLnBrk="1" hangingPunct="1">
+              <a:spcBef>
+                <a:spcPct val="20000"/>
+              </a:spcBef>
+              <a:buFont typeface="Arial" pitchFamily="34" charset="0"/>
+              <a:buChar char="–"/>
+              <a:defRPr sz="2000" kern="1200">
+                <a:solidFill>
+                  <a:schemeClr val="tx1"/>
+                </a:solidFill>
+                <a:latin typeface="+mn-lt"/>
+                <a:ea typeface="+mn-ea"/>
+                <a:cs typeface="+mn-cs"/>
+              </a:defRPr>
+            </a:lvl4pPr>
+            <a:lvl5pPr marL="2057400" indent="-228600" algn="l" defTabSz="914400" rtl="0" eaLnBrk="1" latinLnBrk="1" hangingPunct="1">
+              <a:spcBef>
+                <a:spcPct val="20000"/>
+              </a:spcBef>
+              <a:buFont typeface="Arial" pitchFamily="34" charset="0"/>
+              <a:buChar char="»"/>
+              <a:defRPr sz="2000" kern="1200">
+                <a:solidFill>
+                  <a:schemeClr val="tx1"/>
+                </a:solidFill>
+                <a:latin typeface="+mn-lt"/>
+                <a:ea typeface="+mn-ea"/>
+                <a:cs typeface="+mn-cs"/>
+              </a:defRPr>
+            </a:lvl5pPr>
+            <a:lvl6pPr marL="2514600" indent="-228600" algn="l" defTabSz="914400" rtl="0" eaLnBrk="1" latinLnBrk="1" hangingPunct="1">
+              <a:spcBef>
+                <a:spcPct val="20000"/>
+              </a:spcBef>
+              <a:buFont typeface="Arial" pitchFamily="34" charset="0"/>
+              <a:buChar char="•"/>
+              <a:defRPr sz="2000" kern="1200">
+                <a:solidFill>
+                  <a:schemeClr val="tx1"/>
+                </a:solidFill>
+                <a:latin typeface="+mn-lt"/>
+                <a:ea typeface="+mn-ea"/>
+                <a:cs typeface="+mn-cs"/>
+              </a:defRPr>
+            </a:lvl6pPr>
+            <a:lvl7pPr marL="2971800" indent="-228600" algn="l" defTabSz="914400" rtl="0" eaLnBrk="1" latinLnBrk="1" hangingPunct="1">
+              <a:spcBef>
+                <a:spcPct val="20000"/>
+              </a:spcBef>
+              <a:buFont typeface="Arial" pitchFamily="34" charset="0"/>
+              <a:buChar char="•"/>
+              <a:defRPr sz="2000" kern="1200">
+                <a:solidFill>
+                  <a:schemeClr val="tx1"/>
+                </a:solidFill>
+                <a:latin typeface="+mn-lt"/>
+                <a:ea typeface="+mn-ea"/>
+                <a:cs typeface="+mn-cs"/>
+              </a:defRPr>
+            </a:lvl7pPr>
+            <a:lvl8pPr marL="3429000" indent="-228600" algn="l" defTabSz="914400" rtl="0" eaLnBrk="1" latinLnBrk="1" hangingPunct="1">
+              <a:spcBef>
+                <a:spcPct val="20000"/>
+              </a:spcBef>
+              <a:buFont typeface="Arial" pitchFamily="34" charset="0"/>
+              <a:buChar char="•"/>
+              <a:defRPr sz="2000" kern="1200">
+                <a:solidFill>
+                  <a:schemeClr val="tx1"/>
+                </a:solidFill>
+                <a:latin typeface="+mn-lt"/>
+                <a:ea typeface="+mn-ea"/>
+                <a:cs typeface="+mn-cs"/>
+              </a:defRPr>
+            </a:lvl8pPr>
+            <a:lvl9pPr marL="3886200" indent="-228600" algn="l" defTabSz="914400" rtl="0" eaLnBrk="1" latinLnBrk="1" hangingPunct="1">
+              <a:spcBef>
+                <a:spcPct val="20000"/>
+              </a:spcBef>
+              <a:buFont typeface="Arial" pitchFamily="34" charset="0"/>
+              <a:buChar char="•"/>
+              <a:defRPr sz="2000" kern="1200">
+                <a:solidFill>
+                  <a:schemeClr val="tx1"/>
+                </a:solidFill>
+                <a:latin typeface="+mn-lt"/>
+                <a:ea typeface="+mn-ea"/>
+                <a:cs typeface="+mn-cs"/>
+              </a:defRPr>
+            </a:lvl9pPr>
+          </a:lstStyle>
+          <a:p>
+            <a:pPr marL="0" indent="0" algn="just">
+              <a:buFont typeface="Arial" pitchFamily="34" charset="0"/>
+              <a:buNone/>
+            </a:pPr>
+            <a:r>
+              <a:rPr lang="it-IT" dirty="0" smtClean="0"/>
+              <a:t>Dato un grafo non anonimizzato l’algoritmo anonimizza secondo </a:t>
+            </a:r>
+          </a:p>
+          <a:p>
+            <a:pPr marL="0" indent="0">
+              <a:buFont typeface="Arial" pitchFamily="34" charset="0"/>
+              <a:buNone/>
+            </a:pPr>
+            <a:endParaRPr lang="en-GB" dirty="0"/>
+          </a:p>
+          <a:p>
+            <a:pPr marL="0" indent="0">
+              <a:buFont typeface="Arial" pitchFamily="34" charset="0"/>
+              <a:buNone/>
+            </a:pPr>
+            <a:endParaRPr lang="it-IT" dirty="0" smtClean="0"/>
+          </a:p>
+          <a:p>
+            <a:pPr marL="0" indent="0">
+              <a:buNone/>
+            </a:pPr>
+            <a:endParaRPr lang="it-IT" dirty="0"/>
+          </a:p>
+        </p:txBody>
+      </p:sp>
+      <p:sp>
+        <p:nvSpPr>
+          <p:cNvPr id="8" name="Freccia a sinistra 7"/>
+          <p:cNvSpPr/>
+          <p:nvPr/>
+        </p:nvSpPr>
+        <p:spPr>
+          <a:xfrm rot="19367332">
+            <a:off x="2168858" y="2671108"/>
+            <a:ext cx="1440160" cy="395933"/>
+          </a:xfrm>
+          <a:prstGeom prst="leftArrow">
+            <a:avLst/>
+          </a:prstGeom>
+          <a:solidFill>
+            <a:schemeClr val="accent5">
+              <a:lumMod val="60000"/>
+              <a:lumOff val="40000"/>
+            </a:schemeClr>
+          </a:solidFill>
+        </p:spPr>
+        <p:style>
+          <a:lnRef idx="2">
+            <a:schemeClr val="accent1">
+              <a:shade val="50000"/>
+            </a:schemeClr>
+          </a:lnRef>
+          <a:fillRef idx="1">
+            <a:schemeClr val="accent1"/>
+          </a:fillRef>
+          <a:effectRef idx="0">
+            <a:schemeClr val="accent1"/>
+          </a:effectRef>
+          <a:fontRef idx="minor">
+            <a:schemeClr val="lt1"/>
+          </a:fontRef>
+        </p:style>
+        <p:txBody>
+          <a:bodyPr rtlCol="0" anchor="ctr"/>
+          <a:lstStyle/>
+          <a:p>
+            <a:pPr algn="ctr"/>
             <a:endParaRPr lang="it-IT"/>
           </a:p>
         </p:txBody>
       </p:sp>
       <p:sp>
         <p:nvSpPr>
-          <p:cNvPr id="3" name="Segnaposto contenuto 2"/>
-          <p:cNvSpPr>
-            <a:spLocks noGrp="1"/>
-          </p:cNvSpPr>
-          <p:nvPr>
-            <p:ph idx="1"/>
-          </p:nvPr>
-        </p:nvSpPr>
-        <p:spPr/>
-        <p:txBody>
-          <a:bodyPr/>
+          <p:cNvPr id="9" name="Freccia a sinistra 8"/>
+          <p:cNvSpPr/>
+          <p:nvPr/>
+        </p:nvSpPr>
+        <p:spPr>
+          <a:xfrm rot="13151535">
+            <a:off x="4607111" y="2649722"/>
+            <a:ext cx="1440160" cy="395933"/>
+          </a:xfrm>
+          <a:prstGeom prst="leftArrow">
+            <a:avLst/>
+          </a:prstGeom>
+          <a:solidFill>
+            <a:schemeClr val="accent5">
+              <a:lumMod val="60000"/>
+              <a:lumOff val="40000"/>
+            </a:schemeClr>
+          </a:solidFill>
+        </p:spPr>
+        <p:style>
+          <a:lnRef idx="2">
+            <a:schemeClr val="accent1">
+              <a:shade val="50000"/>
+            </a:schemeClr>
+          </a:lnRef>
+          <a:fillRef idx="1">
+            <a:schemeClr val="accent1"/>
+          </a:fillRef>
+          <a:effectRef idx="0">
+            <a:schemeClr val="accent1"/>
+          </a:effectRef>
+          <a:fontRef idx="minor">
+            <a:schemeClr val="lt1"/>
+          </a:fontRef>
+        </p:style>
+        <p:txBody>
+          <a:bodyPr rtlCol="0" anchor="ctr"/>
           <a:lstStyle/>
           <a:p>
+            <a:pPr algn="ctr"/>
             <a:endParaRPr lang="it-IT"/>
           </a:p>
         </p:txBody>
       </p:sp>
+      <p:sp>
+        <p:nvSpPr>
+          <p:cNvPr id="10" name="CasellaDiTesto 9"/>
+          <p:cNvSpPr txBox="1"/>
+          <p:nvPr/>
+        </p:nvSpPr>
+        <p:spPr>
+          <a:xfrm>
+            <a:off x="1161350" y="3363725"/>
+            <a:ext cx="2068771" cy="1077218"/>
+          </a:xfrm>
+          <a:prstGeom prst="rect">
+            <a:avLst/>
+          </a:prstGeom>
+          <a:noFill/>
+        </p:spPr>
+        <p:txBody>
+          <a:bodyPr wrap="none" rtlCol="0">
+            <a:spAutoFit/>
+          </a:bodyPr>
+          <a:lstStyle/>
+          <a:p>
+            <a:pPr algn="ctr"/>
+            <a:r>
+              <a:rPr lang="en-GB" sz="3200" dirty="0" err="1" smtClean="0"/>
+              <a:t>Approccio</a:t>
+            </a:r>
+            <a:endParaRPr lang="en-GB" sz="3200" dirty="0" smtClean="0"/>
+          </a:p>
+          <a:p>
+            <a:pPr algn="ctr"/>
+            <a:r>
+              <a:rPr lang="en-GB" sz="3200" dirty="0" smtClean="0"/>
+              <a:t>Greedy</a:t>
+            </a:r>
+            <a:endParaRPr lang="it-IT" sz="3200" dirty="0"/>
+          </a:p>
+        </p:txBody>
+      </p:sp>
+      <p:sp>
+        <p:nvSpPr>
+          <p:cNvPr id="11" name="CasellaDiTesto 10"/>
+          <p:cNvSpPr txBox="1"/>
+          <p:nvPr/>
+        </p:nvSpPr>
+        <p:spPr>
+          <a:xfrm>
+            <a:off x="3851920" y="3349596"/>
+            <a:ext cx="4607928" cy="1077218"/>
+          </a:xfrm>
+          <a:prstGeom prst="rect">
+            <a:avLst/>
+          </a:prstGeom>
+          <a:noFill/>
+        </p:spPr>
+        <p:txBody>
+          <a:bodyPr wrap="none" rtlCol="0">
+            <a:spAutoFit/>
+          </a:bodyPr>
+          <a:lstStyle/>
+          <a:p>
+            <a:pPr algn="ctr"/>
+            <a:r>
+              <a:rPr lang="en-GB" sz="3200" dirty="0" err="1" smtClean="0"/>
+              <a:t>Approccio</a:t>
+            </a:r>
+            <a:endParaRPr lang="en-GB" sz="3200" dirty="0" smtClean="0"/>
+          </a:p>
+          <a:p>
+            <a:pPr algn="ctr"/>
+            <a:r>
+              <a:rPr lang="en-GB" sz="3200" dirty="0" smtClean="0"/>
+              <a:t>Dynamic Programming</a:t>
+            </a:r>
+            <a:endParaRPr lang="it-IT" sz="3200" dirty="0"/>
+          </a:p>
+        </p:txBody>
+      </p:sp>
+      <p:pic>
+        <p:nvPicPr>
+          <p:cNvPr id="15" name="Immagine 14"/>
+          <p:cNvPicPr>
+            <a:picLocks noChangeAspect="1"/>
+          </p:cNvPicPr>
+          <p:nvPr/>
+        </p:nvPicPr>
+        <p:blipFill>
+          <a:blip r:embed="rId2" cstate="print">
+            <a:extLst>
+              <a:ext uri="{28A0092B-C50C-407E-A947-70E740481C1C}">
+                <a14:useLocalDpi xmlns:a14="http://schemas.microsoft.com/office/drawing/2010/main" val="0"/>
+              </a:ext>
+            </a:extLst>
+          </a:blip>
+          <a:stretch>
+            <a:fillRect/>
+          </a:stretch>
+        </p:blipFill>
+        <p:spPr>
+          <a:xfrm>
+            <a:off x="179512" y="4468193"/>
+            <a:ext cx="1114320" cy="572830"/>
+          </a:xfrm>
+          <a:prstGeom prst="rect">
+            <a:avLst/>
+          </a:prstGeom>
+        </p:spPr>
+      </p:pic>
     </p:spTree>
     <p:extLst>
       <p:ext uri="{BB962C8B-B14F-4D97-AF65-F5344CB8AC3E}">
@@ -3645,6 +4617,3129 @@
   <p:clrMapOvr>
     <a:masterClrMapping/>
   </p:clrMapOvr>
+  <p:timing>
+    <p:tnLst>
+      <p:par>
+        <p:cTn id="1" dur="indefinite" restart="never" nodeType="tmRoot">
+          <p:childTnLst>
+            <p:seq concurrent="1" nextAc="seek">
+              <p:cTn id="2" dur="indefinite" nodeType="mainSeq">
+                <p:childTnLst>
+                  <p:par>
+                    <p:cTn id="3" fill="hold">
+                      <p:stCondLst>
+                        <p:cond delay="indefinite"/>
+                      </p:stCondLst>
+                      <p:childTnLst>
+                        <p:par>
+                          <p:cTn id="4" fill="hold">
+                            <p:stCondLst>
+                              <p:cond delay="0"/>
+                            </p:stCondLst>
+                            <p:childTnLst>
+                              <p:par>
+                                <p:cTn id="5" presetID="10" presetClass="entr" presetSubtype="0" fill="hold" nodeType="clickEffect">
+                                  <p:stCondLst>
+                                    <p:cond delay="0"/>
+                                  </p:stCondLst>
+                                  <p:childTnLst>
+                                    <p:set>
+                                      <p:cBhvr>
+                                        <p:cTn id="6" dur="1" fill="hold">
+                                          <p:stCondLst>
+                                            <p:cond delay="0"/>
+                                          </p:stCondLst>
+                                        </p:cTn>
+                                        <p:tgtEl>
+                                          <p:spTgt spid="4">
+                                            <p:txEl>
+                                              <p:pRg st="0" end="0"/>
+                                            </p:txEl>
+                                          </p:spTgt>
+                                        </p:tgtEl>
+                                        <p:attrNameLst>
+                                          <p:attrName>style.visibility</p:attrName>
+                                        </p:attrNameLst>
+                                      </p:cBhvr>
+                                      <p:to>
+                                        <p:strVal val="visible"/>
+                                      </p:to>
+                                    </p:set>
+                                    <p:animEffect transition="in" filter="fade">
+                                      <p:cBhvr>
+                                        <p:cTn id="7" dur="500"/>
+                                        <p:tgtEl>
+                                          <p:spTgt spid="4">
+                                            <p:txEl>
+                                              <p:pRg st="0" end="0"/>
+                                            </p:txEl>
+                                          </p:spTgt>
+                                        </p:tgtEl>
+                                      </p:cBhvr>
+                                    </p:animEffect>
+                                  </p:childTnLst>
+                                </p:cTn>
+                              </p:par>
+                            </p:childTnLst>
+                          </p:cTn>
+                        </p:par>
+                      </p:childTnLst>
+                    </p:cTn>
+                  </p:par>
+                  <p:par>
+                    <p:cTn id="8" fill="hold">
+                      <p:stCondLst>
+                        <p:cond delay="indefinite"/>
+                      </p:stCondLst>
+                      <p:childTnLst>
+                        <p:par>
+                          <p:cTn id="9" fill="hold">
+                            <p:stCondLst>
+                              <p:cond delay="0"/>
+                            </p:stCondLst>
+                            <p:childTnLst>
+                              <p:par>
+                                <p:cTn id="10" presetID="2" presetClass="entr" presetSubtype="3" fill="hold" grpId="0" nodeType="clickEffect">
+                                  <p:stCondLst>
+                                    <p:cond delay="0"/>
+                                  </p:stCondLst>
+                                  <p:childTnLst>
+                                    <p:set>
+                                      <p:cBhvr>
+                                        <p:cTn id="11" dur="1" fill="hold">
+                                          <p:stCondLst>
+                                            <p:cond delay="0"/>
+                                          </p:stCondLst>
+                                        </p:cTn>
+                                        <p:tgtEl>
+                                          <p:spTgt spid="8"/>
+                                        </p:tgtEl>
+                                        <p:attrNameLst>
+                                          <p:attrName>style.visibility</p:attrName>
+                                        </p:attrNameLst>
+                                      </p:cBhvr>
+                                      <p:to>
+                                        <p:strVal val="visible"/>
+                                      </p:to>
+                                    </p:set>
+                                    <p:anim calcmode="lin" valueType="num">
+                                      <p:cBhvr additive="base">
+                                        <p:cTn id="12" dur="500" fill="hold"/>
+                                        <p:tgtEl>
+                                          <p:spTgt spid="8"/>
+                                        </p:tgtEl>
+                                        <p:attrNameLst>
+                                          <p:attrName>ppt_x</p:attrName>
+                                        </p:attrNameLst>
+                                      </p:cBhvr>
+                                      <p:tavLst>
+                                        <p:tav tm="0">
+                                          <p:val>
+                                            <p:strVal val="1+#ppt_w/2"/>
+                                          </p:val>
+                                        </p:tav>
+                                        <p:tav tm="100000">
+                                          <p:val>
+                                            <p:strVal val="#ppt_x"/>
+                                          </p:val>
+                                        </p:tav>
+                                      </p:tavLst>
+                                    </p:anim>
+                                    <p:anim calcmode="lin" valueType="num">
+                                      <p:cBhvr additive="base">
+                                        <p:cTn id="13" dur="500" fill="hold"/>
+                                        <p:tgtEl>
+                                          <p:spTgt spid="8"/>
+                                        </p:tgtEl>
+                                        <p:attrNameLst>
+                                          <p:attrName>ppt_y</p:attrName>
+                                        </p:attrNameLst>
+                                      </p:cBhvr>
+                                      <p:tavLst>
+                                        <p:tav tm="0">
+                                          <p:val>
+                                            <p:strVal val="0-#ppt_h/2"/>
+                                          </p:val>
+                                        </p:tav>
+                                        <p:tav tm="100000">
+                                          <p:val>
+                                            <p:strVal val="#ppt_y"/>
+                                          </p:val>
+                                        </p:tav>
+                                      </p:tavLst>
+                                    </p:anim>
+                                  </p:childTnLst>
+                                </p:cTn>
+                              </p:par>
+                              <p:par>
+                                <p:cTn id="14" presetID="10" presetClass="entr" presetSubtype="0" fill="hold" grpId="0" nodeType="withEffect">
+                                  <p:stCondLst>
+                                    <p:cond delay="0"/>
+                                  </p:stCondLst>
+                                  <p:childTnLst>
+                                    <p:set>
+                                      <p:cBhvr>
+                                        <p:cTn id="15" dur="1" fill="hold">
+                                          <p:stCondLst>
+                                            <p:cond delay="0"/>
+                                          </p:stCondLst>
+                                        </p:cTn>
+                                        <p:tgtEl>
+                                          <p:spTgt spid="10">
+                                            <p:txEl>
+                                              <p:pRg st="0" end="0"/>
+                                            </p:txEl>
+                                          </p:spTgt>
+                                        </p:tgtEl>
+                                        <p:attrNameLst>
+                                          <p:attrName>style.visibility</p:attrName>
+                                        </p:attrNameLst>
+                                      </p:cBhvr>
+                                      <p:to>
+                                        <p:strVal val="visible"/>
+                                      </p:to>
+                                    </p:set>
+                                    <p:animEffect transition="in" filter="fade">
+                                      <p:cBhvr>
+                                        <p:cTn id="16" dur="500"/>
+                                        <p:tgtEl>
+                                          <p:spTgt spid="10">
+                                            <p:txEl>
+                                              <p:pRg st="0" end="0"/>
+                                            </p:txEl>
+                                          </p:spTgt>
+                                        </p:tgtEl>
+                                      </p:cBhvr>
+                                    </p:animEffect>
+                                  </p:childTnLst>
+                                </p:cTn>
+                              </p:par>
+                              <p:par>
+                                <p:cTn id="17" presetID="10" presetClass="entr" presetSubtype="0" fill="hold" grpId="0" nodeType="withEffect">
+                                  <p:stCondLst>
+                                    <p:cond delay="0"/>
+                                  </p:stCondLst>
+                                  <p:childTnLst>
+                                    <p:set>
+                                      <p:cBhvr>
+                                        <p:cTn id="18" dur="1" fill="hold">
+                                          <p:stCondLst>
+                                            <p:cond delay="0"/>
+                                          </p:stCondLst>
+                                        </p:cTn>
+                                        <p:tgtEl>
+                                          <p:spTgt spid="10">
+                                            <p:txEl>
+                                              <p:pRg st="1" end="1"/>
+                                            </p:txEl>
+                                          </p:spTgt>
+                                        </p:tgtEl>
+                                        <p:attrNameLst>
+                                          <p:attrName>style.visibility</p:attrName>
+                                        </p:attrNameLst>
+                                      </p:cBhvr>
+                                      <p:to>
+                                        <p:strVal val="visible"/>
+                                      </p:to>
+                                    </p:set>
+                                    <p:animEffect transition="in" filter="fade">
+                                      <p:cBhvr>
+                                        <p:cTn id="19" dur="500"/>
+                                        <p:tgtEl>
+                                          <p:spTgt spid="10">
+                                            <p:txEl>
+                                              <p:pRg st="1" end="1"/>
+                                            </p:txEl>
+                                          </p:spTgt>
+                                        </p:tgtEl>
+                                      </p:cBhvr>
+                                    </p:animEffect>
+                                  </p:childTnLst>
+                                </p:cTn>
+                              </p:par>
+                            </p:childTnLst>
+                          </p:cTn>
+                        </p:par>
+                      </p:childTnLst>
+                    </p:cTn>
+                  </p:par>
+                  <p:par>
+                    <p:cTn id="20" fill="hold">
+                      <p:stCondLst>
+                        <p:cond delay="indefinite"/>
+                      </p:stCondLst>
+                      <p:childTnLst>
+                        <p:par>
+                          <p:cTn id="21" fill="hold">
+                            <p:stCondLst>
+                              <p:cond delay="0"/>
+                            </p:stCondLst>
+                            <p:childTnLst>
+                              <p:par>
+                                <p:cTn id="22" presetID="2" presetClass="entr" presetSubtype="9" fill="hold" grpId="0" nodeType="clickEffect">
+                                  <p:stCondLst>
+                                    <p:cond delay="0"/>
+                                  </p:stCondLst>
+                                  <p:childTnLst>
+                                    <p:set>
+                                      <p:cBhvr>
+                                        <p:cTn id="23" dur="1" fill="hold">
+                                          <p:stCondLst>
+                                            <p:cond delay="0"/>
+                                          </p:stCondLst>
+                                        </p:cTn>
+                                        <p:tgtEl>
+                                          <p:spTgt spid="9"/>
+                                        </p:tgtEl>
+                                        <p:attrNameLst>
+                                          <p:attrName>style.visibility</p:attrName>
+                                        </p:attrNameLst>
+                                      </p:cBhvr>
+                                      <p:to>
+                                        <p:strVal val="visible"/>
+                                      </p:to>
+                                    </p:set>
+                                    <p:anim calcmode="lin" valueType="num">
+                                      <p:cBhvr additive="base">
+                                        <p:cTn id="24" dur="500" fill="hold"/>
+                                        <p:tgtEl>
+                                          <p:spTgt spid="9"/>
+                                        </p:tgtEl>
+                                        <p:attrNameLst>
+                                          <p:attrName>ppt_x</p:attrName>
+                                        </p:attrNameLst>
+                                      </p:cBhvr>
+                                      <p:tavLst>
+                                        <p:tav tm="0">
+                                          <p:val>
+                                            <p:strVal val="0-#ppt_w/2"/>
+                                          </p:val>
+                                        </p:tav>
+                                        <p:tav tm="100000">
+                                          <p:val>
+                                            <p:strVal val="#ppt_x"/>
+                                          </p:val>
+                                        </p:tav>
+                                      </p:tavLst>
+                                    </p:anim>
+                                    <p:anim calcmode="lin" valueType="num">
+                                      <p:cBhvr additive="base">
+                                        <p:cTn id="25" dur="500" fill="hold"/>
+                                        <p:tgtEl>
+                                          <p:spTgt spid="9"/>
+                                        </p:tgtEl>
+                                        <p:attrNameLst>
+                                          <p:attrName>ppt_y</p:attrName>
+                                        </p:attrNameLst>
+                                      </p:cBhvr>
+                                      <p:tavLst>
+                                        <p:tav tm="0">
+                                          <p:val>
+                                            <p:strVal val="0-#ppt_h/2"/>
+                                          </p:val>
+                                        </p:tav>
+                                        <p:tav tm="100000">
+                                          <p:val>
+                                            <p:strVal val="#ppt_y"/>
+                                          </p:val>
+                                        </p:tav>
+                                      </p:tavLst>
+                                    </p:anim>
+                                  </p:childTnLst>
+                                </p:cTn>
+                              </p:par>
+                              <p:par>
+                                <p:cTn id="26" presetID="2" presetClass="entr" presetSubtype="4" fill="hold" grpId="0" nodeType="withEffect">
+                                  <p:stCondLst>
+                                    <p:cond delay="0"/>
+                                  </p:stCondLst>
+                                  <p:childTnLst>
+                                    <p:set>
+                                      <p:cBhvr>
+                                        <p:cTn id="27" dur="1" fill="hold">
+                                          <p:stCondLst>
+                                            <p:cond delay="0"/>
+                                          </p:stCondLst>
+                                        </p:cTn>
+                                        <p:tgtEl>
+                                          <p:spTgt spid="11">
+                                            <p:txEl>
+                                              <p:pRg st="0" end="0"/>
+                                            </p:txEl>
+                                          </p:spTgt>
+                                        </p:tgtEl>
+                                        <p:attrNameLst>
+                                          <p:attrName>style.visibility</p:attrName>
+                                        </p:attrNameLst>
+                                      </p:cBhvr>
+                                      <p:to>
+                                        <p:strVal val="visible"/>
+                                      </p:to>
+                                    </p:set>
+                                    <p:anim calcmode="lin" valueType="num">
+                                      <p:cBhvr additive="base">
+                                        <p:cTn id="28" dur="500" fill="hold"/>
+                                        <p:tgtEl>
+                                          <p:spTgt spid="11">
+                                            <p:txEl>
+                                              <p:pRg st="0" end="0"/>
+                                            </p:txEl>
+                                          </p:spTgt>
+                                        </p:tgtEl>
+                                        <p:attrNameLst>
+                                          <p:attrName>ppt_x</p:attrName>
+                                        </p:attrNameLst>
+                                      </p:cBhvr>
+                                      <p:tavLst>
+                                        <p:tav tm="0">
+                                          <p:val>
+                                            <p:strVal val="#ppt_x"/>
+                                          </p:val>
+                                        </p:tav>
+                                        <p:tav tm="100000">
+                                          <p:val>
+                                            <p:strVal val="#ppt_x"/>
+                                          </p:val>
+                                        </p:tav>
+                                      </p:tavLst>
+                                    </p:anim>
+                                    <p:anim calcmode="lin" valueType="num">
+                                      <p:cBhvr additive="base">
+                                        <p:cTn id="29" dur="500" fill="hold"/>
+                                        <p:tgtEl>
+                                          <p:spTgt spid="11">
+                                            <p:txEl>
+                                              <p:pRg st="0" end="0"/>
+                                            </p:txEl>
+                                          </p:spTgt>
+                                        </p:tgtEl>
+                                        <p:attrNameLst>
+                                          <p:attrName>ppt_y</p:attrName>
+                                        </p:attrNameLst>
+                                      </p:cBhvr>
+                                      <p:tavLst>
+                                        <p:tav tm="0">
+                                          <p:val>
+                                            <p:strVal val="1+#ppt_h/2"/>
+                                          </p:val>
+                                        </p:tav>
+                                        <p:tav tm="100000">
+                                          <p:val>
+                                            <p:strVal val="#ppt_y"/>
+                                          </p:val>
+                                        </p:tav>
+                                      </p:tavLst>
+                                    </p:anim>
+                                  </p:childTnLst>
+                                </p:cTn>
+                              </p:par>
+                              <p:par>
+                                <p:cTn id="30" presetID="2" presetClass="entr" presetSubtype="4" fill="hold" grpId="0" nodeType="withEffect">
+                                  <p:stCondLst>
+                                    <p:cond delay="0"/>
+                                  </p:stCondLst>
+                                  <p:childTnLst>
+                                    <p:set>
+                                      <p:cBhvr>
+                                        <p:cTn id="31" dur="1" fill="hold">
+                                          <p:stCondLst>
+                                            <p:cond delay="0"/>
+                                          </p:stCondLst>
+                                        </p:cTn>
+                                        <p:tgtEl>
+                                          <p:spTgt spid="11">
+                                            <p:txEl>
+                                              <p:pRg st="1" end="1"/>
+                                            </p:txEl>
+                                          </p:spTgt>
+                                        </p:tgtEl>
+                                        <p:attrNameLst>
+                                          <p:attrName>style.visibility</p:attrName>
+                                        </p:attrNameLst>
+                                      </p:cBhvr>
+                                      <p:to>
+                                        <p:strVal val="visible"/>
+                                      </p:to>
+                                    </p:set>
+                                    <p:anim calcmode="lin" valueType="num">
+                                      <p:cBhvr additive="base">
+                                        <p:cTn id="32" dur="500" fill="hold"/>
+                                        <p:tgtEl>
+                                          <p:spTgt spid="11">
+                                            <p:txEl>
+                                              <p:pRg st="1" end="1"/>
+                                            </p:txEl>
+                                          </p:spTgt>
+                                        </p:tgtEl>
+                                        <p:attrNameLst>
+                                          <p:attrName>ppt_x</p:attrName>
+                                        </p:attrNameLst>
+                                      </p:cBhvr>
+                                      <p:tavLst>
+                                        <p:tav tm="0">
+                                          <p:val>
+                                            <p:strVal val="#ppt_x"/>
+                                          </p:val>
+                                        </p:tav>
+                                        <p:tav tm="100000">
+                                          <p:val>
+                                            <p:strVal val="#ppt_x"/>
+                                          </p:val>
+                                        </p:tav>
+                                      </p:tavLst>
+                                    </p:anim>
+                                    <p:anim calcmode="lin" valueType="num">
+                                      <p:cBhvr additive="base">
+                                        <p:cTn id="33" dur="500" fill="hold"/>
+                                        <p:tgtEl>
+                                          <p:spTgt spid="11">
+                                            <p:txEl>
+                                              <p:pRg st="1" end="1"/>
+                                            </p:txEl>
+                                          </p:spTgt>
+                                        </p:tgtEl>
+                                        <p:attrNameLst>
+                                          <p:attrName>ppt_y</p:attrName>
+                                        </p:attrNameLst>
+                                      </p:cBhvr>
+                                      <p:tavLst>
+                                        <p:tav tm="0">
+                                          <p:val>
+                                            <p:strVal val="1+#ppt_h/2"/>
+                                          </p:val>
+                                        </p:tav>
+                                        <p:tav tm="100000">
+                                          <p:val>
+                                            <p:strVal val="#ppt_y"/>
+                                          </p:val>
+                                        </p:tav>
+                                      </p:tavLst>
+                                    </p:anim>
+                                  </p:childTnLst>
+                                </p:cTn>
+                              </p:par>
+                            </p:childTnLst>
+                          </p:cTn>
+                        </p:par>
+                      </p:childTnLst>
+                    </p:cTn>
+                  </p:par>
+                </p:childTnLst>
+              </p:cTn>
+              <p:prevCondLst>
+                <p:cond evt="onPrev" delay="0">
+                  <p:tgtEl>
+                    <p:sldTgt/>
+                  </p:tgtEl>
+                </p:cond>
+              </p:prevCondLst>
+              <p:nextCondLst>
+                <p:cond evt="onNext" delay="0">
+                  <p:tgtEl>
+                    <p:sldTgt/>
+                  </p:tgtEl>
+                </p:cond>
+              </p:nextCondLst>
+            </p:seq>
+          </p:childTnLst>
+        </p:cTn>
+      </p:par>
+    </p:tnLst>
+    <p:bldLst>
+      <p:bldP spid="8" grpId="0" animBg="1"/>
+      <p:bldP spid="9" grpId="0" animBg="1"/>
+      <p:bldP spid="10" grpId="0" build="allAtOnce"/>
+      <p:bldP spid="11" grpId="0" build="allAtOnce"/>
+    </p:bldLst>
+  </p:timing>
+</p:sld>
+</file>
+
+<file path=ppt/slides/slide4.xml><?xml version="1.0" encoding="utf-8"?>
+<p:sld xmlns:a="http://schemas.openxmlformats.org/drawingml/2006/main" xmlns:r="http://schemas.openxmlformats.org/officeDocument/2006/relationships" xmlns:p="http://schemas.openxmlformats.org/presentationml/2006/main">
+  <p:cSld>
+    <p:spTree>
+      <p:nvGrpSpPr>
+        <p:cNvPr id="1" name=""/>
+        <p:cNvGrpSpPr/>
+        <p:nvPr/>
+      </p:nvGrpSpPr>
+      <p:grpSpPr>
+        <a:xfrm>
+          <a:off x="0" y="0"/>
+          <a:ext cx="0" cy="0"/>
+          <a:chOff x="0" y="0"/>
+          <a:chExt cx="0" cy="0"/>
+        </a:xfrm>
+      </p:grpSpPr>
+      <p:sp>
+        <p:nvSpPr>
+          <p:cNvPr id="2" name="Titolo 1"/>
+          <p:cNvSpPr>
+            <a:spLocks noGrp="1"/>
+          </p:cNvSpPr>
+          <p:nvPr>
+            <p:ph type="title"/>
+          </p:nvPr>
+        </p:nvSpPr>
+        <p:spPr/>
+        <p:txBody>
+          <a:bodyPr/>
+          <a:lstStyle/>
+          <a:p>
+            <a:r>
+              <a:rPr lang="en-GB" dirty="0" err="1" smtClean="0">
+                <a:solidFill>
+                  <a:schemeClr val="bg1">
+                    <a:lumMod val="50000"/>
+                  </a:schemeClr>
+                </a:solidFill>
+                <a:latin typeface="+mj-lt"/>
+              </a:rPr>
+              <a:t>Presentazione</a:t>
+            </a:r>
+            <a:r>
+              <a:rPr lang="en-GB" dirty="0" smtClean="0">
+                <a:solidFill>
+                  <a:schemeClr val="bg1">
+                    <a:lumMod val="50000"/>
+                  </a:schemeClr>
+                </a:solidFill>
+                <a:latin typeface="+mj-lt"/>
+              </a:rPr>
+              <a:t> </a:t>
+            </a:r>
+            <a:r>
+              <a:rPr lang="en-GB" dirty="0" err="1" smtClean="0">
+                <a:solidFill>
+                  <a:schemeClr val="bg1">
+                    <a:lumMod val="50000"/>
+                  </a:schemeClr>
+                </a:solidFill>
+                <a:latin typeface="+mj-lt"/>
+              </a:rPr>
+              <a:t>algoritmo</a:t>
+            </a:r>
+            <a:endParaRPr lang="it-IT" dirty="0">
+              <a:solidFill>
+                <a:schemeClr val="bg1">
+                  <a:lumMod val="50000"/>
+                </a:schemeClr>
+              </a:solidFill>
+              <a:latin typeface="+mj-lt"/>
+            </a:endParaRPr>
+          </a:p>
+        </p:txBody>
+      </p:sp>
+      <p:sp>
+        <p:nvSpPr>
+          <p:cNvPr id="4" name="Segnaposto contenuto 2"/>
+          <p:cNvSpPr txBox="1">
+            <a:spLocks/>
+          </p:cNvSpPr>
+          <p:nvPr/>
+        </p:nvSpPr>
+        <p:spPr>
+          <a:xfrm>
+            <a:off x="323528" y="1275204"/>
+            <a:ext cx="8640960" cy="3394472"/>
+          </a:xfrm>
+          <a:prstGeom prst="rect">
+            <a:avLst/>
+          </a:prstGeom>
+        </p:spPr>
+        <p:txBody>
+          <a:bodyPr vert="horz" lIns="91440" tIns="45720" rIns="91440" bIns="45720" rtlCol="0">
+            <a:normAutofit/>
+          </a:bodyPr>
+          <a:lstStyle>
+            <a:lvl1pPr marL="342900" indent="-342900" algn="l" defTabSz="914400" rtl="0" eaLnBrk="1" latinLnBrk="1" hangingPunct="1">
+              <a:spcBef>
+                <a:spcPct val="20000"/>
+              </a:spcBef>
+              <a:buFont typeface="Arial" pitchFamily="34" charset="0"/>
+              <a:buChar char="•"/>
+              <a:defRPr sz="3200" kern="1200">
+                <a:solidFill>
+                  <a:schemeClr val="tx1"/>
+                </a:solidFill>
+                <a:latin typeface="+mn-lt"/>
+                <a:ea typeface="+mn-ea"/>
+                <a:cs typeface="+mn-cs"/>
+              </a:defRPr>
+            </a:lvl1pPr>
+            <a:lvl2pPr marL="742950" indent="-285750" algn="l" defTabSz="914400" rtl="0" eaLnBrk="1" latinLnBrk="1" hangingPunct="1">
+              <a:spcBef>
+                <a:spcPct val="20000"/>
+              </a:spcBef>
+              <a:buFont typeface="Arial" pitchFamily="34" charset="0"/>
+              <a:buChar char="–"/>
+              <a:defRPr sz="2800" kern="1200">
+                <a:solidFill>
+                  <a:schemeClr val="tx1"/>
+                </a:solidFill>
+                <a:latin typeface="+mn-lt"/>
+                <a:ea typeface="+mn-ea"/>
+                <a:cs typeface="+mn-cs"/>
+              </a:defRPr>
+            </a:lvl2pPr>
+            <a:lvl3pPr marL="1143000" indent="-228600" algn="l" defTabSz="914400" rtl="0" eaLnBrk="1" latinLnBrk="1" hangingPunct="1">
+              <a:spcBef>
+                <a:spcPct val="20000"/>
+              </a:spcBef>
+              <a:buFont typeface="Arial" pitchFamily="34" charset="0"/>
+              <a:buChar char="•"/>
+              <a:defRPr sz="2400" kern="1200">
+                <a:solidFill>
+                  <a:schemeClr val="tx1"/>
+                </a:solidFill>
+                <a:latin typeface="+mn-lt"/>
+                <a:ea typeface="+mn-ea"/>
+                <a:cs typeface="+mn-cs"/>
+              </a:defRPr>
+            </a:lvl3pPr>
+            <a:lvl4pPr marL="1600200" indent="-228600" algn="l" defTabSz="914400" rtl="0" eaLnBrk="1" latinLnBrk="1" hangingPunct="1">
+              <a:spcBef>
+                <a:spcPct val="20000"/>
+              </a:spcBef>
+              <a:buFont typeface="Arial" pitchFamily="34" charset="0"/>
+              <a:buChar char="–"/>
+              <a:defRPr sz="2000" kern="1200">
+                <a:solidFill>
+                  <a:schemeClr val="tx1"/>
+                </a:solidFill>
+                <a:latin typeface="+mn-lt"/>
+                <a:ea typeface="+mn-ea"/>
+                <a:cs typeface="+mn-cs"/>
+              </a:defRPr>
+            </a:lvl4pPr>
+            <a:lvl5pPr marL="2057400" indent="-228600" algn="l" defTabSz="914400" rtl="0" eaLnBrk="1" latinLnBrk="1" hangingPunct="1">
+              <a:spcBef>
+                <a:spcPct val="20000"/>
+              </a:spcBef>
+              <a:buFont typeface="Arial" pitchFamily="34" charset="0"/>
+              <a:buChar char="»"/>
+              <a:defRPr sz="2000" kern="1200">
+                <a:solidFill>
+                  <a:schemeClr val="tx1"/>
+                </a:solidFill>
+                <a:latin typeface="+mn-lt"/>
+                <a:ea typeface="+mn-ea"/>
+                <a:cs typeface="+mn-cs"/>
+              </a:defRPr>
+            </a:lvl5pPr>
+            <a:lvl6pPr marL="2514600" indent="-228600" algn="l" defTabSz="914400" rtl="0" eaLnBrk="1" latinLnBrk="1" hangingPunct="1">
+              <a:spcBef>
+                <a:spcPct val="20000"/>
+              </a:spcBef>
+              <a:buFont typeface="Arial" pitchFamily="34" charset="0"/>
+              <a:buChar char="•"/>
+              <a:defRPr sz="2000" kern="1200">
+                <a:solidFill>
+                  <a:schemeClr val="tx1"/>
+                </a:solidFill>
+                <a:latin typeface="+mn-lt"/>
+                <a:ea typeface="+mn-ea"/>
+                <a:cs typeface="+mn-cs"/>
+              </a:defRPr>
+            </a:lvl6pPr>
+            <a:lvl7pPr marL="2971800" indent="-228600" algn="l" defTabSz="914400" rtl="0" eaLnBrk="1" latinLnBrk="1" hangingPunct="1">
+              <a:spcBef>
+                <a:spcPct val="20000"/>
+              </a:spcBef>
+              <a:buFont typeface="Arial" pitchFamily="34" charset="0"/>
+              <a:buChar char="•"/>
+              <a:defRPr sz="2000" kern="1200">
+                <a:solidFill>
+                  <a:schemeClr val="tx1"/>
+                </a:solidFill>
+                <a:latin typeface="+mn-lt"/>
+                <a:ea typeface="+mn-ea"/>
+                <a:cs typeface="+mn-cs"/>
+              </a:defRPr>
+            </a:lvl7pPr>
+            <a:lvl8pPr marL="3429000" indent="-228600" algn="l" defTabSz="914400" rtl="0" eaLnBrk="1" latinLnBrk="1" hangingPunct="1">
+              <a:spcBef>
+                <a:spcPct val="20000"/>
+              </a:spcBef>
+              <a:buFont typeface="Arial" pitchFamily="34" charset="0"/>
+              <a:buChar char="•"/>
+              <a:defRPr sz="2000" kern="1200">
+                <a:solidFill>
+                  <a:schemeClr val="tx1"/>
+                </a:solidFill>
+                <a:latin typeface="+mn-lt"/>
+                <a:ea typeface="+mn-ea"/>
+                <a:cs typeface="+mn-cs"/>
+              </a:defRPr>
+            </a:lvl8pPr>
+            <a:lvl9pPr marL="3886200" indent="-228600" algn="l" defTabSz="914400" rtl="0" eaLnBrk="1" latinLnBrk="1" hangingPunct="1">
+              <a:spcBef>
+                <a:spcPct val="20000"/>
+              </a:spcBef>
+              <a:buFont typeface="Arial" pitchFamily="34" charset="0"/>
+              <a:buChar char="•"/>
+              <a:defRPr sz="2000" kern="1200">
+                <a:solidFill>
+                  <a:schemeClr val="tx1"/>
+                </a:solidFill>
+                <a:latin typeface="+mn-lt"/>
+                <a:ea typeface="+mn-ea"/>
+                <a:cs typeface="+mn-cs"/>
+              </a:defRPr>
+            </a:lvl9pPr>
+          </a:lstStyle>
+          <a:p>
+            <a:pPr marL="0" indent="0" algn="just">
+              <a:buFont typeface="Arial" pitchFamily="34" charset="0"/>
+              <a:buNone/>
+            </a:pPr>
+            <a:r>
+              <a:rPr lang="it-IT" dirty="0" smtClean="0"/>
+              <a:t>Per ciascun tipo di </a:t>
+            </a:r>
+            <a:r>
+              <a:rPr lang="it-IT" dirty="0" err="1" smtClean="0"/>
+              <a:t>anonimizzazione</a:t>
+            </a:r>
+            <a:r>
+              <a:rPr lang="it-IT" dirty="0" smtClean="0"/>
+              <a:t> vengono </a:t>
+            </a:r>
+            <a:r>
+              <a:rPr lang="it-IT" dirty="0" err="1" smtClean="0"/>
+              <a:t>vengono</a:t>
+            </a:r>
+            <a:r>
+              <a:rPr lang="it-IT" dirty="0" smtClean="0"/>
+              <a:t> costruiti i grafi utilizzando </a:t>
+            </a:r>
+          </a:p>
+          <a:p>
+            <a:pPr marL="0" indent="0">
+              <a:buFont typeface="Arial" pitchFamily="34" charset="0"/>
+              <a:buNone/>
+            </a:pPr>
+            <a:endParaRPr lang="en-GB" dirty="0"/>
+          </a:p>
+          <a:p>
+            <a:pPr marL="0" indent="0">
+              <a:buFont typeface="Arial" pitchFamily="34" charset="0"/>
+              <a:buNone/>
+            </a:pPr>
+            <a:endParaRPr lang="it-IT" dirty="0" smtClean="0"/>
+          </a:p>
+          <a:p>
+            <a:pPr marL="0" indent="0">
+              <a:buNone/>
+            </a:pPr>
+            <a:endParaRPr lang="it-IT" dirty="0"/>
+          </a:p>
+        </p:txBody>
+      </p:sp>
+      <p:sp>
+        <p:nvSpPr>
+          <p:cNvPr id="8" name="Freccia a sinistra 7"/>
+          <p:cNvSpPr/>
+          <p:nvPr/>
+        </p:nvSpPr>
+        <p:spPr>
+          <a:xfrm rot="19367332">
+            <a:off x="2168858" y="2671108"/>
+            <a:ext cx="1440160" cy="395933"/>
+          </a:xfrm>
+          <a:prstGeom prst="leftArrow">
+            <a:avLst/>
+          </a:prstGeom>
+          <a:solidFill>
+            <a:schemeClr val="accent5">
+              <a:lumMod val="60000"/>
+              <a:lumOff val="40000"/>
+            </a:schemeClr>
+          </a:solidFill>
+        </p:spPr>
+        <p:style>
+          <a:lnRef idx="2">
+            <a:schemeClr val="accent1">
+              <a:shade val="50000"/>
+            </a:schemeClr>
+          </a:lnRef>
+          <a:fillRef idx="1">
+            <a:schemeClr val="accent1"/>
+          </a:fillRef>
+          <a:effectRef idx="0">
+            <a:schemeClr val="accent1"/>
+          </a:effectRef>
+          <a:fontRef idx="minor">
+            <a:schemeClr val="lt1"/>
+          </a:fontRef>
+        </p:style>
+        <p:txBody>
+          <a:bodyPr rtlCol="0" anchor="ctr"/>
+          <a:lstStyle/>
+          <a:p>
+            <a:pPr algn="ctr"/>
+            <a:endParaRPr lang="it-IT"/>
+          </a:p>
+        </p:txBody>
+      </p:sp>
+      <p:sp>
+        <p:nvSpPr>
+          <p:cNvPr id="9" name="Freccia a sinistra 8"/>
+          <p:cNvSpPr/>
+          <p:nvPr/>
+        </p:nvSpPr>
+        <p:spPr>
+          <a:xfrm rot="13151535">
+            <a:off x="4607111" y="2649722"/>
+            <a:ext cx="1440160" cy="395933"/>
+          </a:xfrm>
+          <a:prstGeom prst="leftArrow">
+            <a:avLst/>
+          </a:prstGeom>
+          <a:solidFill>
+            <a:schemeClr val="accent5">
+              <a:lumMod val="60000"/>
+              <a:lumOff val="40000"/>
+            </a:schemeClr>
+          </a:solidFill>
+        </p:spPr>
+        <p:style>
+          <a:lnRef idx="2">
+            <a:schemeClr val="accent1">
+              <a:shade val="50000"/>
+            </a:schemeClr>
+          </a:lnRef>
+          <a:fillRef idx="1">
+            <a:schemeClr val="accent1"/>
+          </a:fillRef>
+          <a:effectRef idx="0">
+            <a:schemeClr val="accent1"/>
+          </a:effectRef>
+          <a:fontRef idx="minor">
+            <a:schemeClr val="lt1"/>
+          </a:fontRef>
+        </p:style>
+        <p:txBody>
+          <a:bodyPr rtlCol="0" anchor="ctr"/>
+          <a:lstStyle/>
+          <a:p>
+            <a:pPr algn="ctr"/>
+            <a:endParaRPr lang="it-IT"/>
+          </a:p>
+        </p:txBody>
+      </p:sp>
+      <p:sp>
+        <p:nvSpPr>
+          <p:cNvPr id="10" name="CasellaDiTesto 9"/>
+          <p:cNvSpPr txBox="1"/>
+          <p:nvPr/>
+        </p:nvSpPr>
+        <p:spPr>
+          <a:xfrm>
+            <a:off x="1212937" y="3363725"/>
+            <a:ext cx="1965603" cy="1077218"/>
+          </a:xfrm>
+          <a:prstGeom prst="rect">
+            <a:avLst/>
+          </a:prstGeom>
+          <a:noFill/>
+        </p:spPr>
+        <p:txBody>
+          <a:bodyPr wrap="none" rtlCol="0">
+            <a:spAutoFit/>
+          </a:bodyPr>
+          <a:lstStyle/>
+          <a:p>
+            <a:pPr algn="ctr"/>
+            <a:r>
+              <a:rPr lang="en-GB" sz="3200" dirty="0" err="1" smtClean="0"/>
+              <a:t>Tecnica</a:t>
+            </a:r>
+            <a:endParaRPr lang="en-GB" sz="3200" dirty="0" smtClean="0"/>
+          </a:p>
+          <a:p>
+            <a:pPr algn="ctr"/>
+            <a:r>
+              <a:rPr lang="en-GB" sz="3200" dirty="0" smtClean="0"/>
+              <a:t>Construct</a:t>
+            </a:r>
+            <a:endParaRPr lang="it-IT" sz="3200" dirty="0"/>
+          </a:p>
+        </p:txBody>
+      </p:sp>
+      <p:sp>
+        <p:nvSpPr>
+          <p:cNvPr id="11" name="CasellaDiTesto 10"/>
+          <p:cNvSpPr txBox="1"/>
+          <p:nvPr/>
+        </p:nvSpPr>
+        <p:spPr>
+          <a:xfrm>
+            <a:off x="5397120" y="3349596"/>
+            <a:ext cx="1517531" cy="1077218"/>
+          </a:xfrm>
+          <a:prstGeom prst="rect">
+            <a:avLst/>
+          </a:prstGeom>
+          <a:noFill/>
+        </p:spPr>
+        <p:txBody>
+          <a:bodyPr wrap="none" rtlCol="0">
+            <a:spAutoFit/>
+          </a:bodyPr>
+          <a:lstStyle/>
+          <a:p>
+            <a:pPr algn="ctr"/>
+            <a:r>
+              <a:rPr lang="en-GB" sz="3200" dirty="0" err="1" smtClean="0"/>
+              <a:t>Tecnica</a:t>
+            </a:r>
+            <a:endParaRPr lang="en-GB" sz="3200" dirty="0" smtClean="0"/>
+          </a:p>
+          <a:p>
+            <a:pPr algn="ctr"/>
+            <a:r>
+              <a:rPr lang="en-GB" sz="3200" dirty="0" smtClean="0"/>
+              <a:t>Priority</a:t>
+            </a:r>
+            <a:endParaRPr lang="it-IT" sz="3200" dirty="0"/>
+          </a:p>
+        </p:txBody>
+      </p:sp>
+      <p:pic>
+        <p:nvPicPr>
+          <p:cNvPr id="12" name="Immagine 11"/>
+          <p:cNvPicPr>
+            <a:picLocks noChangeAspect="1"/>
+          </p:cNvPicPr>
+          <p:nvPr/>
+        </p:nvPicPr>
+        <p:blipFill>
+          <a:blip r:embed="rId2" cstate="print">
+            <a:extLst>
+              <a:ext uri="{28A0092B-C50C-407E-A947-70E740481C1C}">
+                <a14:useLocalDpi xmlns:a14="http://schemas.microsoft.com/office/drawing/2010/main" val="0"/>
+              </a:ext>
+            </a:extLst>
+          </a:blip>
+          <a:stretch>
+            <a:fillRect/>
+          </a:stretch>
+        </p:blipFill>
+        <p:spPr>
+          <a:xfrm>
+            <a:off x="179512" y="4468193"/>
+            <a:ext cx="1114320" cy="572830"/>
+          </a:xfrm>
+          <a:prstGeom prst="rect">
+            <a:avLst/>
+          </a:prstGeom>
+        </p:spPr>
+      </p:pic>
+    </p:spTree>
+    <p:extLst>
+      <p:ext uri="{BB962C8B-B14F-4D97-AF65-F5344CB8AC3E}">
+        <p14:creationId xmlns:p14="http://schemas.microsoft.com/office/powerpoint/2010/main" val="98486889"/>
+      </p:ext>
+    </p:extLst>
+  </p:cSld>
+  <p:clrMapOvr>
+    <a:masterClrMapping/>
+  </p:clrMapOvr>
+  <p:timing>
+    <p:tnLst>
+      <p:par>
+        <p:cTn id="1" dur="indefinite" restart="never" nodeType="tmRoot">
+          <p:childTnLst>
+            <p:seq concurrent="1" nextAc="seek">
+              <p:cTn id="2" dur="indefinite" nodeType="mainSeq">
+                <p:childTnLst>
+                  <p:par>
+                    <p:cTn id="3" fill="hold">
+                      <p:stCondLst>
+                        <p:cond delay="indefinite"/>
+                      </p:stCondLst>
+                      <p:childTnLst>
+                        <p:par>
+                          <p:cTn id="4" fill="hold">
+                            <p:stCondLst>
+                              <p:cond delay="0"/>
+                            </p:stCondLst>
+                            <p:childTnLst>
+                              <p:par>
+                                <p:cTn id="5" presetID="10" presetClass="entr" presetSubtype="0" fill="hold" nodeType="clickEffect">
+                                  <p:stCondLst>
+                                    <p:cond delay="0"/>
+                                  </p:stCondLst>
+                                  <p:childTnLst>
+                                    <p:set>
+                                      <p:cBhvr>
+                                        <p:cTn id="6" dur="1" fill="hold">
+                                          <p:stCondLst>
+                                            <p:cond delay="0"/>
+                                          </p:stCondLst>
+                                        </p:cTn>
+                                        <p:tgtEl>
+                                          <p:spTgt spid="4">
+                                            <p:txEl>
+                                              <p:pRg st="0" end="0"/>
+                                            </p:txEl>
+                                          </p:spTgt>
+                                        </p:tgtEl>
+                                        <p:attrNameLst>
+                                          <p:attrName>style.visibility</p:attrName>
+                                        </p:attrNameLst>
+                                      </p:cBhvr>
+                                      <p:to>
+                                        <p:strVal val="visible"/>
+                                      </p:to>
+                                    </p:set>
+                                    <p:animEffect transition="in" filter="fade">
+                                      <p:cBhvr>
+                                        <p:cTn id="7" dur="500"/>
+                                        <p:tgtEl>
+                                          <p:spTgt spid="4">
+                                            <p:txEl>
+                                              <p:pRg st="0" end="0"/>
+                                            </p:txEl>
+                                          </p:spTgt>
+                                        </p:tgtEl>
+                                      </p:cBhvr>
+                                    </p:animEffect>
+                                  </p:childTnLst>
+                                </p:cTn>
+                              </p:par>
+                            </p:childTnLst>
+                          </p:cTn>
+                        </p:par>
+                      </p:childTnLst>
+                    </p:cTn>
+                  </p:par>
+                  <p:par>
+                    <p:cTn id="8" fill="hold">
+                      <p:stCondLst>
+                        <p:cond delay="indefinite"/>
+                      </p:stCondLst>
+                      <p:childTnLst>
+                        <p:par>
+                          <p:cTn id="9" fill="hold">
+                            <p:stCondLst>
+                              <p:cond delay="0"/>
+                            </p:stCondLst>
+                            <p:childTnLst>
+                              <p:par>
+                                <p:cTn id="10" presetID="2" presetClass="entr" presetSubtype="3" fill="hold" grpId="0" nodeType="clickEffect">
+                                  <p:stCondLst>
+                                    <p:cond delay="0"/>
+                                  </p:stCondLst>
+                                  <p:childTnLst>
+                                    <p:set>
+                                      <p:cBhvr>
+                                        <p:cTn id="11" dur="1" fill="hold">
+                                          <p:stCondLst>
+                                            <p:cond delay="0"/>
+                                          </p:stCondLst>
+                                        </p:cTn>
+                                        <p:tgtEl>
+                                          <p:spTgt spid="8"/>
+                                        </p:tgtEl>
+                                        <p:attrNameLst>
+                                          <p:attrName>style.visibility</p:attrName>
+                                        </p:attrNameLst>
+                                      </p:cBhvr>
+                                      <p:to>
+                                        <p:strVal val="visible"/>
+                                      </p:to>
+                                    </p:set>
+                                    <p:anim calcmode="lin" valueType="num">
+                                      <p:cBhvr additive="base">
+                                        <p:cTn id="12" dur="500" fill="hold"/>
+                                        <p:tgtEl>
+                                          <p:spTgt spid="8"/>
+                                        </p:tgtEl>
+                                        <p:attrNameLst>
+                                          <p:attrName>ppt_x</p:attrName>
+                                        </p:attrNameLst>
+                                      </p:cBhvr>
+                                      <p:tavLst>
+                                        <p:tav tm="0">
+                                          <p:val>
+                                            <p:strVal val="1+#ppt_w/2"/>
+                                          </p:val>
+                                        </p:tav>
+                                        <p:tav tm="100000">
+                                          <p:val>
+                                            <p:strVal val="#ppt_x"/>
+                                          </p:val>
+                                        </p:tav>
+                                      </p:tavLst>
+                                    </p:anim>
+                                    <p:anim calcmode="lin" valueType="num">
+                                      <p:cBhvr additive="base">
+                                        <p:cTn id="13" dur="500" fill="hold"/>
+                                        <p:tgtEl>
+                                          <p:spTgt spid="8"/>
+                                        </p:tgtEl>
+                                        <p:attrNameLst>
+                                          <p:attrName>ppt_y</p:attrName>
+                                        </p:attrNameLst>
+                                      </p:cBhvr>
+                                      <p:tavLst>
+                                        <p:tav tm="0">
+                                          <p:val>
+                                            <p:strVal val="0-#ppt_h/2"/>
+                                          </p:val>
+                                        </p:tav>
+                                        <p:tav tm="100000">
+                                          <p:val>
+                                            <p:strVal val="#ppt_y"/>
+                                          </p:val>
+                                        </p:tav>
+                                      </p:tavLst>
+                                    </p:anim>
+                                  </p:childTnLst>
+                                </p:cTn>
+                              </p:par>
+                              <p:par>
+                                <p:cTn id="14" presetID="2" presetClass="entr" presetSubtype="4" fill="hold" grpId="0" nodeType="withEffect">
+                                  <p:stCondLst>
+                                    <p:cond delay="0"/>
+                                  </p:stCondLst>
+                                  <p:childTnLst>
+                                    <p:set>
+                                      <p:cBhvr>
+                                        <p:cTn id="15" dur="1" fill="hold">
+                                          <p:stCondLst>
+                                            <p:cond delay="0"/>
+                                          </p:stCondLst>
+                                        </p:cTn>
+                                        <p:tgtEl>
+                                          <p:spTgt spid="10">
+                                            <p:txEl>
+                                              <p:pRg st="0" end="0"/>
+                                            </p:txEl>
+                                          </p:spTgt>
+                                        </p:tgtEl>
+                                        <p:attrNameLst>
+                                          <p:attrName>style.visibility</p:attrName>
+                                        </p:attrNameLst>
+                                      </p:cBhvr>
+                                      <p:to>
+                                        <p:strVal val="visible"/>
+                                      </p:to>
+                                    </p:set>
+                                    <p:anim calcmode="lin" valueType="num">
+                                      <p:cBhvr additive="base">
+                                        <p:cTn id="16" dur="500" fill="hold"/>
+                                        <p:tgtEl>
+                                          <p:spTgt spid="10">
+                                            <p:txEl>
+                                              <p:pRg st="0" end="0"/>
+                                            </p:txEl>
+                                          </p:spTgt>
+                                        </p:tgtEl>
+                                        <p:attrNameLst>
+                                          <p:attrName>ppt_x</p:attrName>
+                                        </p:attrNameLst>
+                                      </p:cBhvr>
+                                      <p:tavLst>
+                                        <p:tav tm="0">
+                                          <p:val>
+                                            <p:strVal val="#ppt_x"/>
+                                          </p:val>
+                                        </p:tav>
+                                        <p:tav tm="100000">
+                                          <p:val>
+                                            <p:strVal val="#ppt_x"/>
+                                          </p:val>
+                                        </p:tav>
+                                      </p:tavLst>
+                                    </p:anim>
+                                    <p:anim calcmode="lin" valueType="num">
+                                      <p:cBhvr additive="base">
+                                        <p:cTn id="17" dur="500" fill="hold"/>
+                                        <p:tgtEl>
+                                          <p:spTgt spid="10">
+                                            <p:txEl>
+                                              <p:pRg st="0" end="0"/>
+                                            </p:txEl>
+                                          </p:spTgt>
+                                        </p:tgtEl>
+                                        <p:attrNameLst>
+                                          <p:attrName>ppt_y</p:attrName>
+                                        </p:attrNameLst>
+                                      </p:cBhvr>
+                                      <p:tavLst>
+                                        <p:tav tm="0">
+                                          <p:val>
+                                            <p:strVal val="1+#ppt_h/2"/>
+                                          </p:val>
+                                        </p:tav>
+                                        <p:tav tm="100000">
+                                          <p:val>
+                                            <p:strVal val="#ppt_y"/>
+                                          </p:val>
+                                        </p:tav>
+                                      </p:tavLst>
+                                    </p:anim>
+                                  </p:childTnLst>
+                                </p:cTn>
+                              </p:par>
+                              <p:par>
+                                <p:cTn id="18" presetID="2" presetClass="entr" presetSubtype="4" fill="hold" grpId="0" nodeType="withEffect">
+                                  <p:stCondLst>
+                                    <p:cond delay="0"/>
+                                  </p:stCondLst>
+                                  <p:childTnLst>
+                                    <p:set>
+                                      <p:cBhvr>
+                                        <p:cTn id="19" dur="1" fill="hold">
+                                          <p:stCondLst>
+                                            <p:cond delay="0"/>
+                                          </p:stCondLst>
+                                        </p:cTn>
+                                        <p:tgtEl>
+                                          <p:spTgt spid="10">
+                                            <p:txEl>
+                                              <p:pRg st="1" end="1"/>
+                                            </p:txEl>
+                                          </p:spTgt>
+                                        </p:tgtEl>
+                                        <p:attrNameLst>
+                                          <p:attrName>style.visibility</p:attrName>
+                                        </p:attrNameLst>
+                                      </p:cBhvr>
+                                      <p:to>
+                                        <p:strVal val="visible"/>
+                                      </p:to>
+                                    </p:set>
+                                    <p:anim calcmode="lin" valueType="num">
+                                      <p:cBhvr additive="base">
+                                        <p:cTn id="20" dur="500" fill="hold"/>
+                                        <p:tgtEl>
+                                          <p:spTgt spid="10">
+                                            <p:txEl>
+                                              <p:pRg st="1" end="1"/>
+                                            </p:txEl>
+                                          </p:spTgt>
+                                        </p:tgtEl>
+                                        <p:attrNameLst>
+                                          <p:attrName>ppt_x</p:attrName>
+                                        </p:attrNameLst>
+                                      </p:cBhvr>
+                                      <p:tavLst>
+                                        <p:tav tm="0">
+                                          <p:val>
+                                            <p:strVal val="#ppt_x"/>
+                                          </p:val>
+                                        </p:tav>
+                                        <p:tav tm="100000">
+                                          <p:val>
+                                            <p:strVal val="#ppt_x"/>
+                                          </p:val>
+                                        </p:tav>
+                                      </p:tavLst>
+                                    </p:anim>
+                                    <p:anim calcmode="lin" valueType="num">
+                                      <p:cBhvr additive="base">
+                                        <p:cTn id="21" dur="500" fill="hold"/>
+                                        <p:tgtEl>
+                                          <p:spTgt spid="10">
+                                            <p:txEl>
+                                              <p:pRg st="1" end="1"/>
+                                            </p:txEl>
+                                          </p:spTgt>
+                                        </p:tgtEl>
+                                        <p:attrNameLst>
+                                          <p:attrName>ppt_y</p:attrName>
+                                        </p:attrNameLst>
+                                      </p:cBhvr>
+                                      <p:tavLst>
+                                        <p:tav tm="0">
+                                          <p:val>
+                                            <p:strVal val="1+#ppt_h/2"/>
+                                          </p:val>
+                                        </p:tav>
+                                        <p:tav tm="100000">
+                                          <p:val>
+                                            <p:strVal val="#ppt_y"/>
+                                          </p:val>
+                                        </p:tav>
+                                      </p:tavLst>
+                                    </p:anim>
+                                  </p:childTnLst>
+                                </p:cTn>
+                              </p:par>
+                            </p:childTnLst>
+                          </p:cTn>
+                        </p:par>
+                      </p:childTnLst>
+                    </p:cTn>
+                  </p:par>
+                  <p:par>
+                    <p:cTn id="22" fill="hold">
+                      <p:stCondLst>
+                        <p:cond delay="indefinite"/>
+                      </p:stCondLst>
+                      <p:childTnLst>
+                        <p:par>
+                          <p:cTn id="23" fill="hold">
+                            <p:stCondLst>
+                              <p:cond delay="0"/>
+                            </p:stCondLst>
+                            <p:childTnLst>
+                              <p:par>
+                                <p:cTn id="24" presetID="2" presetClass="entr" presetSubtype="4" fill="hold" grpId="0" nodeType="clickEffect">
+                                  <p:stCondLst>
+                                    <p:cond delay="0"/>
+                                  </p:stCondLst>
+                                  <p:childTnLst>
+                                    <p:set>
+                                      <p:cBhvr>
+                                        <p:cTn id="25" dur="1" fill="hold">
+                                          <p:stCondLst>
+                                            <p:cond delay="0"/>
+                                          </p:stCondLst>
+                                        </p:cTn>
+                                        <p:tgtEl>
+                                          <p:spTgt spid="11">
+                                            <p:txEl>
+                                              <p:pRg st="0" end="0"/>
+                                            </p:txEl>
+                                          </p:spTgt>
+                                        </p:tgtEl>
+                                        <p:attrNameLst>
+                                          <p:attrName>style.visibility</p:attrName>
+                                        </p:attrNameLst>
+                                      </p:cBhvr>
+                                      <p:to>
+                                        <p:strVal val="visible"/>
+                                      </p:to>
+                                    </p:set>
+                                    <p:anim calcmode="lin" valueType="num">
+                                      <p:cBhvr additive="base">
+                                        <p:cTn id="26" dur="500" fill="hold"/>
+                                        <p:tgtEl>
+                                          <p:spTgt spid="11">
+                                            <p:txEl>
+                                              <p:pRg st="0" end="0"/>
+                                            </p:txEl>
+                                          </p:spTgt>
+                                        </p:tgtEl>
+                                        <p:attrNameLst>
+                                          <p:attrName>ppt_x</p:attrName>
+                                        </p:attrNameLst>
+                                      </p:cBhvr>
+                                      <p:tavLst>
+                                        <p:tav tm="0">
+                                          <p:val>
+                                            <p:strVal val="#ppt_x"/>
+                                          </p:val>
+                                        </p:tav>
+                                        <p:tav tm="100000">
+                                          <p:val>
+                                            <p:strVal val="#ppt_x"/>
+                                          </p:val>
+                                        </p:tav>
+                                      </p:tavLst>
+                                    </p:anim>
+                                    <p:anim calcmode="lin" valueType="num">
+                                      <p:cBhvr additive="base">
+                                        <p:cTn id="27" dur="500" fill="hold"/>
+                                        <p:tgtEl>
+                                          <p:spTgt spid="11">
+                                            <p:txEl>
+                                              <p:pRg st="0" end="0"/>
+                                            </p:txEl>
+                                          </p:spTgt>
+                                        </p:tgtEl>
+                                        <p:attrNameLst>
+                                          <p:attrName>ppt_y</p:attrName>
+                                        </p:attrNameLst>
+                                      </p:cBhvr>
+                                      <p:tavLst>
+                                        <p:tav tm="0">
+                                          <p:val>
+                                            <p:strVal val="1+#ppt_h/2"/>
+                                          </p:val>
+                                        </p:tav>
+                                        <p:tav tm="100000">
+                                          <p:val>
+                                            <p:strVal val="#ppt_y"/>
+                                          </p:val>
+                                        </p:tav>
+                                      </p:tavLst>
+                                    </p:anim>
+                                  </p:childTnLst>
+                                </p:cTn>
+                              </p:par>
+                              <p:par>
+                                <p:cTn id="28" presetID="2" presetClass="entr" presetSubtype="4" fill="hold" grpId="0" nodeType="withEffect">
+                                  <p:stCondLst>
+                                    <p:cond delay="0"/>
+                                  </p:stCondLst>
+                                  <p:childTnLst>
+                                    <p:set>
+                                      <p:cBhvr>
+                                        <p:cTn id="29" dur="1" fill="hold">
+                                          <p:stCondLst>
+                                            <p:cond delay="0"/>
+                                          </p:stCondLst>
+                                        </p:cTn>
+                                        <p:tgtEl>
+                                          <p:spTgt spid="11">
+                                            <p:txEl>
+                                              <p:pRg st="1" end="1"/>
+                                            </p:txEl>
+                                          </p:spTgt>
+                                        </p:tgtEl>
+                                        <p:attrNameLst>
+                                          <p:attrName>style.visibility</p:attrName>
+                                        </p:attrNameLst>
+                                      </p:cBhvr>
+                                      <p:to>
+                                        <p:strVal val="visible"/>
+                                      </p:to>
+                                    </p:set>
+                                    <p:anim calcmode="lin" valueType="num">
+                                      <p:cBhvr additive="base">
+                                        <p:cTn id="30" dur="500" fill="hold"/>
+                                        <p:tgtEl>
+                                          <p:spTgt spid="11">
+                                            <p:txEl>
+                                              <p:pRg st="1" end="1"/>
+                                            </p:txEl>
+                                          </p:spTgt>
+                                        </p:tgtEl>
+                                        <p:attrNameLst>
+                                          <p:attrName>ppt_x</p:attrName>
+                                        </p:attrNameLst>
+                                      </p:cBhvr>
+                                      <p:tavLst>
+                                        <p:tav tm="0">
+                                          <p:val>
+                                            <p:strVal val="#ppt_x"/>
+                                          </p:val>
+                                        </p:tav>
+                                        <p:tav tm="100000">
+                                          <p:val>
+                                            <p:strVal val="#ppt_x"/>
+                                          </p:val>
+                                        </p:tav>
+                                      </p:tavLst>
+                                    </p:anim>
+                                    <p:anim calcmode="lin" valueType="num">
+                                      <p:cBhvr additive="base">
+                                        <p:cTn id="31" dur="500" fill="hold"/>
+                                        <p:tgtEl>
+                                          <p:spTgt spid="11">
+                                            <p:txEl>
+                                              <p:pRg st="1" end="1"/>
+                                            </p:txEl>
+                                          </p:spTgt>
+                                        </p:tgtEl>
+                                        <p:attrNameLst>
+                                          <p:attrName>ppt_y</p:attrName>
+                                        </p:attrNameLst>
+                                      </p:cBhvr>
+                                      <p:tavLst>
+                                        <p:tav tm="0">
+                                          <p:val>
+                                            <p:strVal val="1+#ppt_h/2"/>
+                                          </p:val>
+                                        </p:tav>
+                                        <p:tav tm="100000">
+                                          <p:val>
+                                            <p:strVal val="#ppt_y"/>
+                                          </p:val>
+                                        </p:tav>
+                                      </p:tavLst>
+                                    </p:anim>
+                                  </p:childTnLst>
+                                </p:cTn>
+                              </p:par>
+                              <p:par>
+                                <p:cTn id="32" presetID="2" presetClass="entr" presetSubtype="9" fill="hold" grpId="0" nodeType="withEffect">
+                                  <p:stCondLst>
+                                    <p:cond delay="0"/>
+                                  </p:stCondLst>
+                                  <p:childTnLst>
+                                    <p:set>
+                                      <p:cBhvr>
+                                        <p:cTn id="33" dur="1" fill="hold">
+                                          <p:stCondLst>
+                                            <p:cond delay="0"/>
+                                          </p:stCondLst>
+                                        </p:cTn>
+                                        <p:tgtEl>
+                                          <p:spTgt spid="9"/>
+                                        </p:tgtEl>
+                                        <p:attrNameLst>
+                                          <p:attrName>style.visibility</p:attrName>
+                                        </p:attrNameLst>
+                                      </p:cBhvr>
+                                      <p:to>
+                                        <p:strVal val="visible"/>
+                                      </p:to>
+                                    </p:set>
+                                    <p:anim calcmode="lin" valueType="num">
+                                      <p:cBhvr additive="base">
+                                        <p:cTn id="34" dur="500" fill="hold"/>
+                                        <p:tgtEl>
+                                          <p:spTgt spid="9"/>
+                                        </p:tgtEl>
+                                        <p:attrNameLst>
+                                          <p:attrName>ppt_x</p:attrName>
+                                        </p:attrNameLst>
+                                      </p:cBhvr>
+                                      <p:tavLst>
+                                        <p:tav tm="0">
+                                          <p:val>
+                                            <p:strVal val="0-#ppt_w/2"/>
+                                          </p:val>
+                                        </p:tav>
+                                        <p:tav tm="100000">
+                                          <p:val>
+                                            <p:strVal val="#ppt_x"/>
+                                          </p:val>
+                                        </p:tav>
+                                      </p:tavLst>
+                                    </p:anim>
+                                    <p:anim calcmode="lin" valueType="num">
+                                      <p:cBhvr additive="base">
+                                        <p:cTn id="35" dur="500" fill="hold"/>
+                                        <p:tgtEl>
+                                          <p:spTgt spid="9"/>
+                                        </p:tgtEl>
+                                        <p:attrNameLst>
+                                          <p:attrName>ppt_y</p:attrName>
+                                        </p:attrNameLst>
+                                      </p:cBhvr>
+                                      <p:tavLst>
+                                        <p:tav tm="0">
+                                          <p:val>
+                                            <p:strVal val="0-#ppt_h/2"/>
+                                          </p:val>
+                                        </p:tav>
+                                        <p:tav tm="100000">
+                                          <p:val>
+                                            <p:strVal val="#ppt_y"/>
+                                          </p:val>
+                                        </p:tav>
+                                      </p:tavLst>
+                                    </p:anim>
+                                  </p:childTnLst>
+                                </p:cTn>
+                              </p:par>
+                            </p:childTnLst>
+                          </p:cTn>
+                        </p:par>
+                      </p:childTnLst>
+                    </p:cTn>
+                  </p:par>
+                </p:childTnLst>
+              </p:cTn>
+              <p:prevCondLst>
+                <p:cond evt="onPrev" delay="0">
+                  <p:tgtEl>
+                    <p:sldTgt/>
+                  </p:tgtEl>
+                </p:cond>
+              </p:prevCondLst>
+              <p:nextCondLst>
+                <p:cond evt="onNext" delay="0">
+                  <p:tgtEl>
+                    <p:sldTgt/>
+                  </p:tgtEl>
+                </p:cond>
+              </p:nextCondLst>
+            </p:seq>
+          </p:childTnLst>
+        </p:cTn>
+      </p:par>
+    </p:tnLst>
+    <p:bldLst>
+      <p:bldP spid="8" grpId="0" animBg="1"/>
+      <p:bldP spid="9" grpId="0" animBg="1"/>
+      <p:bldP spid="10" grpId="0" build="allAtOnce"/>
+      <p:bldP spid="11" grpId="0" build="allAtOnce"/>
+    </p:bldLst>
+  </p:timing>
+</p:sld>
+</file>
+
+<file path=ppt/slides/slide5.xml><?xml version="1.0" encoding="utf-8"?>
+<p:sld xmlns:a="http://schemas.openxmlformats.org/drawingml/2006/main" xmlns:r="http://schemas.openxmlformats.org/officeDocument/2006/relationships" xmlns:p="http://schemas.openxmlformats.org/presentationml/2006/main">
+  <p:cSld>
+    <p:spTree>
+      <p:nvGrpSpPr>
+        <p:cNvPr id="1" name=""/>
+        <p:cNvGrpSpPr/>
+        <p:nvPr/>
+      </p:nvGrpSpPr>
+      <p:grpSpPr>
+        <a:xfrm>
+          <a:off x="0" y="0"/>
+          <a:ext cx="0" cy="0"/>
+          <a:chOff x="0" y="0"/>
+          <a:chExt cx="0" cy="0"/>
+        </a:xfrm>
+      </p:grpSpPr>
+      <p:sp>
+        <p:nvSpPr>
+          <p:cNvPr id="2" name="Titolo 1"/>
+          <p:cNvSpPr>
+            <a:spLocks noGrp="1"/>
+          </p:cNvSpPr>
+          <p:nvPr>
+            <p:ph type="title"/>
+          </p:nvPr>
+        </p:nvSpPr>
+        <p:spPr>
+          <a:xfrm>
+            <a:off x="0" y="27216"/>
+            <a:ext cx="9144000" cy="744334"/>
+          </a:xfrm>
+        </p:spPr>
+        <p:txBody>
+          <a:bodyPr/>
+          <a:lstStyle/>
+          <a:p>
+            <a:r>
+              <a:rPr lang="en-GB" dirty="0" err="1" smtClean="0">
+                <a:solidFill>
+                  <a:schemeClr val="bg1">
+                    <a:lumMod val="50000"/>
+                  </a:schemeClr>
+                </a:solidFill>
+                <a:latin typeface="+mj-lt"/>
+              </a:rPr>
+              <a:t>Tecniche</a:t>
+            </a:r>
+            <a:r>
+              <a:rPr lang="en-GB" dirty="0" smtClean="0">
+                <a:solidFill>
+                  <a:schemeClr val="bg1">
+                    <a:lumMod val="50000"/>
+                  </a:schemeClr>
+                </a:solidFill>
+                <a:latin typeface="+mj-lt"/>
+              </a:rPr>
+              <a:t> di </a:t>
+            </a:r>
+            <a:r>
+              <a:rPr lang="en-GB" dirty="0" err="1" smtClean="0">
+                <a:solidFill>
+                  <a:schemeClr val="bg1">
+                    <a:lumMod val="50000"/>
+                  </a:schemeClr>
+                </a:solidFill>
+                <a:latin typeface="+mj-lt"/>
+              </a:rPr>
+              <a:t>anonimizzazione</a:t>
+            </a:r>
+            <a:r>
+              <a:rPr lang="en-GB" dirty="0" smtClean="0">
+                <a:solidFill>
+                  <a:schemeClr val="bg1">
+                    <a:lumMod val="50000"/>
+                  </a:schemeClr>
+                </a:solidFill>
+                <a:latin typeface="+mj-lt"/>
+              </a:rPr>
+              <a:t> </a:t>
+            </a:r>
+            <a:endParaRPr lang="it-IT" dirty="0">
+              <a:solidFill>
+                <a:schemeClr val="bg1">
+                  <a:lumMod val="50000"/>
+                </a:schemeClr>
+              </a:solidFill>
+              <a:latin typeface="+mj-lt"/>
+            </a:endParaRPr>
+          </a:p>
+        </p:txBody>
+      </p:sp>
+      <p:sp>
+        <p:nvSpPr>
+          <p:cNvPr id="3" name="Segnaposto contenuto 2"/>
+          <p:cNvSpPr>
+            <a:spLocks noGrp="1"/>
+          </p:cNvSpPr>
+          <p:nvPr>
+            <p:ph idx="1"/>
+          </p:nvPr>
+        </p:nvSpPr>
+        <p:spPr>
+          <a:xfrm>
+            <a:off x="323528" y="1200151"/>
+            <a:ext cx="8363272" cy="3394472"/>
+          </a:xfrm>
+        </p:spPr>
+        <p:txBody>
+          <a:bodyPr anchor="ctr">
+            <a:normAutofit/>
+          </a:bodyPr>
+          <a:lstStyle/>
+          <a:p>
+            <a:pPr marL="0" indent="0" algn="just">
+              <a:buNone/>
+            </a:pPr>
+            <a:r>
+              <a:rPr lang="it-IT" dirty="0" smtClean="0"/>
+              <a:t>I grafi sono stati anonimizzati in maniera</a:t>
+            </a:r>
+          </a:p>
+          <a:p>
+            <a:pPr marL="0" indent="0" algn="just">
+              <a:buNone/>
+            </a:pPr>
+            <a:r>
+              <a:rPr lang="it-IT" dirty="0" smtClean="0"/>
+              <a:t>incrementale su K secondo i seguenti algoritmi</a:t>
+            </a:r>
+            <a:endParaRPr lang="it-IT" dirty="0"/>
+          </a:p>
+        </p:txBody>
+      </p:sp>
+      <p:pic>
+        <p:nvPicPr>
+          <p:cNvPr id="4" name="Immagine 3"/>
+          <p:cNvPicPr>
+            <a:picLocks noChangeAspect="1"/>
+          </p:cNvPicPr>
+          <p:nvPr/>
+        </p:nvPicPr>
+        <p:blipFill>
+          <a:blip r:embed="rId2" cstate="print">
+            <a:extLst>
+              <a:ext uri="{28A0092B-C50C-407E-A947-70E740481C1C}">
+                <a14:useLocalDpi xmlns:a14="http://schemas.microsoft.com/office/drawing/2010/main" val="0"/>
+              </a:ext>
+            </a:extLst>
+          </a:blip>
+          <a:stretch>
+            <a:fillRect/>
+          </a:stretch>
+        </p:blipFill>
+        <p:spPr>
+          <a:xfrm>
+            <a:off x="179512" y="4468193"/>
+            <a:ext cx="1114320" cy="572830"/>
+          </a:xfrm>
+          <a:prstGeom prst="rect">
+            <a:avLst/>
+          </a:prstGeom>
+        </p:spPr>
+      </p:pic>
+    </p:spTree>
+    <p:extLst>
+      <p:ext uri="{BB962C8B-B14F-4D97-AF65-F5344CB8AC3E}">
+        <p14:creationId xmlns:p14="http://schemas.microsoft.com/office/powerpoint/2010/main" val="1128288444"/>
+      </p:ext>
+    </p:extLst>
+  </p:cSld>
+  <p:clrMapOvr>
+    <a:masterClrMapping/>
+  </p:clrMapOvr>
+  <p:timing>
+    <p:tnLst>
+      <p:par>
+        <p:cTn id="1" dur="indefinite" restart="never" nodeType="tmRoot"/>
+      </p:par>
+    </p:tnLst>
+  </p:timing>
+</p:sld>
+</file>
+
+<file path=ppt/slides/slide6.xml><?xml version="1.0" encoding="utf-8"?>
+<p:sld xmlns:a="http://schemas.openxmlformats.org/drawingml/2006/main" xmlns:r="http://schemas.openxmlformats.org/officeDocument/2006/relationships" xmlns:p="http://schemas.openxmlformats.org/presentationml/2006/main">
+  <p:cSld>
+    <p:spTree>
+      <p:nvGrpSpPr>
+        <p:cNvPr id="1" name=""/>
+        <p:cNvGrpSpPr/>
+        <p:nvPr/>
+      </p:nvGrpSpPr>
+      <p:grpSpPr>
+        <a:xfrm>
+          <a:off x="0" y="0"/>
+          <a:ext cx="0" cy="0"/>
+          <a:chOff x="0" y="0"/>
+          <a:chExt cx="0" cy="0"/>
+        </a:xfrm>
+      </p:grpSpPr>
+      <p:sp>
+        <p:nvSpPr>
+          <p:cNvPr id="2" name="Titolo 1"/>
+          <p:cNvSpPr>
+            <a:spLocks noGrp="1"/>
+          </p:cNvSpPr>
+          <p:nvPr>
+            <p:ph type="title"/>
+          </p:nvPr>
+        </p:nvSpPr>
+        <p:spPr>
+          <a:xfrm>
+            <a:off x="0" y="27216"/>
+            <a:ext cx="9144000" cy="744334"/>
+          </a:xfrm>
+        </p:spPr>
+        <p:txBody>
+          <a:bodyPr/>
+          <a:lstStyle/>
+          <a:p>
+            <a:r>
+              <a:rPr lang="en-GB" dirty="0" smtClean="0">
+                <a:solidFill>
+                  <a:schemeClr val="bg1">
+                    <a:lumMod val="50000"/>
+                  </a:schemeClr>
+                </a:solidFill>
+                <a:latin typeface="+mj-lt"/>
+              </a:rPr>
+              <a:t>Dynamic Programming</a:t>
+            </a:r>
+            <a:endParaRPr lang="it-IT" dirty="0">
+              <a:solidFill>
+                <a:schemeClr val="bg1">
+                  <a:lumMod val="50000"/>
+                </a:schemeClr>
+              </a:solidFill>
+              <a:latin typeface="+mj-lt"/>
+            </a:endParaRPr>
+          </a:p>
+        </p:txBody>
+      </p:sp>
+      <p:sp>
+        <p:nvSpPr>
+          <p:cNvPr id="3" name="Segnaposto contenuto 2"/>
+          <p:cNvSpPr>
+            <a:spLocks noGrp="1"/>
+          </p:cNvSpPr>
+          <p:nvPr>
+            <p:ph idx="1"/>
+          </p:nvPr>
+        </p:nvSpPr>
+        <p:spPr>
+          <a:xfrm>
+            <a:off x="-1044624" y="-3980978"/>
+            <a:ext cx="8229600" cy="3394472"/>
+          </a:xfrm>
+        </p:spPr>
+        <p:txBody>
+          <a:bodyPr>
+            <a:normAutofit/>
+          </a:bodyPr>
+          <a:lstStyle/>
+          <a:p>
+            <a:pPr marL="0" indent="0" algn="just">
+              <a:buNone/>
+            </a:pPr>
+            <a:r>
+              <a:rPr lang="it-IT" dirty="0" smtClean="0"/>
+              <a:t>L’algoritmo </a:t>
+            </a:r>
+            <a:r>
+              <a:rPr lang="it-IT" dirty="0"/>
+              <a:t>valuta ad ogni passo se sia conveniente creare un nuovo cluster o unire il nodo considerato a questo passo al cluster precedente. </a:t>
+            </a:r>
+            <a:endParaRPr lang="it-IT" dirty="0"/>
+          </a:p>
+        </p:txBody>
+      </p:sp>
+      <p:pic>
+        <p:nvPicPr>
+          <p:cNvPr id="4" name="Immagine 3"/>
+          <p:cNvPicPr>
+            <a:picLocks noChangeAspect="1"/>
+          </p:cNvPicPr>
+          <p:nvPr/>
+        </p:nvPicPr>
+        <p:blipFill>
+          <a:blip r:embed="rId2" cstate="print">
+            <a:extLst>
+              <a:ext uri="{28A0092B-C50C-407E-A947-70E740481C1C}">
+                <a14:useLocalDpi xmlns:a14="http://schemas.microsoft.com/office/drawing/2010/main" val="0"/>
+              </a:ext>
+            </a:extLst>
+          </a:blip>
+          <a:stretch>
+            <a:fillRect/>
+          </a:stretch>
+        </p:blipFill>
+        <p:spPr>
+          <a:xfrm>
+            <a:off x="179512" y="4468193"/>
+            <a:ext cx="1114320" cy="572830"/>
+          </a:xfrm>
+          <a:prstGeom prst="rect">
+            <a:avLst/>
+          </a:prstGeom>
+        </p:spPr>
+      </p:pic>
+      <p:sp>
+        <p:nvSpPr>
+          <p:cNvPr id="6" name="Segnaposto contenuto 2"/>
+          <p:cNvSpPr txBox="1">
+            <a:spLocks/>
+          </p:cNvSpPr>
+          <p:nvPr/>
+        </p:nvSpPr>
+        <p:spPr>
+          <a:xfrm>
+            <a:off x="179512" y="1350873"/>
+            <a:ext cx="8640960" cy="3476487"/>
+          </a:xfrm>
+          <a:prstGeom prst="rect">
+            <a:avLst/>
+          </a:prstGeom>
+        </p:spPr>
+        <p:txBody>
+          <a:bodyPr vert="horz" lIns="91440" tIns="45720" rIns="91440" bIns="45720" rtlCol="0">
+            <a:normAutofit/>
+          </a:bodyPr>
+          <a:lstStyle>
+            <a:lvl1pPr marL="342900" indent="-342900" algn="l" defTabSz="914400" rtl="0" eaLnBrk="1" latinLnBrk="1" hangingPunct="1">
+              <a:spcBef>
+                <a:spcPct val="20000"/>
+              </a:spcBef>
+              <a:buFont typeface="Arial" pitchFamily="34" charset="0"/>
+              <a:buChar char="•"/>
+              <a:defRPr sz="3200" kern="1200">
+                <a:solidFill>
+                  <a:schemeClr val="tx1"/>
+                </a:solidFill>
+                <a:latin typeface="+mn-lt"/>
+                <a:ea typeface="+mn-ea"/>
+                <a:cs typeface="+mn-cs"/>
+              </a:defRPr>
+            </a:lvl1pPr>
+            <a:lvl2pPr marL="742950" indent="-285750" algn="l" defTabSz="914400" rtl="0" eaLnBrk="1" latinLnBrk="1" hangingPunct="1">
+              <a:spcBef>
+                <a:spcPct val="20000"/>
+              </a:spcBef>
+              <a:buFont typeface="Arial" pitchFamily="34" charset="0"/>
+              <a:buChar char="–"/>
+              <a:defRPr sz="2800" kern="1200">
+                <a:solidFill>
+                  <a:schemeClr val="tx1"/>
+                </a:solidFill>
+                <a:latin typeface="+mn-lt"/>
+                <a:ea typeface="+mn-ea"/>
+                <a:cs typeface="+mn-cs"/>
+              </a:defRPr>
+            </a:lvl2pPr>
+            <a:lvl3pPr marL="1143000" indent="-228600" algn="l" defTabSz="914400" rtl="0" eaLnBrk="1" latinLnBrk="1" hangingPunct="1">
+              <a:spcBef>
+                <a:spcPct val="20000"/>
+              </a:spcBef>
+              <a:buFont typeface="Arial" pitchFamily="34" charset="0"/>
+              <a:buChar char="•"/>
+              <a:defRPr sz="2400" kern="1200">
+                <a:solidFill>
+                  <a:schemeClr val="tx1"/>
+                </a:solidFill>
+                <a:latin typeface="+mn-lt"/>
+                <a:ea typeface="+mn-ea"/>
+                <a:cs typeface="+mn-cs"/>
+              </a:defRPr>
+            </a:lvl3pPr>
+            <a:lvl4pPr marL="1600200" indent="-228600" algn="l" defTabSz="914400" rtl="0" eaLnBrk="1" latinLnBrk="1" hangingPunct="1">
+              <a:spcBef>
+                <a:spcPct val="20000"/>
+              </a:spcBef>
+              <a:buFont typeface="Arial" pitchFamily="34" charset="0"/>
+              <a:buChar char="–"/>
+              <a:defRPr sz="2000" kern="1200">
+                <a:solidFill>
+                  <a:schemeClr val="tx1"/>
+                </a:solidFill>
+                <a:latin typeface="+mn-lt"/>
+                <a:ea typeface="+mn-ea"/>
+                <a:cs typeface="+mn-cs"/>
+              </a:defRPr>
+            </a:lvl4pPr>
+            <a:lvl5pPr marL="2057400" indent="-228600" algn="l" defTabSz="914400" rtl="0" eaLnBrk="1" latinLnBrk="1" hangingPunct="1">
+              <a:spcBef>
+                <a:spcPct val="20000"/>
+              </a:spcBef>
+              <a:buFont typeface="Arial" pitchFamily="34" charset="0"/>
+              <a:buChar char="»"/>
+              <a:defRPr sz="2000" kern="1200">
+                <a:solidFill>
+                  <a:schemeClr val="tx1"/>
+                </a:solidFill>
+                <a:latin typeface="+mn-lt"/>
+                <a:ea typeface="+mn-ea"/>
+                <a:cs typeface="+mn-cs"/>
+              </a:defRPr>
+            </a:lvl5pPr>
+            <a:lvl6pPr marL="2514600" indent="-228600" algn="l" defTabSz="914400" rtl="0" eaLnBrk="1" latinLnBrk="1" hangingPunct="1">
+              <a:spcBef>
+                <a:spcPct val="20000"/>
+              </a:spcBef>
+              <a:buFont typeface="Arial" pitchFamily="34" charset="0"/>
+              <a:buChar char="•"/>
+              <a:defRPr sz="2000" kern="1200">
+                <a:solidFill>
+                  <a:schemeClr val="tx1"/>
+                </a:solidFill>
+                <a:latin typeface="+mn-lt"/>
+                <a:ea typeface="+mn-ea"/>
+                <a:cs typeface="+mn-cs"/>
+              </a:defRPr>
+            </a:lvl6pPr>
+            <a:lvl7pPr marL="2971800" indent="-228600" algn="l" defTabSz="914400" rtl="0" eaLnBrk="1" latinLnBrk="1" hangingPunct="1">
+              <a:spcBef>
+                <a:spcPct val="20000"/>
+              </a:spcBef>
+              <a:buFont typeface="Arial" pitchFamily="34" charset="0"/>
+              <a:buChar char="•"/>
+              <a:defRPr sz="2000" kern="1200">
+                <a:solidFill>
+                  <a:schemeClr val="tx1"/>
+                </a:solidFill>
+                <a:latin typeface="+mn-lt"/>
+                <a:ea typeface="+mn-ea"/>
+                <a:cs typeface="+mn-cs"/>
+              </a:defRPr>
+            </a:lvl7pPr>
+            <a:lvl8pPr marL="3429000" indent="-228600" algn="l" defTabSz="914400" rtl="0" eaLnBrk="1" latinLnBrk="1" hangingPunct="1">
+              <a:spcBef>
+                <a:spcPct val="20000"/>
+              </a:spcBef>
+              <a:buFont typeface="Arial" pitchFamily="34" charset="0"/>
+              <a:buChar char="•"/>
+              <a:defRPr sz="2000" kern="1200">
+                <a:solidFill>
+                  <a:schemeClr val="tx1"/>
+                </a:solidFill>
+                <a:latin typeface="+mn-lt"/>
+                <a:ea typeface="+mn-ea"/>
+                <a:cs typeface="+mn-cs"/>
+              </a:defRPr>
+            </a:lvl8pPr>
+            <a:lvl9pPr marL="3886200" indent="-228600" algn="l" defTabSz="914400" rtl="0" eaLnBrk="1" latinLnBrk="1" hangingPunct="1">
+              <a:spcBef>
+                <a:spcPct val="20000"/>
+              </a:spcBef>
+              <a:buFont typeface="Arial" pitchFamily="34" charset="0"/>
+              <a:buChar char="•"/>
+              <a:defRPr sz="2000" kern="1200">
+                <a:solidFill>
+                  <a:schemeClr val="tx1"/>
+                </a:solidFill>
+                <a:latin typeface="+mn-lt"/>
+                <a:ea typeface="+mn-ea"/>
+                <a:cs typeface="+mn-cs"/>
+              </a:defRPr>
+            </a:lvl9pPr>
+          </a:lstStyle>
+          <a:p>
+            <a:pPr marL="0" indent="0" algn="ctr">
+              <a:buNone/>
+            </a:pPr>
+            <a:r>
+              <a:rPr lang="it-IT" dirty="0"/>
+              <a:t>L’algoritmo valuta </a:t>
+            </a:r>
+            <a:r>
+              <a:rPr lang="it-IT" dirty="0" smtClean="0"/>
+              <a:t>per ogni nodo se</a:t>
+            </a:r>
+            <a:endParaRPr lang="en-GB" dirty="0"/>
+          </a:p>
+          <a:p>
+            <a:pPr marL="0" indent="0">
+              <a:buFont typeface="Arial" pitchFamily="34" charset="0"/>
+              <a:buNone/>
+            </a:pPr>
+            <a:endParaRPr lang="it-IT" dirty="0" smtClean="0"/>
+          </a:p>
+          <a:p>
+            <a:pPr marL="0" indent="0">
+              <a:buNone/>
+            </a:pPr>
+            <a:endParaRPr lang="it-IT" dirty="0"/>
+          </a:p>
+        </p:txBody>
+      </p:sp>
+      <p:sp>
+        <p:nvSpPr>
+          <p:cNvPr id="7" name="Freccia a sinistra 6"/>
+          <p:cNvSpPr/>
+          <p:nvPr/>
+        </p:nvSpPr>
+        <p:spPr>
+          <a:xfrm rot="19367332">
+            <a:off x="2708322" y="2148859"/>
+            <a:ext cx="1440160" cy="405499"/>
+          </a:xfrm>
+          <a:prstGeom prst="leftArrow">
+            <a:avLst/>
+          </a:prstGeom>
+          <a:solidFill>
+            <a:schemeClr val="accent5">
+              <a:lumMod val="60000"/>
+              <a:lumOff val="40000"/>
+            </a:schemeClr>
+          </a:solidFill>
+        </p:spPr>
+        <p:style>
+          <a:lnRef idx="2">
+            <a:schemeClr val="accent1">
+              <a:shade val="50000"/>
+            </a:schemeClr>
+          </a:lnRef>
+          <a:fillRef idx="1">
+            <a:schemeClr val="accent1"/>
+          </a:fillRef>
+          <a:effectRef idx="0">
+            <a:schemeClr val="accent1"/>
+          </a:effectRef>
+          <a:fontRef idx="minor">
+            <a:schemeClr val="lt1"/>
+          </a:fontRef>
+        </p:style>
+        <p:txBody>
+          <a:bodyPr rtlCol="0" anchor="ctr"/>
+          <a:lstStyle/>
+          <a:p>
+            <a:pPr algn="ctr"/>
+            <a:endParaRPr lang="it-IT"/>
+          </a:p>
+        </p:txBody>
+      </p:sp>
+      <p:sp>
+        <p:nvSpPr>
+          <p:cNvPr id="8" name="Freccia a sinistra 7"/>
+          <p:cNvSpPr/>
+          <p:nvPr/>
+        </p:nvSpPr>
+        <p:spPr>
+          <a:xfrm rot="13151535">
+            <a:off x="4610134" y="2164089"/>
+            <a:ext cx="1440160" cy="405499"/>
+          </a:xfrm>
+          <a:prstGeom prst="leftArrow">
+            <a:avLst/>
+          </a:prstGeom>
+          <a:solidFill>
+            <a:schemeClr val="accent5">
+              <a:lumMod val="60000"/>
+              <a:lumOff val="40000"/>
+            </a:schemeClr>
+          </a:solidFill>
+        </p:spPr>
+        <p:style>
+          <a:lnRef idx="2">
+            <a:schemeClr val="accent1">
+              <a:shade val="50000"/>
+            </a:schemeClr>
+          </a:lnRef>
+          <a:fillRef idx="1">
+            <a:schemeClr val="accent1"/>
+          </a:fillRef>
+          <a:effectRef idx="0">
+            <a:schemeClr val="accent1"/>
+          </a:effectRef>
+          <a:fontRef idx="minor">
+            <a:schemeClr val="lt1"/>
+          </a:fontRef>
+        </p:style>
+        <p:txBody>
+          <a:bodyPr rtlCol="0" anchor="ctr"/>
+          <a:lstStyle/>
+          <a:p>
+            <a:pPr algn="ctr"/>
+            <a:endParaRPr lang="it-IT"/>
+          </a:p>
+        </p:txBody>
+      </p:sp>
+      <p:sp>
+        <p:nvSpPr>
+          <p:cNvPr id="9" name="CasellaDiTesto 8"/>
+          <p:cNvSpPr txBox="1"/>
+          <p:nvPr/>
+        </p:nvSpPr>
+        <p:spPr>
+          <a:xfrm>
+            <a:off x="143992" y="2948552"/>
+            <a:ext cx="3779936" cy="2062103"/>
+          </a:xfrm>
+          <a:prstGeom prst="rect">
+            <a:avLst/>
+          </a:prstGeom>
+          <a:noFill/>
+        </p:spPr>
+        <p:txBody>
+          <a:bodyPr wrap="square" rtlCol="0">
+            <a:spAutoFit/>
+          </a:bodyPr>
+          <a:lstStyle/>
+          <a:p>
+            <a:pPr algn="ctr"/>
+            <a:r>
+              <a:rPr lang="it-IT" sz="3200" dirty="0" err="1" smtClean="0"/>
+              <a:t>conveniene</a:t>
+            </a:r>
+            <a:r>
+              <a:rPr lang="it-IT" sz="3200" dirty="0" smtClean="0"/>
+              <a:t> </a:t>
+            </a:r>
+            <a:r>
+              <a:rPr lang="it-IT" sz="3200" dirty="0"/>
+              <a:t>creare un nuovo </a:t>
+            </a:r>
+            <a:r>
+              <a:rPr lang="it-IT" sz="3200" dirty="0" smtClean="0"/>
+              <a:t>cluster a partire da quel nodo</a:t>
+            </a:r>
+            <a:endParaRPr lang="it-IT" sz="3200" dirty="0"/>
+          </a:p>
+        </p:txBody>
+      </p:sp>
+      <p:sp>
+        <p:nvSpPr>
+          <p:cNvPr id="10" name="CasellaDiTesto 9"/>
+          <p:cNvSpPr txBox="1"/>
+          <p:nvPr/>
+        </p:nvSpPr>
+        <p:spPr>
+          <a:xfrm>
+            <a:off x="4124498" y="2948552"/>
+            <a:ext cx="4093724" cy="1569660"/>
+          </a:xfrm>
+          <a:prstGeom prst="rect">
+            <a:avLst/>
+          </a:prstGeom>
+          <a:noFill/>
+        </p:spPr>
+        <p:txBody>
+          <a:bodyPr wrap="square" rtlCol="0">
+            <a:spAutoFit/>
+          </a:bodyPr>
+          <a:lstStyle/>
+          <a:p>
+            <a:pPr algn="ctr"/>
+            <a:r>
+              <a:rPr lang="it-IT" sz="3200" dirty="0"/>
+              <a:t>unire il nodo considerato a questo passo al cluster precedente</a:t>
+            </a:r>
+          </a:p>
+        </p:txBody>
+      </p:sp>
+    </p:spTree>
+    <p:extLst>
+      <p:ext uri="{BB962C8B-B14F-4D97-AF65-F5344CB8AC3E}">
+        <p14:creationId xmlns:p14="http://schemas.microsoft.com/office/powerpoint/2010/main" val="3102139666"/>
+      </p:ext>
+    </p:extLst>
+  </p:cSld>
+  <p:clrMapOvr>
+    <a:masterClrMapping/>
+  </p:clrMapOvr>
+  <p:timing>
+    <p:tnLst>
+      <p:par>
+        <p:cTn id="1" dur="indefinite" restart="never" nodeType="tmRoot">
+          <p:childTnLst>
+            <p:seq concurrent="1" nextAc="seek">
+              <p:cTn id="2" dur="indefinite" nodeType="mainSeq">
+                <p:childTnLst>
+                  <p:par>
+                    <p:cTn id="3" fill="hold">
+                      <p:stCondLst>
+                        <p:cond delay="indefinite"/>
+                      </p:stCondLst>
+                      <p:childTnLst>
+                        <p:par>
+                          <p:cTn id="4" fill="hold">
+                            <p:stCondLst>
+                              <p:cond delay="0"/>
+                            </p:stCondLst>
+                            <p:childTnLst>
+                              <p:par>
+                                <p:cTn id="5" presetID="2" presetClass="entr" presetSubtype="3" fill="hold" grpId="0" nodeType="clickEffect">
+                                  <p:stCondLst>
+                                    <p:cond delay="0"/>
+                                  </p:stCondLst>
+                                  <p:childTnLst>
+                                    <p:set>
+                                      <p:cBhvr>
+                                        <p:cTn id="6" dur="1" fill="hold">
+                                          <p:stCondLst>
+                                            <p:cond delay="0"/>
+                                          </p:stCondLst>
+                                        </p:cTn>
+                                        <p:tgtEl>
+                                          <p:spTgt spid="7"/>
+                                        </p:tgtEl>
+                                        <p:attrNameLst>
+                                          <p:attrName>style.visibility</p:attrName>
+                                        </p:attrNameLst>
+                                      </p:cBhvr>
+                                      <p:to>
+                                        <p:strVal val="visible"/>
+                                      </p:to>
+                                    </p:set>
+                                    <p:anim calcmode="lin" valueType="num">
+                                      <p:cBhvr additive="base">
+                                        <p:cTn id="7" dur="500" fill="hold"/>
+                                        <p:tgtEl>
+                                          <p:spTgt spid="7"/>
+                                        </p:tgtEl>
+                                        <p:attrNameLst>
+                                          <p:attrName>ppt_x</p:attrName>
+                                        </p:attrNameLst>
+                                      </p:cBhvr>
+                                      <p:tavLst>
+                                        <p:tav tm="0">
+                                          <p:val>
+                                            <p:strVal val="1+#ppt_w/2"/>
+                                          </p:val>
+                                        </p:tav>
+                                        <p:tav tm="100000">
+                                          <p:val>
+                                            <p:strVal val="#ppt_x"/>
+                                          </p:val>
+                                        </p:tav>
+                                      </p:tavLst>
+                                    </p:anim>
+                                    <p:anim calcmode="lin" valueType="num">
+                                      <p:cBhvr additive="base">
+                                        <p:cTn id="8" dur="500" fill="hold"/>
+                                        <p:tgtEl>
+                                          <p:spTgt spid="7"/>
+                                        </p:tgtEl>
+                                        <p:attrNameLst>
+                                          <p:attrName>ppt_y</p:attrName>
+                                        </p:attrNameLst>
+                                      </p:cBhvr>
+                                      <p:tavLst>
+                                        <p:tav tm="0">
+                                          <p:val>
+                                            <p:strVal val="0-#ppt_h/2"/>
+                                          </p:val>
+                                        </p:tav>
+                                        <p:tav tm="100000">
+                                          <p:val>
+                                            <p:strVal val="#ppt_y"/>
+                                          </p:val>
+                                        </p:tav>
+                                      </p:tavLst>
+                                    </p:anim>
+                                  </p:childTnLst>
+                                </p:cTn>
+                              </p:par>
+                              <p:par>
+                                <p:cTn id="9" presetID="2" presetClass="entr" presetSubtype="4" fill="hold" grpId="0" nodeType="withEffect">
+                                  <p:stCondLst>
+                                    <p:cond delay="0"/>
+                                  </p:stCondLst>
+                                  <p:childTnLst>
+                                    <p:set>
+                                      <p:cBhvr>
+                                        <p:cTn id="10" dur="1" fill="hold">
+                                          <p:stCondLst>
+                                            <p:cond delay="0"/>
+                                          </p:stCondLst>
+                                        </p:cTn>
+                                        <p:tgtEl>
+                                          <p:spTgt spid="9">
+                                            <p:txEl>
+                                              <p:pRg st="0" end="0"/>
+                                            </p:txEl>
+                                          </p:spTgt>
+                                        </p:tgtEl>
+                                        <p:attrNameLst>
+                                          <p:attrName>style.visibility</p:attrName>
+                                        </p:attrNameLst>
+                                      </p:cBhvr>
+                                      <p:to>
+                                        <p:strVal val="visible"/>
+                                      </p:to>
+                                    </p:set>
+                                    <p:anim calcmode="lin" valueType="num">
+                                      <p:cBhvr additive="base">
+                                        <p:cTn id="11" dur="500" fill="hold"/>
+                                        <p:tgtEl>
+                                          <p:spTgt spid="9">
+                                            <p:txEl>
+                                              <p:pRg st="0" end="0"/>
+                                            </p:txEl>
+                                          </p:spTgt>
+                                        </p:tgtEl>
+                                        <p:attrNameLst>
+                                          <p:attrName>ppt_x</p:attrName>
+                                        </p:attrNameLst>
+                                      </p:cBhvr>
+                                      <p:tavLst>
+                                        <p:tav tm="0">
+                                          <p:val>
+                                            <p:strVal val="#ppt_x"/>
+                                          </p:val>
+                                        </p:tav>
+                                        <p:tav tm="100000">
+                                          <p:val>
+                                            <p:strVal val="#ppt_x"/>
+                                          </p:val>
+                                        </p:tav>
+                                      </p:tavLst>
+                                    </p:anim>
+                                    <p:anim calcmode="lin" valueType="num">
+                                      <p:cBhvr additive="base">
+                                        <p:cTn id="12" dur="500" fill="hold"/>
+                                        <p:tgtEl>
+                                          <p:spTgt spid="9">
+                                            <p:txEl>
+                                              <p:pRg st="0" end="0"/>
+                                            </p:txEl>
+                                          </p:spTgt>
+                                        </p:tgtEl>
+                                        <p:attrNameLst>
+                                          <p:attrName>ppt_y</p:attrName>
+                                        </p:attrNameLst>
+                                      </p:cBhvr>
+                                      <p:tavLst>
+                                        <p:tav tm="0">
+                                          <p:val>
+                                            <p:strVal val="1+#ppt_h/2"/>
+                                          </p:val>
+                                        </p:tav>
+                                        <p:tav tm="100000">
+                                          <p:val>
+                                            <p:strVal val="#ppt_y"/>
+                                          </p:val>
+                                        </p:tav>
+                                      </p:tavLst>
+                                    </p:anim>
+                                  </p:childTnLst>
+                                </p:cTn>
+                              </p:par>
+                            </p:childTnLst>
+                          </p:cTn>
+                        </p:par>
+                      </p:childTnLst>
+                    </p:cTn>
+                  </p:par>
+                  <p:par>
+                    <p:cTn id="13" fill="hold">
+                      <p:stCondLst>
+                        <p:cond delay="indefinite"/>
+                      </p:stCondLst>
+                      <p:childTnLst>
+                        <p:par>
+                          <p:cTn id="14" fill="hold">
+                            <p:stCondLst>
+                              <p:cond delay="0"/>
+                            </p:stCondLst>
+                            <p:childTnLst>
+                              <p:par>
+                                <p:cTn id="15" presetID="2" presetClass="entr" presetSubtype="4" fill="hold" grpId="0" nodeType="clickEffect">
+                                  <p:stCondLst>
+                                    <p:cond delay="0"/>
+                                  </p:stCondLst>
+                                  <p:childTnLst>
+                                    <p:set>
+                                      <p:cBhvr>
+                                        <p:cTn id="16" dur="1" fill="hold">
+                                          <p:stCondLst>
+                                            <p:cond delay="0"/>
+                                          </p:stCondLst>
+                                        </p:cTn>
+                                        <p:tgtEl>
+                                          <p:spTgt spid="10">
+                                            <p:txEl>
+                                              <p:pRg st="0" end="0"/>
+                                            </p:txEl>
+                                          </p:spTgt>
+                                        </p:tgtEl>
+                                        <p:attrNameLst>
+                                          <p:attrName>style.visibility</p:attrName>
+                                        </p:attrNameLst>
+                                      </p:cBhvr>
+                                      <p:to>
+                                        <p:strVal val="visible"/>
+                                      </p:to>
+                                    </p:set>
+                                    <p:anim calcmode="lin" valueType="num">
+                                      <p:cBhvr additive="base">
+                                        <p:cTn id="17" dur="500" fill="hold"/>
+                                        <p:tgtEl>
+                                          <p:spTgt spid="10">
+                                            <p:txEl>
+                                              <p:pRg st="0" end="0"/>
+                                            </p:txEl>
+                                          </p:spTgt>
+                                        </p:tgtEl>
+                                        <p:attrNameLst>
+                                          <p:attrName>ppt_x</p:attrName>
+                                        </p:attrNameLst>
+                                      </p:cBhvr>
+                                      <p:tavLst>
+                                        <p:tav tm="0">
+                                          <p:val>
+                                            <p:strVal val="#ppt_x"/>
+                                          </p:val>
+                                        </p:tav>
+                                        <p:tav tm="100000">
+                                          <p:val>
+                                            <p:strVal val="#ppt_x"/>
+                                          </p:val>
+                                        </p:tav>
+                                      </p:tavLst>
+                                    </p:anim>
+                                    <p:anim calcmode="lin" valueType="num">
+                                      <p:cBhvr additive="base">
+                                        <p:cTn id="18" dur="500" fill="hold"/>
+                                        <p:tgtEl>
+                                          <p:spTgt spid="10">
+                                            <p:txEl>
+                                              <p:pRg st="0" end="0"/>
+                                            </p:txEl>
+                                          </p:spTgt>
+                                        </p:tgtEl>
+                                        <p:attrNameLst>
+                                          <p:attrName>ppt_y</p:attrName>
+                                        </p:attrNameLst>
+                                      </p:cBhvr>
+                                      <p:tavLst>
+                                        <p:tav tm="0">
+                                          <p:val>
+                                            <p:strVal val="1+#ppt_h/2"/>
+                                          </p:val>
+                                        </p:tav>
+                                        <p:tav tm="100000">
+                                          <p:val>
+                                            <p:strVal val="#ppt_y"/>
+                                          </p:val>
+                                        </p:tav>
+                                      </p:tavLst>
+                                    </p:anim>
+                                  </p:childTnLst>
+                                </p:cTn>
+                              </p:par>
+                              <p:par>
+                                <p:cTn id="19" presetID="2" presetClass="entr" presetSubtype="9" fill="hold" grpId="0" nodeType="withEffect">
+                                  <p:stCondLst>
+                                    <p:cond delay="0"/>
+                                  </p:stCondLst>
+                                  <p:childTnLst>
+                                    <p:set>
+                                      <p:cBhvr>
+                                        <p:cTn id="20" dur="1" fill="hold">
+                                          <p:stCondLst>
+                                            <p:cond delay="0"/>
+                                          </p:stCondLst>
+                                        </p:cTn>
+                                        <p:tgtEl>
+                                          <p:spTgt spid="8"/>
+                                        </p:tgtEl>
+                                        <p:attrNameLst>
+                                          <p:attrName>style.visibility</p:attrName>
+                                        </p:attrNameLst>
+                                      </p:cBhvr>
+                                      <p:to>
+                                        <p:strVal val="visible"/>
+                                      </p:to>
+                                    </p:set>
+                                    <p:anim calcmode="lin" valueType="num">
+                                      <p:cBhvr additive="base">
+                                        <p:cTn id="21" dur="500" fill="hold"/>
+                                        <p:tgtEl>
+                                          <p:spTgt spid="8"/>
+                                        </p:tgtEl>
+                                        <p:attrNameLst>
+                                          <p:attrName>ppt_x</p:attrName>
+                                        </p:attrNameLst>
+                                      </p:cBhvr>
+                                      <p:tavLst>
+                                        <p:tav tm="0">
+                                          <p:val>
+                                            <p:strVal val="0-#ppt_w/2"/>
+                                          </p:val>
+                                        </p:tav>
+                                        <p:tav tm="100000">
+                                          <p:val>
+                                            <p:strVal val="#ppt_x"/>
+                                          </p:val>
+                                        </p:tav>
+                                      </p:tavLst>
+                                    </p:anim>
+                                    <p:anim calcmode="lin" valueType="num">
+                                      <p:cBhvr additive="base">
+                                        <p:cTn id="22" dur="500" fill="hold"/>
+                                        <p:tgtEl>
+                                          <p:spTgt spid="8"/>
+                                        </p:tgtEl>
+                                        <p:attrNameLst>
+                                          <p:attrName>ppt_y</p:attrName>
+                                        </p:attrNameLst>
+                                      </p:cBhvr>
+                                      <p:tavLst>
+                                        <p:tav tm="0">
+                                          <p:val>
+                                            <p:strVal val="0-#ppt_h/2"/>
+                                          </p:val>
+                                        </p:tav>
+                                        <p:tav tm="100000">
+                                          <p:val>
+                                            <p:strVal val="#ppt_y"/>
+                                          </p:val>
+                                        </p:tav>
+                                      </p:tavLst>
+                                    </p:anim>
+                                  </p:childTnLst>
+                                </p:cTn>
+                              </p:par>
+                            </p:childTnLst>
+                          </p:cTn>
+                        </p:par>
+                      </p:childTnLst>
+                    </p:cTn>
+                  </p:par>
+                </p:childTnLst>
+              </p:cTn>
+              <p:prevCondLst>
+                <p:cond evt="onPrev" delay="0">
+                  <p:tgtEl>
+                    <p:sldTgt/>
+                  </p:tgtEl>
+                </p:cond>
+              </p:prevCondLst>
+              <p:nextCondLst>
+                <p:cond evt="onNext" delay="0">
+                  <p:tgtEl>
+                    <p:sldTgt/>
+                  </p:tgtEl>
+                </p:cond>
+              </p:nextCondLst>
+            </p:seq>
+          </p:childTnLst>
+        </p:cTn>
+      </p:par>
+    </p:tnLst>
+    <p:bldLst>
+      <p:bldP spid="7" grpId="0" animBg="1"/>
+      <p:bldP spid="8" grpId="0" animBg="1"/>
+      <p:bldP spid="9" grpId="0" build="allAtOnce"/>
+      <p:bldP spid="10" grpId="0" build="allAtOnce"/>
+    </p:bldLst>
+  </p:timing>
+</p:sld>
+</file>
+
+<file path=ppt/slides/slide7.xml><?xml version="1.0" encoding="utf-8"?>
+<p:sld xmlns:a="http://schemas.openxmlformats.org/drawingml/2006/main" xmlns:r="http://schemas.openxmlformats.org/officeDocument/2006/relationships" xmlns:p="http://schemas.openxmlformats.org/presentationml/2006/main">
+  <p:cSld>
+    <p:spTree>
+      <p:nvGrpSpPr>
+        <p:cNvPr id="1" name=""/>
+        <p:cNvGrpSpPr/>
+        <p:nvPr/>
+      </p:nvGrpSpPr>
+      <p:grpSpPr>
+        <a:xfrm>
+          <a:off x="0" y="0"/>
+          <a:ext cx="0" cy="0"/>
+          <a:chOff x="0" y="0"/>
+          <a:chExt cx="0" cy="0"/>
+        </a:xfrm>
+      </p:grpSpPr>
+      <p:sp>
+        <p:nvSpPr>
+          <p:cNvPr id="2" name="Titolo 1"/>
+          <p:cNvSpPr>
+            <a:spLocks noGrp="1"/>
+          </p:cNvSpPr>
+          <p:nvPr>
+            <p:ph type="title"/>
+          </p:nvPr>
+        </p:nvSpPr>
+        <p:spPr/>
+        <p:txBody>
+          <a:bodyPr/>
+          <a:lstStyle/>
+          <a:p>
+            <a:endParaRPr lang="it-IT"/>
+          </a:p>
+        </p:txBody>
+      </p:sp>
+      <p:sp>
+        <p:nvSpPr>
+          <p:cNvPr id="3" name="Segnaposto contenuto 2"/>
+          <p:cNvSpPr>
+            <a:spLocks noGrp="1"/>
+          </p:cNvSpPr>
+          <p:nvPr>
+            <p:ph idx="1"/>
+          </p:nvPr>
+        </p:nvSpPr>
+        <p:spPr/>
+        <p:txBody>
+          <a:bodyPr>
+            <a:normAutofit fontScale="92500"/>
+          </a:bodyPr>
+          <a:lstStyle/>
+          <a:p>
+            <a:pPr marL="0" indent="0">
+              <a:buNone/>
+            </a:pPr>
+            <a:r>
+              <a:rPr lang="it-IT" dirty="0"/>
+              <a:t>Quest’operazione viene eseguita per ogni nodo e per ogni combinazione di sotto cluster che si è generata finora, tenendo in memoria man mano che si procede nella computazione dei migliori cluster ottenuti in base al costo totale di </a:t>
+            </a:r>
+            <a:r>
+              <a:rPr lang="it-IT" dirty="0" err="1"/>
+              <a:t>anonimizzazione</a:t>
+            </a:r>
+            <a:r>
+              <a:rPr lang="it-IT" dirty="0"/>
+              <a:t> che ciascuno di loro (seppur parziale) comporta.</a:t>
+            </a:r>
+          </a:p>
+          <a:p>
+            <a:endParaRPr lang="it-IT" dirty="0"/>
+          </a:p>
+        </p:txBody>
+      </p:sp>
+    </p:spTree>
+    <p:extLst>
+      <p:ext uri="{BB962C8B-B14F-4D97-AF65-F5344CB8AC3E}">
+        <p14:creationId xmlns:p14="http://schemas.microsoft.com/office/powerpoint/2010/main" val="3784758469"/>
+      </p:ext>
+    </p:extLst>
+  </p:cSld>
+  <p:clrMapOvr>
+    <a:masterClrMapping/>
+  </p:clrMapOvr>
+  <p:timing>
+    <p:tnLst>
+      <p:par>
+        <p:cTn id="1" dur="indefinite" restart="never" nodeType="tmRoot"/>
+      </p:par>
+    </p:tnLst>
+  </p:timing>
+</p:sld>
+</file>
+
+<file path=ppt/slides/slide8.xml><?xml version="1.0" encoding="utf-8"?>
+<p:sld xmlns:a="http://schemas.openxmlformats.org/drawingml/2006/main" xmlns:r="http://schemas.openxmlformats.org/officeDocument/2006/relationships" xmlns:p="http://schemas.openxmlformats.org/presentationml/2006/main">
+  <p:cSld>
+    <p:spTree>
+      <p:nvGrpSpPr>
+        <p:cNvPr id="1" name=""/>
+        <p:cNvGrpSpPr/>
+        <p:nvPr/>
+      </p:nvGrpSpPr>
+      <p:grpSpPr>
+        <a:xfrm>
+          <a:off x="0" y="0"/>
+          <a:ext cx="0" cy="0"/>
+          <a:chOff x="0" y="0"/>
+          <a:chExt cx="0" cy="0"/>
+        </a:xfrm>
+      </p:grpSpPr>
+      <p:sp>
+        <p:nvSpPr>
+          <p:cNvPr id="2" name="Titolo 1"/>
+          <p:cNvSpPr>
+            <a:spLocks noGrp="1"/>
+          </p:cNvSpPr>
+          <p:nvPr>
+            <p:ph type="title"/>
+          </p:nvPr>
+        </p:nvSpPr>
+        <p:spPr/>
+        <p:txBody>
+          <a:bodyPr/>
+          <a:lstStyle/>
+          <a:p>
+            <a:r>
+              <a:rPr lang="en-GB" dirty="0" smtClean="0">
+                <a:solidFill>
+                  <a:schemeClr val="bg1">
+                    <a:lumMod val="50000"/>
+                  </a:schemeClr>
+                </a:solidFill>
+                <a:latin typeface="+mj-lt"/>
+              </a:rPr>
+              <a:t>Greedy</a:t>
+            </a:r>
+            <a:endParaRPr lang="it-IT" dirty="0">
+              <a:solidFill>
+                <a:schemeClr val="bg1">
+                  <a:lumMod val="50000"/>
+                </a:schemeClr>
+              </a:solidFill>
+              <a:latin typeface="+mj-lt"/>
+            </a:endParaRPr>
+          </a:p>
+        </p:txBody>
+      </p:sp>
+      <p:sp>
+        <p:nvSpPr>
+          <p:cNvPr id="3" name="Segnaposto contenuto 2"/>
+          <p:cNvSpPr>
+            <a:spLocks noGrp="1"/>
+          </p:cNvSpPr>
+          <p:nvPr>
+            <p:ph idx="1"/>
+          </p:nvPr>
+        </p:nvSpPr>
+        <p:spPr/>
+        <p:txBody>
+          <a:bodyPr>
+            <a:normAutofit fontScale="85000" lnSpcReduction="20000"/>
+          </a:bodyPr>
+          <a:lstStyle/>
+          <a:p>
+            <a:pPr marL="0" indent="0">
+              <a:buNone/>
+            </a:pPr>
+            <a:r>
+              <a:rPr lang="it-IT" dirty="0"/>
+              <a:t>Questa variante utilizza un approccio più semplice andando a considerare per ogni nodo da inserire nel grafo anonimizzato il singolo costo di unione all’ultimo cluster confrontandolo con quello di creazione di un nuovo cluster. Questa variante ovviamente non esplora tutte le combinazioni possibili e non tenendo memoria degli ottimi locali per i singoli cluster trovati, e genera quindi soluzioni sub ottime rispetto al DP per quanto riguarda i costi di </a:t>
+            </a:r>
+            <a:r>
+              <a:rPr lang="it-IT" dirty="0" err="1"/>
+              <a:t>anonimizzazione</a:t>
+            </a:r>
+            <a:r>
+              <a:rPr lang="it-IT" dirty="0"/>
+              <a:t>.</a:t>
+            </a:r>
+          </a:p>
+          <a:p>
+            <a:endParaRPr lang="it-IT" dirty="0"/>
+          </a:p>
+        </p:txBody>
+      </p:sp>
+      <p:pic>
+        <p:nvPicPr>
+          <p:cNvPr id="4" name="Immagine 3"/>
+          <p:cNvPicPr>
+            <a:picLocks noChangeAspect="1"/>
+          </p:cNvPicPr>
+          <p:nvPr/>
+        </p:nvPicPr>
+        <p:blipFill>
+          <a:blip r:embed="rId2" cstate="print">
+            <a:extLst>
+              <a:ext uri="{28A0092B-C50C-407E-A947-70E740481C1C}">
+                <a14:useLocalDpi xmlns:a14="http://schemas.microsoft.com/office/drawing/2010/main" val="0"/>
+              </a:ext>
+            </a:extLst>
+          </a:blip>
+          <a:stretch>
+            <a:fillRect/>
+          </a:stretch>
+        </p:blipFill>
+        <p:spPr>
+          <a:xfrm>
+            <a:off x="179512" y="4468193"/>
+            <a:ext cx="1114320" cy="572830"/>
+          </a:xfrm>
+          <a:prstGeom prst="rect">
+            <a:avLst/>
+          </a:prstGeom>
+        </p:spPr>
+      </p:pic>
+    </p:spTree>
+    <p:extLst>
+      <p:ext uri="{BB962C8B-B14F-4D97-AF65-F5344CB8AC3E}">
+        <p14:creationId xmlns:p14="http://schemas.microsoft.com/office/powerpoint/2010/main" val="3049062114"/>
+      </p:ext>
+    </p:extLst>
+  </p:cSld>
+  <p:clrMapOvr>
+    <a:masterClrMapping/>
+  </p:clrMapOvr>
+  <p:timing>
+    <p:tnLst>
+      <p:par>
+        <p:cTn id="1" dur="indefinite" restart="never" nodeType="tmRoot"/>
+      </p:par>
+    </p:tnLst>
+  </p:timing>
+</p:sld>
+</file>
+
+<file path=ppt/slides/slide9.xml><?xml version="1.0" encoding="utf-8"?>
+<p:sld xmlns:a="http://schemas.openxmlformats.org/drawingml/2006/main" xmlns:r="http://schemas.openxmlformats.org/officeDocument/2006/relationships" xmlns:p="http://schemas.openxmlformats.org/presentationml/2006/main">
+  <p:cSld>
+    <p:spTree>
+      <p:nvGrpSpPr>
+        <p:cNvPr id="1" name=""/>
+        <p:cNvGrpSpPr/>
+        <p:nvPr/>
+      </p:nvGrpSpPr>
+      <p:grpSpPr>
+        <a:xfrm>
+          <a:off x="0" y="0"/>
+          <a:ext cx="0" cy="0"/>
+          <a:chOff x="0" y="0"/>
+          <a:chExt cx="0" cy="0"/>
+        </a:xfrm>
+      </p:grpSpPr>
+      <p:sp>
+        <p:nvSpPr>
+          <p:cNvPr id="2" name="Titolo 1"/>
+          <p:cNvSpPr>
+            <a:spLocks noGrp="1"/>
+          </p:cNvSpPr>
+          <p:nvPr>
+            <p:ph type="title"/>
+          </p:nvPr>
+        </p:nvSpPr>
+        <p:spPr/>
+        <p:txBody>
+          <a:bodyPr/>
+          <a:lstStyle/>
+          <a:p>
+            <a:r>
+              <a:rPr lang="en-GB" dirty="0" err="1" smtClean="0">
+                <a:solidFill>
+                  <a:schemeClr val="bg1">
+                    <a:lumMod val="50000"/>
+                  </a:schemeClr>
+                </a:solidFill>
+                <a:latin typeface="+mj-lt"/>
+              </a:rPr>
+              <a:t>Tecniche</a:t>
+            </a:r>
+            <a:r>
+              <a:rPr lang="en-GB" dirty="0" smtClean="0">
+                <a:solidFill>
+                  <a:schemeClr val="bg1">
+                    <a:lumMod val="50000"/>
+                  </a:schemeClr>
+                </a:solidFill>
+                <a:latin typeface="+mj-lt"/>
+              </a:rPr>
+              <a:t> di </a:t>
+            </a:r>
+            <a:r>
+              <a:rPr lang="en-GB" dirty="0" err="1" smtClean="0">
+                <a:solidFill>
+                  <a:schemeClr val="bg1">
+                    <a:lumMod val="50000"/>
+                  </a:schemeClr>
+                </a:solidFill>
+                <a:latin typeface="+mj-lt"/>
+              </a:rPr>
+              <a:t>costruzione</a:t>
+            </a:r>
+            <a:endParaRPr lang="it-IT" dirty="0">
+              <a:solidFill>
+                <a:schemeClr val="bg1">
+                  <a:lumMod val="50000"/>
+                </a:schemeClr>
+              </a:solidFill>
+              <a:latin typeface="+mj-lt"/>
+            </a:endParaRPr>
+          </a:p>
+        </p:txBody>
+      </p:sp>
+      <p:sp>
+        <p:nvSpPr>
+          <p:cNvPr id="3" name="Segnaposto contenuto 2"/>
+          <p:cNvSpPr>
+            <a:spLocks noGrp="1"/>
+          </p:cNvSpPr>
+          <p:nvPr>
+            <p:ph idx="1"/>
+          </p:nvPr>
+        </p:nvSpPr>
+        <p:spPr/>
+        <p:txBody>
+          <a:bodyPr>
+            <a:normAutofit/>
+          </a:bodyPr>
+          <a:lstStyle/>
+          <a:p>
+            <a:pPr marL="0" indent="0">
+              <a:buNone/>
+            </a:pPr>
+            <a:r>
+              <a:rPr lang="it-IT" dirty="0"/>
+              <a:t>Entrambe le tecniche proposte utilizzano il vettore dei gradi generato da una delle due tecniche di </a:t>
+            </a:r>
+            <a:r>
+              <a:rPr lang="it-IT" dirty="0" err="1"/>
+              <a:t>anonimizzazione</a:t>
+            </a:r>
+            <a:r>
+              <a:rPr lang="it-IT" dirty="0"/>
+              <a:t> viste precedentemente per ricreare una versione del grafo che rispetti il vincolo di </a:t>
+            </a:r>
+            <a:r>
+              <a:rPr lang="it-IT" dirty="0" err="1"/>
+              <a:t>anonimizzazione</a:t>
+            </a:r>
+            <a:r>
+              <a:rPr lang="it-IT" dirty="0"/>
+              <a:t> K.</a:t>
+            </a:r>
+          </a:p>
+          <a:p>
+            <a:pPr marL="0" indent="0">
+              <a:buNone/>
+            </a:pPr>
+            <a:endParaRPr lang="it-IT" dirty="0"/>
+          </a:p>
+        </p:txBody>
+      </p:sp>
+      <p:pic>
+        <p:nvPicPr>
+          <p:cNvPr id="4" name="Immagine 3"/>
+          <p:cNvPicPr>
+            <a:picLocks noChangeAspect="1"/>
+          </p:cNvPicPr>
+          <p:nvPr/>
+        </p:nvPicPr>
+        <p:blipFill>
+          <a:blip r:embed="rId2" cstate="print">
+            <a:extLst>
+              <a:ext uri="{28A0092B-C50C-407E-A947-70E740481C1C}">
+                <a14:useLocalDpi xmlns:a14="http://schemas.microsoft.com/office/drawing/2010/main" val="0"/>
+              </a:ext>
+            </a:extLst>
+          </a:blip>
+          <a:stretch>
+            <a:fillRect/>
+          </a:stretch>
+        </p:blipFill>
+        <p:spPr>
+          <a:xfrm>
+            <a:off x="179512" y="4468193"/>
+            <a:ext cx="1114320" cy="572830"/>
+          </a:xfrm>
+          <a:prstGeom prst="rect">
+            <a:avLst/>
+          </a:prstGeom>
+        </p:spPr>
+      </p:pic>
+    </p:spTree>
+    <p:extLst>
+      <p:ext uri="{BB962C8B-B14F-4D97-AF65-F5344CB8AC3E}">
+        <p14:creationId xmlns:p14="http://schemas.microsoft.com/office/powerpoint/2010/main" val="661557160"/>
+      </p:ext>
+    </p:extLst>
+  </p:cSld>
+  <p:clrMapOvr>
+    <a:masterClrMapping/>
+  </p:clrMapOvr>
+  <p:timing>
+    <p:tnLst>
+      <p:par>
+        <p:cTn id="1" dur="indefinite" restart="never" nodeType="tmRoot"/>
+      </p:par>
+    </p:tnLst>
+  </p:timing>
 </p:sld>
 </file>
 

--- a/Presentation/Towards_Identity_Anonymization_on_graph(K-degree anonymization).pptx
+++ b/Presentation/Towards_Identity_Anonymization_on_graph(K-degree anonymization).pptx
@@ -16,8 +16,9 @@
     <p:sldId id="261" r:id="rId10"/>
     <p:sldId id="267" r:id="rId11"/>
     <p:sldId id="262" r:id="rId12"/>
-    <p:sldId id="268" r:id="rId13"/>
-    <p:sldId id="263" r:id="rId14"/>
+    <p:sldId id="270" r:id="rId13"/>
+    <p:sldId id="268" r:id="rId14"/>
+    <p:sldId id="263" r:id="rId15"/>
   </p:sldIdLst>
   <p:sldSz cx="9144000" cy="5143500" type="screen16x9"/>
   <p:notesSz cx="6858000" cy="9144000"/>
@@ -3735,6 +3736,84 @@
           <a:lstStyle/>
           <a:p>
             <a:r>
+              <a:rPr lang="en-GB" dirty="0" smtClean="0">
+                <a:solidFill>
+                  <a:schemeClr val="bg1">
+                    <a:lumMod val="50000"/>
+                  </a:schemeClr>
+                </a:solidFill>
+              </a:rPr>
+              <a:t>Testing</a:t>
+            </a:r>
+            <a:endParaRPr lang="it-IT" dirty="0"/>
+          </a:p>
+        </p:txBody>
+      </p:sp>
+      <p:sp>
+        <p:nvSpPr>
+          <p:cNvPr id="3" name="Segnaposto contenuto 2"/>
+          <p:cNvSpPr>
+            <a:spLocks noGrp="1"/>
+          </p:cNvSpPr>
+          <p:nvPr>
+            <p:ph idx="1"/>
+          </p:nvPr>
+        </p:nvSpPr>
+        <p:spPr/>
+        <p:txBody>
+          <a:bodyPr/>
+          <a:lstStyle/>
+          <a:p>
+            <a:endParaRPr lang="it-IT"/>
+          </a:p>
+        </p:txBody>
+      </p:sp>
+    </p:spTree>
+    <p:extLst>
+      <p:ext uri="{BB962C8B-B14F-4D97-AF65-F5344CB8AC3E}">
+        <p14:creationId xmlns:p14="http://schemas.microsoft.com/office/powerpoint/2010/main" val="4293783340"/>
+      </p:ext>
+    </p:extLst>
+  </p:cSld>
+  <p:clrMapOvr>
+    <a:masterClrMapping/>
+  </p:clrMapOvr>
+</p:sld>
+</file>
+
+<file path=ppt/slides/slide13.xml><?xml version="1.0" encoding="utf-8"?>
+<p:sld xmlns:a="http://schemas.openxmlformats.org/drawingml/2006/main" xmlns:r="http://schemas.openxmlformats.org/officeDocument/2006/relationships" xmlns:p="http://schemas.openxmlformats.org/presentationml/2006/main">
+  <p:cSld>
+    <p:spTree>
+      <p:nvGrpSpPr>
+        <p:cNvPr id="1" name=""/>
+        <p:cNvGrpSpPr/>
+        <p:nvPr/>
+      </p:nvGrpSpPr>
+      <p:grpSpPr>
+        <a:xfrm>
+          <a:off x="0" y="0"/>
+          <a:ext cx="0" cy="0"/>
+          <a:chOff x="0" y="0"/>
+          <a:chExt cx="0" cy="0"/>
+        </a:xfrm>
+      </p:grpSpPr>
+      <p:sp>
+        <p:nvSpPr>
+          <p:cNvPr id="2" name="Titolo 1"/>
+          <p:cNvSpPr>
+            <a:spLocks noGrp="1"/>
+          </p:cNvSpPr>
+          <p:nvPr>
+            <p:ph type="title"/>
+          </p:nvPr>
+        </p:nvSpPr>
+        <p:spPr/>
+        <p:txBody>
+          <a:bodyPr/>
+          <a:lstStyle/>
+          <a:p>
+            <a:r>
               <a:rPr lang="en-GB" dirty="0" err="1" smtClean="0">
                 <a:solidFill>
                   <a:schemeClr val="bg1">
@@ -3795,7 +3874,7 @@
 </p:sld>
 </file>
 
-<file path=ppt/slides/slide13.xml><?xml version="1.0" encoding="utf-8"?>
+<file path=ppt/slides/slide14.xml><?xml version="1.0" encoding="utf-8"?>
 <p:sld xmlns:a="http://schemas.openxmlformats.org/drawingml/2006/main" xmlns:r="http://schemas.openxmlformats.org/officeDocument/2006/relationships" xmlns:p="http://schemas.openxmlformats.org/presentationml/2006/main">
   <p:cSld>
     <p:spTree>
@@ -6545,7 +6624,6 @@
               <a:rPr lang="it-IT" dirty="0"/>
               <a:t>valuta ad ogni passo se sia conveniente creare un nuovo cluster o unire il nodo considerato a questo passo al cluster precedente. </a:t>
             </a:r>
-            <a:endParaRPr lang="it-IT" dirty="0"/>
           </a:p>
         </p:txBody>
       </p:sp>
@@ -7364,41 +7442,186 @@
           <a:bodyPr/>
           <a:lstStyle/>
           <a:p>
-            <a:endParaRPr lang="it-IT"/>
-          </a:p>
-        </p:txBody>
-      </p:sp>
-      <p:sp>
-        <p:nvSpPr>
-          <p:cNvPr id="3" name="Segnaposto contenuto 2"/>
-          <p:cNvSpPr>
-            <a:spLocks noGrp="1"/>
-          </p:cNvSpPr>
-          <p:nvPr>
-            <p:ph idx="1"/>
-          </p:nvPr>
-        </p:nvSpPr>
-        <p:spPr/>
-        <p:txBody>
-          <a:bodyPr>
-            <a:normAutofit fontScale="92500"/>
+            <a:r>
+              <a:rPr lang="en-GB" dirty="0">
+                <a:solidFill>
+                  <a:schemeClr val="bg1">
+                    <a:lumMod val="50000"/>
+                  </a:schemeClr>
+                </a:solidFill>
+              </a:rPr>
+              <a:t>Dynamic Programming</a:t>
+            </a:r>
+            <a:endParaRPr lang="it-IT" dirty="0"/>
+          </a:p>
+        </p:txBody>
+      </p:sp>
+      <p:sp>
+        <p:nvSpPr>
+          <p:cNvPr id="4" name="Segnaposto contenuto 2"/>
+          <p:cNvSpPr txBox="1">
+            <a:spLocks/>
+          </p:cNvSpPr>
+          <p:nvPr/>
+        </p:nvSpPr>
+        <p:spPr>
+          <a:xfrm>
+            <a:off x="323528" y="1275606"/>
+            <a:ext cx="8229600" cy="3394472"/>
+          </a:xfrm>
+          <a:prstGeom prst="rect">
+            <a:avLst/>
+          </a:prstGeom>
+        </p:spPr>
+        <p:txBody>
+          <a:bodyPr vert="horz" lIns="91440" tIns="45720" rIns="91440" bIns="45720" rtlCol="0">
+            <a:normAutofit/>
           </a:bodyPr>
-          <a:lstStyle/>
-          <a:p>
-            <a:pPr marL="0" indent="0">
+          <a:lstStyle>
+            <a:lvl1pPr marL="342900" indent="-342900" algn="l" defTabSz="914400" rtl="0" eaLnBrk="1" latinLnBrk="1" hangingPunct="1">
+              <a:spcBef>
+                <a:spcPct val="20000"/>
+              </a:spcBef>
+              <a:buFont typeface="Arial" pitchFamily="34" charset="0"/>
+              <a:buChar char="•"/>
+              <a:defRPr sz="3200" kern="1200">
+                <a:solidFill>
+                  <a:schemeClr val="tx1"/>
+                </a:solidFill>
+                <a:latin typeface="+mn-lt"/>
+                <a:ea typeface="+mn-ea"/>
+                <a:cs typeface="+mn-cs"/>
+              </a:defRPr>
+            </a:lvl1pPr>
+            <a:lvl2pPr marL="742950" indent="-285750" algn="l" defTabSz="914400" rtl="0" eaLnBrk="1" latinLnBrk="1" hangingPunct="1">
+              <a:spcBef>
+                <a:spcPct val="20000"/>
+              </a:spcBef>
+              <a:buFont typeface="Arial" pitchFamily="34" charset="0"/>
+              <a:buChar char="–"/>
+              <a:defRPr sz="2800" kern="1200">
+                <a:solidFill>
+                  <a:schemeClr val="tx1"/>
+                </a:solidFill>
+                <a:latin typeface="+mn-lt"/>
+                <a:ea typeface="+mn-ea"/>
+                <a:cs typeface="+mn-cs"/>
+              </a:defRPr>
+            </a:lvl2pPr>
+            <a:lvl3pPr marL="1143000" indent="-228600" algn="l" defTabSz="914400" rtl="0" eaLnBrk="1" latinLnBrk="1" hangingPunct="1">
+              <a:spcBef>
+                <a:spcPct val="20000"/>
+              </a:spcBef>
+              <a:buFont typeface="Arial" pitchFamily="34" charset="0"/>
+              <a:buChar char="•"/>
+              <a:defRPr sz="2400" kern="1200">
+                <a:solidFill>
+                  <a:schemeClr val="tx1"/>
+                </a:solidFill>
+                <a:latin typeface="+mn-lt"/>
+                <a:ea typeface="+mn-ea"/>
+                <a:cs typeface="+mn-cs"/>
+              </a:defRPr>
+            </a:lvl3pPr>
+            <a:lvl4pPr marL="1600200" indent="-228600" algn="l" defTabSz="914400" rtl="0" eaLnBrk="1" latinLnBrk="1" hangingPunct="1">
+              <a:spcBef>
+                <a:spcPct val="20000"/>
+              </a:spcBef>
+              <a:buFont typeface="Arial" pitchFamily="34" charset="0"/>
+              <a:buChar char="–"/>
+              <a:defRPr sz="2000" kern="1200">
+                <a:solidFill>
+                  <a:schemeClr val="tx1"/>
+                </a:solidFill>
+                <a:latin typeface="+mn-lt"/>
+                <a:ea typeface="+mn-ea"/>
+                <a:cs typeface="+mn-cs"/>
+              </a:defRPr>
+            </a:lvl4pPr>
+            <a:lvl5pPr marL="2057400" indent="-228600" algn="l" defTabSz="914400" rtl="0" eaLnBrk="1" latinLnBrk="1" hangingPunct="1">
+              <a:spcBef>
+                <a:spcPct val="20000"/>
+              </a:spcBef>
+              <a:buFont typeface="Arial" pitchFamily="34" charset="0"/>
+              <a:buChar char="»"/>
+              <a:defRPr sz="2000" kern="1200">
+                <a:solidFill>
+                  <a:schemeClr val="tx1"/>
+                </a:solidFill>
+                <a:latin typeface="+mn-lt"/>
+                <a:ea typeface="+mn-ea"/>
+                <a:cs typeface="+mn-cs"/>
+              </a:defRPr>
+            </a:lvl5pPr>
+            <a:lvl6pPr marL="2514600" indent="-228600" algn="l" defTabSz="914400" rtl="0" eaLnBrk="1" latinLnBrk="1" hangingPunct="1">
+              <a:spcBef>
+                <a:spcPct val="20000"/>
+              </a:spcBef>
+              <a:buFont typeface="Arial" pitchFamily="34" charset="0"/>
+              <a:buChar char="•"/>
+              <a:defRPr sz="2000" kern="1200">
+                <a:solidFill>
+                  <a:schemeClr val="tx1"/>
+                </a:solidFill>
+                <a:latin typeface="+mn-lt"/>
+                <a:ea typeface="+mn-ea"/>
+                <a:cs typeface="+mn-cs"/>
+              </a:defRPr>
+            </a:lvl6pPr>
+            <a:lvl7pPr marL="2971800" indent="-228600" algn="l" defTabSz="914400" rtl="0" eaLnBrk="1" latinLnBrk="1" hangingPunct="1">
+              <a:spcBef>
+                <a:spcPct val="20000"/>
+              </a:spcBef>
+              <a:buFont typeface="Arial" pitchFamily="34" charset="0"/>
+              <a:buChar char="•"/>
+              <a:defRPr sz="2000" kern="1200">
+                <a:solidFill>
+                  <a:schemeClr val="tx1"/>
+                </a:solidFill>
+                <a:latin typeface="+mn-lt"/>
+                <a:ea typeface="+mn-ea"/>
+                <a:cs typeface="+mn-cs"/>
+              </a:defRPr>
+            </a:lvl7pPr>
+            <a:lvl8pPr marL="3429000" indent="-228600" algn="l" defTabSz="914400" rtl="0" eaLnBrk="1" latinLnBrk="1" hangingPunct="1">
+              <a:spcBef>
+                <a:spcPct val="20000"/>
+              </a:spcBef>
+              <a:buFont typeface="Arial" pitchFamily="34" charset="0"/>
+              <a:buChar char="•"/>
+              <a:defRPr sz="2000" kern="1200">
+                <a:solidFill>
+                  <a:schemeClr val="tx1"/>
+                </a:solidFill>
+                <a:latin typeface="+mn-lt"/>
+                <a:ea typeface="+mn-ea"/>
+                <a:cs typeface="+mn-cs"/>
+              </a:defRPr>
+            </a:lvl8pPr>
+            <a:lvl9pPr marL="3886200" indent="-228600" algn="l" defTabSz="914400" rtl="0" eaLnBrk="1" latinLnBrk="1" hangingPunct="1">
+              <a:spcBef>
+                <a:spcPct val="20000"/>
+              </a:spcBef>
+              <a:buFont typeface="Arial" pitchFamily="34" charset="0"/>
+              <a:buChar char="•"/>
+              <a:defRPr sz="2000" kern="1200">
+                <a:solidFill>
+                  <a:schemeClr val="tx1"/>
+                </a:solidFill>
+                <a:latin typeface="+mn-lt"/>
+                <a:ea typeface="+mn-ea"/>
+                <a:cs typeface="+mn-cs"/>
+              </a:defRPr>
+            </a:lvl9pPr>
+          </a:lstStyle>
+          <a:p>
+            <a:pPr marL="0" indent="0" algn="just">
+              <a:buFont typeface="Arial" pitchFamily="34" charset="0"/>
               <a:buNone/>
             </a:pPr>
             <a:r>
-              <a:rPr lang="it-IT" dirty="0"/>
-              <a:t>Quest’operazione viene eseguita per ogni nodo e per ogni combinazione di sotto cluster che si è generata finora, tenendo in memoria man mano che si procede nella computazione dei migliori cluster ottenuti in base al costo totale di </a:t>
-            </a:r>
-            <a:r>
-              <a:rPr lang="it-IT" dirty="0" err="1"/>
-              <a:t>anonimizzazione</a:t>
-            </a:r>
-            <a:r>
-              <a:rPr lang="it-IT" dirty="0"/>
-              <a:t> che ciascuno di loro (seppur parziale) comporta.</a:t>
+              <a:rPr lang="it-IT" dirty="0" smtClean="0"/>
+              <a:t>Vengono valutate tutte le possibili combinazioni di cluster scegliendo quella a costo minore</a:t>
             </a:r>
           </a:p>
           <a:p>

--- a/Presentation/Towards_Identity_Anonymization_on_graph(K-degree anonymization).pptx
+++ b/Presentation/Towards_Identity_Anonymization_on_graph(K-degree anonymization).pptx
@@ -4,6 +4,9 @@
   <p:sldMasterIdLst>
     <p:sldMasterId id="2147483648" r:id="rId1"/>
   </p:sldMasterIdLst>
+  <p:notesMasterIdLst>
+    <p:notesMasterId r:id="rId16"/>
+  </p:notesMasterIdLst>
   <p:sldIdLst>
     <p:sldId id="256" r:id="rId2"/>
     <p:sldId id="264" r:id="rId3"/>
@@ -117,7 +120,431 @@
       </a:defRPr>
     </a:lvl9pPr>
   </p:defaultTextStyle>
+  <p:extLst>
+    <p:ext uri="{EFAFB233-063F-42B5-8137-9DF3F51BA10A}">
+      <p15:sldGuideLst xmlns:p15="http://schemas.microsoft.com/office/powerpoint/2012/main">
+        <p15:guide id="1" orient="horz" pos="1620">
+          <p15:clr>
+            <a:srgbClr val="A4A3A4"/>
+          </p15:clr>
+        </p15:guide>
+        <p15:guide id="2" pos="2880">
+          <p15:clr>
+            <a:srgbClr val="A4A3A4"/>
+          </p15:clr>
+        </p15:guide>
+      </p15:sldGuideLst>
+    </p:ext>
+  </p:extLst>
 </p:presentation>
+</file>
+
+<file path=ppt/notesMasters/notesMaster1.xml><?xml version="1.0" encoding="utf-8"?>
+<p:notesMaster xmlns:a="http://schemas.openxmlformats.org/drawingml/2006/main" xmlns:r="http://schemas.openxmlformats.org/officeDocument/2006/relationships" xmlns:p="http://schemas.openxmlformats.org/presentationml/2006/main">
+  <p:cSld>
+    <p:bg>
+      <p:bgRef idx="1001">
+        <a:schemeClr val="bg1"/>
+      </p:bgRef>
+    </p:bg>
+    <p:spTree>
+      <p:nvGrpSpPr>
+        <p:cNvPr id="1" name=""/>
+        <p:cNvGrpSpPr/>
+        <p:nvPr/>
+      </p:nvGrpSpPr>
+      <p:grpSpPr>
+        <a:xfrm>
+          <a:off x="0" y="0"/>
+          <a:ext cx="0" cy="0"/>
+          <a:chOff x="0" y="0"/>
+          <a:chExt cx="0" cy="0"/>
+        </a:xfrm>
+      </p:grpSpPr>
+      <p:sp>
+        <p:nvSpPr>
+          <p:cNvPr id="2" name="Segnaposto intestazione 1"/>
+          <p:cNvSpPr>
+            <a:spLocks noGrp="1"/>
+          </p:cNvSpPr>
+          <p:nvPr>
+            <p:ph type="hdr" sz="quarter"/>
+          </p:nvPr>
+        </p:nvSpPr>
+        <p:spPr>
+          <a:xfrm>
+            <a:off x="0" y="0"/>
+            <a:ext cx="2971800" cy="458788"/>
+          </a:xfrm>
+          <a:prstGeom prst="rect">
+            <a:avLst/>
+          </a:prstGeom>
+        </p:spPr>
+        <p:txBody>
+          <a:bodyPr vert="horz" lIns="91440" tIns="45720" rIns="91440" bIns="45720" rtlCol="0"/>
+          <a:lstStyle>
+            <a:lvl1pPr algn="l">
+              <a:defRPr sz="1200"/>
+            </a:lvl1pPr>
+          </a:lstStyle>
+          <a:p>
+            <a:endParaRPr lang="it-IT"/>
+          </a:p>
+        </p:txBody>
+      </p:sp>
+      <p:sp>
+        <p:nvSpPr>
+          <p:cNvPr id="3" name="Segnaposto data 2"/>
+          <p:cNvSpPr>
+            <a:spLocks noGrp="1"/>
+          </p:cNvSpPr>
+          <p:nvPr>
+            <p:ph type="dt" idx="1"/>
+          </p:nvPr>
+        </p:nvSpPr>
+        <p:spPr>
+          <a:xfrm>
+            <a:off x="3884613" y="0"/>
+            <a:ext cx="2971800" cy="458788"/>
+          </a:xfrm>
+          <a:prstGeom prst="rect">
+            <a:avLst/>
+          </a:prstGeom>
+        </p:spPr>
+        <p:txBody>
+          <a:bodyPr vert="horz" lIns="91440" tIns="45720" rIns="91440" bIns="45720" rtlCol="0"/>
+          <a:lstStyle>
+            <a:lvl1pPr algn="r">
+              <a:defRPr sz="1200"/>
+            </a:lvl1pPr>
+          </a:lstStyle>
+          <a:p>
+            <a:fld id="{A55BA7C1-22AE-0645-AD7C-34C9095A0266}" type="datetimeFigureOut">
+              <a:rPr lang="it-IT" smtClean="0"/>
+              <a:t>07/03/19</a:t>
+            </a:fld>
+            <a:endParaRPr lang="it-IT"/>
+          </a:p>
+        </p:txBody>
+      </p:sp>
+      <p:sp>
+        <p:nvSpPr>
+          <p:cNvPr id="4" name="Segnaposto immagine diapositiva 3"/>
+          <p:cNvSpPr>
+            <a:spLocks noGrp="1" noRot="1" noChangeAspect="1"/>
+          </p:cNvSpPr>
+          <p:nvPr>
+            <p:ph type="sldImg" idx="2"/>
+          </p:nvPr>
+        </p:nvSpPr>
+        <p:spPr>
+          <a:xfrm>
+            <a:off x="685800" y="1143000"/>
+            <a:ext cx="5486400" cy="3086100"/>
+          </a:xfrm>
+          <a:prstGeom prst="rect">
+            <a:avLst/>
+          </a:prstGeom>
+          <a:noFill/>
+          <a:ln w="12700">
+            <a:solidFill>
+              <a:prstClr val="black"/>
+            </a:solidFill>
+          </a:ln>
+        </p:spPr>
+        <p:txBody>
+          <a:bodyPr vert="horz" lIns="91440" tIns="45720" rIns="91440" bIns="45720" rtlCol="0" anchor="ctr"/>
+          <a:lstStyle/>
+          <a:p>
+            <a:endParaRPr lang="it-IT"/>
+          </a:p>
+        </p:txBody>
+      </p:sp>
+      <p:sp>
+        <p:nvSpPr>
+          <p:cNvPr id="5" name="Segnaposto note 4"/>
+          <p:cNvSpPr>
+            <a:spLocks noGrp="1"/>
+          </p:cNvSpPr>
+          <p:nvPr>
+            <p:ph type="body" sz="quarter" idx="3"/>
+          </p:nvPr>
+        </p:nvSpPr>
+        <p:spPr>
+          <a:xfrm>
+            <a:off x="685800" y="4400550"/>
+            <a:ext cx="5486400" cy="3600450"/>
+          </a:xfrm>
+          <a:prstGeom prst="rect">
+            <a:avLst/>
+          </a:prstGeom>
+        </p:spPr>
+        <p:txBody>
+          <a:bodyPr vert="horz" lIns="91440" tIns="45720" rIns="91440" bIns="45720" rtlCol="0"/>
+          <a:lstStyle/>
+          <a:p>
+            <a:r>
+              <a:rPr lang="it-IT"/>
+              <a:t>Fare clic per modificare gli stili del testo dello schema
+Secondo livello
+Terzo livello
+Quarto livello
+Quinto livello</a:t>
+            </a:r>
+          </a:p>
+        </p:txBody>
+      </p:sp>
+      <p:sp>
+        <p:nvSpPr>
+          <p:cNvPr id="6" name="Segnaposto piè di pagina 5"/>
+          <p:cNvSpPr>
+            <a:spLocks noGrp="1"/>
+          </p:cNvSpPr>
+          <p:nvPr>
+            <p:ph type="ftr" sz="quarter" idx="4"/>
+          </p:nvPr>
+        </p:nvSpPr>
+        <p:spPr>
+          <a:xfrm>
+            <a:off x="0" y="8685213"/>
+            <a:ext cx="2971800" cy="458787"/>
+          </a:xfrm>
+          <a:prstGeom prst="rect">
+            <a:avLst/>
+          </a:prstGeom>
+        </p:spPr>
+        <p:txBody>
+          <a:bodyPr vert="horz" lIns="91440" tIns="45720" rIns="91440" bIns="45720" rtlCol="0" anchor="b"/>
+          <a:lstStyle>
+            <a:lvl1pPr algn="l">
+              <a:defRPr sz="1200"/>
+            </a:lvl1pPr>
+          </a:lstStyle>
+          <a:p>
+            <a:endParaRPr lang="it-IT"/>
+          </a:p>
+        </p:txBody>
+      </p:sp>
+      <p:sp>
+        <p:nvSpPr>
+          <p:cNvPr id="7" name="Segnaposto numero diapositiva 6"/>
+          <p:cNvSpPr>
+            <a:spLocks noGrp="1"/>
+          </p:cNvSpPr>
+          <p:nvPr>
+            <p:ph type="sldNum" sz="quarter" idx="5"/>
+          </p:nvPr>
+        </p:nvSpPr>
+        <p:spPr>
+          <a:xfrm>
+            <a:off x="3884613" y="8685213"/>
+            <a:ext cx="2971800" cy="458787"/>
+          </a:xfrm>
+          <a:prstGeom prst="rect">
+            <a:avLst/>
+          </a:prstGeom>
+        </p:spPr>
+        <p:txBody>
+          <a:bodyPr vert="horz" lIns="91440" tIns="45720" rIns="91440" bIns="45720" rtlCol="0" anchor="b"/>
+          <a:lstStyle>
+            <a:lvl1pPr algn="r">
+              <a:defRPr sz="1200"/>
+            </a:lvl1pPr>
+          </a:lstStyle>
+          <a:p>
+            <a:fld id="{432709A9-B521-EB4C-B992-CAA49A2F48FB}" type="slidenum">
+              <a:rPr lang="it-IT" smtClean="0"/>
+              <a:t>‹N›</a:t>
+            </a:fld>
+            <a:endParaRPr lang="it-IT"/>
+          </a:p>
+        </p:txBody>
+      </p:sp>
+    </p:spTree>
+    <p:extLst>
+      <p:ext uri="{BB962C8B-B14F-4D97-AF65-F5344CB8AC3E}">
+        <p14:creationId xmlns:p14="http://schemas.microsoft.com/office/powerpoint/2010/main" val="3395858900"/>
+      </p:ext>
+    </p:extLst>
+  </p:cSld>
+  <p:clrMap bg1="lt1" tx1="dk1" bg2="lt2" tx2="dk2" accent1="accent1" accent2="accent2" accent3="accent3" accent4="accent4" accent5="accent5" accent6="accent6" hlink="hlink" folHlink="folHlink"/>
+  <p:notesStyle>
+    <a:lvl1pPr marL="0" algn="l" defTabSz="914400" rtl="0" eaLnBrk="1" latinLnBrk="0" hangingPunct="1">
+      <a:defRPr sz="1200" kern="1200">
+        <a:solidFill>
+          <a:schemeClr val="tx1"/>
+        </a:solidFill>
+        <a:latin typeface="+mn-lt"/>
+        <a:ea typeface="+mn-ea"/>
+        <a:cs typeface="+mn-cs"/>
+      </a:defRPr>
+    </a:lvl1pPr>
+    <a:lvl2pPr marL="457200" algn="l" defTabSz="914400" rtl="0" eaLnBrk="1" latinLnBrk="0" hangingPunct="1">
+      <a:defRPr sz="1200" kern="1200">
+        <a:solidFill>
+          <a:schemeClr val="tx1"/>
+        </a:solidFill>
+        <a:latin typeface="+mn-lt"/>
+        <a:ea typeface="+mn-ea"/>
+        <a:cs typeface="+mn-cs"/>
+      </a:defRPr>
+    </a:lvl2pPr>
+    <a:lvl3pPr marL="914400" algn="l" defTabSz="914400" rtl="0" eaLnBrk="1" latinLnBrk="0" hangingPunct="1">
+      <a:defRPr sz="1200" kern="1200">
+        <a:solidFill>
+          <a:schemeClr val="tx1"/>
+        </a:solidFill>
+        <a:latin typeface="+mn-lt"/>
+        <a:ea typeface="+mn-ea"/>
+        <a:cs typeface="+mn-cs"/>
+      </a:defRPr>
+    </a:lvl3pPr>
+    <a:lvl4pPr marL="1371600" algn="l" defTabSz="914400" rtl="0" eaLnBrk="1" latinLnBrk="0" hangingPunct="1">
+      <a:defRPr sz="1200" kern="1200">
+        <a:solidFill>
+          <a:schemeClr val="tx1"/>
+        </a:solidFill>
+        <a:latin typeface="+mn-lt"/>
+        <a:ea typeface="+mn-ea"/>
+        <a:cs typeface="+mn-cs"/>
+      </a:defRPr>
+    </a:lvl4pPr>
+    <a:lvl5pPr marL="1828800" algn="l" defTabSz="914400" rtl="0" eaLnBrk="1" latinLnBrk="0" hangingPunct="1">
+      <a:defRPr sz="1200" kern="1200">
+        <a:solidFill>
+          <a:schemeClr val="tx1"/>
+        </a:solidFill>
+        <a:latin typeface="+mn-lt"/>
+        <a:ea typeface="+mn-ea"/>
+        <a:cs typeface="+mn-cs"/>
+      </a:defRPr>
+    </a:lvl5pPr>
+    <a:lvl6pPr marL="2286000" algn="l" defTabSz="914400" rtl="0" eaLnBrk="1" latinLnBrk="0" hangingPunct="1">
+      <a:defRPr sz="1200" kern="1200">
+        <a:solidFill>
+          <a:schemeClr val="tx1"/>
+        </a:solidFill>
+        <a:latin typeface="+mn-lt"/>
+        <a:ea typeface="+mn-ea"/>
+        <a:cs typeface="+mn-cs"/>
+      </a:defRPr>
+    </a:lvl6pPr>
+    <a:lvl7pPr marL="2743200" algn="l" defTabSz="914400" rtl="0" eaLnBrk="1" latinLnBrk="0" hangingPunct="1">
+      <a:defRPr sz="1200" kern="1200">
+        <a:solidFill>
+          <a:schemeClr val="tx1"/>
+        </a:solidFill>
+        <a:latin typeface="+mn-lt"/>
+        <a:ea typeface="+mn-ea"/>
+        <a:cs typeface="+mn-cs"/>
+      </a:defRPr>
+    </a:lvl7pPr>
+    <a:lvl8pPr marL="3200400" algn="l" defTabSz="914400" rtl="0" eaLnBrk="1" latinLnBrk="0" hangingPunct="1">
+      <a:defRPr sz="1200" kern="1200">
+        <a:solidFill>
+          <a:schemeClr val="tx1"/>
+        </a:solidFill>
+        <a:latin typeface="+mn-lt"/>
+        <a:ea typeface="+mn-ea"/>
+        <a:cs typeface="+mn-cs"/>
+      </a:defRPr>
+    </a:lvl8pPr>
+    <a:lvl9pPr marL="3657600" algn="l" defTabSz="914400" rtl="0" eaLnBrk="1" latinLnBrk="0" hangingPunct="1">
+      <a:defRPr sz="1200" kern="1200">
+        <a:solidFill>
+          <a:schemeClr val="tx1"/>
+        </a:solidFill>
+        <a:latin typeface="+mn-lt"/>
+        <a:ea typeface="+mn-ea"/>
+        <a:cs typeface="+mn-cs"/>
+      </a:defRPr>
+    </a:lvl9pPr>
+  </p:notesStyle>
+</p:notesMaster>
+</file>
+
+<file path=ppt/notesSlides/notesSlide1.xml><?xml version="1.0" encoding="utf-8"?>
+<p:notes xmlns:a="http://schemas.openxmlformats.org/drawingml/2006/main" xmlns:r="http://schemas.openxmlformats.org/officeDocument/2006/relationships" xmlns:p="http://schemas.openxmlformats.org/presentationml/2006/main">
+  <p:cSld>
+    <p:spTree>
+      <p:nvGrpSpPr>
+        <p:cNvPr id="1" name=""/>
+        <p:cNvGrpSpPr/>
+        <p:nvPr/>
+      </p:nvGrpSpPr>
+      <p:grpSpPr>
+        <a:xfrm>
+          <a:off x="0" y="0"/>
+          <a:ext cx="0" cy="0"/>
+          <a:chOff x="0" y="0"/>
+          <a:chExt cx="0" cy="0"/>
+        </a:xfrm>
+      </p:grpSpPr>
+      <p:sp>
+        <p:nvSpPr>
+          <p:cNvPr id="2" name="Segnaposto immagine diapositiva 1"/>
+          <p:cNvSpPr>
+            <a:spLocks noGrp="1" noRot="1" noChangeAspect="1"/>
+          </p:cNvSpPr>
+          <p:nvPr>
+            <p:ph type="sldImg"/>
+          </p:nvPr>
+        </p:nvSpPr>
+        <p:spPr/>
+      </p:sp>
+      <p:sp>
+        <p:nvSpPr>
+          <p:cNvPr id="3" name="Segnaposto note 2"/>
+          <p:cNvSpPr>
+            <a:spLocks noGrp="1"/>
+          </p:cNvSpPr>
+          <p:nvPr>
+            <p:ph type="body" idx="1"/>
+          </p:nvPr>
+        </p:nvSpPr>
+        <p:spPr/>
+        <p:txBody>
+          <a:bodyPr/>
+          <a:lstStyle/>
+          <a:p>
+            <a:endParaRPr lang="it-IT" dirty="0"/>
+          </a:p>
+        </p:txBody>
+      </p:sp>
+      <p:sp>
+        <p:nvSpPr>
+          <p:cNvPr id="4" name="Segnaposto numero diapositiva 3"/>
+          <p:cNvSpPr>
+            <a:spLocks noGrp="1"/>
+          </p:cNvSpPr>
+          <p:nvPr>
+            <p:ph type="sldNum" sz="quarter" idx="5"/>
+          </p:nvPr>
+        </p:nvSpPr>
+        <p:spPr/>
+        <p:txBody>
+          <a:bodyPr/>
+          <a:lstStyle/>
+          <a:p>
+            <a:fld id="{432709A9-B521-EB4C-B992-CAA49A2F48FB}" type="slidenum">
+              <a:rPr lang="it-IT" smtClean="0"/>
+              <a:t>11</a:t>
+            </a:fld>
+            <a:endParaRPr lang="it-IT"/>
+          </a:p>
+        </p:txBody>
+      </p:sp>
+    </p:spTree>
+    <p:extLst>
+      <p:ext uri="{BB962C8B-B14F-4D97-AF65-F5344CB8AC3E}">
+        <p14:creationId xmlns:p14="http://schemas.microsoft.com/office/powerpoint/2010/main" val="3611200481"/>
+      </p:ext>
+    </p:extLst>
+  </p:cSld>
+  <p:clrMapOvr>
+    <a:masterClrMapping/>
+  </p:clrMapOvr>
+</p:notes>
 </file>
 
 <file path=ppt/slideLayouts/slideLayout1.xml><?xml version="1.0" encoding="utf-8"?>
@@ -197,7 +624,7 @@
           <a:lstStyle/>
           <a:p>
             <a:r>
-              <a:rPr lang="en-US" altLang="ko-KR" smtClean="0"/>
+              <a:rPr lang="en-US" altLang="ko-KR"/>
               <a:t>Click to edit Master title style</a:t>
             </a:r>
             <a:endParaRPr lang="ko-KR" altLang="en-US"/>
@@ -221,35 +648,35 @@
           <a:p>
             <a:pPr lvl="0"/>
             <a:r>
-              <a:rPr lang="en-US" altLang="ko-KR" smtClean="0"/>
+              <a:rPr lang="en-US" altLang="ko-KR"/>
               <a:t>Click to edit Master text styles</a:t>
             </a:r>
           </a:p>
           <a:p>
             <a:pPr lvl="1"/>
             <a:r>
-              <a:rPr lang="en-US" altLang="ko-KR" smtClean="0"/>
+              <a:rPr lang="en-US" altLang="ko-KR"/>
               <a:t>Second level</a:t>
             </a:r>
           </a:p>
           <a:p>
             <a:pPr lvl="2"/>
             <a:r>
-              <a:rPr lang="en-US" altLang="ko-KR" smtClean="0"/>
+              <a:rPr lang="en-US" altLang="ko-KR"/>
               <a:t>Third level</a:t>
             </a:r>
           </a:p>
           <a:p>
             <a:pPr lvl="3"/>
             <a:r>
-              <a:rPr lang="en-US" altLang="ko-KR" smtClean="0"/>
+              <a:rPr lang="en-US" altLang="ko-KR"/>
               <a:t>Fourth level</a:t>
             </a:r>
           </a:p>
           <a:p>
             <a:pPr lvl="4"/>
             <a:r>
-              <a:rPr lang="en-US" altLang="ko-KR" smtClean="0"/>
+              <a:rPr lang="en-US" altLang="ko-KR"/>
               <a:t>Fifth level</a:t>
             </a:r>
             <a:endParaRPr lang="ko-KR" altLang="en-US"/>
@@ -273,7 +700,7 @@
           <a:p>
             <a:fld id="{DF8C5CDB-1AEF-4522-8EAF-CE1F4E5D863E}" type="datetimeFigureOut">
               <a:rPr lang="ko-KR" altLang="en-US" smtClean="0"/>
-              <a:t>2019-03-04</a:t>
+              <a:t>2019. 3. 7.</a:t>
             </a:fld>
             <a:endParaRPr lang="ko-KR" altLang="en-US"/>
           </a:p>
@@ -372,7 +799,7 @@
           <a:lstStyle/>
           <a:p>
             <a:r>
-              <a:rPr lang="en-US" altLang="ko-KR" smtClean="0"/>
+              <a:rPr lang="en-US" altLang="ko-KR"/>
               <a:t>Click to edit Master title style</a:t>
             </a:r>
             <a:endParaRPr lang="ko-KR" altLang="en-US"/>
@@ -401,35 +828,35 @@
           <a:p>
             <a:pPr lvl="0"/>
             <a:r>
-              <a:rPr lang="en-US" altLang="ko-KR" smtClean="0"/>
+              <a:rPr lang="en-US" altLang="ko-KR"/>
               <a:t>Click to edit Master text styles</a:t>
             </a:r>
           </a:p>
           <a:p>
             <a:pPr lvl="1"/>
             <a:r>
-              <a:rPr lang="en-US" altLang="ko-KR" smtClean="0"/>
+              <a:rPr lang="en-US" altLang="ko-KR"/>
               <a:t>Second level</a:t>
             </a:r>
           </a:p>
           <a:p>
             <a:pPr lvl="2"/>
             <a:r>
-              <a:rPr lang="en-US" altLang="ko-KR" smtClean="0"/>
+              <a:rPr lang="en-US" altLang="ko-KR"/>
               <a:t>Third level</a:t>
             </a:r>
           </a:p>
           <a:p>
             <a:pPr lvl="3"/>
             <a:r>
-              <a:rPr lang="en-US" altLang="ko-KR" smtClean="0"/>
+              <a:rPr lang="en-US" altLang="ko-KR"/>
               <a:t>Fourth level</a:t>
             </a:r>
           </a:p>
           <a:p>
             <a:pPr lvl="4"/>
             <a:r>
-              <a:rPr lang="en-US" altLang="ko-KR" smtClean="0"/>
+              <a:rPr lang="en-US" altLang="ko-KR"/>
               <a:t>Fifth level</a:t>
             </a:r>
             <a:endParaRPr lang="ko-KR" altLang="en-US"/>
@@ -453,7 +880,7 @@
           <a:p>
             <a:fld id="{DF8C5CDB-1AEF-4522-8EAF-CE1F4E5D863E}" type="datetimeFigureOut">
               <a:rPr lang="ko-KR" altLang="en-US" smtClean="0"/>
-              <a:t>2019-03-04</a:t>
+              <a:t>2019. 3. 7.</a:t>
             </a:fld>
             <a:endParaRPr lang="ko-KR" altLang="en-US"/>
           </a:p>
@@ -556,7 +983,7 @@
           </a:lstStyle>
           <a:p>
             <a:r>
-              <a:rPr lang="en-US" altLang="ko-KR" dirty="0" smtClean="0"/>
+              <a:rPr lang="en-US" altLang="ko-KR" dirty="0"/>
               <a:t> Click to edit Master title style</a:t>
             </a:r>
             <a:endParaRPr lang="ko-KR" altLang="en-US" dirty="0"/>
@@ -580,35 +1007,35 @@
           <a:p>
             <a:pPr lvl="0"/>
             <a:r>
-              <a:rPr lang="en-US" altLang="ko-KR" dirty="0" smtClean="0"/>
+              <a:rPr lang="en-US" altLang="ko-KR" dirty="0"/>
               <a:t>Click to edit Master text styles</a:t>
             </a:r>
           </a:p>
           <a:p>
             <a:pPr lvl="1"/>
             <a:r>
-              <a:rPr lang="en-US" altLang="ko-KR" dirty="0" smtClean="0"/>
+              <a:rPr lang="en-US" altLang="ko-KR" dirty="0"/>
               <a:t>Second level</a:t>
             </a:r>
           </a:p>
           <a:p>
             <a:pPr lvl="2"/>
             <a:r>
-              <a:rPr lang="en-US" altLang="ko-KR" dirty="0" smtClean="0"/>
+              <a:rPr lang="en-US" altLang="ko-KR" dirty="0"/>
               <a:t>Third level</a:t>
             </a:r>
           </a:p>
           <a:p>
             <a:pPr lvl="3"/>
             <a:r>
-              <a:rPr lang="en-US" altLang="ko-KR" dirty="0" smtClean="0"/>
+              <a:rPr lang="en-US" altLang="ko-KR" dirty="0"/>
               <a:t>Fourth level</a:t>
             </a:r>
           </a:p>
           <a:p>
             <a:pPr lvl="4"/>
             <a:r>
-              <a:rPr lang="en-US" altLang="ko-KR" dirty="0" smtClean="0"/>
+              <a:rPr lang="en-US" altLang="ko-KR" dirty="0"/>
               <a:t>Fifth level</a:t>
             </a:r>
             <a:endParaRPr lang="ko-KR" altLang="en-US" dirty="0"/>
@@ -632,7 +1059,7 @@
           <a:p>
             <a:fld id="{DF8C5CDB-1AEF-4522-8EAF-CE1F4E5D863E}" type="datetimeFigureOut">
               <a:rPr lang="ko-KR" altLang="en-US" smtClean="0"/>
-              <a:t>2019-03-04</a:t>
+              <a:t>2019. 3. 7.</a:t>
             </a:fld>
             <a:endParaRPr lang="ko-KR" altLang="en-US"/>
           </a:p>
@@ -735,7 +1162,7 @@
           </a:lstStyle>
           <a:p>
             <a:r>
-              <a:rPr lang="en-US" altLang="ko-KR" smtClean="0"/>
+              <a:rPr lang="en-US" altLang="ko-KR"/>
               <a:t>Click to edit Master title style</a:t>
             </a:r>
             <a:endParaRPr lang="ko-KR" altLang="en-US"/>
@@ -855,7 +1282,7 @@
           <a:p>
             <a:pPr lvl="0"/>
             <a:r>
-              <a:rPr lang="en-US" altLang="ko-KR" smtClean="0"/>
+              <a:rPr lang="en-US" altLang="ko-KR"/>
               <a:t>Click to edit Master text styles</a:t>
             </a:r>
           </a:p>
@@ -878,7 +1305,7 @@
           <a:p>
             <a:fld id="{DF8C5CDB-1AEF-4522-8EAF-CE1F4E5D863E}" type="datetimeFigureOut">
               <a:rPr lang="ko-KR" altLang="en-US" smtClean="0"/>
-              <a:t>2019-03-04</a:t>
+              <a:t>2019. 3. 7.</a:t>
             </a:fld>
             <a:endParaRPr lang="ko-KR" altLang="en-US"/>
           </a:p>
@@ -972,7 +1399,7 @@
           <a:lstStyle/>
           <a:p>
             <a:r>
-              <a:rPr lang="en-US" altLang="ko-KR" smtClean="0"/>
+              <a:rPr lang="en-US" altLang="ko-KR"/>
               <a:t>Click to edit Master title style</a:t>
             </a:r>
             <a:endParaRPr lang="ko-KR" altLang="en-US"/>
@@ -1029,35 +1456,35 @@
           <a:p>
             <a:pPr lvl="0"/>
             <a:r>
-              <a:rPr lang="en-US" altLang="ko-KR" smtClean="0"/>
+              <a:rPr lang="en-US" altLang="ko-KR"/>
               <a:t>Click to edit Master text styles</a:t>
             </a:r>
           </a:p>
           <a:p>
             <a:pPr lvl="1"/>
             <a:r>
-              <a:rPr lang="en-US" altLang="ko-KR" smtClean="0"/>
+              <a:rPr lang="en-US" altLang="ko-KR"/>
               <a:t>Second level</a:t>
             </a:r>
           </a:p>
           <a:p>
             <a:pPr lvl="2"/>
             <a:r>
-              <a:rPr lang="en-US" altLang="ko-KR" smtClean="0"/>
+              <a:rPr lang="en-US" altLang="ko-KR"/>
               <a:t>Third level</a:t>
             </a:r>
           </a:p>
           <a:p>
             <a:pPr lvl="3"/>
             <a:r>
-              <a:rPr lang="en-US" altLang="ko-KR" smtClean="0"/>
+              <a:rPr lang="en-US" altLang="ko-KR"/>
               <a:t>Fourth level</a:t>
             </a:r>
           </a:p>
           <a:p>
             <a:pPr lvl="4"/>
             <a:r>
-              <a:rPr lang="en-US" altLang="ko-KR" smtClean="0"/>
+              <a:rPr lang="en-US" altLang="ko-KR"/>
               <a:t>Fifth level</a:t>
             </a:r>
             <a:endParaRPr lang="ko-KR" altLang="en-US"/>
@@ -1114,35 +1541,35 @@
           <a:p>
             <a:pPr lvl="0"/>
             <a:r>
-              <a:rPr lang="en-US" altLang="ko-KR" smtClean="0"/>
+              <a:rPr lang="en-US" altLang="ko-KR"/>
               <a:t>Click to edit Master text styles</a:t>
             </a:r>
           </a:p>
           <a:p>
             <a:pPr lvl="1"/>
             <a:r>
-              <a:rPr lang="en-US" altLang="ko-KR" smtClean="0"/>
+              <a:rPr lang="en-US" altLang="ko-KR"/>
               <a:t>Second level</a:t>
             </a:r>
           </a:p>
           <a:p>
             <a:pPr lvl="2"/>
             <a:r>
-              <a:rPr lang="en-US" altLang="ko-KR" smtClean="0"/>
+              <a:rPr lang="en-US" altLang="ko-KR"/>
               <a:t>Third level</a:t>
             </a:r>
           </a:p>
           <a:p>
             <a:pPr lvl="3"/>
             <a:r>
-              <a:rPr lang="en-US" altLang="ko-KR" smtClean="0"/>
+              <a:rPr lang="en-US" altLang="ko-KR"/>
               <a:t>Fourth level</a:t>
             </a:r>
           </a:p>
           <a:p>
             <a:pPr lvl="4"/>
             <a:r>
-              <a:rPr lang="en-US" altLang="ko-KR" smtClean="0"/>
+              <a:rPr lang="en-US" altLang="ko-KR"/>
               <a:t>Fifth level</a:t>
             </a:r>
             <a:endParaRPr lang="ko-KR" altLang="en-US"/>
@@ -1166,7 +1593,7 @@
           <a:p>
             <a:fld id="{DF8C5CDB-1AEF-4522-8EAF-CE1F4E5D863E}" type="datetimeFigureOut">
               <a:rPr lang="ko-KR" altLang="en-US" smtClean="0"/>
-              <a:t>2019-03-04</a:t>
+              <a:t>2019. 3. 7.</a:t>
             </a:fld>
             <a:endParaRPr lang="ko-KR" altLang="en-US"/>
           </a:p>
@@ -1269,7 +1696,7 @@
           </a:lstStyle>
           <a:p>
             <a:r>
-              <a:rPr lang="en-US" altLang="ko-KR" smtClean="0"/>
+              <a:rPr lang="en-US" altLang="ko-KR"/>
               <a:t>Click to edit Master title style</a:t>
             </a:r>
             <a:endParaRPr lang="ko-KR" altLang="en-US"/>
@@ -1335,7 +1762,7 @@
           <a:p>
             <a:pPr lvl="0"/>
             <a:r>
-              <a:rPr lang="en-US" altLang="ko-KR" smtClean="0"/>
+              <a:rPr lang="en-US" altLang="ko-KR"/>
               <a:t>Click to edit Master text styles</a:t>
             </a:r>
           </a:p>
@@ -1391,35 +1818,35 @@
           <a:p>
             <a:pPr lvl="0"/>
             <a:r>
-              <a:rPr lang="en-US" altLang="ko-KR" smtClean="0"/>
+              <a:rPr lang="en-US" altLang="ko-KR"/>
               <a:t>Click to edit Master text styles</a:t>
             </a:r>
           </a:p>
           <a:p>
             <a:pPr lvl="1"/>
             <a:r>
-              <a:rPr lang="en-US" altLang="ko-KR" smtClean="0"/>
+              <a:rPr lang="en-US" altLang="ko-KR"/>
               <a:t>Second level</a:t>
             </a:r>
           </a:p>
           <a:p>
             <a:pPr lvl="2"/>
             <a:r>
-              <a:rPr lang="en-US" altLang="ko-KR" smtClean="0"/>
+              <a:rPr lang="en-US" altLang="ko-KR"/>
               <a:t>Third level</a:t>
             </a:r>
           </a:p>
           <a:p>
             <a:pPr lvl="3"/>
             <a:r>
-              <a:rPr lang="en-US" altLang="ko-KR" smtClean="0"/>
+              <a:rPr lang="en-US" altLang="ko-KR"/>
               <a:t>Fourth level</a:t>
             </a:r>
           </a:p>
           <a:p>
             <a:pPr lvl="4"/>
             <a:r>
-              <a:rPr lang="en-US" altLang="ko-KR" smtClean="0"/>
+              <a:rPr lang="en-US" altLang="ko-KR"/>
               <a:t>Fifth level</a:t>
             </a:r>
             <a:endParaRPr lang="ko-KR" altLang="en-US"/>
@@ -1485,7 +1912,7 @@
           <a:p>
             <a:pPr lvl="0"/>
             <a:r>
-              <a:rPr lang="en-US" altLang="ko-KR" smtClean="0"/>
+              <a:rPr lang="en-US" altLang="ko-KR"/>
               <a:t>Click to edit Master text styles</a:t>
             </a:r>
           </a:p>
@@ -1541,35 +1968,35 @@
           <a:p>
             <a:pPr lvl="0"/>
             <a:r>
-              <a:rPr lang="en-US" altLang="ko-KR" smtClean="0"/>
+              <a:rPr lang="en-US" altLang="ko-KR"/>
               <a:t>Click to edit Master text styles</a:t>
             </a:r>
           </a:p>
           <a:p>
             <a:pPr lvl="1"/>
             <a:r>
-              <a:rPr lang="en-US" altLang="ko-KR" smtClean="0"/>
+              <a:rPr lang="en-US" altLang="ko-KR"/>
               <a:t>Second level</a:t>
             </a:r>
           </a:p>
           <a:p>
             <a:pPr lvl="2"/>
             <a:r>
-              <a:rPr lang="en-US" altLang="ko-KR" smtClean="0"/>
+              <a:rPr lang="en-US" altLang="ko-KR"/>
               <a:t>Third level</a:t>
             </a:r>
           </a:p>
           <a:p>
             <a:pPr lvl="3"/>
             <a:r>
-              <a:rPr lang="en-US" altLang="ko-KR" smtClean="0"/>
+              <a:rPr lang="en-US" altLang="ko-KR"/>
               <a:t>Fourth level</a:t>
             </a:r>
           </a:p>
           <a:p>
             <a:pPr lvl="4"/>
             <a:r>
-              <a:rPr lang="en-US" altLang="ko-KR" smtClean="0"/>
+              <a:rPr lang="en-US" altLang="ko-KR"/>
               <a:t>Fifth level</a:t>
             </a:r>
             <a:endParaRPr lang="ko-KR" altLang="en-US"/>
@@ -1593,7 +2020,7 @@
           <a:p>
             <a:fld id="{DF8C5CDB-1AEF-4522-8EAF-CE1F4E5D863E}" type="datetimeFigureOut">
               <a:rPr lang="ko-KR" altLang="en-US" smtClean="0"/>
-              <a:t>2019-03-04</a:t>
+              <a:t>2019. 3. 7.</a:t>
             </a:fld>
             <a:endParaRPr lang="ko-KR" altLang="en-US"/>
           </a:p>
@@ -1687,7 +2114,7 @@
           <a:lstStyle/>
           <a:p>
             <a:r>
-              <a:rPr lang="en-US" altLang="ko-KR" smtClean="0"/>
+              <a:rPr lang="en-US" altLang="ko-KR"/>
               <a:t>Click to edit Master title style</a:t>
             </a:r>
             <a:endParaRPr lang="ko-KR" altLang="en-US"/>
@@ -1711,7 +2138,7 @@
           <a:p>
             <a:fld id="{DF8C5CDB-1AEF-4522-8EAF-CE1F4E5D863E}" type="datetimeFigureOut">
               <a:rPr lang="ko-KR" altLang="en-US" smtClean="0"/>
-              <a:t>2019-03-04</a:t>
+              <a:t>2019. 3. 7.</a:t>
             </a:fld>
             <a:endParaRPr lang="ko-KR" altLang="en-US"/>
           </a:p>
@@ -1806,7 +2233,7 @@
           <a:p>
             <a:fld id="{DF8C5CDB-1AEF-4522-8EAF-CE1F4E5D863E}" type="datetimeFigureOut">
               <a:rPr lang="ko-KR" altLang="en-US" smtClean="0"/>
-              <a:t>2019-03-04</a:t>
+              <a:t>2019. 3. 7.</a:t>
             </a:fld>
             <a:endParaRPr lang="ko-KR" altLang="en-US"/>
           </a:p>
@@ -1909,7 +2336,7 @@
           </a:lstStyle>
           <a:p>
             <a:r>
-              <a:rPr lang="en-US" altLang="ko-KR" smtClean="0"/>
+              <a:rPr lang="en-US" altLang="ko-KR"/>
               <a:t>Click to edit Master title style</a:t>
             </a:r>
             <a:endParaRPr lang="ko-KR" altLang="en-US"/>
@@ -1966,35 +2393,35 @@
           <a:p>
             <a:pPr lvl="0"/>
             <a:r>
-              <a:rPr lang="en-US" altLang="ko-KR" smtClean="0"/>
+              <a:rPr lang="en-US" altLang="ko-KR"/>
               <a:t>Click to edit Master text styles</a:t>
             </a:r>
           </a:p>
           <a:p>
             <a:pPr lvl="1"/>
             <a:r>
-              <a:rPr lang="en-US" altLang="ko-KR" smtClean="0"/>
+              <a:rPr lang="en-US" altLang="ko-KR"/>
               <a:t>Second level</a:t>
             </a:r>
           </a:p>
           <a:p>
             <a:pPr lvl="2"/>
             <a:r>
-              <a:rPr lang="en-US" altLang="ko-KR" smtClean="0"/>
+              <a:rPr lang="en-US" altLang="ko-KR"/>
               <a:t>Third level</a:t>
             </a:r>
           </a:p>
           <a:p>
             <a:pPr lvl="3"/>
             <a:r>
-              <a:rPr lang="en-US" altLang="ko-KR" smtClean="0"/>
+              <a:rPr lang="en-US" altLang="ko-KR"/>
               <a:t>Fourth level</a:t>
             </a:r>
           </a:p>
           <a:p>
             <a:pPr lvl="4"/>
             <a:r>
-              <a:rPr lang="en-US" altLang="ko-KR" smtClean="0"/>
+              <a:rPr lang="en-US" altLang="ko-KR"/>
               <a:t>Fifth level</a:t>
             </a:r>
             <a:endParaRPr lang="ko-KR" altLang="en-US"/>
@@ -2060,7 +2487,7 @@
           <a:p>
             <a:pPr lvl="0"/>
             <a:r>
-              <a:rPr lang="en-US" altLang="ko-KR" smtClean="0"/>
+              <a:rPr lang="en-US" altLang="ko-KR"/>
               <a:t>Click to edit Master text styles</a:t>
             </a:r>
           </a:p>
@@ -2083,7 +2510,7 @@
           <a:p>
             <a:fld id="{DF8C5CDB-1AEF-4522-8EAF-CE1F4E5D863E}" type="datetimeFigureOut">
               <a:rPr lang="ko-KR" altLang="en-US" smtClean="0"/>
-              <a:t>2019-03-04</a:t>
+              <a:t>2019. 3. 7.</a:t>
             </a:fld>
             <a:endParaRPr lang="ko-KR" altLang="en-US"/>
           </a:p>
@@ -2186,7 +2613,7 @@
           </a:lstStyle>
           <a:p>
             <a:r>
-              <a:rPr lang="en-US" altLang="ko-KR" smtClean="0"/>
+              <a:rPr lang="en-US" altLang="ko-KR"/>
               <a:t>Click to edit Master title style</a:t>
             </a:r>
             <a:endParaRPr lang="ko-KR" altLang="en-US"/>
@@ -2313,7 +2740,7 @@
           <a:p>
             <a:pPr lvl="0"/>
             <a:r>
-              <a:rPr lang="en-US" altLang="ko-KR" smtClean="0"/>
+              <a:rPr lang="en-US" altLang="ko-KR"/>
               <a:t>Click to edit Master text styles</a:t>
             </a:r>
           </a:p>
@@ -2336,7 +2763,7 @@
           <a:p>
             <a:fld id="{DF8C5CDB-1AEF-4522-8EAF-CE1F4E5D863E}" type="datetimeFigureOut">
               <a:rPr lang="ko-KR" altLang="en-US" smtClean="0"/>
-              <a:t>2019-03-04</a:t>
+              <a:t>2019. 3. 7.</a:t>
             </a:fld>
             <a:endParaRPr lang="ko-KR" altLang="en-US"/>
           </a:p>
@@ -2454,7 +2881,7 @@
           <a:lstStyle/>
           <a:p>
             <a:r>
-              <a:rPr lang="en-US" altLang="ko-KR" smtClean="0"/>
+              <a:rPr lang="en-US" altLang="ko-KR"/>
               <a:t>Click to edit Master title style</a:t>
             </a:r>
             <a:endParaRPr lang="ko-KR" altLang="en-US"/>
@@ -2488,35 +2915,35 @@
           <a:p>
             <a:pPr lvl="0"/>
             <a:r>
-              <a:rPr lang="en-US" altLang="ko-KR" smtClean="0"/>
+              <a:rPr lang="en-US" altLang="ko-KR"/>
               <a:t>Click to edit Master text styles</a:t>
             </a:r>
           </a:p>
           <a:p>
             <a:pPr lvl="1"/>
             <a:r>
-              <a:rPr lang="en-US" altLang="ko-KR" smtClean="0"/>
+              <a:rPr lang="en-US" altLang="ko-KR"/>
               <a:t>Second level</a:t>
             </a:r>
           </a:p>
           <a:p>
             <a:pPr lvl="2"/>
             <a:r>
-              <a:rPr lang="en-US" altLang="ko-KR" smtClean="0"/>
+              <a:rPr lang="en-US" altLang="ko-KR"/>
               <a:t>Third level</a:t>
             </a:r>
           </a:p>
           <a:p>
             <a:pPr lvl="3"/>
             <a:r>
-              <a:rPr lang="en-US" altLang="ko-KR" smtClean="0"/>
+              <a:rPr lang="en-US" altLang="ko-KR"/>
               <a:t>Fourth level</a:t>
             </a:r>
           </a:p>
           <a:p>
             <a:pPr lvl="4"/>
             <a:r>
-              <a:rPr lang="en-US" altLang="ko-KR" smtClean="0"/>
+              <a:rPr lang="en-US" altLang="ko-KR"/>
               <a:t>Fifth level</a:t>
             </a:r>
             <a:endParaRPr lang="ko-KR" altLang="en-US"/>
@@ -2558,7 +2985,7 @@
           <a:p>
             <a:fld id="{DF8C5CDB-1AEF-4522-8EAF-CE1F4E5D863E}" type="datetimeFigureOut">
               <a:rPr lang="ko-KR" altLang="en-US" smtClean="0"/>
-              <a:t>2019-03-04</a:t>
+              <a:t>2019. 3. 7.</a:t>
             </a:fld>
             <a:endParaRPr lang="ko-KR" altLang="en-US"/>
           </a:p>
@@ -2959,7 +3386,7 @@
               <a:defRPr/>
             </a:pPr>
             <a:r>
-              <a:rPr lang="en-US" altLang="ko-KR" sz="2000" b="1" dirty="0" smtClean="0">
+              <a:rPr lang="en-US" altLang="ko-KR" sz="2000" b="1" dirty="0">
                 <a:solidFill>
                   <a:schemeClr val="bg1">
                     <a:lumMod val="65000"/>
@@ -2970,7 +3397,7 @@
               </a:rPr>
               <a:t>K-degree anonymization</a:t>
             </a:r>
-            <a:endParaRPr lang="en-US" altLang="ko-KR" sz="2000" b="1" dirty="0" smtClean="0">
+            <a:endParaRPr lang="en-US" altLang="ko-KR" sz="2000" b="1" dirty="0">
               <a:solidFill>
                 <a:schemeClr val="tx1">
                   <a:lumMod val="65000"/>
@@ -2993,7 +3420,7 @@
               <a:defRPr/>
             </a:pPr>
             <a:r>
-              <a:rPr kumimoji="0" lang="en-US" altLang="ko-KR" sz="1200" b="1" dirty="0" smtClean="0">
+              <a:rPr kumimoji="0" lang="en-US" altLang="ko-KR" sz="1200" b="1" dirty="0">
                 <a:solidFill>
                   <a:schemeClr val="bg1">
                     <a:lumMod val="65000"/>
@@ -3004,15 +3431,6 @@
               </a:rPr>
               <a:t>    </a:t>
             </a:r>
-            <a:endParaRPr kumimoji="0" lang="en-US" altLang="ko-KR" sz="1200" b="1" dirty="0">
-              <a:solidFill>
-                <a:schemeClr val="bg1">
-                  <a:lumMod val="65000"/>
-                </a:schemeClr>
-              </a:solidFill>
-              <a:latin typeface="Arial" pitchFamily="34" charset="0"/>
-              <a:cs typeface="Arial" pitchFamily="34" charset="0"/>
-            </a:endParaRPr>
           </a:p>
         </p:txBody>
       </p:sp>
@@ -3048,7 +3466,7 @@
           <a:p>
             <a:pPr algn="r"/>
             <a:r>
-              <a:rPr lang="en-US" altLang="ko-KR" sz="3200" b="1" dirty="0" smtClean="0">
+              <a:rPr lang="en-US" altLang="ko-KR" sz="3200" b="1" dirty="0">
                 <a:solidFill>
                   <a:schemeClr val="tx1">
                     <a:lumMod val="65000"/>
@@ -3089,7 +3507,7 @@
           <a:lstStyle/>
           <a:p>
             <a:r>
-              <a:rPr lang="en-US" altLang="ko-KR" sz="1400" dirty="0" err="1" smtClean="0">
+              <a:rPr lang="en-US" altLang="ko-KR" sz="1400" dirty="0" err="1">
                 <a:solidFill>
                   <a:schemeClr val="tx1">
                     <a:lumMod val="65000"/>
@@ -3102,7 +3520,7 @@
               <a:t>Angelini</a:t>
             </a:r>
             <a:r>
-              <a:rPr lang="en-US" altLang="ko-KR" sz="1400" dirty="0" smtClean="0">
+              <a:rPr lang="en-US" altLang="ko-KR" sz="1400" dirty="0">
                 <a:solidFill>
                   <a:schemeClr val="tx1">
                     <a:lumMod val="65000"/>
@@ -3117,7 +3535,7 @@
           </a:p>
           <a:p>
             <a:r>
-              <a:rPr lang="en-US" altLang="ko-KR" sz="1400" dirty="0" smtClean="0">
+              <a:rPr lang="en-US" altLang="ko-KR" sz="1400" dirty="0">
                 <a:solidFill>
                   <a:schemeClr val="tx1">
                     <a:lumMod val="65000"/>
@@ -3132,7 +3550,7 @@
           </a:p>
           <a:p>
             <a:r>
-              <a:rPr lang="en-US" altLang="ko-KR" sz="1400" dirty="0" err="1" smtClean="0">
+              <a:rPr lang="en-US" altLang="ko-KR" sz="1400" dirty="0" err="1">
                 <a:solidFill>
                   <a:schemeClr val="tx1">
                     <a:lumMod val="65000"/>
@@ -3145,7 +3563,7 @@
               <a:t>Ghigo</a:t>
             </a:r>
             <a:r>
-              <a:rPr lang="en-US" altLang="ko-KR" sz="1400" dirty="0" smtClean="0">
+              <a:rPr lang="en-US" altLang="ko-KR" sz="1400" dirty="0">
                 <a:solidFill>
                   <a:schemeClr val="tx1">
                     <a:lumMod val="65000"/>
@@ -3160,7 +3578,7 @@
           </a:p>
           <a:p>
             <a:r>
-              <a:rPr lang="en-US" altLang="ko-KR" sz="1400" dirty="0" err="1" smtClean="0">
+              <a:rPr lang="en-US" altLang="ko-KR" sz="1400" dirty="0" err="1">
                 <a:solidFill>
                   <a:schemeClr val="tx1">
                     <a:lumMod val="65000"/>
@@ -3173,7 +3591,7 @@
               <a:t>Gilardi</a:t>
             </a:r>
             <a:r>
-              <a:rPr lang="en-US" altLang="ko-KR" sz="1400" dirty="0" smtClean="0">
+              <a:rPr lang="en-US" altLang="ko-KR" sz="1400" dirty="0">
                 <a:solidFill>
                   <a:schemeClr val="tx1">
                     <a:lumMod val="65000"/>
@@ -3186,7 +3604,7 @@
               <a:t> </a:t>
             </a:r>
             <a:r>
-              <a:rPr lang="en-US" altLang="ko-KR" sz="1400" dirty="0" err="1" smtClean="0">
+              <a:rPr lang="en-US" altLang="ko-KR" sz="1400" dirty="0" err="1">
                 <a:solidFill>
                   <a:schemeClr val="tx1">
                     <a:lumMod val="65000"/>
@@ -3371,13 +3789,6 @@
   <p:clrMapOvr>
     <a:masterClrMapping/>
   </p:clrMapOvr>
-  <p:timing>
-    <p:tnLst>
-      <p:par>
-        <p:cTn id="1" dur="indefinite" restart="never" nodeType="tmRoot"/>
-      </p:par>
-    </p:tnLst>
-  </p:timing>
 </p:sld>
 </file>
 
@@ -3414,7 +3825,7 @@
           <a:lstStyle/>
           <a:p>
             <a:r>
-              <a:rPr lang="en-GB" dirty="0" smtClean="0">
+              <a:rPr lang="en-GB" dirty="0">
                 <a:solidFill>
                   <a:schemeClr val="bg1">
                     <a:lumMod val="50000"/>
@@ -3448,16 +3859,16 @@
         <p:spPr/>
         <p:txBody>
           <a:bodyPr>
-            <a:normAutofit fontScale="92500" lnSpcReduction="10000"/>
+            <a:normAutofit fontScale="92500" lnSpcReduction="20000"/>
           </a:bodyPr>
           <a:lstStyle/>
           <a:p>
-            <a:pPr marL="0" indent="0">
+            <a:pPr marL="0" indent="0" algn="ctr">
               <a:buNone/>
             </a:pPr>
             <a:r>
               <a:rPr lang="it-IT" dirty="0"/>
-              <a:t>Questa tecnica di costruzione del grafo </a:t>
+              <a:t>Questa tecnica di costruzione del grafo         </a:t>
             </a:r>
             <a:r>
               <a:rPr lang="it-IT" dirty="0" err="1"/>
@@ -3473,7 +3884,7 @@
             </a:r>
             <a:r>
               <a:rPr lang="it-IT" dirty="0"/>
-              <a:t>: ciò comporta che ad ogni persona venga attribuito un numero di archi pari al numero indicato dal grado di </a:t>
+              <a:t>:   ciò comporta che ad ogni persona venga     attribuito un numero di archi pari al numero  indicato dal grado di </a:t>
             </a:r>
             <a:r>
               <a:rPr lang="it-IT" dirty="0" err="1"/>
@@ -3481,11 +3892,11 @@
             </a:r>
             <a:r>
               <a:rPr lang="it-IT" dirty="0"/>
-              <a:t> presente nel vettore sopra citato, tuttavia gli archi così generati non avranno alcun riferimento con quelli presenti nel grafo originale non anonimizzato.</a:t>
-            </a:r>
-          </a:p>
-          <a:p>
-            <a:pPr marL="0" indent="0">
+              <a:t>         presente nel vettore sopra citato,                 tuttavia gli archi così generati non avranno    alcun riferimento con quelli presenti nel grafo originale non anonimizzato.</a:t>
+            </a:r>
+          </a:p>
+          <a:p>
+            <a:pPr marL="0" indent="0" algn="ctr">
               <a:buNone/>
             </a:pPr>
             <a:endParaRPr lang="it-IT" dirty="0"/>
@@ -3532,13 +3943,6 @@
   <p:clrMapOvr>
     <a:masterClrMapping/>
   </p:clrMapOvr>
-  <p:timing>
-    <p:tnLst>
-      <p:par>
-        <p:cTn id="1" dur="indefinite" restart="never" nodeType="tmRoot"/>
-      </p:par>
-    </p:tnLst>
-  </p:timing>
 </p:sld>
 </file>
 
@@ -3575,7 +3979,7 @@
           <a:lstStyle/>
           <a:p>
             <a:r>
-              <a:rPr lang="en-GB" dirty="0" smtClean="0">
+              <a:rPr lang="en-GB" dirty="0">
                 <a:solidFill>
                   <a:schemeClr val="bg1">
                     <a:lumMod val="50000"/>
@@ -3609,53 +4013,173 @@
         <p:spPr/>
         <p:txBody>
           <a:bodyPr>
-            <a:normAutofit fontScale="85000" lnSpcReduction="20000"/>
+            <a:normAutofit lnSpcReduction="10000"/>
           </a:bodyPr>
           <a:lstStyle/>
           <a:p>
-            <a:pPr marL="0" indent="0">
+            <a:pPr marL="0" indent="0" algn="ctr">
               <a:buNone/>
             </a:pPr>
             <a:r>
-              <a:rPr lang="it-IT" dirty="0"/>
-              <a:t>Questa tecnica di costruzione del grafo</a:t>
-            </a:r>
-            <a:r>
-              <a:rPr lang="it-IT" b="1" dirty="0"/>
-              <a:t>, </a:t>
-            </a:r>
-            <a:r>
-              <a:rPr lang="it-IT" dirty="0"/>
+              <a:rPr lang="it-IT" sz="2400" dirty="0"/>
+              <a:t>Questa tecnica di costruzione del grafo,</a:t>
+            </a:r>
+            <a:r>
+              <a:rPr lang="it-IT" sz="2400" b="1" dirty="0"/>
+              <a:t> </a:t>
+            </a:r>
+            <a:r>
+              <a:rPr lang="it-IT" sz="2400" dirty="0"/>
               <a:t>viceversa, parte dal grafo originale e aggiunge solamente ad ogni nodo un numero di archi necessario a portarlo al nuovo grado di </a:t>
             </a:r>
             <a:r>
-              <a:rPr lang="it-IT" dirty="0" err="1"/>
+              <a:rPr lang="it-IT" sz="2400" dirty="0" err="1"/>
               <a:t>anonimizzazione</a:t>
             </a:r>
             <a:r>
-              <a:rPr lang="it-IT" dirty="0"/>
-              <a:t> precedentemente calcolato, mantenendo una coerenza col grafo originale. Dato che questa versione dell’algoritmo di costruzione del grafo deve valutare per ogni nodo l’introduzione di ogni possibile arco fino al raggiungimento del grado richiesto per l’</a:t>
-            </a:r>
-            <a:r>
-              <a:rPr lang="it-IT" dirty="0" err="1"/>
+              <a:rPr lang="it-IT" sz="2400" dirty="0"/>
+              <a:t> precedentemente calcolato,            mantenendo una coerenza col grafo originale.             Dato che questa versione dell’algoritmo di costruzione   del grafo deve valutare per ogni nodo l’introduzione di  ogni possibile arco fino al raggiungimento del grado      richiesto per l’</a:t>
+            </a:r>
+            <a:r>
+              <a:rPr lang="it-IT" sz="2400" dirty="0" err="1"/>
               <a:t>anonimizzazione</a:t>
             </a:r>
             <a:r>
-              <a:rPr lang="it-IT" dirty="0"/>
-              <a:t>, è atteso che la complessità sia più elevata.</a:t>
-            </a:r>
-          </a:p>
-          <a:p>
-            <a:pPr marL="0" indent="0">
+              <a:rPr lang="it-IT" sz="2400" dirty="0"/>
+              <a:t>, è atteso che la              complessità sia più elevata.</a:t>
+            </a:r>
+          </a:p>
+          <a:p>
+            <a:pPr marL="0" indent="0" algn="ctr">
               <a:buNone/>
             </a:pPr>
-            <a:endParaRPr lang="it-IT" dirty="0"/>
+            <a:endParaRPr lang="it-IT" sz="2400" dirty="0"/>
+          </a:p>
+          <a:p>
+            <a:pPr marL="0" indent="0" algn="ctr">
+              <a:buNone/>
+            </a:pPr>
+            <a:endParaRPr lang="it-IT" sz="2400" dirty="0"/>
           </a:p>
         </p:txBody>
       </p:sp>
       <p:pic>
         <p:nvPicPr>
           <p:cNvPr id="4" name="Immagine 3"/>
+          <p:cNvPicPr>
+            <a:picLocks noChangeAspect="1"/>
+          </p:cNvPicPr>
+          <p:nvPr/>
+        </p:nvPicPr>
+        <p:blipFill>
+          <a:blip r:embed="rId3" cstate="print">
+            <a:extLst>
+              <a:ext uri="{28A0092B-C50C-407E-A947-70E740481C1C}">
+                <a14:useLocalDpi xmlns:a14="http://schemas.microsoft.com/office/drawing/2010/main" val="0"/>
+              </a:ext>
+            </a:extLst>
+          </a:blip>
+          <a:stretch>
+            <a:fillRect/>
+          </a:stretch>
+        </p:blipFill>
+        <p:spPr>
+          <a:xfrm>
+            <a:off x="179512" y="4468193"/>
+            <a:ext cx="1114320" cy="572830"/>
+          </a:xfrm>
+          <a:prstGeom prst="rect">
+            <a:avLst/>
+          </a:prstGeom>
+        </p:spPr>
+      </p:pic>
+    </p:spTree>
+    <p:extLst>
+      <p:ext uri="{BB962C8B-B14F-4D97-AF65-F5344CB8AC3E}">
+        <p14:creationId xmlns:p14="http://schemas.microsoft.com/office/powerpoint/2010/main" val="2213572595"/>
+      </p:ext>
+    </p:extLst>
+  </p:cSld>
+  <p:clrMapOvr>
+    <a:masterClrMapping/>
+  </p:clrMapOvr>
+</p:sld>
+</file>
+
+<file path=ppt/slides/slide12.xml><?xml version="1.0" encoding="utf-8"?>
+<p:sld xmlns:a="http://schemas.openxmlformats.org/drawingml/2006/main" xmlns:r="http://schemas.openxmlformats.org/officeDocument/2006/relationships" xmlns:p="http://schemas.openxmlformats.org/presentationml/2006/main">
+  <p:cSld>
+    <p:spTree>
+      <p:nvGrpSpPr>
+        <p:cNvPr id="1" name=""/>
+        <p:cNvGrpSpPr/>
+        <p:nvPr/>
+      </p:nvGrpSpPr>
+      <p:grpSpPr>
+        <a:xfrm>
+          <a:off x="0" y="0"/>
+          <a:ext cx="0" cy="0"/>
+          <a:chOff x="0" y="0"/>
+          <a:chExt cx="0" cy="0"/>
+        </a:xfrm>
+      </p:grpSpPr>
+      <p:sp>
+        <p:nvSpPr>
+          <p:cNvPr id="2" name="Titolo 1"/>
+          <p:cNvSpPr>
+            <a:spLocks noGrp="1"/>
+          </p:cNvSpPr>
+          <p:nvPr>
+            <p:ph type="title"/>
+          </p:nvPr>
+        </p:nvSpPr>
+        <p:spPr/>
+        <p:txBody>
+          <a:bodyPr/>
+          <a:lstStyle/>
+          <a:p>
+            <a:r>
+              <a:rPr lang="en-GB" dirty="0">
+                <a:solidFill>
+                  <a:schemeClr val="bg1">
+                    <a:lumMod val="50000"/>
+                  </a:schemeClr>
+                </a:solidFill>
+              </a:rPr>
+              <a:t>Testing</a:t>
+            </a:r>
+            <a:endParaRPr lang="it-IT" dirty="0"/>
+          </a:p>
+        </p:txBody>
+      </p:sp>
+      <p:sp>
+        <p:nvSpPr>
+          <p:cNvPr id="3" name="Segnaposto contenuto 2"/>
+          <p:cNvSpPr>
+            <a:spLocks noGrp="1"/>
+          </p:cNvSpPr>
+          <p:nvPr>
+            <p:ph idx="1"/>
+          </p:nvPr>
+        </p:nvSpPr>
+        <p:spPr/>
+        <p:txBody>
+          <a:bodyPr/>
+          <a:lstStyle/>
+          <a:p>
+            <a:endParaRPr lang="it-IT"/>
+          </a:p>
+        </p:txBody>
+      </p:sp>
+      <p:pic>
+        <p:nvPicPr>
+          <p:cNvPr id="4" name="Immagine 3">
+            <a:extLst>
+              <a:ext uri="{FF2B5EF4-FFF2-40B4-BE49-F238E27FC236}">
+                <a16:creationId xmlns:a16="http://schemas.microsoft.com/office/drawing/2014/main" id="{C6253586-9EFE-314E-8B11-B2B924981970}"/>
+              </a:ext>
+            </a:extLst>
+          </p:cNvPr>
           <p:cNvPicPr>
             <a:picLocks noChangeAspect="1"/>
           </p:cNvPicPr>
@@ -3686,91 +4210,6 @@
     </p:spTree>
     <p:extLst>
       <p:ext uri="{BB962C8B-B14F-4D97-AF65-F5344CB8AC3E}">
-        <p14:creationId xmlns:p14="http://schemas.microsoft.com/office/powerpoint/2010/main" val="2213572595"/>
-      </p:ext>
-    </p:extLst>
-  </p:cSld>
-  <p:clrMapOvr>
-    <a:masterClrMapping/>
-  </p:clrMapOvr>
-  <p:timing>
-    <p:tnLst>
-      <p:par>
-        <p:cTn id="1" dur="indefinite" restart="never" nodeType="tmRoot"/>
-      </p:par>
-    </p:tnLst>
-  </p:timing>
-</p:sld>
-</file>
-
-<file path=ppt/slides/slide12.xml><?xml version="1.0" encoding="utf-8"?>
-<p:sld xmlns:a="http://schemas.openxmlformats.org/drawingml/2006/main" xmlns:r="http://schemas.openxmlformats.org/officeDocument/2006/relationships" xmlns:p="http://schemas.openxmlformats.org/presentationml/2006/main">
-  <p:cSld>
-    <p:spTree>
-      <p:nvGrpSpPr>
-        <p:cNvPr id="1" name=""/>
-        <p:cNvGrpSpPr/>
-        <p:nvPr/>
-      </p:nvGrpSpPr>
-      <p:grpSpPr>
-        <a:xfrm>
-          <a:off x="0" y="0"/>
-          <a:ext cx="0" cy="0"/>
-          <a:chOff x="0" y="0"/>
-          <a:chExt cx="0" cy="0"/>
-        </a:xfrm>
-      </p:grpSpPr>
-      <p:sp>
-        <p:nvSpPr>
-          <p:cNvPr id="2" name="Titolo 1"/>
-          <p:cNvSpPr>
-            <a:spLocks noGrp="1"/>
-          </p:cNvSpPr>
-          <p:nvPr>
-            <p:ph type="title"/>
-          </p:nvPr>
-        </p:nvSpPr>
-        <p:spPr/>
-        <p:txBody>
-          <a:bodyPr/>
-          <a:lstStyle/>
-          <a:p>
-            <a:r>
-              <a:rPr lang="en-GB" dirty="0" smtClean="0">
-                <a:solidFill>
-                  <a:schemeClr val="bg1">
-                    <a:lumMod val="50000"/>
-                  </a:schemeClr>
-                </a:solidFill>
-              </a:rPr>
-              <a:t>Testing</a:t>
-            </a:r>
-            <a:endParaRPr lang="it-IT" dirty="0"/>
-          </a:p>
-        </p:txBody>
-      </p:sp>
-      <p:sp>
-        <p:nvSpPr>
-          <p:cNvPr id="3" name="Segnaposto contenuto 2"/>
-          <p:cNvSpPr>
-            <a:spLocks noGrp="1"/>
-          </p:cNvSpPr>
-          <p:nvPr>
-            <p:ph idx="1"/>
-          </p:nvPr>
-        </p:nvSpPr>
-        <p:spPr/>
-        <p:txBody>
-          <a:bodyPr/>
-          <a:lstStyle/>
-          <a:p>
-            <a:endParaRPr lang="it-IT"/>
-          </a:p>
-        </p:txBody>
-      </p:sp>
-    </p:spTree>
-    <p:extLst>
-      <p:ext uri="{BB962C8B-B14F-4D97-AF65-F5344CB8AC3E}">
         <p14:creationId xmlns:p14="http://schemas.microsoft.com/office/powerpoint/2010/main" val="4293783340"/>
       </p:ext>
     </p:extLst>
@@ -3814,7 +4253,7 @@
           <a:lstStyle/>
           <a:p>
             <a:r>
-              <a:rPr lang="en-GB" dirty="0" err="1" smtClean="0">
+              <a:rPr lang="en-GB" dirty="0" err="1">
                 <a:solidFill>
                   <a:schemeClr val="bg1">
                     <a:lumMod val="50000"/>
@@ -3854,6 +4293,42 @@
           </a:p>
         </p:txBody>
       </p:sp>
+      <p:pic>
+        <p:nvPicPr>
+          <p:cNvPr id="4" name="Immagine 3">
+            <a:extLst>
+              <a:ext uri="{FF2B5EF4-FFF2-40B4-BE49-F238E27FC236}">
+                <a16:creationId xmlns:a16="http://schemas.microsoft.com/office/drawing/2014/main" id="{DA9C3F0C-49E7-A346-B29F-FA5BFC2892B9}"/>
+              </a:ext>
+            </a:extLst>
+          </p:cNvPr>
+          <p:cNvPicPr>
+            <a:picLocks noChangeAspect="1"/>
+          </p:cNvPicPr>
+          <p:nvPr/>
+        </p:nvPicPr>
+        <p:blipFill>
+          <a:blip r:embed="rId2" cstate="print">
+            <a:extLst>
+              <a:ext uri="{28A0092B-C50C-407E-A947-70E740481C1C}">
+                <a14:useLocalDpi xmlns:a14="http://schemas.microsoft.com/office/drawing/2010/main" val="0"/>
+              </a:ext>
+            </a:extLst>
+          </a:blip>
+          <a:stretch>
+            <a:fillRect/>
+          </a:stretch>
+        </p:blipFill>
+        <p:spPr>
+          <a:xfrm>
+            <a:off x="179512" y="4468193"/>
+            <a:ext cx="1114320" cy="572830"/>
+          </a:xfrm>
+          <a:prstGeom prst="rect">
+            <a:avLst/>
+          </a:prstGeom>
+        </p:spPr>
+      </p:pic>
     </p:spTree>
     <p:extLst>
       <p:ext uri="{BB962C8B-B14F-4D97-AF65-F5344CB8AC3E}">
@@ -3864,13 +4339,6 @@
   <p:clrMapOvr>
     <a:masterClrMapping/>
   </p:clrMapOvr>
-  <p:timing>
-    <p:tnLst>
-      <p:par>
-        <p:cTn id="1" dur="indefinite" restart="never" nodeType="tmRoot"/>
-      </p:par>
-    </p:tnLst>
-  </p:timing>
 </p:sld>
 </file>
 
@@ -3907,7 +4375,7 @@
           <a:lstStyle/>
           <a:p>
             <a:r>
-              <a:rPr lang="en-GB" dirty="0" err="1" smtClean="0">
+              <a:rPr lang="en-GB" dirty="0" err="1">
                 <a:solidFill>
                   <a:schemeClr val="bg1">
                     <a:lumMod val="50000"/>
@@ -3987,13 +4455,6 @@
   <p:clrMapOvr>
     <a:masterClrMapping/>
   </p:clrMapOvr>
-  <p:timing>
-    <p:tnLst>
-      <p:par>
-        <p:cTn id="1" dur="indefinite" restart="never" nodeType="tmRoot"/>
-      </p:par>
-    </p:tnLst>
-  </p:timing>
 </p:sld>
 </file>
 
@@ -4030,7 +4491,7 @@
           <a:lstStyle/>
           <a:p>
             <a:r>
-              <a:rPr lang="en-GB" dirty="0" err="1" smtClean="0">
+              <a:rPr lang="it-IT" dirty="0">
                 <a:solidFill>
                   <a:schemeClr val="bg1">
                     <a:lumMod val="50000"/>
@@ -4040,14 +4501,6 @@
               </a:rPr>
               <a:t>Obiettivo</a:t>
             </a:r>
-            <a:endParaRPr lang="it-IT" dirty="0">
-              <a:solidFill>
-                <a:schemeClr val="bg1">
-                  <a:lumMod val="50000"/>
-                </a:schemeClr>
-              </a:solidFill>
-              <a:latin typeface="+mj-lt"/>
-            </a:endParaRPr>
           </a:p>
         </p:txBody>
       </p:sp>
@@ -4077,35 +4530,31 @@
               <a:buNone/>
             </a:pPr>
             <a:r>
-              <a:rPr lang="it-IT" dirty="0" smtClean="0"/>
+              <a:rPr lang="it-IT" dirty="0"/>
               <a:t>Implementare</a:t>
             </a:r>
             <a:r>
-              <a:rPr lang="en-GB" dirty="0" smtClean="0"/>
+              <a:rPr lang="en-GB" dirty="0"/>
               <a:t> </a:t>
             </a:r>
             <a:r>
-              <a:rPr lang="en-GB" dirty="0" err="1" smtClean="0"/>
+              <a:rPr lang="en-GB" dirty="0" err="1"/>
               <a:t>l’algoritmo</a:t>
             </a:r>
             <a:r>
-              <a:rPr lang="en-GB" dirty="0" smtClean="0"/>
+              <a:rPr lang="en-GB" dirty="0"/>
               <a:t> </a:t>
             </a:r>
             <a:r>
-              <a:rPr lang="en-GB" dirty="0" err="1" smtClean="0"/>
+              <a:rPr lang="en-GB" dirty="0" err="1"/>
               <a:t>descritto</a:t>
             </a:r>
             <a:r>
-              <a:rPr lang="en-GB" dirty="0" smtClean="0"/>
-              <a:t> dal </a:t>
-            </a:r>
-            <a:r>
               <a:rPr lang="en-GB" dirty="0"/>
-              <a:t>paper </a:t>
-            </a:r>
-            <a:r>
-              <a:rPr lang="en-GB" dirty="0" err="1" smtClean="0">
+              <a:t> dal paper </a:t>
+            </a:r>
+            <a:r>
+              <a:rPr lang="en-GB" dirty="0" err="1">
                 <a:solidFill>
                   <a:srgbClr val="FF0000"/>
                 </a:solidFill>
@@ -4113,7 +4562,7 @@
               <a:t>T</a:t>
             </a:r>
             <a:r>
-              <a:rPr lang="en-GB" i="1" dirty="0" err="1" smtClean="0">
+              <a:rPr lang="en-GB" i="1" dirty="0" err="1">
                 <a:solidFill>
                   <a:srgbClr val="FF0000"/>
                 </a:solidFill>
@@ -4131,39 +4580,44 @@
               <a:buNone/>
             </a:pPr>
             <a:r>
-              <a:rPr lang="en-GB" dirty="0" err="1" smtClean="0"/>
+              <a:rPr lang="en-GB" dirty="0" err="1"/>
               <a:t>verificandone</a:t>
             </a:r>
             <a:r>
-              <a:rPr lang="en-GB" dirty="0" smtClean="0"/>
+              <a:rPr lang="en-GB" dirty="0"/>
               <a:t> </a:t>
             </a:r>
             <a:r>
-              <a:rPr lang="en-GB" dirty="0" err="1" smtClean="0"/>
+              <a:rPr lang="en-GB" dirty="0" err="1"/>
               <a:t>ed</a:t>
             </a:r>
             <a:r>
-              <a:rPr lang="en-GB" dirty="0" smtClean="0"/>
+              <a:rPr lang="en-GB" dirty="0"/>
               <a:t> </a:t>
             </a:r>
             <a:r>
-              <a:rPr lang="en-GB" dirty="0" err="1" smtClean="0"/>
+              <a:rPr lang="en-GB" dirty="0" err="1"/>
               <a:t>analizzandone</a:t>
             </a:r>
             <a:r>
-              <a:rPr lang="en-GB" dirty="0" smtClean="0"/>
+              <a:rPr lang="en-GB" dirty="0"/>
               <a:t> I </a:t>
             </a:r>
             <a:r>
-              <a:rPr lang="en-GB" dirty="0" err="1" smtClean="0"/>
+              <a:rPr lang="en-GB" dirty="0" err="1"/>
               <a:t>risultati</a:t>
             </a:r>
             <a:r>
-              <a:rPr lang="en-GB" dirty="0" smtClean="0"/>
+              <a:rPr lang="en-GB" dirty="0"/>
               <a:t> </a:t>
             </a:r>
-            <a:r>
-              <a:rPr lang="en-GB" dirty="0" err="1" smtClean="0"/>
+          </a:p>
+          <a:p>
+            <a:pPr marL="0" indent="0">
+              <a:buNone/>
+            </a:pPr>
+            <a:r>
+              <a:rPr lang="en-GB" dirty="0" err="1"/>
               <a:t>prodotti</a:t>
             </a:r>
             <a:endParaRPr lang="it-IT" dirty="0"/>
@@ -4210,13 +4664,6 @@
   <p:clrMapOvr>
     <a:masterClrMapping/>
   </p:clrMapOvr>
-  <p:timing>
-    <p:tnLst>
-      <p:par>
-        <p:cTn id="1" dur="indefinite" restart="never" nodeType="tmRoot"/>
-      </p:par>
-    </p:tnLst>
-  </p:timing>
 </p:sld>
 </file>
 
@@ -4253,7 +4700,7 @@
           <a:lstStyle/>
           <a:p>
             <a:r>
-              <a:rPr lang="en-GB" dirty="0" err="1" smtClean="0">
+              <a:rPr lang="en-GB" dirty="0" err="1">
                 <a:solidFill>
                   <a:schemeClr val="bg1">
                     <a:lumMod val="50000"/>
@@ -4264,7 +4711,7 @@
               <a:t>Presentazione</a:t>
             </a:r>
             <a:r>
-              <a:rPr lang="en-GB" dirty="0" smtClean="0">
+              <a:rPr lang="en-GB" dirty="0">
                 <a:solidFill>
                   <a:schemeClr val="bg1">
                     <a:lumMod val="50000"/>
@@ -4275,7 +4722,7 @@
               <a:t> </a:t>
             </a:r>
             <a:r>
-              <a:rPr lang="en-GB" dirty="0" err="1" smtClean="0">
+              <a:rPr lang="en-GB" dirty="0" err="1">
                 <a:solidFill>
                   <a:schemeClr val="bg1">
                     <a:lumMod val="50000"/>
@@ -4460,7 +4907,7 @@
               <a:buNone/>
             </a:pPr>
             <a:r>
-              <a:rPr lang="it-IT" dirty="0" smtClean="0"/>
+              <a:rPr lang="it-IT" dirty="0"/>
               <a:t>Dato un grafo non anonimizzato l’algoritmo anonimizza secondo </a:t>
             </a:r>
           </a:p>
@@ -4476,7 +4923,7 @@
               <a:buFont typeface="Arial" pitchFamily="34" charset="0"/>
               <a:buNone/>
             </a:pPr>
-            <a:endParaRPr lang="it-IT" dirty="0" smtClean="0"/>
+            <a:endParaRPr lang="it-IT" dirty="0"/>
           </a:p>
           <a:p>
             <a:pPr marL="0" indent="0">
@@ -4602,15 +5049,15 @@
           <a:p>
             <a:pPr algn="ctr"/>
             <a:r>
-              <a:rPr lang="en-GB" sz="3200" dirty="0" err="1" smtClean="0"/>
+              <a:rPr lang="en-GB" sz="3200" dirty="0" err="1"/>
               <a:t>Approccio</a:t>
             </a:r>
-            <a:endParaRPr lang="en-GB" sz="3200" dirty="0" smtClean="0"/>
+            <a:endParaRPr lang="en-GB" sz="3200" dirty="0"/>
           </a:p>
           <a:p>
             <a:pPr algn="ctr"/>
             <a:r>
-              <a:rPr lang="en-GB" sz="3200" dirty="0" smtClean="0"/>
+              <a:rPr lang="en-GB" sz="3200" dirty="0"/>
               <a:t>Greedy</a:t>
             </a:r>
             <a:endParaRPr lang="it-IT" sz="3200" dirty="0"/>
@@ -4641,15 +5088,15 @@
           <a:p>
             <a:pPr algn="ctr"/>
             <a:r>
-              <a:rPr lang="en-GB" sz="3200" dirty="0" err="1" smtClean="0"/>
+              <a:rPr lang="en-GB" sz="3200" dirty="0" err="1"/>
               <a:t>Approccio</a:t>
             </a:r>
-            <a:endParaRPr lang="en-GB" sz="3200" dirty="0" smtClean="0"/>
+            <a:endParaRPr lang="en-GB" sz="3200" dirty="0"/>
           </a:p>
           <a:p>
             <a:pPr algn="ctr"/>
             <a:r>
-              <a:rPr lang="en-GB" sz="3200" dirty="0" smtClean="0"/>
+              <a:rPr lang="en-GB" sz="3200" dirty="0"/>
               <a:t>Dynamic Programming</a:t>
             </a:r>
             <a:endParaRPr lang="it-IT" sz="3200" dirty="0"/>
@@ -5267,7 +5714,7 @@
           <a:lstStyle/>
           <a:p>
             <a:r>
-              <a:rPr lang="en-GB" dirty="0" err="1" smtClean="0">
+              <a:rPr lang="en-GB" dirty="0" err="1">
                 <a:solidFill>
                   <a:schemeClr val="bg1">
                     <a:lumMod val="50000"/>
@@ -5278,7 +5725,7 @@
               <a:t>Presentazione</a:t>
             </a:r>
             <a:r>
-              <a:rPr lang="en-GB" dirty="0" smtClean="0">
+              <a:rPr lang="en-GB" dirty="0">
                 <a:solidFill>
                   <a:schemeClr val="bg1">
                     <a:lumMod val="50000"/>
@@ -5289,7 +5736,7 @@
               <a:t> </a:t>
             </a:r>
             <a:r>
-              <a:rPr lang="en-GB" dirty="0" err="1" smtClean="0">
+              <a:rPr lang="en-GB" dirty="0" err="1">
                 <a:solidFill>
                   <a:schemeClr val="bg1">
                     <a:lumMod val="50000"/>
@@ -5474,23 +5921,23 @@
               <a:buNone/>
             </a:pPr>
             <a:r>
-              <a:rPr lang="it-IT" dirty="0" smtClean="0"/>
+              <a:rPr lang="it-IT" dirty="0"/>
               <a:t>Per ciascun tipo di </a:t>
             </a:r>
             <a:r>
-              <a:rPr lang="it-IT" dirty="0" err="1" smtClean="0"/>
+              <a:rPr lang="it-IT" dirty="0" err="1"/>
               <a:t>anonimizzazione</a:t>
             </a:r>
             <a:r>
-              <a:rPr lang="it-IT" dirty="0" smtClean="0"/>
+              <a:rPr lang="it-IT" dirty="0"/>
               <a:t> vengono </a:t>
             </a:r>
             <a:r>
-              <a:rPr lang="it-IT" dirty="0" err="1" smtClean="0"/>
+              <a:rPr lang="it-IT" dirty="0" err="1"/>
               <a:t>vengono</a:t>
             </a:r>
             <a:r>
-              <a:rPr lang="it-IT" dirty="0" smtClean="0"/>
+              <a:rPr lang="it-IT" dirty="0"/>
               <a:t> costruiti i grafi utilizzando </a:t>
             </a:r>
           </a:p>
@@ -5506,7 +5953,7 @@
               <a:buFont typeface="Arial" pitchFamily="34" charset="0"/>
               <a:buNone/>
             </a:pPr>
-            <a:endParaRPr lang="it-IT" dirty="0" smtClean="0"/>
+            <a:endParaRPr lang="it-IT" dirty="0"/>
           </a:p>
           <a:p>
             <a:pPr marL="0" indent="0">
@@ -5632,15 +6079,15 @@
           <a:p>
             <a:pPr algn="ctr"/>
             <a:r>
-              <a:rPr lang="en-GB" sz="3200" dirty="0" err="1" smtClean="0"/>
+              <a:rPr lang="en-GB" sz="3200" dirty="0" err="1"/>
               <a:t>Tecnica</a:t>
             </a:r>
-            <a:endParaRPr lang="en-GB" sz="3200" dirty="0" smtClean="0"/>
+            <a:endParaRPr lang="en-GB" sz="3200" dirty="0"/>
           </a:p>
           <a:p>
             <a:pPr algn="ctr"/>
             <a:r>
-              <a:rPr lang="en-GB" sz="3200" dirty="0" smtClean="0"/>
+              <a:rPr lang="en-GB" sz="3200" dirty="0"/>
               <a:t>Construct</a:t>
             </a:r>
             <a:endParaRPr lang="it-IT" sz="3200" dirty="0"/>
@@ -5671,15 +6118,15 @@
           <a:p>
             <a:pPr algn="ctr"/>
             <a:r>
-              <a:rPr lang="en-GB" sz="3200" dirty="0" err="1" smtClean="0"/>
+              <a:rPr lang="en-GB" sz="3200" dirty="0" err="1"/>
               <a:t>Tecnica</a:t>
             </a:r>
-            <a:endParaRPr lang="en-GB" sz="3200" dirty="0" smtClean="0"/>
+            <a:endParaRPr lang="en-GB" sz="3200" dirty="0"/>
           </a:p>
           <a:p>
             <a:pPr algn="ctr"/>
             <a:r>
-              <a:rPr lang="en-GB" sz="3200" dirty="0" smtClean="0"/>
+              <a:rPr lang="en-GB" sz="3200" dirty="0"/>
               <a:t>Priority</a:t>
             </a:r>
             <a:endParaRPr lang="it-IT" sz="3200" dirty="0"/>
@@ -6386,7 +6833,7 @@
           <a:lstStyle/>
           <a:p>
             <a:r>
-              <a:rPr lang="en-GB" dirty="0" err="1" smtClean="0">
+              <a:rPr lang="en-GB" dirty="0" err="1">
                 <a:solidFill>
                   <a:schemeClr val="bg1">
                     <a:lumMod val="50000"/>
@@ -6397,7 +6844,7 @@
               <a:t>Tecniche</a:t>
             </a:r>
             <a:r>
-              <a:rPr lang="en-GB" dirty="0" smtClean="0">
+              <a:rPr lang="en-GB" dirty="0">
                 <a:solidFill>
                   <a:schemeClr val="bg1">
                     <a:lumMod val="50000"/>
@@ -6408,7 +6855,7 @@
               <a:t> di </a:t>
             </a:r>
             <a:r>
-              <a:rPr lang="en-GB" dirty="0" err="1" smtClean="0">
+              <a:rPr lang="en-GB" dirty="0" err="1">
                 <a:solidFill>
                   <a:schemeClr val="bg1">
                     <a:lumMod val="50000"/>
@@ -6419,7 +6866,7 @@
               <a:t>anonimizzazione</a:t>
             </a:r>
             <a:r>
-              <a:rPr lang="en-GB" dirty="0" smtClean="0">
+              <a:rPr lang="en-GB" dirty="0">
                 <a:solidFill>
                   <a:schemeClr val="bg1">
                     <a:lumMod val="50000"/>
@@ -6462,23 +6909,31 @@
           </a:bodyPr>
           <a:lstStyle/>
           <a:p>
-            <a:pPr marL="0" indent="0" algn="just">
+            <a:pPr marL="0" indent="0" algn="ctr">
               <a:buNone/>
             </a:pPr>
             <a:r>
-              <a:rPr lang="it-IT" dirty="0" smtClean="0"/>
+              <a:rPr lang="it-IT" dirty="0"/>
               <a:t>I grafi sono stati anonimizzati in maniera</a:t>
             </a:r>
           </a:p>
           <a:p>
-            <a:pPr marL="0" indent="0" algn="just">
+            <a:pPr marL="0" indent="0" algn="ctr">
               <a:buNone/>
             </a:pPr>
             <a:r>
-              <a:rPr lang="it-IT" dirty="0" smtClean="0"/>
-              <a:t>incrementale su K secondo i seguenti algoritmi</a:t>
-            </a:r>
-            <a:endParaRPr lang="it-IT" dirty="0"/>
+              <a:rPr lang="it-IT" dirty="0"/>
+              <a:t>incrementale su K secondo i seguenti </a:t>
+            </a:r>
+          </a:p>
+          <a:p>
+            <a:pPr marL="0" indent="0" algn="ctr">
+              <a:buNone/>
+            </a:pPr>
+            <a:r>
+              <a:rPr lang="it-IT" dirty="0"/>
+              <a:t>algoritmi</a:t>
+            </a:r>
           </a:p>
         </p:txBody>
       </p:sp>
@@ -6522,13 +6977,6 @@
   <p:clrMapOvr>
     <a:masterClrMapping/>
   </p:clrMapOvr>
-  <p:timing>
-    <p:tnLst>
-      <p:par>
-        <p:cTn id="1" dur="indefinite" restart="never" nodeType="tmRoot"/>
-      </p:par>
-    </p:tnLst>
-  </p:timing>
 </p:sld>
 </file>
 
@@ -6570,7 +7018,7 @@
           <a:lstStyle/>
           <a:p>
             <a:r>
-              <a:rPr lang="en-GB" dirty="0" smtClean="0">
+              <a:rPr lang="en-GB" dirty="0">
                 <a:solidFill>
                   <a:schemeClr val="bg1">
                     <a:lumMod val="50000"/>
@@ -6617,12 +7065,8 @@
               <a:buNone/>
             </a:pPr>
             <a:r>
-              <a:rPr lang="it-IT" dirty="0" smtClean="0"/>
-              <a:t>L’algoritmo </a:t>
-            </a:r>
-            <a:r>
               <a:rPr lang="it-IT" dirty="0"/>
-              <a:t>valuta ad ogni passo se sia conveniente creare un nuovo cluster o unire il nodo considerato a questo passo al cluster precedente. </a:t>
+              <a:t>L’algoritmo valuta ad ogni passo se sia conveniente creare un nuovo cluster o unire il nodo considerato a questo passo al cluster precedente. </a:t>
             </a:r>
           </a:p>
         </p:txBody>
@@ -6821,12 +7265,13 @@
             </a:pPr>
             <a:r>
               <a:rPr lang="it-IT" dirty="0"/>
-              <a:t>L’algoritmo valuta </a:t>
-            </a:r>
-            <a:r>
-              <a:rPr lang="it-IT" dirty="0" smtClean="0"/>
-              <a:t>per ogni nodo se</a:t>
-            </a:r>
+              <a:t>L’algoritmo valuta per ogni nodo se</a:t>
+            </a:r>
+          </a:p>
+          <a:p>
+            <a:pPr marL="0" indent="0" algn="ctr">
+              <a:buNone/>
+            </a:pPr>
             <a:endParaRPr lang="en-GB" dirty="0"/>
           </a:p>
           <a:p>
@@ -6834,7 +7279,7 @@
               <a:buFont typeface="Arial" pitchFamily="34" charset="0"/>
               <a:buNone/>
             </a:pPr>
-            <a:endParaRPr lang="it-IT" dirty="0" smtClean="0"/>
+            <a:endParaRPr lang="it-IT" dirty="0"/>
           </a:p>
           <a:p>
             <a:pPr marL="0" indent="0">
@@ -6960,22 +7405,20 @@
           <a:p>
             <a:pPr algn="ctr"/>
             <a:r>
-              <a:rPr lang="it-IT" sz="3200" dirty="0" err="1" smtClean="0"/>
+              <a:rPr lang="it-IT" sz="3200" dirty="0" err="1"/>
               <a:t>conveniene</a:t>
             </a:r>
             <a:r>
-              <a:rPr lang="it-IT" sz="3200" dirty="0" smtClean="0"/>
-              <a:t> </a:t>
-            </a:r>
-            <a:r>
               <a:rPr lang="it-IT" sz="3200" dirty="0"/>
-              <a:t>creare un nuovo </a:t>
-            </a:r>
-            <a:r>
-              <a:rPr lang="it-IT" sz="3200" dirty="0" smtClean="0"/>
-              <a:t>cluster a partire da quel nodo</a:t>
-            </a:r>
-            <a:endParaRPr lang="it-IT" sz="3200" dirty="0"/>
+              <a:t> creare un nuovo cluster a partire da quel </a:t>
+            </a:r>
+          </a:p>
+          <a:p>
+            <a:pPr algn="ctr"/>
+            <a:r>
+              <a:rPr lang="it-IT" sz="3200" dirty="0"/>
+              <a:t>nodo</a:t>
+            </a:r>
           </a:p>
         </p:txBody>
       </p:sp>
@@ -7197,6 +7640,91 @@
                                   </p:childTnLst>
                                 </p:cTn>
                               </p:par>
+                              <p:par>
+                                <p:cTn id="13" presetID="2" presetClass="entr" presetSubtype="4" fill="hold" grpId="0" nodeType="withEffect">
+                                  <p:stCondLst>
+                                    <p:cond delay="0"/>
+                                  </p:stCondLst>
+                                  <p:childTnLst>
+                                    <p:set>
+                                      <p:cBhvr>
+                                        <p:cTn id="14" dur="1" fill="hold">
+                                          <p:stCondLst>
+                                            <p:cond delay="0"/>
+                                          </p:stCondLst>
+                                        </p:cTn>
+                                        <p:tgtEl>
+                                          <p:spTgt spid="9">
+                                            <p:txEl>
+                                              <p:pRg st="1" end="1"/>
+                                            </p:txEl>
+                                          </p:spTgt>
+                                        </p:tgtEl>
+                                        <p:attrNameLst>
+                                          <p:attrName>style.visibility</p:attrName>
+                                        </p:attrNameLst>
+                                      </p:cBhvr>
+                                      <p:to>
+                                        <p:strVal val="visible"/>
+                                      </p:to>
+                                    </p:set>
+                                    <p:anim calcmode="lin" valueType="num">
+                                      <p:cBhvr additive="base">
+                                        <p:cTn id="15" dur="500" fill="hold"/>
+                                        <p:tgtEl>
+                                          <p:spTgt spid="9">
+                                            <p:txEl>
+                                              <p:pRg st="1" end="1"/>
+                                            </p:txEl>
+                                          </p:spTgt>
+                                        </p:tgtEl>
+                                        <p:attrNameLst>
+                                          <p:attrName>ppt_x</p:attrName>
+                                        </p:attrNameLst>
+                                      </p:cBhvr>
+                                      <p:tavLst>
+                                        <p:tav tm="0">
+                                          <p:val>
+                                            <p:strVal val="#ppt_x"/>
+                                          </p:val>
+                                        </p:tav>
+                                        <p:tav tm="100000">
+                                          <p:val>
+                                            <p:strVal val="#ppt_x"/>
+                                          </p:val>
+                                        </p:tav>
+                                      </p:tavLst>
+                                    </p:anim>
+                                    <p:anim calcmode="lin" valueType="num">
+                                      <p:cBhvr additive="base">
+                                        <p:cTn id="16" dur="500" fill="hold"/>
+                                        <p:tgtEl>
+                                          <p:spTgt spid="9">
+                                            <p:txEl>
+                                              <p:pRg st="1" end="1"/>
+                                            </p:txEl>
+                                          </p:spTgt>
+                                        </p:tgtEl>
+                                        <p:attrNameLst>
+                                          <p:attrName>ppt_y</p:attrName>
+                                        </p:attrNameLst>
+                                      </p:cBhvr>
+                                      <p:tavLst>
+                                        <p:tav tm="0">
+                                          <p:val>
+                                            <p:strVal val="1+#ppt_h/2"/>
+                                          </p:val>
+                                        </p:tav>
+                                        <p:tav tm="100000">
+                                          <p:val>
+                                            <p:strVal val="#ppt_y"/>
+                                          </p:val>
+                                        </p:tav>
+                                      </p:tavLst>
+                                    </p:anim>
+                                  </p:childTnLst>
+                                </p:cTn>
+                              </p:par>
                             </p:childTnLst>
                           </p:cTn>
                         </p:par>
@@ -7204,26 +7732,26 @@
                     </p:cTn>
                   </p:par>
                   <p:par>
-                    <p:cTn id="13" fill="hold">
+                    <p:cTn id="17" fill="hold">
                       <p:stCondLst>
                         <p:cond delay="indefinite"/>
                       </p:stCondLst>
                       <p:childTnLst>
                         <p:par>
-                          <p:cTn id="14" fill="hold">
+                          <p:cTn id="18" fill="hold">
                             <p:stCondLst>
                               <p:cond delay="0"/>
                             </p:stCondLst>
                             <p:childTnLst>
                               <p:par>
-                                <p:cTn id="15" presetID="2" presetClass="entr" presetSubtype="4" fill="hold" grpId="0" nodeType="clickEffect">
+                                <p:cTn id="19" presetID="2" presetClass="entr" presetSubtype="4" fill="hold" grpId="0" nodeType="clickEffect">
                                   <p:stCondLst>
                                     <p:cond delay="0"/>
                                   </p:stCondLst>
                                   <p:childTnLst>
                                     <p:set>
                                       <p:cBhvr>
-                                        <p:cTn id="16" dur="1" fill="hold">
+                                        <p:cTn id="20" dur="1" fill="hold">
                                           <p:stCondLst>
                                             <p:cond delay="0"/>
                                           </p:stCondLst>
@@ -7245,7 +7773,7 @@
                                     </p:set>
                                     <p:anim calcmode="lin" valueType="num">
                                       <p:cBhvr additive="base">
-                                        <p:cTn id="17" dur="500" fill="hold"/>
+                                        <p:cTn id="21" dur="500" fill="hold"/>
                                         <p:tgtEl>
                                           <p:spTgt spid="10">
                                             <p:txEl>
@@ -7272,7 +7800,7 @@
                                     </p:anim>
                                     <p:anim calcmode="lin" valueType="num">
                                       <p:cBhvr additive="base">
-                                        <p:cTn id="18" dur="500" fill="hold"/>
+                                        <p:cTn id="22" dur="500" fill="hold"/>
                                         <p:tgtEl>
                                           <p:spTgt spid="10">
                                             <p:txEl>
@@ -7301,14 +7829,14 @@
                                 </p:cTn>
                               </p:par>
                               <p:par>
-                                <p:cTn id="19" presetID="2" presetClass="entr" presetSubtype="9" fill="hold" grpId="0" nodeType="withEffect">
+                                <p:cTn id="23" presetID="2" presetClass="entr" presetSubtype="9" fill="hold" grpId="0" nodeType="withEffect">
                                   <p:stCondLst>
                                     <p:cond delay="0"/>
                                   </p:stCondLst>
                                   <p:childTnLst>
                                     <p:set>
                                       <p:cBhvr>
-                                        <p:cTn id="20" dur="1" fill="hold">
+                                        <p:cTn id="24" dur="1" fill="hold">
                                           <p:stCondLst>
                                             <p:cond delay="0"/>
                                           </p:stCondLst>
@@ -7326,7 +7854,7 @@
                                     </p:set>
                                     <p:anim calcmode="lin" valueType="num">
                                       <p:cBhvr additive="base">
-                                        <p:cTn id="21" dur="500" fill="hold"/>
+                                        <p:cTn id="25" dur="500" fill="hold"/>
                                         <p:tgtEl>
                                           <p:spTgt spid="8"/>
                                         </p:tgtEl>
@@ -7349,7 +7877,7 @@
                                     </p:anim>
                                     <p:anim calcmode="lin" valueType="num">
                                       <p:cBhvr additive="base">
-                                        <p:cTn id="22" dur="500" fill="hold"/>
+                                        <p:cTn id="26" dur="500" fill="hold"/>
                                         <p:tgtEl>
                                           <p:spTgt spid="8"/>
                                         </p:tgtEl>
@@ -7466,7 +7994,7 @@
         </p:nvSpPr>
         <p:spPr>
           <a:xfrm>
-            <a:off x="323528" y="1275606"/>
+            <a:off x="323528" y="1923678"/>
             <a:ext cx="8229600" cy="3394472"/>
           </a:xfrm>
           <a:prstGeom prst="rect">
@@ -7615,16 +8143,29 @@
             </a:lvl9pPr>
           </a:lstStyle>
           <a:p>
-            <a:pPr marL="0" indent="0" algn="just">
+            <a:pPr marL="0" indent="0" algn="ctr">
               <a:buFont typeface="Arial" pitchFamily="34" charset="0"/>
               <a:buNone/>
             </a:pPr>
             <a:r>
-              <a:rPr lang="it-IT" dirty="0" smtClean="0"/>
-              <a:t>Vengono valutate tutte le possibili combinazioni di cluster scegliendo quella a costo minore</a:t>
-            </a:r>
-          </a:p>
-          <a:p>
+              <a:rPr lang="it-IT" dirty="0"/>
+              <a:t>Vengono valutate tutte le possibili </a:t>
+            </a:r>
+          </a:p>
+          <a:p>
+            <a:pPr marL="0" indent="0" algn="ctr">
+              <a:buFont typeface="Arial" pitchFamily="34" charset="0"/>
+              <a:buNone/>
+            </a:pPr>
+            <a:r>
+              <a:rPr lang="it-IT" dirty="0"/>
+              <a:t>combinazioni di cluster scegliendo quella a costo minore</a:t>
+            </a:r>
+          </a:p>
+          <a:p>
+            <a:pPr marL="0" indent="0">
+              <a:buNone/>
+            </a:pPr>
             <a:endParaRPr lang="it-IT" dirty="0"/>
           </a:p>
         </p:txBody>
@@ -7639,13 +8180,6 @@
   <p:clrMapOvr>
     <a:masterClrMapping/>
   </p:clrMapOvr>
-  <p:timing>
-    <p:tnLst>
-      <p:par>
-        <p:cTn id="1" dur="indefinite" restart="never" nodeType="tmRoot"/>
-      </p:par>
-    </p:tnLst>
-  </p:timing>
 </p:sld>
 </file>
 
@@ -7682,7 +8216,7 @@
           <a:lstStyle/>
           <a:p>
             <a:r>
-              <a:rPr lang="en-GB" dirty="0" smtClean="0">
+              <a:rPr lang="en-GB" dirty="0">
                 <a:solidFill>
                   <a:schemeClr val="bg1">
                     <a:lumMod val="50000"/>
@@ -7715,17 +8249,89 @@
         </p:nvSpPr>
         <p:spPr/>
         <p:txBody>
-          <a:bodyPr>
-            <a:normAutofit fontScale="85000" lnSpcReduction="20000"/>
+          <a:bodyPr wrap="square">
+            <a:normAutofit fontScale="70000" lnSpcReduction="20000"/>
           </a:bodyPr>
           <a:lstStyle/>
           <a:p>
-            <a:pPr marL="0" indent="0">
+            <a:pPr marL="0" indent="0" algn="ctr">
               <a:buNone/>
             </a:pPr>
             <a:r>
               <a:rPr lang="it-IT" dirty="0"/>
-              <a:t>Questa variante utilizza un approccio più semplice andando a considerare per ogni nodo da inserire nel grafo anonimizzato il singolo costo di unione all’ultimo cluster confrontandolo con quello di creazione di un nuovo cluster. Questa variante ovviamente non esplora tutte le combinazioni possibili e non tenendo memoria degli ottimi locali per i singoli cluster trovati, e genera quindi soluzioni sub ottime rispetto al DP per quanto riguarda i costi di </a:t>
+              <a:t>Questa variante utilizza un approccio più semplice andando a</a:t>
+            </a:r>
+          </a:p>
+          <a:p>
+            <a:pPr marL="0" indent="0" algn="ctr">
+              <a:buNone/>
+            </a:pPr>
+            <a:r>
+              <a:rPr lang="it-IT" dirty="0"/>
+              <a:t> considerare per ogni nodo da inserire </a:t>
+            </a:r>
+          </a:p>
+          <a:p>
+            <a:pPr marL="0" indent="0" algn="ctr">
+              <a:buNone/>
+            </a:pPr>
+            <a:r>
+              <a:rPr lang="it-IT" dirty="0"/>
+              <a:t>nel grafo anonimizzato il singolo costo di unione </a:t>
+            </a:r>
+          </a:p>
+          <a:p>
+            <a:pPr marL="0" indent="0" algn="ctr">
+              <a:buNone/>
+            </a:pPr>
+            <a:r>
+              <a:rPr lang="it-IT" dirty="0"/>
+              <a:t>all’ultimo cluster confrontandolo con quello di </a:t>
+            </a:r>
+          </a:p>
+          <a:p>
+            <a:pPr marL="0" indent="0" algn="ctr">
+              <a:buNone/>
+            </a:pPr>
+            <a:r>
+              <a:rPr lang="it-IT" dirty="0"/>
+              <a:t>creazione di un nuovo cluster. Questa variante </a:t>
+            </a:r>
+          </a:p>
+          <a:p>
+            <a:pPr marL="0" indent="0" algn="ctr">
+              <a:buNone/>
+            </a:pPr>
+            <a:r>
+              <a:rPr lang="it-IT" dirty="0"/>
+              <a:t>ovviamente non esplora tutte le combinazioni possibili e non</a:t>
+            </a:r>
+          </a:p>
+          <a:p>
+            <a:pPr marL="0" indent="0" algn="ctr">
+              <a:buNone/>
+            </a:pPr>
+            <a:r>
+              <a:rPr lang="it-IT" dirty="0"/>
+              <a:t>  tenendo memoria degli ottimi locali per i singoli cluster </a:t>
+            </a:r>
+          </a:p>
+          <a:p>
+            <a:pPr marL="0" indent="0" algn="ctr">
+              <a:buNone/>
+            </a:pPr>
+            <a:r>
+              <a:rPr lang="it-IT" dirty="0"/>
+              <a:t>trovati e genera quindi soluzioni sub ottime rispetto al DP per</a:t>
+            </a:r>
+          </a:p>
+          <a:p>
+            <a:pPr marL="0" indent="0" algn="ctr">
+              <a:buNone/>
+            </a:pPr>
+            <a:r>
+              <a:rPr lang="it-IT" dirty="0"/>
+              <a:t> quanto riguarda i costi di </a:t>
             </a:r>
             <a:r>
               <a:rPr lang="it-IT" dirty="0" err="1"/>
@@ -7737,6 +8343,7 @@
             </a:r>
           </a:p>
           <a:p>
+            <a:pPr algn="ctr"/>
             <a:endParaRPr lang="it-IT" dirty="0"/>
           </a:p>
         </p:txBody>
@@ -7781,13 +8388,6 @@
   <p:clrMapOvr>
     <a:masterClrMapping/>
   </p:clrMapOvr>
-  <p:timing>
-    <p:tnLst>
-      <p:par>
-        <p:cTn id="1" dur="indefinite" restart="never" nodeType="tmRoot"/>
-      </p:par>
-    </p:tnLst>
-  </p:timing>
 </p:sld>
 </file>
 
@@ -7824,7 +8424,7 @@
           <a:lstStyle/>
           <a:p>
             <a:r>
-              <a:rPr lang="en-GB" dirty="0" err="1" smtClean="0">
+              <a:rPr lang="en-GB" dirty="0" err="1">
                 <a:solidFill>
                   <a:schemeClr val="bg1">
                     <a:lumMod val="50000"/>
@@ -7835,7 +8435,7 @@
               <a:t>Tecniche</a:t>
             </a:r>
             <a:r>
-              <a:rPr lang="en-GB" dirty="0" smtClean="0">
+              <a:rPr lang="en-GB" dirty="0">
                 <a:solidFill>
                   <a:schemeClr val="bg1">
                     <a:lumMod val="50000"/>
@@ -7846,7 +8446,7 @@
               <a:t> di </a:t>
             </a:r>
             <a:r>
-              <a:rPr lang="en-GB" dirty="0" err="1" smtClean="0">
+              <a:rPr lang="en-GB" dirty="0" err="1">
                 <a:solidFill>
                   <a:schemeClr val="bg1">
                     <a:lumMod val="50000"/>
@@ -7884,12 +8484,12 @@
           </a:bodyPr>
           <a:lstStyle/>
           <a:p>
-            <a:pPr marL="0" indent="0">
+            <a:pPr marL="0" indent="0" algn="ctr">
               <a:buNone/>
             </a:pPr>
             <a:r>
               <a:rPr lang="it-IT" dirty="0"/>
-              <a:t>Entrambe le tecniche proposte utilizzano il vettore dei gradi generato da una delle due tecniche di </a:t>
+              <a:t>Entrambe le tecniche proposte utilizzano il vettore dei gradi generato da una delle    due tecniche di </a:t>
             </a:r>
             <a:r>
               <a:rPr lang="it-IT" dirty="0" err="1"/>
@@ -7897,7 +8497,7 @@
             </a:r>
             <a:r>
               <a:rPr lang="it-IT" dirty="0"/>
-              <a:t> viste precedentemente per ricreare una versione del grafo che rispetti il vincolo di </a:t>
+              <a:t> viste      precedentemente per ricreare una versione del grafo che rispetti il vincolo di            </a:t>
             </a:r>
             <a:r>
               <a:rPr lang="it-IT" dirty="0" err="1"/>
@@ -7909,7 +8509,7 @@
             </a:r>
           </a:p>
           <a:p>
-            <a:pPr marL="0" indent="0">
+            <a:pPr marL="0" indent="0" algn="ctr">
               <a:buNone/>
             </a:pPr>
             <a:endParaRPr lang="it-IT" dirty="0"/>
@@ -7956,13 +8556,6 @@
   <p:clrMapOvr>
     <a:masterClrMapping/>
   </p:clrMapOvr>
-  <p:timing>
-    <p:tnLst>
-      <p:par>
-        <p:cTn id="1" dur="indefinite" restart="never" nodeType="tmRoot"/>
-      </p:par>
-    </p:tnLst>
-  </p:timing>
 </p:sld>
 </file>
 
@@ -8249,4 +8842,299 @@
   <a:objectDefaults/>
   <a:extraClrSchemeLst/>
 </a:theme>
+</file>
+
+<file path=ppt/theme/theme2.xml><?xml version="1.0" encoding="utf-8"?>
+<a:theme xmlns:a="http://schemas.openxmlformats.org/drawingml/2006/main" name="Tema di Office">
+  <a:themeElements>
+    <a:clrScheme name="Office">
+      <a:dk1>
+        <a:sysClr val="windowText" lastClr="000000"/>
+      </a:dk1>
+      <a:lt1>
+        <a:sysClr val="window" lastClr="FFFFFF"/>
+      </a:lt1>
+      <a:dk2>
+        <a:srgbClr val="44546A"/>
+      </a:dk2>
+      <a:lt2>
+        <a:srgbClr val="E7E6E6"/>
+      </a:lt2>
+      <a:accent1>
+        <a:srgbClr val="4472C4"/>
+      </a:accent1>
+      <a:accent2>
+        <a:srgbClr val="ED7D31"/>
+      </a:accent2>
+      <a:accent3>
+        <a:srgbClr val="A5A5A5"/>
+      </a:accent3>
+      <a:accent4>
+        <a:srgbClr val="FFC000"/>
+      </a:accent4>
+      <a:accent5>
+        <a:srgbClr val="5B9BD5"/>
+      </a:accent5>
+      <a:accent6>
+        <a:srgbClr val="70AD47"/>
+      </a:accent6>
+      <a:hlink>
+        <a:srgbClr val="0563C1"/>
+      </a:hlink>
+      <a:folHlink>
+        <a:srgbClr val="954F72"/>
+      </a:folHlink>
+    </a:clrScheme>
+    <a:fontScheme name="Office">
+      <a:majorFont>
+        <a:latin typeface="Calibri Light" panose="020F0302020204030204"/>
+        <a:ea typeface=""/>
+        <a:cs typeface=""/>
+        <a:font script="Jpan" typeface="游ゴシック Light"/>
+        <a:font script="Hang" typeface="맑은 고딕"/>
+        <a:font script="Hans" typeface="等线 Light"/>
+        <a:font script="Hant" typeface="新細明體"/>
+        <a:font script="Arab" typeface="Times New Roman"/>
+        <a:font script="Hebr" typeface="Times New Roman"/>
+        <a:font script="Thai" typeface="Angsana New"/>
+        <a:font script="Ethi" typeface="Nyala"/>
+        <a:font script="Beng" typeface="Vrinda"/>
+        <a:font script="Gujr" typeface="Shruti"/>
+        <a:font script="Khmr" typeface="MoolBoran"/>
+        <a:font script="Knda" typeface="Tunga"/>
+        <a:font script="Guru" typeface="Raavi"/>
+        <a:font script="Cans" typeface="Euphemia"/>
+        <a:font script="Cher" typeface="Plantagenet Cherokee"/>
+        <a:font script="Yiii" typeface="Microsoft Yi Baiti"/>
+        <a:font script="Tibt" typeface="Microsoft Himalaya"/>
+        <a:font script="Thaa" typeface="MV Boli"/>
+        <a:font script="Deva" typeface="Mangal"/>
+        <a:font script="Telu" typeface="Gautami"/>
+        <a:font script="Taml" typeface="Latha"/>
+        <a:font script="Syrc" typeface="Estrangelo Edessa"/>
+        <a:font script="Orya" typeface="Kalinga"/>
+        <a:font script="Mlym" typeface="Kartika"/>
+        <a:font script="Laoo" typeface="DokChampa"/>
+        <a:font script="Sinh" typeface="Iskoola Pota"/>
+        <a:font script="Mong" typeface="Mongolian Baiti"/>
+        <a:font script="Viet" typeface="Times New Roman"/>
+        <a:font script="Uigh" typeface="Microsoft Uighur"/>
+        <a:font script="Geor" typeface="Sylfaen"/>
+        <a:font script="Armn" typeface="Arial"/>
+        <a:font script="Bugi" typeface="Leelawadee UI"/>
+        <a:font script="Bopo" typeface="Microsoft JhengHei"/>
+        <a:font script="Java" typeface="Javanese Text"/>
+        <a:font script="Lisu" typeface="Segoe UI"/>
+        <a:font script="Mymr" typeface="Myanmar Text"/>
+        <a:font script="Nkoo" typeface="Ebrima"/>
+        <a:font script="Olck" typeface="Nirmala UI"/>
+        <a:font script="Osma" typeface="Ebrima"/>
+        <a:font script="Phag" typeface="Phagspa"/>
+        <a:font script="Syrn" typeface="Estrangelo Edessa"/>
+        <a:font script="Syrj" typeface="Estrangelo Edessa"/>
+        <a:font script="Syre" typeface="Estrangelo Edessa"/>
+        <a:font script="Sora" typeface="Nirmala UI"/>
+        <a:font script="Tale" typeface="Microsoft Tai Le"/>
+        <a:font script="Talu" typeface="Microsoft New Tai Lue"/>
+        <a:font script="Tfng" typeface="Ebrima"/>
+      </a:majorFont>
+      <a:minorFont>
+        <a:latin typeface="Calibri" panose="020F0502020204030204"/>
+        <a:ea typeface=""/>
+        <a:cs typeface=""/>
+        <a:font script="Jpan" typeface="游ゴシック"/>
+        <a:font script="Hang" typeface="맑은 고딕"/>
+        <a:font script="Hans" typeface="等线"/>
+        <a:font script="Hant" typeface="新細明體"/>
+        <a:font script="Arab" typeface="Arial"/>
+        <a:font script="Hebr" typeface="Arial"/>
+        <a:font script="Thai" typeface="Cordia New"/>
+        <a:font script="Ethi" typeface="Nyala"/>
+        <a:font script="Beng" typeface="Vrinda"/>
+        <a:font script="Gujr" typeface="Shruti"/>
+        <a:font script="Khmr" typeface="DaunPenh"/>
+        <a:font script="Knda" typeface="Tunga"/>
+        <a:font script="Guru" typeface="Raavi"/>
+        <a:font script="Cans" typeface="Euphemia"/>
+        <a:font script="Cher" typeface="Plantagenet Cherokee"/>
+        <a:font script="Yiii" typeface="Microsoft Yi Baiti"/>
+        <a:font script="Tibt" typeface="Microsoft Himalaya"/>
+        <a:font script="Thaa" typeface="MV Boli"/>
+        <a:font script="Deva" typeface="Mangal"/>
+        <a:font script="Telu" typeface="Gautami"/>
+        <a:font script="Taml" typeface="Latha"/>
+        <a:font script="Syrc" typeface="Estrangelo Edessa"/>
+        <a:font script="Orya" typeface="Kalinga"/>
+        <a:font script="Mlym" typeface="Kartika"/>
+        <a:font script="Laoo" typeface="DokChampa"/>
+        <a:font script="Sinh" typeface="Iskoola Pota"/>
+        <a:font script="Mong" typeface="Mongolian Baiti"/>
+        <a:font script="Viet" typeface="Arial"/>
+        <a:font script="Uigh" typeface="Microsoft Uighur"/>
+        <a:font script="Geor" typeface="Sylfaen"/>
+        <a:font script="Armn" typeface="Arial"/>
+        <a:font script="Bugi" typeface="Leelawadee UI"/>
+        <a:font script="Bopo" typeface="Microsoft JhengHei"/>
+        <a:font script="Java" typeface="Javanese Text"/>
+        <a:font script="Lisu" typeface="Segoe UI"/>
+        <a:font script="Mymr" typeface="Myanmar Text"/>
+        <a:font script="Nkoo" typeface="Ebrima"/>
+        <a:font script="Olck" typeface="Nirmala UI"/>
+        <a:font script="Osma" typeface="Ebrima"/>
+        <a:font script="Phag" typeface="Phagspa"/>
+        <a:font script="Syrn" typeface="Estrangelo Edessa"/>
+        <a:font script="Syrj" typeface="Estrangelo Edessa"/>
+        <a:font script="Syre" typeface="Estrangelo Edessa"/>
+        <a:font script="Sora" typeface="Nirmala UI"/>
+        <a:font script="Tale" typeface="Microsoft Tai Le"/>
+        <a:font script="Talu" typeface="Microsoft New Tai Lue"/>
+        <a:font script="Tfng" typeface="Ebrima"/>
+      </a:minorFont>
+    </a:fontScheme>
+    <a:fmtScheme name="Office">
+      <a:fillStyleLst>
+        <a:solidFill>
+          <a:schemeClr val="phClr"/>
+        </a:solidFill>
+        <a:gradFill rotWithShape="1">
+          <a:gsLst>
+            <a:gs pos="0">
+              <a:schemeClr val="phClr">
+                <a:lumMod val="110000"/>
+                <a:satMod val="105000"/>
+                <a:tint val="67000"/>
+              </a:schemeClr>
+            </a:gs>
+            <a:gs pos="50000">
+              <a:schemeClr val="phClr">
+                <a:lumMod val="105000"/>
+                <a:satMod val="103000"/>
+                <a:tint val="73000"/>
+              </a:schemeClr>
+            </a:gs>
+            <a:gs pos="100000">
+              <a:schemeClr val="phClr">
+                <a:lumMod val="105000"/>
+                <a:satMod val="109000"/>
+                <a:tint val="81000"/>
+              </a:schemeClr>
+            </a:gs>
+          </a:gsLst>
+          <a:lin ang="5400000" scaled="0"/>
+        </a:gradFill>
+        <a:gradFill rotWithShape="1">
+          <a:gsLst>
+            <a:gs pos="0">
+              <a:schemeClr val="phClr">
+                <a:satMod val="103000"/>
+                <a:lumMod val="102000"/>
+                <a:tint val="94000"/>
+              </a:schemeClr>
+            </a:gs>
+            <a:gs pos="50000">
+              <a:schemeClr val="phClr">
+                <a:satMod val="110000"/>
+                <a:lumMod val="100000"/>
+                <a:shade val="100000"/>
+              </a:schemeClr>
+            </a:gs>
+            <a:gs pos="100000">
+              <a:schemeClr val="phClr">
+                <a:lumMod val="99000"/>
+                <a:satMod val="120000"/>
+                <a:shade val="78000"/>
+              </a:schemeClr>
+            </a:gs>
+          </a:gsLst>
+          <a:lin ang="5400000" scaled="0"/>
+        </a:gradFill>
+      </a:fillStyleLst>
+      <a:lnStyleLst>
+        <a:ln w="6350" cap="flat" cmpd="sng" algn="ctr">
+          <a:solidFill>
+            <a:schemeClr val="phClr"/>
+          </a:solidFill>
+          <a:prstDash val="solid"/>
+          <a:miter lim="800000"/>
+        </a:ln>
+        <a:ln w="12700" cap="flat" cmpd="sng" algn="ctr">
+          <a:solidFill>
+            <a:schemeClr val="phClr"/>
+          </a:solidFill>
+          <a:prstDash val="solid"/>
+          <a:miter lim="800000"/>
+        </a:ln>
+        <a:ln w="19050" cap="flat" cmpd="sng" algn="ctr">
+          <a:solidFill>
+            <a:schemeClr val="phClr"/>
+          </a:solidFill>
+          <a:prstDash val="solid"/>
+          <a:miter lim="800000"/>
+        </a:ln>
+      </a:lnStyleLst>
+      <a:effectStyleLst>
+        <a:effectStyle>
+          <a:effectLst/>
+        </a:effectStyle>
+        <a:effectStyle>
+          <a:effectLst/>
+        </a:effectStyle>
+        <a:effectStyle>
+          <a:effectLst>
+            <a:outerShdw blurRad="57150" dist="19050" dir="5400000" algn="ctr" rotWithShape="0">
+              <a:srgbClr val="000000">
+                <a:alpha val="63000"/>
+              </a:srgbClr>
+            </a:outerShdw>
+          </a:effectLst>
+        </a:effectStyle>
+      </a:effectStyleLst>
+      <a:bgFillStyleLst>
+        <a:solidFill>
+          <a:schemeClr val="phClr"/>
+        </a:solidFill>
+        <a:solidFill>
+          <a:schemeClr val="phClr">
+            <a:tint val="95000"/>
+            <a:satMod val="170000"/>
+          </a:schemeClr>
+        </a:solidFill>
+        <a:gradFill rotWithShape="1">
+          <a:gsLst>
+            <a:gs pos="0">
+              <a:schemeClr val="phClr">
+                <a:tint val="93000"/>
+                <a:satMod val="150000"/>
+                <a:shade val="98000"/>
+                <a:lumMod val="102000"/>
+              </a:schemeClr>
+            </a:gs>
+            <a:gs pos="50000">
+              <a:schemeClr val="phClr">
+                <a:tint val="98000"/>
+                <a:satMod val="130000"/>
+                <a:shade val="90000"/>
+                <a:lumMod val="103000"/>
+              </a:schemeClr>
+            </a:gs>
+            <a:gs pos="100000">
+              <a:schemeClr val="phClr">
+                <a:shade val="63000"/>
+                <a:satMod val="120000"/>
+              </a:schemeClr>
+            </a:gs>
+          </a:gsLst>
+          <a:lin ang="5400000" scaled="0"/>
+        </a:gradFill>
+      </a:bgFillStyleLst>
+    </a:fmtScheme>
+  </a:themeElements>
+  <a:objectDefaults/>
+  <a:extraClrSchemeLst/>
+  <a:extLst>
+    <a:ext uri="{05A4C25C-085E-4340-85A3-A5531E510DB2}">
+      <thm15:themeFamily xmlns:thm15="http://schemas.microsoft.com/office/thememl/2012/main" name="Office Theme" id="{62F939B6-93AF-4DB8-9C6B-D6C7DFDC589F}" vid="{4A3C46E8-61CC-4603-A589-7422A47A8E4A}"/>
+    </a:ext>
+  </a:extLst>
+</a:theme>
 </file>
--- a/Presentation/Towards_Identity_Anonymization_on_graph(K-degree anonymization).pptx
+++ b/Presentation/Towards_Identity_Anonymization_on_graph(K-degree anonymization).pptx
@@ -5,7 +5,7 @@
     <p:sldMasterId id="2147483648" r:id="rId1"/>
   </p:sldMasterIdLst>
   <p:notesMasterIdLst>
-    <p:notesMasterId r:id="rId16"/>
+    <p:notesMasterId r:id="rId24"/>
   </p:notesMasterIdLst>
   <p:sldIdLst>
     <p:sldId id="256" r:id="rId2"/>
@@ -20,8 +20,16 @@
     <p:sldId id="267" r:id="rId11"/>
     <p:sldId id="262" r:id="rId12"/>
     <p:sldId id="270" r:id="rId13"/>
-    <p:sldId id="268" r:id="rId14"/>
-    <p:sldId id="263" r:id="rId15"/>
+    <p:sldId id="271" r:id="rId14"/>
+    <p:sldId id="272" r:id="rId15"/>
+    <p:sldId id="273" r:id="rId16"/>
+    <p:sldId id="274" r:id="rId17"/>
+    <p:sldId id="275" r:id="rId18"/>
+    <p:sldId id="276" r:id="rId19"/>
+    <p:sldId id="263" r:id="rId20"/>
+    <p:sldId id="277" r:id="rId21"/>
+    <p:sldId id="278" r:id="rId22"/>
+    <p:sldId id="279" r:id="rId23"/>
   </p:sldIdLst>
   <p:sldSz cx="9144000" cy="5143500" type="screen16x9"/>
   <p:notesSz cx="6858000" cy="9144000"/>
@@ -538,6 +546,90 @@
     <p:extLst>
       <p:ext uri="{BB962C8B-B14F-4D97-AF65-F5344CB8AC3E}">
         <p14:creationId xmlns:p14="http://schemas.microsoft.com/office/powerpoint/2010/main" val="3611200481"/>
+      </p:ext>
+    </p:extLst>
+  </p:cSld>
+  <p:clrMapOvr>
+    <a:masterClrMapping/>
+  </p:clrMapOvr>
+</p:notes>
+</file>
+
+<file path=ppt/notesSlides/notesSlide2.xml><?xml version="1.0" encoding="utf-8"?>
+<p:notes xmlns:a="http://schemas.openxmlformats.org/drawingml/2006/main" xmlns:r="http://schemas.openxmlformats.org/officeDocument/2006/relationships" xmlns:p="http://schemas.openxmlformats.org/presentationml/2006/main">
+  <p:cSld>
+    <p:spTree>
+      <p:nvGrpSpPr>
+        <p:cNvPr id="1" name=""/>
+        <p:cNvGrpSpPr/>
+        <p:nvPr/>
+      </p:nvGrpSpPr>
+      <p:grpSpPr>
+        <a:xfrm>
+          <a:off x="0" y="0"/>
+          <a:ext cx="0" cy="0"/>
+          <a:chOff x="0" y="0"/>
+          <a:chExt cx="0" cy="0"/>
+        </a:xfrm>
+      </p:grpSpPr>
+      <p:sp>
+        <p:nvSpPr>
+          <p:cNvPr id="2" name="Segnaposto immagine diapositiva 1"/>
+          <p:cNvSpPr>
+            <a:spLocks noGrp="1" noRot="1" noChangeAspect="1"/>
+          </p:cNvSpPr>
+          <p:nvPr>
+            <p:ph type="sldImg"/>
+          </p:nvPr>
+        </p:nvSpPr>
+        <p:spPr/>
+      </p:sp>
+      <p:sp>
+        <p:nvSpPr>
+          <p:cNvPr id="3" name="Segnaposto note 2"/>
+          <p:cNvSpPr>
+            <a:spLocks noGrp="1"/>
+          </p:cNvSpPr>
+          <p:nvPr>
+            <p:ph type="body" idx="1"/>
+          </p:nvPr>
+        </p:nvSpPr>
+        <p:spPr/>
+        <p:txBody>
+          <a:bodyPr/>
+          <a:lstStyle/>
+          <a:p>
+            <a:endParaRPr lang="it-IT" dirty="0"/>
+          </a:p>
+        </p:txBody>
+      </p:sp>
+      <p:sp>
+        <p:nvSpPr>
+          <p:cNvPr id="4" name="Segnaposto numero diapositiva 3"/>
+          <p:cNvSpPr>
+            <a:spLocks noGrp="1"/>
+          </p:cNvSpPr>
+          <p:nvPr>
+            <p:ph type="sldNum" sz="quarter" idx="5"/>
+          </p:nvPr>
+        </p:nvSpPr>
+        <p:spPr/>
+        <p:txBody>
+          <a:bodyPr/>
+          <a:lstStyle/>
+          <a:p>
+            <a:fld id="{432709A9-B521-EB4C-B992-CAA49A2F48FB}" type="slidenum">
+              <a:rPr lang="it-IT" smtClean="0"/>
+              <a:t>17</a:t>
+            </a:fld>
+            <a:endParaRPr lang="it-IT"/>
+          </a:p>
+        </p:txBody>
+      </p:sp>
+    </p:spTree>
+    <p:extLst>
+      <p:ext uri="{BB962C8B-B14F-4D97-AF65-F5344CB8AC3E}">
+        <p14:creationId xmlns:p14="http://schemas.microsoft.com/office/powerpoint/2010/main" val="3960706316"/>
       </p:ext>
     </p:extLst>
   </p:cSld>
@@ -4164,10 +4256,40 @@
         </p:nvSpPr>
         <p:spPr/>
         <p:txBody>
-          <a:bodyPr/>
+          <a:bodyPr>
+            <a:normAutofit/>
+          </a:bodyPr>
           <a:lstStyle/>
           <a:p>
-            <a:endParaRPr lang="it-IT"/>
+            <a:pPr marL="0" indent="0" algn="ctr">
+              <a:buNone/>
+            </a:pPr>
+            <a:r>
+              <a:rPr lang="it-IT" sz="2400" dirty="0"/>
+              <a:t>Per il </a:t>
+            </a:r>
+            <a:r>
+              <a:rPr lang="it-IT" sz="2400" dirty="0" err="1"/>
+              <a:t>testing</a:t>
+            </a:r>
+            <a:r>
+              <a:rPr lang="it-IT" sz="2400" dirty="0"/>
+              <a:t> abbiamo eseguito l’algoritmo su istanze di diverse dimensioni, in particolare da 100,300,750           (di quest’ultima due versioni, uno più denso e uno più   sparso),1000 e 2000 nodi, scrivendo un programma in     </a:t>
+            </a:r>
+            <a:r>
+              <a:rPr lang="it-IT" sz="2400" dirty="0" err="1"/>
+              <a:t>python</a:t>
+            </a:r>
+            <a:r>
+              <a:rPr lang="it-IT" sz="2400" dirty="0"/>
+              <a:t> che in maniera automatica anonimizza il grafo    sulle diverse istanze con valori di K crescenti utilizzando  le 4 combinazioni possibili delle tecniche proposte in precedenza, e presentando i risultati (a livello di costo         e tempo) in maniera grafica, che presentiamo di seguito:</a:t>
+            </a:r>
+          </a:p>
+          <a:p>
+            <a:pPr marL="0" indent="0" algn="ctr">
+              <a:buNone/>
+            </a:pPr>
+            <a:endParaRPr lang="it-IT" sz="2400" dirty="0"/>
           </a:p>
         </p:txBody>
       </p:sp>
@@ -4284,12 +4406,46 @@
             <p:ph idx="1"/>
           </p:nvPr>
         </p:nvSpPr>
-        <p:spPr/>
-        <p:txBody>
-          <a:bodyPr/>
+        <p:spPr>
+          <a:xfrm>
+            <a:off x="457200" y="897217"/>
+            <a:ext cx="8229600" cy="3394472"/>
+          </a:xfrm>
+        </p:spPr>
+        <p:txBody>
+          <a:bodyPr>
+            <a:normAutofit/>
+          </a:bodyPr>
           <a:lstStyle/>
           <a:p>
-            <a:endParaRPr lang="it-IT"/>
+            <a:pPr marL="0" indent="0" algn="ctr">
+              <a:buNone/>
+            </a:pPr>
+            <a:r>
+              <a:rPr lang="it-IT" sz="2000" dirty="0" err="1"/>
+              <a:t>Anonimizzazione</a:t>
+            </a:r>
+            <a:r>
+              <a:rPr lang="it-IT" sz="2000" dirty="0"/>
+              <a:t> di un grafo da 100 nodi, k da 3 a 30:</a:t>
+            </a:r>
+          </a:p>
+          <a:p>
+            <a:pPr marL="0" indent="0" algn="ctr">
+              <a:buNone/>
+            </a:pPr>
+            <a:r>
+              <a:rPr lang="it-IT" sz="2000" dirty="0"/>
+              <a:t>(hardware: </a:t>
+            </a:r>
+            <a:r>
+              <a:rPr lang="it-IT" sz="2000" dirty="0" err="1"/>
+              <a:t>intel</a:t>
+            </a:r>
+            <a:r>
+              <a:rPr lang="it-IT" sz="2000" dirty="0"/>
+              <a:t> core i5 1,8GHz, 8GB RAM)</a:t>
+            </a:r>
           </a:p>
         </p:txBody>
       </p:sp>
@@ -4329,10 +4485,46 @@
           </a:prstGeom>
         </p:spPr>
       </p:pic>
+      <p:pic>
+        <p:nvPicPr>
+          <p:cNvPr id="6" name="Immagine 5">
+            <a:extLst>
+              <a:ext uri="{FF2B5EF4-FFF2-40B4-BE49-F238E27FC236}">
+                <a16:creationId xmlns:a16="http://schemas.microsoft.com/office/drawing/2014/main" id="{1C306236-CC00-7647-92D5-B35B47F62EA9}"/>
+              </a:ext>
+            </a:extLst>
+          </p:cNvPr>
+          <p:cNvPicPr>
+            <a:picLocks noChangeAspect="1"/>
+          </p:cNvPicPr>
+          <p:nvPr/>
+        </p:nvPicPr>
+        <p:blipFill>
+          <a:blip r:embed="rId3">
+            <a:extLst>
+              <a:ext uri="{28A0092B-C50C-407E-A947-70E740481C1C}">
+                <a14:useLocalDpi xmlns:a14="http://schemas.microsoft.com/office/drawing/2010/main" val="0"/>
+              </a:ext>
+            </a:extLst>
+          </a:blip>
+          <a:stretch>
+            <a:fillRect/>
+          </a:stretch>
+        </p:blipFill>
+        <p:spPr>
+          <a:xfrm>
+            <a:off x="1727684" y="1620206"/>
+            <a:ext cx="5688632" cy="3394472"/>
+          </a:xfrm>
+          <a:prstGeom prst="rect">
+            <a:avLst/>
+          </a:prstGeom>
+        </p:spPr>
+      </p:pic>
     </p:spTree>
     <p:extLst>
       <p:ext uri="{BB962C8B-B14F-4D97-AF65-F5344CB8AC3E}">
-        <p14:creationId xmlns:p14="http://schemas.microsoft.com/office/powerpoint/2010/main" val="3426889340"/>
+        <p14:creationId xmlns:p14="http://schemas.microsoft.com/office/powerpoint/2010/main" val="1247571156"/>
       </p:ext>
     </p:extLst>
   </p:cSld>
@@ -4383,7 +4575,7 @@
                 </a:solidFill>
                 <a:latin typeface="+mj-lt"/>
               </a:rPr>
-              <a:t>Conclusioni</a:t>
+              <a:t>Risultati</a:t>
             </a:r>
             <a:endParaRPr lang="it-IT" dirty="0">
               <a:solidFill>
@@ -4406,12 +4598,1010 @@
             <p:ph idx="1"/>
           </p:nvPr>
         </p:nvSpPr>
+        <p:spPr>
+          <a:xfrm>
+            <a:off x="457200" y="897217"/>
+            <a:ext cx="8229600" cy="3394472"/>
+          </a:xfrm>
+        </p:spPr>
+        <p:txBody>
+          <a:bodyPr>
+            <a:normAutofit/>
+          </a:bodyPr>
+          <a:lstStyle/>
+          <a:p>
+            <a:pPr marL="0" indent="0" algn="ctr">
+              <a:buNone/>
+            </a:pPr>
+            <a:r>
+              <a:rPr lang="it-IT" sz="2000" dirty="0" err="1"/>
+              <a:t>Anonimizzazione</a:t>
+            </a:r>
+            <a:r>
+              <a:rPr lang="it-IT" sz="2000" dirty="0"/>
+              <a:t> di un grafo da 300 nodi, k da 3 a 75:</a:t>
+            </a:r>
+          </a:p>
+          <a:p>
+            <a:pPr marL="0" indent="0" algn="ctr">
+              <a:buNone/>
+            </a:pPr>
+            <a:r>
+              <a:rPr lang="it-IT" sz="2000" dirty="0"/>
+              <a:t>(hardware: </a:t>
+            </a:r>
+            <a:r>
+              <a:rPr lang="it-IT" sz="2000" dirty="0" err="1"/>
+              <a:t>intel</a:t>
+            </a:r>
+            <a:r>
+              <a:rPr lang="it-IT" sz="2000" dirty="0"/>
+              <a:t> core i5 1,8GHz, 8GB RAM)</a:t>
+            </a:r>
+          </a:p>
+        </p:txBody>
+      </p:sp>
+      <p:pic>
+        <p:nvPicPr>
+          <p:cNvPr id="4" name="Immagine 3">
+            <a:extLst>
+              <a:ext uri="{FF2B5EF4-FFF2-40B4-BE49-F238E27FC236}">
+                <a16:creationId xmlns:a16="http://schemas.microsoft.com/office/drawing/2014/main" id="{DA9C3F0C-49E7-A346-B29F-FA5BFC2892B9}"/>
+              </a:ext>
+            </a:extLst>
+          </p:cNvPr>
+          <p:cNvPicPr>
+            <a:picLocks noChangeAspect="1"/>
+          </p:cNvPicPr>
+          <p:nvPr/>
+        </p:nvPicPr>
+        <p:blipFill>
+          <a:blip r:embed="rId2" cstate="print">
+            <a:extLst>
+              <a:ext uri="{28A0092B-C50C-407E-A947-70E740481C1C}">
+                <a14:useLocalDpi xmlns:a14="http://schemas.microsoft.com/office/drawing/2010/main" val="0"/>
+              </a:ext>
+            </a:extLst>
+          </a:blip>
+          <a:stretch>
+            <a:fillRect/>
+          </a:stretch>
+        </p:blipFill>
+        <p:spPr>
+          <a:xfrm>
+            <a:off x="179512" y="4468193"/>
+            <a:ext cx="1114320" cy="572830"/>
+          </a:xfrm>
+          <a:prstGeom prst="rect">
+            <a:avLst/>
+          </a:prstGeom>
+        </p:spPr>
+      </p:pic>
+      <p:pic>
+        <p:nvPicPr>
+          <p:cNvPr id="7" name="Immagine 6">
+            <a:extLst>
+              <a:ext uri="{FF2B5EF4-FFF2-40B4-BE49-F238E27FC236}">
+                <a16:creationId xmlns:a16="http://schemas.microsoft.com/office/drawing/2014/main" id="{A441418F-23FF-5346-B922-35384CDCB34F}"/>
+              </a:ext>
+            </a:extLst>
+          </p:cNvPr>
+          <p:cNvPicPr>
+            <a:picLocks noChangeAspect="1"/>
+          </p:cNvPicPr>
+          <p:nvPr/>
+        </p:nvPicPr>
+        <p:blipFill>
+          <a:blip r:embed="rId3">
+            <a:extLst>
+              <a:ext uri="{28A0092B-C50C-407E-A947-70E740481C1C}">
+                <a14:useLocalDpi xmlns:a14="http://schemas.microsoft.com/office/drawing/2010/main" val="0"/>
+              </a:ext>
+            </a:extLst>
+          </a:blip>
+          <a:stretch>
+            <a:fillRect/>
+          </a:stretch>
+        </p:blipFill>
+        <p:spPr>
+          <a:xfrm>
+            <a:off x="1718386" y="1646551"/>
+            <a:ext cx="5707228" cy="3394472"/>
+          </a:xfrm>
+          <a:prstGeom prst="rect">
+            <a:avLst/>
+          </a:prstGeom>
+        </p:spPr>
+      </p:pic>
+    </p:spTree>
+    <p:extLst>
+      <p:ext uri="{BB962C8B-B14F-4D97-AF65-F5344CB8AC3E}">
+        <p14:creationId xmlns:p14="http://schemas.microsoft.com/office/powerpoint/2010/main" val="591987540"/>
+      </p:ext>
+    </p:extLst>
+  </p:cSld>
+  <p:clrMapOvr>
+    <a:masterClrMapping/>
+  </p:clrMapOvr>
+</p:sld>
+</file>
+
+<file path=ppt/slides/slide15.xml><?xml version="1.0" encoding="utf-8"?>
+<p:sld xmlns:a="http://schemas.openxmlformats.org/drawingml/2006/main" xmlns:r="http://schemas.openxmlformats.org/officeDocument/2006/relationships" xmlns:p="http://schemas.openxmlformats.org/presentationml/2006/main">
+  <p:cSld>
+    <p:spTree>
+      <p:nvGrpSpPr>
+        <p:cNvPr id="1" name=""/>
+        <p:cNvGrpSpPr/>
+        <p:nvPr/>
+      </p:nvGrpSpPr>
+      <p:grpSpPr>
+        <a:xfrm>
+          <a:off x="0" y="0"/>
+          <a:ext cx="0" cy="0"/>
+          <a:chOff x="0" y="0"/>
+          <a:chExt cx="0" cy="0"/>
+        </a:xfrm>
+      </p:grpSpPr>
+      <p:sp>
+        <p:nvSpPr>
+          <p:cNvPr id="2" name="Titolo 1"/>
+          <p:cNvSpPr>
+            <a:spLocks noGrp="1"/>
+          </p:cNvSpPr>
+          <p:nvPr>
+            <p:ph type="title"/>
+          </p:nvPr>
+        </p:nvSpPr>
         <p:spPr/>
         <p:txBody>
           <a:bodyPr/>
           <a:lstStyle/>
           <a:p>
-            <a:endParaRPr lang="it-IT"/>
+            <a:r>
+              <a:rPr lang="en-GB" dirty="0" err="1">
+                <a:solidFill>
+                  <a:schemeClr val="bg1">
+                    <a:lumMod val="50000"/>
+                  </a:schemeClr>
+                </a:solidFill>
+                <a:latin typeface="+mj-lt"/>
+              </a:rPr>
+              <a:t>Risultati</a:t>
+            </a:r>
+            <a:endParaRPr lang="it-IT" dirty="0">
+              <a:solidFill>
+                <a:schemeClr val="bg1">
+                  <a:lumMod val="50000"/>
+                </a:schemeClr>
+              </a:solidFill>
+              <a:latin typeface="+mj-lt"/>
+            </a:endParaRPr>
+          </a:p>
+        </p:txBody>
+      </p:sp>
+      <p:sp>
+        <p:nvSpPr>
+          <p:cNvPr id="3" name="Segnaposto contenuto 2"/>
+          <p:cNvSpPr>
+            <a:spLocks noGrp="1"/>
+          </p:cNvSpPr>
+          <p:nvPr>
+            <p:ph idx="1"/>
+          </p:nvPr>
+        </p:nvSpPr>
+        <p:spPr>
+          <a:xfrm>
+            <a:off x="457200" y="897217"/>
+            <a:ext cx="8229600" cy="3394472"/>
+          </a:xfrm>
+        </p:spPr>
+        <p:txBody>
+          <a:bodyPr>
+            <a:normAutofit/>
+          </a:bodyPr>
+          <a:lstStyle/>
+          <a:p>
+            <a:pPr marL="0" indent="0" algn="ctr">
+              <a:buNone/>
+            </a:pPr>
+            <a:r>
+              <a:rPr lang="it-IT" sz="2000" dirty="0" err="1"/>
+              <a:t>Anonimizzazione</a:t>
+            </a:r>
+            <a:r>
+              <a:rPr lang="it-IT" sz="2000" dirty="0"/>
+              <a:t> di un grafo da 750 nodi (sparso), k da 3 a 100:</a:t>
+            </a:r>
+          </a:p>
+          <a:p>
+            <a:pPr marL="0" indent="0" algn="ctr">
+              <a:buNone/>
+            </a:pPr>
+            <a:r>
+              <a:rPr lang="it-IT" sz="2000" dirty="0"/>
+              <a:t>(hardware: </a:t>
+            </a:r>
+            <a:r>
+              <a:rPr lang="it-IT" sz="2000" dirty="0" err="1"/>
+              <a:t>intel</a:t>
+            </a:r>
+            <a:r>
+              <a:rPr lang="it-IT" sz="2000" dirty="0"/>
+              <a:t> core i5 1,8GHz, 8GB RAM)</a:t>
+            </a:r>
+          </a:p>
+        </p:txBody>
+      </p:sp>
+      <p:pic>
+        <p:nvPicPr>
+          <p:cNvPr id="4" name="Immagine 3">
+            <a:extLst>
+              <a:ext uri="{FF2B5EF4-FFF2-40B4-BE49-F238E27FC236}">
+                <a16:creationId xmlns:a16="http://schemas.microsoft.com/office/drawing/2014/main" id="{DA9C3F0C-49E7-A346-B29F-FA5BFC2892B9}"/>
+              </a:ext>
+            </a:extLst>
+          </p:cNvPr>
+          <p:cNvPicPr>
+            <a:picLocks noChangeAspect="1"/>
+          </p:cNvPicPr>
+          <p:nvPr/>
+        </p:nvPicPr>
+        <p:blipFill>
+          <a:blip r:embed="rId2" cstate="print">
+            <a:extLst>
+              <a:ext uri="{28A0092B-C50C-407E-A947-70E740481C1C}">
+                <a14:useLocalDpi xmlns:a14="http://schemas.microsoft.com/office/drawing/2010/main" val="0"/>
+              </a:ext>
+            </a:extLst>
+          </a:blip>
+          <a:stretch>
+            <a:fillRect/>
+          </a:stretch>
+        </p:blipFill>
+        <p:spPr>
+          <a:xfrm>
+            <a:off x="179512" y="4468193"/>
+            <a:ext cx="1114320" cy="572830"/>
+          </a:xfrm>
+          <a:prstGeom prst="rect">
+            <a:avLst/>
+          </a:prstGeom>
+        </p:spPr>
+      </p:pic>
+      <p:pic>
+        <p:nvPicPr>
+          <p:cNvPr id="6" name="Immagine 5">
+            <a:extLst>
+              <a:ext uri="{FF2B5EF4-FFF2-40B4-BE49-F238E27FC236}">
+                <a16:creationId xmlns:a16="http://schemas.microsoft.com/office/drawing/2014/main" id="{91528184-72CB-764E-AF76-E970CF53BCE0}"/>
+              </a:ext>
+            </a:extLst>
+          </p:cNvPr>
+          <p:cNvPicPr>
+            <a:picLocks noChangeAspect="1"/>
+          </p:cNvPicPr>
+          <p:nvPr/>
+        </p:nvPicPr>
+        <p:blipFill>
+          <a:blip r:embed="rId3">
+            <a:extLst>
+              <a:ext uri="{28A0092B-C50C-407E-A947-70E740481C1C}">
+                <a14:useLocalDpi xmlns:a14="http://schemas.microsoft.com/office/drawing/2010/main" val="0"/>
+              </a:ext>
+            </a:extLst>
+          </a:blip>
+          <a:stretch>
+            <a:fillRect/>
+          </a:stretch>
+        </p:blipFill>
+        <p:spPr>
+          <a:xfrm>
+            <a:off x="1745092" y="1618210"/>
+            <a:ext cx="5653815" cy="3394472"/>
+          </a:xfrm>
+          <a:prstGeom prst="rect">
+            <a:avLst/>
+          </a:prstGeom>
+        </p:spPr>
+      </p:pic>
+    </p:spTree>
+    <p:extLst>
+      <p:ext uri="{BB962C8B-B14F-4D97-AF65-F5344CB8AC3E}">
+        <p14:creationId xmlns:p14="http://schemas.microsoft.com/office/powerpoint/2010/main" val="3746965424"/>
+      </p:ext>
+    </p:extLst>
+  </p:cSld>
+  <p:clrMapOvr>
+    <a:masterClrMapping/>
+  </p:clrMapOvr>
+</p:sld>
+</file>
+
+<file path=ppt/slides/slide16.xml><?xml version="1.0" encoding="utf-8"?>
+<p:sld xmlns:a="http://schemas.openxmlformats.org/drawingml/2006/main" xmlns:r="http://schemas.openxmlformats.org/officeDocument/2006/relationships" xmlns:p="http://schemas.openxmlformats.org/presentationml/2006/main">
+  <p:cSld>
+    <p:spTree>
+      <p:nvGrpSpPr>
+        <p:cNvPr id="1" name=""/>
+        <p:cNvGrpSpPr/>
+        <p:nvPr/>
+      </p:nvGrpSpPr>
+      <p:grpSpPr>
+        <a:xfrm>
+          <a:off x="0" y="0"/>
+          <a:ext cx="0" cy="0"/>
+          <a:chOff x="0" y="0"/>
+          <a:chExt cx="0" cy="0"/>
+        </a:xfrm>
+      </p:grpSpPr>
+      <p:sp>
+        <p:nvSpPr>
+          <p:cNvPr id="2" name="Titolo 1"/>
+          <p:cNvSpPr>
+            <a:spLocks noGrp="1"/>
+          </p:cNvSpPr>
+          <p:nvPr>
+            <p:ph type="title"/>
+          </p:nvPr>
+        </p:nvSpPr>
+        <p:spPr/>
+        <p:txBody>
+          <a:bodyPr/>
+          <a:lstStyle/>
+          <a:p>
+            <a:r>
+              <a:rPr lang="en-GB" dirty="0" err="1">
+                <a:solidFill>
+                  <a:schemeClr val="bg1">
+                    <a:lumMod val="50000"/>
+                  </a:schemeClr>
+                </a:solidFill>
+                <a:latin typeface="+mj-lt"/>
+              </a:rPr>
+              <a:t>Risultati</a:t>
+            </a:r>
+            <a:endParaRPr lang="it-IT" dirty="0">
+              <a:solidFill>
+                <a:schemeClr val="bg1">
+                  <a:lumMod val="50000"/>
+                </a:schemeClr>
+              </a:solidFill>
+              <a:latin typeface="+mj-lt"/>
+            </a:endParaRPr>
+          </a:p>
+        </p:txBody>
+      </p:sp>
+      <p:sp>
+        <p:nvSpPr>
+          <p:cNvPr id="3" name="Segnaposto contenuto 2"/>
+          <p:cNvSpPr>
+            <a:spLocks noGrp="1"/>
+          </p:cNvSpPr>
+          <p:nvPr>
+            <p:ph idx="1"/>
+          </p:nvPr>
+        </p:nvSpPr>
+        <p:spPr>
+          <a:xfrm>
+            <a:off x="457200" y="897217"/>
+            <a:ext cx="8229600" cy="3394472"/>
+          </a:xfrm>
+        </p:spPr>
+        <p:txBody>
+          <a:bodyPr>
+            <a:normAutofit/>
+          </a:bodyPr>
+          <a:lstStyle/>
+          <a:p>
+            <a:pPr marL="0" indent="0" algn="ctr">
+              <a:buNone/>
+            </a:pPr>
+            <a:r>
+              <a:rPr lang="it-IT" sz="2000" dirty="0" err="1"/>
+              <a:t>Anonimizzazione</a:t>
+            </a:r>
+            <a:r>
+              <a:rPr lang="it-IT" sz="2000" dirty="0"/>
+              <a:t> di un grafo da 750 nodi (denso), k da 3 a 100:</a:t>
+            </a:r>
+          </a:p>
+          <a:p>
+            <a:pPr marL="0" indent="0" algn="ctr">
+              <a:buNone/>
+            </a:pPr>
+            <a:r>
+              <a:rPr lang="it-IT" sz="2000" dirty="0"/>
+              <a:t>(hardware: </a:t>
+            </a:r>
+            <a:r>
+              <a:rPr lang="it-IT" sz="2000" dirty="0" err="1"/>
+              <a:t>intel</a:t>
+            </a:r>
+            <a:r>
+              <a:rPr lang="it-IT" sz="2000" dirty="0"/>
+              <a:t> core  ?? , 8GB RAM)</a:t>
+            </a:r>
+          </a:p>
+        </p:txBody>
+      </p:sp>
+      <p:pic>
+        <p:nvPicPr>
+          <p:cNvPr id="7" name="Immagine 6">
+            <a:extLst>
+              <a:ext uri="{FF2B5EF4-FFF2-40B4-BE49-F238E27FC236}">
+                <a16:creationId xmlns:a16="http://schemas.microsoft.com/office/drawing/2014/main" id="{97C3AC0D-C308-DE49-B289-2466A91E9851}"/>
+              </a:ext>
+            </a:extLst>
+          </p:cNvPr>
+          <p:cNvPicPr>
+            <a:picLocks noChangeAspect="1"/>
+          </p:cNvPicPr>
+          <p:nvPr/>
+        </p:nvPicPr>
+        <p:blipFill>
+          <a:blip r:embed="rId2">
+            <a:extLst>
+              <a:ext uri="{28A0092B-C50C-407E-A947-70E740481C1C}">
+                <a14:useLocalDpi xmlns:a14="http://schemas.microsoft.com/office/drawing/2010/main" val="0"/>
+              </a:ext>
+            </a:extLst>
+          </a:blip>
+          <a:stretch>
+            <a:fillRect/>
+          </a:stretch>
+        </p:blipFill>
+        <p:spPr>
+          <a:xfrm>
+            <a:off x="1195273" y="1635646"/>
+            <a:ext cx="6753454" cy="3318330"/>
+          </a:xfrm>
+          <a:prstGeom prst="rect">
+            <a:avLst/>
+          </a:prstGeom>
+        </p:spPr>
+      </p:pic>
+      <p:pic>
+        <p:nvPicPr>
+          <p:cNvPr id="4" name="Immagine 3">
+            <a:extLst>
+              <a:ext uri="{FF2B5EF4-FFF2-40B4-BE49-F238E27FC236}">
+                <a16:creationId xmlns:a16="http://schemas.microsoft.com/office/drawing/2014/main" id="{DA9C3F0C-49E7-A346-B29F-FA5BFC2892B9}"/>
+              </a:ext>
+            </a:extLst>
+          </p:cNvPr>
+          <p:cNvPicPr>
+            <a:picLocks noChangeAspect="1"/>
+          </p:cNvPicPr>
+          <p:nvPr/>
+        </p:nvPicPr>
+        <p:blipFill>
+          <a:blip r:embed="rId3" cstate="print">
+            <a:extLst>
+              <a:ext uri="{28A0092B-C50C-407E-A947-70E740481C1C}">
+                <a14:useLocalDpi xmlns:a14="http://schemas.microsoft.com/office/drawing/2010/main" val="0"/>
+              </a:ext>
+            </a:extLst>
+          </a:blip>
+          <a:stretch>
+            <a:fillRect/>
+          </a:stretch>
+        </p:blipFill>
+        <p:spPr>
+          <a:xfrm>
+            <a:off x="179512" y="4468193"/>
+            <a:ext cx="1114320" cy="572830"/>
+          </a:xfrm>
+          <a:prstGeom prst="rect">
+            <a:avLst/>
+          </a:prstGeom>
+        </p:spPr>
+      </p:pic>
+    </p:spTree>
+    <p:extLst>
+      <p:ext uri="{BB962C8B-B14F-4D97-AF65-F5344CB8AC3E}">
+        <p14:creationId xmlns:p14="http://schemas.microsoft.com/office/powerpoint/2010/main" val="50199982"/>
+      </p:ext>
+    </p:extLst>
+  </p:cSld>
+  <p:clrMapOvr>
+    <a:masterClrMapping/>
+  </p:clrMapOvr>
+</p:sld>
+</file>
+
+<file path=ppt/slides/slide17.xml><?xml version="1.0" encoding="utf-8"?>
+<p:sld xmlns:a="http://schemas.openxmlformats.org/drawingml/2006/main" xmlns:r="http://schemas.openxmlformats.org/officeDocument/2006/relationships" xmlns:p="http://schemas.openxmlformats.org/presentationml/2006/main">
+  <p:cSld>
+    <p:spTree>
+      <p:nvGrpSpPr>
+        <p:cNvPr id="1" name=""/>
+        <p:cNvGrpSpPr/>
+        <p:nvPr/>
+      </p:nvGrpSpPr>
+      <p:grpSpPr>
+        <a:xfrm>
+          <a:off x="0" y="0"/>
+          <a:ext cx="0" cy="0"/>
+          <a:chOff x="0" y="0"/>
+          <a:chExt cx="0" cy="0"/>
+        </a:xfrm>
+      </p:grpSpPr>
+      <p:sp>
+        <p:nvSpPr>
+          <p:cNvPr id="2" name="Titolo 1"/>
+          <p:cNvSpPr>
+            <a:spLocks noGrp="1"/>
+          </p:cNvSpPr>
+          <p:nvPr>
+            <p:ph type="title"/>
+          </p:nvPr>
+        </p:nvSpPr>
+        <p:spPr/>
+        <p:txBody>
+          <a:bodyPr/>
+          <a:lstStyle/>
+          <a:p>
+            <a:r>
+              <a:rPr lang="en-GB" dirty="0" err="1">
+                <a:solidFill>
+                  <a:schemeClr val="bg1">
+                    <a:lumMod val="50000"/>
+                  </a:schemeClr>
+                </a:solidFill>
+                <a:latin typeface="+mj-lt"/>
+              </a:rPr>
+              <a:t>Risultati</a:t>
+            </a:r>
+            <a:endParaRPr lang="it-IT" dirty="0">
+              <a:solidFill>
+                <a:schemeClr val="bg1">
+                  <a:lumMod val="50000"/>
+                </a:schemeClr>
+              </a:solidFill>
+              <a:latin typeface="+mj-lt"/>
+            </a:endParaRPr>
+          </a:p>
+        </p:txBody>
+      </p:sp>
+      <p:sp>
+        <p:nvSpPr>
+          <p:cNvPr id="3" name="Segnaposto contenuto 2"/>
+          <p:cNvSpPr>
+            <a:spLocks noGrp="1"/>
+          </p:cNvSpPr>
+          <p:nvPr>
+            <p:ph idx="1"/>
+          </p:nvPr>
+        </p:nvSpPr>
+        <p:spPr>
+          <a:xfrm>
+            <a:off x="457200" y="897217"/>
+            <a:ext cx="8229600" cy="3394472"/>
+          </a:xfrm>
+        </p:spPr>
+        <p:txBody>
+          <a:bodyPr>
+            <a:normAutofit/>
+          </a:bodyPr>
+          <a:lstStyle/>
+          <a:p>
+            <a:pPr marL="0" indent="0" algn="ctr">
+              <a:buNone/>
+            </a:pPr>
+            <a:r>
+              <a:rPr lang="it-IT" sz="2000" dirty="0" err="1"/>
+              <a:t>Anonimizzazione</a:t>
+            </a:r>
+            <a:r>
+              <a:rPr lang="it-IT" sz="2000" dirty="0"/>
+              <a:t> di un grafo da 1000 nodi, k da 3 a 100:</a:t>
+            </a:r>
+          </a:p>
+          <a:p>
+            <a:pPr marL="0" indent="0" algn="ctr">
+              <a:buNone/>
+            </a:pPr>
+            <a:r>
+              <a:rPr lang="it-IT" sz="2000" dirty="0"/>
+              <a:t>(hardware: </a:t>
+            </a:r>
+            <a:r>
+              <a:rPr lang="it-IT" sz="2000" dirty="0" err="1"/>
+              <a:t>intel</a:t>
+            </a:r>
+            <a:r>
+              <a:rPr lang="it-IT" sz="2000" dirty="0"/>
+              <a:t> core  ?? , 8GB RAM)</a:t>
+            </a:r>
+          </a:p>
+        </p:txBody>
+      </p:sp>
+      <p:pic>
+        <p:nvPicPr>
+          <p:cNvPr id="6" name="Immagine 5">
+            <a:extLst>
+              <a:ext uri="{FF2B5EF4-FFF2-40B4-BE49-F238E27FC236}">
+                <a16:creationId xmlns:a16="http://schemas.microsoft.com/office/drawing/2014/main" id="{21A85A62-F1D3-7E4A-9612-54BAC294F06A}"/>
+              </a:ext>
+            </a:extLst>
+          </p:cNvPr>
+          <p:cNvPicPr>
+            <a:picLocks noChangeAspect="1"/>
+          </p:cNvPicPr>
+          <p:nvPr/>
+        </p:nvPicPr>
+        <p:blipFill>
+          <a:blip r:embed="rId3">
+            <a:extLst>
+              <a:ext uri="{28A0092B-C50C-407E-A947-70E740481C1C}">
+                <a14:useLocalDpi xmlns:a14="http://schemas.microsoft.com/office/drawing/2010/main" val="0"/>
+              </a:ext>
+            </a:extLst>
+          </a:blip>
+          <a:stretch>
+            <a:fillRect/>
+          </a:stretch>
+        </p:blipFill>
+        <p:spPr>
+          <a:xfrm>
+            <a:off x="1117791" y="1646551"/>
+            <a:ext cx="6908417" cy="3394472"/>
+          </a:xfrm>
+          <a:prstGeom prst="rect">
+            <a:avLst/>
+          </a:prstGeom>
+        </p:spPr>
+      </p:pic>
+      <p:pic>
+        <p:nvPicPr>
+          <p:cNvPr id="4" name="Immagine 3">
+            <a:extLst>
+              <a:ext uri="{FF2B5EF4-FFF2-40B4-BE49-F238E27FC236}">
+                <a16:creationId xmlns:a16="http://schemas.microsoft.com/office/drawing/2014/main" id="{DA9C3F0C-49E7-A346-B29F-FA5BFC2892B9}"/>
+              </a:ext>
+            </a:extLst>
+          </p:cNvPr>
+          <p:cNvPicPr>
+            <a:picLocks noChangeAspect="1"/>
+          </p:cNvPicPr>
+          <p:nvPr/>
+        </p:nvPicPr>
+        <p:blipFill>
+          <a:blip r:embed="rId4" cstate="print">
+            <a:extLst>
+              <a:ext uri="{28A0092B-C50C-407E-A947-70E740481C1C}">
+                <a14:useLocalDpi xmlns:a14="http://schemas.microsoft.com/office/drawing/2010/main" val="0"/>
+              </a:ext>
+            </a:extLst>
+          </a:blip>
+          <a:stretch>
+            <a:fillRect/>
+          </a:stretch>
+        </p:blipFill>
+        <p:spPr>
+          <a:xfrm>
+            <a:off x="179512" y="4468193"/>
+            <a:ext cx="1114320" cy="572830"/>
+          </a:xfrm>
+          <a:prstGeom prst="rect">
+            <a:avLst/>
+          </a:prstGeom>
+        </p:spPr>
+      </p:pic>
+    </p:spTree>
+    <p:extLst>
+      <p:ext uri="{BB962C8B-B14F-4D97-AF65-F5344CB8AC3E}">
+        <p14:creationId xmlns:p14="http://schemas.microsoft.com/office/powerpoint/2010/main" val="3504307882"/>
+      </p:ext>
+    </p:extLst>
+  </p:cSld>
+  <p:clrMapOvr>
+    <a:masterClrMapping/>
+  </p:clrMapOvr>
+</p:sld>
+</file>
+
+<file path=ppt/slides/slide18.xml><?xml version="1.0" encoding="utf-8"?>
+<p:sld xmlns:a="http://schemas.openxmlformats.org/drawingml/2006/main" xmlns:r="http://schemas.openxmlformats.org/officeDocument/2006/relationships" xmlns:p="http://schemas.openxmlformats.org/presentationml/2006/main">
+  <p:cSld>
+    <p:spTree>
+      <p:nvGrpSpPr>
+        <p:cNvPr id="1" name=""/>
+        <p:cNvGrpSpPr/>
+        <p:nvPr/>
+      </p:nvGrpSpPr>
+      <p:grpSpPr>
+        <a:xfrm>
+          <a:off x="0" y="0"/>
+          <a:ext cx="0" cy="0"/>
+          <a:chOff x="0" y="0"/>
+          <a:chExt cx="0" cy="0"/>
+        </a:xfrm>
+      </p:grpSpPr>
+      <p:sp>
+        <p:nvSpPr>
+          <p:cNvPr id="2" name="Titolo 1"/>
+          <p:cNvSpPr>
+            <a:spLocks noGrp="1"/>
+          </p:cNvSpPr>
+          <p:nvPr>
+            <p:ph type="title"/>
+          </p:nvPr>
+        </p:nvSpPr>
+        <p:spPr/>
+        <p:txBody>
+          <a:bodyPr/>
+          <a:lstStyle/>
+          <a:p>
+            <a:r>
+              <a:rPr lang="en-GB" dirty="0" err="1">
+                <a:solidFill>
+                  <a:schemeClr val="bg1">
+                    <a:lumMod val="50000"/>
+                  </a:schemeClr>
+                </a:solidFill>
+                <a:latin typeface="+mj-lt"/>
+              </a:rPr>
+              <a:t>Risultati</a:t>
+            </a:r>
+            <a:endParaRPr lang="it-IT" dirty="0">
+              <a:solidFill>
+                <a:schemeClr val="bg1">
+                  <a:lumMod val="50000"/>
+                </a:schemeClr>
+              </a:solidFill>
+              <a:latin typeface="+mj-lt"/>
+            </a:endParaRPr>
+          </a:p>
+        </p:txBody>
+      </p:sp>
+      <p:sp>
+        <p:nvSpPr>
+          <p:cNvPr id="3" name="Segnaposto contenuto 2"/>
+          <p:cNvSpPr>
+            <a:spLocks noGrp="1"/>
+          </p:cNvSpPr>
+          <p:nvPr>
+            <p:ph idx="1"/>
+          </p:nvPr>
+        </p:nvSpPr>
+        <p:spPr>
+          <a:xfrm>
+            <a:off x="457200" y="897217"/>
+            <a:ext cx="8229600" cy="3394472"/>
+          </a:xfrm>
+        </p:spPr>
+        <p:txBody>
+          <a:bodyPr>
+            <a:normAutofit/>
+          </a:bodyPr>
+          <a:lstStyle/>
+          <a:p>
+            <a:pPr marL="0" indent="0" algn="ctr">
+              <a:buNone/>
+            </a:pPr>
+            <a:r>
+              <a:rPr lang="it-IT" sz="2000" dirty="0" err="1"/>
+              <a:t>Anonimizzazione</a:t>
+            </a:r>
+            <a:r>
+              <a:rPr lang="it-IT" sz="2000" dirty="0"/>
+              <a:t> di un grafo da 2000 nodi, k da 3 a 100:</a:t>
+            </a:r>
+          </a:p>
+          <a:p>
+            <a:pPr marL="0" indent="0" algn="ctr">
+              <a:buNone/>
+            </a:pPr>
+            <a:r>
+              <a:rPr lang="it-IT" sz="2000" dirty="0"/>
+              <a:t>(hardware: </a:t>
+            </a:r>
+            <a:r>
+              <a:rPr lang="it-IT" sz="2000" dirty="0" err="1"/>
+              <a:t>intel</a:t>
+            </a:r>
+            <a:r>
+              <a:rPr lang="it-IT" sz="2000" dirty="0"/>
+              <a:t> core  ?? , 8GB RAM)</a:t>
+            </a:r>
+          </a:p>
+        </p:txBody>
+      </p:sp>
+      <p:pic>
+        <p:nvPicPr>
+          <p:cNvPr id="7" name="Immagine 6">
+            <a:extLst>
+              <a:ext uri="{FF2B5EF4-FFF2-40B4-BE49-F238E27FC236}">
+                <a16:creationId xmlns:a16="http://schemas.microsoft.com/office/drawing/2014/main" id="{BFC88322-0986-0F42-B06B-EF278F7D737A}"/>
+              </a:ext>
+            </a:extLst>
+          </p:cNvPr>
+          <p:cNvPicPr>
+            <a:picLocks noChangeAspect="1"/>
+          </p:cNvPicPr>
+          <p:nvPr/>
+        </p:nvPicPr>
+        <p:blipFill>
+          <a:blip r:embed="rId2">
+            <a:extLst>
+              <a:ext uri="{28A0092B-C50C-407E-A947-70E740481C1C}">
+                <a14:useLocalDpi xmlns:a14="http://schemas.microsoft.com/office/drawing/2010/main" val="0"/>
+              </a:ext>
+            </a:extLst>
+          </a:blip>
+          <a:stretch>
+            <a:fillRect/>
+          </a:stretch>
+        </p:blipFill>
+        <p:spPr>
+          <a:xfrm>
+            <a:off x="1117791" y="1646551"/>
+            <a:ext cx="6908417" cy="3394472"/>
+          </a:xfrm>
+          <a:prstGeom prst="rect">
+            <a:avLst/>
+          </a:prstGeom>
+        </p:spPr>
+      </p:pic>
+      <p:pic>
+        <p:nvPicPr>
+          <p:cNvPr id="4" name="Immagine 3">
+            <a:extLst>
+              <a:ext uri="{FF2B5EF4-FFF2-40B4-BE49-F238E27FC236}">
+                <a16:creationId xmlns:a16="http://schemas.microsoft.com/office/drawing/2014/main" id="{DA9C3F0C-49E7-A346-B29F-FA5BFC2892B9}"/>
+              </a:ext>
+            </a:extLst>
+          </p:cNvPr>
+          <p:cNvPicPr>
+            <a:picLocks noChangeAspect="1"/>
+          </p:cNvPicPr>
+          <p:nvPr/>
+        </p:nvPicPr>
+        <p:blipFill>
+          <a:blip r:embed="rId3" cstate="print">
+            <a:extLst>
+              <a:ext uri="{28A0092B-C50C-407E-A947-70E740481C1C}">
+                <a14:useLocalDpi xmlns:a14="http://schemas.microsoft.com/office/drawing/2010/main" val="0"/>
+              </a:ext>
+            </a:extLst>
+          </a:blip>
+          <a:stretch>
+            <a:fillRect/>
+          </a:stretch>
+        </p:blipFill>
+        <p:spPr>
+          <a:xfrm>
+            <a:off x="179512" y="4468193"/>
+            <a:ext cx="1114320" cy="572830"/>
+          </a:xfrm>
+          <a:prstGeom prst="rect">
+            <a:avLst/>
+          </a:prstGeom>
+        </p:spPr>
+      </p:pic>
+    </p:spTree>
+    <p:extLst>
+      <p:ext uri="{BB962C8B-B14F-4D97-AF65-F5344CB8AC3E}">
+        <p14:creationId xmlns:p14="http://schemas.microsoft.com/office/powerpoint/2010/main" val="437022754"/>
+      </p:ext>
+    </p:extLst>
+  </p:cSld>
+  <p:clrMapOvr>
+    <a:masterClrMapping/>
+  </p:clrMapOvr>
+</p:sld>
+</file>
+
+<file path=ppt/slides/slide19.xml><?xml version="1.0" encoding="utf-8"?>
+<p:sld xmlns:a="http://schemas.openxmlformats.org/drawingml/2006/main" xmlns:r="http://schemas.openxmlformats.org/officeDocument/2006/relationships" xmlns:p="http://schemas.openxmlformats.org/presentationml/2006/main">
+  <p:cSld>
+    <p:spTree>
+      <p:nvGrpSpPr>
+        <p:cNvPr id="1" name=""/>
+        <p:cNvGrpSpPr/>
+        <p:nvPr/>
+      </p:nvGrpSpPr>
+      <p:grpSpPr>
+        <a:xfrm>
+          <a:off x="0" y="0"/>
+          <a:ext cx="0" cy="0"/>
+          <a:chOff x="0" y="0"/>
+          <a:chExt cx="0" cy="0"/>
+        </a:xfrm>
+      </p:grpSpPr>
+      <p:sp>
+        <p:nvSpPr>
+          <p:cNvPr id="2" name="Titolo 1"/>
+          <p:cNvSpPr>
+            <a:spLocks noGrp="1"/>
+          </p:cNvSpPr>
+          <p:nvPr>
+            <p:ph type="title"/>
+          </p:nvPr>
+        </p:nvSpPr>
+        <p:spPr/>
+        <p:txBody>
+          <a:bodyPr/>
+          <a:lstStyle/>
+          <a:p>
+            <a:r>
+              <a:rPr lang="en-GB" dirty="0" err="1">
+                <a:solidFill>
+                  <a:schemeClr val="bg1">
+                    <a:lumMod val="50000"/>
+                  </a:schemeClr>
+                </a:solidFill>
+                <a:latin typeface="+mj-lt"/>
+              </a:rPr>
+              <a:t>Conclusioni</a:t>
+            </a:r>
+            <a:endParaRPr lang="it-IT" dirty="0">
+              <a:solidFill>
+                <a:schemeClr val="bg1">
+                  <a:lumMod val="50000"/>
+                </a:schemeClr>
+              </a:solidFill>
+              <a:latin typeface="+mj-lt"/>
+            </a:endParaRPr>
+          </a:p>
+        </p:txBody>
+      </p:sp>
+      <p:sp>
+        <p:nvSpPr>
+          <p:cNvPr id="3" name="Segnaposto contenuto 2"/>
+          <p:cNvSpPr>
+            <a:spLocks noGrp="1"/>
+          </p:cNvSpPr>
+          <p:nvPr>
+            <p:ph idx="1"/>
+          </p:nvPr>
+        </p:nvSpPr>
+        <p:spPr/>
+        <p:txBody>
+          <a:bodyPr>
+            <a:normAutofit fontScale="85000" lnSpcReduction="20000"/>
+          </a:bodyPr>
+          <a:lstStyle/>
+          <a:p>
+            <a:pPr marL="0" indent="0" algn="ctr">
+              <a:buNone/>
+            </a:pPr>
+            <a:r>
+              <a:rPr lang="it-IT" dirty="0"/>
+              <a:t>Analizzando i risultati prodotti dagli script si evince che a livello computazionale il carico comportato  dall’esecuzione dell’algoritmo di </a:t>
+            </a:r>
+            <a:r>
+              <a:rPr lang="it-IT" dirty="0" err="1"/>
+              <a:t>anonimizzazione</a:t>
+            </a:r>
+            <a:r>
+              <a:rPr lang="it-IT" dirty="0"/>
+              <a:t>  DP risulta nettamente superiore rispetto alla computazione prodotta tramite l’algoritmo </a:t>
+            </a:r>
+            <a:r>
+              <a:rPr lang="it-IT" dirty="0" err="1"/>
+              <a:t>greedy</a:t>
+            </a:r>
+            <a:r>
+              <a:rPr lang="it-IT" dirty="0"/>
+              <a:t>,        indipendentemente dalla tecnica di costruzione del grafo scelto. Per quanto riguarda i costi ottenuti, i risultati avvalorano la tesi esposta nel </a:t>
+            </a:r>
+            <a:r>
+              <a:rPr lang="it-IT" dirty="0" err="1"/>
+              <a:t>paper</a:t>
+            </a:r>
+            <a:r>
+              <a:rPr lang="it-IT" dirty="0"/>
+              <a:t>,        evidenziando il fatto che l’algoritmo DP produce in ogni caso soluzioni migliori.</a:t>
+            </a:r>
+          </a:p>
+          <a:p>
+            <a:pPr marL="0" indent="0" algn="ctr">
+              <a:buNone/>
+            </a:pPr>
+            <a:endParaRPr lang="it-IT" sz="2400" dirty="0"/>
           </a:p>
         </p:txBody>
       </p:sp>
@@ -4658,6 +5848,547 @@
     <p:extLst>
       <p:ext uri="{BB962C8B-B14F-4D97-AF65-F5344CB8AC3E}">
         <p14:creationId xmlns:p14="http://schemas.microsoft.com/office/powerpoint/2010/main" val="3360031116"/>
+      </p:ext>
+    </p:extLst>
+  </p:cSld>
+  <p:clrMapOvr>
+    <a:masterClrMapping/>
+  </p:clrMapOvr>
+</p:sld>
+</file>
+
+<file path=ppt/slides/slide20.xml><?xml version="1.0" encoding="utf-8"?>
+<p:sld xmlns:a="http://schemas.openxmlformats.org/drawingml/2006/main" xmlns:r="http://schemas.openxmlformats.org/officeDocument/2006/relationships" xmlns:p="http://schemas.openxmlformats.org/presentationml/2006/main">
+  <p:cSld>
+    <p:spTree>
+      <p:nvGrpSpPr>
+        <p:cNvPr id="1" name=""/>
+        <p:cNvGrpSpPr/>
+        <p:nvPr/>
+      </p:nvGrpSpPr>
+      <p:grpSpPr>
+        <a:xfrm>
+          <a:off x="0" y="0"/>
+          <a:ext cx="0" cy="0"/>
+          <a:chOff x="0" y="0"/>
+          <a:chExt cx="0" cy="0"/>
+        </a:xfrm>
+      </p:grpSpPr>
+      <p:sp>
+        <p:nvSpPr>
+          <p:cNvPr id="2" name="Titolo 1"/>
+          <p:cNvSpPr>
+            <a:spLocks noGrp="1"/>
+          </p:cNvSpPr>
+          <p:nvPr>
+            <p:ph type="title"/>
+          </p:nvPr>
+        </p:nvSpPr>
+        <p:spPr/>
+        <p:txBody>
+          <a:bodyPr/>
+          <a:lstStyle/>
+          <a:p>
+            <a:r>
+              <a:rPr lang="en-GB" dirty="0" err="1">
+                <a:solidFill>
+                  <a:schemeClr val="bg1">
+                    <a:lumMod val="50000"/>
+                  </a:schemeClr>
+                </a:solidFill>
+                <a:latin typeface="+mj-lt"/>
+              </a:rPr>
+              <a:t>Conclusioni</a:t>
+            </a:r>
+            <a:endParaRPr lang="it-IT" dirty="0">
+              <a:solidFill>
+                <a:schemeClr val="bg1">
+                  <a:lumMod val="50000"/>
+                </a:schemeClr>
+              </a:solidFill>
+              <a:latin typeface="+mj-lt"/>
+            </a:endParaRPr>
+          </a:p>
+        </p:txBody>
+      </p:sp>
+      <p:sp>
+        <p:nvSpPr>
+          <p:cNvPr id="3" name="Segnaposto contenuto 2"/>
+          <p:cNvSpPr>
+            <a:spLocks noGrp="1"/>
+          </p:cNvSpPr>
+          <p:nvPr>
+            <p:ph idx="1"/>
+          </p:nvPr>
+        </p:nvSpPr>
+        <p:spPr/>
+        <p:txBody>
+          <a:bodyPr>
+            <a:normAutofit/>
+          </a:bodyPr>
+          <a:lstStyle/>
+          <a:p>
+            <a:pPr marL="0" indent="0" algn="ctr">
+              <a:buNone/>
+            </a:pPr>
+            <a:r>
+              <a:rPr lang="it-IT" sz="2400" dirty="0"/>
+              <a:t>Tuttavia va tenuto conto del </a:t>
+            </a:r>
+            <a:r>
+              <a:rPr lang="it-IT" sz="2400" dirty="0" err="1"/>
+              <a:t>trade</a:t>
+            </a:r>
+            <a:r>
+              <a:rPr lang="it-IT" sz="2400" dirty="0"/>
+              <a:t>-off tra tempi di         esecuzione e reale risparmio in termini di costi: su istanze di dimensione superiori al migliaio di nodi la differenza  di costo per lo stesso data set anonimizzato con lo        stesso parametro k varia nell’ordine di un migliaio mentre invece le differenze nei tempi di produzione del grafo    anonimizzato incrementa fino a raddoppiare nella media i tempi</a:t>
+            </a:r>
+          </a:p>
+        </p:txBody>
+      </p:sp>
+      <p:pic>
+        <p:nvPicPr>
+          <p:cNvPr id="4" name="Immagine 3"/>
+          <p:cNvPicPr>
+            <a:picLocks noChangeAspect="1"/>
+          </p:cNvPicPr>
+          <p:nvPr/>
+        </p:nvPicPr>
+        <p:blipFill>
+          <a:blip r:embed="rId2" cstate="print">
+            <a:extLst>
+              <a:ext uri="{28A0092B-C50C-407E-A947-70E740481C1C}">
+                <a14:useLocalDpi xmlns:a14="http://schemas.microsoft.com/office/drawing/2010/main" val="0"/>
+              </a:ext>
+            </a:extLst>
+          </a:blip>
+          <a:stretch>
+            <a:fillRect/>
+          </a:stretch>
+        </p:blipFill>
+        <p:spPr>
+          <a:xfrm>
+            <a:off x="179512" y="4468193"/>
+            <a:ext cx="1114320" cy="572830"/>
+          </a:xfrm>
+          <a:prstGeom prst="rect">
+            <a:avLst/>
+          </a:prstGeom>
+        </p:spPr>
+      </p:pic>
+    </p:spTree>
+    <p:extLst>
+      <p:ext uri="{BB962C8B-B14F-4D97-AF65-F5344CB8AC3E}">
+        <p14:creationId xmlns:p14="http://schemas.microsoft.com/office/powerpoint/2010/main" val="4029363221"/>
+      </p:ext>
+    </p:extLst>
+  </p:cSld>
+  <p:clrMapOvr>
+    <a:masterClrMapping/>
+  </p:clrMapOvr>
+</p:sld>
+</file>
+
+<file path=ppt/slides/slide21.xml><?xml version="1.0" encoding="utf-8"?>
+<p:sld xmlns:a="http://schemas.openxmlformats.org/drawingml/2006/main" xmlns:r="http://schemas.openxmlformats.org/officeDocument/2006/relationships" xmlns:p="http://schemas.openxmlformats.org/presentationml/2006/main">
+  <p:cSld>
+    <p:spTree>
+      <p:nvGrpSpPr>
+        <p:cNvPr id="1" name=""/>
+        <p:cNvGrpSpPr/>
+        <p:nvPr/>
+      </p:nvGrpSpPr>
+      <p:grpSpPr>
+        <a:xfrm>
+          <a:off x="0" y="0"/>
+          <a:ext cx="0" cy="0"/>
+          <a:chOff x="0" y="0"/>
+          <a:chExt cx="0" cy="0"/>
+        </a:xfrm>
+      </p:grpSpPr>
+      <p:sp>
+        <p:nvSpPr>
+          <p:cNvPr id="2" name="Titolo 1"/>
+          <p:cNvSpPr>
+            <a:spLocks noGrp="1"/>
+          </p:cNvSpPr>
+          <p:nvPr>
+            <p:ph type="title"/>
+          </p:nvPr>
+        </p:nvSpPr>
+        <p:spPr/>
+        <p:txBody>
+          <a:bodyPr/>
+          <a:lstStyle/>
+          <a:p>
+            <a:r>
+              <a:rPr lang="en-GB" dirty="0" err="1">
+                <a:solidFill>
+                  <a:schemeClr val="bg1">
+                    <a:lumMod val="50000"/>
+                  </a:schemeClr>
+                </a:solidFill>
+                <a:latin typeface="+mj-lt"/>
+              </a:rPr>
+              <a:t>Conclusioni</a:t>
+            </a:r>
+            <a:endParaRPr lang="it-IT" dirty="0">
+              <a:solidFill>
+                <a:schemeClr val="bg1">
+                  <a:lumMod val="50000"/>
+                </a:schemeClr>
+              </a:solidFill>
+              <a:latin typeface="+mj-lt"/>
+            </a:endParaRPr>
+          </a:p>
+        </p:txBody>
+      </p:sp>
+      <p:sp>
+        <p:nvSpPr>
+          <p:cNvPr id="3" name="Segnaposto contenuto 2"/>
+          <p:cNvSpPr>
+            <a:spLocks noGrp="1"/>
+          </p:cNvSpPr>
+          <p:nvPr>
+            <p:ph idx="1"/>
+          </p:nvPr>
+        </p:nvSpPr>
+        <p:spPr/>
+        <p:txBody>
+          <a:bodyPr>
+            <a:normAutofit fontScale="77500" lnSpcReduction="20000"/>
+          </a:bodyPr>
+          <a:lstStyle/>
+          <a:p>
+            <a:pPr marL="0" indent="0" algn="ctr">
+              <a:buNone/>
+            </a:pPr>
+            <a:r>
+              <a:rPr lang="it-IT" dirty="0"/>
+              <a:t>Inoltre possiamo concludere che l’algoritmo di           costruzione del grafo anonimizzato </a:t>
+            </a:r>
+            <a:r>
+              <a:rPr lang="it-IT" i="1" dirty="0" err="1"/>
+              <a:t>construct</a:t>
+            </a:r>
+            <a:r>
+              <a:rPr lang="it-IT" i="1" dirty="0"/>
+              <a:t> </a:t>
+            </a:r>
+            <a:r>
+              <a:rPr lang="it-IT" dirty="0"/>
+              <a:t>produce un a soluzione in tempi molto ristretti, tuttavia non mantiene coerenza col grafo originale introducendo        molto rumore e rendendo la soluzione poco utile ad   analisi successive.</a:t>
+            </a:r>
+          </a:p>
+          <a:p>
+            <a:pPr marL="0" indent="0" algn="ctr">
+              <a:buNone/>
+            </a:pPr>
+            <a:r>
+              <a:rPr lang="it-IT" dirty="0"/>
+              <a:t>Per contro, l’algoritmo </a:t>
+            </a:r>
+            <a:r>
+              <a:rPr lang="it-IT" i="1" dirty="0" err="1"/>
+              <a:t>priority</a:t>
+            </a:r>
+            <a:r>
+              <a:rPr lang="it-IT" i="1" dirty="0"/>
+              <a:t> </a:t>
+            </a:r>
+            <a:r>
+              <a:rPr lang="it-IT" dirty="0"/>
+              <a:t>mantiene coerenza col  grafo originale al prezzo di un onere computazionale  decisamente più alto, crescente con la dimensione     dell’istanza.</a:t>
+            </a:r>
+          </a:p>
+          <a:p>
+            <a:pPr marL="0" indent="0" algn="ctr">
+              <a:buNone/>
+            </a:pPr>
+            <a:endParaRPr lang="it-IT" sz="2400" dirty="0"/>
+          </a:p>
+        </p:txBody>
+      </p:sp>
+      <p:pic>
+        <p:nvPicPr>
+          <p:cNvPr id="4" name="Immagine 3"/>
+          <p:cNvPicPr>
+            <a:picLocks noChangeAspect="1"/>
+          </p:cNvPicPr>
+          <p:nvPr/>
+        </p:nvPicPr>
+        <p:blipFill>
+          <a:blip r:embed="rId2" cstate="print">
+            <a:extLst>
+              <a:ext uri="{28A0092B-C50C-407E-A947-70E740481C1C}">
+                <a14:useLocalDpi xmlns:a14="http://schemas.microsoft.com/office/drawing/2010/main" val="0"/>
+              </a:ext>
+            </a:extLst>
+          </a:blip>
+          <a:stretch>
+            <a:fillRect/>
+          </a:stretch>
+        </p:blipFill>
+        <p:spPr>
+          <a:xfrm>
+            <a:off x="179512" y="4468193"/>
+            <a:ext cx="1114320" cy="572830"/>
+          </a:xfrm>
+          <a:prstGeom prst="rect">
+            <a:avLst/>
+          </a:prstGeom>
+        </p:spPr>
+      </p:pic>
+    </p:spTree>
+    <p:extLst>
+      <p:ext uri="{BB962C8B-B14F-4D97-AF65-F5344CB8AC3E}">
+        <p14:creationId xmlns:p14="http://schemas.microsoft.com/office/powerpoint/2010/main" val="166427471"/>
+      </p:ext>
+    </p:extLst>
+  </p:cSld>
+  <p:clrMapOvr>
+    <a:masterClrMapping/>
+  </p:clrMapOvr>
+</p:sld>
+</file>
+
+<file path=ppt/slides/slide22.xml><?xml version="1.0" encoding="utf-8"?>
+<p:sld xmlns:a="http://schemas.openxmlformats.org/drawingml/2006/main" xmlns:r="http://schemas.openxmlformats.org/officeDocument/2006/relationships" xmlns:p="http://schemas.openxmlformats.org/presentationml/2006/main">
+  <p:cSld>
+    <p:spTree>
+      <p:nvGrpSpPr>
+        <p:cNvPr id="1" name=""/>
+        <p:cNvGrpSpPr/>
+        <p:nvPr/>
+      </p:nvGrpSpPr>
+      <p:grpSpPr>
+        <a:xfrm>
+          <a:off x="0" y="0"/>
+          <a:ext cx="0" cy="0"/>
+          <a:chOff x="0" y="0"/>
+          <a:chExt cx="0" cy="0"/>
+        </a:xfrm>
+      </p:grpSpPr>
+      <p:sp>
+        <p:nvSpPr>
+          <p:cNvPr id="2" name="Titolo 1"/>
+          <p:cNvSpPr>
+            <a:spLocks noGrp="1"/>
+          </p:cNvSpPr>
+          <p:nvPr>
+            <p:ph type="title"/>
+          </p:nvPr>
+        </p:nvSpPr>
+        <p:spPr/>
+        <p:txBody>
+          <a:bodyPr/>
+          <a:lstStyle/>
+          <a:p>
+            <a:r>
+              <a:rPr lang="en-GB" dirty="0" err="1">
+                <a:solidFill>
+                  <a:schemeClr val="bg1">
+                    <a:lumMod val="50000"/>
+                  </a:schemeClr>
+                </a:solidFill>
+                <a:latin typeface="+mj-lt"/>
+              </a:rPr>
+              <a:t>Conclusioni</a:t>
+            </a:r>
+            <a:endParaRPr lang="it-IT" dirty="0">
+              <a:solidFill>
+                <a:schemeClr val="bg1">
+                  <a:lumMod val="50000"/>
+                </a:schemeClr>
+              </a:solidFill>
+              <a:latin typeface="+mj-lt"/>
+            </a:endParaRPr>
+          </a:p>
+        </p:txBody>
+      </p:sp>
+      <p:sp>
+        <p:nvSpPr>
+          <p:cNvPr id="3" name="Segnaposto contenuto 2"/>
+          <p:cNvSpPr>
+            <a:spLocks noGrp="1"/>
+          </p:cNvSpPr>
+          <p:nvPr>
+            <p:ph idx="1"/>
+          </p:nvPr>
+        </p:nvSpPr>
+        <p:spPr/>
+        <p:txBody>
+          <a:bodyPr>
+            <a:normAutofit fontScale="47500" lnSpcReduction="20000"/>
+          </a:bodyPr>
+          <a:lstStyle/>
+          <a:p>
+            <a:pPr marL="0" indent="0" algn="ctr">
+              <a:buNone/>
+            </a:pPr>
+            <a:r>
+              <a:rPr lang="it-IT" dirty="0"/>
+              <a:t>In conclusione l’algoritmo migliore dipende dalle necessità di chi deve manipolare             successivamente il grafo anonimizzato:</a:t>
+            </a:r>
+          </a:p>
+          <a:p>
+            <a:pPr lvl="0" algn="just"/>
+            <a:r>
+              <a:rPr lang="it-IT" dirty="0"/>
+              <a:t>Nel caso di frequenti analisi su data set estesi è consigliabile l’utilizzo di una               combinazione </a:t>
+            </a:r>
+            <a:r>
+              <a:rPr lang="it-IT" b="1" dirty="0"/>
+              <a:t>DP – </a:t>
+            </a:r>
+            <a:r>
+              <a:rPr lang="it-IT" b="1" dirty="0" err="1"/>
+              <a:t>Construct</a:t>
+            </a:r>
+            <a:r>
+              <a:rPr lang="it-IT" b="1" dirty="0"/>
+              <a:t> </a:t>
+            </a:r>
+            <a:r>
+              <a:rPr lang="it-IT" dirty="0"/>
+              <a:t>per non incombere in tempi computazionali troppo        elevati mantenendo un costo di </a:t>
+            </a:r>
+            <a:r>
+              <a:rPr lang="it-IT" dirty="0" err="1"/>
+              <a:t>anonimizzazione</a:t>
+            </a:r>
+            <a:r>
+              <a:rPr lang="it-IT" dirty="0"/>
+              <a:t> ottimo</a:t>
+            </a:r>
+          </a:p>
+          <a:p>
+            <a:pPr lvl="0" algn="just"/>
+            <a:r>
+              <a:rPr lang="it-IT" dirty="0"/>
+              <a:t>Nel caso di dati molto affidabili e coerenti con il grafo di provenienza, la scelta            consigliata dai dati ottenuti risulta essere l’utilizzo della combinazione </a:t>
+            </a:r>
+            <a:r>
+              <a:rPr lang="it-IT" b="1" dirty="0" err="1"/>
+              <a:t>Greedy</a:t>
+            </a:r>
+            <a:r>
+              <a:rPr lang="it-IT" b="1" dirty="0"/>
+              <a:t> – </a:t>
+            </a:r>
+            <a:r>
+              <a:rPr lang="it-IT" b="1" dirty="0" err="1"/>
+              <a:t>Priority</a:t>
+            </a:r>
+            <a:r>
+              <a:rPr lang="it-IT" b="1" dirty="0"/>
+              <a:t> </a:t>
+            </a:r>
+            <a:r>
+              <a:rPr lang="it-IT" dirty="0"/>
+              <a:t>che conferisce tempi medi di esecuzione leggermente più alti di quelli ottenuti con il    caso precedente, introducendo però la coerenza dei dati.</a:t>
+            </a:r>
+          </a:p>
+          <a:p>
+            <a:pPr lvl="0" algn="just"/>
+            <a:r>
+              <a:rPr lang="it-IT" dirty="0"/>
+              <a:t>Per </a:t>
+            </a:r>
+            <a:r>
+              <a:rPr lang="it-IT" dirty="0" err="1"/>
+              <a:t>anonimizzazioni</a:t>
+            </a:r>
+            <a:r>
+              <a:rPr lang="it-IT" dirty="0"/>
+              <a:t> rapide su data set molto estesi (utile ad esempio per un web        service) la soluzione migliore risulta essere la combinazione </a:t>
+            </a:r>
+            <a:r>
+              <a:rPr lang="it-IT" b="1" dirty="0" err="1"/>
+              <a:t>Greedy</a:t>
+            </a:r>
+            <a:r>
+              <a:rPr lang="it-IT" b="1" dirty="0"/>
+              <a:t> – </a:t>
+            </a:r>
+            <a:r>
+              <a:rPr lang="it-IT" b="1" dirty="0" err="1"/>
+              <a:t>Construct</a:t>
+            </a:r>
+            <a:r>
+              <a:rPr lang="it-IT" dirty="0"/>
+              <a:t>.</a:t>
+            </a:r>
+          </a:p>
+          <a:p>
+            <a:pPr lvl="0" algn="just"/>
+            <a:r>
+              <a:rPr lang="it-IT" dirty="0"/>
+              <a:t>Per la massima precisione e coerenza dei dati è necessario utilizzare </a:t>
+            </a:r>
+            <a:r>
+              <a:rPr lang="it-IT" b="1" dirty="0"/>
+              <a:t>DP – </a:t>
+            </a:r>
+            <a:r>
+              <a:rPr lang="it-IT" b="1" dirty="0" err="1"/>
+              <a:t>Priority</a:t>
+            </a:r>
+            <a:r>
+              <a:rPr lang="it-IT" b="1" dirty="0"/>
+              <a:t> </a:t>
+            </a:r>
+            <a:r>
+              <a:rPr lang="it-IT"/>
+              <a:t>al     costo </a:t>
+            </a:r>
+            <a:r>
+              <a:rPr lang="it-IT" dirty="0"/>
+              <a:t>di tempi di esecuzione molto elevati su istanze anche non estremamente estese.</a:t>
+            </a:r>
+          </a:p>
+          <a:p>
+            <a:pPr marL="0" indent="0" algn="ctr">
+              <a:buNone/>
+            </a:pPr>
+            <a:endParaRPr lang="it-IT" sz="2400" dirty="0"/>
+          </a:p>
+        </p:txBody>
+      </p:sp>
+      <p:pic>
+        <p:nvPicPr>
+          <p:cNvPr id="4" name="Immagine 3"/>
+          <p:cNvPicPr>
+            <a:picLocks noChangeAspect="1"/>
+          </p:cNvPicPr>
+          <p:nvPr/>
+        </p:nvPicPr>
+        <p:blipFill>
+          <a:blip r:embed="rId2" cstate="print">
+            <a:extLst>
+              <a:ext uri="{28A0092B-C50C-407E-A947-70E740481C1C}">
+                <a14:useLocalDpi xmlns:a14="http://schemas.microsoft.com/office/drawing/2010/main" val="0"/>
+              </a:ext>
+            </a:extLst>
+          </a:blip>
+          <a:stretch>
+            <a:fillRect/>
+          </a:stretch>
+        </p:blipFill>
+        <p:spPr>
+          <a:xfrm>
+            <a:off x="179512" y="4468193"/>
+            <a:ext cx="1114320" cy="572830"/>
+          </a:xfrm>
+          <a:prstGeom prst="rect">
+            <a:avLst/>
+          </a:prstGeom>
+        </p:spPr>
+      </p:pic>
+    </p:spTree>
+    <p:extLst>
+      <p:ext uri="{BB962C8B-B14F-4D97-AF65-F5344CB8AC3E}">
+        <p14:creationId xmlns:p14="http://schemas.microsoft.com/office/powerpoint/2010/main" val="3982457809"/>
       </p:ext>
     </p:extLst>
   </p:cSld>

--- a/Presentation/Towards_Identity_Anonymization_on_graph(K-degree anonymization).pptx
+++ b/Presentation/Towards_Identity_Anonymization_on_graph(K-degree anonymization).pptx
@@ -4282,7 +4282,7 @@
             </a:r>
             <a:r>
               <a:rPr lang="it-IT" sz="2400" dirty="0"/>
-              <a:t> che in maniera automatica anonimizza il grafo    sulle diverse istanze con valori di K crescenti utilizzando  le 4 combinazioni possibili delle tecniche proposte in precedenza, e presentando i risultati (a livello di costo         e tempo) in maniera grafica, che presentiamo di seguito:</a:t>
+              <a:t> che in maniera automatica anonimizza il grafo    sulle diverse istanze con valori di K crescenti utilizzando  le 4 combinazioni possibili delle tecniche proposte in     precedenza, e presentando i risultati (a livello di costo         e tempo) in maniera grafica, che presentiamo di seguito:</a:t>
             </a:r>
           </a:p>
           <a:p>

--- a/Presentation/Towards_Identity_Anonymization_on_graph(K-degree anonymization).pptx
+++ b/Presentation/Towards_Identity_Anonymization_on_graph(K-degree anonymization).pptx
@@ -5716,7 +5716,7 @@
           </a:bodyPr>
           <a:lstStyle/>
           <a:p>
-            <a:pPr marL="0" indent="0">
+            <a:pPr marL="0" indent="0" algn="ctr">
               <a:buNone/>
             </a:pPr>
             <a:r>
@@ -5766,7 +5766,7 @@
             </a:endParaRPr>
           </a:p>
           <a:p>
-            <a:pPr marL="0" indent="0">
+            <a:pPr marL="0" indent="0" algn="ctr">
               <a:buNone/>
             </a:pPr>
             <a:r>
@@ -5803,7 +5803,7 @@
             </a:r>
           </a:p>
           <a:p>
-            <a:pPr marL="0" indent="0">
+            <a:pPr marL="0" indent="0" algn="ctr">
               <a:buNone/>
             </a:pPr>
             <a:r>
@@ -6633,7 +6633,7 @@
             </a:lvl9pPr>
           </a:lstStyle>
           <a:p>
-            <a:pPr marL="0" indent="0" algn="just">
+            <a:pPr marL="0" indent="0" algn="ctr">
               <a:buFont typeface="Arial" pitchFamily="34" charset="0"/>
               <a:buNone/>
             </a:pPr>
@@ -7647,7 +7647,7 @@
             </a:lvl9pPr>
           </a:lstStyle>
           <a:p>
-            <a:pPr marL="0" indent="0" algn="just">
+            <a:pPr marL="0" indent="0" algn="ctr">
               <a:buFont typeface="Arial" pitchFamily="34" charset="0"/>
               <a:buNone/>
             </a:pPr>
@@ -8663,7 +8663,7 @@
             </a:pPr>
             <a:r>
               <a:rPr lang="it-IT" dirty="0"/>
-              <a:t>algoritmi</a:t>
+              <a:t>algoritmi implementati in Java</a:t>
             </a:r>
           </a:p>
         </p:txBody>
@@ -8842,8 +8842,8 @@
         </p:nvSpPr>
         <p:spPr>
           <a:xfrm>
-            <a:off x="179512" y="1350873"/>
-            <a:ext cx="8640960" cy="3476487"/>
+            <a:off x="179512" y="1059582"/>
+            <a:ext cx="8640960" cy="3767778"/>
           </a:xfrm>
           <a:prstGeom prst="rect">
             <a:avLst/>

--- a/Presentation/Towards_Identity_Anonymization_on_graph(K-degree anonymization).pptx
+++ b/Presentation/Towards_Identity_Anonymization_on_graph(K-degree anonymization).pptx
@@ -5212,7 +5212,7 @@
             </a:r>
             <a:r>
               <a:rPr lang="it-IT" sz="2000" dirty="0"/>
-              <a:t> core  ?? , 8GB RAM)</a:t>
+              <a:t> core i7 2,40GHz , 8GB RAM)</a:t>
             </a:r>
           </a:p>
         </p:txBody>
@@ -5404,7 +5404,7 @@
             </a:r>
             <a:r>
               <a:rPr lang="it-IT" sz="2000" dirty="0"/>
-              <a:t> core  ?? , 8GB RAM)</a:t>
+              <a:t> core i7 2,40GHz , 8GB RAM)</a:t>
             </a:r>
           </a:p>
         </p:txBody>

--- a/Presentation/Towards_Identity_Anonymization_on_graph(K-degree anonymization).pptx
+++ b/Presentation/Towards_Identity_Anonymization_on_graph(K-degree anonymization).pptx
@@ -229,7 +229,7 @@
           <a:p>
             <a:fld id="{A55BA7C1-22AE-0645-AD7C-34C9095A0266}" type="datetimeFigureOut">
               <a:rPr lang="it-IT" smtClean="0"/>
-              <a:t>07/03/19</a:t>
+              <a:t>08/03/2019</a:t>
             </a:fld>
             <a:endParaRPr lang="it-IT"/>
           </a:p>
@@ -792,7 +792,7 @@
           <a:p>
             <a:fld id="{DF8C5CDB-1AEF-4522-8EAF-CE1F4E5D863E}" type="datetimeFigureOut">
               <a:rPr lang="ko-KR" altLang="en-US" smtClean="0"/>
-              <a:t>2019. 3. 7.</a:t>
+              <a:t>2019-03-08</a:t>
             </a:fld>
             <a:endParaRPr lang="ko-KR" altLang="en-US"/>
           </a:p>
@@ -972,7 +972,7 @@
           <a:p>
             <a:fld id="{DF8C5CDB-1AEF-4522-8EAF-CE1F4E5D863E}" type="datetimeFigureOut">
               <a:rPr lang="ko-KR" altLang="en-US" smtClean="0"/>
-              <a:t>2019. 3. 7.</a:t>
+              <a:t>2019-03-08</a:t>
             </a:fld>
             <a:endParaRPr lang="ko-KR" altLang="en-US"/>
           </a:p>
@@ -1151,7 +1151,7 @@
           <a:p>
             <a:fld id="{DF8C5CDB-1AEF-4522-8EAF-CE1F4E5D863E}" type="datetimeFigureOut">
               <a:rPr lang="ko-KR" altLang="en-US" smtClean="0"/>
-              <a:t>2019. 3. 7.</a:t>
+              <a:t>2019-03-08</a:t>
             </a:fld>
             <a:endParaRPr lang="ko-KR" altLang="en-US"/>
           </a:p>
@@ -1397,7 +1397,7 @@
           <a:p>
             <a:fld id="{DF8C5CDB-1AEF-4522-8EAF-CE1F4E5D863E}" type="datetimeFigureOut">
               <a:rPr lang="ko-KR" altLang="en-US" smtClean="0"/>
-              <a:t>2019. 3. 7.</a:t>
+              <a:t>2019-03-08</a:t>
             </a:fld>
             <a:endParaRPr lang="ko-KR" altLang="en-US"/>
           </a:p>
@@ -1685,7 +1685,7 @@
           <a:p>
             <a:fld id="{DF8C5CDB-1AEF-4522-8EAF-CE1F4E5D863E}" type="datetimeFigureOut">
               <a:rPr lang="ko-KR" altLang="en-US" smtClean="0"/>
-              <a:t>2019. 3. 7.</a:t>
+              <a:t>2019-03-08</a:t>
             </a:fld>
             <a:endParaRPr lang="ko-KR" altLang="en-US"/>
           </a:p>
@@ -2112,7 +2112,7 @@
           <a:p>
             <a:fld id="{DF8C5CDB-1AEF-4522-8EAF-CE1F4E5D863E}" type="datetimeFigureOut">
               <a:rPr lang="ko-KR" altLang="en-US" smtClean="0"/>
-              <a:t>2019. 3. 7.</a:t>
+              <a:t>2019-03-08</a:t>
             </a:fld>
             <a:endParaRPr lang="ko-KR" altLang="en-US"/>
           </a:p>
@@ -2230,7 +2230,7 @@
           <a:p>
             <a:fld id="{DF8C5CDB-1AEF-4522-8EAF-CE1F4E5D863E}" type="datetimeFigureOut">
               <a:rPr lang="ko-KR" altLang="en-US" smtClean="0"/>
-              <a:t>2019. 3. 7.</a:t>
+              <a:t>2019-03-08</a:t>
             </a:fld>
             <a:endParaRPr lang="ko-KR" altLang="en-US"/>
           </a:p>
@@ -2325,7 +2325,7 @@
           <a:p>
             <a:fld id="{DF8C5CDB-1AEF-4522-8EAF-CE1F4E5D863E}" type="datetimeFigureOut">
               <a:rPr lang="ko-KR" altLang="en-US" smtClean="0"/>
-              <a:t>2019. 3. 7.</a:t>
+              <a:t>2019-03-08</a:t>
             </a:fld>
             <a:endParaRPr lang="ko-KR" altLang="en-US"/>
           </a:p>
@@ -2602,7 +2602,7 @@
           <a:p>
             <a:fld id="{DF8C5CDB-1AEF-4522-8EAF-CE1F4E5D863E}" type="datetimeFigureOut">
               <a:rPr lang="ko-KR" altLang="en-US" smtClean="0"/>
-              <a:t>2019. 3. 7.</a:t>
+              <a:t>2019-03-08</a:t>
             </a:fld>
             <a:endParaRPr lang="ko-KR" altLang="en-US"/>
           </a:p>
@@ -2855,7 +2855,7 @@
           <a:p>
             <a:fld id="{DF8C5CDB-1AEF-4522-8EAF-CE1F4E5D863E}" type="datetimeFigureOut">
               <a:rPr lang="ko-KR" altLang="en-US" smtClean="0"/>
-              <a:t>2019. 3. 7.</a:t>
+              <a:t>2019-03-08</a:t>
             </a:fld>
             <a:endParaRPr lang="ko-KR" altLang="en-US"/>
           </a:p>
@@ -3077,7 +3077,7 @@
           <a:p>
             <a:fld id="{DF8C5CDB-1AEF-4522-8EAF-CE1F4E5D863E}" type="datetimeFigureOut">
               <a:rPr lang="ko-KR" altLang="en-US" smtClean="0"/>
-              <a:t>2019. 3. 7.</a:t>
+              <a:t>2019-03-08</a:t>
             </a:fld>
             <a:endParaRPr lang="ko-KR" altLang="en-US"/>
           </a:p>
@@ -3881,6 +3881,13 @@
   <p:clrMapOvr>
     <a:masterClrMapping/>
   </p:clrMapOvr>
+  <p:timing>
+    <p:tnLst>
+      <p:par>
+        <p:cTn id="1" dur="indefinite" restart="never" nodeType="tmRoot"/>
+      </p:par>
+    </p:tnLst>
+  </p:timing>
 </p:sld>
 </file>
 
@@ -3960,31 +3967,39 @@
             </a:pPr>
             <a:r>
               <a:rPr lang="it-IT" dirty="0"/>
-              <a:t>Questa tecnica di costruzione del grafo         </a:t>
-            </a:r>
-            <a:r>
-              <a:rPr lang="it-IT" dirty="0" err="1"/>
-              <a:t>riassembla</a:t>
+              <a:t>Questa tecnica di costruzione del grafo         riassembla i vari nodi in maniera randomica:   ciò comporta che ad ogni persona </a:t>
+            </a:r>
+            <a:r>
+              <a:rPr lang="it-IT" dirty="0" smtClean="0"/>
+              <a:t>viene attribuito </a:t>
             </a:r>
             <a:r>
               <a:rPr lang="it-IT" dirty="0"/>
-              <a:t> i vari nodi in maniera </a:t>
-            </a:r>
-            <a:r>
-              <a:rPr lang="it-IT" dirty="0" err="1"/>
-              <a:t>randomica</a:t>
+              <a:t>un numero di archi pari al numero  indicato dal grado di anonimizzazione </a:t>
+            </a:r>
+            <a:r>
+              <a:rPr lang="it-IT" dirty="0" smtClean="0"/>
+              <a:t>presente </a:t>
             </a:r>
             <a:r>
               <a:rPr lang="it-IT" dirty="0"/>
-              <a:t>:   ciò comporta che ad ogni persona venga     attribuito un numero di archi pari al numero  indicato dal grado di </a:t>
-            </a:r>
-            <a:r>
-              <a:rPr lang="it-IT" dirty="0" err="1"/>
-              <a:t>anonimizzazione</a:t>
+              <a:t>nel vettore sopra citato</a:t>
+            </a:r>
+            <a:r>
+              <a:rPr lang="it-IT" dirty="0" smtClean="0"/>
+              <a:t>, </a:t>
             </a:r>
             <a:r>
               <a:rPr lang="it-IT" dirty="0"/>
-              <a:t>         presente nel vettore sopra citato,                 tuttavia gli archi così generati non avranno    alcun riferimento con quelli presenti nel grafo originale non anonimizzato.</a:t>
+              <a:t>tuttavia gli archi così generati non </a:t>
+            </a:r>
+            <a:r>
+              <a:rPr lang="it-IT" dirty="0" smtClean="0"/>
+              <a:t>avranno </a:t>
+            </a:r>
+            <a:r>
+              <a:rPr lang="it-IT" dirty="0"/>
+              <a:t>alcun riferimento con quelli presenti nel grafo originale non anonimizzato.</a:t>
             </a:r>
           </a:p>
           <a:p>
@@ -4035,6 +4050,13 @@
   <p:clrMapOvr>
     <a:masterClrMapping/>
   </p:clrMapOvr>
+  <p:timing>
+    <p:tnLst>
+      <p:par>
+        <p:cTn id="1" dur="indefinite" restart="never" nodeType="tmRoot"/>
+      </p:par>
+    </p:tnLst>
+  </p:timing>
 </p:sld>
 </file>
 
@@ -4195,6 +4217,13 @@
   <p:clrMapOvr>
     <a:masterClrMapping/>
   </p:clrMapOvr>
+  <p:timing>
+    <p:tnLst>
+      <p:par>
+        <p:cTn id="1" dur="indefinite" restart="never" nodeType="tmRoot"/>
+      </p:par>
+    </p:tnLst>
+  </p:timing>
 </p:sld>
 </file>
 
@@ -4266,15 +4295,7 @@
             </a:pPr>
             <a:r>
               <a:rPr lang="it-IT" sz="2400" dirty="0"/>
-              <a:t>Per il </a:t>
-            </a:r>
-            <a:r>
-              <a:rPr lang="it-IT" sz="2400" dirty="0" err="1"/>
-              <a:t>testing</a:t>
-            </a:r>
-            <a:r>
-              <a:rPr lang="it-IT" sz="2400" dirty="0"/>
-              <a:t> abbiamo eseguito l’algoritmo su istanze di diverse dimensioni, in particolare da 100,300,750           (di quest’ultima due versioni, uno più denso e uno più   sparso),1000 e 2000 nodi, scrivendo un programma in     </a:t>
+              <a:t>Per il testing abbiamo eseguito l’algoritmo su istanze di diverse dimensioni, in particolare da 100,300,750           (di quest’ultima due versioni, uno più denso e uno più   sparso),1000 e 2000 nodi, scrivendo un programma in     </a:t>
             </a:r>
             <a:r>
               <a:rPr lang="it-IT" sz="2400" dirty="0" err="1"/>
@@ -4282,7 +4303,47 @@
             </a:r>
             <a:r>
               <a:rPr lang="it-IT" sz="2400" dirty="0"/>
-              <a:t> che in maniera automatica anonimizza il grafo    sulle diverse istanze con valori di K crescenti utilizzando  le 4 combinazioni possibili delle tecniche proposte in     precedenza, e presentando i risultati (a livello di costo         e tempo) in maniera grafica, che presentiamo di seguito:</a:t>
+              <a:t> che </a:t>
+            </a:r>
+            <a:r>
+              <a:rPr lang="it-IT" sz="2400" dirty="0" smtClean="0"/>
+              <a:t>automaticamente anonimizza </a:t>
+            </a:r>
+            <a:r>
+              <a:rPr lang="it-IT" sz="2400" dirty="0"/>
+              <a:t>il </a:t>
+            </a:r>
+            <a:r>
+              <a:rPr lang="it-IT" sz="2400" dirty="0" smtClean="0"/>
+              <a:t>grafo </a:t>
+            </a:r>
+            <a:r>
+              <a:rPr lang="it-IT" sz="2400" dirty="0"/>
+              <a:t>sulle diverse istanze con valori di K crescenti </a:t>
+            </a:r>
+            <a:r>
+              <a:rPr lang="it-IT" sz="2400" dirty="0" smtClean="0"/>
+              <a:t>utilizzando </a:t>
+            </a:r>
+            <a:r>
+              <a:rPr lang="it-IT" sz="2400" dirty="0"/>
+              <a:t>le 4 combinazioni possibili delle tecniche proposte in </a:t>
+            </a:r>
+            <a:r>
+              <a:rPr lang="it-IT" sz="2400" dirty="0" smtClean="0"/>
+              <a:t>precedenza</a:t>
+            </a:r>
+            <a:r>
+              <a:rPr lang="it-IT" sz="2400" dirty="0"/>
+              <a:t>, e presentando i risultati (a livello di </a:t>
+            </a:r>
+            <a:r>
+              <a:rPr lang="it-IT" sz="2400" dirty="0" smtClean="0"/>
+              <a:t>costo e </a:t>
+            </a:r>
+            <a:r>
+              <a:rPr lang="it-IT" sz="2400" dirty="0"/>
+              <a:t>tempo) in maniera grafica, che presentiamo di seguito:</a:t>
             </a:r>
           </a:p>
           <a:p>
@@ -4339,6 +4400,13 @@
   <p:clrMapOvr>
     <a:masterClrMapping/>
   </p:clrMapOvr>
+  <p:timing>
+    <p:tnLst>
+      <p:par>
+        <p:cTn id="1" dur="indefinite" restart="never" nodeType="tmRoot"/>
+      </p:par>
+    </p:tnLst>
+  </p:timing>
 </p:sld>
 </file>
 
@@ -4531,6 +4599,13 @@
   <p:clrMapOvr>
     <a:masterClrMapping/>
   </p:clrMapOvr>
+  <p:timing>
+    <p:tnLst>
+      <p:par>
+        <p:cTn id="1" dur="indefinite" restart="never" nodeType="tmRoot"/>
+      </p:par>
+    </p:tnLst>
+  </p:timing>
 </p:sld>
 </file>
 
@@ -4692,7 +4767,7 @@
           <p:nvPr/>
         </p:nvPicPr>
         <p:blipFill>
-          <a:blip r:embed="rId3">
+          <a:blip r:embed="rId3" cstate="print">
             <a:extLst>
               <a:ext uri="{28A0092B-C50C-407E-A947-70E740481C1C}">
                 <a14:useLocalDpi xmlns:a14="http://schemas.microsoft.com/office/drawing/2010/main" val="0"/>
@@ -4884,7 +4959,7 @@
           <p:nvPr/>
         </p:nvPicPr>
         <p:blipFill>
-          <a:blip r:embed="rId3">
+          <a:blip r:embed="rId3" cstate="print">
             <a:extLst>
               <a:ext uri="{28A0092B-C50C-407E-A947-70E740481C1C}">
                 <a14:useLocalDpi xmlns:a14="http://schemas.microsoft.com/office/drawing/2010/main" val="0"/>
@@ -5854,6 +5929,13 @@
   <p:clrMapOvr>
     <a:masterClrMapping/>
   </p:clrMapOvr>
+  <p:timing>
+    <p:tnLst>
+      <p:par>
+        <p:cTn id="1" dur="indefinite" restart="never" nodeType="tmRoot"/>
+      </p:par>
+    </p:tnLst>
+  </p:timing>
 </p:sld>
 </file>
 
@@ -6077,7 +6159,39 @@
             </a:r>
             <a:r>
               <a:rPr lang="it-IT" dirty="0"/>
-              <a:t>produce un a soluzione in tempi molto ristretti, tuttavia non mantiene coerenza col grafo originale introducendo        molto rumore e rendendo la soluzione poco utile ad   analisi successive.</a:t>
+              <a:t>produce </a:t>
+            </a:r>
+            <a:r>
+              <a:rPr lang="it-IT" dirty="0" smtClean="0"/>
+              <a:t>una </a:t>
+            </a:r>
+            <a:r>
+              <a:rPr lang="it-IT" dirty="0"/>
+              <a:t>soluzione in tempi molto ristretti, tuttavia non </a:t>
+            </a:r>
+            <a:r>
+              <a:rPr lang="it-IT" dirty="0" smtClean="0"/>
+              <a:t>mantiene </a:t>
+            </a:r>
+            <a:r>
+              <a:rPr lang="it-IT" dirty="0"/>
+              <a:t>coerenza col grafo </a:t>
+            </a:r>
+            <a:r>
+              <a:rPr lang="it-IT" dirty="0" smtClean="0"/>
+              <a:t>originale, </a:t>
+            </a:r>
+            <a:r>
+              <a:rPr lang="it-IT" dirty="0"/>
+              <a:t>introducendo        molto rumore e rendendo la soluzione poco utile </a:t>
+            </a:r>
+            <a:r>
+              <a:rPr lang="it-IT" dirty="0" smtClean="0"/>
+              <a:t>per   </a:t>
+            </a:r>
+            <a:r>
+              <a:rPr lang="it-IT" dirty="0"/>
+              <a:t>analisi successive.</a:t>
             </a:r>
           </a:p>
           <a:p>
@@ -6251,15 +6365,7 @@
             </a:r>
             <a:r>
               <a:rPr lang="it-IT" dirty="0"/>
-              <a:t>per non incombere in tempi computazionali troppo        elevati mantenendo un costo di </a:t>
-            </a:r>
-            <a:r>
-              <a:rPr lang="it-IT" dirty="0" err="1"/>
-              <a:t>anonimizzazione</a:t>
-            </a:r>
-            <a:r>
-              <a:rPr lang="it-IT" dirty="0"/>
-              <a:t> ottimo</a:t>
+              <a:t>per non incombere in tempi computazionali troppo        elevati mantenendo un costo di anonimizzazione ottimo</a:t>
             </a:r>
           </a:p>
           <a:p>
@@ -6269,12 +6375,8 @@
               <a:t>Nel caso di dati molto affidabili e coerenti con il grafo di provenienza, la scelta            consigliata dai dati ottenuti risulta essere l’utilizzo della combinazione </a:t>
             </a:r>
             <a:r>
-              <a:rPr lang="it-IT" b="1" dirty="0" err="1"/>
-              <a:t>Greedy</a:t>
-            </a:r>
-            <a:r>
               <a:rPr lang="it-IT" b="1" dirty="0"/>
-              <a:t> – </a:t>
+              <a:t>Greedy – </a:t>
             </a:r>
             <a:r>
               <a:rPr lang="it-IT" b="1" dirty="0" err="1"/>
@@ -6293,23 +6395,11 @@
             <a:pPr lvl="0" algn="just"/>
             <a:r>
               <a:rPr lang="it-IT" dirty="0"/>
-              <a:t>Per </a:t>
-            </a:r>
-            <a:r>
-              <a:rPr lang="it-IT" dirty="0" err="1"/>
-              <a:t>anonimizzazioni</a:t>
-            </a:r>
-            <a:r>
-              <a:rPr lang="it-IT" dirty="0"/>
-              <a:t> rapide su data set molto estesi (utile ad esempio per un web        service) la soluzione migliore risulta essere la combinazione </a:t>
-            </a:r>
-            <a:r>
-              <a:rPr lang="it-IT" b="1" dirty="0" err="1"/>
-              <a:t>Greedy</a:t>
+              <a:t>Per anonimizzazioni rapide su data set molto estesi (utile ad esempio per un web        service) la soluzione migliore risulta essere la combinazione </a:t>
             </a:r>
             <a:r>
               <a:rPr lang="it-IT" b="1" dirty="0"/>
-              <a:t> – </a:t>
+              <a:t>Greedy – </a:t>
             </a:r>
             <a:r>
               <a:rPr lang="it-IT" b="1" dirty="0" err="1"/>
@@ -6339,12 +6429,8 @@
               <a:t> </a:t>
             </a:r>
             <a:r>
-              <a:rPr lang="it-IT"/>
-              <a:t>al     costo </a:t>
-            </a:r>
-            <a:r>
               <a:rPr lang="it-IT" dirty="0"/>
-              <a:t>di tempi di esecuzione molto elevati su istanze anche non estremamente estese.</a:t>
+              <a:t>al     costo di tempi di esecuzione molto elevati su istanze anche non estremamente estese.</a:t>
             </a:r>
           </a:p>
           <a:p>
@@ -8708,6 +8794,13 @@
   <p:clrMapOvr>
     <a:masterClrMapping/>
   </p:clrMapOvr>
+  <p:timing>
+    <p:tnLst>
+      <p:par>
+        <p:cTn id="1" dur="indefinite" restart="never" nodeType="tmRoot"/>
+      </p:par>
+    </p:tnLst>
+  </p:timing>
 </p:sld>
 </file>
 
@@ -9911,6 +10004,13 @@
   <p:clrMapOvr>
     <a:masterClrMapping/>
   </p:clrMapOvr>
+  <p:timing>
+    <p:tnLst>
+      <p:par>
+        <p:cTn id="1" dur="indefinite" restart="never" nodeType="tmRoot"/>
+      </p:par>
+    </p:tnLst>
+  </p:timing>
 </p:sld>
 </file>
 
@@ -9990,7 +10090,15 @@
             </a:pPr>
             <a:r>
               <a:rPr lang="it-IT" dirty="0"/>
-              <a:t>Questa variante utilizza un approccio più semplice andando a</a:t>
+              <a:t>Questa variante utilizza un approccio più </a:t>
+            </a:r>
+            <a:r>
+              <a:rPr lang="it-IT" dirty="0" smtClean="0"/>
+              <a:t>semplice, </a:t>
+            </a:r>
+            <a:r>
+              <a:rPr lang="it-IT" dirty="0"/>
+              <a:t>andando a</a:t>
             </a:r>
           </a:p>
           <a:p>
@@ -10052,8 +10160,20 @@
               <a:buNone/>
             </a:pPr>
             <a:r>
+              <a:rPr lang="it-IT" dirty="0" smtClean="0"/>
+              <a:t>,genera </a:t>
+            </a:r>
+            <a:r>
               <a:rPr lang="it-IT" dirty="0"/>
-              <a:t>trovati e genera quindi soluzioni sub ottime rispetto al DP per</a:t>
+              <a:t>quindi soluzioni </a:t>
+            </a:r>
+            <a:r>
+              <a:rPr lang="it-IT" dirty="0" smtClean="0"/>
+              <a:t>sub-ottime </a:t>
+            </a:r>
+            <a:r>
+              <a:rPr lang="it-IT" dirty="0"/>
+              <a:t>rispetto al DP per</a:t>
             </a:r>
           </a:p>
           <a:p>
@@ -10119,6 +10239,13 @@
   <p:clrMapOvr>
     <a:masterClrMapping/>
   </p:clrMapOvr>
+  <p:timing>
+    <p:tnLst>
+      <p:par>
+        <p:cTn id="1" dur="indefinite" restart="never" nodeType="tmRoot"/>
+      </p:par>
+    </p:tnLst>
+  </p:timing>
 </p:sld>
 </file>
 
@@ -10287,6 +10414,13 @@
   <p:clrMapOvr>
     <a:masterClrMapping/>
   </p:clrMapOvr>
+  <p:timing>
+    <p:tnLst>
+      <p:par>
+        <p:cTn id="1" dur="indefinite" restart="never" nodeType="tmRoot"/>
+      </p:par>
+    </p:tnLst>
+  </p:timing>
 </p:sld>
 </file>
 

--- a/Presentation/Towards_Identity_Anonymization_on_graph(K-degree anonymization).pptx
+++ b/Presentation/Towards_Identity_Anonymization_on_graph(K-degree anonymization).pptx
@@ -5,31 +5,32 @@
     <p:sldMasterId id="2147483648" r:id="rId1"/>
   </p:sldMasterIdLst>
   <p:notesMasterIdLst>
-    <p:notesMasterId r:id="rId24"/>
+    <p:notesMasterId r:id="rId25"/>
   </p:notesMasterIdLst>
   <p:sldIdLst>
     <p:sldId id="256" r:id="rId2"/>
     <p:sldId id="264" r:id="rId3"/>
     <p:sldId id="258" r:id="rId4"/>
-    <p:sldId id="265" r:id="rId5"/>
+    <p:sldId id="280" r:id="rId5"/>
     <p:sldId id="259" r:id="rId6"/>
     <p:sldId id="266" r:id="rId7"/>
     <p:sldId id="269" r:id="rId8"/>
-    <p:sldId id="260" r:id="rId9"/>
-    <p:sldId id="261" r:id="rId10"/>
-    <p:sldId id="267" r:id="rId11"/>
-    <p:sldId id="262" r:id="rId12"/>
-    <p:sldId id="270" r:id="rId13"/>
-    <p:sldId id="271" r:id="rId14"/>
-    <p:sldId id="272" r:id="rId15"/>
-    <p:sldId id="273" r:id="rId16"/>
-    <p:sldId id="274" r:id="rId17"/>
-    <p:sldId id="275" r:id="rId18"/>
-    <p:sldId id="276" r:id="rId19"/>
-    <p:sldId id="263" r:id="rId20"/>
-    <p:sldId id="277" r:id="rId21"/>
-    <p:sldId id="278" r:id="rId22"/>
-    <p:sldId id="279" r:id="rId23"/>
+    <p:sldId id="281" r:id="rId9"/>
+    <p:sldId id="282" r:id="rId10"/>
+    <p:sldId id="261" r:id="rId11"/>
+    <p:sldId id="267" r:id="rId12"/>
+    <p:sldId id="262" r:id="rId13"/>
+    <p:sldId id="270" r:id="rId14"/>
+    <p:sldId id="271" r:id="rId15"/>
+    <p:sldId id="272" r:id="rId16"/>
+    <p:sldId id="273" r:id="rId17"/>
+    <p:sldId id="274" r:id="rId18"/>
+    <p:sldId id="275" r:id="rId19"/>
+    <p:sldId id="276" r:id="rId20"/>
+    <p:sldId id="263" r:id="rId21"/>
+    <p:sldId id="277" r:id="rId22"/>
+    <p:sldId id="278" r:id="rId23"/>
+    <p:sldId id="279" r:id="rId24"/>
   </p:sldIdLst>
   <p:sldSz cx="9144000" cy="5143500" type="screen16x9"/>
   <p:notesSz cx="6858000" cy="9144000"/>
@@ -147,6 +148,46 @@
 </p:presentation>
 </file>
 
+<file path=ppt/commentAuthors.xml><?xml version="1.0" encoding="utf-8"?>
+<p:cmAuthorLst xmlns:a="http://schemas.openxmlformats.org/drawingml/2006/main" xmlns:r="http://schemas.openxmlformats.org/officeDocument/2006/relationships" xmlns:p="http://schemas.openxmlformats.org/presentationml/2006/main">
+  <p:cmAuthor id="1" name="Alessio Gilardi" initials="AG" lastIdx="4" clrIdx="0">
+    <p:extLst>
+      <p:ext uri="{19B8F6BF-5375-455C-9EA6-DF929625EA0E}">
+        <p15:presenceInfo xmlns:p15="http://schemas.microsoft.com/office/powerpoint/2012/main" userId="S-1-12-1-416434936-1257934124-2827684486-2471108990" providerId="AD"/>
+      </p:ext>
+    </p:extLst>
+  </p:cmAuthor>
+</p:cmAuthorLst>
+</file>
+
+<file path=ppt/comments/comment1.xml><?xml version="1.0" encoding="utf-8"?>
+<p:cmLst xmlns:a="http://schemas.openxmlformats.org/drawingml/2006/main" xmlns:r="http://schemas.openxmlformats.org/officeDocument/2006/relationships" xmlns:p="http://schemas.openxmlformats.org/presentationml/2006/main">
+  <p:cm authorId="1" dt="2019-03-13T21:49:50.089" idx="3">
+    <p:pos x="10" y="10"/>
+    <p:text>Spiegare che cos'è un grafo NON anonimizzato</p:text>
+    <p:extLst>
+      <p:ext uri="{C676402C-5697-4E1C-873F-D02D1690AC5C}">
+        <p15:threadingInfo xmlns:p15="http://schemas.microsoft.com/office/powerpoint/2012/main" timeZoneBias="-60"/>
+      </p:ext>
+    </p:extLst>
+  </p:cm>
+</p:cmLst>
+</file>
+
+<file path=ppt/comments/comment2.xml><?xml version="1.0" encoding="utf-8"?>
+<p:cmLst xmlns:a="http://schemas.openxmlformats.org/drawingml/2006/main" xmlns:r="http://schemas.openxmlformats.org/officeDocument/2006/relationships" xmlns:p="http://schemas.openxmlformats.org/presentationml/2006/main">
+  <p:cm authorId="1" dt="2019-03-13T21:49:50.089" idx="3">
+    <p:pos x="10" y="10"/>
+    <p:text>Spiegare che cos'è un grafo NON anonimizzato</p:text>
+    <p:extLst>
+      <p:ext uri="{C676402C-5697-4E1C-873F-D02D1690AC5C}">
+        <p15:threadingInfo xmlns:p15="http://schemas.microsoft.com/office/powerpoint/2012/main" timeZoneBias="-60"/>
+      </p:ext>
+    </p:extLst>
+  </p:cm>
+</p:cmLst>
+</file>
+
 <file path=ppt/notesMasters/notesMaster1.xml><?xml version="1.0" encoding="utf-8"?>
 <p:notesMaster xmlns:a="http://schemas.openxmlformats.org/drawingml/2006/main" xmlns:r="http://schemas.openxmlformats.org/officeDocument/2006/relationships" xmlns:p="http://schemas.openxmlformats.org/presentationml/2006/main">
   <p:cSld>
@@ -229,7 +270,7 @@
           <a:p>
             <a:fld id="{A55BA7C1-22AE-0645-AD7C-34C9095A0266}" type="datetimeFigureOut">
               <a:rPr lang="it-IT" smtClean="0"/>
-              <a:t>08/03/2019</a:t>
+              <a:t>14/03/2019</a:t>
             </a:fld>
             <a:endParaRPr lang="it-IT"/>
           </a:p>
@@ -536,7 +577,7 @@
           <a:p>
             <a:fld id="{432709A9-B521-EB4C-B992-CAA49A2F48FB}" type="slidenum">
               <a:rPr lang="it-IT" smtClean="0"/>
-              <a:t>11</a:t>
+              <a:t>5</a:t>
             </a:fld>
             <a:endParaRPr lang="it-IT"/>
           </a:p>
@@ -545,7 +586,7 @@
     </p:spTree>
     <p:extLst>
       <p:ext uri="{BB962C8B-B14F-4D97-AF65-F5344CB8AC3E}">
-        <p14:creationId xmlns:p14="http://schemas.microsoft.com/office/powerpoint/2010/main" val="3611200481"/>
+        <p14:creationId xmlns:p14="http://schemas.microsoft.com/office/powerpoint/2010/main" val="2462827229"/>
       </p:ext>
     </p:extLst>
   </p:cSld>
@@ -620,7 +661,91 @@
           <a:p>
             <a:fld id="{432709A9-B521-EB4C-B992-CAA49A2F48FB}" type="slidenum">
               <a:rPr lang="it-IT" smtClean="0"/>
-              <a:t>17</a:t>
+              <a:t>12</a:t>
+            </a:fld>
+            <a:endParaRPr lang="it-IT"/>
+          </a:p>
+        </p:txBody>
+      </p:sp>
+    </p:spTree>
+    <p:extLst>
+      <p:ext uri="{BB962C8B-B14F-4D97-AF65-F5344CB8AC3E}">
+        <p14:creationId xmlns:p14="http://schemas.microsoft.com/office/powerpoint/2010/main" val="3611200481"/>
+      </p:ext>
+    </p:extLst>
+  </p:cSld>
+  <p:clrMapOvr>
+    <a:masterClrMapping/>
+  </p:clrMapOvr>
+</p:notes>
+</file>
+
+<file path=ppt/notesSlides/notesSlide3.xml><?xml version="1.0" encoding="utf-8"?>
+<p:notes xmlns:a="http://schemas.openxmlformats.org/drawingml/2006/main" xmlns:r="http://schemas.openxmlformats.org/officeDocument/2006/relationships" xmlns:p="http://schemas.openxmlformats.org/presentationml/2006/main">
+  <p:cSld>
+    <p:spTree>
+      <p:nvGrpSpPr>
+        <p:cNvPr id="1" name=""/>
+        <p:cNvGrpSpPr/>
+        <p:nvPr/>
+      </p:nvGrpSpPr>
+      <p:grpSpPr>
+        <a:xfrm>
+          <a:off x="0" y="0"/>
+          <a:ext cx="0" cy="0"/>
+          <a:chOff x="0" y="0"/>
+          <a:chExt cx="0" cy="0"/>
+        </a:xfrm>
+      </p:grpSpPr>
+      <p:sp>
+        <p:nvSpPr>
+          <p:cNvPr id="2" name="Segnaposto immagine diapositiva 1"/>
+          <p:cNvSpPr>
+            <a:spLocks noGrp="1" noRot="1" noChangeAspect="1"/>
+          </p:cNvSpPr>
+          <p:nvPr>
+            <p:ph type="sldImg"/>
+          </p:nvPr>
+        </p:nvSpPr>
+        <p:spPr/>
+      </p:sp>
+      <p:sp>
+        <p:nvSpPr>
+          <p:cNvPr id="3" name="Segnaposto note 2"/>
+          <p:cNvSpPr>
+            <a:spLocks noGrp="1"/>
+          </p:cNvSpPr>
+          <p:nvPr>
+            <p:ph type="body" idx="1"/>
+          </p:nvPr>
+        </p:nvSpPr>
+        <p:spPr/>
+        <p:txBody>
+          <a:bodyPr/>
+          <a:lstStyle/>
+          <a:p>
+            <a:endParaRPr lang="it-IT" dirty="0"/>
+          </a:p>
+        </p:txBody>
+      </p:sp>
+      <p:sp>
+        <p:nvSpPr>
+          <p:cNvPr id="4" name="Segnaposto numero diapositiva 3"/>
+          <p:cNvSpPr>
+            <a:spLocks noGrp="1"/>
+          </p:cNvSpPr>
+          <p:nvPr>
+            <p:ph type="sldNum" sz="quarter" idx="5"/>
+          </p:nvPr>
+        </p:nvSpPr>
+        <p:spPr/>
+        <p:txBody>
+          <a:bodyPr/>
+          <a:lstStyle/>
+          <a:p>
+            <a:fld id="{432709A9-B521-EB4C-B992-CAA49A2F48FB}" type="slidenum">
+              <a:rPr lang="it-IT" smtClean="0"/>
+              <a:t>18</a:t>
             </a:fld>
             <a:endParaRPr lang="it-IT"/>
           </a:p>
@@ -670,6 +795,186 @@
           <a:chExt cx="0" cy="0"/>
         </a:xfrm>
       </p:grpSpPr>
+      <p:pic>
+        <p:nvPicPr>
+          <p:cNvPr id="2" name="Immagine 1">
+            <a:extLst>
+              <a:ext uri="{FF2B5EF4-FFF2-40B4-BE49-F238E27FC236}">
+                <a16:creationId xmlns:a16="http://schemas.microsoft.com/office/drawing/2014/main" id="{1697FF78-6249-45CA-87E4-75DEBD5CB8D9}"/>
+              </a:ext>
+            </a:extLst>
+          </p:cNvPr>
+          <p:cNvPicPr>
+            <a:picLocks noChangeAspect="1"/>
+          </p:cNvPicPr>
+          <p:nvPr userDrawn="1"/>
+        </p:nvPicPr>
+        <p:blipFill>
+          <a:blip r:embed="rId3" cstate="print">
+            <a:extLst>
+              <a:ext uri="{28A0092B-C50C-407E-A947-70E740481C1C}">
+                <a14:useLocalDpi xmlns:a14="http://schemas.microsoft.com/office/drawing/2010/main" val="0"/>
+              </a:ext>
+            </a:extLst>
+          </a:blip>
+          <a:stretch>
+            <a:fillRect/>
+          </a:stretch>
+        </p:blipFill>
+        <p:spPr>
+          <a:xfrm>
+            <a:off x="398461" y="4265558"/>
+            <a:ext cx="1512168" cy="777349"/>
+          </a:xfrm>
+          <a:prstGeom prst="rect">
+            <a:avLst/>
+          </a:prstGeom>
+        </p:spPr>
+      </p:pic>
+      <p:pic>
+        <p:nvPicPr>
+          <p:cNvPr id="3" name="Immagine 2">
+            <a:extLst>
+              <a:ext uri="{FF2B5EF4-FFF2-40B4-BE49-F238E27FC236}">
+                <a16:creationId xmlns:a16="http://schemas.microsoft.com/office/drawing/2014/main" id="{6E0C2C66-B069-4D6B-A5AF-C03D37897834}"/>
+              </a:ext>
+            </a:extLst>
+          </p:cNvPr>
+          <p:cNvPicPr>
+            <a:picLocks noChangeAspect="1"/>
+          </p:cNvPicPr>
+          <p:nvPr userDrawn="1"/>
+        </p:nvPicPr>
+        <p:blipFill>
+          <a:blip r:embed="rId4" cstate="print">
+            <a:extLst>
+              <a:ext uri="{28A0092B-C50C-407E-A947-70E740481C1C}">
+                <a14:useLocalDpi xmlns:a14="http://schemas.microsoft.com/office/drawing/2010/main" val="0"/>
+              </a:ext>
+            </a:extLst>
+          </a:blip>
+          <a:stretch>
+            <a:fillRect/>
+          </a:stretch>
+        </p:blipFill>
+        <p:spPr>
+          <a:xfrm>
+            <a:off x="6858553" y="4445155"/>
+            <a:ext cx="1886986" cy="597752"/>
+          </a:xfrm>
+          <a:prstGeom prst="rect">
+            <a:avLst/>
+          </a:prstGeom>
+        </p:spPr>
+      </p:pic>
+      <p:pic>
+        <p:nvPicPr>
+          <p:cNvPr id="4" name="Immagine 3">
+            <a:extLst>
+              <a:ext uri="{FF2B5EF4-FFF2-40B4-BE49-F238E27FC236}">
+                <a16:creationId xmlns:a16="http://schemas.microsoft.com/office/drawing/2014/main" id="{15EB95F6-B157-48AC-B02E-275509424AD3}"/>
+              </a:ext>
+            </a:extLst>
+          </p:cNvPr>
+          <p:cNvPicPr>
+            <a:picLocks noChangeAspect="1"/>
+          </p:cNvPicPr>
+          <p:nvPr userDrawn="1"/>
+        </p:nvPicPr>
+        <p:blipFill>
+          <a:blip r:embed="rId5" cstate="print">
+            <a:extLst>
+              <a:ext uri="{28A0092B-C50C-407E-A947-70E740481C1C}">
+                <a14:useLocalDpi xmlns:a14="http://schemas.microsoft.com/office/drawing/2010/main" val="0"/>
+              </a:ext>
+            </a:extLst>
+          </a:blip>
+          <a:stretch>
+            <a:fillRect/>
+          </a:stretch>
+        </p:blipFill>
+        <p:spPr>
+          <a:xfrm>
+            <a:off x="497686" y="100593"/>
+            <a:ext cx="1512168" cy="847095"/>
+          </a:xfrm>
+          <a:prstGeom prst="rect">
+            <a:avLst/>
+          </a:prstGeom>
+        </p:spPr>
+      </p:pic>
+      <p:pic>
+        <p:nvPicPr>
+          <p:cNvPr id="5" name="Immagine 4">
+            <a:extLst>
+              <a:ext uri="{FF2B5EF4-FFF2-40B4-BE49-F238E27FC236}">
+                <a16:creationId xmlns:a16="http://schemas.microsoft.com/office/drawing/2014/main" id="{A026063C-61A9-4B0C-8AC5-5CE10DDB0160}"/>
+              </a:ext>
+            </a:extLst>
+          </p:cNvPr>
+          <p:cNvPicPr>
+            <a:picLocks noChangeAspect="1"/>
+          </p:cNvPicPr>
+          <p:nvPr userDrawn="1"/>
+        </p:nvPicPr>
+        <p:blipFill>
+          <a:blip r:embed="rId6" cstate="print">
+            <a:extLst>
+              <a:ext uri="{28A0092B-C50C-407E-A947-70E740481C1C}">
+                <a14:useLocalDpi xmlns:a14="http://schemas.microsoft.com/office/drawing/2010/main" val="0"/>
+              </a:ext>
+            </a:extLst>
+          </a:blip>
+          <a:stretch>
+            <a:fillRect/>
+          </a:stretch>
+        </p:blipFill>
+        <p:spPr>
+          <a:xfrm>
+            <a:off x="1202397" y="1275606"/>
+            <a:ext cx="2205033" cy="576064"/>
+          </a:xfrm>
+          <a:prstGeom prst="rect">
+            <a:avLst/>
+          </a:prstGeom>
+        </p:spPr>
+      </p:pic>
+      <p:pic>
+        <p:nvPicPr>
+          <p:cNvPr id="6" name="Immagine 5">
+            <a:extLst>
+              <a:ext uri="{FF2B5EF4-FFF2-40B4-BE49-F238E27FC236}">
+                <a16:creationId xmlns:a16="http://schemas.microsoft.com/office/drawing/2014/main" id="{1D33C969-1E51-4A09-AFCB-EF72864DCFAF}"/>
+              </a:ext>
+            </a:extLst>
+          </p:cNvPr>
+          <p:cNvPicPr>
+            <a:picLocks noChangeAspect="1"/>
+          </p:cNvPicPr>
+          <p:nvPr userDrawn="1"/>
+        </p:nvPicPr>
+        <p:blipFill>
+          <a:blip r:embed="rId7" cstate="print">
+            <a:extLst>
+              <a:ext uri="{28A0092B-C50C-407E-A947-70E740481C1C}">
+                <a14:useLocalDpi xmlns:a14="http://schemas.microsoft.com/office/drawing/2010/main" val="0"/>
+              </a:ext>
+            </a:extLst>
+          </a:blip>
+          <a:stretch>
+            <a:fillRect/>
+          </a:stretch>
+        </p:blipFill>
+        <p:spPr>
+          <a:xfrm>
+            <a:off x="2257061" y="195486"/>
+            <a:ext cx="2300739" cy="973857"/>
+          </a:xfrm>
+          <a:prstGeom prst="rect">
+            <a:avLst/>
+          </a:prstGeom>
+        </p:spPr>
+      </p:pic>
     </p:spTree>
     <p:extLst>
       <p:ext uri="{BB962C8B-B14F-4D97-AF65-F5344CB8AC3E}">
@@ -792,7 +1097,7 @@
           <a:p>
             <a:fld id="{DF8C5CDB-1AEF-4522-8EAF-CE1F4E5D863E}" type="datetimeFigureOut">
               <a:rPr lang="ko-KR" altLang="en-US" smtClean="0"/>
-              <a:t>2019-03-08</a:t>
+              <a:t>2019-03-14</a:t>
             </a:fld>
             <a:endParaRPr lang="ko-KR" altLang="en-US"/>
           </a:p>
@@ -972,7 +1277,7 @@
           <a:p>
             <a:fld id="{DF8C5CDB-1AEF-4522-8EAF-CE1F4E5D863E}" type="datetimeFigureOut">
               <a:rPr lang="ko-KR" altLang="en-US" smtClean="0"/>
-              <a:t>2019-03-08</a:t>
+              <a:t>2019-03-14</a:t>
             </a:fld>
             <a:endParaRPr lang="ko-KR" altLang="en-US"/>
           </a:p>
@@ -1151,7 +1456,7 @@
           <a:p>
             <a:fld id="{DF8C5CDB-1AEF-4522-8EAF-CE1F4E5D863E}" type="datetimeFigureOut">
               <a:rPr lang="ko-KR" altLang="en-US" smtClean="0"/>
-              <a:t>2019-03-08</a:t>
+              <a:t>2019-03-14</a:t>
             </a:fld>
             <a:endParaRPr lang="ko-KR" altLang="en-US"/>
           </a:p>
@@ -1199,6 +1504,42 @@
           </a:p>
         </p:txBody>
       </p:sp>
+      <p:pic>
+        <p:nvPicPr>
+          <p:cNvPr id="7" name="Immagine 6">
+            <a:extLst>
+              <a:ext uri="{FF2B5EF4-FFF2-40B4-BE49-F238E27FC236}">
+                <a16:creationId xmlns:a16="http://schemas.microsoft.com/office/drawing/2014/main" id="{A72BE1A7-F7AE-464A-8A0E-CCDD4D0A5902}"/>
+              </a:ext>
+            </a:extLst>
+          </p:cNvPr>
+          <p:cNvPicPr>
+            <a:picLocks noChangeAspect="1"/>
+          </p:cNvPicPr>
+          <p:nvPr userDrawn="1"/>
+        </p:nvPicPr>
+        <p:blipFill>
+          <a:blip r:embed="rId2" cstate="print">
+            <a:extLst>
+              <a:ext uri="{28A0092B-C50C-407E-A947-70E740481C1C}">
+                <a14:useLocalDpi xmlns:a14="http://schemas.microsoft.com/office/drawing/2010/main" val="0"/>
+              </a:ext>
+            </a:extLst>
+          </a:blip>
+          <a:stretch>
+            <a:fillRect/>
+          </a:stretch>
+        </p:blipFill>
+        <p:spPr>
+          <a:xfrm>
+            <a:off x="179512" y="4468277"/>
+            <a:ext cx="1114320" cy="572830"/>
+          </a:xfrm>
+          <a:prstGeom prst="rect">
+            <a:avLst/>
+          </a:prstGeom>
+        </p:spPr>
+      </p:pic>
     </p:spTree>
     <p:extLst>
       <p:ext uri="{BB962C8B-B14F-4D97-AF65-F5344CB8AC3E}">
@@ -1397,7 +1738,7 @@
           <a:p>
             <a:fld id="{DF8C5CDB-1AEF-4522-8EAF-CE1F4E5D863E}" type="datetimeFigureOut">
               <a:rPr lang="ko-KR" altLang="en-US" smtClean="0"/>
-              <a:t>2019-03-08</a:t>
+              <a:t>2019-03-14</a:t>
             </a:fld>
             <a:endParaRPr lang="ko-KR" altLang="en-US"/>
           </a:p>
@@ -1685,7 +2026,7 @@
           <a:p>
             <a:fld id="{DF8C5CDB-1AEF-4522-8EAF-CE1F4E5D863E}" type="datetimeFigureOut">
               <a:rPr lang="ko-KR" altLang="en-US" smtClean="0"/>
-              <a:t>2019-03-08</a:t>
+              <a:t>2019-03-14</a:t>
             </a:fld>
             <a:endParaRPr lang="ko-KR" altLang="en-US"/>
           </a:p>
@@ -2112,7 +2453,7 @@
           <a:p>
             <a:fld id="{DF8C5CDB-1AEF-4522-8EAF-CE1F4E5D863E}" type="datetimeFigureOut">
               <a:rPr lang="ko-KR" altLang="en-US" smtClean="0"/>
-              <a:t>2019-03-08</a:t>
+              <a:t>2019-03-14</a:t>
             </a:fld>
             <a:endParaRPr lang="ko-KR" altLang="en-US"/>
           </a:p>
@@ -2230,7 +2571,7 @@
           <a:p>
             <a:fld id="{DF8C5CDB-1AEF-4522-8EAF-CE1F4E5D863E}" type="datetimeFigureOut">
               <a:rPr lang="ko-KR" altLang="en-US" smtClean="0"/>
-              <a:t>2019-03-08</a:t>
+              <a:t>2019-03-14</a:t>
             </a:fld>
             <a:endParaRPr lang="ko-KR" altLang="en-US"/>
           </a:p>
@@ -2325,7 +2666,7 @@
           <a:p>
             <a:fld id="{DF8C5CDB-1AEF-4522-8EAF-CE1F4E5D863E}" type="datetimeFigureOut">
               <a:rPr lang="ko-KR" altLang="en-US" smtClean="0"/>
-              <a:t>2019-03-08</a:t>
+              <a:t>2019-03-14</a:t>
             </a:fld>
             <a:endParaRPr lang="ko-KR" altLang="en-US"/>
           </a:p>
@@ -2602,7 +2943,7 @@
           <a:p>
             <a:fld id="{DF8C5CDB-1AEF-4522-8EAF-CE1F4E5D863E}" type="datetimeFigureOut">
               <a:rPr lang="ko-KR" altLang="en-US" smtClean="0"/>
-              <a:t>2019-03-08</a:t>
+              <a:t>2019-03-14</a:t>
             </a:fld>
             <a:endParaRPr lang="ko-KR" altLang="en-US"/>
           </a:p>
@@ -2855,7 +3196,7 @@
           <a:p>
             <a:fld id="{DF8C5CDB-1AEF-4522-8EAF-CE1F4E5D863E}" type="datetimeFigureOut">
               <a:rPr lang="ko-KR" altLang="en-US" smtClean="0"/>
-              <a:t>2019-03-08</a:t>
+              <a:t>2019-03-14</a:t>
             </a:fld>
             <a:endParaRPr lang="ko-KR" altLang="en-US"/>
           </a:p>
@@ -3077,7 +3418,7 @@
           <a:p>
             <a:fld id="{DF8C5CDB-1AEF-4522-8EAF-CE1F4E5D863E}" type="datetimeFigureOut">
               <a:rPr lang="ko-KR" altLang="en-US" smtClean="0"/>
-              <a:t>2019-03-08</a:t>
+              <a:t>2019-03-14</a:t>
             </a:fld>
             <a:endParaRPr lang="ko-KR" altLang="en-US"/>
           </a:p>
@@ -3598,8 +3939,9 @@
           </a:bodyPr>
           <a:lstStyle/>
           <a:p>
-            <a:r>
-              <a:rPr lang="en-US" altLang="ko-KR" sz="1400" dirty="0" err="1">
+            <a:pPr algn="r"/>
+            <a:r>
+              <a:rPr lang="en-US" altLang="ko-KR" sz="1400" b="1" dirty="0">
                 <a:solidFill>
                   <a:schemeClr val="tx1">
                     <a:lumMod val="65000"/>
@@ -3607,12 +3949,16 @@
                   </a:schemeClr>
                 </a:solidFill>
                 <a:latin typeface="Arial" pitchFamily="34" charset="0"/>
+                <a:ea typeface="맑은 고딕" pitchFamily="50" charset="-127"/>
                 <a:cs typeface="Arial" pitchFamily="34" charset="0"/>
               </a:rPr>
-              <a:t>Angelini</a:t>
-            </a:r>
-            <a:r>
-              <a:rPr lang="en-US" altLang="ko-KR" sz="1400" dirty="0">
+              <a:t>Angelini Mauro</a:t>
+            </a:r>
+          </a:p>
+          <a:p>
+            <a:pPr algn="r"/>
+            <a:r>
+              <a:rPr lang="en-US" altLang="ko-KR" sz="1400" b="1" dirty="0">
                 <a:solidFill>
                   <a:schemeClr val="tx1">
                     <a:lumMod val="65000"/>
@@ -3620,14 +3966,16 @@
                   </a:schemeClr>
                 </a:solidFill>
                 <a:latin typeface="Arial" pitchFamily="34" charset="0"/>
+                <a:ea typeface="맑은 고딕" pitchFamily="50" charset="-127"/>
                 <a:cs typeface="Arial" pitchFamily="34" charset="0"/>
               </a:rPr>
-              <a:t> Mauro</a:t>
-            </a:r>
-          </a:p>
-          <a:p>
-            <a:r>
-              <a:rPr lang="en-US" altLang="ko-KR" sz="1400" dirty="0">
+              <a:t>Caliendo Vincenzo</a:t>
+            </a:r>
+          </a:p>
+          <a:p>
+            <a:pPr algn="r"/>
+            <a:r>
+              <a:rPr lang="en-US" altLang="ko-KR" sz="1400" b="1" dirty="0" err="1">
                 <a:solidFill>
                   <a:schemeClr val="tx1">
                     <a:lumMod val="65000"/>
@@ -3635,14 +3983,13 @@
                   </a:schemeClr>
                 </a:solidFill>
                 <a:latin typeface="Arial" pitchFamily="34" charset="0"/>
+                <a:ea typeface="맑은 고딕" pitchFamily="50" charset="-127"/>
                 <a:cs typeface="Arial" pitchFamily="34" charset="0"/>
               </a:rPr>
-              <a:t>Caliendo Vincenzo</a:t>
-            </a:r>
-          </a:p>
-          <a:p>
-            <a:r>
-              <a:rPr lang="en-US" altLang="ko-KR" sz="1400" dirty="0" err="1">
+              <a:t>Ghigo</a:t>
+            </a:r>
+            <a:r>
+              <a:rPr lang="en-US" altLang="ko-KR" sz="1400" b="1" dirty="0">
                 <a:solidFill>
                   <a:schemeClr val="tx1">
                     <a:lumMod val="65000"/>
@@ -3650,12 +3997,16 @@
                   </a:schemeClr>
                 </a:solidFill>
                 <a:latin typeface="Arial" pitchFamily="34" charset="0"/>
+                <a:ea typeface="맑은 고딕" pitchFamily="50" charset="-127"/>
                 <a:cs typeface="Arial" pitchFamily="34" charset="0"/>
               </a:rPr>
-              <a:t>Ghigo</a:t>
-            </a:r>
-            <a:r>
-              <a:rPr lang="en-US" altLang="ko-KR" sz="1400" dirty="0">
+              <a:t> Paolo</a:t>
+            </a:r>
+          </a:p>
+          <a:p>
+            <a:pPr algn="r"/>
+            <a:r>
+              <a:rPr lang="en-US" altLang="ko-KR" sz="1400" b="1" dirty="0">
                 <a:solidFill>
                   <a:schemeClr val="tx1">
                     <a:lumMod val="65000"/>
@@ -3663,52 +4014,12 @@
                   </a:schemeClr>
                 </a:solidFill>
                 <a:latin typeface="Arial" pitchFamily="34" charset="0"/>
+                <a:ea typeface="맑은 고딕" pitchFamily="50" charset="-127"/>
                 <a:cs typeface="Arial" pitchFamily="34" charset="0"/>
               </a:rPr>
-              <a:t> Paolo</a:t>
-            </a:r>
-          </a:p>
-          <a:p>
-            <a:r>
-              <a:rPr lang="en-US" altLang="ko-KR" sz="1400" dirty="0" err="1">
-                <a:solidFill>
-                  <a:schemeClr val="tx1">
-                    <a:lumMod val="65000"/>
-                    <a:lumOff val="35000"/>
-                  </a:schemeClr>
-                </a:solidFill>
-                <a:latin typeface="Arial" pitchFamily="34" charset="0"/>
-                <a:cs typeface="Arial" pitchFamily="34" charset="0"/>
-              </a:rPr>
-              <a:t>Gilardi</a:t>
-            </a:r>
-            <a:r>
-              <a:rPr lang="en-US" altLang="ko-KR" sz="1400" dirty="0">
-                <a:solidFill>
-                  <a:schemeClr val="tx1">
-                    <a:lumMod val="65000"/>
-                    <a:lumOff val="35000"/>
-                  </a:schemeClr>
-                </a:solidFill>
-                <a:latin typeface="Arial" pitchFamily="34" charset="0"/>
-                <a:cs typeface="Arial" pitchFamily="34" charset="0"/>
-              </a:rPr>
-              <a:t> </a:t>
-            </a:r>
-            <a:r>
-              <a:rPr lang="en-US" altLang="ko-KR" sz="1400" dirty="0" err="1">
-                <a:solidFill>
-                  <a:schemeClr val="tx1">
-                    <a:lumMod val="65000"/>
-                    <a:lumOff val="35000"/>
-                  </a:schemeClr>
-                </a:solidFill>
-                <a:latin typeface="Arial" pitchFamily="34" charset="0"/>
-                <a:cs typeface="Arial" pitchFamily="34" charset="0"/>
-              </a:rPr>
-              <a:t>Alessio</a:t>
-            </a:r>
-            <a:endParaRPr lang="ko-KR" altLang="en-US" sz="1400" dirty="0">
+              <a:t>Gilardi Alessio</a:t>
+            </a:r>
+            <a:endParaRPr lang="ko-KR" altLang="en-US" sz="1400" b="1" dirty="0">
               <a:solidFill>
                 <a:schemeClr val="tx1">
                   <a:lumMod val="65000"/>
@@ -3716,161 +4027,12 @@
                 </a:schemeClr>
               </a:solidFill>
               <a:latin typeface="Arial" pitchFamily="34" charset="0"/>
+              <a:ea typeface="맑은 고딕" pitchFamily="50" charset="-127"/>
               <a:cs typeface="Arial" pitchFamily="34" charset="0"/>
             </a:endParaRPr>
           </a:p>
         </p:txBody>
       </p:sp>
-      <p:pic>
-        <p:nvPicPr>
-          <p:cNvPr id="9" name="Immagine 8"/>
-          <p:cNvPicPr>
-            <a:picLocks noChangeAspect="1"/>
-          </p:cNvPicPr>
-          <p:nvPr/>
-        </p:nvPicPr>
-        <p:blipFill>
-          <a:blip r:embed="rId3" cstate="print">
-            <a:extLst>
-              <a:ext uri="{28A0092B-C50C-407E-A947-70E740481C1C}">
-                <a14:useLocalDpi xmlns:a14="http://schemas.microsoft.com/office/drawing/2010/main" val="0"/>
-              </a:ext>
-            </a:extLst>
-          </a:blip>
-          <a:stretch>
-            <a:fillRect/>
-          </a:stretch>
-        </p:blipFill>
-        <p:spPr>
-          <a:xfrm>
-            <a:off x="179512" y="4468193"/>
-            <a:ext cx="1114320" cy="572830"/>
-          </a:xfrm>
-          <a:prstGeom prst="rect">
-            <a:avLst/>
-          </a:prstGeom>
-        </p:spPr>
-      </p:pic>
-      <p:pic>
-        <p:nvPicPr>
-          <p:cNvPr id="10" name="Immagine 9"/>
-          <p:cNvPicPr>
-            <a:picLocks noChangeAspect="1"/>
-          </p:cNvPicPr>
-          <p:nvPr/>
-        </p:nvPicPr>
-        <p:blipFill>
-          <a:blip r:embed="rId4" cstate="print">
-            <a:extLst>
-              <a:ext uri="{28A0092B-C50C-407E-A947-70E740481C1C}">
-                <a14:useLocalDpi xmlns:a14="http://schemas.microsoft.com/office/drawing/2010/main" val="0"/>
-              </a:ext>
-            </a:extLst>
-          </a:blip>
-          <a:stretch>
-            <a:fillRect/>
-          </a:stretch>
-        </p:blipFill>
-        <p:spPr>
-          <a:xfrm>
-            <a:off x="2123728" y="4675414"/>
-            <a:ext cx="1008112" cy="319346"/>
-          </a:xfrm>
-          <a:prstGeom prst="rect">
-            <a:avLst/>
-          </a:prstGeom>
-        </p:spPr>
-      </p:pic>
-      <p:pic>
-        <p:nvPicPr>
-          <p:cNvPr id="12" name="Immagine 11"/>
-          <p:cNvPicPr>
-            <a:picLocks noChangeAspect="1"/>
-          </p:cNvPicPr>
-          <p:nvPr/>
-        </p:nvPicPr>
-        <p:blipFill>
-          <a:blip r:embed="rId5" cstate="print">
-            <a:extLst>
-              <a:ext uri="{28A0092B-C50C-407E-A947-70E740481C1C}">
-                <a14:useLocalDpi xmlns:a14="http://schemas.microsoft.com/office/drawing/2010/main" val="0"/>
-              </a:ext>
-            </a:extLst>
-          </a:blip>
-          <a:stretch>
-            <a:fillRect/>
-          </a:stretch>
-        </p:blipFill>
-        <p:spPr>
-          <a:xfrm>
-            <a:off x="3851920" y="4603002"/>
-            <a:ext cx="828600" cy="464170"/>
-          </a:xfrm>
-          <a:prstGeom prst="rect">
-            <a:avLst/>
-          </a:prstGeom>
-        </p:spPr>
-      </p:pic>
-      <p:pic>
-        <p:nvPicPr>
-          <p:cNvPr id="13" name="Immagine 12"/>
-          <p:cNvPicPr>
-            <a:picLocks noChangeAspect="1"/>
-          </p:cNvPicPr>
-          <p:nvPr/>
-        </p:nvPicPr>
-        <p:blipFill>
-          <a:blip r:embed="rId6" cstate="print">
-            <a:extLst>
-              <a:ext uri="{28A0092B-C50C-407E-A947-70E740481C1C}">
-                <a14:useLocalDpi xmlns:a14="http://schemas.microsoft.com/office/drawing/2010/main" val="0"/>
-              </a:ext>
-            </a:extLst>
-          </a:blip>
-          <a:stretch>
-            <a:fillRect/>
-          </a:stretch>
-        </p:blipFill>
-        <p:spPr>
-          <a:xfrm>
-            <a:off x="7164288" y="4803998"/>
-            <a:ext cx="925919" cy="241896"/>
-          </a:xfrm>
-          <a:prstGeom prst="rect">
-            <a:avLst/>
-          </a:prstGeom>
-        </p:spPr>
-      </p:pic>
-      <p:pic>
-        <p:nvPicPr>
-          <p:cNvPr id="14" name="Immagine 13"/>
-          <p:cNvPicPr>
-            <a:picLocks noChangeAspect="1"/>
-          </p:cNvPicPr>
-          <p:nvPr/>
-        </p:nvPicPr>
-        <p:blipFill>
-          <a:blip r:embed="rId7" cstate="print">
-            <a:extLst>
-              <a:ext uri="{28A0092B-C50C-407E-A947-70E740481C1C}">
-                <a14:useLocalDpi xmlns:a14="http://schemas.microsoft.com/office/drawing/2010/main" val="0"/>
-              </a:ext>
-            </a:extLst>
-          </a:blip>
-          <a:stretch>
-            <a:fillRect/>
-          </a:stretch>
-        </p:blipFill>
-        <p:spPr>
-          <a:xfrm>
-            <a:off x="5292080" y="4675414"/>
-            <a:ext cx="1355913" cy="573931"/>
-          </a:xfrm>
-          <a:prstGeom prst="rect">
-            <a:avLst/>
-          </a:prstGeom>
-        </p:spPr>
-      </p:pic>
     </p:spTree>
     <p:extLst>
       <p:ext uri="{BB962C8B-B14F-4D97-AF65-F5344CB8AC3E}">
@@ -3881,13 +4043,6 @@
   <p:clrMapOvr>
     <a:masterClrMapping/>
   </p:clrMapOvr>
-  <p:timing>
-    <p:tnLst>
-      <p:par>
-        <p:cTn id="1" dur="indefinite" restart="never" nodeType="tmRoot"/>
-      </p:par>
-    </p:tnLst>
-  </p:timing>
 </p:sld>
 </file>
 
@@ -3924,6 +4079,17 @@
           <a:lstStyle/>
           <a:p>
             <a:r>
+              <a:rPr lang="en-GB" dirty="0" err="1">
+                <a:solidFill>
+                  <a:schemeClr val="bg1">
+                    <a:lumMod val="50000"/>
+                  </a:schemeClr>
+                </a:solidFill>
+                <a:latin typeface="+mj-lt"/>
+              </a:rPr>
+              <a:t>Tecniche</a:t>
+            </a:r>
+            <a:r>
               <a:rPr lang="en-GB" dirty="0">
                 <a:solidFill>
                   <a:schemeClr val="bg1">
@@ -3932,7 +4098,18 @@
                 </a:solidFill>
                 <a:latin typeface="+mj-lt"/>
               </a:rPr>
-              <a:t>Construct</a:t>
+              <a:t> di </a:t>
+            </a:r>
+            <a:r>
+              <a:rPr lang="en-GB" dirty="0" err="1">
+                <a:solidFill>
+                  <a:schemeClr val="bg1">
+                    <a:lumMod val="50000"/>
+                  </a:schemeClr>
+                </a:solidFill>
+                <a:latin typeface="+mj-lt"/>
+              </a:rPr>
+              <a:t>costruzione</a:t>
             </a:r>
             <a:endParaRPr lang="it-IT" dirty="0">
               <a:solidFill>
@@ -3958,7 +4135,7 @@
         <p:spPr/>
         <p:txBody>
           <a:bodyPr>
-            <a:normAutofit fontScale="92500" lnSpcReduction="20000"/>
+            <a:normAutofit/>
           </a:bodyPr>
           <a:lstStyle/>
           <a:p>
@@ -3967,39 +4144,23 @@
             </a:pPr>
             <a:r>
               <a:rPr lang="it-IT" dirty="0"/>
-              <a:t>Questa tecnica di costruzione del grafo         riassembla i vari nodi in maniera randomica:   ciò comporta che ad ogni persona </a:t>
-            </a:r>
-            <a:r>
-              <a:rPr lang="it-IT" dirty="0" smtClean="0"/>
-              <a:t>viene attribuito </a:t>
+              <a:t>Entrambe le tecniche proposte utilizzano il vettore dei gradi generato da una delle    due tecniche di </a:t>
+            </a:r>
+            <a:r>
+              <a:rPr lang="it-IT" dirty="0" err="1"/>
+              <a:t>anonimizzazione</a:t>
             </a:r>
             <a:r>
               <a:rPr lang="it-IT" dirty="0"/>
-              <a:t>un numero di archi pari al numero  indicato dal grado di anonimizzazione </a:t>
-            </a:r>
-            <a:r>
-              <a:rPr lang="it-IT" dirty="0" smtClean="0"/>
-              <a:t>presente </a:t>
+              <a:t> viste      precedentemente per ricreare una versione del grafo che rispetti il vincolo di            </a:t>
+            </a:r>
+            <a:r>
+              <a:rPr lang="it-IT" dirty="0" err="1"/>
+              <a:t>anonimizzazione</a:t>
             </a:r>
             <a:r>
               <a:rPr lang="it-IT" dirty="0"/>
-              <a:t>nel vettore sopra citato</a:t>
-            </a:r>
-            <a:r>
-              <a:rPr lang="it-IT" dirty="0" smtClean="0"/>
-              <a:t>, </a:t>
-            </a:r>
-            <a:r>
-              <a:rPr lang="it-IT" dirty="0"/>
-              <a:t>tuttavia gli archi così generati non </a:t>
-            </a:r>
-            <a:r>
-              <a:rPr lang="it-IT" dirty="0" smtClean="0"/>
-              <a:t>avranno </a:t>
-            </a:r>
-            <a:r>
-              <a:rPr lang="it-IT" dirty="0"/>
-              <a:t>alcun riferimento con quelli presenti nel grafo originale non anonimizzato.</a:t>
+              <a:t> K.</a:t>
             </a:r>
           </a:p>
           <a:p>
@@ -4010,53 +4171,16 @@
           </a:p>
         </p:txBody>
       </p:sp>
-      <p:pic>
-        <p:nvPicPr>
-          <p:cNvPr id="4" name="Immagine 3"/>
-          <p:cNvPicPr>
-            <a:picLocks noChangeAspect="1"/>
-          </p:cNvPicPr>
-          <p:nvPr/>
-        </p:nvPicPr>
-        <p:blipFill>
-          <a:blip r:embed="rId2" cstate="print">
-            <a:extLst>
-              <a:ext uri="{28A0092B-C50C-407E-A947-70E740481C1C}">
-                <a14:useLocalDpi xmlns:a14="http://schemas.microsoft.com/office/drawing/2010/main" val="0"/>
-              </a:ext>
-            </a:extLst>
-          </a:blip>
-          <a:stretch>
-            <a:fillRect/>
-          </a:stretch>
-        </p:blipFill>
-        <p:spPr>
-          <a:xfrm>
-            <a:off x="179512" y="4468193"/>
-            <a:ext cx="1114320" cy="572830"/>
-          </a:xfrm>
-          <a:prstGeom prst="rect">
-            <a:avLst/>
-          </a:prstGeom>
-        </p:spPr>
-      </p:pic>
     </p:spTree>
     <p:extLst>
       <p:ext uri="{BB962C8B-B14F-4D97-AF65-F5344CB8AC3E}">
-        <p14:creationId xmlns:p14="http://schemas.microsoft.com/office/powerpoint/2010/main" val="2909754712"/>
+        <p14:creationId xmlns:p14="http://schemas.microsoft.com/office/powerpoint/2010/main" val="661557160"/>
       </p:ext>
     </p:extLst>
   </p:cSld>
   <p:clrMapOvr>
     <a:masterClrMapping/>
   </p:clrMapOvr>
-  <p:timing>
-    <p:tnLst>
-      <p:par>
-        <p:cTn id="1" dur="indefinite" restart="never" nodeType="tmRoot"/>
-      </p:par>
-    </p:tnLst>
-  </p:timing>
 </p:sld>
 </file>
 
@@ -4101,7 +4225,7 @@
                 </a:solidFill>
                 <a:latin typeface="+mj-lt"/>
               </a:rPr>
-              <a:t>Priority</a:t>
+              <a:t>Construct</a:t>
             </a:r>
             <a:endParaRPr lang="it-IT" dirty="0">
               <a:solidFill>
@@ -4127,7 +4251,7 @@
         <p:spPr/>
         <p:txBody>
           <a:bodyPr>
-            <a:normAutofit lnSpcReduction="10000"/>
+            <a:normAutofit fontScale="92500" lnSpcReduction="20000"/>
           </a:bodyPr>
           <a:lstStyle/>
           <a:p>
@@ -4135,95 +4259,28 @@
               <a:buNone/>
             </a:pPr>
             <a:r>
-              <a:rPr lang="it-IT" sz="2400" dirty="0"/>
-              <a:t>Questa tecnica di costruzione del grafo,</a:t>
-            </a:r>
-            <a:r>
-              <a:rPr lang="it-IT" sz="2400" b="1" dirty="0"/>
-              <a:t> </a:t>
-            </a:r>
-            <a:r>
-              <a:rPr lang="it-IT" sz="2400" dirty="0"/>
-              <a:t>viceversa, parte dal grafo originale e aggiunge solamente ad ogni nodo un numero di archi necessario a portarlo al nuovo grado di </a:t>
-            </a:r>
-            <a:r>
-              <a:rPr lang="it-IT" sz="2400" dirty="0" err="1"/>
-              <a:t>anonimizzazione</a:t>
-            </a:r>
-            <a:r>
-              <a:rPr lang="it-IT" sz="2400" dirty="0"/>
-              <a:t> precedentemente calcolato,            mantenendo una coerenza col grafo originale.             Dato che questa versione dell’algoritmo di costruzione   del grafo deve valutare per ogni nodo l’introduzione di  ogni possibile arco fino al raggiungimento del grado      richiesto per l’</a:t>
-            </a:r>
-            <a:r>
-              <a:rPr lang="it-IT" sz="2400" dirty="0" err="1"/>
-              <a:t>anonimizzazione</a:t>
-            </a:r>
-            <a:r>
-              <a:rPr lang="it-IT" sz="2400" dirty="0"/>
-              <a:t>, è atteso che la              complessità sia più elevata.</a:t>
+              <a:rPr lang="it-IT" dirty="0"/>
+              <a:t>Questa tecnica di costruzione del grafo         riassembla i vari nodi in maniera randomica:   ciò comporta che ad ogni persona viene attribuito un numero di archi pari al numero  indicato dal grado di anonimizzazione presente nel vettore sopra citato, tuttavia gli archi così generati non avranno alcun riferimento con quelli presenti nel grafo originale non anonimizzato.</a:t>
             </a:r>
           </a:p>
           <a:p>
             <a:pPr marL="0" indent="0" algn="ctr">
               <a:buNone/>
             </a:pPr>
-            <a:endParaRPr lang="it-IT" sz="2400" dirty="0"/>
-          </a:p>
-          <a:p>
-            <a:pPr marL="0" indent="0" algn="ctr">
-              <a:buNone/>
-            </a:pPr>
-            <a:endParaRPr lang="it-IT" sz="2400" dirty="0"/>
-          </a:p>
-        </p:txBody>
-      </p:sp>
-      <p:pic>
-        <p:nvPicPr>
-          <p:cNvPr id="4" name="Immagine 3"/>
-          <p:cNvPicPr>
-            <a:picLocks noChangeAspect="1"/>
-          </p:cNvPicPr>
-          <p:nvPr/>
-        </p:nvPicPr>
-        <p:blipFill>
-          <a:blip r:embed="rId3" cstate="print">
-            <a:extLst>
-              <a:ext uri="{28A0092B-C50C-407E-A947-70E740481C1C}">
-                <a14:useLocalDpi xmlns:a14="http://schemas.microsoft.com/office/drawing/2010/main" val="0"/>
-              </a:ext>
-            </a:extLst>
-          </a:blip>
-          <a:stretch>
-            <a:fillRect/>
-          </a:stretch>
-        </p:blipFill>
-        <p:spPr>
-          <a:xfrm>
-            <a:off x="179512" y="4468193"/>
-            <a:ext cx="1114320" cy="572830"/>
-          </a:xfrm>
-          <a:prstGeom prst="rect">
-            <a:avLst/>
-          </a:prstGeom>
-        </p:spPr>
-      </p:pic>
+            <a:endParaRPr lang="it-IT" dirty="0"/>
+          </a:p>
+        </p:txBody>
+      </p:sp>
     </p:spTree>
     <p:extLst>
       <p:ext uri="{BB962C8B-B14F-4D97-AF65-F5344CB8AC3E}">
-        <p14:creationId xmlns:p14="http://schemas.microsoft.com/office/powerpoint/2010/main" val="2213572595"/>
+        <p14:creationId xmlns:p14="http://schemas.microsoft.com/office/powerpoint/2010/main" val="2909754712"/>
       </p:ext>
     </p:extLst>
   </p:cSld>
   <p:clrMapOvr>
     <a:masterClrMapping/>
   </p:clrMapOvr>
-  <p:timing>
-    <p:tnLst>
-      <p:par>
-        <p:cTn id="1" dur="indefinite" restart="never" nodeType="tmRoot"/>
-      </p:par>
-    </p:tnLst>
-  </p:timing>
 </p:sld>
 </file>
 
@@ -4266,10 +4323,18 @@
                     <a:lumMod val="50000"/>
                   </a:schemeClr>
                 </a:solidFill>
+                <a:latin typeface="+mj-lt"/>
               </a:rPr>
-              <a:t>Testing</a:t>
-            </a:r>
-            <a:endParaRPr lang="it-IT" dirty="0"/>
+              <a:t>Priority</a:t>
+            </a:r>
+            <a:endParaRPr lang="it-IT" dirty="0">
+              <a:solidFill>
+                <a:schemeClr val="bg1">
+                  <a:lumMod val="50000"/>
+                </a:schemeClr>
+              </a:solidFill>
+              <a:latin typeface="+mj-lt"/>
+            </a:endParaRPr>
           </a:p>
         </p:txBody>
       </p:sp>
@@ -4286,7 +4351,7 @@
         <p:spPr/>
         <p:txBody>
           <a:bodyPr>
-            <a:normAutofit/>
+            <a:normAutofit lnSpcReduction="10000"/>
           </a:bodyPr>
           <a:lstStyle/>
           <a:p>
@@ -4295,55 +4360,31 @@
             </a:pPr>
             <a:r>
               <a:rPr lang="it-IT" sz="2400" dirty="0"/>
-              <a:t>Per il testing abbiamo eseguito l’algoritmo su istanze di diverse dimensioni, in particolare da 100,300,750           (di quest’ultima due versioni, uno più denso e uno più   sparso),1000 e 2000 nodi, scrivendo un programma in     </a:t>
+              <a:t>Questa tecnica di costruzione del grafo,</a:t>
+            </a:r>
+            <a:r>
+              <a:rPr lang="it-IT" sz="2400" b="1" dirty="0"/>
+              <a:t> </a:t>
+            </a:r>
+            <a:r>
+              <a:rPr lang="it-IT" sz="2400" dirty="0"/>
+              <a:t>viceversa, parte dal grafo originale e aggiunge solamente ad ogni nodo un numero di archi necessario a portarlo al nuovo grado di </a:t>
             </a:r>
             <a:r>
               <a:rPr lang="it-IT" sz="2400" dirty="0" err="1"/>
-              <a:t>python</a:t>
+              <a:t>anonimizzazione</a:t>
             </a:r>
             <a:r>
               <a:rPr lang="it-IT" sz="2400" dirty="0"/>
-              <a:t> che </a:t>
-            </a:r>
-            <a:r>
-              <a:rPr lang="it-IT" sz="2400" dirty="0" smtClean="0"/>
-              <a:t>automaticamente anonimizza </a:t>
+              <a:t> precedentemente calcolato,            mantenendo una coerenza col grafo originale.             Dato che questa versione dell’algoritmo di costruzione   del grafo deve valutare per ogni nodo l’introduzione di  ogni possibile arco fino al raggiungimento del grado      richiesto per l’</a:t>
+            </a:r>
+            <a:r>
+              <a:rPr lang="it-IT" sz="2400" dirty="0" err="1"/>
+              <a:t>anonimizzazione</a:t>
             </a:r>
             <a:r>
               <a:rPr lang="it-IT" sz="2400" dirty="0"/>
-              <a:t>il </a:t>
-            </a:r>
-            <a:r>
-              <a:rPr lang="it-IT" sz="2400" dirty="0" smtClean="0"/>
-              <a:t>grafo </a:t>
-            </a:r>
-            <a:r>
-              <a:rPr lang="it-IT" sz="2400" dirty="0"/>
-              <a:t>sulle diverse istanze con valori di K crescenti </a:t>
-            </a:r>
-            <a:r>
-              <a:rPr lang="it-IT" sz="2400" dirty="0" smtClean="0"/>
-              <a:t>utilizzando </a:t>
-            </a:r>
-            <a:r>
-              <a:rPr lang="it-IT" sz="2400" dirty="0"/>
-              <a:t>le 4 combinazioni possibili delle tecniche proposte in </a:t>
-            </a:r>
-            <a:r>
-              <a:rPr lang="it-IT" sz="2400" dirty="0" smtClean="0"/>
-              <a:t>precedenza</a:t>
-            </a:r>
-            <a:r>
-              <a:rPr lang="it-IT" sz="2400" dirty="0"/>
-              <a:t>, e presentando i risultati (a livello di </a:t>
-            </a:r>
-            <a:r>
-              <a:rPr lang="it-IT" sz="2400" dirty="0" smtClean="0"/>
-              <a:t>costo e </a:t>
-            </a:r>
-            <a:r>
-              <a:rPr lang="it-IT" sz="2400" dirty="0"/>
-              <a:t>tempo) in maniera grafica, che presentiamo di seguito:</a:t>
+              <a:t>, è atteso che la              complessità sia più elevata.</a:t>
             </a:r>
           </a:p>
           <a:p>
@@ -4352,61 +4393,24 @@
             </a:pPr>
             <a:endParaRPr lang="it-IT" sz="2400" dirty="0"/>
           </a:p>
-        </p:txBody>
-      </p:sp>
-      <p:pic>
-        <p:nvPicPr>
-          <p:cNvPr id="4" name="Immagine 3">
-            <a:extLst>
-              <a:ext uri="{FF2B5EF4-FFF2-40B4-BE49-F238E27FC236}">
-                <a16:creationId xmlns:a16="http://schemas.microsoft.com/office/drawing/2014/main" id="{C6253586-9EFE-314E-8B11-B2B924981970}"/>
-              </a:ext>
-            </a:extLst>
-          </p:cNvPr>
-          <p:cNvPicPr>
-            <a:picLocks noChangeAspect="1"/>
-          </p:cNvPicPr>
-          <p:nvPr/>
-        </p:nvPicPr>
-        <p:blipFill>
-          <a:blip r:embed="rId2" cstate="print">
-            <a:extLst>
-              <a:ext uri="{28A0092B-C50C-407E-A947-70E740481C1C}">
-                <a14:useLocalDpi xmlns:a14="http://schemas.microsoft.com/office/drawing/2010/main" val="0"/>
-              </a:ext>
-            </a:extLst>
-          </a:blip>
-          <a:stretch>
-            <a:fillRect/>
-          </a:stretch>
-        </p:blipFill>
-        <p:spPr>
-          <a:xfrm>
-            <a:off x="179512" y="4468193"/>
-            <a:ext cx="1114320" cy="572830"/>
-          </a:xfrm>
-          <a:prstGeom prst="rect">
-            <a:avLst/>
-          </a:prstGeom>
-        </p:spPr>
-      </p:pic>
+          <a:p>
+            <a:pPr marL="0" indent="0" algn="ctr">
+              <a:buNone/>
+            </a:pPr>
+            <a:endParaRPr lang="it-IT" sz="2400" dirty="0"/>
+          </a:p>
+        </p:txBody>
+      </p:sp>
     </p:spTree>
     <p:extLst>
       <p:ext uri="{BB962C8B-B14F-4D97-AF65-F5344CB8AC3E}">
-        <p14:creationId xmlns:p14="http://schemas.microsoft.com/office/powerpoint/2010/main" val="4293783340"/>
+        <p14:creationId xmlns:p14="http://schemas.microsoft.com/office/powerpoint/2010/main" val="2213572595"/>
       </p:ext>
     </p:extLst>
   </p:cSld>
   <p:clrMapOvr>
     <a:masterClrMapping/>
   </p:clrMapOvr>
-  <p:timing>
-    <p:tnLst>
-      <p:par>
-        <p:cTn id="1" dur="indefinite" restart="never" nodeType="tmRoot"/>
-      </p:par>
-    </p:tnLst>
-  </p:timing>
 </p:sld>
 </file>
 
@@ -4443,6 +4447,106 @@
           <a:lstStyle/>
           <a:p>
             <a:r>
+              <a:rPr lang="en-GB" dirty="0">
+                <a:solidFill>
+                  <a:schemeClr val="bg1">
+                    <a:lumMod val="50000"/>
+                  </a:schemeClr>
+                </a:solidFill>
+              </a:rPr>
+              <a:t>Testing</a:t>
+            </a:r>
+            <a:endParaRPr lang="it-IT" dirty="0"/>
+          </a:p>
+        </p:txBody>
+      </p:sp>
+      <p:sp>
+        <p:nvSpPr>
+          <p:cNvPr id="3" name="Segnaposto contenuto 2"/>
+          <p:cNvSpPr>
+            <a:spLocks noGrp="1"/>
+          </p:cNvSpPr>
+          <p:nvPr>
+            <p:ph idx="1"/>
+          </p:nvPr>
+        </p:nvSpPr>
+        <p:spPr/>
+        <p:txBody>
+          <a:bodyPr>
+            <a:normAutofit/>
+          </a:bodyPr>
+          <a:lstStyle/>
+          <a:p>
+            <a:pPr marL="0" indent="0" algn="ctr">
+              <a:buNone/>
+            </a:pPr>
+            <a:r>
+              <a:rPr lang="it-IT" sz="2400" dirty="0"/>
+              <a:t>Per il testing abbiamo eseguito l’algoritmo su istanze di diverse dimensioni, in particolare da 100,300,750           (di quest’ultima due versioni, uno più denso e uno più   sparso),1000 e 2000 nodi, scrivendo un programma in     </a:t>
+            </a:r>
+            <a:r>
+              <a:rPr lang="it-IT" sz="2400" dirty="0" err="1"/>
+              <a:t>python</a:t>
+            </a:r>
+            <a:r>
+              <a:rPr lang="it-IT" sz="2400" dirty="0"/>
+              <a:t> che automaticamente anonimizza il grafo sulle diverse istanze con valori di K crescenti utilizzando le 4 combinazioni possibili delle tecniche proposte in precedenza, e presentando i risultati (a livello di costo e tempo) in maniera grafica, che presentiamo di seguito:</a:t>
+            </a:r>
+          </a:p>
+          <a:p>
+            <a:pPr marL="0" indent="0" algn="ctr">
+              <a:buNone/>
+            </a:pPr>
+            <a:endParaRPr lang="it-IT" sz="2400" dirty="0"/>
+          </a:p>
+        </p:txBody>
+      </p:sp>
+    </p:spTree>
+    <p:extLst>
+      <p:ext uri="{BB962C8B-B14F-4D97-AF65-F5344CB8AC3E}">
+        <p14:creationId xmlns:p14="http://schemas.microsoft.com/office/powerpoint/2010/main" val="4293783340"/>
+      </p:ext>
+    </p:extLst>
+  </p:cSld>
+  <p:clrMapOvr>
+    <a:masterClrMapping/>
+  </p:clrMapOvr>
+</p:sld>
+</file>
+
+<file path=ppt/slides/slide14.xml><?xml version="1.0" encoding="utf-8"?>
+<p:sld xmlns:a="http://schemas.openxmlformats.org/drawingml/2006/main" xmlns:r="http://schemas.openxmlformats.org/officeDocument/2006/relationships" xmlns:p="http://schemas.openxmlformats.org/presentationml/2006/main">
+  <p:cSld>
+    <p:spTree>
+      <p:nvGrpSpPr>
+        <p:cNvPr id="1" name=""/>
+        <p:cNvGrpSpPr/>
+        <p:nvPr/>
+      </p:nvGrpSpPr>
+      <p:grpSpPr>
+        <a:xfrm>
+          <a:off x="0" y="0"/>
+          <a:ext cx="0" cy="0"/>
+          <a:chOff x="0" y="0"/>
+          <a:chExt cx="0" cy="0"/>
+        </a:xfrm>
+      </p:grpSpPr>
+      <p:sp>
+        <p:nvSpPr>
+          <p:cNvPr id="2" name="Titolo 1"/>
+          <p:cNvSpPr>
+            <a:spLocks noGrp="1"/>
+          </p:cNvSpPr>
+          <p:nvPr>
+            <p:ph type="title"/>
+          </p:nvPr>
+        </p:nvSpPr>
+        <p:spPr/>
+        <p:txBody>
+          <a:bodyPr/>
+          <a:lstStyle/>
+          <a:p>
+            <a:r>
               <a:rPr lang="en-GB" dirty="0" err="1">
                 <a:solidFill>
                   <a:schemeClr val="bg1">
@@ -4517,42 +4621,6 @@
           </a:p>
         </p:txBody>
       </p:sp>
-      <p:pic>
-        <p:nvPicPr>
-          <p:cNvPr id="4" name="Immagine 3">
-            <a:extLst>
-              <a:ext uri="{FF2B5EF4-FFF2-40B4-BE49-F238E27FC236}">
-                <a16:creationId xmlns:a16="http://schemas.microsoft.com/office/drawing/2014/main" id="{DA9C3F0C-49E7-A346-B29F-FA5BFC2892B9}"/>
-              </a:ext>
-            </a:extLst>
-          </p:cNvPr>
-          <p:cNvPicPr>
-            <a:picLocks noChangeAspect="1"/>
-          </p:cNvPicPr>
-          <p:nvPr/>
-        </p:nvPicPr>
-        <p:blipFill>
-          <a:blip r:embed="rId2" cstate="print">
-            <a:extLst>
-              <a:ext uri="{28A0092B-C50C-407E-A947-70E740481C1C}">
-                <a14:useLocalDpi xmlns:a14="http://schemas.microsoft.com/office/drawing/2010/main" val="0"/>
-              </a:ext>
-            </a:extLst>
-          </a:blip>
-          <a:stretch>
-            <a:fillRect/>
-          </a:stretch>
-        </p:blipFill>
-        <p:spPr>
-          <a:xfrm>
-            <a:off x="179512" y="4468193"/>
-            <a:ext cx="1114320" cy="572830"/>
-          </a:xfrm>
-          <a:prstGeom prst="rect">
-            <a:avLst/>
-          </a:prstGeom>
-        </p:spPr>
-      </p:pic>
       <p:pic>
         <p:nvPicPr>
           <p:cNvPr id="6" name="Immagine 5">
@@ -4568,7 +4636,7 @@
           <p:nvPr/>
         </p:nvPicPr>
         <p:blipFill>
-          <a:blip r:embed="rId3">
+          <a:blip r:embed="rId2">
             <a:extLst>
               <a:ext uri="{28A0092B-C50C-407E-A947-70E740481C1C}">
                 <a14:useLocalDpi xmlns:a14="http://schemas.microsoft.com/office/drawing/2010/main" val="0"/>
@@ -4599,17 +4667,10 @@
   <p:clrMapOvr>
     <a:masterClrMapping/>
   </p:clrMapOvr>
-  <p:timing>
-    <p:tnLst>
-      <p:par>
-        <p:cTn id="1" dur="indefinite" restart="never" nodeType="tmRoot"/>
-      </p:par>
-    </p:tnLst>
-  </p:timing>
 </p:sld>
 </file>
 
-<file path=ppt/slides/slide14.xml><?xml version="1.0" encoding="utf-8"?>
+<file path=ppt/slides/slide15.xml><?xml version="1.0" encoding="utf-8"?>
 <p:sld xmlns:a="http://schemas.openxmlformats.org/drawingml/2006/main" xmlns:r="http://schemas.openxmlformats.org/officeDocument/2006/relationships" xmlns:p="http://schemas.openxmlformats.org/presentationml/2006/main">
   <p:cSld>
     <p:spTree>
@@ -4718,42 +4779,6 @@
       </p:sp>
       <p:pic>
         <p:nvPicPr>
-          <p:cNvPr id="4" name="Immagine 3">
-            <a:extLst>
-              <a:ext uri="{FF2B5EF4-FFF2-40B4-BE49-F238E27FC236}">
-                <a16:creationId xmlns:a16="http://schemas.microsoft.com/office/drawing/2014/main" id="{DA9C3F0C-49E7-A346-B29F-FA5BFC2892B9}"/>
-              </a:ext>
-            </a:extLst>
-          </p:cNvPr>
-          <p:cNvPicPr>
-            <a:picLocks noChangeAspect="1"/>
-          </p:cNvPicPr>
-          <p:nvPr/>
-        </p:nvPicPr>
-        <p:blipFill>
-          <a:blip r:embed="rId2" cstate="print">
-            <a:extLst>
-              <a:ext uri="{28A0092B-C50C-407E-A947-70E740481C1C}">
-                <a14:useLocalDpi xmlns:a14="http://schemas.microsoft.com/office/drawing/2010/main" val="0"/>
-              </a:ext>
-            </a:extLst>
-          </a:blip>
-          <a:stretch>
-            <a:fillRect/>
-          </a:stretch>
-        </p:blipFill>
-        <p:spPr>
-          <a:xfrm>
-            <a:off x="179512" y="4468193"/>
-            <a:ext cx="1114320" cy="572830"/>
-          </a:xfrm>
-          <a:prstGeom prst="rect">
-            <a:avLst/>
-          </a:prstGeom>
-        </p:spPr>
-      </p:pic>
-      <p:pic>
-        <p:nvPicPr>
           <p:cNvPr id="7" name="Immagine 6">
             <a:extLst>
               <a:ext uri="{FF2B5EF4-FFF2-40B4-BE49-F238E27FC236}">
@@ -4767,7 +4792,7 @@
           <p:nvPr/>
         </p:nvPicPr>
         <p:blipFill>
-          <a:blip r:embed="rId3" cstate="print">
+          <a:blip r:embed="rId2" cstate="print">
             <a:extLst>
               <a:ext uri="{28A0092B-C50C-407E-A947-70E740481C1C}">
                 <a14:useLocalDpi xmlns:a14="http://schemas.microsoft.com/office/drawing/2010/main" val="0"/>
@@ -4801,7 +4826,7 @@
 </p:sld>
 </file>
 
-<file path=ppt/slides/slide15.xml><?xml version="1.0" encoding="utf-8"?>
+<file path=ppt/slides/slide16.xml><?xml version="1.0" encoding="utf-8"?>
 <p:sld xmlns:a="http://schemas.openxmlformats.org/drawingml/2006/main" xmlns:r="http://schemas.openxmlformats.org/officeDocument/2006/relationships" xmlns:p="http://schemas.openxmlformats.org/presentationml/2006/main">
   <p:cSld>
     <p:spTree>
@@ -4910,42 +4935,6 @@
       </p:sp>
       <p:pic>
         <p:nvPicPr>
-          <p:cNvPr id="4" name="Immagine 3">
-            <a:extLst>
-              <a:ext uri="{FF2B5EF4-FFF2-40B4-BE49-F238E27FC236}">
-                <a16:creationId xmlns:a16="http://schemas.microsoft.com/office/drawing/2014/main" id="{DA9C3F0C-49E7-A346-B29F-FA5BFC2892B9}"/>
-              </a:ext>
-            </a:extLst>
-          </p:cNvPr>
-          <p:cNvPicPr>
-            <a:picLocks noChangeAspect="1"/>
-          </p:cNvPicPr>
-          <p:nvPr/>
-        </p:nvPicPr>
-        <p:blipFill>
-          <a:blip r:embed="rId2" cstate="print">
-            <a:extLst>
-              <a:ext uri="{28A0092B-C50C-407E-A947-70E740481C1C}">
-                <a14:useLocalDpi xmlns:a14="http://schemas.microsoft.com/office/drawing/2010/main" val="0"/>
-              </a:ext>
-            </a:extLst>
-          </a:blip>
-          <a:stretch>
-            <a:fillRect/>
-          </a:stretch>
-        </p:blipFill>
-        <p:spPr>
-          <a:xfrm>
-            <a:off x="179512" y="4468193"/>
-            <a:ext cx="1114320" cy="572830"/>
-          </a:xfrm>
-          <a:prstGeom prst="rect">
-            <a:avLst/>
-          </a:prstGeom>
-        </p:spPr>
-      </p:pic>
-      <p:pic>
-        <p:nvPicPr>
           <p:cNvPr id="6" name="Immagine 5">
             <a:extLst>
               <a:ext uri="{FF2B5EF4-FFF2-40B4-BE49-F238E27FC236}">
@@ -4959,7 +4948,7 @@
           <p:nvPr/>
         </p:nvPicPr>
         <p:blipFill>
-          <a:blip r:embed="rId3" cstate="print">
+          <a:blip r:embed="rId2" cstate="print">
             <a:extLst>
               <a:ext uri="{28A0092B-C50C-407E-A947-70E740481C1C}">
                 <a14:useLocalDpi xmlns:a14="http://schemas.microsoft.com/office/drawing/2010/main" val="0"/>
@@ -4993,7 +4982,7 @@
 </p:sld>
 </file>
 
-<file path=ppt/slides/slide16.xml><?xml version="1.0" encoding="utf-8"?>
+<file path=ppt/slides/slide17.xml><?xml version="1.0" encoding="utf-8"?>
 <p:sld xmlns:a="http://schemas.openxmlformats.org/drawingml/2006/main" xmlns:r="http://schemas.openxmlformats.org/officeDocument/2006/relationships" xmlns:p="http://schemas.openxmlformats.org/presentationml/2006/main">
   <p:cSld>
     <p:spTree>
@@ -5136,42 +5125,6 @@
           </a:prstGeom>
         </p:spPr>
       </p:pic>
-      <p:pic>
-        <p:nvPicPr>
-          <p:cNvPr id="4" name="Immagine 3">
-            <a:extLst>
-              <a:ext uri="{FF2B5EF4-FFF2-40B4-BE49-F238E27FC236}">
-                <a16:creationId xmlns:a16="http://schemas.microsoft.com/office/drawing/2014/main" id="{DA9C3F0C-49E7-A346-B29F-FA5BFC2892B9}"/>
-              </a:ext>
-            </a:extLst>
-          </p:cNvPr>
-          <p:cNvPicPr>
-            <a:picLocks noChangeAspect="1"/>
-          </p:cNvPicPr>
-          <p:nvPr/>
-        </p:nvPicPr>
-        <p:blipFill>
-          <a:blip r:embed="rId3" cstate="print">
-            <a:extLst>
-              <a:ext uri="{28A0092B-C50C-407E-A947-70E740481C1C}">
-                <a14:useLocalDpi xmlns:a14="http://schemas.microsoft.com/office/drawing/2010/main" val="0"/>
-              </a:ext>
-            </a:extLst>
-          </a:blip>
-          <a:stretch>
-            <a:fillRect/>
-          </a:stretch>
-        </p:blipFill>
-        <p:spPr>
-          <a:xfrm>
-            <a:off x="179512" y="4468193"/>
-            <a:ext cx="1114320" cy="572830"/>
-          </a:xfrm>
-          <a:prstGeom prst="rect">
-            <a:avLst/>
-          </a:prstGeom>
-        </p:spPr>
-      </p:pic>
     </p:spTree>
     <p:extLst>
       <p:ext uri="{BB962C8B-B14F-4D97-AF65-F5344CB8AC3E}">
@@ -5185,7 +5138,7 @@
 </p:sld>
 </file>
 
-<file path=ppt/slides/slide17.xml><?xml version="1.0" encoding="utf-8"?>
+<file path=ppt/slides/slide18.xml><?xml version="1.0" encoding="utf-8"?>
 <p:sld xmlns:a="http://schemas.openxmlformats.org/drawingml/2006/main" xmlns:r="http://schemas.openxmlformats.org/officeDocument/2006/relationships" xmlns:p="http://schemas.openxmlformats.org/presentationml/2006/main">
   <p:cSld>
     <p:spTree>
@@ -5328,42 +5281,6 @@
           </a:prstGeom>
         </p:spPr>
       </p:pic>
-      <p:pic>
-        <p:nvPicPr>
-          <p:cNvPr id="4" name="Immagine 3">
-            <a:extLst>
-              <a:ext uri="{FF2B5EF4-FFF2-40B4-BE49-F238E27FC236}">
-                <a16:creationId xmlns:a16="http://schemas.microsoft.com/office/drawing/2014/main" id="{DA9C3F0C-49E7-A346-B29F-FA5BFC2892B9}"/>
-              </a:ext>
-            </a:extLst>
-          </p:cNvPr>
-          <p:cNvPicPr>
-            <a:picLocks noChangeAspect="1"/>
-          </p:cNvPicPr>
-          <p:nvPr/>
-        </p:nvPicPr>
-        <p:blipFill>
-          <a:blip r:embed="rId4" cstate="print">
-            <a:extLst>
-              <a:ext uri="{28A0092B-C50C-407E-A947-70E740481C1C}">
-                <a14:useLocalDpi xmlns:a14="http://schemas.microsoft.com/office/drawing/2010/main" val="0"/>
-              </a:ext>
-            </a:extLst>
-          </a:blip>
-          <a:stretch>
-            <a:fillRect/>
-          </a:stretch>
-        </p:blipFill>
-        <p:spPr>
-          <a:xfrm>
-            <a:off x="179512" y="4468193"/>
-            <a:ext cx="1114320" cy="572830"/>
-          </a:xfrm>
-          <a:prstGeom prst="rect">
-            <a:avLst/>
-          </a:prstGeom>
-        </p:spPr>
-      </p:pic>
     </p:spTree>
     <p:extLst>
       <p:ext uri="{BB962C8B-B14F-4D97-AF65-F5344CB8AC3E}">
@@ -5377,7 +5294,7 @@
 </p:sld>
 </file>
 
-<file path=ppt/slides/slide18.xml><?xml version="1.0" encoding="utf-8"?>
+<file path=ppt/slides/slide19.xml><?xml version="1.0" encoding="utf-8"?>
 <p:sld xmlns:a="http://schemas.openxmlformats.org/drawingml/2006/main" xmlns:r="http://schemas.openxmlformats.org/officeDocument/2006/relationships" xmlns:p="http://schemas.openxmlformats.org/presentationml/2006/main">
   <p:cSld>
     <p:spTree>
@@ -5520,200 +5437,10 @@
           </a:prstGeom>
         </p:spPr>
       </p:pic>
-      <p:pic>
-        <p:nvPicPr>
-          <p:cNvPr id="4" name="Immagine 3">
-            <a:extLst>
-              <a:ext uri="{FF2B5EF4-FFF2-40B4-BE49-F238E27FC236}">
-                <a16:creationId xmlns:a16="http://schemas.microsoft.com/office/drawing/2014/main" id="{DA9C3F0C-49E7-A346-B29F-FA5BFC2892B9}"/>
-              </a:ext>
-            </a:extLst>
-          </p:cNvPr>
-          <p:cNvPicPr>
-            <a:picLocks noChangeAspect="1"/>
-          </p:cNvPicPr>
-          <p:nvPr/>
-        </p:nvPicPr>
-        <p:blipFill>
-          <a:blip r:embed="rId3" cstate="print">
-            <a:extLst>
-              <a:ext uri="{28A0092B-C50C-407E-A947-70E740481C1C}">
-                <a14:useLocalDpi xmlns:a14="http://schemas.microsoft.com/office/drawing/2010/main" val="0"/>
-              </a:ext>
-            </a:extLst>
-          </a:blip>
-          <a:stretch>
-            <a:fillRect/>
-          </a:stretch>
-        </p:blipFill>
-        <p:spPr>
-          <a:xfrm>
-            <a:off x="179512" y="4468193"/>
-            <a:ext cx="1114320" cy="572830"/>
-          </a:xfrm>
-          <a:prstGeom prst="rect">
-            <a:avLst/>
-          </a:prstGeom>
-        </p:spPr>
-      </p:pic>
     </p:spTree>
     <p:extLst>
       <p:ext uri="{BB962C8B-B14F-4D97-AF65-F5344CB8AC3E}">
         <p14:creationId xmlns:p14="http://schemas.microsoft.com/office/powerpoint/2010/main" val="437022754"/>
-      </p:ext>
-    </p:extLst>
-  </p:cSld>
-  <p:clrMapOvr>
-    <a:masterClrMapping/>
-  </p:clrMapOvr>
-</p:sld>
-</file>
-
-<file path=ppt/slides/slide19.xml><?xml version="1.0" encoding="utf-8"?>
-<p:sld xmlns:a="http://schemas.openxmlformats.org/drawingml/2006/main" xmlns:r="http://schemas.openxmlformats.org/officeDocument/2006/relationships" xmlns:p="http://schemas.openxmlformats.org/presentationml/2006/main">
-  <p:cSld>
-    <p:spTree>
-      <p:nvGrpSpPr>
-        <p:cNvPr id="1" name=""/>
-        <p:cNvGrpSpPr/>
-        <p:nvPr/>
-      </p:nvGrpSpPr>
-      <p:grpSpPr>
-        <a:xfrm>
-          <a:off x="0" y="0"/>
-          <a:ext cx="0" cy="0"/>
-          <a:chOff x="0" y="0"/>
-          <a:chExt cx="0" cy="0"/>
-        </a:xfrm>
-      </p:grpSpPr>
-      <p:sp>
-        <p:nvSpPr>
-          <p:cNvPr id="2" name="Titolo 1"/>
-          <p:cNvSpPr>
-            <a:spLocks noGrp="1"/>
-          </p:cNvSpPr>
-          <p:nvPr>
-            <p:ph type="title"/>
-          </p:nvPr>
-        </p:nvSpPr>
-        <p:spPr/>
-        <p:txBody>
-          <a:bodyPr/>
-          <a:lstStyle/>
-          <a:p>
-            <a:r>
-              <a:rPr lang="en-GB" dirty="0" err="1">
-                <a:solidFill>
-                  <a:schemeClr val="bg1">
-                    <a:lumMod val="50000"/>
-                  </a:schemeClr>
-                </a:solidFill>
-                <a:latin typeface="+mj-lt"/>
-              </a:rPr>
-              <a:t>Conclusioni</a:t>
-            </a:r>
-            <a:endParaRPr lang="it-IT" dirty="0">
-              <a:solidFill>
-                <a:schemeClr val="bg1">
-                  <a:lumMod val="50000"/>
-                </a:schemeClr>
-              </a:solidFill>
-              <a:latin typeface="+mj-lt"/>
-            </a:endParaRPr>
-          </a:p>
-        </p:txBody>
-      </p:sp>
-      <p:sp>
-        <p:nvSpPr>
-          <p:cNvPr id="3" name="Segnaposto contenuto 2"/>
-          <p:cNvSpPr>
-            <a:spLocks noGrp="1"/>
-          </p:cNvSpPr>
-          <p:nvPr>
-            <p:ph idx="1"/>
-          </p:nvPr>
-        </p:nvSpPr>
-        <p:spPr/>
-        <p:txBody>
-          <a:bodyPr>
-            <a:normAutofit fontScale="85000" lnSpcReduction="20000"/>
-          </a:bodyPr>
-          <a:lstStyle/>
-          <a:p>
-            <a:pPr marL="0" indent="0" algn="ctr">
-              <a:buNone/>
-            </a:pPr>
-            <a:r>
-              <a:rPr lang="it-IT" dirty="0"/>
-              <a:t>Analizzando i risultati prodotti dagli script si evince che a livello computazionale il carico comportato  dall’esecuzione dell’algoritmo di </a:t>
-            </a:r>
-            <a:r>
-              <a:rPr lang="it-IT" dirty="0" err="1"/>
-              <a:t>anonimizzazione</a:t>
-            </a:r>
-            <a:r>
-              <a:rPr lang="it-IT" dirty="0"/>
-              <a:t>  DP risulta nettamente superiore rispetto alla computazione prodotta tramite l’algoritmo </a:t>
-            </a:r>
-            <a:r>
-              <a:rPr lang="it-IT" dirty="0" err="1"/>
-              <a:t>greedy</a:t>
-            </a:r>
-            <a:r>
-              <a:rPr lang="it-IT" dirty="0"/>
-              <a:t>,        indipendentemente dalla tecnica di costruzione del grafo scelto. Per quanto riguarda i costi ottenuti, i risultati avvalorano la tesi esposta nel </a:t>
-            </a:r>
-            <a:r>
-              <a:rPr lang="it-IT" dirty="0" err="1"/>
-              <a:t>paper</a:t>
-            </a:r>
-            <a:r>
-              <a:rPr lang="it-IT" dirty="0"/>
-              <a:t>,        evidenziando il fatto che l’algoritmo DP produce in ogni caso soluzioni migliori.</a:t>
-            </a:r>
-          </a:p>
-          <a:p>
-            <a:pPr marL="0" indent="0" algn="ctr">
-              <a:buNone/>
-            </a:pPr>
-            <a:endParaRPr lang="it-IT" sz="2400" dirty="0"/>
-          </a:p>
-        </p:txBody>
-      </p:sp>
-      <p:pic>
-        <p:nvPicPr>
-          <p:cNvPr id="4" name="Immagine 3"/>
-          <p:cNvPicPr>
-            <a:picLocks noChangeAspect="1"/>
-          </p:cNvPicPr>
-          <p:nvPr/>
-        </p:nvPicPr>
-        <p:blipFill>
-          <a:blip r:embed="rId2" cstate="print">
-            <a:extLst>
-              <a:ext uri="{28A0092B-C50C-407E-A947-70E740481C1C}">
-                <a14:useLocalDpi xmlns:a14="http://schemas.microsoft.com/office/drawing/2010/main" val="0"/>
-              </a:ext>
-            </a:extLst>
-          </a:blip>
-          <a:stretch>
-            <a:fillRect/>
-          </a:stretch>
-        </p:blipFill>
-        <p:spPr>
-          <a:xfrm>
-            <a:off x="179512" y="4468193"/>
-            <a:ext cx="1114320" cy="572830"/>
-          </a:xfrm>
-          <a:prstGeom prst="rect">
-            <a:avLst/>
-          </a:prstGeom>
-        </p:spPr>
-      </p:pic>
-    </p:spTree>
-    <p:extLst>
-      <p:ext uri="{BB962C8B-B14F-4D97-AF65-F5344CB8AC3E}">
-        <p14:creationId xmlns:p14="http://schemas.microsoft.com/office/powerpoint/2010/main" val="1879587016"/>
       </p:ext>
     </p:extLst>
   </p:cSld>
@@ -5757,11 +5484,6 @@
           <a:p>
             <a:r>
               <a:rPr lang="it-IT" dirty="0">
-                <a:solidFill>
-                  <a:schemeClr val="bg1">
-                    <a:lumMod val="50000"/>
-                  </a:schemeClr>
-                </a:solidFill>
                 <a:latin typeface="+mj-lt"/>
               </a:rPr>
               <a:t>Obiettivo</a:t>
@@ -5781,7 +5503,7 @@
         </p:nvSpPr>
         <p:spPr>
           <a:xfrm>
-            <a:off x="179512" y="1707654"/>
+            <a:off x="179512" y="1347614"/>
             <a:ext cx="8712968" cy="2890416"/>
           </a:xfrm>
         </p:spPr>
@@ -5791,134 +5513,79 @@
           </a:bodyPr>
           <a:lstStyle/>
           <a:p>
-            <a:pPr marL="0" indent="0" algn="ctr">
+            <a:pPr algn="just"/>
+            <a:endParaRPr lang="it-IT" sz="2800" dirty="0"/>
+          </a:p>
+          <a:p>
+            <a:pPr algn="just"/>
+            <a:r>
+              <a:rPr lang="it-IT" sz="2800" dirty="0"/>
+              <a:t>Implementare l’algoritmo descritto nel paper:</a:t>
+            </a:r>
+          </a:p>
+          <a:p>
+            <a:pPr marL="0" indent="0" algn="just">
               <a:buNone/>
             </a:pPr>
             <a:r>
-              <a:rPr lang="it-IT" dirty="0"/>
-              <a:t>Implementare</a:t>
-            </a:r>
-            <a:r>
-              <a:rPr lang="en-GB" dirty="0"/>
-              <a:t> </a:t>
-            </a:r>
-            <a:r>
-              <a:rPr lang="en-GB" dirty="0" err="1"/>
-              <a:t>l’algoritmo</a:t>
-            </a:r>
-            <a:r>
-              <a:rPr lang="en-GB" dirty="0"/>
-              <a:t> </a:t>
-            </a:r>
-            <a:r>
-              <a:rPr lang="en-GB" dirty="0" err="1"/>
-              <a:t>descritto</a:t>
-            </a:r>
-            <a:r>
-              <a:rPr lang="en-GB" dirty="0"/>
-              <a:t> dal paper </a:t>
-            </a:r>
-            <a:r>
-              <a:rPr lang="en-GB" dirty="0" err="1">
+              <a:rPr lang="it-IT" sz="2800" i="1" dirty="0">
                 <a:solidFill>
                   <a:srgbClr val="FF0000"/>
                 </a:solidFill>
               </a:rPr>
-              <a:t>T</a:t>
-            </a:r>
-            <a:r>
-              <a:rPr lang="en-GB" i="1" dirty="0" err="1">
+              <a:t>	</a:t>
+            </a:r>
+            <a:r>
+              <a:rPr lang="en-GB" sz="2800" i="1" dirty="0">
                 <a:solidFill>
                   <a:srgbClr val="FF0000"/>
                 </a:solidFill>
               </a:rPr>
-              <a:t>owards_Identity_Anonymization_on_Graphs</a:t>
-            </a:r>
-            <a:endParaRPr lang="en-GB" i="1" dirty="0">
-              <a:solidFill>
-                <a:srgbClr val="FF0000"/>
-              </a:solidFill>
-            </a:endParaRPr>
-          </a:p>
-          <a:p>
-            <a:pPr marL="0" indent="0" algn="ctr">
-              <a:buNone/>
-            </a:pPr>
-            <a:r>
-              <a:rPr lang="en-GB" dirty="0" err="1"/>
-              <a:t>verificandone</a:t>
-            </a:r>
-            <a:r>
-              <a:rPr lang="en-GB" dirty="0"/>
+              <a:t>Towards Identity Anonymization on Graphs</a:t>
+            </a:r>
+          </a:p>
+          <a:p>
+            <a:pPr algn="just"/>
+            <a:r>
+              <a:rPr lang="en-GB" sz="2800" dirty="0" err="1"/>
+              <a:t>Verificarne</a:t>
+            </a:r>
+            <a:r>
+              <a:rPr lang="en-GB" sz="2800" dirty="0"/>
+              <a:t> ed </a:t>
+            </a:r>
+            <a:r>
+              <a:rPr lang="en-GB" sz="2800" dirty="0" err="1"/>
+              <a:t>analizzarne</a:t>
+            </a:r>
+            <a:r>
+              <a:rPr lang="en-GB" sz="2800" dirty="0"/>
               <a:t> </a:t>
             </a:r>
             <a:r>
-              <a:rPr lang="en-GB" dirty="0" err="1"/>
-              <a:t>ed</a:t>
-            </a:r>
-            <a:r>
-              <a:rPr lang="en-GB" dirty="0"/>
+              <a:rPr lang="en-GB" sz="2800" dirty="0" err="1"/>
+              <a:t>i</a:t>
+            </a:r>
+            <a:r>
+              <a:rPr lang="en-GB" sz="2800" dirty="0"/>
               <a:t> </a:t>
             </a:r>
             <a:r>
-              <a:rPr lang="en-GB" dirty="0" err="1"/>
-              <a:t>analizzandone</a:t>
-            </a:r>
-            <a:r>
-              <a:rPr lang="en-GB" dirty="0"/>
-              <a:t> I </a:t>
-            </a:r>
-            <a:r>
-              <a:rPr lang="en-GB" dirty="0" err="1"/>
+              <a:rPr lang="en-GB" sz="2800" dirty="0" err="1"/>
               <a:t>risultati</a:t>
             </a:r>
             <a:r>
-              <a:rPr lang="en-GB" dirty="0"/>
+              <a:rPr lang="en-GB" sz="2800" dirty="0"/>
               <a:t> </a:t>
             </a:r>
-          </a:p>
-          <a:p>
-            <a:pPr marL="0" indent="0" algn="ctr">
-              <a:buNone/>
-            </a:pPr>
-            <a:r>
-              <a:rPr lang="en-GB" dirty="0" err="1"/>
+            <a:r>
+              <a:rPr lang="en-GB" sz="2800" dirty="0" err="1"/>
               <a:t>prodotti</a:t>
             </a:r>
-            <a:endParaRPr lang="it-IT" dirty="0"/>
-          </a:p>
-        </p:txBody>
-      </p:sp>
-      <p:pic>
-        <p:nvPicPr>
-          <p:cNvPr id="4" name="Immagine 3"/>
-          <p:cNvPicPr>
-            <a:picLocks noChangeAspect="1"/>
-          </p:cNvPicPr>
-          <p:nvPr/>
-        </p:nvPicPr>
-        <p:blipFill>
-          <a:blip r:embed="rId2" cstate="print">
-            <a:extLst>
-              <a:ext uri="{28A0092B-C50C-407E-A947-70E740481C1C}">
-                <a14:useLocalDpi xmlns:a14="http://schemas.microsoft.com/office/drawing/2010/main" val="0"/>
-              </a:ext>
-            </a:extLst>
-          </a:blip>
-          <a:stretch>
-            <a:fillRect/>
-          </a:stretch>
-        </p:blipFill>
-        <p:spPr>
-          <a:xfrm>
-            <a:off x="179512" y="4468193"/>
-            <a:ext cx="1114320" cy="572830"/>
-          </a:xfrm>
-          <a:prstGeom prst="rect">
-            <a:avLst/>
-          </a:prstGeom>
-        </p:spPr>
-      </p:pic>
+            <a:endParaRPr lang="it-IT" sz="2800" dirty="0"/>
+          </a:p>
+        </p:txBody>
+      </p:sp>
     </p:spTree>
     <p:extLst>
       <p:ext uri="{BB962C8B-B14F-4D97-AF65-F5344CB8AC3E}">
@@ -5929,13 +5596,6 @@
   <p:clrMapOvr>
     <a:masterClrMapping/>
   </p:clrMapOvr>
-  <p:timing>
-    <p:tnLst>
-      <p:par>
-        <p:cTn id="1" dur="indefinite" restart="never" nodeType="tmRoot"/>
-      </p:par>
-    </p:tnLst>
-  </p:timing>
 </p:sld>
 </file>
 
@@ -6006,7 +5666,7 @@
         <p:spPr/>
         <p:txBody>
           <a:bodyPr>
-            <a:normAutofit/>
+            <a:normAutofit fontScale="85000" lnSpcReduction="20000"/>
           </a:bodyPr>
           <a:lstStyle/>
           <a:p>
@@ -6014,54 +5674,46 @@
               <a:buNone/>
             </a:pPr>
             <a:r>
-              <a:rPr lang="it-IT" sz="2400" dirty="0"/>
-              <a:t>Tuttavia va tenuto conto del </a:t>
-            </a:r>
-            <a:r>
-              <a:rPr lang="it-IT" sz="2400" dirty="0" err="1"/>
-              <a:t>trade</a:t>
-            </a:r>
-            <a:r>
-              <a:rPr lang="it-IT" sz="2400" dirty="0"/>
-              <a:t>-off tra tempi di         esecuzione e reale risparmio in termini di costi: su istanze di dimensione superiori al migliaio di nodi la differenza  di costo per lo stesso data set anonimizzato con lo        stesso parametro k varia nell’ordine di un migliaio mentre invece le differenze nei tempi di produzione del grafo    anonimizzato incrementa fino a raddoppiare nella media i tempi</a:t>
-            </a:r>
-          </a:p>
-        </p:txBody>
-      </p:sp>
-      <p:pic>
-        <p:nvPicPr>
-          <p:cNvPr id="4" name="Immagine 3"/>
-          <p:cNvPicPr>
-            <a:picLocks noChangeAspect="1"/>
-          </p:cNvPicPr>
-          <p:nvPr/>
-        </p:nvPicPr>
-        <p:blipFill>
-          <a:blip r:embed="rId2" cstate="print">
-            <a:extLst>
-              <a:ext uri="{28A0092B-C50C-407E-A947-70E740481C1C}">
-                <a14:useLocalDpi xmlns:a14="http://schemas.microsoft.com/office/drawing/2010/main" val="0"/>
-              </a:ext>
-            </a:extLst>
-          </a:blip>
-          <a:stretch>
-            <a:fillRect/>
-          </a:stretch>
-        </p:blipFill>
-        <p:spPr>
-          <a:xfrm>
-            <a:off x="179512" y="4468193"/>
-            <a:ext cx="1114320" cy="572830"/>
-          </a:xfrm>
-          <a:prstGeom prst="rect">
-            <a:avLst/>
-          </a:prstGeom>
-        </p:spPr>
-      </p:pic>
+              <a:rPr lang="it-IT" dirty="0"/>
+              <a:t>Analizzando i risultati prodotti dagli script si evince che a livello computazionale il carico comportato  dall’esecuzione dell’algoritmo di </a:t>
+            </a:r>
+            <a:r>
+              <a:rPr lang="it-IT" dirty="0" err="1"/>
+              <a:t>anonimizzazione</a:t>
+            </a:r>
+            <a:r>
+              <a:rPr lang="it-IT" dirty="0"/>
+              <a:t>  DP risulta nettamente superiore rispetto alla computazione prodotta tramite l’algoritmo </a:t>
+            </a:r>
+            <a:r>
+              <a:rPr lang="it-IT" dirty="0" err="1"/>
+              <a:t>greedy</a:t>
+            </a:r>
+            <a:r>
+              <a:rPr lang="it-IT" dirty="0"/>
+              <a:t>,        indipendentemente dalla tecnica di costruzione del grafo scelto. Per quanto riguarda i costi ottenuti, i risultati avvalorano la tesi esposta nel </a:t>
+            </a:r>
+            <a:r>
+              <a:rPr lang="it-IT" dirty="0" err="1"/>
+              <a:t>paper</a:t>
+            </a:r>
+            <a:r>
+              <a:rPr lang="it-IT" dirty="0"/>
+              <a:t>,        evidenziando il fatto che l’algoritmo DP produce in ogni caso soluzioni migliori.</a:t>
+            </a:r>
+          </a:p>
+          <a:p>
+            <a:pPr marL="0" indent="0" algn="ctr">
+              <a:buNone/>
+            </a:pPr>
+            <a:endParaRPr lang="it-IT" sz="2400" dirty="0"/>
+          </a:p>
+        </p:txBody>
+      </p:sp>
     </p:spTree>
     <p:extLst>
       <p:ext uri="{BB962C8B-B14F-4D97-AF65-F5344CB8AC3E}">
-        <p14:creationId xmlns:p14="http://schemas.microsoft.com/office/powerpoint/2010/main" val="4029363221"/>
+        <p14:creationId xmlns:p14="http://schemas.microsoft.com/office/powerpoint/2010/main" val="1879587016"/>
       </p:ext>
     </p:extLst>
   </p:cSld>
@@ -6138,7 +5790,7 @@
         <p:spPr/>
         <p:txBody>
           <a:bodyPr>
-            <a:normAutofit fontScale="77500" lnSpcReduction="20000"/>
+            <a:normAutofit/>
           </a:bodyPr>
           <a:lstStyle/>
           <a:p>
@@ -6146,117 +5798,24 @@
               <a:buNone/>
             </a:pPr>
             <a:r>
-              <a:rPr lang="it-IT" dirty="0"/>
-              <a:t>Inoltre possiamo concludere che l’algoritmo di           costruzione del grafo anonimizzato </a:t>
-            </a:r>
-            <a:r>
-              <a:rPr lang="it-IT" i="1" dirty="0" err="1"/>
-              <a:t>construct</a:t>
-            </a:r>
-            <a:r>
-              <a:rPr lang="it-IT" i="1" dirty="0"/>
-              <a:t> </a:t>
-            </a:r>
-            <a:r>
-              <a:rPr lang="it-IT" dirty="0"/>
-              <a:t>produce </a:t>
-            </a:r>
-            <a:r>
-              <a:rPr lang="it-IT" dirty="0" smtClean="0"/>
-              <a:t>una </a:t>
-            </a:r>
-            <a:r>
-              <a:rPr lang="it-IT" dirty="0"/>
-              <a:t>soluzione in tempi molto ristretti, tuttavia non </a:t>
-            </a:r>
-            <a:r>
-              <a:rPr lang="it-IT" dirty="0" smtClean="0"/>
-              <a:t>mantiene </a:t>
-            </a:r>
-            <a:r>
-              <a:rPr lang="it-IT" dirty="0"/>
-              <a:t>coerenza col grafo </a:t>
-            </a:r>
-            <a:r>
-              <a:rPr lang="it-IT" dirty="0" smtClean="0"/>
-              <a:t>originale, </a:t>
-            </a:r>
-            <a:r>
-              <a:rPr lang="it-IT" dirty="0"/>
-              <a:t>introducendo        molto rumore e rendendo la soluzione poco utile </a:t>
-            </a:r>
-            <a:r>
-              <a:rPr lang="it-IT" dirty="0" smtClean="0"/>
-              <a:t>per   </a:t>
-            </a:r>
-            <a:r>
-              <a:rPr lang="it-IT" dirty="0"/>
-              <a:t>analisi successive.</a:t>
-            </a:r>
-          </a:p>
-          <a:p>
-            <a:pPr marL="0" indent="0" algn="ctr">
-              <a:buNone/>
-            </a:pPr>
-            <a:r>
-              <a:rPr lang="it-IT" dirty="0"/>
-              <a:t>Per contro, l’algoritmo </a:t>
-            </a:r>
-            <a:r>
-              <a:rPr lang="it-IT" i="1" dirty="0" err="1"/>
-              <a:t>priority</a:t>
-            </a:r>
-            <a:r>
-              <a:rPr lang="it-IT" i="1" dirty="0"/>
-              <a:t> </a:t>
-            </a:r>
-            <a:r>
-              <a:rPr lang="it-IT" dirty="0"/>
-              <a:t>mantiene coerenza col  grafo originale al prezzo di un onere computazionale  decisamente più alto, crescente con la dimensione     dell’istanza.</a:t>
-            </a:r>
-          </a:p>
-          <a:p>
-            <a:pPr marL="0" indent="0" algn="ctr">
-              <a:buNone/>
-            </a:pPr>
-            <a:endParaRPr lang="it-IT" sz="2400" dirty="0"/>
-          </a:p>
-        </p:txBody>
-      </p:sp>
-      <p:pic>
-        <p:nvPicPr>
-          <p:cNvPr id="4" name="Immagine 3"/>
-          <p:cNvPicPr>
-            <a:picLocks noChangeAspect="1"/>
-          </p:cNvPicPr>
-          <p:nvPr/>
-        </p:nvPicPr>
-        <p:blipFill>
-          <a:blip r:embed="rId2" cstate="print">
-            <a:extLst>
-              <a:ext uri="{28A0092B-C50C-407E-A947-70E740481C1C}">
-                <a14:useLocalDpi xmlns:a14="http://schemas.microsoft.com/office/drawing/2010/main" val="0"/>
-              </a:ext>
-            </a:extLst>
-          </a:blip>
-          <a:stretch>
-            <a:fillRect/>
-          </a:stretch>
-        </p:blipFill>
-        <p:spPr>
-          <a:xfrm>
-            <a:off x="179512" y="4468193"/>
-            <a:ext cx="1114320" cy="572830"/>
-          </a:xfrm>
-          <a:prstGeom prst="rect">
-            <a:avLst/>
-          </a:prstGeom>
-        </p:spPr>
-      </p:pic>
+              <a:rPr lang="it-IT" sz="2400" dirty="0"/>
+              <a:t>Tuttavia va tenuto conto del </a:t>
+            </a:r>
+            <a:r>
+              <a:rPr lang="it-IT" sz="2400" dirty="0" err="1"/>
+              <a:t>trade</a:t>
+            </a:r>
+            <a:r>
+              <a:rPr lang="it-IT" sz="2400" dirty="0"/>
+              <a:t>-off tra tempi di         esecuzione e reale risparmio in termini di costi: su istanze di dimensione superiori al migliaio di nodi la differenza  di costo per lo stesso data set anonimizzato con lo        stesso parametro k varia nell’ordine di un migliaio mentre invece le differenze nei tempi di produzione del grafo    anonimizzato incrementa fino a raddoppiare nella media i tempi</a:t>
+            </a:r>
+          </a:p>
+        </p:txBody>
+      </p:sp>
     </p:spTree>
     <p:extLst>
       <p:ext uri="{BB962C8B-B14F-4D97-AF65-F5344CB8AC3E}">
-        <p14:creationId xmlns:p14="http://schemas.microsoft.com/office/powerpoint/2010/main" val="166427471"/>
+        <p14:creationId xmlns:p14="http://schemas.microsoft.com/office/powerpoint/2010/main" val="4029363221"/>
       </p:ext>
     </p:extLst>
   </p:cSld>
@@ -6333,7 +5892,7 @@
         <p:spPr/>
         <p:txBody>
           <a:bodyPr>
-            <a:normAutofit fontScale="47500" lnSpcReduction="20000"/>
+            <a:normAutofit fontScale="77500" lnSpcReduction="20000"/>
           </a:bodyPr>
           <a:lstStyle/>
           <a:p>
@@ -6342,95 +5901,40 @@
             </a:pPr>
             <a:r>
               <a:rPr lang="it-IT" dirty="0"/>
-              <a:t>In conclusione l’algoritmo migliore dipende dalle necessità di chi deve manipolare             successivamente il grafo anonimizzato:</a:t>
-            </a:r>
-          </a:p>
-          <a:p>
-            <a:pPr lvl="0" algn="just"/>
+              <a:t>Inoltre possiamo concludere che l’algoritmo di           costruzione del grafo anonimizzato </a:t>
+            </a:r>
+            <a:r>
+              <a:rPr lang="it-IT" i="1" dirty="0" err="1"/>
+              <a:t>construct</a:t>
+            </a:r>
+            <a:r>
+              <a:rPr lang="it-IT" i="1" dirty="0"/>
+              <a:t> </a:t>
+            </a:r>
             <a:r>
               <a:rPr lang="it-IT" dirty="0"/>
-              <a:t>Nel caso di frequenti analisi su data set estesi è consigliabile l’utilizzo di una               combinazione </a:t>
-            </a:r>
-            <a:r>
-              <a:rPr lang="it-IT" b="1" dirty="0"/>
-              <a:t>DP – </a:t>
-            </a:r>
-            <a:r>
-              <a:rPr lang="it-IT" b="1" dirty="0" err="1"/>
-              <a:t>Construct</a:t>
-            </a:r>
-            <a:r>
-              <a:rPr lang="it-IT" b="1" dirty="0"/>
+              <a:t>produce una soluzione in tempi molto ristretti, tuttavia non mantiene coerenza col grafo originale, introducendo        molto rumore e rendendo la soluzione poco utile per   analisi successive.</a:t>
+            </a:r>
+          </a:p>
+          <a:p>
+            <a:pPr marL="0" indent="0" algn="ctr">
+              <a:buNone/>
+            </a:pPr>
+            <a:r>
+              <a:rPr lang="it-IT" dirty="0"/>
+              <a:t>Per contro, l’algoritmo </a:t>
+            </a:r>
+            <a:r>
+              <a:rPr lang="it-IT" i="1" dirty="0" err="1"/>
+              <a:t>priority</a:t>
+            </a:r>
+            <a:r>
+              <a:rPr lang="it-IT" i="1" dirty="0"/>
               <a:t> </a:t>
             </a:r>
             <a:r>
               <a:rPr lang="it-IT" dirty="0"/>
-              <a:t>per non incombere in tempi computazionali troppo        elevati mantenendo un costo di anonimizzazione ottimo</a:t>
-            </a:r>
-          </a:p>
-          <a:p>
-            <a:pPr lvl="0" algn="just"/>
-            <a:r>
-              <a:rPr lang="it-IT" dirty="0"/>
-              <a:t>Nel caso di dati molto affidabili e coerenti con il grafo di provenienza, la scelta            consigliata dai dati ottenuti risulta essere l’utilizzo della combinazione </a:t>
-            </a:r>
-            <a:r>
-              <a:rPr lang="it-IT" b="1" dirty="0"/>
-              <a:t>Greedy – </a:t>
-            </a:r>
-            <a:r>
-              <a:rPr lang="it-IT" b="1" dirty="0" err="1"/>
-              <a:t>Priority</a:t>
-            </a:r>
-            <a:r>
-              <a:rPr lang="it-IT" b="1" dirty="0"/>
-              <a:t> </a:t>
-            </a:r>
-            <a:r>
-              <a:rPr lang="it-IT" dirty="0"/>
-              <a:t>che conferisce tempi medi di esecuzione leggermente più alti di quelli ottenuti con il    caso precedente, introducendo però la coerenza dei dati.</a:t>
-            </a:r>
-          </a:p>
-          <a:p>
-            <a:pPr lvl="0" algn="just"/>
-            <a:r>
-              <a:rPr lang="it-IT" dirty="0"/>
-              <a:t>Per anonimizzazioni rapide su data set molto estesi (utile ad esempio per un web        service) la soluzione migliore risulta essere la combinazione </a:t>
-            </a:r>
-            <a:r>
-              <a:rPr lang="it-IT" b="1" dirty="0"/>
-              <a:t>Greedy – </a:t>
-            </a:r>
-            <a:r>
-              <a:rPr lang="it-IT" b="1" dirty="0" err="1"/>
-              <a:t>Construct</a:t>
-            </a:r>
-            <a:r>
-              <a:rPr lang="it-IT" dirty="0"/>
-              <a:t>.</a:t>
-            </a:r>
-          </a:p>
-          <a:p>
-            <a:pPr lvl="0" algn="just"/>
-            <a:r>
-              <a:rPr lang="it-IT" dirty="0"/>
-              <a:t>Per la massima precisione e coerenza dei dati è necessario utilizzare </a:t>
-            </a:r>
-            <a:r>
-              <a:rPr lang="it-IT" b="1" dirty="0"/>
-              <a:t>DP – </a:t>
-            </a:r>
-            <a:r>
-              <a:rPr lang="it-IT" b="1" dirty="0" err="1"/>
-              <a:t>Priority</a:t>
-            </a:r>
-            <a:r>
-              <a:rPr lang="it-IT" b="1" dirty="0"/>
-              <a:t> </a:t>
-            </a:r>
-            <a:r>
-              <a:rPr lang="it-IT" dirty="0"/>
-              <a:t>al     costo di tempi di esecuzione molto elevati su istanze anche non estremamente estese.</a:t>
+              <a:t>mantiene coerenza col  grafo originale al prezzo di un onere computazionale  decisamente più alto, crescente con la dimensione     dell’istanza.</a:t>
             </a:r>
           </a:p>
           <a:p>
@@ -6441,36 +5945,194 @@
           </a:p>
         </p:txBody>
       </p:sp>
-      <p:pic>
-        <p:nvPicPr>
-          <p:cNvPr id="4" name="Immagine 3"/>
-          <p:cNvPicPr>
-            <a:picLocks noChangeAspect="1"/>
-          </p:cNvPicPr>
-          <p:nvPr/>
-        </p:nvPicPr>
-        <p:blipFill>
-          <a:blip r:embed="rId2" cstate="print">
-            <a:extLst>
-              <a:ext uri="{28A0092B-C50C-407E-A947-70E740481C1C}">
-                <a14:useLocalDpi xmlns:a14="http://schemas.microsoft.com/office/drawing/2010/main" val="0"/>
-              </a:ext>
-            </a:extLst>
-          </a:blip>
-          <a:stretch>
-            <a:fillRect/>
-          </a:stretch>
-        </p:blipFill>
-        <p:spPr>
-          <a:xfrm>
-            <a:off x="179512" y="4468193"/>
-            <a:ext cx="1114320" cy="572830"/>
-          </a:xfrm>
-          <a:prstGeom prst="rect">
-            <a:avLst/>
-          </a:prstGeom>
-        </p:spPr>
-      </p:pic>
+    </p:spTree>
+    <p:extLst>
+      <p:ext uri="{BB962C8B-B14F-4D97-AF65-F5344CB8AC3E}">
+        <p14:creationId xmlns:p14="http://schemas.microsoft.com/office/powerpoint/2010/main" val="166427471"/>
+      </p:ext>
+    </p:extLst>
+  </p:cSld>
+  <p:clrMapOvr>
+    <a:masterClrMapping/>
+  </p:clrMapOvr>
+</p:sld>
+</file>
+
+<file path=ppt/slides/slide23.xml><?xml version="1.0" encoding="utf-8"?>
+<p:sld xmlns:a="http://schemas.openxmlformats.org/drawingml/2006/main" xmlns:r="http://schemas.openxmlformats.org/officeDocument/2006/relationships" xmlns:p="http://schemas.openxmlformats.org/presentationml/2006/main">
+  <p:cSld>
+    <p:spTree>
+      <p:nvGrpSpPr>
+        <p:cNvPr id="1" name=""/>
+        <p:cNvGrpSpPr/>
+        <p:nvPr/>
+      </p:nvGrpSpPr>
+      <p:grpSpPr>
+        <a:xfrm>
+          <a:off x="0" y="0"/>
+          <a:ext cx="0" cy="0"/>
+          <a:chOff x="0" y="0"/>
+          <a:chExt cx="0" cy="0"/>
+        </a:xfrm>
+      </p:grpSpPr>
+      <p:sp>
+        <p:nvSpPr>
+          <p:cNvPr id="2" name="Titolo 1"/>
+          <p:cNvSpPr>
+            <a:spLocks noGrp="1"/>
+          </p:cNvSpPr>
+          <p:nvPr>
+            <p:ph type="title"/>
+          </p:nvPr>
+        </p:nvSpPr>
+        <p:spPr/>
+        <p:txBody>
+          <a:bodyPr/>
+          <a:lstStyle/>
+          <a:p>
+            <a:r>
+              <a:rPr lang="en-GB" dirty="0" err="1">
+                <a:solidFill>
+                  <a:schemeClr val="bg1">
+                    <a:lumMod val="50000"/>
+                  </a:schemeClr>
+                </a:solidFill>
+                <a:latin typeface="+mj-lt"/>
+              </a:rPr>
+              <a:t>Conclusioni</a:t>
+            </a:r>
+            <a:endParaRPr lang="it-IT" dirty="0">
+              <a:solidFill>
+                <a:schemeClr val="bg1">
+                  <a:lumMod val="50000"/>
+                </a:schemeClr>
+              </a:solidFill>
+              <a:latin typeface="+mj-lt"/>
+            </a:endParaRPr>
+          </a:p>
+        </p:txBody>
+      </p:sp>
+      <p:sp>
+        <p:nvSpPr>
+          <p:cNvPr id="3" name="Segnaposto contenuto 2"/>
+          <p:cNvSpPr>
+            <a:spLocks noGrp="1"/>
+          </p:cNvSpPr>
+          <p:nvPr>
+            <p:ph idx="1"/>
+          </p:nvPr>
+        </p:nvSpPr>
+        <p:spPr/>
+        <p:txBody>
+          <a:bodyPr>
+            <a:normAutofit fontScale="47500" lnSpcReduction="20000"/>
+          </a:bodyPr>
+          <a:lstStyle/>
+          <a:p>
+            <a:pPr marL="0" indent="0" algn="ctr">
+              <a:buNone/>
+            </a:pPr>
+            <a:r>
+              <a:rPr lang="it-IT" dirty="0"/>
+              <a:t>In conclusione l’algoritmo migliore dipende dalle necessità di chi deve manipolare             successivamente il grafo anonimizzato:</a:t>
+            </a:r>
+          </a:p>
+          <a:p>
+            <a:pPr lvl="0" algn="just"/>
+            <a:r>
+              <a:rPr lang="it-IT" dirty="0"/>
+              <a:t>Nel caso di frequenti analisi su data set estesi è consigliabile l’utilizzo di una               combinazione </a:t>
+            </a:r>
+            <a:r>
+              <a:rPr lang="it-IT" b="1" dirty="0"/>
+              <a:t>DP – </a:t>
+            </a:r>
+            <a:r>
+              <a:rPr lang="it-IT" b="1" dirty="0" err="1"/>
+              <a:t>Construct</a:t>
+            </a:r>
+            <a:r>
+              <a:rPr lang="it-IT" b="1" dirty="0"/>
+              <a:t> </a:t>
+            </a:r>
+            <a:r>
+              <a:rPr lang="it-IT" dirty="0"/>
+              <a:t>per non incombere in tempi computazionali troppo        elevati mantenendo un costo di anonimizzazione ottimo</a:t>
+            </a:r>
+          </a:p>
+          <a:p>
+            <a:pPr lvl="0" algn="just"/>
+            <a:r>
+              <a:rPr lang="it-IT" dirty="0"/>
+              <a:t>Nel caso di dati molto affidabili e coerenti con il grafo di provenienza, la scelta            consigliata dai dati ottenuti risulta essere l’utilizzo della combinazione </a:t>
+            </a:r>
+            <a:r>
+              <a:rPr lang="it-IT" b="1" dirty="0"/>
+              <a:t>Greedy – </a:t>
+            </a:r>
+            <a:r>
+              <a:rPr lang="it-IT" b="1" dirty="0" err="1"/>
+              <a:t>Priority</a:t>
+            </a:r>
+            <a:r>
+              <a:rPr lang="it-IT" b="1" dirty="0"/>
+              <a:t> </a:t>
+            </a:r>
+            <a:r>
+              <a:rPr lang="it-IT" dirty="0"/>
+              <a:t>che conferisce tempi medi di esecuzione leggermente più alti di quelli ottenuti con il    caso precedente, introducendo però la coerenza dei dati.</a:t>
+            </a:r>
+          </a:p>
+          <a:p>
+            <a:pPr lvl="0" algn="just"/>
+            <a:r>
+              <a:rPr lang="it-IT" dirty="0"/>
+              <a:t>Per anonimizzazioni rapide su data set molto estesi (utile ad esempio per un web        service) la soluzione migliore risulta essere la combinazione </a:t>
+            </a:r>
+            <a:r>
+              <a:rPr lang="it-IT" b="1" dirty="0"/>
+              <a:t>Greedy – </a:t>
+            </a:r>
+            <a:r>
+              <a:rPr lang="it-IT" b="1" dirty="0" err="1"/>
+              <a:t>Construct</a:t>
+            </a:r>
+            <a:r>
+              <a:rPr lang="it-IT" dirty="0"/>
+              <a:t>.</a:t>
+            </a:r>
+          </a:p>
+          <a:p>
+            <a:pPr lvl="0" algn="just"/>
+            <a:r>
+              <a:rPr lang="it-IT" dirty="0"/>
+              <a:t>Per la massima precisione e coerenza dei dati è necessario utilizzare </a:t>
+            </a:r>
+            <a:r>
+              <a:rPr lang="it-IT" b="1" dirty="0"/>
+              <a:t>DP – </a:t>
+            </a:r>
+            <a:r>
+              <a:rPr lang="it-IT" b="1" dirty="0" err="1"/>
+              <a:t>Priority</a:t>
+            </a:r>
+            <a:r>
+              <a:rPr lang="it-IT" b="1" dirty="0"/>
+              <a:t> </a:t>
+            </a:r>
+            <a:r>
+              <a:rPr lang="it-IT" dirty="0"/>
+              <a:t>al     costo di tempi di esecuzione molto elevati su istanze anche non estremamente estese.</a:t>
+            </a:r>
+          </a:p>
+          <a:p>
+            <a:pPr marL="0" indent="0" algn="ctr">
+              <a:buNone/>
+            </a:pPr>
+            <a:endParaRPr lang="it-IT" sz="2400" dirty="0"/>
+          </a:p>
+        </p:txBody>
+      </p:sp>
     </p:spTree>
     <p:extLst>
       <p:ext uri="{BB962C8B-B14F-4D97-AF65-F5344CB8AC3E}">
@@ -6518,43 +6180,23 @@
           <a:p>
             <a:r>
               <a:rPr lang="en-GB" dirty="0" err="1">
-                <a:solidFill>
-                  <a:schemeClr val="bg1">
-                    <a:lumMod val="50000"/>
-                  </a:schemeClr>
-                </a:solidFill>
                 <a:latin typeface="+mj-lt"/>
               </a:rPr>
               <a:t>Presentazione</a:t>
             </a:r>
             <a:r>
               <a:rPr lang="en-GB" dirty="0">
-                <a:solidFill>
-                  <a:schemeClr val="bg1">
-                    <a:lumMod val="50000"/>
-                  </a:schemeClr>
-                </a:solidFill>
                 <a:latin typeface="+mj-lt"/>
               </a:rPr>
               <a:t> </a:t>
             </a:r>
             <a:r>
               <a:rPr lang="en-GB" dirty="0" err="1">
-                <a:solidFill>
-                  <a:schemeClr val="bg1">
-                    <a:lumMod val="50000"/>
-                  </a:schemeClr>
-                </a:solidFill>
                 <a:latin typeface="+mj-lt"/>
               </a:rPr>
               <a:t>algoritmo</a:t>
             </a:r>
             <a:endParaRPr lang="it-IT" dirty="0">
-              <a:solidFill>
-                <a:schemeClr val="bg1">
-                  <a:lumMod val="50000"/>
-                </a:schemeClr>
-              </a:solidFill>
               <a:latin typeface="+mj-lt"/>
             </a:endParaRPr>
           </a:p>
@@ -6570,15 +6212,15 @@
         </p:nvSpPr>
         <p:spPr>
           <a:xfrm>
-            <a:off x="323528" y="1275204"/>
-            <a:ext cx="8640960" cy="3394472"/>
+            <a:off x="251520" y="1224546"/>
+            <a:ext cx="8640960" cy="1008114"/>
           </a:xfrm>
           <a:prstGeom prst="rect">
             <a:avLst/>
           </a:prstGeom>
         </p:spPr>
         <p:txBody>
-          <a:bodyPr vert="horz" lIns="91440" tIns="45720" rIns="91440" bIns="45720" rtlCol="0">
+          <a:bodyPr vert="horz" wrap="square" lIns="91440" tIns="45720" rIns="91440" bIns="45720" rtlCol="0">
             <a:normAutofit/>
           </a:bodyPr>
           <a:lstStyle>
@@ -6724,8 +6366,16 @@
               <a:buNone/>
             </a:pPr>
             <a:r>
-              <a:rPr lang="it-IT" dirty="0"/>
-              <a:t>Dato un grafo non anonimizzato l’algoritmo anonimizza secondo </a:t>
+              <a:rPr lang="it-IT" sz="2800" dirty="0"/>
+              <a:t>Dato un grafo </a:t>
+            </a:r>
+            <a:r>
+              <a:rPr lang="it-IT" sz="2800" b="1" dirty="0"/>
+              <a:t>NON</a:t>
+            </a:r>
+            <a:r>
+              <a:rPr lang="it-IT" sz="2800" dirty="0"/>
+              <a:t> anonimizzato l’algoritmo        anonimizza secondo</a:t>
             </a:r>
           </a:p>
           <a:p>
@@ -6733,20 +6383,20 @@
               <a:buFont typeface="Arial" pitchFamily="34" charset="0"/>
               <a:buNone/>
             </a:pPr>
-            <a:endParaRPr lang="en-GB" dirty="0"/>
+            <a:endParaRPr lang="en-GB" sz="2800" dirty="0"/>
           </a:p>
           <a:p>
             <a:pPr marL="0" indent="0">
               <a:buFont typeface="Arial" pitchFamily="34" charset="0"/>
               <a:buNone/>
             </a:pPr>
-            <a:endParaRPr lang="it-IT" dirty="0"/>
+            <a:endParaRPr lang="it-IT" sz="2800" dirty="0"/>
           </a:p>
           <a:p>
             <a:pPr marL="0" indent="0">
               <a:buNone/>
             </a:pPr>
-            <a:endParaRPr lang="it-IT" dirty="0"/>
+            <a:endParaRPr lang="it-IT" sz="2800" dirty="0"/>
           </a:p>
         </p:txBody>
       </p:sp>
@@ -6757,8 +6407,8 @@
           <p:nvPr/>
         </p:nvSpPr>
         <p:spPr>
-          <a:xfrm rot="19367332">
-            <a:off x="2168858" y="2671108"/>
+          <a:xfrm rot="19004854">
+            <a:off x="2837771" y="2672289"/>
             <a:ext cx="1440160" cy="395933"/>
           </a:xfrm>
           <a:prstGeom prst="leftArrow">
@@ -6792,7 +6442,7 @@
           <a:lstStyle/>
           <a:p>
             <a:pPr algn="ctr"/>
-            <a:endParaRPr lang="it-IT"/>
+            <a:endParaRPr lang="it-IT" dirty="0"/>
           </a:p>
         </p:txBody>
       </p:sp>
@@ -6803,8 +6453,8 @@
           <p:nvPr/>
         </p:nvSpPr>
         <p:spPr>
-          <a:xfrm rot="13151535">
-            <a:off x="4607111" y="2649722"/>
+          <a:xfrm rot="13428926">
+            <a:off x="4828308" y="2676080"/>
             <a:ext cx="1440160" cy="395933"/>
           </a:xfrm>
           <a:prstGeom prst="leftArrow">
@@ -6838,7 +6488,7 @@
           <a:lstStyle/>
           <a:p>
             <a:pPr algn="ctr"/>
-            <a:endParaRPr lang="it-IT"/>
+            <a:endParaRPr lang="it-IT" dirty="0"/>
           </a:p>
         </p:txBody>
       </p:sp>
@@ -6850,8 +6500,8 @@
         </p:nvSpPr>
         <p:spPr>
           <a:xfrm>
-            <a:off x="1161350" y="3363725"/>
-            <a:ext cx="2068771" cy="1077218"/>
+            <a:off x="1003325" y="3438748"/>
+            <a:ext cx="2168799" cy="1077218"/>
           </a:xfrm>
           <a:prstGeom prst="rect">
             <a:avLst/>
@@ -6866,18 +6516,17 @@
           <a:p>
             <a:pPr algn="ctr"/>
             <a:r>
-              <a:rPr lang="en-GB" sz="3200" dirty="0" err="1"/>
+              <a:rPr lang="it-IT" sz="3200" b="1" dirty="0"/>
               <a:t>Approccio</a:t>
             </a:r>
-            <a:endParaRPr lang="en-GB" sz="3200" dirty="0"/>
           </a:p>
           <a:p>
             <a:pPr algn="ctr"/>
             <a:r>
-              <a:rPr lang="en-GB" sz="3200" dirty="0"/>
+              <a:rPr lang="en-GB" sz="3200" b="1" dirty="0"/>
               <a:t>Greedy</a:t>
             </a:r>
-            <a:endParaRPr lang="it-IT" sz="3200" dirty="0"/>
+            <a:endParaRPr lang="it-IT" sz="3200" b="1" dirty="0"/>
           </a:p>
         </p:txBody>
       </p:sp>
@@ -6889,8 +6538,8 @@
         </p:nvSpPr>
         <p:spPr>
           <a:xfrm>
-            <a:off x="3851920" y="3349596"/>
-            <a:ext cx="4607928" cy="1077218"/>
+            <a:off x="4190937" y="3438748"/>
+            <a:ext cx="4701543" cy="1077218"/>
           </a:xfrm>
           <a:prstGeom prst="rect">
             <a:avLst/>
@@ -6905,51 +6554,20 @@
           <a:p>
             <a:pPr algn="ctr"/>
             <a:r>
-              <a:rPr lang="en-GB" sz="3200" dirty="0" err="1"/>
+              <a:rPr lang="it-IT" sz="3200" b="1" dirty="0"/>
               <a:t>Approccio</a:t>
             </a:r>
-            <a:endParaRPr lang="en-GB" sz="3200" dirty="0"/>
           </a:p>
           <a:p>
             <a:pPr algn="ctr"/>
             <a:r>
-              <a:rPr lang="en-GB" sz="3200" dirty="0"/>
+              <a:rPr lang="en-GB" sz="3200" b="1" dirty="0"/>
               <a:t>Dynamic Programming</a:t>
             </a:r>
-            <a:endParaRPr lang="it-IT" sz="3200" dirty="0"/>
-          </a:p>
-        </p:txBody>
-      </p:sp>
-      <p:pic>
-        <p:nvPicPr>
-          <p:cNvPr id="15" name="Immagine 14"/>
-          <p:cNvPicPr>
-            <a:picLocks noChangeAspect="1"/>
-          </p:cNvPicPr>
-          <p:nvPr/>
-        </p:nvPicPr>
-        <p:blipFill>
-          <a:blip r:embed="rId2" cstate="print">
-            <a:extLst>
-              <a:ext uri="{28A0092B-C50C-407E-A947-70E740481C1C}">
-                <a14:useLocalDpi xmlns:a14="http://schemas.microsoft.com/office/drawing/2010/main" val="0"/>
-              </a:ext>
-            </a:extLst>
-          </a:blip>
-          <a:stretch>
-            <a:fillRect/>
-          </a:stretch>
-        </p:blipFill>
-        <p:spPr>
-          <a:xfrm>
-            <a:off x="179512" y="4468193"/>
-            <a:ext cx="1114320" cy="572830"/>
-          </a:xfrm>
-          <a:prstGeom prst="rect">
-            <a:avLst/>
-          </a:prstGeom>
-        </p:spPr>
-      </p:pic>
+            <a:endParaRPr lang="it-IT" sz="3200" b="1" dirty="0"/>
+          </a:p>
+        </p:txBody>
+      </p:sp>
     </p:spTree>
     <p:extLst>
       <p:ext uri="{BB962C8B-B14F-4D97-AF65-F5344CB8AC3E}">
@@ -7532,43 +7150,23 @@
           <a:p>
             <a:r>
               <a:rPr lang="en-GB" dirty="0" err="1">
-                <a:solidFill>
-                  <a:schemeClr val="bg1">
-                    <a:lumMod val="50000"/>
-                  </a:schemeClr>
-                </a:solidFill>
                 <a:latin typeface="+mj-lt"/>
               </a:rPr>
               <a:t>Presentazione</a:t>
             </a:r>
             <a:r>
               <a:rPr lang="en-GB" dirty="0">
-                <a:solidFill>
-                  <a:schemeClr val="bg1">
-                    <a:lumMod val="50000"/>
-                  </a:schemeClr>
-                </a:solidFill>
                 <a:latin typeface="+mj-lt"/>
               </a:rPr>
               <a:t> </a:t>
             </a:r>
             <a:r>
               <a:rPr lang="en-GB" dirty="0" err="1">
-                <a:solidFill>
-                  <a:schemeClr val="bg1">
-                    <a:lumMod val="50000"/>
-                  </a:schemeClr>
-                </a:solidFill>
                 <a:latin typeface="+mj-lt"/>
               </a:rPr>
               <a:t>algoritmo</a:t>
             </a:r>
             <a:endParaRPr lang="it-IT" dirty="0">
-              <a:solidFill>
-                <a:schemeClr val="bg1">
-                  <a:lumMod val="50000"/>
-                </a:schemeClr>
-              </a:solidFill>
               <a:latin typeface="+mj-lt"/>
             </a:endParaRPr>
           </a:p>
@@ -7584,15 +7182,15 @@
         </p:nvSpPr>
         <p:spPr>
           <a:xfrm>
-            <a:off x="323528" y="1275204"/>
-            <a:ext cx="8640960" cy="3394472"/>
+            <a:off x="251520" y="1275204"/>
+            <a:ext cx="8640960" cy="1021885"/>
           </a:xfrm>
           <a:prstGeom prst="rect">
             <a:avLst/>
           </a:prstGeom>
         </p:spPr>
         <p:txBody>
-          <a:bodyPr vert="horz" lIns="91440" tIns="45720" rIns="91440" bIns="45720" rtlCol="0">
+          <a:bodyPr vert="horz" wrap="square" lIns="91440" tIns="45720" rIns="91440" bIns="45720" rtlCol="0">
             <a:normAutofit/>
           </a:bodyPr>
           <a:lstStyle>
@@ -7734,49 +7332,38 @@
           </a:lstStyle>
           <a:p>
             <a:pPr marL="0" indent="0" algn="ctr">
-              <a:buFont typeface="Arial" pitchFamily="34" charset="0"/>
               <a:buNone/>
             </a:pPr>
             <a:r>
-              <a:rPr lang="it-IT" dirty="0"/>
+              <a:rPr lang="it-IT" sz="2800" dirty="0"/>
               <a:t>Per ciascun tipo di </a:t>
             </a:r>
             <a:r>
-              <a:rPr lang="it-IT" dirty="0" err="1"/>
+              <a:rPr lang="it-IT" sz="2800" b="1" dirty="0" err="1"/>
               <a:t>anonimizzazione</a:t>
             </a:r>
             <a:r>
-              <a:rPr lang="it-IT" dirty="0"/>
-              <a:t> vengono </a:t>
-            </a:r>
-            <a:r>
-              <a:rPr lang="it-IT" dirty="0" err="1"/>
-              <a:t>vengono</a:t>
-            </a:r>
-            <a:r>
-              <a:rPr lang="it-IT" dirty="0"/>
-              <a:t> costruiti i grafi utilizzando </a:t>
-            </a:r>
-          </a:p>
-          <a:p>
-            <a:pPr marL="0" indent="0">
-              <a:buFont typeface="Arial" pitchFamily="34" charset="0"/>
+              <a:rPr lang="it-IT" sz="2800" dirty="0"/>
+              <a:t> vengono        costruiti i grafi utilizzando </a:t>
+            </a:r>
+          </a:p>
+          <a:p>
+            <a:pPr marL="0" indent="0" algn="ctr">
               <a:buNone/>
             </a:pPr>
-            <a:endParaRPr lang="en-GB" dirty="0"/>
-          </a:p>
-          <a:p>
-            <a:pPr marL="0" indent="0">
-              <a:buFont typeface="Arial" pitchFamily="34" charset="0"/>
+            <a:endParaRPr lang="en-GB" sz="2800" dirty="0"/>
+          </a:p>
+          <a:p>
+            <a:pPr marL="0" indent="0" algn="ctr">
               <a:buNone/>
             </a:pPr>
-            <a:endParaRPr lang="it-IT" dirty="0"/>
-          </a:p>
-          <a:p>
-            <a:pPr marL="0" indent="0">
+            <a:endParaRPr lang="it-IT" sz="2800" dirty="0"/>
+          </a:p>
+          <a:p>
+            <a:pPr marL="0" indent="0" algn="ctr">
               <a:buNone/>
             </a:pPr>
-            <a:endParaRPr lang="it-IT" dirty="0"/>
+            <a:endParaRPr lang="it-IT" sz="2800" dirty="0"/>
           </a:p>
         </p:txBody>
       </p:sp>
@@ -7787,8 +7374,8 @@
           <p:nvPr/>
         </p:nvSpPr>
         <p:spPr>
-          <a:xfrm rot="19367332">
-            <a:off x="2168858" y="2671108"/>
+          <a:xfrm rot="19004854">
+            <a:off x="2687750" y="2744299"/>
             <a:ext cx="1440160" cy="395933"/>
           </a:xfrm>
           <a:prstGeom prst="leftArrow">
@@ -7822,7 +7409,7 @@
           <a:lstStyle/>
           <a:p>
             <a:pPr algn="ctr"/>
-            <a:endParaRPr lang="it-IT"/>
+            <a:endParaRPr lang="it-IT" dirty="0"/>
           </a:p>
         </p:txBody>
       </p:sp>
@@ -7833,8 +7420,8 @@
           <p:nvPr/>
         </p:nvSpPr>
         <p:spPr>
-          <a:xfrm rot="13151535">
-            <a:off x="4607111" y="2649722"/>
+          <a:xfrm rot="13428926">
+            <a:off x="5012627" y="2740509"/>
             <a:ext cx="1440160" cy="395933"/>
           </a:xfrm>
           <a:prstGeom prst="leftArrow">
@@ -7868,7 +7455,7 @@
           <a:lstStyle/>
           <a:p>
             <a:pPr algn="ctr"/>
-            <a:endParaRPr lang="it-IT"/>
+            <a:endParaRPr lang="it-IT" dirty="0"/>
           </a:p>
         </p:txBody>
       </p:sp>
@@ -7880,8 +7467,8 @@
         </p:nvSpPr>
         <p:spPr>
           <a:xfrm>
-            <a:off x="1212937" y="3363725"/>
-            <a:ext cx="1965603" cy="1077218"/>
+            <a:off x="1206636" y="3510756"/>
+            <a:ext cx="2069221" cy="1077218"/>
           </a:xfrm>
           <a:prstGeom prst="rect">
             <a:avLst/>
@@ -7896,18 +7483,18 @@
           <a:p>
             <a:pPr algn="ctr"/>
             <a:r>
-              <a:rPr lang="en-GB" sz="3200" dirty="0" err="1"/>
+              <a:rPr lang="en-GB" sz="3200" b="1" dirty="0" err="1"/>
               <a:t>Tecnica</a:t>
             </a:r>
-            <a:endParaRPr lang="en-GB" sz="3200" dirty="0"/>
+            <a:endParaRPr lang="en-GB" sz="3200" b="1" dirty="0"/>
           </a:p>
           <a:p>
             <a:pPr algn="ctr"/>
             <a:r>
-              <a:rPr lang="en-GB" sz="3200" dirty="0"/>
+              <a:rPr lang="en-GB" sz="3200" b="1" dirty="0"/>
               <a:t>Construct</a:t>
             </a:r>
-            <a:endParaRPr lang="it-IT" sz="3200" dirty="0"/>
+            <a:endParaRPr lang="it-IT" sz="3200" b="1" dirty="0"/>
           </a:p>
         </p:txBody>
       </p:sp>
@@ -7919,8 +7506,8 @@
         </p:nvSpPr>
         <p:spPr>
           <a:xfrm>
-            <a:off x="5397120" y="3349596"/>
-            <a:ext cx="1517531" cy="1077218"/>
+            <a:off x="5868144" y="3510756"/>
+            <a:ext cx="1618969" cy="1077218"/>
           </a:xfrm>
           <a:prstGeom prst="rect">
             <a:avLst/>
@@ -7935,55 +7522,25 @@
           <a:p>
             <a:pPr algn="ctr"/>
             <a:r>
-              <a:rPr lang="en-GB" sz="3200" dirty="0" err="1"/>
+              <a:rPr lang="en-GB" sz="3200" b="1" dirty="0" err="1"/>
               <a:t>Tecnica</a:t>
             </a:r>
-            <a:endParaRPr lang="en-GB" sz="3200" dirty="0"/>
+            <a:endParaRPr lang="en-GB" sz="3200" b="1" dirty="0"/>
           </a:p>
           <a:p>
             <a:pPr algn="ctr"/>
             <a:r>
-              <a:rPr lang="en-GB" sz="3200" dirty="0"/>
+              <a:rPr lang="en-GB" sz="3200" b="1" dirty="0"/>
               <a:t>Priority</a:t>
             </a:r>
-            <a:endParaRPr lang="it-IT" sz="3200" dirty="0"/>
-          </a:p>
-        </p:txBody>
-      </p:sp>
-      <p:pic>
-        <p:nvPicPr>
-          <p:cNvPr id="12" name="Immagine 11"/>
-          <p:cNvPicPr>
-            <a:picLocks noChangeAspect="1"/>
-          </p:cNvPicPr>
-          <p:nvPr/>
-        </p:nvPicPr>
-        <p:blipFill>
-          <a:blip r:embed="rId2" cstate="print">
-            <a:extLst>
-              <a:ext uri="{28A0092B-C50C-407E-A947-70E740481C1C}">
-                <a14:useLocalDpi xmlns:a14="http://schemas.microsoft.com/office/drawing/2010/main" val="0"/>
-              </a:ext>
-            </a:extLst>
-          </a:blip>
-          <a:stretch>
-            <a:fillRect/>
-          </a:stretch>
-        </p:blipFill>
-        <p:spPr>
-          <a:xfrm>
-            <a:off x="179512" y="4468193"/>
-            <a:ext cx="1114320" cy="572830"/>
-          </a:xfrm>
-          <a:prstGeom prst="rect">
-            <a:avLst/>
-          </a:prstGeom>
-        </p:spPr>
-      </p:pic>
+            <a:endParaRPr lang="it-IT" sz="3200" b="1" dirty="0"/>
+          </a:p>
+        </p:txBody>
+      </p:sp>
     </p:spTree>
     <p:extLst>
       <p:ext uri="{BB962C8B-B14F-4D97-AF65-F5344CB8AC3E}">
-        <p14:creationId xmlns:p14="http://schemas.microsoft.com/office/powerpoint/2010/main" val="98486889"/>
+        <p14:creationId xmlns:p14="http://schemas.microsoft.com/office/powerpoint/2010/main" val="2223987617"/>
       </p:ext>
     </p:extLst>
   </p:cSld>
@@ -8145,7 +7702,7 @@
                                 </p:cTn>
                               </p:par>
                               <p:par>
-                                <p:cTn id="14" presetID="2" presetClass="entr" presetSubtype="4" fill="hold" grpId="0" nodeType="withEffect">
+                                <p:cTn id="14" presetID="10" presetClass="entr" presetSubtype="0" fill="hold" grpId="0" nodeType="withEffect">
                                   <p:stCondLst>
                                     <p:cond delay="0"/>
                                   </p:stCondLst>
@@ -8172,9 +7729,9 @@
                                         <p:strVal val="visible"/>
                                       </p:to>
                                     </p:set>
-                                    <p:anim calcmode="lin" valueType="num">
-                                      <p:cBhvr additive="base">
-                                        <p:cTn id="16" dur="500" fill="hold"/>
+                                    <p:animEffect transition="in" filter="fade">
+                                      <p:cBhvr>
+                                        <p:cTn id="16" dur="500"/>
                                         <p:tgtEl>
                                           <p:spTgt spid="10">
                                             <p:txEl>
@@ -8182,62 +7739,20 @@
                                             </p:txEl>
                                           </p:spTgt>
                                         </p:tgtEl>
-                                        <p:attrNameLst>
-                                          <p:attrName>ppt_x</p:attrName>
-                                        </p:attrNameLst>
                                       </p:cBhvr>
-                                      <p:tavLst>
-                                        <p:tav tm="0">
-                                          <p:val>
-                                            <p:strVal val="#ppt_x"/>
-                                          </p:val>
-                                        </p:tav>
-                                        <p:tav tm="100000">
-                                          <p:val>
-                                            <p:strVal val="#ppt_x"/>
-                                          </p:val>
-                                        </p:tav>
-                                      </p:tavLst>
-                                    </p:anim>
-                                    <p:anim calcmode="lin" valueType="num">
-                                      <p:cBhvr additive="base">
-                                        <p:cTn id="17" dur="500" fill="hold"/>
-                                        <p:tgtEl>
-                                          <p:spTgt spid="10">
-                                            <p:txEl>
-                                              <p:pRg st="0" end="0"/>
-                                            </p:txEl>
-                                          </p:spTgt>
-                                        </p:tgtEl>
-                                        <p:attrNameLst>
-                                          <p:attrName>ppt_y</p:attrName>
-                                        </p:attrNameLst>
-                                      </p:cBhvr>
-                                      <p:tavLst>
-                                        <p:tav tm="0">
-                                          <p:val>
-                                            <p:strVal val="1+#ppt_h/2"/>
-                                          </p:val>
-                                        </p:tav>
-                                        <p:tav tm="100000">
-                                          <p:val>
-                                            <p:strVal val="#ppt_y"/>
-                                          </p:val>
-                                        </p:tav>
-                                      </p:tavLst>
-                                    </p:anim>
+                                    </p:animEffect>
                                   </p:childTnLst>
                                 </p:cTn>
                               </p:par>
                               <p:par>
-                                <p:cTn id="18" presetID="2" presetClass="entr" presetSubtype="4" fill="hold" grpId="0" nodeType="withEffect">
+                                <p:cTn id="17" presetID="10" presetClass="entr" presetSubtype="0" fill="hold" grpId="0" nodeType="withEffect">
                                   <p:stCondLst>
                                     <p:cond delay="0"/>
                                   </p:stCondLst>
                                   <p:childTnLst>
                                     <p:set>
                                       <p:cBhvr>
-                                        <p:cTn id="19" dur="1" fill="hold">
+                                        <p:cTn id="18" dur="1" fill="hold">
                                           <p:stCondLst>
                                             <p:cond delay="0"/>
                                           </p:stCondLst>
@@ -8257,15 +7772,68 @@
                                         <p:strVal val="visible"/>
                                       </p:to>
                                     </p:set>
-                                    <p:anim calcmode="lin" valueType="num">
-                                      <p:cBhvr additive="base">
-                                        <p:cTn id="20" dur="500" fill="hold"/>
+                                    <p:animEffect transition="in" filter="fade">
+                                      <p:cBhvr>
+                                        <p:cTn id="19" dur="500"/>
                                         <p:tgtEl>
                                           <p:spTgt spid="10">
                                             <p:txEl>
                                               <p:pRg st="1" end="1"/>
                                             </p:txEl>
                                           </p:spTgt>
+                                        </p:tgtEl>
+                                      </p:cBhvr>
+                                    </p:animEffect>
+                                  </p:childTnLst>
+                                </p:cTn>
+                              </p:par>
+                            </p:childTnLst>
+                          </p:cTn>
+                        </p:par>
+                      </p:childTnLst>
+                    </p:cTn>
+                  </p:par>
+                  <p:par>
+                    <p:cTn id="20" fill="hold">
+                      <p:stCondLst>
+                        <p:cond delay="indefinite"/>
+                      </p:stCondLst>
+                      <p:childTnLst>
+                        <p:par>
+                          <p:cTn id="21" fill="hold">
+                            <p:stCondLst>
+                              <p:cond delay="0"/>
+                            </p:stCondLst>
+                            <p:childTnLst>
+                              <p:par>
+                                <p:cTn id="22" presetID="2" presetClass="entr" presetSubtype="9" fill="hold" grpId="0" nodeType="clickEffect">
+                                  <p:stCondLst>
+                                    <p:cond delay="0"/>
+                                  </p:stCondLst>
+                                  <p:childTnLst>
+                                    <p:set>
+                                      <p:cBhvr>
+                                        <p:cTn id="23" dur="1" fill="hold">
+                                          <p:stCondLst>
+                                            <p:cond delay="0"/>
+                                          </p:stCondLst>
+                                        </p:cTn>
+                                        <p:tgtEl>
+                                          <p:spTgt spid="9"/>
+                                        </p:tgtEl>
+                                        <p:attrNameLst>
+                                          <p:attrName>style.visibility</p:attrName>
+                                        </p:attrNameLst>
+                                      </p:cBhvr>
+                                      <p:to>
+                                        <p:strVal val="visible"/>
+                                      </p:to>
+                                    </p:set>
+                                    <p:anim calcmode="lin" valueType="num">
+                                      <p:cBhvr additive="base">
+                                        <p:cTn id="24" dur="500" fill="hold"/>
+                                        <p:tgtEl>
+                                          <p:spTgt spid="9"/>
                                         </p:tgtEl>
                                         <p:attrNameLst>
                                           <p:attrName>ppt_x</p:attrName>
@@ -8274,7 +7842,7 @@
                                       <p:tavLst>
                                         <p:tav tm="0">
                                           <p:val>
-                                            <p:strVal val="#ppt_x"/>
+                                            <p:strVal val="0-#ppt_w/2"/>
                                           </p:val>
                                         </p:tav>
                                         <p:tav tm="100000">
@@ -8286,13 +7854,9 @@
                                     </p:anim>
                                     <p:anim calcmode="lin" valueType="num">
                                       <p:cBhvr additive="base">
-                                        <p:cTn id="21" dur="500" fill="hold"/>
+                                        <p:cTn id="25" dur="500" fill="hold"/>
                                         <p:tgtEl>
-                                          <p:spTgt spid="10">
-                                            <p:txEl>
-                                              <p:pRg st="1" end="1"/>
-                                            </p:txEl>
-                                          </p:spTgt>
+                                          <p:spTgt spid="9"/>
                                         </p:tgtEl>
                                         <p:attrNameLst>
                                           <p:attrName>ppt_y</p:attrName>
@@ -8301,7 +7865,7 @@
                                       <p:tavLst>
                                         <p:tav tm="0">
                                           <p:val>
-                                            <p:strVal val="1+#ppt_h/2"/>
+                                            <p:strVal val="0-#ppt_h/2"/>
                                           </p:val>
                                         </p:tav>
                                         <p:tav tm="100000">
@@ -8314,33 +7878,15 @@
                                   </p:childTnLst>
                                 </p:cTn>
                               </p:par>
-                            </p:childTnLst>
-                          </p:cTn>
-                        </p:par>
-                      </p:childTnLst>
-                    </p:cTn>
-                  </p:par>
-                  <p:par>
-                    <p:cTn id="22" fill="hold">
-                      <p:stCondLst>
-                        <p:cond delay="indefinite"/>
-                      </p:stCondLst>
-                      <p:childTnLst>
-                        <p:par>
-                          <p:cTn id="23" fill="hold">
-                            <p:stCondLst>
-                              <p:cond delay="0"/>
-                            </p:stCondLst>
-                            <p:childTnLst>
                               <p:par>
-                                <p:cTn id="24" presetID="2" presetClass="entr" presetSubtype="4" fill="hold" grpId="0" nodeType="clickEffect">
+                                <p:cTn id="26" presetID="2" presetClass="entr" presetSubtype="4" fill="hold" grpId="0" nodeType="withEffect">
                                   <p:stCondLst>
                                     <p:cond delay="0"/>
                                   </p:stCondLst>
                                   <p:childTnLst>
                                     <p:set>
                                       <p:cBhvr>
-                                        <p:cTn id="25" dur="1" fill="hold">
+                                        <p:cTn id="27" dur="1" fill="hold">
                                           <p:stCondLst>
                                             <p:cond delay="0"/>
                                           </p:stCondLst>
@@ -8362,7 +7908,7 @@
                                     </p:set>
                                     <p:anim calcmode="lin" valueType="num">
                                       <p:cBhvr additive="base">
-                                        <p:cTn id="26" dur="500" fill="hold"/>
+                                        <p:cTn id="28" dur="500" fill="hold"/>
                                         <p:tgtEl>
                                           <p:spTgt spid="11">
                                             <p:txEl>
@@ -8389,7 +7935,7 @@
                                     </p:anim>
                                     <p:anim calcmode="lin" valueType="num">
                                       <p:cBhvr additive="base">
-                                        <p:cTn id="27" dur="500" fill="hold"/>
+                                        <p:cTn id="29" dur="500" fill="hold"/>
                                         <p:tgtEl>
                                           <p:spTgt spid="11">
                                             <p:txEl>
@@ -8418,14 +7964,14 @@
                                 </p:cTn>
                               </p:par>
                               <p:par>
-                                <p:cTn id="28" presetID="2" presetClass="entr" presetSubtype="4" fill="hold" grpId="0" nodeType="withEffect">
+                                <p:cTn id="30" presetID="2" presetClass="entr" presetSubtype="4" fill="hold" grpId="0" nodeType="withEffect">
                                   <p:stCondLst>
                                     <p:cond delay="0"/>
                                   </p:stCondLst>
                                   <p:childTnLst>
                                     <p:set>
                                       <p:cBhvr>
-                                        <p:cTn id="29" dur="1" fill="hold">
+                                        <p:cTn id="31" dur="1" fill="hold">
                                           <p:stCondLst>
                                             <p:cond delay="0"/>
                                           </p:stCondLst>
@@ -8447,7 +7993,7 @@
                                     </p:set>
                                     <p:anim calcmode="lin" valueType="num">
                                       <p:cBhvr additive="base">
-                                        <p:cTn id="30" dur="500" fill="hold"/>
+                                        <p:cTn id="32" dur="500" fill="hold"/>
                                         <p:tgtEl>
                                           <p:spTgt spid="11">
                                             <p:txEl>
@@ -8474,7 +8020,7 @@
                                     </p:anim>
                                     <p:anim calcmode="lin" valueType="num">
                                       <p:cBhvr additive="base">
-                                        <p:cTn id="31" dur="500" fill="hold"/>
+                                        <p:cTn id="33" dur="500" fill="hold"/>
                                         <p:tgtEl>
                                           <p:spTgt spid="11">
                                             <p:txEl>
@@ -8490,79 +8036,6 @@
                                         <p:tav tm="0">
                                           <p:val>
                                             <p:strVal val="1+#ppt_h/2"/>
-                                          </p:val>
-                                        </p:tav>
-                                        <p:tav tm="100000">
-                                          <p:val>
-                                            <p:strVal val="#ppt_y"/>
-                                          </p:val>
-                                        </p:tav>
-                                      </p:tavLst>
-                                    </p:anim>
-                                  </p:childTnLst>
-                                </p:cTn>
-                              </p:par>
-                              <p:par>
-                                <p:cTn id="32" presetID="2" presetClass="entr" presetSubtype="9" fill="hold" grpId="0" nodeType="withEffect">
-                                  <p:stCondLst>
-                                    <p:cond delay="0"/>
-                                  </p:stCondLst>
-                                  <p:childTnLst>
-                                    <p:set>
-                                      <p:cBhvr>
-                                        <p:cTn id="33" dur="1" fill="hold">
-                                          <p:stCondLst>
-                                            <p:cond delay="0"/>
-                                          </p:stCondLst>
-                                        </p:cTn>
-                                        <p:tgtEl>
-                                          <p:spTgt spid="9"/>
-                                        </p:tgtEl>
-                                        <p:attrNameLst>
-                                          <p:attrName>style.visibility</p:attrName>
-                                        </p:attrNameLst>
-                                      </p:cBhvr>
-                                      <p:to>
-                                        <p:strVal val="visible"/>
-                                      </p:to>
-                                    </p:set>
-                                    <p:anim calcmode="lin" valueType="num">
-                                      <p:cBhvr additive="base">
-                                        <p:cTn id="34" dur="500" fill="hold"/>
-                                        <p:tgtEl>
-                                          <p:spTgt spid="9"/>
-                                        </p:tgtEl>
-                                        <p:attrNameLst>
-                                          <p:attrName>ppt_x</p:attrName>
-                                        </p:attrNameLst>
-                                      </p:cBhvr>
-                                      <p:tavLst>
-                                        <p:tav tm="0">
-                                          <p:val>
-                                            <p:strVal val="0-#ppt_w/2"/>
-                                          </p:val>
-                                        </p:tav>
-                                        <p:tav tm="100000">
-                                          <p:val>
-                                            <p:strVal val="#ppt_x"/>
-                                          </p:val>
-                                        </p:tav>
-                                      </p:tavLst>
-                                    </p:anim>
-                                    <p:anim calcmode="lin" valueType="num">
-                                      <p:cBhvr additive="base">
-                                        <p:cTn id="35" dur="500" fill="hold"/>
-                                        <p:tgtEl>
-                                          <p:spTgt spid="9"/>
-                                        </p:tgtEl>
-                                        <p:attrNameLst>
-                                          <p:attrName>ppt_y</p:attrName>
-                                        </p:attrNameLst>
-                                      </p:cBhvr>
-                                      <p:tavLst>
-                                        <p:tav tm="0">
-                                          <p:val>
-                                            <p:strVal val="0-#ppt_h/2"/>
                                           </p:val>
                                         </p:tav>
                                         <p:tav tm="100000">
@@ -8650,57 +8123,23 @@
           <a:lstStyle/>
           <a:p>
             <a:r>
-              <a:rPr lang="en-GB" dirty="0" err="1">
-                <a:solidFill>
-                  <a:schemeClr val="bg1">
-                    <a:lumMod val="50000"/>
-                  </a:schemeClr>
-                </a:solidFill>
+              <a:rPr lang="it-IT" dirty="0">
                 <a:latin typeface="+mj-lt"/>
               </a:rPr>
-              <a:t>Tecniche</a:t>
-            </a:r>
-            <a:r>
-              <a:rPr lang="en-GB" dirty="0">
-                <a:solidFill>
-                  <a:schemeClr val="bg1">
-                    <a:lumMod val="50000"/>
-                  </a:schemeClr>
-                </a:solidFill>
-                <a:latin typeface="+mj-lt"/>
-              </a:rPr>
-              <a:t> di </a:t>
-            </a:r>
-            <a:r>
-              <a:rPr lang="en-GB" dirty="0" err="1">
-                <a:solidFill>
-                  <a:schemeClr val="bg1">
-                    <a:lumMod val="50000"/>
-                  </a:schemeClr>
-                </a:solidFill>
+              <a:t>Tecniche di </a:t>
+            </a:r>
+            <a:r>
+              <a:rPr lang="it-IT" dirty="0" err="1">
                 <a:latin typeface="+mj-lt"/>
               </a:rPr>
               <a:t>anonimizzazione</a:t>
             </a:r>
             <a:r>
-              <a:rPr lang="en-GB" dirty="0">
-                <a:solidFill>
-                  <a:schemeClr val="bg1">
-                    <a:lumMod val="50000"/>
-                  </a:schemeClr>
-                </a:solidFill>
+              <a:rPr lang="it-IT" dirty="0">
                 <a:latin typeface="+mj-lt"/>
               </a:rPr>
               <a:t> </a:t>
             </a:r>
-            <a:endParaRPr lang="it-IT" dirty="0">
-              <a:solidFill>
-                <a:schemeClr val="bg1">
-                  <a:lumMod val="50000"/>
-                </a:schemeClr>
-              </a:solidFill>
-              <a:latin typeface="+mj-lt"/>
-            </a:endParaRPr>
           </a:p>
         </p:txBody>
       </p:sp>
@@ -8716,7 +8155,7 @@
         </p:nvSpPr>
         <p:spPr>
           <a:xfrm>
-            <a:off x="323528" y="1200151"/>
+            <a:off x="390364" y="874514"/>
             <a:ext cx="8363272" cy="3394472"/>
           </a:xfrm>
         </p:spPr>
@@ -8726,64 +8165,47 @@
           </a:bodyPr>
           <a:lstStyle/>
           <a:p>
-            <a:pPr marL="0" indent="0" algn="ctr">
-              <a:buNone/>
-            </a:pPr>
             <a:r>
               <a:rPr lang="it-IT" dirty="0"/>
-              <a:t>I grafi sono stati anonimizzati in maniera</a:t>
-            </a:r>
-          </a:p>
-          <a:p>
-            <a:pPr marL="0" indent="0" algn="ctr">
-              <a:buNone/>
-            </a:pPr>
+              <a:t>I grafi sono stati </a:t>
+            </a:r>
+            <a:r>
+              <a:rPr lang="it-IT" b="1" dirty="0"/>
+              <a:t>anonimizzati</a:t>
+            </a:r>
             <a:r>
               <a:rPr lang="it-IT" dirty="0"/>
-              <a:t>incrementale su K secondo i seguenti </a:t>
-            </a:r>
-          </a:p>
-          <a:p>
-            <a:pPr marL="0" indent="0" algn="ctr">
-              <a:buNone/>
-            </a:pPr>
+              <a:t> per svariati valori di </a:t>
+            </a:r>
+            <a:r>
+              <a:rPr lang="it-IT" b="1" i="1" dirty="0"/>
+              <a:t>K</a:t>
+            </a:r>
             <a:r>
               <a:rPr lang="it-IT" dirty="0"/>
-              <a:t>algoritmi implementati in Java</a:t>
-            </a:r>
-          </a:p>
-        </p:txBody>
-      </p:sp>
-      <p:pic>
-        <p:nvPicPr>
-          <p:cNvPr id="4" name="Immagine 3"/>
-          <p:cNvPicPr>
-            <a:picLocks noChangeAspect="1"/>
-          </p:cNvPicPr>
-          <p:nvPr/>
-        </p:nvPicPr>
-        <p:blipFill>
-          <a:blip r:embed="rId2" cstate="print">
-            <a:extLst>
-              <a:ext uri="{28A0092B-C50C-407E-A947-70E740481C1C}">
-                <a14:useLocalDpi xmlns:a14="http://schemas.microsoft.com/office/drawing/2010/main" val="0"/>
-              </a:ext>
-            </a:extLst>
-          </a:blip>
-          <a:stretch>
-            <a:fillRect/>
-          </a:stretch>
-        </p:blipFill>
-        <p:spPr>
-          <a:xfrm>
-            <a:off x="179512" y="4468193"/>
-            <a:ext cx="1114320" cy="572830"/>
-          </a:xfrm>
-          <a:prstGeom prst="rect">
-            <a:avLst/>
-          </a:prstGeom>
-        </p:spPr>
-      </p:pic>
+              <a:t> (incrementali)</a:t>
+            </a:r>
+          </a:p>
+          <a:p>
+            <a:r>
+              <a:rPr lang="it-IT" dirty="0"/>
+              <a:t>I seguenti </a:t>
+            </a:r>
+            <a:r>
+              <a:rPr lang="it-IT" b="1" dirty="0"/>
+              <a:t>algoritmi</a:t>
+            </a:r>
+            <a:r>
+              <a:rPr lang="it-IT" dirty="0"/>
+              <a:t> implementati in </a:t>
+            </a:r>
+            <a:r>
+              <a:rPr lang="it-IT" b="1" dirty="0"/>
+              <a:t>Java</a:t>
+            </a:r>
+          </a:p>
+        </p:txBody>
+      </p:sp>
     </p:spTree>
     <p:extLst>
       <p:ext uri="{BB962C8B-B14F-4D97-AF65-F5344CB8AC3E}">
@@ -8794,13 +8216,6 @@
   <p:clrMapOvr>
     <a:masterClrMapping/>
   </p:clrMapOvr>
-  <p:timing>
-    <p:tnLst>
-      <p:par>
-        <p:cTn id="1" dur="indefinite" restart="never" nodeType="tmRoot"/>
-      </p:par>
-    </p:tnLst>
-  </p:timing>
 </p:sld>
 </file>
 
@@ -8843,21 +8258,11 @@
           <a:p>
             <a:r>
               <a:rPr lang="en-GB" dirty="0">
-                <a:solidFill>
-                  <a:schemeClr val="bg1">
-                    <a:lumMod val="50000"/>
-                  </a:schemeClr>
-                </a:solidFill>
                 <a:latin typeface="+mj-lt"/>
               </a:rPr>
               <a:t>Dynamic Programming</a:t>
             </a:r>
             <a:endParaRPr lang="it-IT" dirty="0">
-              <a:solidFill>
-                <a:schemeClr val="bg1">
-                  <a:lumMod val="50000"/>
-                </a:schemeClr>
-              </a:solidFill>
               <a:latin typeface="+mj-lt"/>
             </a:endParaRPr>
           </a:p>
@@ -8895,36 +8300,6 @@
           </a:p>
         </p:txBody>
       </p:sp>
-      <p:pic>
-        <p:nvPicPr>
-          <p:cNvPr id="4" name="Immagine 3"/>
-          <p:cNvPicPr>
-            <a:picLocks noChangeAspect="1"/>
-          </p:cNvPicPr>
-          <p:nvPr/>
-        </p:nvPicPr>
-        <p:blipFill>
-          <a:blip r:embed="rId2" cstate="print">
-            <a:extLst>
-              <a:ext uri="{28A0092B-C50C-407E-A947-70E740481C1C}">
-                <a14:useLocalDpi xmlns:a14="http://schemas.microsoft.com/office/drawing/2010/main" val="0"/>
-              </a:ext>
-            </a:extLst>
-          </a:blip>
-          <a:stretch>
-            <a:fillRect/>
-          </a:stretch>
-        </p:blipFill>
-        <p:spPr>
-          <a:xfrm>
-            <a:off x="179512" y="4468193"/>
-            <a:ext cx="1114320" cy="572830"/>
-          </a:xfrm>
-          <a:prstGeom prst="rect">
-            <a:avLst/>
-          </a:prstGeom>
-        </p:spPr>
-      </p:pic>
       <p:sp>
         <p:nvSpPr>
           <p:cNvPr id="6" name="Segnaposto contenuto 2"/>
@@ -9120,8 +8495,8 @@
           <p:nvPr/>
         </p:nvSpPr>
         <p:spPr>
-          <a:xfrm rot="19367332">
-            <a:off x="2708322" y="2148859"/>
+          <a:xfrm rot="18915208">
+            <a:off x="2549697" y="2089807"/>
             <a:ext cx="1440160" cy="405499"/>
           </a:xfrm>
           <a:prstGeom prst="leftArrow">
@@ -9166,8 +8541,8 @@
           <p:nvPr/>
         </p:nvSpPr>
         <p:spPr>
-          <a:xfrm rot="13151535">
-            <a:off x="4610134" y="2164089"/>
+          <a:xfrm rot="13500123">
+            <a:off x="5152518" y="2088170"/>
             <a:ext cx="1440160" cy="405499"/>
           </a:xfrm>
           <a:prstGeom prst="leftArrow">
@@ -9213,8 +8588,8 @@
         </p:nvSpPr>
         <p:spPr>
           <a:xfrm>
-            <a:off x="143992" y="2948552"/>
-            <a:ext cx="3779936" cy="2062103"/>
+            <a:off x="286478" y="2883589"/>
+            <a:ext cx="4141505" cy="1200329"/>
           </a:xfrm>
           <a:prstGeom prst="rect">
             <a:avLst/>
@@ -9229,18 +8604,22 @@
           <a:p>
             <a:pPr algn="ctr"/>
             <a:r>
-              <a:rPr lang="it-IT" sz="3200" dirty="0" err="1"/>
-              <a:t>conveniene</a:t>
-            </a:r>
-            <a:r>
-              <a:rPr lang="it-IT" sz="3200" dirty="0"/>
-              <a:t> creare un nuovo cluster a partire da quel </a:t>
+              <a:rPr lang="it-IT" sz="2400" dirty="0"/>
+              <a:t>Creare un </a:t>
+            </a:r>
+            <a:r>
+              <a:rPr lang="it-IT" sz="2400" b="1" dirty="0"/>
+              <a:t>nuovo cluster </a:t>
+            </a:r>
+            <a:r>
+              <a:rPr lang="it-IT" sz="2400" dirty="0"/>
+              <a:t>a partire da quel </a:t>
             </a:r>
           </a:p>
           <a:p>
             <a:pPr algn="ctr"/>
             <a:r>
-              <a:rPr lang="it-IT" sz="3200" dirty="0"/>
+              <a:rPr lang="it-IT" sz="2400" dirty="0"/>
               <a:t>nodo</a:t>
             </a:r>
           </a:p>
@@ -9254,8 +8633,8 @@
         </p:nvSpPr>
         <p:spPr>
           <a:xfrm>
-            <a:off x="4124498" y="2948552"/>
-            <a:ext cx="4093724" cy="1569660"/>
+            <a:off x="4572000" y="2883589"/>
+            <a:ext cx="4285521" cy="1200329"/>
           </a:xfrm>
           <a:prstGeom prst="rect">
             <a:avLst/>
@@ -9270,8 +8649,16 @@
           <a:p>
             <a:pPr algn="ctr"/>
             <a:r>
-              <a:rPr lang="it-IT" sz="3200" dirty="0"/>
-              <a:t>unire il nodo considerato a questo passo al cluster precedente</a:t>
+              <a:rPr lang="it-IT" sz="2400" b="1" dirty="0"/>
+              <a:t>Unire</a:t>
+            </a:r>
+            <a:r>
+              <a:rPr lang="it-IT" sz="2400" dirty="0"/>
+              <a:t> il nodo considerato a questo passo al </a:t>
+            </a:r>
+            <a:r>
+              <a:rPr lang="it-IT" sz="2400" b="1" dirty="0"/>
+              <a:t>cluster precedente</a:t>
             </a:r>
           </a:p>
         </p:txBody>
@@ -9795,13 +9182,7 @@
           <a:lstStyle/>
           <a:p>
             <a:r>
-              <a:rPr lang="en-GB" dirty="0">
-                <a:solidFill>
-                  <a:schemeClr val="bg1">
-                    <a:lumMod val="50000"/>
-                  </a:schemeClr>
-                </a:solidFill>
-              </a:rPr>
+              <a:rPr lang="en-GB" dirty="0"/>
               <a:t>Dynamic Programming</a:t>
             </a:r>
             <a:endParaRPr lang="it-IT" dirty="0"/>
@@ -9818,8 +9199,8 @@
         </p:nvSpPr>
         <p:spPr>
           <a:xfrm>
-            <a:off x="323528" y="1923678"/>
-            <a:ext cx="8229600" cy="3394472"/>
+            <a:off x="457200" y="1743658"/>
+            <a:ext cx="8229600" cy="1656184"/>
           </a:xfrm>
           <a:prstGeom prst="rect">
             <a:avLst/>
@@ -9983,8 +9364,17 @@
             </a:pPr>
             <a:r>
               <a:rPr lang="it-IT" dirty="0"/>
-              <a:t>combinazioni di cluster scegliendo quella a costo minore</a:t>
-            </a:r>
+              <a:t>combinazioni di cluster scegliendo quella a </a:t>
+            </a:r>
+            <a:r>
+              <a:rPr lang="it-IT" b="1" dirty="0"/>
+              <a:t>costo minore</a:t>
+            </a:r>
+            <a:r>
+              <a:rPr lang="it-IT" dirty="0"/>
+              <a:t>.</a:t>
+            </a:r>
+            <a:endParaRPr lang="it-IT" b="1" dirty="0"/>
           </a:p>
           <a:p>
             <a:pPr marL="0" indent="0">
@@ -10004,13 +9394,6 @@
   <p:clrMapOvr>
     <a:masterClrMapping/>
   </p:clrMapOvr>
-  <p:timing>
-    <p:tnLst>
-      <p:par>
-        <p:cTn id="1" dur="indefinite" restart="never" nodeType="tmRoot"/>
-      </p:par>
-    </p:tnLst>
-  </p:timing>
 </p:sld>
 </file>
 
@@ -10048,21 +9431,11 @@
           <a:p>
             <a:r>
               <a:rPr lang="en-GB" dirty="0">
-                <a:solidFill>
-                  <a:schemeClr val="bg1">
-                    <a:lumMod val="50000"/>
-                  </a:schemeClr>
-                </a:solidFill>
                 <a:latin typeface="+mj-lt"/>
               </a:rPr>
               <a:t>Greedy</a:t>
             </a:r>
             <a:endParaRPr lang="it-IT" dirty="0">
-              <a:solidFill>
-                <a:schemeClr val="bg1">
-                  <a:lumMod val="50000"/>
-                </a:schemeClr>
-              </a:solidFill>
               <a:latin typeface="+mj-lt"/>
             </a:endParaRPr>
           </a:p>
@@ -10078,10 +9451,15 @@
             <p:ph idx="1"/>
           </p:nvPr>
         </p:nvSpPr>
-        <p:spPr/>
+        <p:spPr>
+          <a:xfrm>
+            <a:off x="251520" y="2127731"/>
+            <a:ext cx="8640960" cy="1227582"/>
+          </a:xfrm>
+        </p:spPr>
         <p:txBody>
           <a:bodyPr wrap="square">
-            <a:normAutofit fontScale="70000" lnSpcReduction="20000"/>
+            <a:normAutofit/>
           </a:bodyPr>
           <a:lstStyle/>
           <a:p>
@@ -10090,149 +9468,117 @@
             </a:pPr>
             <a:r>
               <a:rPr lang="it-IT" dirty="0"/>
-              <a:t>Questa variante utilizza un approccio più </a:t>
-            </a:r>
-            <a:r>
-              <a:rPr lang="it-IT" dirty="0" smtClean="0"/>
-              <a:t>semplice, </a:t>
-            </a:r>
-            <a:r>
-              <a:rPr lang="it-IT" dirty="0"/>
-              <a:t>andando a</a:t>
-            </a:r>
-          </a:p>
-          <a:p>
-            <a:pPr marL="0" indent="0" algn="ctr">
-              <a:buNone/>
-            </a:pPr>
-            <a:r>
-              <a:rPr lang="it-IT" dirty="0"/>
-              <a:t> considerare per ogni nodo da inserire </a:t>
-            </a:r>
-          </a:p>
-          <a:p>
-            <a:pPr marL="0" indent="0" algn="ctr">
-              <a:buNone/>
-            </a:pPr>
-            <a:r>
-              <a:rPr lang="it-IT" dirty="0"/>
-              <a:t>nel grafo anonimizzato il singolo costo di unione </a:t>
-            </a:r>
-          </a:p>
-          <a:p>
-            <a:pPr marL="0" indent="0" algn="ctr">
-              <a:buNone/>
-            </a:pPr>
-            <a:r>
-              <a:rPr lang="it-IT" dirty="0"/>
-              <a:t>all’ultimo cluster confrontandolo con quello di </a:t>
-            </a:r>
-          </a:p>
-          <a:p>
-            <a:pPr marL="0" indent="0" algn="ctr">
-              <a:buNone/>
-            </a:pPr>
-            <a:r>
-              <a:rPr lang="it-IT" dirty="0"/>
-              <a:t>creazione di un nuovo cluster. Questa variante </a:t>
-            </a:r>
-          </a:p>
-          <a:p>
-            <a:pPr marL="0" indent="0" algn="ctr">
-              <a:buNone/>
-            </a:pPr>
-            <a:r>
-              <a:rPr lang="it-IT" dirty="0"/>
-              <a:t>ovviamente non esplora tutte le combinazioni possibili e non</a:t>
-            </a:r>
-          </a:p>
-          <a:p>
-            <a:pPr marL="0" indent="0" algn="ctr">
-              <a:buNone/>
-            </a:pPr>
-            <a:r>
-              <a:rPr lang="it-IT" dirty="0"/>
-              <a:t>  tenendo memoria degli ottimi locali per i singoli cluster </a:t>
-            </a:r>
-          </a:p>
-          <a:p>
-            <a:pPr marL="0" indent="0" algn="ctr">
-              <a:buNone/>
-            </a:pPr>
-            <a:r>
-              <a:rPr lang="it-IT" dirty="0" smtClean="0"/>
-              <a:t>,genera </a:t>
-            </a:r>
-            <a:r>
-              <a:rPr lang="it-IT" dirty="0"/>
-              <a:t>quindi soluzioni </a:t>
-            </a:r>
-            <a:r>
-              <a:rPr lang="it-IT" dirty="0" smtClean="0"/>
-              <a:t>sub-ottime </a:t>
-            </a:r>
-            <a:r>
-              <a:rPr lang="it-IT" dirty="0"/>
-              <a:t>rispetto al DP per</a:t>
-            </a:r>
-          </a:p>
-          <a:p>
-            <a:pPr marL="0" indent="0" algn="ctr">
-              <a:buNone/>
-            </a:pPr>
-            <a:r>
-              <a:rPr lang="it-IT" dirty="0"/>
-              <a:t> quanto riguarda i costi di </a:t>
-            </a:r>
-            <a:r>
-              <a:rPr lang="it-IT" dirty="0" err="1"/>
-              <a:t>anonimizzazione</a:t>
-            </a:r>
-            <a:r>
-              <a:rPr lang="it-IT" dirty="0"/>
-              <a:t>.</a:t>
-            </a:r>
-          </a:p>
-          <a:p>
-            <a:pPr algn="ctr"/>
-            <a:endParaRPr lang="it-IT" dirty="0"/>
-          </a:p>
-        </p:txBody>
-      </p:sp>
-      <p:pic>
-        <p:nvPicPr>
-          <p:cNvPr id="4" name="Immagine 3"/>
-          <p:cNvPicPr>
-            <a:picLocks noChangeAspect="1"/>
-          </p:cNvPicPr>
-          <p:nvPr/>
-        </p:nvPicPr>
-        <p:blipFill>
-          <a:blip r:embed="rId2" cstate="print">
+              <a:t>Implementazione semplificata rispetto a      </a:t>
+            </a:r>
+            <a:r>
+              <a:rPr lang="it-IT" b="1" dirty="0"/>
+              <a:t>Dynamic Programming</a:t>
+            </a:r>
+          </a:p>
+        </p:txBody>
+      </p:sp>
+      <p:sp>
+        <p:nvSpPr>
+          <p:cNvPr id="5" name="CasellaDiTesto 4">
             <a:extLst>
-              <a:ext uri="{28A0092B-C50C-407E-A947-70E740481C1C}">
-                <a14:useLocalDpi xmlns:a14="http://schemas.microsoft.com/office/drawing/2010/main" val="0"/>
+              <a:ext uri="{FF2B5EF4-FFF2-40B4-BE49-F238E27FC236}">
+                <a16:creationId xmlns:a16="http://schemas.microsoft.com/office/drawing/2014/main" id="{DF6707CD-056C-44E0-A596-192752800AC1}"/>
               </a:ext>
             </a:extLst>
-          </a:blip>
-          <a:stretch>
-            <a:fillRect/>
-          </a:stretch>
-        </p:blipFill>
+          </p:cNvPr>
+          <p:cNvSpPr txBox="1"/>
+          <p:nvPr/>
+        </p:nvSpPr>
         <p:spPr>
           <a:xfrm>
-            <a:off x="179512" y="4468193"/>
-            <a:ext cx="1114320" cy="572830"/>
+            <a:off x="938697" y="1420465"/>
+            <a:ext cx="7266605" cy="738664"/>
           </a:xfrm>
           <a:prstGeom prst="rect">
             <a:avLst/>
           </a:prstGeom>
+          <a:noFill/>
         </p:spPr>
-      </p:pic>
+        <p:txBody>
+          <a:bodyPr wrap="none" rtlCol="0">
+            <a:spAutoFit/>
+          </a:bodyPr>
+          <a:lstStyle/>
+          <a:p>
+            <a:r>
+              <a:rPr lang="it-IT" sz="2400" dirty="0"/>
+              <a:t>A ogni passo valuta al soluzione meno costosa tra</a:t>
+            </a:r>
+          </a:p>
+          <a:p>
+            <a:endParaRPr lang="it-IT" dirty="0"/>
+          </a:p>
+        </p:txBody>
+      </p:sp>
+      <p:sp>
+        <p:nvSpPr>
+          <p:cNvPr id="6" name="CasellaDiTesto 5">
+            <a:extLst>
+              <a:ext uri="{FF2B5EF4-FFF2-40B4-BE49-F238E27FC236}">
+                <a16:creationId xmlns:a16="http://schemas.microsoft.com/office/drawing/2014/main" id="{4FFB9536-6D87-40EE-BE02-E74E100076F5}"/>
+              </a:ext>
+            </a:extLst>
+          </p:cNvPr>
+          <p:cNvSpPr txBox="1"/>
+          <p:nvPr/>
+        </p:nvSpPr>
+        <p:spPr>
+          <a:xfrm>
+            <a:off x="-6481507" y="-236562"/>
+            <a:ext cx="5441874" cy="1477328"/>
+          </a:xfrm>
+          <a:prstGeom prst="rect">
+            <a:avLst/>
+          </a:prstGeom>
+          <a:noFill/>
+        </p:spPr>
+        <p:txBody>
+          <a:bodyPr wrap="none" rtlCol="0">
+            <a:spAutoFit/>
+          </a:bodyPr>
+          <a:lstStyle/>
+          <a:p>
+            <a:pPr algn="ctr"/>
+            <a:r>
+              <a:rPr lang="it-IT" dirty="0"/>
+              <a:t>inserire </a:t>
+            </a:r>
+          </a:p>
+          <a:p>
+            <a:pPr algn="ctr"/>
+            <a:r>
+              <a:rPr lang="it-IT" dirty="0"/>
+              <a:t>nel grafo anonimizzato il singolo costo di unione </a:t>
+            </a:r>
+          </a:p>
+          <a:p>
+            <a:pPr algn="ctr"/>
+            <a:r>
+              <a:rPr lang="it-IT" dirty="0"/>
+              <a:t>all’ultimo cluster</a:t>
+            </a:r>
+          </a:p>
+          <a:p>
+            <a:pPr algn="ctr"/>
+            <a:r>
+              <a:rPr lang="it-IT" dirty="0"/>
+              <a:t>creazione di un nuovo cluster</a:t>
+            </a:r>
+          </a:p>
+          <a:p>
+            <a:endParaRPr lang="it-IT" dirty="0"/>
+          </a:p>
+        </p:txBody>
+      </p:sp>
     </p:spTree>
     <p:extLst>
       <p:ext uri="{BB962C8B-B14F-4D97-AF65-F5344CB8AC3E}">
-        <p14:creationId xmlns:p14="http://schemas.microsoft.com/office/powerpoint/2010/main" val="3049062114"/>
+        <p14:creationId xmlns:p14="http://schemas.microsoft.com/office/powerpoint/2010/main" val="1206249487"/>
       </p:ext>
     </p:extLst>
   </p:cSld>
@@ -10242,9 +9588,343 @@
   <p:timing>
     <p:tnLst>
       <p:par>
-        <p:cTn id="1" dur="indefinite" restart="never" nodeType="tmRoot"/>
+        <p:cTn id="1" dur="indefinite" restart="never" nodeType="tmRoot">
+          <p:childTnLst>
+            <p:seq concurrent="1" nextAc="seek">
+              <p:cTn id="2" dur="indefinite" nodeType="mainSeq">
+                <p:childTnLst>
+                  <p:par>
+                    <p:cTn id="3" fill="hold">
+                      <p:stCondLst>
+                        <p:cond delay="indefinite"/>
+                      </p:stCondLst>
+                      <p:childTnLst>
+                        <p:par>
+                          <p:cTn id="4" fill="hold">
+                            <p:stCondLst>
+                              <p:cond delay="0"/>
+                            </p:stCondLst>
+                            <p:childTnLst>
+                              <p:par>
+                                <p:cTn id="5" presetID="53" presetClass="entr" presetSubtype="16" fill="hold" grpId="0" nodeType="clickEffect">
+                                  <p:stCondLst>
+                                    <p:cond delay="0"/>
+                                  </p:stCondLst>
+                                  <p:childTnLst>
+                                    <p:set>
+                                      <p:cBhvr>
+                                        <p:cTn id="6" dur="1" fill="hold">
+                                          <p:stCondLst>
+                                            <p:cond delay="0"/>
+                                          </p:stCondLst>
+                                        </p:cTn>
+                                        <p:tgtEl>
+                                          <p:spTgt spid="3">
+                                            <p:txEl>
+                                              <p:pRg st="0" end="0"/>
+                                            </p:txEl>
+                                          </p:spTgt>
+                                        </p:tgtEl>
+                                        <p:attrNameLst>
+                                          <p:attrName>style.visibility</p:attrName>
+                                        </p:attrNameLst>
+                                      </p:cBhvr>
+                                      <p:to>
+                                        <p:strVal val="visible"/>
+                                      </p:to>
+                                    </p:set>
+                                    <p:anim calcmode="lin" valueType="num">
+                                      <p:cBhvr>
+                                        <p:cTn id="7" dur="500" fill="hold"/>
+                                        <p:tgtEl>
+                                          <p:spTgt spid="3">
+                                            <p:txEl>
+                                              <p:pRg st="0" end="0"/>
+                                            </p:txEl>
+                                          </p:spTgt>
+                                        </p:tgtEl>
+                                        <p:attrNameLst>
+                                          <p:attrName>ppt_w</p:attrName>
+                                        </p:attrNameLst>
+                                      </p:cBhvr>
+                                      <p:tavLst>
+                                        <p:tav tm="0">
+                                          <p:val>
+                                            <p:fltVal val="0"/>
+                                          </p:val>
+                                        </p:tav>
+                                        <p:tav tm="100000">
+                                          <p:val>
+                                            <p:strVal val="#ppt_w"/>
+                                          </p:val>
+                                        </p:tav>
+                                      </p:tavLst>
+                                    </p:anim>
+                                    <p:anim calcmode="lin" valueType="num">
+                                      <p:cBhvr>
+                                        <p:cTn id="8" dur="500" fill="hold"/>
+                                        <p:tgtEl>
+                                          <p:spTgt spid="3">
+                                            <p:txEl>
+                                              <p:pRg st="0" end="0"/>
+                                            </p:txEl>
+                                          </p:spTgt>
+                                        </p:tgtEl>
+                                        <p:attrNameLst>
+                                          <p:attrName>ppt_h</p:attrName>
+                                        </p:attrNameLst>
+                                      </p:cBhvr>
+                                      <p:tavLst>
+                                        <p:tav tm="0">
+                                          <p:val>
+                                            <p:fltVal val="0"/>
+                                          </p:val>
+                                        </p:tav>
+                                        <p:tav tm="100000">
+                                          <p:val>
+                                            <p:strVal val="#ppt_h"/>
+                                          </p:val>
+                                        </p:tav>
+                                      </p:tavLst>
+                                    </p:anim>
+                                    <p:animEffect transition="in" filter="fade">
+                                      <p:cBhvr>
+                                        <p:cTn id="9" dur="500"/>
+                                        <p:tgtEl>
+                                          <p:spTgt spid="3">
+                                            <p:txEl>
+                                              <p:pRg st="0" end="0"/>
+                                            </p:txEl>
+                                          </p:spTgt>
+                                        </p:tgtEl>
+                                      </p:cBhvr>
+                                    </p:animEffect>
+                                  </p:childTnLst>
+                                </p:cTn>
+                              </p:par>
+                            </p:childTnLst>
+                          </p:cTn>
+                        </p:par>
+                      </p:childTnLst>
+                    </p:cTn>
+                  </p:par>
+                  <p:par>
+                    <p:cTn id="10" fill="hold">
+                      <p:stCondLst>
+                        <p:cond delay="indefinite"/>
+                      </p:stCondLst>
+                      <p:childTnLst>
+                        <p:par>
+                          <p:cTn id="11" fill="hold">
+                            <p:stCondLst>
+                              <p:cond delay="0"/>
+                            </p:stCondLst>
+                            <p:childTnLst>
+                              <p:par>
+                                <p:cTn id="12" presetID="37" presetClass="exit" presetSubtype="0" fill="hold" grpId="1" nodeType="clickEffect">
+                                  <p:stCondLst>
+                                    <p:cond delay="0"/>
+                                  </p:stCondLst>
+                                  <p:childTnLst>
+                                    <p:animEffect transition="out" filter="fade">
+                                      <p:cBhvr>
+                                        <p:cTn id="13" dur="1000"/>
+                                        <p:tgtEl>
+                                          <p:spTgt spid="3">
+                                            <p:txEl>
+                                              <p:pRg st="0" end="0"/>
+                                            </p:txEl>
+                                          </p:spTgt>
+                                        </p:tgtEl>
+                                      </p:cBhvr>
+                                    </p:animEffect>
+                                    <p:anim calcmode="lin" valueType="num">
+                                      <p:cBhvr>
+                                        <p:cTn id="14" dur="1000"/>
+                                        <p:tgtEl>
+                                          <p:spTgt spid="3">
+                                            <p:txEl>
+                                              <p:pRg st="0" end="0"/>
+                                            </p:txEl>
+                                          </p:spTgt>
+                                        </p:tgtEl>
+                                        <p:attrNameLst>
+                                          <p:attrName>ppt_x</p:attrName>
+                                        </p:attrNameLst>
+                                      </p:cBhvr>
+                                      <p:tavLst>
+                                        <p:tav tm="0">
+                                          <p:val>
+                                            <p:strVal val="ppt_x"/>
+                                          </p:val>
+                                        </p:tav>
+                                        <p:tav tm="100000">
+                                          <p:val>
+                                            <p:strVal val="ppt_x"/>
+                                          </p:val>
+                                        </p:tav>
+                                      </p:tavLst>
+                                    </p:anim>
+                                    <p:anim calcmode="lin" valueType="num">
+                                      <p:cBhvr>
+                                        <p:cTn id="15" dur="100" decel="100000"/>
+                                        <p:tgtEl>
+                                          <p:spTgt spid="3">
+                                            <p:txEl>
+                                              <p:pRg st="0" end="0"/>
+                                            </p:txEl>
+                                          </p:spTgt>
+                                        </p:tgtEl>
+                                        <p:attrNameLst>
+                                          <p:attrName>ppt_y</p:attrName>
+                                        </p:attrNameLst>
+                                      </p:cBhvr>
+                                      <p:tavLst>
+                                        <p:tav tm="0">
+                                          <p:val>
+                                            <p:strVal val="ppt_y"/>
+                                          </p:val>
+                                        </p:tav>
+                                        <p:tav tm="100000">
+                                          <p:val>
+                                            <p:strVal val="ppt_y-.03"/>
+                                          </p:val>
+                                        </p:tav>
+                                      </p:tavLst>
+                                    </p:anim>
+                                    <p:anim calcmode="lin" valueType="num">
+                                      <p:cBhvr>
+                                        <p:cTn id="16" dur="900" accel="100000">
+                                          <p:stCondLst>
+                                            <p:cond delay="100"/>
+                                          </p:stCondLst>
+                                        </p:cTn>
+                                        <p:tgtEl>
+                                          <p:spTgt spid="3">
+                                            <p:txEl>
+                                              <p:pRg st="0" end="0"/>
+                                            </p:txEl>
+                                          </p:spTgt>
+                                        </p:tgtEl>
+                                        <p:attrNameLst>
+                                          <p:attrName>ppt_y</p:attrName>
+                                        </p:attrNameLst>
+                                      </p:cBhvr>
+                                      <p:tavLst>
+                                        <p:tav tm="0">
+                                          <p:val>
+                                            <p:strVal val="ppt_y"/>
+                                          </p:val>
+                                        </p:tav>
+                                        <p:tav tm="100000">
+                                          <p:val>
+                                            <p:strVal val="ppt_y+1"/>
+                                          </p:val>
+                                        </p:tav>
+                                      </p:tavLst>
+                                    </p:anim>
+                                    <p:set>
+                                      <p:cBhvr>
+                                        <p:cTn id="17" dur="1" fill="hold">
+                                          <p:stCondLst>
+                                            <p:cond delay="999"/>
+                                          </p:stCondLst>
+                                        </p:cTn>
+                                        <p:tgtEl>
+                                          <p:spTgt spid="3">
+                                            <p:txEl>
+                                              <p:pRg st="0" end="0"/>
+                                            </p:txEl>
+                                          </p:spTgt>
+                                        </p:tgtEl>
+                                        <p:attrNameLst>
+                                          <p:attrName>style.visibility</p:attrName>
+                                        </p:attrNameLst>
+                                      </p:cBhvr>
+                                      <p:to>
+                                        <p:strVal val="hidden"/>
+                                      </p:to>
+                                    </p:set>
+                                  </p:childTnLst>
+                                </p:cTn>
+                              </p:par>
+                            </p:childTnLst>
+                          </p:cTn>
+                        </p:par>
+                      </p:childTnLst>
+                    </p:cTn>
+                  </p:par>
+                  <p:par>
+                    <p:cTn id="18" fill="hold">
+                      <p:stCondLst>
+                        <p:cond delay="indefinite"/>
+                      </p:stCondLst>
+                      <p:childTnLst>
+                        <p:par>
+                          <p:cTn id="19" fill="hold">
+                            <p:stCondLst>
+                              <p:cond delay="0"/>
+                            </p:stCondLst>
+                            <p:childTnLst>
+                              <p:par>
+                                <p:cTn id="20" presetID="1" presetClass="entr" presetSubtype="0" fill="hold" grpId="0" nodeType="clickEffect">
+                                  <p:stCondLst>
+                                    <p:cond delay="0"/>
+                                  </p:stCondLst>
+                                  <p:childTnLst>
+                                    <p:set>
+                                      <p:cBhvr>
+                                        <p:cTn id="21" dur="1" fill="hold">
+                                          <p:stCondLst>
+                                            <p:cond delay="0"/>
+                                          </p:stCondLst>
+                                        </p:cTn>
+                                        <p:tgtEl>
+                                          <p:spTgt spid="5"/>
+                                        </p:tgtEl>
+                                        <p:attrNameLst>
+                                          <p:attrName>style.visibility</p:attrName>
+                                        </p:attrNameLst>
+                                      </p:cBhvr>
+                                      <p:to>
+                                        <p:strVal val="visible"/>
+                                      </p:to>
+                                    </p:set>
+                                  </p:childTnLst>
+                                </p:cTn>
+                              </p:par>
+                            </p:childTnLst>
+                          </p:cTn>
+                        </p:par>
+                      </p:childTnLst>
+                    </p:cTn>
+                  </p:par>
+                </p:childTnLst>
+              </p:cTn>
+              <p:prevCondLst>
+                <p:cond evt="onPrev" delay="0">
+                  <p:tgtEl>
+                    <p:sldTgt/>
+                  </p:tgtEl>
+                </p:cond>
+              </p:prevCondLst>
+              <p:nextCondLst>
+                <p:cond evt="onNext" delay="0">
+                  <p:tgtEl>
+                    <p:sldTgt/>
+                  </p:tgtEl>
+                </p:cond>
+              </p:nextCondLst>
+            </p:seq>
+          </p:childTnLst>
+        </p:cTn>
       </p:par>
     </p:tnLst>
+    <p:bldLst>
+      <p:bldP spid="3" grpId="0" build="p"/>
+      <p:bldP spid="3" grpId="1" build="p"/>
+      <p:bldP spid="5" grpId="0"/>
+    </p:bldLst>
   </p:timing>
 </p:sld>
 </file>
@@ -10282,44 +9962,12 @@
           <a:lstStyle/>
           <a:p>
             <a:r>
-              <a:rPr lang="en-GB" dirty="0" err="1">
-                <a:solidFill>
-                  <a:schemeClr val="bg1">
-                    <a:lumMod val="50000"/>
-                  </a:schemeClr>
-                </a:solidFill>
+              <a:rPr lang="en-GB" dirty="0">
                 <a:latin typeface="+mj-lt"/>
               </a:rPr>
-              <a:t>Tecniche</a:t>
-            </a:r>
-            <a:r>
-              <a:rPr lang="en-GB" dirty="0">
-                <a:solidFill>
-                  <a:schemeClr val="bg1">
-                    <a:lumMod val="50000"/>
-                  </a:schemeClr>
-                </a:solidFill>
-                <a:latin typeface="+mj-lt"/>
-              </a:rPr>
-              <a:t> di </a:t>
-            </a:r>
-            <a:r>
-              <a:rPr lang="en-GB" dirty="0" err="1">
-                <a:solidFill>
-                  <a:schemeClr val="bg1">
-                    <a:lumMod val="50000"/>
-                  </a:schemeClr>
-                </a:solidFill>
-                <a:latin typeface="+mj-lt"/>
-              </a:rPr>
-              <a:t>costruzione</a:t>
+              <a:t>Greedy</a:t>
             </a:r>
             <a:endParaRPr lang="it-IT" dirty="0">
-              <a:solidFill>
-                <a:schemeClr val="bg1">
-                  <a:lumMod val="50000"/>
-                </a:schemeClr>
-              </a:solidFill>
               <a:latin typeface="+mj-lt"/>
             </a:endParaRPr>
           </a:p>
@@ -10335,10 +9983,15 @@
             <p:ph idx="1"/>
           </p:nvPr>
         </p:nvSpPr>
-        <p:spPr/>
-        <p:txBody>
-          <a:bodyPr>
-            <a:normAutofit/>
+        <p:spPr>
+          <a:xfrm>
+            <a:off x="457200" y="1200152"/>
+            <a:ext cx="8229600" cy="936106"/>
+          </a:xfrm>
+        </p:spPr>
+        <p:txBody>
+          <a:bodyPr wrap="square">
+            <a:noAutofit/>
           </a:bodyPr>
           <a:lstStyle/>
           <a:p>
@@ -10346,68 +9999,171 @@
               <a:buNone/>
             </a:pPr>
             <a:r>
-              <a:rPr lang="it-IT" dirty="0"/>
-              <a:t>Entrambe le tecniche proposte utilizzano il vettore dei gradi generato da una delle    due tecniche di </a:t>
-            </a:r>
-            <a:r>
-              <a:rPr lang="it-IT" dirty="0" err="1"/>
-              <a:t>anonimizzazione</a:t>
-            </a:r>
-            <a:r>
-              <a:rPr lang="it-IT" dirty="0"/>
-              <a:t> viste      precedentemente per ricreare una versione del grafo che rispetti il vincolo di            </a:t>
-            </a:r>
-            <a:r>
-              <a:rPr lang="it-IT" dirty="0" err="1"/>
-              <a:t>anonimizzazione</a:t>
-            </a:r>
-            <a:r>
-              <a:rPr lang="it-IT" dirty="0"/>
-              <a:t> K.</a:t>
+              <a:rPr lang="it-IT" sz="2400" b="1" dirty="0"/>
+              <a:t>NON</a:t>
+            </a:r>
+            <a:r>
+              <a:rPr lang="it-IT" sz="2400" dirty="0"/>
+              <a:t> esplora tutte le </a:t>
+            </a:r>
+            <a:r>
+              <a:rPr lang="it-IT" sz="2400" b="1" dirty="0"/>
+              <a:t>combinazioni possibili </a:t>
+            </a:r>
+            <a:r>
+              <a:rPr lang="it-IT" sz="2400" dirty="0"/>
+              <a:t>e </a:t>
+            </a:r>
+            <a:r>
+              <a:rPr lang="it-IT" sz="2400" b="1" dirty="0"/>
+              <a:t>NON</a:t>
             </a:r>
           </a:p>
           <a:p>
             <a:pPr marL="0" indent="0" algn="ctr">
               <a:buNone/>
             </a:pPr>
-            <a:endParaRPr lang="it-IT" dirty="0"/>
-          </a:p>
-        </p:txBody>
-      </p:sp>
-      <p:pic>
-        <p:nvPicPr>
-          <p:cNvPr id="4" name="Immagine 3"/>
-          <p:cNvPicPr>
-            <a:picLocks noChangeAspect="1"/>
-          </p:cNvPicPr>
-          <p:nvPr/>
-        </p:nvPicPr>
-        <p:blipFill>
-          <a:blip r:embed="rId2" cstate="print">
+            <a:r>
+              <a:rPr lang="it-IT" sz="2400" dirty="0"/>
+              <a:t>  tiene memoria degli </a:t>
+            </a:r>
+            <a:r>
+              <a:rPr lang="it-IT" sz="2400" b="1" dirty="0"/>
+              <a:t>ottimi locali </a:t>
+            </a:r>
+            <a:r>
+              <a:rPr lang="it-IT" sz="2400" dirty="0"/>
+              <a:t>per i singoli cluster </a:t>
+            </a:r>
+          </a:p>
+        </p:txBody>
+      </p:sp>
+      <p:sp>
+        <p:nvSpPr>
+          <p:cNvPr id="6" name="Freccia a sinistra 5">
             <a:extLst>
-              <a:ext uri="{28A0092B-C50C-407E-A947-70E740481C1C}">
-                <a14:useLocalDpi xmlns:a14="http://schemas.microsoft.com/office/drawing/2010/main" val="0"/>
+              <a:ext uri="{FF2B5EF4-FFF2-40B4-BE49-F238E27FC236}">
+                <a16:creationId xmlns:a16="http://schemas.microsoft.com/office/drawing/2014/main" id="{A1755853-E9EB-407A-9A81-5BE7C3F8CFFF}"/>
               </a:ext>
             </a:extLst>
-          </a:blip>
-          <a:stretch>
-            <a:fillRect/>
-          </a:stretch>
-        </p:blipFill>
+          </p:cNvPr>
+          <p:cNvSpPr/>
+          <p:nvPr/>
+        </p:nvSpPr>
+        <p:spPr>
+          <a:xfrm rot="16200000">
+            <a:off x="4103948" y="2401560"/>
+            <a:ext cx="936104" cy="405499"/>
+          </a:xfrm>
+          <a:prstGeom prst="leftArrow">
+            <a:avLst/>
+          </a:prstGeom>
+          <a:solidFill>
+            <a:schemeClr val="accent5">
+              <a:lumMod val="60000"/>
+              <a:lumOff val="40000"/>
+            </a:schemeClr>
+          </a:solidFill>
+        </p:spPr>
+        <p:style>
+          <a:lnRef idx="2">
+            <a:schemeClr val="accent1">
+              <a:shade val="50000"/>
+            </a:schemeClr>
+          </a:lnRef>
+          <a:fillRef idx="1">
+            <a:schemeClr val="accent1"/>
+          </a:fillRef>
+          <a:effectRef idx="0">
+            <a:schemeClr val="accent1"/>
+          </a:effectRef>
+          <a:fontRef idx="minor">
+            <a:schemeClr val="lt1"/>
+          </a:fontRef>
+        </p:style>
+        <p:txBody>
+          <a:bodyPr rtlCol="0" anchor="ctr"/>
+          <a:lstStyle/>
+          <a:p>
+            <a:pPr algn="ctr"/>
+            <a:endParaRPr lang="it-IT"/>
+          </a:p>
+        </p:txBody>
+      </p:sp>
+      <p:sp>
+        <p:nvSpPr>
+          <p:cNvPr id="7" name="Rettangolo 6">
+            <a:extLst>
+              <a:ext uri="{FF2B5EF4-FFF2-40B4-BE49-F238E27FC236}">
+                <a16:creationId xmlns:a16="http://schemas.microsoft.com/office/drawing/2014/main" id="{5539374F-6357-4868-B879-196C3A864CF4}"/>
+              </a:ext>
+            </a:extLst>
+          </p:cNvPr>
+          <p:cNvSpPr/>
+          <p:nvPr/>
+        </p:nvSpPr>
         <p:spPr>
           <a:xfrm>
-            <a:off x="179512" y="4468193"/>
-            <a:ext cx="1114320" cy="572830"/>
+            <a:off x="457200" y="3307712"/>
+            <a:ext cx="8229600" cy="707886"/>
           </a:xfrm>
           <a:prstGeom prst="rect">
             <a:avLst/>
           </a:prstGeom>
         </p:spPr>
-      </p:pic>
+        <p:txBody>
+          <a:bodyPr wrap="square">
+            <a:spAutoFit/>
+          </a:bodyPr>
+          <a:lstStyle/>
+          <a:p>
+            <a:pPr algn="ctr"/>
+            <a:r>
+              <a:rPr lang="it-IT" sz="2000" dirty="0"/>
+              <a:t>Soluzioni </a:t>
+            </a:r>
+            <a:r>
+              <a:rPr lang="it-IT" sz="2000" b="1" dirty="0"/>
+              <a:t>sub-ottime</a:t>
+            </a:r>
+            <a:r>
+              <a:rPr lang="it-IT" sz="2000" dirty="0"/>
+              <a:t> rispetto a </a:t>
+            </a:r>
+            <a:r>
+              <a:rPr lang="it-IT" sz="2000" b="1" dirty="0"/>
+              <a:t>Dynamic Programming </a:t>
+            </a:r>
+            <a:r>
+              <a:rPr lang="it-IT" sz="2000" dirty="0"/>
+              <a:t>per</a:t>
+            </a:r>
+          </a:p>
+          <a:p>
+            <a:pPr algn="ctr"/>
+            <a:r>
+              <a:rPr lang="it-IT" sz="2000" dirty="0"/>
+              <a:t> quanto riguarda i </a:t>
+            </a:r>
+            <a:r>
+              <a:rPr lang="it-IT" sz="2000" b="1" dirty="0"/>
+              <a:t>costi di </a:t>
+            </a:r>
+            <a:r>
+              <a:rPr lang="it-IT" sz="2000" b="1" dirty="0" err="1"/>
+              <a:t>anonimizzazione</a:t>
+            </a:r>
+            <a:r>
+              <a:rPr lang="it-IT" sz="2000" dirty="0"/>
+              <a:t>.</a:t>
+            </a:r>
+          </a:p>
+        </p:txBody>
+      </p:sp>
     </p:spTree>
     <p:extLst>
       <p:ext uri="{BB962C8B-B14F-4D97-AF65-F5344CB8AC3E}">
-        <p14:creationId xmlns:p14="http://schemas.microsoft.com/office/powerpoint/2010/main" val="661557160"/>
+        <p14:creationId xmlns:p14="http://schemas.microsoft.com/office/powerpoint/2010/main" val="1409091124"/>
       </p:ext>
     </p:extLst>
   </p:cSld>
@@ -10417,9 +10173,218 @@
   <p:timing>
     <p:tnLst>
       <p:par>
-        <p:cTn id="1" dur="indefinite" restart="never" nodeType="tmRoot"/>
+        <p:cTn id="1" dur="indefinite" restart="never" nodeType="tmRoot">
+          <p:childTnLst>
+            <p:seq concurrent="1" nextAc="seek">
+              <p:cTn id="2" dur="indefinite" nodeType="mainSeq">
+                <p:childTnLst>
+                  <p:par>
+                    <p:cTn id="3" fill="hold">
+                      <p:stCondLst>
+                        <p:cond delay="indefinite"/>
+                      </p:stCondLst>
+                      <p:childTnLst>
+                        <p:par>
+                          <p:cTn id="4" fill="hold">
+                            <p:stCondLst>
+                              <p:cond delay="0"/>
+                            </p:stCondLst>
+                            <p:childTnLst>
+                              <p:par>
+                                <p:cTn id="5" presetID="2" presetClass="entr" presetSubtype="3" fill="hold" grpId="0" nodeType="clickEffect">
+                                  <p:stCondLst>
+                                    <p:cond delay="0"/>
+                                  </p:stCondLst>
+                                  <p:childTnLst>
+                                    <p:set>
+                                      <p:cBhvr>
+                                        <p:cTn id="6" dur="1" fill="hold">
+                                          <p:stCondLst>
+                                            <p:cond delay="0"/>
+                                          </p:stCondLst>
+                                        </p:cTn>
+                                        <p:tgtEl>
+                                          <p:spTgt spid="6"/>
+                                        </p:tgtEl>
+                                        <p:attrNameLst>
+                                          <p:attrName>style.visibility</p:attrName>
+                                        </p:attrNameLst>
+                                      </p:cBhvr>
+                                      <p:to>
+                                        <p:strVal val="visible"/>
+                                      </p:to>
+                                    </p:set>
+                                    <p:anim calcmode="lin" valueType="num">
+                                      <p:cBhvr additive="base">
+                                        <p:cTn id="7" dur="500" fill="hold"/>
+                                        <p:tgtEl>
+                                          <p:spTgt spid="6"/>
+                                        </p:tgtEl>
+                                        <p:attrNameLst>
+                                          <p:attrName>ppt_x</p:attrName>
+                                        </p:attrNameLst>
+                                      </p:cBhvr>
+                                      <p:tavLst>
+                                        <p:tav tm="0">
+                                          <p:val>
+                                            <p:strVal val="1+#ppt_w/2"/>
+                                          </p:val>
+                                        </p:tav>
+                                        <p:tav tm="100000">
+                                          <p:val>
+                                            <p:strVal val="#ppt_x"/>
+                                          </p:val>
+                                        </p:tav>
+                                      </p:tavLst>
+                                    </p:anim>
+                                    <p:anim calcmode="lin" valueType="num">
+                                      <p:cBhvr additive="base">
+                                        <p:cTn id="8" dur="500" fill="hold"/>
+                                        <p:tgtEl>
+                                          <p:spTgt spid="6"/>
+                                        </p:tgtEl>
+                                        <p:attrNameLst>
+                                          <p:attrName>ppt_y</p:attrName>
+                                        </p:attrNameLst>
+                                      </p:cBhvr>
+                                      <p:tavLst>
+                                        <p:tav tm="0">
+                                          <p:val>
+                                            <p:strVal val="0-#ppt_h/2"/>
+                                          </p:val>
+                                        </p:tav>
+                                        <p:tav tm="100000">
+                                          <p:val>
+                                            <p:strVal val="#ppt_y"/>
+                                          </p:val>
+                                        </p:tav>
+                                      </p:tavLst>
+                                    </p:anim>
+                                  </p:childTnLst>
+                                </p:cTn>
+                              </p:par>
+                            </p:childTnLst>
+                          </p:cTn>
+                        </p:par>
+                      </p:childTnLst>
+                    </p:cTn>
+                  </p:par>
+                  <p:par>
+                    <p:cTn id="9" fill="hold">
+                      <p:stCondLst>
+                        <p:cond delay="indefinite"/>
+                      </p:stCondLst>
+                      <p:childTnLst>
+                        <p:par>
+                          <p:cTn id="10" fill="hold">
+                            <p:stCondLst>
+                              <p:cond delay="0"/>
+                            </p:stCondLst>
+                            <p:childTnLst>
+                              <p:par>
+                                <p:cTn id="11" presetID="2" presetClass="entr" presetSubtype="4" fill="hold" grpId="0" nodeType="clickEffect">
+                                  <p:stCondLst>
+                                    <p:cond delay="0"/>
+                                  </p:stCondLst>
+                                  <p:childTnLst>
+                                    <p:set>
+                                      <p:cBhvr>
+                                        <p:cTn id="12" dur="1" fill="hold">
+                                          <p:stCondLst>
+                                            <p:cond delay="0"/>
+                                          </p:stCondLst>
+                                        </p:cTn>
+                                        <p:tgtEl>
+                                          <p:spTgt spid="7"/>
+                                        </p:tgtEl>
+                                        <p:attrNameLst>
+                                          <p:attrName>style.visibility</p:attrName>
+                                        </p:attrNameLst>
+                                      </p:cBhvr>
+                                      <p:to>
+                                        <p:strVal val="visible"/>
+                                      </p:to>
+                                    </p:set>
+                                    <p:anim calcmode="lin" valueType="num">
+                                      <p:cBhvr additive="base">
+                                        <p:cTn id="13" dur="500" fill="hold"/>
+                                        <p:tgtEl>
+                                          <p:spTgt spid="7"/>
+                                        </p:tgtEl>
+                                        <p:attrNameLst>
+                                          <p:attrName>ppt_x</p:attrName>
+                                        </p:attrNameLst>
+                                      </p:cBhvr>
+                                      <p:tavLst>
+                                        <p:tav tm="0">
+                                          <p:val>
+                                            <p:strVal val="#ppt_x"/>
+                                          </p:val>
+                                        </p:tav>
+                                        <p:tav tm="100000">
+                                          <p:val>
+                                            <p:strVal val="#ppt_x"/>
+                                          </p:val>
+                                        </p:tav>
+                                      </p:tavLst>
+                                    </p:anim>
+                                    <p:anim calcmode="lin" valueType="num">
+                                      <p:cBhvr additive="base">
+                                        <p:cTn id="14" dur="500" fill="hold"/>
+                                        <p:tgtEl>
+                                          <p:spTgt spid="7"/>
+                                        </p:tgtEl>
+                                        <p:attrNameLst>
+                                          <p:attrName>ppt_y</p:attrName>
+                                        </p:attrNameLst>
+                                      </p:cBhvr>
+                                      <p:tavLst>
+                                        <p:tav tm="0">
+                                          <p:val>
+                                            <p:strVal val="1+#ppt_h/2"/>
+                                          </p:val>
+                                        </p:tav>
+                                        <p:tav tm="100000">
+                                          <p:val>
+                                            <p:strVal val="#ppt_y"/>
+                                          </p:val>
+                                        </p:tav>
+                                      </p:tavLst>
+                                    </p:anim>
+                                  </p:childTnLst>
+                                </p:cTn>
+                              </p:par>
+                            </p:childTnLst>
+                          </p:cTn>
+                        </p:par>
+                      </p:childTnLst>
+                    </p:cTn>
+                  </p:par>
+                </p:childTnLst>
+              </p:cTn>
+              <p:prevCondLst>
+                <p:cond evt="onPrev" delay="0">
+                  <p:tgtEl>
+                    <p:sldTgt/>
+                  </p:tgtEl>
+                </p:cond>
+              </p:prevCondLst>
+              <p:nextCondLst>
+                <p:cond evt="onNext" delay="0">
+                  <p:tgtEl>
+                    <p:sldTgt/>
+                  </p:tgtEl>
+                </p:cond>
+              </p:nextCondLst>
+            </p:seq>
+          </p:childTnLst>
+        </p:cTn>
       </p:par>
     </p:tnLst>
+    <p:bldLst>
+      <p:bldP spid="6" grpId="0" animBg="1"/>
+      <p:bldP spid="7" grpId="0"/>
+    </p:bldLst>
   </p:timing>
 </p:sld>
 </file>
@@ -10546,110 +10511,93 @@
           <a:gsLst>
             <a:gs pos="0">
               <a:schemeClr val="phClr">
-                <a:tint val="50000"/>
-                <a:satMod val="300000"/>
+                <a:lumMod val="110000"/>
+                <a:satMod val="105000"/>
+                <a:tint val="67000"/>
               </a:schemeClr>
             </a:gs>
-            <a:gs pos="35000">
+            <a:gs pos="50000">
               <a:schemeClr val="phClr">
-                <a:tint val="37000"/>
-                <a:satMod val="300000"/>
+                <a:lumMod val="105000"/>
+                <a:satMod val="103000"/>
+                <a:tint val="73000"/>
               </a:schemeClr>
             </a:gs>
             <a:gs pos="100000">
               <a:schemeClr val="phClr">
-                <a:tint val="15000"/>
-                <a:satMod val="350000"/>
+                <a:lumMod val="105000"/>
+                <a:satMod val="109000"/>
+                <a:tint val="81000"/>
               </a:schemeClr>
             </a:gs>
           </a:gsLst>
-          <a:lin ang="16200000" scaled="1"/>
+          <a:lin ang="5400000" scaled="0"/>
         </a:gradFill>
         <a:gradFill rotWithShape="1">
           <a:gsLst>
             <a:gs pos="0">
               <a:schemeClr val="phClr">
-                <a:shade val="51000"/>
-                <a:satMod val="130000"/>
+                <a:satMod val="103000"/>
+                <a:lumMod val="102000"/>
+                <a:tint val="94000"/>
               </a:schemeClr>
             </a:gs>
-            <a:gs pos="80000">
+            <a:gs pos="50000">
               <a:schemeClr val="phClr">
-                <a:shade val="93000"/>
-                <a:satMod val="130000"/>
+                <a:satMod val="110000"/>
+                <a:lumMod val="100000"/>
+                <a:shade val="100000"/>
               </a:schemeClr>
             </a:gs>
             <a:gs pos="100000">
               <a:schemeClr val="phClr">
-                <a:shade val="94000"/>
-                <a:satMod val="135000"/>
+                <a:lumMod val="99000"/>
+                <a:satMod val="120000"/>
+                <a:shade val="78000"/>
               </a:schemeClr>
             </a:gs>
           </a:gsLst>
-          <a:lin ang="16200000" scaled="0"/>
+          <a:lin ang="5400000" scaled="0"/>
         </a:gradFill>
       </a:fillStyleLst>
       <a:lnStyleLst>
-        <a:ln w="9525" cap="flat" cmpd="sng" algn="ctr">
-          <a:solidFill>
-            <a:schemeClr val="phClr">
-              <a:shade val="95000"/>
-              <a:satMod val="105000"/>
-            </a:schemeClr>
-          </a:solidFill>
-          <a:prstDash val="solid"/>
-        </a:ln>
-        <a:ln w="25400" cap="flat" cmpd="sng" algn="ctr">
+        <a:ln w="6350" cap="flat" cmpd="sng" algn="ctr">
           <a:solidFill>
             <a:schemeClr val="phClr"/>
           </a:solidFill>
           <a:prstDash val="solid"/>
+          <a:miter lim="800000"/>
         </a:ln>
-        <a:ln w="38100" cap="flat" cmpd="sng" algn="ctr">
+        <a:ln w="12700" cap="flat" cmpd="sng" algn="ctr">
           <a:solidFill>
             <a:schemeClr val="phClr"/>
           </a:solidFill>
           <a:prstDash val="solid"/>
+          <a:miter lim="800000"/>
+        </a:ln>
+        <a:ln w="19050" cap="flat" cmpd="sng" algn="ctr">
+          <a:solidFill>
+            <a:schemeClr val="phClr"/>
+          </a:solidFill>
+          <a:prstDash val="solid"/>
+          <a:miter lim="800000"/>
         </a:ln>
       </a:lnStyleLst>
       <a:effectStyleLst>
         <a:effectStyle>
+          <a:effectLst/>
+        </a:effectStyle>
+        <a:effectStyle>
+          <a:effectLst/>
+        </a:effectStyle>
+        <a:effectStyle>
           <a:effectLst>
-            <a:outerShdw blurRad="40000" dist="20000" dir="5400000" rotWithShape="0">
+            <a:outerShdw blurRad="57150" dist="19050" dir="5400000" algn="ctr" rotWithShape="0">
               <a:srgbClr val="000000">
-                <a:alpha val="38000"/>
+                <a:alpha val="63000"/>
               </a:srgbClr>
             </a:outerShdw>
           </a:effectLst>
-        </a:effectStyle>
-        <a:effectStyle>
-          <a:effectLst>
-            <a:outerShdw blurRad="40000" dist="23000" dir="5400000" rotWithShape="0">
-              <a:srgbClr val="000000">
-                <a:alpha val="35000"/>
-              </a:srgbClr>
-            </a:outerShdw>
-          </a:effectLst>
-        </a:effectStyle>
-        <a:effectStyle>
-          <a:effectLst>
-            <a:outerShdw blurRad="40000" dist="23000" dir="5400000" rotWithShape="0">
-              <a:srgbClr val="000000">
-                <a:alpha val="35000"/>
-              </a:srgbClr>
-            </a:outerShdw>
-          </a:effectLst>
-          <a:scene3d>
-            <a:camera prst="orthographicFront">
-              <a:rot lat="0" lon="0" rev="0"/>
-            </a:camera>
-            <a:lightRig rig="threePt" dir="t">
-              <a:rot lat="0" lon="0" rev="1200000"/>
-            </a:lightRig>
-          </a:scene3d>
-          <a:sp3d>
-            <a:bevelT w="63500" h="25400"/>
-          </a:sp3d>
         </a:effectStyle>
       </a:effectStyleLst>
       <a:bgFillStyleLst>

--- a/Presentation/Towards_Identity_Anonymization_on_graph(K-degree anonymization).pptx
+++ b/Presentation/Towards_Identity_Anonymization_on_graph(K-degree anonymization).pptx
@@ -169,9 +169,9 @@
 <p1510:revInfo xmlns:a="http://schemas.openxmlformats.org/drawingml/2006/main" xmlns:r="http://schemas.openxmlformats.org/officeDocument/2006/relationships" xmlns:p1510="http://schemas.microsoft.com/office/powerpoint/2015/10/main">
   <p1510:revLst>
     <p1510:client id="{73B7BA9C-7E3A-45A7-8C8D-6162147F030B}" v="790" dt="2019-03-14T16:19:10.455"/>
+    <p1510:client id="{2EE172F5-1581-ADA4-F99B-300CD6C88063}" v="58" dt="2019-03-14T15:44:05.301"/>
+    <p1510:client id="{35A4603D-76DC-37E8-9F43-8747B071C77F}" v="37" dt="2019-03-14T11:17:27.226"/>
     <p1510:client id="{8AA02FEC-AB14-4109-B76C-C10B11DA5FCE}" v="55" dt="2019-03-14T10:37:49.570"/>
-    <p1510:client id="{35A4603D-76DC-37E8-9F43-8747B071C77F}" v="37" dt="2019-03-14T11:17:27.226"/>
-    <p1510:client id="{2EE172F5-1581-ADA4-F99B-300CD6C88063}" v="58" dt="2019-03-14T15:44:05.301"/>
   </p1510:revLst>
 </p1510:revInfo>
 </file>
@@ -258,7 +258,7 @@
           <a:p>
             <a:fld id="{A55BA7C1-22AE-0645-AD7C-34C9095A0266}" type="datetimeFigureOut">
               <a:rPr lang="it-IT" smtClean="0"/>
-              <a:t>14/03/2019</a:t>
+              <a:t>15/03/2019</a:t>
             </a:fld>
             <a:endParaRPr lang="it-IT"/>
           </a:p>
@@ -2334,7 +2334,7 @@
           <a:p>
             <a:fld id="{DF8C5CDB-1AEF-4522-8EAF-CE1F4E5D863E}" type="datetimeFigureOut">
               <a:rPr lang="ko-KR" altLang="en-US" smtClean="0"/>
-              <a:t>2019-03-14</a:t>
+              <a:t>2019-03-15</a:t>
             </a:fld>
             <a:endParaRPr lang="ko-KR" altLang="en-US"/>
           </a:p>
@@ -2514,7 +2514,7 @@
           <a:p>
             <a:fld id="{DF8C5CDB-1AEF-4522-8EAF-CE1F4E5D863E}" type="datetimeFigureOut">
               <a:rPr lang="ko-KR" altLang="en-US" smtClean="0"/>
-              <a:t>2019-03-14</a:t>
+              <a:t>2019-03-15</a:t>
             </a:fld>
             <a:endParaRPr lang="ko-KR" altLang="en-US"/>
           </a:p>
@@ -2693,7 +2693,7 @@
           <a:p>
             <a:fld id="{DF8C5CDB-1AEF-4522-8EAF-CE1F4E5D863E}" type="datetimeFigureOut">
               <a:rPr lang="ko-KR" altLang="en-US" smtClean="0"/>
-              <a:t>2019-03-14</a:t>
+              <a:t>2019-03-15</a:t>
             </a:fld>
             <a:endParaRPr lang="ko-KR" altLang="en-US"/>
           </a:p>
@@ -2975,7 +2975,7 @@
           <a:p>
             <a:fld id="{DF8C5CDB-1AEF-4522-8EAF-CE1F4E5D863E}" type="datetimeFigureOut">
               <a:rPr lang="ko-KR" altLang="en-US" smtClean="0"/>
-              <a:t>2019-03-14</a:t>
+              <a:t>2019-03-15</a:t>
             </a:fld>
             <a:endParaRPr lang="ko-KR" altLang="en-US"/>
           </a:p>
@@ -3263,7 +3263,7 @@
           <a:p>
             <a:fld id="{DF8C5CDB-1AEF-4522-8EAF-CE1F4E5D863E}" type="datetimeFigureOut">
               <a:rPr lang="ko-KR" altLang="en-US" smtClean="0"/>
-              <a:t>2019-03-14</a:t>
+              <a:t>2019-03-15</a:t>
             </a:fld>
             <a:endParaRPr lang="ko-KR" altLang="en-US"/>
           </a:p>
@@ -3690,7 +3690,7 @@
           <a:p>
             <a:fld id="{DF8C5CDB-1AEF-4522-8EAF-CE1F4E5D863E}" type="datetimeFigureOut">
               <a:rPr lang="ko-KR" altLang="en-US" smtClean="0"/>
-              <a:t>2019-03-14</a:t>
+              <a:t>2019-03-15</a:t>
             </a:fld>
             <a:endParaRPr lang="ko-KR" altLang="en-US"/>
           </a:p>
@@ -3808,7 +3808,7 @@
           <a:p>
             <a:fld id="{DF8C5CDB-1AEF-4522-8EAF-CE1F4E5D863E}" type="datetimeFigureOut">
               <a:rPr lang="ko-KR" altLang="en-US" smtClean="0"/>
-              <a:t>2019-03-14</a:t>
+              <a:t>2019-03-15</a:t>
             </a:fld>
             <a:endParaRPr lang="ko-KR" altLang="en-US"/>
           </a:p>
@@ -3903,7 +3903,7 @@
           <a:p>
             <a:fld id="{DF8C5CDB-1AEF-4522-8EAF-CE1F4E5D863E}" type="datetimeFigureOut">
               <a:rPr lang="ko-KR" altLang="en-US" smtClean="0"/>
-              <a:t>2019-03-14</a:t>
+              <a:t>2019-03-15</a:t>
             </a:fld>
             <a:endParaRPr lang="ko-KR" altLang="en-US"/>
           </a:p>
@@ -4180,7 +4180,7 @@
           <a:p>
             <a:fld id="{DF8C5CDB-1AEF-4522-8EAF-CE1F4E5D863E}" type="datetimeFigureOut">
               <a:rPr lang="ko-KR" altLang="en-US" smtClean="0"/>
-              <a:t>2019-03-14</a:t>
+              <a:t>2019-03-15</a:t>
             </a:fld>
             <a:endParaRPr lang="ko-KR" altLang="en-US"/>
           </a:p>
@@ -4433,7 +4433,7 @@
           <a:p>
             <a:fld id="{DF8C5CDB-1AEF-4522-8EAF-CE1F4E5D863E}" type="datetimeFigureOut">
               <a:rPr lang="ko-KR" altLang="en-US" smtClean="0"/>
-              <a:t>2019-03-14</a:t>
+              <a:t>2019-03-15</a:t>
             </a:fld>
             <a:endParaRPr lang="ko-KR" altLang="en-US"/>
           </a:p>
@@ -4655,7 +4655,7 @@
           <a:p>
             <a:fld id="{DF8C5CDB-1AEF-4522-8EAF-CE1F4E5D863E}" type="datetimeFigureOut">
               <a:rPr lang="ko-KR" altLang="en-US" smtClean="0"/>
-              <a:t>2019-03-14</a:t>
+              <a:t>2019-03-15</a:t>
             </a:fld>
             <a:endParaRPr lang="ko-KR" altLang="en-US"/>
           </a:p>
@@ -10473,7 +10473,7 @@
           </a:bodyPr>
           <a:lstStyle/>
           <a:p>
-            <a:pPr marL="0" indent="0" algn="ctr">
+            <a:pPr marL="0" indent="0" algn="just">
               <a:buNone/>
             </a:pPr>
             <a:r>
@@ -10570,7 +10570,7 @@
             </a:r>
           </a:p>
           <a:p>
-            <a:pPr marL="0" indent="0" algn="ctr">
+            <a:pPr marL="0" indent="0" algn="just">
               <a:buNone/>
             </a:pPr>
             <a:endParaRPr lang="it-IT" sz="2400" dirty="0"/>

--- a/Presentation/Towards_Identity_Anonymization_on_graph(K-degree anonymization).pptx
+++ b/Presentation/Towards_Identity_Anonymization_on_graph(K-degree anonymization).pptx
@@ -628,6 +628,21 @@
           <a:bodyPr/>
           <a:lstStyle/>
           <a:p>
+            <a:pPr marL="0" indent="0" algn="ctr">
+              <a:buNone/>
+            </a:pPr>
+            <a:r>
+              <a:rPr lang="it-IT" sz="1200" dirty="0"/>
+              <a:t>Per il testing abbiamo eseguito l’algoritmo su istanze di diverse dimensioni, in particolare da 100,300,750 (di quest’ultima due versioni, uno più denso e uno più   sparso),1000 e 2000 nodi, scrivendo un programma in Python che automaticamente anonimizza il grafo sulle diverse istanze con valori di K crescenti utilizzando le 4 combinazioni possibili delle tecniche proposte in precedenza, e presentando i risultati (a livello di costo e tempo) in maniera grafica, che presentiamo di seguito:</a:t>
+            </a:r>
+          </a:p>
+          <a:p>
+            <a:pPr marL="0" indent="0" algn="ctr">
+              <a:buNone/>
+            </a:pPr>
+            <a:endParaRPr lang="it-IT" sz="1200" dirty="0"/>
+          </a:p>
+          <a:p>
             <a:endParaRPr lang="it-IT" dirty="0"/>
           </a:p>
         </p:txBody>
@@ -649,7 +664,7 @@
           <a:p>
             <a:fld id="{432709A9-B521-EB4C-B992-CAA49A2F48FB}" type="slidenum">
               <a:rPr lang="it-IT" smtClean="0"/>
-              <a:t>20</a:t>
+              <a:t>14</a:t>
             </a:fld>
             <a:endParaRPr lang="it-IT"/>
           </a:p>
@@ -658,7 +673,7 @@
     </p:spTree>
     <p:extLst>
       <p:ext uri="{BB962C8B-B14F-4D97-AF65-F5344CB8AC3E}">
-        <p14:creationId xmlns:p14="http://schemas.microsoft.com/office/powerpoint/2010/main" val="3960706316"/>
+        <p14:creationId xmlns:p14="http://schemas.microsoft.com/office/powerpoint/2010/main" val="2250264833"/>
       </p:ext>
     </p:extLst>
   </p:cSld>
@@ -716,6 +731,189 @@
               <a:buNone/>
             </a:pPr>
             <a:r>
+              <a:rPr lang="it-IT" sz="1200" dirty="0"/>
+              <a:t>Per il testing abbiamo eseguito l’algoritmo su istanze di diverse dimensioni, in particolare da 100,300,750 (di quest’ultima due versioni, uno più denso e uno più   sparso),1000 e 2000 nodi, scrivendo un programma in Python che automaticamente anonimizza il grafo sulle diverse istanze con valori di K crescenti utilizzando le 4 combinazioni possibili delle tecniche proposte in precedenza, e presentando i risultati (a livello di costo e tempo) in maniera grafica, che presentiamo di seguito:</a:t>
+            </a:r>
+          </a:p>
+          <a:p>
+            <a:pPr marL="0" indent="0" algn="ctr">
+              <a:buNone/>
+            </a:pPr>
+            <a:endParaRPr lang="it-IT" sz="1200" dirty="0"/>
+          </a:p>
+          <a:p>
+            <a:endParaRPr lang="it-IT" dirty="0"/>
+          </a:p>
+        </p:txBody>
+      </p:sp>
+      <p:sp>
+        <p:nvSpPr>
+          <p:cNvPr id="4" name="Segnaposto numero diapositiva 3"/>
+          <p:cNvSpPr>
+            <a:spLocks noGrp="1"/>
+          </p:cNvSpPr>
+          <p:nvPr>
+            <p:ph type="sldNum" sz="quarter" idx="5"/>
+          </p:nvPr>
+        </p:nvSpPr>
+        <p:spPr/>
+        <p:txBody>
+          <a:bodyPr/>
+          <a:lstStyle/>
+          <a:p>
+            <a:fld id="{432709A9-B521-EB4C-B992-CAA49A2F48FB}" type="slidenum">
+              <a:rPr lang="it-IT" smtClean="0"/>
+              <a:t>15</a:t>
+            </a:fld>
+            <a:endParaRPr lang="it-IT"/>
+          </a:p>
+        </p:txBody>
+      </p:sp>
+    </p:spTree>
+    <p:extLst>
+      <p:ext uri="{BB962C8B-B14F-4D97-AF65-F5344CB8AC3E}">
+        <p14:creationId xmlns:p14="http://schemas.microsoft.com/office/powerpoint/2010/main" val="4166403027"/>
+      </p:ext>
+    </p:extLst>
+  </p:cSld>
+  <p:clrMapOvr>
+    <a:masterClrMapping/>
+  </p:clrMapOvr>
+</p:notes>
+</file>
+
+<file path=ppt/notesSlides/notesSlide12.xml><?xml version="1.0" encoding="utf-8"?>
+<p:notes xmlns:a="http://schemas.openxmlformats.org/drawingml/2006/main" xmlns:r="http://schemas.openxmlformats.org/officeDocument/2006/relationships" xmlns:p="http://schemas.openxmlformats.org/presentationml/2006/main">
+  <p:cSld>
+    <p:spTree>
+      <p:nvGrpSpPr>
+        <p:cNvPr id="1" name=""/>
+        <p:cNvGrpSpPr/>
+        <p:nvPr/>
+      </p:nvGrpSpPr>
+      <p:grpSpPr>
+        <a:xfrm>
+          <a:off x="0" y="0"/>
+          <a:ext cx="0" cy="0"/>
+          <a:chOff x="0" y="0"/>
+          <a:chExt cx="0" cy="0"/>
+        </a:xfrm>
+      </p:grpSpPr>
+      <p:sp>
+        <p:nvSpPr>
+          <p:cNvPr id="2" name="Segnaposto immagine diapositiva 1"/>
+          <p:cNvSpPr>
+            <a:spLocks noGrp="1" noRot="1" noChangeAspect="1"/>
+          </p:cNvSpPr>
+          <p:nvPr>
+            <p:ph type="sldImg"/>
+          </p:nvPr>
+        </p:nvSpPr>
+        <p:spPr/>
+      </p:sp>
+      <p:sp>
+        <p:nvSpPr>
+          <p:cNvPr id="3" name="Segnaposto note 2"/>
+          <p:cNvSpPr>
+            <a:spLocks noGrp="1"/>
+          </p:cNvSpPr>
+          <p:nvPr>
+            <p:ph type="body" idx="1"/>
+          </p:nvPr>
+        </p:nvSpPr>
+        <p:spPr/>
+        <p:txBody>
+          <a:bodyPr/>
+          <a:lstStyle/>
+          <a:p>
+            <a:endParaRPr lang="it-IT" dirty="0"/>
+          </a:p>
+        </p:txBody>
+      </p:sp>
+      <p:sp>
+        <p:nvSpPr>
+          <p:cNvPr id="4" name="Segnaposto numero diapositiva 3"/>
+          <p:cNvSpPr>
+            <a:spLocks noGrp="1"/>
+          </p:cNvSpPr>
+          <p:nvPr>
+            <p:ph type="sldNum" sz="quarter" idx="5"/>
+          </p:nvPr>
+        </p:nvSpPr>
+        <p:spPr/>
+        <p:txBody>
+          <a:bodyPr/>
+          <a:lstStyle/>
+          <a:p>
+            <a:fld id="{432709A9-B521-EB4C-B992-CAA49A2F48FB}" type="slidenum">
+              <a:rPr lang="it-IT" smtClean="0"/>
+              <a:t>20</a:t>
+            </a:fld>
+            <a:endParaRPr lang="it-IT"/>
+          </a:p>
+        </p:txBody>
+      </p:sp>
+    </p:spTree>
+    <p:extLst>
+      <p:ext uri="{BB962C8B-B14F-4D97-AF65-F5344CB8AC3E}">
+        <p14:creationId xmlns:p14="http://schemas.microsoft.com/office/powerpoint/2010/main" val="3960706316"/>
+      </p:ext>
+    </p:extLst>
+  </p:cSld>
+  <p:clrMapOvr>
+    <a:masterClrMapping/>
+  </p:clrMapOvr>
+</p:notes>
+</file>
+
+<file path=ppt/notesSlides/notesSlide13.xml><?xml version="1.0" encoding="utf-8"?>
+<p:notes xmlns:a="http://schemas.openxmlformats.org/drawingml/2006/main" xmlns:r="http://schemas.openxmlformats.org/officeDocument/2006/relationships" xmlns:p="http://schemas.openxmlformats.org/presentationml/2006/main">
+  <p:cSld>
+    <p:spTree>
+      <p:nvGrpSpPr>
+        <p:cNvPr id="1" name=""/>
+        <p:cNvGrpSpPr/>
+        <p:nvPr/>
+      </p:nvGrpSpPr>
+      <p:grpSpPr>
+        <a:xfrm>
+          <a:off x="0" y="0"/>
+          <a:ext cx="0" cy="0"/>
+          <a:chOff x="0" y="0"/>
+          <a:chExt cx="0" cy="0"/>
+        </a:xfrm>
+      </p:grpSpPr>
+      <p:sp>
+        <p:nvSpPr>
+          <p:cNvPr id="2" name="Segnaposto immagine diapositiva 1"/>
+          <p:cNvSpPr>
+            <a:spLocks noGrp="1" noRot="1" noChangeAspect="1"/>
+          </p:cNvSpPr>
+          <p:nvPr>
+            <p:ph type="sldImg"/>
+          </p:nvPr>
+        </p:nvSpPr>
+        <p:spPr/>
+      </p:sp>
+      <p:sp>
+        <p:nvSpPr>
+          <p:cNvPr id="3" name="Segnaposto note 2"/>
+          <p:cNvSpPr>
+            <a:spLocks noGrp="1"/>
+          </p:cNvSpPr>
+          <p:nvPr>
+            <p:ph type="body" idx="1"/>
+          </p:nvPr>
+        </p:nvSpPr>
+        <p:spPr/>
+        <p:txBody>
+          <a:bodyPr/>
+          <a:lstStyle/>
+          <a:p>
+            <a:pPr marL="0" indent="0" algn="ctr">
+              <a:buNone/>
+            </a:pPr>
+            <a:r>
               <a:rPr lang="it-IT" dirty="0"/>
               <a:t>Analizzando i risultati prodotti dagli script si evince che a livello computazionale il carico comportato  dall’esecuzione dell’algoritmo di </a:t>
             </a:r>
@@ -783,7 +981,7 @@
 </p:notes>
 </file>
 
-<file path=ppt/notesSlides/notesSlide12.xml><?xml version="1.0" encoding="utf-8"?>
+<file path=ppt/notesSlides/notesSlide14.xml><?xml version="1.0" encoding="utf-8"?>
 <p:notes xmlns:a="http://schemas.openxmlformats.org/drawingml/2006/main" xmlns:r="http://schemas.openxmlformats.org/officeDocument/2006/relationships" xmlns:p="http://schemas.openxmlformats.org/presentationml/2006/main">
   <p:cSld>
     <p:spTree>
@@ -957,97 +1155,83 @@
           <a:bodyPr/>
           <a:lstStyle/>
           <a:p>
-            <a:pPr marL="0" indent="0" algn="ctr">
+            <a:pPr marL="0" marR="0" lvl="0" indent="0" algn="l" defTabSz="914400" rtl="0" eaLnBrk="1" fontAlgn="auto" latinLnBrk="0" hangingPunct="1">
+              <a:lnSpc>
+                <a:spcPct val="100000"/>
+              </a:lnSpc>
+              <a:spcBef>
+                <a:spcPts val="0"/>
+              </a:spcBef>
+              <a:spcAft>
+                <a:spcPts val="0"/>
+              </a:spcAft>
+              <a:buClrTx/>
+              <a:buSzTx/>
+              <a:buFontTx/>
               <a:buNone/>
+              <a:tabLst/>
+              <a:defRPr/>
             </a:pPr>
             <a:r>
-              <a:rPr lang="it-IT" dirty="0"/>
-              <a:t>Questa variante utilizza un approccio più semplice, andando a</a:t>
-            </a:r>
-          </a:p>
-          <a:p>
-            <a:pPr marL="0" indent="0" algn="ctr">
-              <a:buNone/>
-            </a:pPr>
-            <a:r>
-              <a:rPr lang="it-IT" dirty="0"/>
-              <a:t> considerare per ogni nodo da inserire </a:t>
-            </a:r>
-          </a:p>
-          <a:p>
-            <a:pPr marL="0" indent="0" algn="ctr">
-              <a:buNone/>
-            </a:pPr>
-            <a:r>
-              <a:rPr lang="it-IT" dirty="0"/>
-              <a:t>nel grafo anonimizzato il singolo costo di unione </a:t>
-            </a:r>
-          </a:p>
-          <a:p>
-            <a:pPr marL="0" indent="0" algn="ctr">
-              <a:buNone/>
-            </a:pPr>
-            <a:r>
-              <a:rPr lang="it-IT" dirty="0"/>
-              <a:t>all’ultimo cluster confrontandolo con quello di </a:t>
-            </a:r>
-          </a:p>
-          <a:p>
-            <a:pPr marL="0" indent="0" algn="ctr">
-              <a:buNone/>
-            </a:pPr>
-            <a:r>
-              <a:rPr lang="it-IT" dirty="0"/>
-              <a:t>creazione di un nuovo cluster. Questa variante </a:t>
-            </a:r>
-          </a:p>
-          <a:p>
-            <a:pPr marL="0" indent="0" algn="ctr">
-              <a:buNone/>
-            </a:pPr>
-            <a:r>
-              <a:rPr lang="it-IT" dirty="0"/>
-              <a:t>ovviamente non esplora tutte le combinazioni possibili e non</a:t>
-            </a:r>
-          </a:p>
-          <a:p>
-            <a:pPr marL="0" indent="0" algn="ctr">
-              <a:buNone/>
-            </a:pPr>
-            <a:r>
-              <a:rPr lang="it-IT" dirty="0"/>
-              <a:t>  tenendo memoria degli ottimi locali per i singoli cluster </a:t>
-            </a:r>
-          </a:p>
-          <a:p>
-            <a:pPr marL="0" indent="0" algn="ctr">
-              <a:buNone/>
-            </a:pPr>
-            <a:r>
-              <a:rPr lang="it-IT" dirty="0"/>
-              <a:t>,genera quindi soluzioni sub-ottime rispetto al DP per</a:t>
-            </a:r>
-          </a:p>
-          <a:p>
-            <a:pPr marL="0" indent="0" algn="ctr">
-              <a:buNone/>
-            </a:pPr>
-            <a:r>
-              <a:rPr lang="it-IT" dirty="0"/>
-              <a:t> quanto riguarda i costi di </a:t>
-            </a:r>
-            <a:r>
-              <a:rPr lang="it-IT" dirty="0" err="1"/>
+              <a:rPr lang="it-IT" sz="1200" kern="1200" dirty="0">
+                <a:solidFill>
+                  <a:schemeClr val="tx1"/>
+                </a:solidFill>
+                <a:effectLst/>
+                <a:latin typeface="+mn-lt"/>
+                <a:ea typeface="+mn-ea"/>
+                <a:cs typeface="+mn-cs"/>
+              </a:rPr>
+              <a:t>Questa variante utilizza la tecnica della programmazione dinamica per generare il grafo con costo di </a:t>
+            </a:r>
+            <a:r>
+              <a:rPr lang="it-IT" sz="1200" kern="1200" dirty="0" err="1">
+                <a:solidFill>
+                  <a:schemeClr val="tx1"/>
+                </a:solidFill>
+                <a:effectLst/>
+                <a:latin typeface="+mn-lt"/>
+                <a:ea typeface="+mn-ea"/>
+                <a:cs typeface="+mn-cs"/>
+              </a:rPr>
               <a:t>anonimizzazione</a:t>
             </a:r>
             <a:r>
-              <a:rPr lang="it-IT" dirty="0"/>
-              <a:t>.</a:t>
-            </a:r>
-          </a:p>
-          <a:p>
-            <a:pPr algn="ctr"/>
-            <a:endParaRPr lang="it-IT" dirty="0"/>
+              <a:rPr lang="it-IT" sz="1200" kern="1200" dirty="0">
+                <a:solidFill>
+                  <a:schemeClr val="tx1"/>
+                </a:solidFill>
+                <a:effectLst/>
+                <a:latin typeface="+mn-lt"/>
+                <a:ea typeface="+mn-ea"/>
+                <a:cs typeface="+mn-cs"/>
+              </a:rPr>
+              <a:t> ottimo, cioè minimo. Per ottenere ciò, l’algoritmo valuta ad ogni passo se sia conveniente creare un nuovo cluster o unire il nodo considerato a questo passo al cluster precedente. Quest’operazione viene eseguita per ogni nodo e per ogni combinazione di sotto cluster che si è generata finora, tenendo in memoria, man mano che si procede nella computazione dei migliori cluster ottenuti in base al costo totale di </a:t>
+            </a:r>
+            <a:r>
+              <a:rPr lang="it-IT" sz="1200" kern="1200" dirty="0" err="1">
+                <a:solidFill>
+                  <a:schemeClr val="tx1"/>
+                </a:solidFill>
+                <a:effectLst/>
+                <a:latin typeface="+mn-lt"/>
+                <a:ea typeface="+mn-ea"/>
+                <a:cs typeface="+mn-cs"/>
+              </a:rPr>
+              <a:t>anonimizzazione</a:t>
+            </a:r>
+            <a:r>
+              <a:rPr lang="it-IT" sz="1200" kern="1200" dirty="0">
+                <a:solidFill>
+                  <a:schemeClr val="tx1"/>
+                </a:solidFill>
+                <a:effectLst/>
+                <a:latin typeface="+mn-lt"/>
+                <a:ea typeface="+mn-ea"/>
+                <a:cs typeface="+mn-cs"/>
+              </a:rPr>
+              <a:t> che ciascuno di loro (seppur parziale) comporta.</a:t>
+            </a:r>
           </a:p>
           <a:p>
             <a:endParaRPr lang="it-IT" dirty="0"/>
@@ -1071,7 +1255,7 @@
           <a:p>
             <a:fld id="{432709A9-B521-EB4C-B992-CAA49A2F48FB}" type="slidenum">
               <a:rPr lang="it-IT" smtClean="0"/>
-              <a:t>7</a:t>
+              <a:t>5</a:t>
             </a:fld>
             <a:endParaRPr lang="it-IT"/>
           </a:p>
@@ -1080,7 +1264,7 @@
     </p:spTree>
     <p:extLst>
       <p:ext uri="{BB962C8B-B14F-4D97-AF65-F5344CB8AC3E}">
-        <p14:creationId xmlns:p14="http://schemas.microsoft.com/office/powerpoint/2010/main" val="159867720"/>
+        <p14:creationId xmlns:p14="http://schemas.microsoft.com/office/powerpoint/2010/main" val="1133634285"/>
       </p:ext>
     </p:extLst>
   </p:cSld>
@@ -1134,97 +1318,83 @@
           <a:bodyPr/>
           <a:lstStyle/>
           <a:p>
-            <a:pPr marL="0" indent="0" algn="ctr">
+            <a:pPr marL="0" marR="0" lvl="0" indent="0" algn="l" defTabSz="914400" rtl="0" eaLnBrk="1" fontAlgn="auto" latinLnBrk="0" hangingPunct="1">
+              <a:lnSpc>
+                <a:spcPct val="100000"/>
+              </a:lnSpc>
+              <a:spcBef>
+                <a:spcPts val="0"/>
+              </a:spcBef>
+              <a:spcAft>
+                <a:spcPts val="0"/>
+              </a:spcAft>
+              <a:buClrTx/>
+              <a:buSzTx/>
+              <a:buFontTx/>
               <a:buNone/>
+              <a:tabLst/>
+              <a:defRPr/>
             </a:pPr>
             <a:r>
-              <a:rPr lang="it-IT" dirty="0"/>
-              <a:t>Questa variante utilizza un approccio più semplice, andando a</a:t>
-            </a:r>
-          </a:p>
-          <a:p>
-            <a:pPr marL="0" indent="0" algn="ctr">
-              <a:buNone/>
-            </a:pPr>
-            <a:r>
-              <a:rPr lang="it-IT" dirty="0"/>
-              <a:t> considerare per ogni nodo da inserire </a:t>
-            </a:r>
-          </a:p>
-          <a:p>
-            <a:pPr marL="0" indent="0" algn="ctr">
-              <a:buNone/>
-            </a:pPr>
-            <a:r>
-              <a:rPr lang="it-IT" dirty="0"/>
-              <a:t>nel grafo anonimizzato il singolo costo di unione </a:t>
-            </a:r>
-          </a:p>
-          <a:p>
-            <a:pPr marL="0" indent="0" algn="ctr">
-              <a:buNone/>
-            </a:pPr>
-            <a:r>
-              <a:rPr lang="it-IT" dirty="0"/>
-              <a:t>all’ultimo cluster confrontandolo con quello di </a:t>
-            </a:r>
-          </a:p>
-          <a:p>
-            <a:pPr marL="0" indent="0" algn="ctr">
-              <a:buNone/>
-            </a:pPr>
-            <a:r>
-              <a:rPr lang="it-IT" dirty="0"/>
-              <a:t>creazione di un nuovo cluster. Questa variante </a:t>
-            </a:r>
-          </a:p>
-          <a:p>
-            <a:pPr marL="0" indent="0" algn="ctr">
-              <a:buNone/>
-            </a:pPr>
-            <a:r>
-              <a:rPr lang="it-IT" dirty="0"/>
-              <a:t>ovviamente non esplora tutte le combinazioni possibili e non</a:t>
-            </a:r>
-          </a:p>
-          <a:p>
-            <a:pPr marL="0" indent="0" algn="ctr">
-              <a:buNone/>
-            </a:pPr>
-            <a:r>
-              <a:rPr lang="it-IT" dirty="0"/>
-              <a:t>  tenendo memoria degli ottimi locali per i singoli cluster </a:t>
-            </a:r>
-          </a:p>
-          <a:p>
-            <a:pPr marL="0" indent="0" algn="ctr">
-              <a:buNone/>
-            </a:pPr>
-            <a:r>
-              <a:rPr lang="it-IT" dirty="0"/>
-              <a:t>,genera quindi soluzioni sub-ottime rispetto al DP per</a:t>
-            </a:r>
-          </a:p>
-          <a:p>
-            <a:pPr marL="0" indent="0" algn="ctr">
-              <a:buNone/>
-            </a:pPr>
-            <a:r>
-              <a:rPr lang="it-IT" dirty="0"/>
-              <a:t> quanto riguarda i costi di </a:t>
-            </a:r>
-            <a:r>
-              <a:rPr lang="it-IT" dirty="0" err="1"/>
+              <a:rPr lang="it-IT" sz="1200" kern="1200" dirty="0">
+                <a:solidFill>
+                  <a:schemeClr val="tx1"/>
+                </a:solidFill>
+                <a:effectLst/>
+                <a:latin typeface="+mn-lt"/>
+                <a:ea typeface="+mn-ea"/>
+                <a:cs typeface="+mn-cs"/>
+              </a:rPr>
+              <a:t>Questa variante utilizza la tecnica della programmazione dinamica per generare il grafo con costo di </a:t>
+            </a:r>
+            <a:r>
+              <a:rPr lang="it-IT" sz="1200" kern="1200" dirty="0" err="1">
+                <a:solidFill>
+                  <a:schemeClr val="tx1"/>
+                </a:solidFill>
+                <a:effectLst/>
+                <a:latin typeface="+mn-lt"/>
+                <a:ea typeface="+mn-ea"/>
+                <a:cs typeface="+mn-cs"/>
+              </a:rPr>
               <a:t>anonimizzazione</a:t>
             </a:r>
             <a:r>
-              <a:rPr lang="it-IT" dirty="0"/>
-              <a:t>.</a:t>
-            </a:r>
-          </a:p>
-          <a:p>
-            <a:pPr algn="ctr"/>
-            <a:endParaRPr lang="it-IT" dirty="0"/>
+              <a:rPr lang="it-IT" sz="1200" kern="1200" dirty="0">
+                <a:solidFill>
+                  <a:schemeClr val="tx1"/>
+                </a:solidFill>
+                <a:effectLst/>
+                <a:latin typeface="+mn-lt"/>
+                <a:ea typeface="+mn-ea"/>
+                <a:cs typeface="+mn-cs"/>
+              </a:rPr>
+              <a:t> ottimo, cioè minimo. Per ottenere ciò, l’algoritmo valuta ad ogni passo se sia conveniente creare un nuovo cluster o unire il nodo considerato a questo passo al cluster precedente. Quest’operazione viene eseguita per ogni nodo e per ogni combinazione di sotto cluster che si è generata finora, tenendo in memoria, man mano che si procede nella computazione dei migliori cluster ottenuti in base al costo totale di </a:t>
+            </a:r>
+            <a:r>
+              <a:rPr lang="it-IT" sz="1200" kern="1200" dirty="0" err="1">
+                <a:solidFill>
+                  <a:schemeClr val="tx1"/>
+                </a:solidFill>
+                <a:effectLst/>
+                <a:latin typeface="+mn-lt"/>
+                <a:ea typeface="+mn-ea"/>
+                <a:cs typeface="+mn-cs"/>
+              </a:rPr>
+              <a:t>anonimizzazione</a:t>
+            </a:r>
+            <a:r>
+              <a:rPr lang="it-IT" sz="1200" kern="1200" dirty="0">
+                <a:solidFill>
+                  <a:schemeClr val="tx1"/>
+                </a:solidFill>
+                <a:effectLst/>
+                <a:latin typeface="+mn-lt"/>
+                <a:ea typeface="+mn-ea"/>
+                <a:cs typeface="+mn-cs"/>
+              </a:rPr>
+              <a:t> che ciascuno di loro (seppur parziale) comporta.</a:t>
+            </a:r>
           </a:p>
           <a:p>
             <a:endParaRPr lang="it-IT" dirty="0"/>
@@ -1248,7 +1418,7 @@
           <a:p>
             <a:fld id="{432709A9-B521-EB4C-B992-CAA49A2F48FB}" type="slidenum">
               <a:rPr lang="it-IT" smtClean="0"/>
-              <a:t>8</a:t>
+              <a:t>6</a:t>
             </a:fld>
             <a:endParaRPr lang="it-IT"/>
           </a:p>
@@ -1257,7 +1427,7 @@
     </p:spTree>
     <p:extLst>
       <p:ext uri="{BB962C8B-B14F-4D97-AF65-F5344CB8AC3E}">
-        <p14:creationId xmlns:p14="http://schemas.microsoft.com/office/powerpoint/2010/main" val="3616548520"/>
+        <p14:creationId xmlns:p14="http://schemas.microsoft.com/office/powerpoint/2010/main" val="2490381959"/>
       </p:ext>
     </p:extLst>
   </p:cSld>
@@ -1425,7 +1595,7 @@
           <a:p>
             <a:fld id="{432709A9-B521-EB4C-B992-CAA49A2F48FB}" type="slidenum">
               <a:rPr lang="it-IT" smtClean="0"/>
-              <a:t>9</a:t>
+              <a:t>7</a:t>
             </a:fld>
             <a:endParaRPr lang="it-IT"/>
           </a:p>
@@ -1434,7 +1604,7 @@
     </p:spTree>
     <p:extLst>
       <p:ext uri="{BB962C8B-B14F-4D97-AF65-F5344CB8AC3E}">
-        <p14:creationId xmlns:p14="http://schemas.microsoft.com/office/powerpoint/2010/main" val="853218985"/>
+        <p14:creationId xmlns:p14="http://schemas.microsoft.com/office/powerpoint/2010/main" val="159867720"/>
       </p:ext>
     </p:extLst>
   </p:cSld>
@@ -1493,29 +1663,91 @@
             </a:pPr>
             <a:r>
               <a:rPr lang="it-IT" dirty="0"/>
-              <a:t>Entrambe le tecniche proposte utilizzano il vettore dei gradi generato da una delle due tecniche di </a:t>
-            </a:r>
-            <a:r>
-              <a:rPr lang="it-IT" err="1"/>
-              <a:t>anonimizzazione</a:t>
-            </a:r>
-            <a:r>
-              <a:rPr lang="it-IT" dirty="0"/>
-              <a:t> viste precedentemente per ricreare una versione del grafo che rispetti il vincolo di </a:t>
-            </a:r>
-            <a:r>
-              <a:rPr lang="it-IT" err="1"/>
-              <a:t>anonimizzazione</a:t>
-            </a:r>
-            <a:r>
-              <a:rPr lang="it-IT" dirty="0"/>
-              <a:t> K</a:t>
+              <a:t>Questa variante utilizza un approccio più semplice, andando a</a:t>
             </a:r>
           </a:p>
           <a:p>
             <a:pPr marL="0" indent="0" algn="ctr">
               <a:buNone/>
             </a:pPr>
+            <a:r>
+              <a:rPr lang="it-IT" dirty="0"/>
+              <a:t> considerare per ogni nodo da inserire </a:t>
+            </a:r>
+          </a:p>
+          <a:p>
+            <a:pPr marL="0" indent="0" algn="ctr">
+              <a:buNone/>
+            </a:pPr>
+            <a:r>
+              <a:rPr lang="it-IT" dirty="0"/>
+              <a:t>nel grafo anonimizzato il singolo costo di unione </a:t>
+            </a:r>
+          </a:p>
+          <a:p>
+            <a:pPr marL="0" indent="0" algn="ctr">
+              <a:buNone/>
+            </a:pPr>
+            <a:r>
+              <a:rPr lang="it-IT" dirty="0"/>
+              <a:t>all’ultimo cluster confrontandolo con quello di </a:t>
+            </a:r>
+          </a:p>
+          <a:p>
+            <a:pPr marL="0" indent="0" algn="ctr">
+              <a:buNone/>
+            </a:pPr>
+            <a:r>
+              <a:rPr lang="it-IT" dirty="0"/>
+              <a:t>creazione di un nuovo cluster. Questa variante </a:t>
+            </a:r>
+          </a:p>
+          <a:p>
+            <a:pPr marL="0" indent="0" algn="ctr">
+              <a:buNone/>
+            </a:pPr>
+            <a:r>
+              <a:rPr lang="it-IT" dirty="0"/>
+              <a:t>ovviamente non esplora tutte le combinazioni possibili e non</a:t>
+            </a:r>
+          </a:p>
+          <a:p>
+            <a:pPr marL="0" indent="0" algn="ctr">
+              <a:buNone/>
+            </a:pPr>
+            <a:r>
+              <a:rPr lang="it-IT" dirty="0"/>
+              <a:t>  tenendo memoria degli ottimi locali per i singoli cluster </a:t>
+            </a:r>
+          </a:p>
+          <a:p>
+            <a:pPr marL="0" indent="0" algn="ctr">
+              <a:buNone/>
+            </a:pPr>
+            <a:r>
+              <a:rPr lang="it-IT" dirty="0"/>
+              <a:t>,genera quindi soluzioni sub-ottime rispetto al DP per</a:t>
+            </a:r>
+          </a:p>
+          <a:p>
+            <a:pPr marL="0" indent="0" algn="ctr">
+              <a:buNone/>
+            </a:pPr>
+            <a:r>
+              <a:rPr lang="it-IT" dirty="0"/>
+              <a:t> quanto riguarda i costi di </a:t>
+            </a:r>
+            <a:r>
+              <a:rPr lang="it-IT" dirty="0" err="1"/>
+              <a:t>anonimizzazione</a:t>
+            </a:r>
+            <a:r>
+              <a:rPr lang="it-IT" dirty="0"/>
+              <a:t>.</a:t>
+            </a:r>
+          </a:p>
+          <a:p>
+            <a:pPr algn="ctr"/>
             <a:endParaRPr lang="it-IT" dirty="0"/>
           </a:p>
           <a:p>
@@ -1540,16 +1772,16 @@
           <a:p>
             <a:fld id="{432709A9-B521-EB4C-B992-CAA49A2F48FB}" type="slidenum">
               <a:rPr lang="it-IT" smtClean="0"/>
-              <a:t>11</a:t>
+              <a:t>8</a:t>
             </a:fld>
-            <a:endParaRPr lang="it-IT" dirty="0"/>
+            <a:endParaRPr lang="it-IT"/>
           </a:p>
         </p:txBody>
       </p:sp>
     </p:spTree>
     <p:extLst>
       <p:ext uri="{BB962C8B-B14F-4D97-AF65-F5344CB8AC3E}">
-        <p14:creationId xmlns:p14="http://schemas.microsoft.com/office/powerpoint/2010/main" val="329071583"/>
+        <p14:creationId xmlns:p14="http://schemas.microsoft.com/office/powerpoint/2010/main" val="3616548520"/>
       </p:ext>
     </p:extLst>
   </p:cSld>
@@ -1603,20 +1835,84 @@
           <a:bodyPr/>
           <a:lstStyle/>
           <a:p>
-            <a:pPr marL="0" indent="0">
+            <a:pPr marL="0" indent="0" algn="ctr">
               <a:buNone/>
             </a:pPr>
             <a:r>
               <a:rPr lang="it-IT" dirty="0"/>
-              <a:t>Questa tecnica di costruzione del grafo </a:t>
-            </a:r>
-            <a:r>
-              <a:rPr lang="it-IT" dirty="0" err="1"/>
-              <a:t>riassembla</a:t>
-            </a:r>
+              <a:t>Questa variante utilizza un approccio più semplice, andando a</a:t>
+            </a:r>
+          </a:p>
+          <a:p>
+            <a:pPr marL="0" indent="0" algn="ctr">
+              <a:buNone/>
+            </a:pPr>
             <a:r>
               <a:rPr lang="it-IT" dirty="0"/>
-              <a:t> i vari nodi in maniera randomica: ciò comporta che ad ogni persona viene attribuito un numero di archi pari al numero indicato dal grado di </a:t>
+              <a:t> considerare per ogni nodo da inserire </a:t>
+            </a:r>
+          </a:p>
+          <a:p>
+            <a:pPr marL="0" indent="0" algn="ctr">
+              <a:buNone/>
+            </a:pPr>
+            <a:r>
+              <a:rPr lang="it-IT" dirty="0"/>
+              <a:t>nel grafo anonimizzato il singolo costo di unione </a:t>
+            </a:r>
+          </a:p>
+          <a:p>
+            <a:pPr marL="0" indent="0" algn="ctr">
+              <a:buNone/>
+            </a:pPr>
+            <a:r>
+              <a:rPr lang="it-IT" dirty="0"/>
+              <a:t>all’ultimo cluster confrontandolo con quello di </a:t>
+            </a:r>
+          </a:p>
+          <a:p>
+            <a:pPr marL="0" indent="0" algn="ctr">
+              <a:buNone/>
+            </a:pPr>
+            <a:r>
+              <a:rPr lang="it-IT" dirty="0"/>
+              <a:t>creazione di un nuovo cluster. Questa variante </a:t>
+            </a:r>
+          </a:p>
+          <a:p>
+            <a:pPr marL="0" indent="0" algn="ctr">
+              <a:buNone/>
+            </a:pPr>
+            <a:r>
+              <a:rPr lang="it-IT" dirty="0"/>
+              <a:t>ovviamente non esplora tutte le combinazioni possibili e non</a:t>
+            </a:r>
+          </a:p>
+          <a:p>
+            <a:pPr marL="0" indent="0" algn="ctr">
+              <a:buNone/>
+            </a:pPr>
+            <a:r>
+              <a:rPr lang="it-IT" dirty="0"/>
+              <a:t>  tenendo memoria degli ottimi locali per i singoli cluster </a:t>
+            </a:r>
+          </a:p>
+          <a:p>
+            <a:pPr marL="0" indent="0" algn="ctr">
+              <a:buNone/>
+            </a:pPr>
+            <a:r>
+              <a:rPr lang="it-IT" dirty="0"/>
+              <a:t>,genera quindi soluzioni sub-ottime rispetto al DP per</a:t>
+            </a:r>
+          </a:p>
+          <a:p>
+            <a:pPr marL="0" indent="0" algn="ctr">
+              <a:buNone/>
+            </a:pPr>
+            <a:r>
+              <a:rPr lang="it-IT" dirty="0"/>
+              <a:t> quanto riguarda i costi di </a:t>
             </a:r>
             <a:r>
               <a:rPr lang="it-IT" dirty="0" err="1"/>
@@ -1624,13 +1920,11 @@
             </a:r>
             <a:r>
               <a:rPr lang="it-IT" dirty="0"/>
-              <a:t> presente nel vettore sopra citato, tuttavia gli archi così generati non avranno alcun riferimento con quelli presenti nel grafo originale non anonimizzato.</a:t>
-            </a:r>
-          </a:p>
-          <a:p>
-            <a:pPr marL="0" indent="0">
-              <a:buNone/>
-            </a:pPr>
+              <a:t>.</a:t>
+            </a:r>
+          </a:p>
+          <a:p>
+            <a:pPr algn="ctr"/>
             <a:endParaRPr lang="it-IT" dirty="0"/>
           </a:p>
           <a:p>
@@ -1655,7 +1949,7 @@
           <a:p>
             <a:fld id="{432709A9-B521-EB4C-B992-CAA49A2F48FB}" type="slidenum">
               <a:rPr lang="it-IT" smtClean="0"/>
-              <a:t>12</a:t>
+              <a:t>9</a:t>
             </a:fld>
             <a:endParaRPr lang="it-IT"/>
           </a:p>
@@ -1664,7 +1958,7 @@
     </p:spTree>
     <p:extLst>
       <p:ext uri="{BB962C8B-B14F-4D97-AF65-F5344CB8AC3E}">
-        <p14:creationId xmlns:p14="http://schemas.microsoft.com/office/powerpoint/2010/main" val="3598772877"/>
+        <p14:creationId xmlns:p14="http://schemas.microsoft.com/office/powerpoint/2010/main" val="853218985"/>
       </p:ext>
     </p:extLst>
   </p:cSld>
@@ -1718,52 +2012,38 @@
           <a:bodyPr/>
           <a:lstStyle/>
           <a:p>
-            <a:pPr algn="ctr"/>
-            <a:r>
-              <a:rPr lang="it-IT" dirty="0">
-                <a:ea typeface="맑은 고딕"/>
-              </a:rPr>
-              <a:t>Parte dal grafo originale e aggiunge solamente ad ogni nodo un numero di archi necessario a portarlo al nuovo grado di </a:t>
-            </a:r>
-            <a:r>
-              <a:rPr lang="it-IT" dirty="0" err="1">
-                <a:ea typeface="맑은 고딕"/>
-              </a:rPr>
+            <a:pPr marL="0" indent="0" algn="ctr">
+              <a:buNone/>
+            </a:pPr>
+            <a:r>
+              <a:rPr lang="it-IT" dirty="0"/>
+              <a:t>Entrambe le tecniche proposte utilizzano il vettore dei gradi generato da una delle due tecniche di </a:t>
+            </a:r>
+            <a:r>
+              <a:rPr lang="it-IT" err="1"/>
               <a:t>anonimizzazione</a:t>
             </a:r>
             <a:r>
-              <a:rPr lang="it-IT" dirty="0">
-                <a:ea typeface="맑은 고딕"/>
-              </a:rPr>
-              <a:t> precedentemente calcolato. </a:t>
-            </a:r>
-            <a:endParaRPr lang="en-US" dirty="0">
-              <a:ea typeface="맑은 고딕"/>
-            </a:endParaRPr>
-          </a:p>
-          <a:p>
-            <a:pPr algn="ctr"/>
-            <a:r>
-              <a:rPr lang="it-IT" dirty="0">
-                <a:ea typeface="맑은 고딕"/>
-              </a:rPr>
-              <a:t>Dato che questa versione dell’algoritmo di costruzione   del grafo deve valutare per ogni nodo l’introduzione di  ogni possibile arco fino al raggiungimento del grado      richiesto per l’</a:t>
-            </a:r>
-            <a:r>
-              <a:rPr lang="it-IT" dirty="0" err="1">
-                <a:ea typeface="맑은 고딕"/>
-              </a:rPr>
+              <a:rPr lang="it-IT" dirty="0"/>
+              <a:t> viste precedentemente per ricreare una versione del grafo che rispetti il vincolo di </a:t>
+            </a:r>
+            <a:r>
+              <a:rPr lang="it-IT" err="1"/>
               <a:t>anonimizzazione</a:t>
             </a:r>
             <a:r>
-              <a:rPr lang="it-IT" dirty="0">
-                <a:ea typeface="맑은 고딕"/>
-              </a:rPr>
-              <a:t>, è atteso che la              complessità sia più elevata.</a:t>
-            </a:r>
-            <a:endParaRPr lang="en-US" dirty="0">
-              <a:ea typeface="맑은 고딕"/>
-            </a:endParaRPr>
+              <a:rPr lang="it-IT" dirty="0"/>
+              <a:t> K</a:t>
+            </a:r>
+          </a:p>
+          <a:p>
+            <a:pPr marL="0" indent="0" algn="ctr">
+              <a:buNone/>
+            </a:pPr>
+            <a:endParaRPr lang="it-IT" dirty="0"/>
+          </a:p>
+          <a:p>
+            <a:endParaRPr lang="it-IT" dirty="0"/>
           </a:p>
         </p:txBody>
       </p:sp>
@@ -1784,7 +2064,7 @@
           <a:p>
             <a:fld id="{432709A9-B521-EB4C-B992-CAA49A2F48FB}" type="slidenum">
               <a:rPr lang="it-IT" smtClean="0"/>
-              <a:t>13</a:t>
+              <a:t>11</a:t>
             </a:fld>
             <a:endParaRPr lang="it-IT" dirty="0"/>
           </a:p>
@@ -1793,7 +2073,7 @@
     </p:spTree>
     <p:extLst>
       <p:ext uri="{BB962C8B-B14F-4D97-AF65-F5344CB8AC3E}">
-        <p14:creationId xmlns:p14="http://schemas.microsoft.com/office/powerpoint/2010/main" val="3611200481"/>
+        <p14:creationId xmlns:p14="http://schemas.microsoft.com/office/powerpoint/2010/main" val="329071583"/>
       </p:ext>
     </p:extLst>
   </p:cSld>
@@ -1847,19 +2127,35 @@
           <a:bodyPr/>
           <a:lstStyle/>
           <a:p>
-            <a:pPr marL="0" indent="0" algn="ctr">
+            <a:pPr marL="0" indent="0">
               <a:buNone/>
             </a:pPr>
             <a:r>
-              <a:rPr lang="it-IT" sz="1200" dirty="0"/>
-              <a:t>Per il testing abbiamo eseguito l’algoritmo su istanze di diverse dimensioni, in particolare da 100,300,750 (di quest’ultima due versioni, uno più denso e uno più   sparso),1000 e 2000 nodi, scrivendo un programma in Python che automaticamente anonimizza il grafo sulle diverse istanze con valori di K crescenti utilizzando le 4 combinazioni possibili delle tecniche proposte in precedenza, e presentando i risultati (a livello di costo e tempo) in maniera grafica, che presentiamo di seguito:</a:t>
-            </a:r>
-          </a:p>
-          <a:p>
-            <a:pPr marL="0" indent="0" algn="ctr">
+              <a:rPr lang="it-IT" dirty="0"/>
+              <a:t>Questa tecnica di costruzione del grafo </a:t>
+            </a:r>
+            <a:r>
+              <a:rPr lang="it-IT" dirty="0" err="1"/>
+              <a:t>riassembla</a:t>
+            </a:r>
+            <a:r>
+              <a:rPr lang="it-IT" dirty="0"/>
+              <a:t> i vari nodi in maniera randomica: ciò comporta che ad ogni persona viene attribuito un numero di archi pari al numero indicato dal grado di </a:t>
+            </a:r>
+            <a:r>
+              <a:rPr lang="it-IT" dirty="0" err="1"/>
+              <a:t>anonimizzazione</a:t>
+            </a:r>
+            <a:r>
+              <a:rPr lang="it-IT" dirty="0"/>
+              <a:t> presente nel vettore sopra citato, tuttavia gli archi così generati non avranno alcun riferimento con quelli presenti nel grafo originale non anonimizzato.</a:t>
+            </a:r>
+          </a:p>
+          <a:p>
+            <a:pPr marL="0" indent="0">
               <a:buNone/>
             </a:pPr>
-            <a:endParaRPr lang="it-IT" sz="1200" dirty="0"/>
+            <a:endParaRPr lang="it-IT" dirty="0"/>
           </a:p>
           <a:p>
             <a:endParaRPr lang="it-IT" dirty="0"/>
@@ -1883,7 +2179,7 @@
           <a:p>
             <a:fld id="{432709A9-B521-EB4C-B992-CAA49A2F48FB}" type="slidenum">
               <a:rPr lang="it-IT" smtClean="0"/>
-              <a:t>14</a:t>
+              <a:t>12</a:t>
             </a:fld>
             <a:endParaRPr lang="it-IT"/>
           </a:p>
@@ -1892,7 +2188,7 @@
     </p:spTree>
     <p:extLst>
       <p:ext uri="{BB962C8B-B14F-4D97-AF65-F5344CB8AC3E}">
-        <p14:creationId xmlns:p14="http://schemas.microsoft.com/office/powerpoint/2010/main" val="2250264833"/>
+        <p14:creationId xmlns:p14="http://schemas.microsoft.com/office/powerpoint/2010/main" val="3598772877"/>
       </p:ext>
     </p:extLst>
   </p:cSld>
@@ -1946,22 +2242,52 @@
           <a:bodyPr/>
           <a:lstStyle/>
           <a:p>
-            <a:pPr marL="0" indent="0" algn="ctr">
-              <a:buNone/>
-            </a:pPr>
-            <a:r>
-              <a:rPr lang="it-IT" sz="1200" dirty="0"/>
-              <a:t>Per il testing abbiamo eseguito l’algoritmo su istanze di diverse dimensioni, in particolare da 100,300,750 (di quest’ultima due versioni, uno più denso e uno più   sparso),1000 e 2000 nodi, scrivendo un programma in Python che automaticamente anonimizza il grafo sulle diverse istanze con valori di K crescenti utilizzando le 4 combinazioni possibili delle tecniche proposte in precedenza, e presentando i risultati (a livello di costo e tempo) in maniera grafica, che presentiamo di seguito:</a:t>
-            </a:r>
-          </a:p>
-          <a:p>
-            <a:pPr marL="0" indent="0" algn="ctr">
-              <a:buNone/>
-            </a:pPr>
-            <a:endParaRPr lang="it-IT" sz="1200" dirty="0"/>
-          </a:p>
-          <a:p>
-            <a:endParaRPr lang="it-IT" dirty="0"/>
+            <a:pPr algn="ctr"/>
+            <a:r>
+              <a:rPr lang="it-IT" dirty="0">
+                <a:ea typeface="맑은 고딕"/>
+              </a:rPr>
+              <a:t>Parte dal grafo originale e aggiunge solamente ad ogni nodo un numero di archi necessario a portarlo al nuovo grado di </a:t>
+            </a:r>
+            <a:r>
+              <a:rPr lang="it-IT" dirty="0" err="1">
+                <a:ea typeface="맑은 고딕"/>
+              </a:rPr>
+              <a:t>anonimizzazione</a:t>
+            </a:r>
+            <a:r>
+              <a:rPr lang="it-IT" dirty="0">
+                <a:ea typeface="맑은 고딕"/>
+              </a:rPr>
+              <a:t> precedentemente calcolato. </a:t>
+            </a:r>
+            <a:endParaRPr lang="en-US" dirty="0">
+              <a:ea typeface="맑은 고딕"/>
+            </a:endParaRPr>
+          </a:p>
+          <a:p>
+            <a:pPr algn="ctr"/>
+            <a:r>
+              <a:rPr lang="it-IT" dirty="0">
+                <a:ea typeface="맑은 고딕"/>
+              </a:rPr>
+              <a:t>Dato che questa versione dell’algoritmo di costruzione   del grafo deve valutare per ogni nodo l’introduzione di  ogni possibile arco fino al raggiungimento del grado      richiesto per l’</a:t>
+            </a:r>
+            <a:r>
+              <a:rPr lang="it-IT" dirty="0" err="1">
+                <a:ea typeface="맑은 고딕"/>
+              </a:rPr>
+              <a:t>anonimizzazione</a:t>
+            </a:r>
+            <a:r>
+              <a:rPr lang="it-IT" dirty="0">
+                <a:ea typeface="맑은 고딕"/>
+              </a:rPr>
+              <a:t>, è atteso che la              complessità sia più elevata.</a:t>
+            </a:r>
+            <a:endParaRPr lang="en-US" dirty="0">
+              <a:ea typeface="맑은 고딕"/>
+            </a:endParaRPr>
           </a:p>
         </p:txBody>
       </p:sp>
@@ -1982,16 +2308,16 @@
           <a:p>
             <a:fld id="{432709A9-B521-EB4C-B992-CAA49A2F48FB}" type="slidenum">
               <a:rPr lang="it-IT" smtClean="0"/>
-              <a:t>15</a:t>
+              <a:t>13</a:t>
             </a:fld>
-            <a:endParaRPr lang="it-IT"/>
+            <a:endParaRPr lang="it-IT" dirty="0"/>
           </a:p>
         </p:txBody>
       </p:sp>
     </p:spTree>
     <p:extLst>
       <p:ext uri="{BB962C8B-B14F-4D97-AF65-F5344CB8AC3E}">
-        <p14:creationId xmlns:p14="http://schemas.microsoft.com/office/powerpoint/2010/main" val="4166403027"/>
+        <p14:creationId xmlns:p14="http://schemas.microsoft.com/office/powerpoint/2010/main" val="3611200481"/>
       </p:ext>
     </p:extLst>
   </p:cSld>
@@ -12174,7 +12500,7 @@
             </a:r>
             <a:r>
               <a:rPr lang="it-IT" sz="2400" b="1" dirty="0"/>
-              <a:t>cluster precedente</a:t>
+              <a:t>cluster       precedente</a:t>
             </a:r>
           </a:p>
         </p:txBody>

--- a/Presentation/Towards_Identity_Anonymization_on_graph(K-degree anonymization).pptx
+++ b/Presentation/Towards_Identity_Anonymization_on_graph(K-degree anonymization).pptx
@@ -5,13 +5,13 @@
     <p:sldMasterId id="2147483648" r:id="rId1"/>
   </p:sldMasterIdLst>
   <p:notesMasterIdLst>
-    <p:notesMasterId r:id="rId27"/>
+    <p:notesMasterId r:id="rId32"/>
   </p:notesMasterIdLst>
   <p:sldIdLst>
     <p:sldId id="256" r:id="rId2"/>
     <p:sldId id="264" r:id="rId3"/>
-    <p:sldId id="258" r:id="rId4"/>
-    <p:sldId id="259" r:id="rId5"/>
+    <p:sldId id="259" r:id="rId4"/>
+    <p:sldId id="258" r:id="rId5"/>
     <p:sldId id="266" r:id="rId6"/>
     <p:sldId id="269" r:id="rId7"/>
     <p:sldId id="281" r:id="rId8"/>
@@ -30,9 +30,14 @@
     <p:sldId id="275" r:id="rId21"/>
     <p:sldId id="276" r:id="rId22"/>
     <p:sldId id="263" r:id="rId23"/>
-    <p:sldId id="277" r:id="rId24"/>
-    <p:sldId id="278" r:id="rId25"/>
-    <p:sldId id="279" r:id="rId26"/>
+    <p:sldId id="278" r:id="rId24"/>
+    <p:sldId id="277" r:id="rId25"/>
+    <p:sldId id="285" r:id="rId26"/>
+    <p:sldId id="286" r:id="rId27"/>
+    <p:sldId id="279" r:id="rId28"/>
+    <p:sldId id="289" r:id="rId29"/>
+    <p:sldId id="291" r:id="rId30"/>
+    <p:sldId id="290" r:id="rId31"/>
   </p:sldIdLst>
   <p:sldSz cx="9144000" cy="5143500" type="screen16x9"/>
   <p:notesSz cx="6858000" cy="9144000"/>
@@ -169,9 +174,9 @@
 <p1510:revInfo xmlns:a="http://schemas.openxmlformats.org/drawingml/2006/main" xmlns:r="http://schemas.openxmlformats.org/officeDocument/2006/relationships" xmlns:p1510="http://schemas.microsoft.com/office/powerpoint/2015/10/main">
   <p1510:revLst>
     <p1510:client id="{73B7BA9C-7E3A-45A7-8C8D-6162147F030B}" v="790" dt="2019-03-14T16:19:10.455"/>
+    <p1510:client id="{8AA02FEC-AB14-4109-B76C-C10B11DA5FCE}" v="55" dt="2019-03-14T10:37:49.570"/>
+    <p1510:client id="{35A4603D-76DC-37E8-9F43-8747B071C77F}" v="37" dt="2019-03-14T11:17:27.226"/>
     <p1510:client id="{2EE172F5-1581-ADA4-F99B-300CD6C88063}" v="58" dt="2019-03-14T15:44:05.301"/>
-    <p1510:client id="{35A4603D-76DC-37E8-9F43-8747B071C77F}" v="37" dt="2019-03-14T11:17:27.226"/>
-    <p1510:client id="{8AA02FEC-AB14-4109-B76C-C10B11DA5FCE}" v="55" dt="2019-03-14T10:37:49.570"/>
   </p1510:revLst>
 </p1510:revInfo>
 </file>
@@ -258,7 +263,7 @@
           <a:p>
             <a:fld id="{A55BA7C1-22AE-0645-AD7C-34C9095A0266}" type="datetimeFigureOut">
               <a:rPr lang="it-IT" smtClean="0"/>
-              <a:t>15/03/2019</a:t>
+              <a:t>16/03/2019</a:t>
             </a:fld>
             <a:endParaRPr lang="it-IT"/>
           </a:p>
@@ -565,7 +570,7 @@
           <a:p>
             <a:fld id="{432709A9-B521-EB4C-B992-CAA49A2F48FB}" type="slidenum">
               <a:rPr lang="it-IT" smtClean="0"/>
-              <a:t>4</a:t>
+              <a:t>3</a:t>
             </a:fld>
             <a:endParaRPr lang="it-IT"/>
           </a:p>
@@ -1092,7 +1097,7 @@
           <a:p>
             <a:fld id="{432709A9-B521-EB4C-B992-CAA49A2F48FB}" type="slidenum">
               <a:rPr lang="it-IT" smtClean="0"/>
-              <a:t>24</a:t>
+              <a:t>23</a:t>
             </a:fld>
             <a:endParaRPr lang="it-IT"/>
           </a:p>
@@ -1102,6 +1107,664 @@
     <p:extLst>
       <p:ext uri="{BB962C8B-B14F-4D97-AF65-F5344CB8AC3E}">
         <p14:creationId xmlns:p14="http://schemas.microsoft.com/office/powerpoint/2010/main" val="3434461398"/>
+      </p:ext>
+    </p:extLst>
+  </p:cSld>
+  <p:clrMapOvr>
+    <a:masterClrMapping/>
+  </p:clrMapOvr>
+</p:notes>
+</file>
+
+<file path=ppt/notesSlides/notesSlide15.xml><?xml version="1.0" encoding="utf-8"?>
+<p:notes xmlns:a="http://schemas.openxmlformats.org/drawingml/2006/main" xmlns:r="http://schemas.openxmlformats.org/officeDocument/2006/relationships" xmlns:p="http://schemas.openxmlformats.org/presentationml/2006/main">
+  <p:cSld>
+    <p:spTree>
+      <p:nvGrpSpPr>
+        <p:cNvPr id="1" name=""/>
+        <p:cNvGrpSpPr/>
+        <p:nvPr/>
+      </p:nvGrpSpPr>
+      <p:grpSpPr>
+        <a:xfrm>
+          <a:off x="0" y="0"/>
+          <a:ext cx="0" cy="0"/>
+          <a:chOff x="0" y="0"/>
+          <a:chExt cx="0" cy="0"/>
+        </a:xfrm>
+      </p:grpSpPr>
+      <p:sp>
+        <p:nvSpPr>
+          <p:cNvPr id="2" name="Segnaposto immagine diapositiva 1"/>
+          <p:cNvSpPr>
+            <a:spLocks noGrp="1" noRot="1" noChangeAspect="1"/>
+          </p:cNvSpPr>
+          <p:nvPr>
+            <p:ph type="sldImg"/>
+          </p:nvPr>
+        </p:nvSpPr>
+        <p:spPr/>
+      </p:sp>
+      <p:sp>
+        <p:nvSpPr>
+          <p:cNvPr id="3" name="Segnaposto note 2"/>
+          <p:cNvSpPr>
+            <a:spLocks noGrp="1"/>
+          </p:cNvSpPr>
+          <p:nvPr>
+            <p:ph type="body" idx="1"/>
+          </p:nvPr>
+        </p:nvSpPr>
+        <p:spPr/>
+        <p:txBody>
+          <a:bodyPr/>
+          <a:lstStyle/>
+          <a:p>
+            <a:pPr marL="0" indent="0" algn="just">
+              <a:buNone/>
+            </a:pPr>
+            <a:r>
+              <a:rPr lang="it-IT" sz="1200" dirty="0"/>
+              <a:t>Va però tenuto conto del </a:t>
+            </a:r>
+            <a:r>
+              <a:rPr lang="it-IT" sz="1200" b="1" i="1" dirty="0"/>
+              <a:t>trade-off</a:t>
+            </a:r>
+            <a:r>
+              <a:rPr lang="it-IT" sz="1200" dirty="0"/>
+              <a:t> tra </a:t>
+            </a:r>
+            <a:r>
+              <a:rPr lang="it-IT" sz="1200" b="1" dirty="0"/>
+              <a:t>tempi</a:t>
+            </a:r>
+            <a:r>
+              <a:rPr lang="it-IT" sz="1200" dirty="0"/>
+              <a:t> di esecuzione e reale risparmio in termini di </a:t>
+            </a:r>
+            <a:r>
+              <a:rPr lang="it-IT" sz="1200" b="1" dirty="0"/>
+              <a:t>costi</a:t>
+            </a:r>
+            <a:r>
+              <a:rPr lang="it-IT" sz="1200" b="0" dirty="0"/>
+              <a:t>.</a:t>
+            </a:r>
+          </a:p>
+          <a:p>
+            <a:pPr marL="0" indent="0" algn="just">
+              <a:buNone/>
+            </a:pPr>
+            <a:r>
+              <a:rPr lang="it-IT" sz="1200" b="0" dirty="0"/>
+              <a:t>S</a:t>
+            </a:r>
+            <a:r>
+              <a:rPr lang="it-IT" sz="1200" dirty="0"/>
+              <a:t>u istanze di dimensione superiori al migliaio di nodi:</a:t>
+            </a:r>
+          </a:p>
+          <a:p>
+            <a:pPr algn="just"/>
+            <a:r>
+              <a:rPr lang="it-IT" sz="1200" dirty="0"/>
+              <a:t>la differenza  di costo per lo stesso data set anonimizzato con lo stesso parametro k varia nell’ordine di un migliaio mentre invece</a:t>
+            </a:r>
+          </a:p>
+          <a:p>
+            <a:pPr algn="just"/>
+            <a:r>
+              <a:rPr lang="it-IT" sz="1200" dirty="0"/>
+              <a:t>le differenze nei tempi di produzione del grafo anonimizzato incrementa fino a raddoppiare nella media i tempi</a:t>
+            </a:r>
+          </a:p>
+          <a:p>
+            <a:endParaRPr lang="it-IT" dirty="0"/>
+          </a:p>
+        </p:txBody>
+      </p:sp>
+      <p:sp>
+        <p:nvSpPr>
+          <p:cNvPr id="4" name="Segnaposto numero diapositiva 3"/>
+          <p:cNvSpPr>
+            <a:spLocks noGrp="1"/>
+          </p:cNvSpPr>
+          <p:nvPr>
+            <p:ph type="sldNum" sz="quarter" idx="5"/>
+          </p:nvPr>
+        </p:nvSpPr>
+        <p:spPr/>
+        <p:txBody>
+          <a:bodyPr/>
+          <a:lstStyle/>
+          <a:p>
+            <a:fld id="{432709A9-B521-EB4C-B992-CAA49A2F48FB}" type="slidenum">
+              <a:rPr lang="it-IT" smtClean="0"/>
+              <a:t>24</a:t>
+            </a:fld>
+            <a:endParaRPr lang="it-IT"/>
+          </a:p>
+        </p:txBody>
+      </p:sp>
+    </p:spTree>
+    <p:extLst>
+      <p:ext uri="{BB962C8B-B14F-4D97-AF65-F5344CB8AC3E}">
+        <p14:creationId xmlns:p14="http://schemas.microsoft.com/office/powerpoint/2010/main" val="4083723937"/>
+      </p:ext>
+    </p:extLst>
+  </p:cSld>
+  <p:clrMapOvr>
+    <a:masterClrMapping/>
+  </p:clrMapOvr>
+</p:notes>
+</file>
+
+<file path=ppt/notesSlides/notesSlide16.xml><?xml version="1.0" encoding="utf-8"?>
+<p:notes xmlns:a="http://schemas.openxmlformats.org/drawingml/2006/main" xmlns:r="http://schemas.openxmlformats.org/officeDocument/2006/relationships" xmlns:p="http://schemas.openxmlformats.org/presentationml/2006/main">
+  <p:cSld>
+    <p:spTree>
+      <p:nvGrpSpPr>
+        <p:cNvPr id="1" name=""/>
+        <p:cNvGrpSpPr/>
+        <p:nvPr/>
+      </p:nvGrpSpPr>
+      <p:grpSpPr>
+        <a:xfrm>
+          <a:off x="0" y="0"/>
+          <a:ext cx="0" cy="0"/>
+          <a:chOff x="0" y="0"/>
+          <a:chExt cx="0" cy="0"/>
+        </a:xfrm>
+      </p:grpSpPr>
+      <p:sp>
+        <p:nvSpPr>
+          <p:cNvPr id="2" name="Segnaposto immagine diapositiva 1"/>
+          <p:cNvSpPr>
+            <a:spLocks noGrp="1" noRot="1" noChangeAspect="1"/>
+          </p:cNvSpPr>
+          <p:nvPr>
+            <p:ph type="sldImg"/>
+          </p:nvPr>
+        </p:nvSpPr>
+        <p:spPr/>
+      </p:sp>
+      <p:sp>
+        <p:nvSpPr>
+          <p:cNvPr id="3" name="Segnaposto note 2"/>
+          <p:cNvSpPr>
+            <a:spLocks noGrp="1"/>
+          </p:cNvSpPr>
+          <p:nvPr>
+            <p:ph type="body" idx="1"/>
+          </p:nvPr>
+        </p:nvSpPr>
+        <p:spPr/>
+        <p:txBody>
+          <a:bodyPr/>
+          <a:lstStyle/>
+          <a:p>
+            <a:pPr marL="0" indent="0" algn="just">
+              <a:buNone/>
+            </a:pPr>
+            <a:r>
+              <a:rPr lang="it-IT" sz="1200" dirty="0"/>
+              <a:t>Va però tenuto conto del </a:t>
+            </a:r>
+            <a:r>
+              <a:rPr lang="it-IT" sz="1200" b="1" i="1" dirty="0"/>
+              <a:t>trade-off</a:t>
+            </a:r>
+            <a:r>
+              <a:rPr lang="it-IT" sz="1200" dirty="0"/>
+              <a:t> tra </a:t>
+            </a:r>
+            <a:r>
+              <a:rPr lang="it-IT" sz="1200" b="1" dirty="0"/>
+              <a:t>tempi</a:t>
+            </a:r>
+            <a:r>
+              <a:rPr lang="it-IT" sz="1200" dirty="0"/>
+              <a:t> di esecuzione e reale risparmio in termini di </a:t>
+            </a:r>
+            <a:r>
+              <a:rPr lang="it-IT" sz="1200" b="1" dirty="0"/>
+              <a:t>costi</a:t>
+            </a:r>
+            <a:r>
+              <a:rPr lang="it-IT" sz="1200" b="0" dirty="0"/>
+              <a:t>.</a:t>
+            </a:r>
+          </a:p>
+          <a:p>
+            <a:pPr marL="0" indent="0" algn="just">
+              <a:buNone/>
+            </a:pPr>
+            <a:r>
+              <a:rPr lang="it-IT" sz="1200" b="0" dirty="0"/>
+              <a:t>S</a:t>
+            </a:r>
+            <a:r>
+              <a:rPr lang="it-IT" sz="1200" dirty="0"/>
+              <a:t>u istanze di dimensione superiori al migliaio di nodi:</a:t>
+            </a:r>
+          </a:p>
+          <a:p>
+            <a:pPr algn="just"/>
+            <a:r>
+              <a:rPr lang="it-IT" sz="1200" dirty="0"/>
+              <a:t>la differenza  di costo per lo stesso data set anonimizzato con lo stesso parametro k varia nell’ordine di un migliaio mentre invece</a:t>
+            </a:r>
+          </a:p>
+          <a:p>
+            <a:pPr algn="just"/>
+            <a:r>
+              <a:rPr lang="it-IT" sz="1200" dirty="0"/>
+              <a:t>le differenze nei tempi di produzione del grafo anonimizzato incrementa fino a raddoppiare nella media i tempi</a:t>
+            </a:r>
+          </a:p>
+          <a:p>
+            <a:endParaRPr lang="it-IT" dirty="0"/>
+          </a:p>
+        </p:txBody>
+      </p:sp>
+      <p:sp>
+        <p:nvSpPr>
+          <p:cNvPr id="4" name="Segnaposto numero diapositiva 3"/>
+          <p:cNvSpPr>
+            <a:spLocks noGrp="1"/>
+          </p:cNvSpPr>
+          <p:nvPr>
+            <p:ph type="sldNum" sz="quarter" idx="5"/>
+          </p:nvPr>
+        </p:nvSpPr>
+        <p:spPr/>
+        <p:txBody>
+          <a:bodyPr/>
+          <a:lstStyle/>
+          <a:p>
+            <a:fld id="{432709A9-B521-EB4C-B992-CAA49A2F48FB}" type="slidenum">
+              <a:rPr lang="it-IT" smtClean="0"/>
+              <a:t>25</a:t>
+            </a:fld>
+            <a:endParaRPr lang="it-IT"/>
+          </a:p>
+        </p:txBody>
+      </p:sp>
+    </p:spTree>
+    <p:extLst>
+      <p:ext uri="{BB962C8B-B14F-4D97-AF65-F5344CB8AC3E}">
+        <p14:creationId xmlns:p14="http://schemas.microsoft.com/office/powerpoint/2010/main" val="105397078"/>
+      </p:ext>
+    </p:extLst>
+  </p:cSld>
+  <p:clrMapOvr>
+    <a:masterClrMapping/>
+  </p:clrMapOvr>
+</p:notes>
+</file>
+
+<file path=ppt/notesSlides/notesSlide17.xml><?xml version="1.0" encoding="utf-8"?>
+<p:notes xmlns:a="http://schemas.openxmlformats.org/drawingml/2006/main" xmlns:r="http://schemas.openxmlformats.org/officeDocument/2006/relationships" xmlns:p="http://schemas.openxmlformats.org/presentationml/2006/main">
+  <p:cSld>
+    <p:spTree>
+      <p:nvGrpSpPr>
+        <p:cNvPr id="1" name=""/>
+        <p:cNvGrpSpPr/>
+        <p:nvPr/>
+      </p:nvGrpSpPr>
+      <p:grpSpPr>
+        <a:xfrm>
+          <a:off x="0" y="0"/>
+          <a:ext cx="0" cy="0"/>
+          <a:chOff x="0" y="0"/>
+          <a:chExt cx="0" cy="0"/>
+        </a:xfrm>
+      </p:grpSpPr>
+      <p:sp>
+        <p:nvSpPr>
+          <p:cNvPr id="2" name="Segnaposto immagine diapositiva 1"/>
+          <p:cNvSpPr>
+            <a:spLocks noGrp="1" noRot="1" noChangeAspect="1"/>
+          </p:cNvSpPr>
+          <p:nvPr>
+            <p:ph type="sldImg"/>
+          </p:nvPr>
+        </p:nvSpPr>
+        <p:spPr/>
+      </p:sp>
+      <p:sp>
+        <p:nvSpPr>
+          <p:cNvPr id="3" name="Segnaposto note 2"/>
+          <p:cNvSpPr>
+            <a:spLocks noGrp="1"/>
+          </p:cNvSpPr>
+          <p:nvPr>
+            <p:ph type="body" idx="1"/>
+          </p:nvPr>
+        </p:nvSpPr>
+        <p:spPr/>
+        <p:txBody>
+          <a:bodyPr/>
+          <a:lstStyle/>
+          <a:p>
+            <a:pPr lvl="0" algn="just"/>
+            <a:r>
+              <a:rPr lang="it-IT" dirty="0"/>
+              <a:t>Nel caso di frequenti analisi su data set estesi è consigliabile l’utilizzo di una combinazione </a:t>
+            </a:r>
+            <a:r>
+              <a:rPr lang="it-IT" b="1" dirty="0"/>
+              <a:t>DP – </a:t>
+            </a:r>
+            <a:r>
+              <a:rPr lang="it-IT" b="1" dirty="0" err="1"/>
+              <a:t>Construct</a:t>
+            </a:r>
+            <a:r>
+              <a:rPr lang="it-IT" b="1" dirty="0"/>
+              <a:t> </a:t>
+            </a:r>
+            <a:r>
+              <a:rPr lang="it-IT" dirty="0"/>
+              <a:t>per non incombere in tempi computazionali troppo elevati mantenendo un costo di </a:t>
+            </a:r>
+            <a:r>
+              <a:rPr lang="it-IT" dirty="0" err="1"/>
+              <a:t>anonimizzazione</a:t>
+            </a:r>
+            <a:r>
+              <a:rPr lang="it-IT" dirty="0"/>
+              <a:t> ottimo</a:t>
+            </a:r>
+          </a:p>
+        </p:txBody>
+      </p:sp>
+      <p:sp>
+        <p:nvSpPr>
+          <p:cNvPr id="4" name="Segnaposto numero diapositiva 3"/>
+          <p:cNvSpPr>
+            <a:spLocks noGrp="1"/>
+          </p:cNvSpPr>
+          <p:nvPr>
+            <p:ph type="sldNum" sz="quarter" idx="5"/>
+          </p:nvPr>
+        </p:nvSpPr>
+        <p:spPr/>
+        <p:txBody>
+          <a:bodyPr/>
+          <a:lstStyle/>
+          <a:p>
+            <a:fld id="{432709A9-B521-EB4C-B992-CAA49A2F48FB}" type="slidenum">
+              <a:rPr lang="it-IT" smtClean="0"/>
+              <a:t>27</a:t>
+            </a:fld>
+            <a:endParaRPr lang="it-IT"/>
+          </a:p>
+        </p:txBody>
+      </p:sp>
+    </p:spTree>
+    <p:extLst>
+      <p:ext uri="{BB962C8B-B14F-4D97-AF65-F5344CB8AC3E}">
+        <p14:creationId xmlns:p14="http://schemas.microsoft.com/office/powerpoint/2010/main" val="4080114310"/>
+      </p:ext>
+    </p:extLst>
+  </p:cSld>
+  <p:clrMapOvr>
+    <a:masterClrMapping/>
+  </p:clrMapOvr>
+</p:notes>
+</file>
+
+<file path=ppt/notesSlides/notesSlide18.xml><?xml version="1.0" encoding="utf-8"?>
+<p:notes xmlns:a="http://schemas.openxmlformats.org/drawingml/2006/main" xmlns:r="http://schemas.openxmlformats.org/officeDocument/2006/relationships" xmlns:p="http://schemas.openxmlformats.org/presentationml/2006/main">
+  <p:cSld>
+    <p:spTree>
+      <p:nvGrpSpPr>
+        <p:cNvPr id="1" name=""/>
+        <p:cNvGrpSpPr/>
+        <p:nvPr/>
+      </p:nvGrpSpPr>
+      <p:grpSpPr>
+        <a:xfrm>
+          <a:off x="0" y="0"/>
+          <a:ext cx="0" cy="0"/>
+          <a:chOff x="0" y="0"/>
+          <a:chExt cx="0" cy="0"/>
+        </a:xfrm>
+      </p:grpSpPr>
+      <p:sp>
+        <p:nvSpPr>
+          <p:cNvPr id="2" name="Segnaposto immagine diapositiva 1"/>
+          <p:cNvSpPr>
+            <a:spLocks noGrp="1" noRot="1" noChangeAspect="1"/>
+          </p:cNvSpPr>
+          <p:nvPr>
+            <p:ph type="sldImg"/>
+          </p:nvPr>
+        </p:nvSpPr>
+        <p:spPr/>
+      </p:sp>
+      <p:sp>
+        <p:nvSpPr>
+          <p:cNvPr id="3" name="Segnaposto note 2"/>
+          <p:cNvSpPr>
+            <a:spLocks noGrp="1"/>
+          </p:cNvSpPr>
+          <p:nvPr>
+            <p:ph type="body" idx="1"/>
+          </p:nvPr>
+        </p:nvSpPr>
+        <p:spPr/>
+        <p:txBody>
+          <a:bodyPr/>
+          <a:lstStyle/>
+          <a:p>
+            <a:pPr marL="0" marR="0" lvl="0" indent="0" algn="l" defTabSz="914400" rtl="0" eaLnBrk="1" fontAlgn="auto" latinLnBrk="0" hangingPunct="1">
+              <a:lnSpc>
+                <a:spcPct val="100000"/>
+              </a:lnSpc>
+              <a:spcBef>
+                <a:spcPts val="0"/>
+              </a:spcBef>
+              <a:spcAft>
+                <a:spcPts val="0"/>
+              </a:spcAft>
+              <a:buClrTx/>
+              <a:buSzTx/>
+              <a:buFontTx/>
+              <a:buNone/>
+              <a:tabLst/>
+              <a:defRPr/>
+            </a:pPr>
+            <a:r>
+              <a:rPr lang="it-IT" dirty="0"/>
+              <a:t>Nel caso di dati molto affidabili e coerenti con il grafo di provenienza, la scelta consigliata dai dati ottenuti risulta essere l’utilizzo della combinazione </a:t>
+            </a:r>
+            <a:r>
+              <a:rPr lang="it-IT" b="1" dirty="0" err="1"/>
+              <a:t>Greedy</a:t>
+            </a:r>
+            <a:r>
+              <a:rPr lang="it-IT" b="1" dirty="0"/>
+              <a:t> – </a:t>
+            </a:r>
+            <a:r>
+              <a:rPr lang="it-IT" b="1" dirty="0" err="1"/>
+              <a:t>Priority</a:t>
+            </a:r>
+            <a:r>
+              <a:rPr lang="it-IT" b="1" dirty="0"/>
+              <a:t> </a:t>
+            </a:r>
+            <a:r>
+              <a:rPr lang="it-IT" dirty="0"/>
+              <a:t>che conferisce tempi medi di esecuzione leggermente più alti di quelli ottenuti con il    caso precedente, introducendo però la coerenza dei dati.</a:t>
+            </a:r>
+          </a:p>
+          <a:p>
+            <a:endParaRPr lang="it-IT" dirty="0"/>
+          </a:p>
+        </p:txBody>
+      </p:sp>
+      <p:sp>
+        <p:nvSpPr>
+          <p:cNvPr id="4" name="Segnaposto numero diapositiva 3"/>
+          <p:cNvSpPr>
+            <a:spLocks noGrp="1"/>
+          </p:cNvSpPr>
+          <p:nvPr>
+            <p:ph type="sldNum" sz="quarter" idx="5"/>
+          </p:nvPr>
+        </p:nvSpPr>
+        <p:spPr/>
+        <p:txBody>
+          <a:bodyPr/>
+          <a:lstStyle/>
+          <a:p>
+            <a:fld id="{432709A9-B521-EB4C-B992-CAA49A2F48FB}" type="slidenum">
+              <a:rPr lang="it-IT" smtClean="0"/>
+              <a:t>28</a:t>
+            </a:fld>
+            <a:endParaRPr lang="it-IT"/>
+          </a:p>
+        </p:txBody>
+      </p:sp>
+    </p:spTree>
+    <p:extLst>
+      <p:ext uri="{BB962C8B-B14F-4D97-AF65-F5344CB8AC3E}">
+        <p14:creationId xmlns:p14="http://schemas.microsoft.com/office/powerpoint/2010/main" val="449876707"/>
+      </p:ext>
+    </p:extLst>
+  </p:cSld>
+  <p:clrMapOvr>
+    <a:masterClrMapping/>
+  </p:clrMapOvr>
+</p:notes>
+</file>
+
+<file path=ppt/notesSlides/notesSlide19.xml><?xml version="1.0" encoding="utf-8"?>
+<p:notes xmlns:a="http://schemas.openxmlformats.org/drawingml/2006/main" xmlns:r="http://schemas.openxmlformats.org/officeDocument/2006/relationships" xmlns:p="http://schemas.openxmlformats.org/presentationml/2006/main">
+  <p:cSld>
+    <p:spTree>
+      <p:nvGrpSpPr>
+        <p:cNvPr id="1" name=""/>
+        <p:cNvGrpSpPr/>
+        <p:nvPr/>
+      </p:nvGrpSpPr>
+      <p:grpSpPr>
+        <a:xfrm>
+          <a:off x="0" y="0"/>
+          <a:ext cx="0" cy="0"/>
+          <a:chOff x="0" y="0"/>
+          <a:chExt cx="0" cy="0"/>
+        </a:xfrm>
+      </p:grpSpPr>
+      <p:sp>
+        <p:nvSpPr>
+          <p:cNvPr id="2" name="Segnaposto immagine diapositiva 1"/>
+          <p:cNvSpPr>
+            <a:spLocks noGrp="1" noRot="1" noChangeAspect="1"/>
+          </p:cNvSpPr>
+          <p:nvPr>
+            <p:ph type="sldImg"/>
+          </p:nvPr>
+        </p:nvSpPr>
+        <p:spPr/>
+      </p:sp>
+      <p:sp>
+        <p:nvSpPr>
+          <p:cNvPr id="3" name="Segnaposto note 2"/>
+          <p:cNvSpPr>
+            <a:spLocks noGrp="1"/>
+          </p:cNvSpPr>
+          <p:nvPr>
+            <p:ph type="body" idx="1"/>
+          </p:nvPr>
+        </p:nvSpPr>
+        <p:spPr/>
+        <p:txBody>
+          <a:bodyPr/>
+          <a:lstStyle/>
+          <a:p>
+            <a:pPr marL="0" marR="0" lvl="0" indent="0" algn="l" defTabSz="914400" rtl="0" eaLnBrk="1" fontAlgn="auto" latinLnBrk="0" hangingPunct="1">
+              <a:lnSpc>
+                <a:spcPct val="100000"/>
+              </a:lnSpc>
+              <a:spcBef>
+                <a:spcPts val="0"/>
+              </a:spcBef>
+              <a:spcAft>
+                <a:spcPts val="0"/>
+              </a:spcAft>
+              <a:buClrTx/>
+              <a:buSzTx/>
+              <a:buFontTx/>
+              <a:buNone/>
+              <a:tabLst/>
+              <a:defRPr/>
+            </a:pPr>
+            <a:r>
+              <a:rPr lang="it-IT" dirty="0"/>
+              <a:t>Per </a:t>
+            </a:r>
+            <a:r>
+              <a:rPr lang="it-IT" dirty="0" err="1"/>
+              <a:t>anonimizzazioni</a:t>
+            </a:r>
+            <a:r>
+              <a:rPr lang="it-IT" dirty="0"/>
+              <a:t> rapide su data set molto estesi (utile ad esempio per un web  service) la soluzione migliore risulta essere la combinazione </a:t>
+            </a:r>
+            <a:r>
+              <a:rPr lang="it-IT" b="1" dirty="0" err="1"/>
+              <a:t>Greedy</a:t>
+            </a:r>
+            <a:r>
+              <a:rPr lang="it-IT" b="1" dirty="0"/>
+              <a:t> – </a:t>
+            </a:r>
+            <a:r>
+              <a:rPr lang="it-IT" b="1" dirty="0" err="1"/>
+              <a:t>Construct</a:t>
+            </a:r>
+            <a:r>
+              <a:rPr lang="it-IT" dirty="0"/>
+              <a:t>.</a:t>
+            </a:r>
+          </a:p>
+          <a:p>
+            <a:endParaRPr lang="it-IT" dirty="0"/>
+          </a:p>
+        </p:txBody>
+      </p:sp>
+      <p:sp>
+        <p:nvSpPr>
+          <p:cNvPr id="4" name="Segnaposto numero diapositiva 3"/>
+          <p:cNvSpPr>
+            <a:spLocks noGrp="1"/>
+          </p:cNvSpPr>
+          <p:nvPr>
+            <p:ph type="sldNum" sz="quarter" idx="5"/>
+          </p:nvPr>
+        </p:nvSpPr>
+        <p:spPr/>
+        <p:txBody>
+          <a:bodyPr/>
+          <a:lstStyle/>
+          <a:p>
+            <a:fld id="{432709A9-B521-EB4C-B992-CAA49A2F48FB}" type="slidenum">
+              <a:rPr lang="it-IT" smtClean="0"/>
+              <a:t>29</a:t>
+            </a:fld>
+            <a:endParaRPr lang="it-IT"/>
+          </a:p>
+        </p:txBody>
+      </p:sp>
+    </p:spTree>
+    <p:extLst>
+      <p:ext uri="{BB962C8B-B14F-4D97-AF65-F5344CB8AC3E}">
+        <p14:creationId xmlns:p14="http://schemas.microsoft.com/office/powerpoint/2010/main" val="414879401"/>
       </p:ext>
     </p:extLst>
   </p:cSld>
@@ -1265,6 +1928,126 @@
     <p:extLst>
       <p:ext uri="{BB962C8B-B14F-4D97-AF65-F5344CB8AC3E}">
         <p14:creationId xmlns:p14="http://schemas.microsoft.com/office/powerpoint/2010/main" val="1133634285"/>
+      </p:ext>
+    </p:extLst>
+  </p:cSld>
+  <p:clrMapOvr>
+    <a:masterClrMapping/>
+  </p:clrMapOvr>
+</p:notes>
+</file>
+
+<file path=ppt/notesSlides/notesSlide20.xml><?xml version="1.0" encoding="utf-8"?>
+<p:notes xmlns:a="http://schemas.openxmlformats.org/drawingml/2006/main" xmlns:r="http://schemas.openxmlformats.org/officeDocument/2006/relationships" xmlns:p="http://schemas.openxmlformats.org/presentationml/2006/main">
+  <p:cSld>
+    <p:spTree>
+      <p:nvGrpSpPr>
+        <p:cNvPr id="1" name=""/>
+        <p:cNvGrpSpPr/>
+        <p:nvPr/>
+      </p:nvGrpSpPr>
+      <p:grpSpPr>
+        <a:xfrm>
+          <a:off x="0" y="0"/>
+          <a:ext cx="0" cy="0"/>
+          <a:chOff x="0" y="0"/>
+          <a:chExt cx="0" cy="0"/>
+        </a:xfrm>
+      </p:grpSpPr>
+      <p:sp>
+        <p:nvSpPr>
+          <p:cNvPr id="2" name="Segnaposto immagine diapositiva 1"/>
+          <p:cNvSpPr>
+            <a:spLocks noGrp="1" noRot="1" noChangeAspect="1"/>
+          </p:cNvSpPr>
+          <p:nvPr>
+            <p:ph type="sldImg"/>
+          </p:nvPr>
+        </p:nvSpPr>
+        <p:spPr/>
+      </p:sp>
+      <p:sp>
+        <p:nvSpPr>
+          <p:cNvPr id="3" name="Segnaposto note 2"/>
+          <p:cNvSpPr>
+            <a:spLocks noGrp="1"/>
+          </p:cNvSpPr>
+          <p:nvPr>
+            <p:ph type="body" idx="1"/>
+          </p:nvPr>
+        </p:nvSpPr>
+        <p:spPr/>
+        <p:txBody>
+          <a:bodyPr/>
+          <a:lstStyle/>
+          <a:p>
+            <a:pPr marL="0" marR="0" lvl="0" indent="0" algn="l" defTabSz="914400" rtl="0" eaLnBrk="1" fontAlgn="auto" latinLnBrk="0" hangingPunct="1">
+              <a:lnSpc>
+                <a:spcPct val="100000"/>
+              </a:lnSpc>
+              <a:spcBef>
+                <a:spcPts val="0"/>
+              </a:spcBef>
+              <a:spcAft>
+                <a:spcPts val="0"/>
+              </a:spcAft>
+              <a:buClrTx/>
+              <a:buSzTx/>
+              <a:buFontTx/>
+              <a:buNone/>
+              <a:tabLst/>
+              <a:defRPr/>
+            </a:pPr>
+            <a:r>
+              <a:rPr lang="it-IT" dirty="0"/>
+              <a:t>Per la massima precisione e coerenza dei dati è necessario utilizzare </a:t>
+            </a:r>
+            <a:r>
+              <a:rPr lang="it-IT" b="1" dirty="0"/>
+              <a:t>DP – </a:t>
+            </a:r>
+            <a:r>
+              <a:rPr lang="it-IT" b="1" dirty="0" err="1"/>
+              <a:t>Priority</a:t>
+            </a:r>
+            <a:r>
+              <a:rPr lang="it-IT" b="1" dirty="0"/>
+              <a:t> </a:t>
+            </a:r>
+            <a:r>
+              <a:rPr lang="it-IT" dirty="0"/>
+              <a:t>al  costo di tempi di esecuzione molto elevati su istanze anche non estremamente estese.</a:t>
+            </a:r>
+          </a:p>
+        </p:txBody>
+      </p:sp>
+      <p:sp>
+        <p:nvSpPr>
+          <p:cNvPr id="4" name="Segnaposto numero diapositiva 3"/>
+          <p:cNvSpPr>
+            <a:spLocks noGrp="1"/>
+          </p:cNvSpPr>
+          <p:nvPr>
+            <p:ph type="sldNum" sz="quarter" idx="5"/>
+          </p:nvPr>
+        </p:nvSpPr>
+        <p:spPr/>
+        <p:txBody>
+          <a:bodyPr/>
+          <a:lstStyle/>
+          <a:p>
+            <a:fld id="{432709A9-B521-EB4C-B992-CAA49A2F48FB}" type="slidenum">
+              <a:rPr lang="it-IT" smtClean="0"/>
+              <a:t>30</a:t>
+            </a:fld>
+            <a:endParaRPr lang="it-IT"/>
+          </a:p>
+        </p:txBody>
+      </p:sp>
+    </p:spTree>
+    <p:extLst>
+      <p:ext uri="{BB962C8B-B14F-4D97-AF65-F5344CB8AC3E}">
+        <p14:creationId xmlns:p14="http://schemas.microsoft.com/office/powerpoint/2010/main" val="1511188792"/>
       </p:ext>
     </p:extLst>
   </p:cSld>
@@ -2660,7 +3443,7 @@
           <a:p>
             <a:fld id="{DF8C5CDB-1AEF-4522-8EAF-CE1F4E5D863E}" type="datetimeFigureOut">
               <a:rPr lang="ko-KR" altLang="en-US" smtClean="0"/>
-              <a:t>2019-03-15</a:t>
+              <a:t>2019-03-16</a:t>
             </a:fld>
             <a:endParaRPr lang="ko-KR" altLang="en-US"/>
           </a:p>
@@ -2840,7 +3623,7 @@
           <a:p>
             <a:fld id="{DF8C5CDB-1AEF-4522-8EAF-CE1F4E5D863E}" type="datetimeFigureOut">
               <a:rPr lang="ko-KR" altLang="en-US" smtClean="0"/>
-              <a:t>2019-03-15</a:t>
+              <a:t>2019-03-16</a:t>
             </a:fld>
             <a:endParaRPr lang="ko-KR" altLang="en-US"/>
           </a:p>
@@ -3019,7 +3802,7 @@
           <a:p>
             <a:fld id="{DF8C5CDB-1AEF-4522-8EAF-CE1F4E5D863E}" type="datetimeFigureOut">
               <a:rPr lang="ko-KR" altLang="en-US" smtClean="0"/>
-              <a:t>2019-03-15</a:t>
+              <a:t>2019-03-16</a:t>
             </a:fld>
             <a:endParaRPr lang="ko-KR" altLang="en-US"/>
           </a:p>
@@ -3301,7 +4084,7 @@
           <a:p>
             <a:fld id="{DF8C5CDB-1AEF-4522-8EAF-CE1F4E5D863E}" type="datetimeFigureOut">
               <a:rPr lang="ko-KR" altLang="en-US" smtClean="0"/>
-              <a:t>2019-03-15</a:t>
+              <a:t>2019-03-16</a:t>
             </a:fld>
             <a:endParaRPr lang="ko-KR" altLang="en-US"/>
           </a:p>
@@ -3589,7 +4372,7 @@
           <a:p>
             <a:fld id="{DF8C5CDB-1AEF-4522-8EAF-CE1F4E5D863E}" type="datetimeFigureOut">
               <a:rPr lang="ko-KR" altLang="en-US" smtClean="0"/>
-              <a:t>2019-03-15</a:t>
+              <a:t>2019-03-16</a:t>
             </a:fld>
             <a:endParaRPr lang="ko-KR" altLang="en-US"/>
           </a:p>
@@ -4016,7 +4799,7 @@
           <a:p>
             <a:fld id="{DF8C5CDB-1AEF-4522-8EAF-CE1F4E5D863E}" type="datetimeFigureOut">
               <a:rPr lang="ko-KR" altLang="en-US" smtClean="0"/>
-              <a:t>2019-03-15</a:t>
+              <a:t>2019-03-16</a:t>
             </a:fld>
             <a:endParaRPr lang="ko-KR" altLang="en-US"/>
           </a:p>
@@ -4134,7 +4917,7 @@
           <a:p>
             <a:fld id="{DF8C5CDB-1AEF-4522-8EAF-CE1F4E5D863E}" type="datetimeFigureOut">
               <a:rPr lang="ko-KR" altLang="en-US" smtClean="0"/>
-              <a:t>2019-03-15</a:t>
+              <a:t>2019-03-16</a:t>
             </a:fld>
             <a:endParaRPr lang="ko-KR" altLang="en-US"/>
           </a:p>
@@ -4229,7 +5012,7 @@
           <a:p>
             <a:fld id="{DF8C5CDB-1AEF-4522-8EAF-CE1F4E5D863E}" type="datetimeFigureOut">
               <a:rPr lang="ko-KR" altLang="en-US" smtClean="0"/>
-              <a:t>2019-03-15</a:t>
+              <a:t>2019-03-16</a:t>
             </a:fld>
             <a:endParaRPr lang="ko-KR" altLang="en-US"/>
           </a:p>
@@ -4506,7 +5289,7 @@
           <a:p>
             <a:fld id="{DF8C5CDB-1AEF-4522-8EAF-CE1F4E5D863E}" type="datetimeFigureOut">
               <a:rPr lang="ko-KR" altLang="en-US" smtClean="0"/>
-              <a:t>2019-03-15</a:t>
+              <a:t>2019-03-16</a:t>
             </a:fld>
             <a:endParaRPr lang="ko-KR" altLang="en-US"/>
           </a:p>
@@ -4759,7 +5542,7 @@
           <a:p>
             <a:fld id="{DF8C5CDB-1AEF-4522-8EAF-CE1F4E5D863E}" type="datetimeFigureOut">
               <a:rPr lang="ko-KR" altLang="en-US" smtClean="0"/>
-              <a:t>2019-03-15</a:t>
+              <a:t>2019-03-16</a:t>
             </a:fld>
             <a:endParaRPr lang="ko-KR" altLang="en-US"/>
           </a:p>
@@ -4981,7 +5764,7 @@
           <a:p>
             <a:fld id="{DF8C5CDB-1AEF-4522-8EAF-CE1F4E5D863E}" type="datetimeFigureOut">
               <a:rPr lang="ko-KR" altLang="en-US" smtClean="0"/>
-              <a:t>2019-03-15</a:t>
+              <a:t>2019-03-16</a:t>
             </a:fld>
             <a:endParaRPr lang="ko-KR" altLang="en-US"/>
           </a:p>
@@ -7172,7 +7955,7 @@
           </a:bodyPr>
           <a:lstStyle/>
           <a:p>
-            <a:pPr marL="0" indent="0" algn="ctr">
+            <a:pPr marL="0" indent="0">
               <a:buNone/>
             </a:pPr>
             <a:r>
@@ -7462,12 +8245,8 @@
           <a:p>
             <a:pPr algn="just"/>
             <a:r>
-              <a:rPr lang="it-IT" b="1" dirty="0"/>
-              <a:t>Ma</a:t>
-            </a:r>
-            <a:r>
               <a:rPr lang="it-IT" dirty="0"/>
-              <a:t>: gli </a:t>
+              <a:t>Gli </a:t>
             </a:r>
             <a:r>
               <a:rPr lang="it-IT" b="1" dirty="0"/>
@@ -7483,7 +8262,7 @@
             </a:r>
             <a:r>
               <a:rPr lang="it-IT" dirty="0"/>
-              <a:t>   avranno alcun </a:t>
+              <a:t> avranno alcun </a:t>
             </a:r>
             <a:r>
               <a:rPr lang="it-IT" b="1" dirty="0"/>
@@ -7491,7 +8270,7 @@
             </a:r>
             <a:r>
               <a:rPr lang="it-IT" dirty="0"/>
-              <a:t> con     quelli presenti nel grafo originale  non anonimizzato</a:t>
+              <a:t> con quelli presenti nel grafo originale non anonimizzato</a:t>
             </a:r>
           </a:p>
         </p:txBody>
@@ -7545,6 +8324,42 @@
           <a:p>
             <a:pPr algn="ctr"/>
             <a:endParaRPr lang="it-IT"/>
+          </a:p>
+        </p:txBody>
+      </p:sp>
+      <p:sp>
+        <p:nvSpPr>
+          <p:cNvPr id="9" name="Rettangolo 8">
+            <a:extLst>
+              <a:ext uri="{FF2B5EF4-FFF2-40B4-BE49-F238E27FC236}">
+                <a16:creationId xmlns:a16="http://schemas.microsoft.com/office/drawing/2014/main" id="{BF690ECC-F9BF-4243-8C75-74D96F6F8784}"/>
+              </a:ext>
+            </a:extLst>
+          </p:cNvPr>
+          <p:cNvSpPr/>
+          <p:nvPr/>
+        </p:nvSpPr>
+        <p:spPr>
+          <a:xfrm>
+            <a:off x="4241158" y="2902281"/>
+            <a:ext cx="618443" cy="369332"/>
+          </a:xfrm>
+          <a:prstGeom prst="rect">
+            <a:avLst/>
+          </a:prstGeom>
+        </p:spPr>
+        <p:txBody>
+          <a:bodyPr wrap="square">
+            <a:spAutoFit/>
+          </a:bodyPr>
+          <a:lstStyle/>
+          <a:p>
+            <a:pPr algn="just"/>
+            <a:r>
+              <a:rPr lang="it-IT" b="1" dirty="0"/>
+              <a:t>MA</a:t>
+            </a:r>
+            <a:endParaRPr lang="it-IT" dirty="0"/>
           </a:p>
         </p:txBody>
       </p:sp>
@@ -7894,6 +8709,79 @@
                                   </p:childTnLst>
                                 </p:cTn>
                               </p:par>
+                              <p:par>
+                                <p:cTn id="26" presetID="2" presetClass="entr" presetSubtype="8" fill="hold" grpId="0" nodeType="withEffect">
+                                  <p:stCondLst>
+                                    <p:cond delay="0"/>
+                                  </p:stCondLst>
+                                  <p:childTnLst>
+                                    <p:set>
+                                      <p:cBhvr>
+                                        <p:cTn id="27" dur="1" fill="hold">
+                                          <p:stCondLst>
+                                            <p:cond delay="0"/>
+                                          </p:stCondLst>
+                                        </p:cTn>
+                                        <p:tgtEl>
+                                          <p:spTgt spid="9"/>
+                                        </p:tgtEl>
+                                        <p:attrNameLst>
+                                          <p:attrName>style.visibility</p:attrName>
+                                        </p:attrNameLst>
+                                      </p:cBhvr>
+                                      <p:to>
+                                        <p:strVal val="visible"/>
+                                      </p:to>
+                                    </p:set>
+                                    <p:anim calcmode="lin" valueType="num">
+                                      <p:cBhvr additive="base">
+                                        <p:cTn id="28" dur="500" fill="hold"/>
+                                        <p:tgtEl>
+                                          <p:spTgt spid="9"/>
+                                        </p:tgtEl>
+                                        <p:attrNameLst>
+                                          <p:attrName>ppt_x</p:attrName>
+                                        </p:attrNameLst>
+                                      </p:cBhvr>
+                                      <p:tavLst>
+                                        <p:tav tm="0">
+                                          <p:val>
+                                            <p:strVal val="0-#ppt_w/2"/>
+                                          </p:val>
+                                        </p:tav>
+                                        <p:tav tm="100000">
+                                          <p:val>
+                                            <p:strVal val="#ppt_x"/>
+                                          </p:val>
+                                        </p:tav>
+                                      </p:tavLst>
+                                    </p:anim>
+                                    <p:anim calcmode="lin" valueType="num">
+                                      <p:cBhvr additive="base">
+                                        <p:cTn id="29" dur="500" fill="hold"/>
+                                        <p:tgtEl>
+                                          <p:spTgt spid="9"/>
+                                        </p:tgtEl>
+                                        <p:attrNameLst>
+                                          <p:attrName>ppt_y</p:attrName>
+                                        </p:attrNameLst>
+                                      </p:cBhvr>
+                                      <p:tavLst>
+                                        <p:tav tm="0">
+                                          <p:val>
+                                            <p:strVal val="#ppt_y"/>
+                                          </p:val>
+                                        </p:tav>
+                                        <p:tav tm="100000">
+                                          <p:val>
+                                            <p:strVal val="#ppt_y"/>
+                                          </p:val>
+                                        </p:tav>
+                                      </p:tavLst>
+                                    </p:anim>
+                                  </p:childTnLst>
+                                </p:cTn>
+                              </p:par>
                             </p:childTnLst>
                           </p:cTn>
                         </p:par>
@@ -7901,26 +8789,26 @@
                     </p:cTn>
                   </p:par>
                   <p:par>
-                    <p:cTn id="26" fill="hold">
+                    <p:cTn id="30" fill="hold">
                       <p:stCondLst>
                         <p:cond delay="indefinite"/>
                       </p:stCondLst>
                       <p:childTnLst>
                         <p:par>
-                          <p:cTn id="27" fill="hold">
+                          <p:cTn id="31" fill="hold">
                             <p:stCondLst>
                               <p:cond delay="0"/>
                             </p:stCondLst>
                             <p:childTnLst>
                               <p:par>
-                                <p:cTn id="28" presetID="2" presetClass="entr" presetSubtype="2" fill="hold" grpId="0" nodeType="clickEffect">
+                                <p:cTn id="32" presetID="2" presetClass="entr" presetSubtype="2" fill="hold" grpId="0" nodeType="clickEffect">
                                   <p:stCondLst>
                                     <p:cond delay="0"/>
                                   </p:stCondLst>
                                   <p:childTnLst>
                                     <p:set>
                                       <p:cBhvr>
-                                        <p:cTn id="29" dur="1" fill="hold">
+                                        <p:cTn id="33" dur="1" fill="hold">
                                           <p:stCondLst>
                                             <p:cond delay="0"/>
                                           </p:stCondLst>
@@ -7938,7 +8826,7 @@
                                     </p:set>
                                     <p:anim calcmode="lin" valueType="num">
                                       <p:cBhvr additive="base">
-                                        <p:cTn id="30" dur="500" fill="hold"/>
+                                        <p:cTn id="34" dur="500" fill="hold"/>
                                         <p:tgtEl>
                                           <p:spTgt spid="7"/>
                                         </p:tgtEl>
@@ -7961,7 +8849,7 @@
                                     </p:anim>
                                     <p:anim calcmode="lin" valueType="num">
                                       <p:cBhvr additive="base">
-                                        <p:cTn id="31" dur="500" fill="hold"/>
+                                        <p:cTn id="35" dur="500" fill="hold"/>
                                         <p:tgtEl>
                                           <p:spTgt spid="7"/>
                                         </p:tgtEl>
@@ -8018,6 +8906,7 @@
       <p:bldP spid="6" grpId="0" animBg="1"/>
       <p:bldP spid="7" grpId="0"/>
       <p:bldP spid="8" grpId="0" animBg="1"/>
+      <p:bldP spid="9" grpId="0"/>
     </p:bldLst>
   </p:timing>
 </p:sld>
@@ -8085,8 +8974,8 @@
         </p:nvSpPr>
         <p:spPr>
           <a:xfrm>
-            <a:off x="457200" y="1200151"/>
-            <a:ext cx="8229600" cy="3394472"/>
+            <a:off x="5076362" y="2191727"/>
+            <a:ext cx="3600400" cy="1316127"/>
           </a:xfrm>
         </p:spPr>
         <p:txBody>
@@ -8095,71 +8984,786 @@
           </a:bodyPr>
           <a:lstStyle/>
           <a:p>
-            <a:pPr marL="285750" indent="-285750" algn="just"/>
+            <a:pPr marL="0" indent="0" algn="just">
+              <a:buNone/>
+            </a:pPr>
             <a:r>
               <a:rPr lang="it-IT" sz="2000" dirty="0">
                 <a:ea typeface="맑은 고딕"/>
               </a:rPr>
-              <a:t>Parte dal grafo originale</a:t>
-            </a:r>
-          </a:p>
-          <a:p>
-            <a:pPr marL="285750" indent="-285750" algn="just"/>
-            <a:r>
-              <a:rPr lang="it-IT" sz="2000" dirty="0">
+              <a:t>Valutando per ogni nodo l’introduzione di ogni arco possibile, fino a raggiungere il grado richiesto</a:t>
+            </a:r>
+          </a:p>
+          <a:p>
+            <a:pPr marL="0" indent="0" algn="just">
+              <a:buNone/>
+            </a:pPr>
+            <a:endParaRPr lang="it-IT" sz="2000" dirty="0">
+              <a:ea typeface="맑은 고딕"/>
+            </a:endParaRPr>
+          </a:p>
+        </p:txBody>
+      </p:sp>
+      <p:sp>
+        <p:nvSpPr>
+          <p:cNvPr id="8" name="Segnaposto contenuto 2">
+            <a:extLst>
+              <a:ext uri="{FF2B5EF4-FFF2-40B4-BE49-F238E27FC236}">
+                <a16:creationId xmlns:a16="http://schemas.microsoft.com/office/drawing/2014/main" id="{E62D292D-83CB-4ED4-9E10-DFFE302693F5}"/>
+              </a:ext>
+            </a:extLst>
+          </p:cNvPr>
+          <p:cNvSpPr txBox="1">
+            <a:spLocks/>
+          </p:cNvSpPr>
+          <p:nvPr/>
+        </p:nvSpPr>
+        <p:spPr>
+          <a:xfrm>
+            <a:off x="251520" y="1131590"/>
+            <a:ext cx="8640960" cy="576064"/>
+          </a:xfrm>
+          <a:prstGeom prst="rect">
+            <a:avLst/>
+          </a:prstGeom>
+        </p:spPr>
+        <p:txBody>
+          <a:bodyPr vert="horz" lIns="91440" tIns="45720" rIns="91440" bIns="45720" rtlCol="0">
+            <a:normAutofit/>
+          </a:bodyPr>
+          <a:lstStyle>
+            <a:lvl1pPr marL="342900" indent="-342900" algn="l" defTabSz="914400" rtl="0" eaLnBrk="1" latinLnBrk="1" hangingPunct="1">
+              <a:spcBef>
+                <a:spcPct val="20000"/>
+              </a:spcBef>
+              <a:buFont typeface="Arial" pitchFamily="34" charset="0"/>
+              <a:buChar char="•"/>
+              <a:defRPr sz="3200" kern="1200">
+                <a:solidFill>
+                  <a:schemeClr val="tx1"/>
+                </a:solidFill>
+                <a:latin typeface="+mn-lt"/>
+                <a:ea typeface="+mn-ea"/>
+                <a:cs typeface="+mn-cs"/>
+              </a:defRPr>
+            </a:lvl1pPr>
+            <a:lvl2pPr marL="742950" indent="-285750" algn="l" defTabSz="914400" rtl="0" eaLnBrk="1" latinLnBrk="1" hangingPunct="1">
+              <a:spcBef>
+                <a:spcPct val="20000"/>
+              </a:spcBef>
+              <a:buFont typeface="Arial" pitchFamily="34" charset="0"/>
+              <a:buChar char="–"/>
+              <a:defRPr sz="2800" kern="1200">
+                <a:solidFill>
+                  <a:schemeClr val="tx1"/>
+                </a:solidFill>
+                <a:latin typeface="+mn-lt"/>
+                <a:ea typeface="+mn-ea"/>
+                <a:cs typeface="+mn-cs"/>
+              </a:defRPr>
+            </a:lvl2pPr>
+            <a:lvl3pPr marL="1143000" indent="-228600" algn="l" defTabSz="914400" rtl="0" eaLnBrk="1" latinLnBrk="1" hangingPunct="1">
+              <a:spcBef>
+                <a:spcPct val="20000"/>
+              </a:spcBef>
+              <a:buFont typeface="Arial" pitchFamily="34" charset="0"/>
+              <a:buChar char="•"/>
+              <a:defRPr sz="2400" kern="1200">
+                <a:solidFill>
+                  <a:schemeClr val="tx1"/>
+                </a:solidFill>
+                <a:latin typeface="+mn-lt"/>
+                <a:ea typeface="+mn-ea"/>
+                <a:cs typeface="+mn-cs"/>
+              </a:defRPr>
+            </a:lvl3pPr>
+            <a:lvl4pPr marL="1600200" indent="-228600" algn="l" defTabSz="914400" rtl="0" eaLnBrk="1" latinLnBrk="1" hangingPunct="1">
+              <a:spcBef>
+                <a:spcPct val="20000"/>
+              </a:spcBef>
+              <a:buFont typeface="Arial" pitchFamily="34" charset="0"/>
+              <a:buChar char="–"/>
+              <a:defRPr sz="2000" kern="1200">
+                <a:solidFill>
+                  <a:schemeClr val="tx1"/>
+                </a:solidFill>
+                <a:latin typeface="+mn-lt"/>
+                <a:ea typeface="+mn-ea"/>
+                <a:cs typeface="+mn-cs"/>
+              </a:defRPr>
+            </a:lvl4pPr>
+            <a:lvl5pPr marL="2057400" indent="-228600" algn="l" defTabSz="914400" rtl="0" eaLnBrk="1" latinLnBrk="1" hangingPunct="1">
+              <a:spcBef>
+                <a:spcPct val="20000"/>
+              </a:spcBef>
+              <a:buFont typeface="Arial" pitchFamily="34" charset="0"/>
+              <a:buChar char="»"/>
+              <a:defRPr sz="2000" kern="1200">
+                <a:solidFill>
+                  <a:schemeClr val="tx1"/>
+                </a:solidFill>
+                <a:latin typeface="+mn-lt"/>
+                <a:ea typeface="+mn-ea"/>
+                <a:cs typeface="+mn-cs"/>
+              </a:defRPr>
+            </a:lvl5pPr>
+            <a:lvl6pPr marL="2514600" indent="-228600" algn="l" defTabSz="914400" rtl="0" eaLnBrk="1" latinLnBrk="1" hangingPunct="1">
+              <a:spcBef>
+                <a:spcPct val="20000"/>
+              </a:spcBef>
+              <a:buFont typeface="Arial" pitchFamily="34" charset="0"/>
+              <a:buChar char="•"/>
+              <a:defRPr sz="2000" kern="1200">
+                <a:solidFill>
+                  <a:schemeClr val="tx1"/>
+                </a:solidFill>
+                <a:latin typeface="+mn-lt"/>
+                <a:ea typeface="+mn-ea"/>
+                <a:cs typeface="+mn-cs"/>
+              </a:defRPr>
+            </a:lvl6pPr>
+            <a:lvl7pPr marL="2971800" indent="-228600" algn="l" defTabSz="914400" rtl="0" eaLnBrk="1" latinLnBrk="1" hangingPunct="1">
+              <a:spcBef>
+                <a:spcPct val="20000"/>
+              </a:spcBef>
+              <a:buFont typeface="Arial" pitchFamily="34" charset="0"/>
+              <a:buChar char="•"/>
+              <a:defRPr sz="2000" kern="1200">
+                <a:solidFill>
+                  <a:schemeClr val="tx1"/>
+                </a:solidFill>
+                <a:latin typeface="+mn-lt"/>
+                <a:ea typeface="+mn-ea"/>
+                <a:cs typeface="+mn-cs"/>
+              </a:defRPr>
+            </a:lvl7pPr>
+            <a:lvl8pPr marL="3429000" indent="-228600" algn="l" defTabSz="914400" rtl="0" eaLnBrk="1" latinLnBrk="1" hangingPunct="1">
+              <a:spcBef>
+                <a:spcPct val="20000"/>
+              </a:spcBef>
+              <a:buFont typeface="Arial" pitchFamily="34" charset="0"/>
+              <a:buChar char="•"/>
+              <a:defRPr sz="2000" kern="1200">
+                <a:solidFill>
+                  <a:schemeClr val="tx1"/>
+                </a:solidFill>
+                <a:latin typeface="+mn-lt"/>
+                <a:ea typeface="+mn-ea"/>
+                <a:cs typeface="+mn-cs"/>
+              </a:defRPr>
+            </a:lvl8pPr>
+            <a:lvl9pPr marL="3886200" indent="-228600" algn="l" defTabSz="914400" rtl="0" eaLnBrk="1" latinLnBrk="1" hangingPunct="1">
+              <a:spcBef>
+                <a:spcPct val="20000"/>
+              </a:spcBef>
+              <a:buFont typeface="Arial" pitchFamily="34" charset="0"/>
+              <a:buChar char="•"/>
+              <a:defRPr sz="2000" kern="1200">
+                <a:solidFill>
+                  <a:schemeClr val="tx1"/>
+                </a:solidFill>
+                <a:latin typeface="+mn-lt"/>
+                <a:ea typeface="+mn-ea"/>
+                <a:cs typeface="+mn-cs"/>
+              </a:defRPr>
+            </a:lvl9pPr>
+          </a:lstStyle>
+          <a:p>
+            <a:pPr marL="0" indent="0">
+              <a:buFont typeface="Arial" pitchFamily="34" charset="0"/>
+              <a:buNone/>
+            </a:pPr>
+            <a:r>
+              <a:rPr lang="it-IT" sz="2800" dirty="0"/>
+              <a:t>Partendo dal grafo originale</a:t>
+            </a:r>
+          </a:p>
+        </p:txBody>
+      </p:sp>
+      <p:sp>
+        <p:nvSpPr>
+          <p:cNvPr id="9" name="Segnaposto contenuto 2">
+            <a:extLst>
+              <a:ext uri="{FF2B5EF4-FFF2-40B4-BE49-F238E27FC236}">
+                <a16:creationId xmlns:a16="http://schemas.microsoft.com/office/drawing/2014/main" id="{EF7056F1-E9E8-4E1F-A3EE-701CE856EBB4}"/>
+              </a:ext>
+            </a:extLst>
+          </p:cNvPr>
+          <p:cNvSpPr txBox="1">
+            <a:spLocks/>
+          </p:cNvSpPr>
+          <p:nvPr/>
+        </p:nvSpPr>
+        <p:spPr>
+          <a:xfrm>
+            <a:off x="251216" y="2283718"/>
+            <a:ext cx="3780528" cy="1224136"/>
+          </a:xfrm>
+          <a:prstGeom prst="rect">
+            <a:avLst/>
+          </a:prstGeom>
+        </p:spPr>
+        <p:txBody>
+          <a:bodyPr vert="horz" lIns="91440" tIns="45720" rIns="91440" bIns="45720" rtlCol="0">
+            <a:noAutofit/>
+          </a:bodyPr>
+          <a:lstStyle>
+            <a:lvl1pPr marL="342900" indent="-342900" algn="l" defTabSz="914400" rtl="0" eaLnBrk="1" latinLnBrk="1" hangingPunct="1">
+              <a:spcBef>
+                <a:spcPct val="20000"/>
+              </a:spcBef>
+              <a:buFont typeface="Arial" pitchFamily="34" charset="0"/>
+              <a:buChar char="•"/>
+              <a:defRPr sz="3200" kern="1200">
+                <a:solidFill>
+                  <a:schemeClr val="tx1"/>
+                </a:solidFill>
+                <a:latin typeface="+mn-lt"/>
+                <a:ea typeface="+mn-ea"/>
+                <a:cs typeface="+mn-cs"/>
+              </a:defRPr>
+            </a:lvl1pPr>
+            <a:lvl2pPr marL="742950" indent="-285750" algn="l" defTabSz="914400" rtl="0" eaLnBrk="1" latinLnBrk="1" hangingPunct="1">
+              <a:spcBef>
+                <a:spcPct val="20000"/>
+              </a:spcBef>
+              <a:buFont typeface="Arial" pitchFamily="34" charset="0"/>
+              <a:buChar char="–"/>
+              <a:defRPr sz="2800" kern="1200">
+                <a:solidFill>
+                  <a:schemeClr val="tx1"/>
+                </a:solidFill>
+                <a:latin typeface="+mn-lt"/>
+                <a:ea typeface="+mn-ea"/>
+                <a:cs typeface="+mn-cs"/>
+              </a:defRPr>
+            </a:lvl2pPr>
+            <a:lvl3pPr marL="1143000" indent="-228600" algn="l" defTabSz="914400" rtl="0" eaLnBrk="1" latinLnBrk="1" hangingPunct="1">
+              <a:spcBef>
+                <a:spcPct val="20000"/>
+              </a:spcBef>
+              <a:buFont typeface="Arial" pitchFamily="34" charset="0"/>
+              <a:buChar char="•"/>
+              <a:defRPr sz="2400" kern="1200">
+                <a:solidFill>
+                  <a:schemeClr val="tx1"/>
+                </a:solidFill>
+                <a:latin typeface="+mn-lt"/>
+                <a:ea typeface="+mn-ea"/>
+                <a:cs typeface="+mn-cs"/>
+              </a:defRPr>
+            </a:lvl3pPr>
+            <a:lvl4pPr marL="1600200" indent="-228600" algn="l" defTabSz="914400" rtl="0" eaLnBrk="1" latinLnBrk="1" hangingPunct="1">
+              <a:spcBef>
+                <a:spcPct val="20000"/>
+              </a:spcBef>
+              <a:buFont typeface="Arial" pitchFamily="34" charset="0"/>
+              <a:buChar char="–"/>
+              <a:defRPr sz="2000" kern="1200">
+                <a:solidFill>
+                  <a:schemeClr val="tx1"/>
+                </a:solidFill>
+                <a:latin typeface="+mn-lt"/>
+                <a:ea typeface="+mn-ea"/>
+                <a:cs typeface="+mn-cs"/>
+              </a:defRPr>
+            </a:lvl4pPr>
+            <a:lvl5pPr marL="2057400" indent="-228600" algn="l" defTabSz="914400" rtl="0" eaLnBrk="1" latinLnBrk="1" hangingPunct="1">
+              <a:spcBef>
+                <a:spcPct val="20000"/>
+              </a:spcBef>
+              <a:buFont typeface="Arial" pitchFamily="34" charset="0"/>
+              <a:buChar char="»"/>
+              <a:defRPr sz="2000" kern="1200">
+                <a:solidFill>
+                  <a:schemeClr val="tx1"/>
+                </a:solidFill>
+                <a:latin typeface="+mn-lt"/>
+                <a:ea typeface="+mn-ea"/>
+                <a:cs typeface="+mn-cs"/>
+              </a:defRPr>
+            </a:lvl5pPr>
+            <a:lvl6pPr marL="2514600" indent="-228600" algn="l" defTabSz="914400" rtl="0" eaLnBrk="1" latinLnBrk="1" hangingPunct="1">
+              <a:spcBef>
+                <a:spcPct val="20000"/>
+              </a:spcBef>
+              <a:buFont typeface="Arial" pitchFamily="34" charset="0"/>
+              <a:buChar char="•"/>
+              <a:defRPr sz="2000" kern="1200">
+                <a:solidFill>
+                  <a:schemeClr val="tx1"/>
+                </a:solidFill>
+                <a:latin typeface="+mn-lt"/>
+                <a:ea typeface="+mn-ea"/>
+                <a:cs typeface="+mn-cs"/>
+              </a:defRPr>
+            </a:lvl6pPr>
+            <a:lvl7pPr marL="2971800" indent="-228600" algn="l" defTabSz="914400" rtl="0" eaLnBrk="1" latinLnBrk="1" hangingPunct="1">
+              <a:spcBef>
+                <a:spcPct val="20000"/>
+              </a:spcBef>
+              <a:buFont typeface="Arial" pitchFamily="34" charset="0"/>
+              <a:buChar char="•"/>
+              <a:defRPr sz="2000" kern="1200">
+                <a:solidFill>
+                  <a:schemeClr val="tx1"/>
+                </a:solidFill>
+                <a:latin typeface="+mn-lt"/>
+                <a:ea typeface="+mn-ea"/>
+                <a:cs typeface="+mn-cs"/>
+              </a:defRPr>
+            </a:lvl7pPr>
+            <a:lvl8pPr marL="3429000" indent="-228600" algn="l" defTabSz="914400" rtl="0" eaLnBrk="1" latinLnBrk="1" hangingPunct="1">
+              <a:spcBef>
+                <a:spcPct val="20000"/>
+              </a:spcBef>
+              <a:buFont typeface="Arial" pitchFamily="34" charset="0"/>
+              <a:buChar char="•"/>
+              <a:defRPr sz="2000" kern="1200">
+                <a:solidFill>
+                  <a:schemeClr val="tx1"/>
+                </a:solidFill>
+                <a:latin typeface="+mn-lt"/>
+                <a:ea typeface="+mn-ea"/>
+                <a:cs typeface="+mn-cs"/>
+              </a:defRPr>
+            </a:lvl8pPr>
+            <a:lvl9pPr marL="3886200" indent="-228600" algn="l" defTabSz="914400" rtl="0" eaLnBrk="1" latinLnBrk="1" hangingPunct="1">
+              <a:spcBef>
+                <a:spcPct val="20000"/>
+              </a:spcBef>
+              <a:buFont typeface="Arial" pitchFamily="34" charset="0"/>
+              <a:buChar char="•"/>
+              <a:defRPr sz="2000" kern="1200">
+                <a:solidFill>
+                  <a:schemeClr val="tx1"/>
+                </a:solidFill>
+                <a:latin typeface="+mn-lt"/>
+                <a:ea typeface="+mn-ea"/>
+                <a:cs typeface="+mn-cs"/>
+              </a:defRPr>
+            </a:lvl9pPr>
+          </a:lstStyle>
+          <a:p>
+            <a:pPr marL="0" indent="0" algn="ctr">
+              <a:buNone/>
+            </a:pPr>
+            <a:r>
+              <a:rPr lang="it-IT" sz="1800" dirty="0">
                 <a:ea typeface="맑은 고딕"/>
               </a:rPr>
-              <a:t>Aggiunge, solamente, ad ogni nodo un numero di archi             necessario a portarlo al nuovo grado di </a:t>
-            </a:r>
-            <a:r>
-              <a:rPr lang="it-IT" sz="2000" dirty="0" err="1">
+              <a:t>Aggiunge ad ogni </a:t>
+            </a:r>
+            <a:r>
+              <a:rPr lang="it-IT" sz="1800" b="1" dirty="0">
+                <a:ea typeface="맑은 고딕"/>
+              </a:rPr>
+              <a:t>nodo</a:t>
+            </a:r>
+            <a:r>
+              <a:rPr lang="it-IT" sz="1800" dirty="0">
+                <a:ea typeface="맑은 고딕"/>
+              </a:rPr>
+              <a:t>, solamente, il </a:t>
+            </a:r>
+            <a:r>
+              <a:rPr lang="it-IT" sz="1800" b="1" dirty="0">
+                <a:ea typeface="맑은 고딕"/>
+              </a:rPr>
+              <a:t>numero di archi necessario</a:t>
+            </a:r>
+            <a:r>
+              <a:rPr lang="it-IT" sz="1800" dirty="0">
+                <a:ea typeface="맑은 고딕"/>
+              </a:rPr>
+              <a:t> a portarlo al nuovo grado di </a:t>
+            </a:r>
+            <a:r>
+              <a:rPr lang="it-IT" sz="1800" dirty="0" err="1">
                 <a:ea typeface="맑은 고딕"/>
               </a:rPr>
               <a:t>anonimizzazione</a:t>
             </a:r>
-            <a:r>
-              <a:rPr lang="it-IT" sz="2000" dirty="0">
+            <a:endParaRPr lang="en-US" sz="1800" dirty="0">
+              <a:ea typeface="맑은 고딕"/>
+            </a:endParaRPr>
+          </a:p>
+        </p:txBody>
+      </p:sp>
+      <p:sp>
+        <p:nvSpPr>
+          <p:cNvPr id="10" name="Freccia a sinistra 9">
+            <a:extLst>
+              <a:ext uri="{FF2B5EF4-FFF2-40B4-BE49-F238E27FC236}">
+                <a16:creationId xmlns:a16="http://schemas.microsoft.com/office/drawing/2014/main" id="{6918A887-C92F-4D38-A1AE-C8EFE67EC847}"/>
+              </a:ext>
+            </a:extLst>
+          </p:cNvPr>
+          <p:cNvSpPr/>
+          <p:nvPr/>
+        </p:nvSpPr>
+        <p:spPr>
+          <a:xfrm rot="16200000">
+            <a:off x="1763691" y="1851670"/>
+            <a:ext cx="576064" cy="288033"/>
+          </a:xfrm>
+          <a:prstGeom prst="leftArrow">
+            <a:avLst/>
+          </a:prstGeom>
+          <a:solidFill>
+            <a:schemeClr val="accent5">
+              <a:lumMod val="60000"/>
+              <a:lumOff val="40000"/>
+            </a:schemeClr>
+          </a:solidFill>
+        </p:spPr>
+        <p:style>
+          <a:lnRef idx="2">
+            <a:schemeClr val="accent1">
+              <a:shade val="50000"/>
+            </a:schemeClr>
+          </a:lnRef>
+          <a:fillRef idx="1">
+            <a:schemeClr val="accent1"/>
+          </a:fillRef>
+          <a:effectRef idx="0">
+            <a:schemeClr val="accent1"/>
+          </a:effectRef>
+          <a:fontRef idx="minor">
+            <a:schemeClr val="lt1"/>
+          </a:fontRef>
+        </p:style>
+        <p:txBody>
+          <a:bodyPr rtlCol="0" anchor="ctr"/>
+          <a:lstStyle/>
+          <a:p>
+            <a:pPr algn="ctr"/>
+            <a:endParaRPr lang="it-IT"/>
+          </a:p>
+        </p:txBody>
+      </p:sp>
+      <p:sp>
+        <p:nvSpPr>
+          <p:cNvPr id="12" name="Freccia a sinistra 11">
+            <a:extLst>
+              <a:ext uri="{FF2B5EF4-FFF2-40B4-BE49-F238E27FC236}">
+                <a16:creationId xmlns:a16="http://schemas.microsoft.com/office/drawing/2014/main" id="{D3A2DC2F-7278-45F6-8857-ECBF372A8824}"/>
+              </a:ext>
+            </a:extLst>
+          </p:cNvPr>
+          <p:cNvSpPr/>
+          <p:nvPr/>
+        </p:nvSpPr>
+        <p:spPr>
+          <a:xfrm rot="10800000">
+            <a:off x="4158009" y="2607753"/>
+            <a:ext cx="792088" cy="288033"/>
+          </a:xfrm>
+          <a:prstGeom prst="leftArrow">
+            <a:avLst/>
+          </a:prstGeom>
+          <a:solidFill>
+            <a:schemeClr val="accent5">
+              <a:lumMod val="60000"/>
+              <a:lumOff val="40000"/>
+            </a:schemeClr>
+          </a:solidFill>
+        </p:spPr>
+        <p:style>
+          <a:lnRef idx="2">
+            <a:schemeClr val="accent1">
+              <a:shade val="50000"/>
+            </a:schemeClr>
+          </a:lnRef>
+          <a:fillRef idx="1">
+            <a:schemeClr val="accent1"/>
+          </a:fillRef>
+          <a:effectRef idx="0">
+            <a:schemeClr val="accent1"/>
+          </a:effectRef>
+          <a:fontRef idx="minor">
+            <a:schemeClr val="lt1"/>
+          </a:fontRef>
+        </p:style>
+        <p:txBody>
+          <a:bodyPr rtlCol="0" anchor="ctr"/>
+          <a:lstStyle/>
+          <a:p>
+            <a:pPr algn="ctr"/>
+            <a:endParaRPr lang="it-IT"/>
+          </a:p>
+        </p:txBody>
+      </p:sp>
+      <p:sp>
+        <p:nvSpPr>
+          <p:cNvPr id="13" name="Rettangolo 12">
+            <a:extLst>
+              <a:ext uri="{FF2B5EF4-FFF2-40B4-BE49-F238E27FC236}">
+                <a16:creationId xmlns:a16="http://schemas.microsoft.com/office/drawing/2014/main" id="{D80C508C-F4D6-47DE-8C40-75E92D1F2B8D}"/>
+              </a:ext>
+            </a:extLst>
+          </p:cNvPr>
+          <p:cNvSpPr/>
+          <p:nvPr/>
+        </p:nvSpPr>
+        <p:spPr>
+          <a:xfrm>
+            <a:off x="4262778" y="2351081"/>
+            <a:ext cx="618444" cy="369332"/>
+          </a:xfrm>
+          <a:prstGeom prst="rect">
+            <a:avLst/>
+          </a:prstGeom>
+        </p:spPr>
+        <p:txBody>
+          <a:bodyPr wrap="square">
+            <a:spAutoFit/>
+          </a:bodyPr>
+          <a:lstStyle/>
+          <a:p>
+            <a:pPr algn="just"/>
+            <a:r>
+              <a:rPr lang="it-IT" b="1" dirty="0"/>
+              <a:t>MA</a:t>
+            </a:r>
+            <a:endParaRPr lang="it-IT" dirty="0"/>
+          </a:p>
+        </p:txBody>
+      </p:sp>
+      <p:sp>
+        <p:nvSpPr>
+          <p:cNvPr id="14" name="Freccia a sinistra 13">
+            <a:extLst>
+              <a:ext uri="{FF2B5EF4-FFF2-40B4-BE49-F238E27FC236}">
+                <a16:creationId xmlns:a16="http://schemas.microsoft.com/office/drawing/2014/main" id="{AD4666D3-E737-4590-AB59-8C9E9647DE05}"/>
+              </a:ext>
+            </a:extLst>
+          </p:cNvPr>
+          <p:cNvSpPr/>
+          <p:nvPr/>
+        </p:nvSpPr>
+        <p:spPr>
+          <a:xfrm rot="16200000">
+            <a:off x="5724128" y="3651869"/>
+            <a:ext cx="576064" cy="288033"/>
+          </a:xfrm>
+          <a:prstGeom prst="leftArrow">
+            <a:avLst/>
+          </a:prstGeom>
+          <a:solidFill>
+            <a:schemeClr val="accent5">
+              <a:lumMod val="60000"/>
+              <a:lumOff val="40000"/>
+            </a:schemeClr>
+          </a:solidFill>
+        </p:spPr>
+        <p:style>
+          <a:lnRef idx="2">
+            <a:schemeClr val="accent1">
+              <a:shade val="50000"/>
+            </a:schemeClr>
+          </a:lnRef>
+          <a:fillRef idx="1">
+            <a:schemeClr val="accent1"/>
+          </a:fillRef>
+          <a:effectRef idx="0">
+            <a:schemeClr val="accent1"/>
+          </a:effectRef>
+          <a:fontRef idx="minor">
+            <a:schemeClr val="lt1"/>
+          </a:fontRef>
+        </p:style>
+        <p:txBody>
+          <a:bodyPr rtlCol="0" anchor="ctr"/>
+          <a:lstStyle/>
+          <a:p>
+            <a:pPr algn="ctr"/>
+            <a:endParaRPr lang="it-IT"/>
+          </a:p>
+        </p:txBody>
+      </p:sp>
+      <p:sp>
+        <p:nvSpPr>
+          <p:cNvPr id="15" name="Segnaposto contenuto 6">
+            <a:extLst>
+              <a:ext uri="{FF2B5EF4-FFF2-40B4-BE49-F238E27FC236}">
+                <a16:creationId xmlns:a16="http://schemas.microsoft.com/office/drawing/2014/main" id="{02DEE03C-8DEF-4292-92AE-D6EEE1F72428}"/>
+              </a:ext>
+            </a:extLst>
+          </p:cNvPr>
+          <p:cNvSpPr txBox="1">
+            <a:spLocks/>
+          </p:cNvSpPr>
+          <p:nvPr/>
+        </p:nvSpPr>
+        <p:spPr>
+          <a:xfrm>
+            <a:off x="4355976" y="4083918"/>
+            <a:ext cx="3600400" cy="360040"/>
+          </a:xfrm>
+          <a:prstGeom prst="rect">
+            <a:avLst/>
+          </a:prstGeom>
+        </p:spPr>
+        <p:txBody>
+          <a:bodyPr vert="horz" lIns="91440" tIns="45720" rIns="91440" bIns="45720" rtlCol="0">
+            <a:normAutofit/>
+          </a:bodyPr>
+          <a:lstStyle>
+            <a:lvl1pPr marL="342900" indent="-342900" algn="l" defTabSz="914400" rtl="0" eaLnBrk="1" latinLnBrk="1" hangingPunct="1">
+              <a:spcBef>
+                <a:spcPct val="20000"/>
+              </a:spcBef>
+              <a:buFont typeface="Arial" pitchFamily="34" charset="0"/>
+              <a:buChar char="•"/>
+              <a:defRPr sz="3200" kern="1200">
+                <a:solidFill>
+                  <a:schemeClr val="tx1"/>
+                </a:solidFill>
+                <a:latin typeface="+mn-lt"/>
+                <a:ea typeface="+mn-ea"/>
+                <a:cs typeface="+mn-cs"/>
+              </a:defRPr>
+            </a:lvl1pPr>
+            <a:lvl2pPr marL="742950" indent="-285750" algn="l" defTabSz="914400" rtl="0" eaLnBrk="1" latinLnBrk="1" hangingPunct="1">
+              <a:spcBef>
+                <a:spcPct val="20000"/>
+              </a:spcBef>
+              <a:buFont typeface="Arial" pitchFamily="34" charset="0"/>
+              <a:buChar char="–"/>
+              <a:defRPr sz="2800" kern="1200">
+                <a:solidFill>
+                  <a:schemeClr val="tx1"/>
+                </a:solidFill>
+                <a:latin typeface="+mn-lt"/>
+                <a:ea typeface="+mn-ea"/>
+                <a:cs typeface="+mn-cs"/>
+              </a:defRPr>
+            </a:lvl2pPr>
+            <a:lvl3pPr marL="1143000" indent="-228600" algn="l" defTabSz="914400" rtl="0" eaLnBrk="1" latinLnBrk="1" hangingPunct="1">
+              <a:spcBef>
+                <a:spcPct val="20000"/>
+              </a:spcBef>
+              <a:buFont typeface="Arial" pitchFamily="34" charset="0"/>
+              <a:buChar char="•"/>
+              <a:defRPr sz="2400" kern="1200">
+                <a:solidFill>
+                  <a:schemeClr val="tx1"/>
+                </a:solidFill>
+                <a:latin typeface="+mn-lt"/>
+                <a:ea typeface="+mn-ea"/>
+                <a:cs typeface="+mn-cs"/>
+              </a:defRPr>
+            </a:lvl3pPr>
+            <a:lvl4pPr marL="1600200" indent="-228600" algn="l" defTabSz="914400" rtl="0" eaLnBrk="1" latinLnBrk="1" hangingPunct="1">
+              <a:spcBef>
+                <a:spcPct val="20000"/>
+              </a:spcBef>
+              <a:buFont typeface="Arial" pitchFamily="34" charset="0"/>
+              <a:buChar char="–"/>
+              <a:defRPr sz="2000" kern="1200">
+                <a:solidFill>
+                  <a:schemeClr val="tx1"/>
+                </a:solidFill>
+                <a:latin typeface="+mn-lt"/>
+                <a:ea typeface="+mn-ea"/>
+                <a:cs typeface="+mn-cs"/>
+              </a:defRPr>
+            </a:lvl4pPr>
+            <a:lvl5pPr marL="2057400" indent="-228600" algn="l" defTabSz="914400" rtl="0" eaLnBrk="1" latinLnBrk="1" hangingPunct="1">
+              <a:spcBef>
+                <a:spcPct val="20000"/>
+              </a:spcBef>
+              <a:buFont typeface="Arial" pitchFamily="34" charset="0"/>
+              <a:buChar char="»"/>
+              <a:defRPr sz="2000" kern="1200">
+                <a:solidFill>
+                  <a:schemeClr val="tx1"/>
+                </a:solidFill>
+                <a:latin typeface="+mn-lt"/>
+                <a:ea typeface="+mn-ea"/>
+                <a:cs typeface="+mn-cs"/>
+              </a:defRPr>
+            </a:lvl5pPr>
+            <a:lvl6pPr marL="2514600" indent="-228600" algn="l" defTabSz="914400" rtl="0" eaLnBrk="1" latinLnBrk="1" hangingPunct="1">
+              <a:spcBef>
+                <a:spcPct val="20000"/>
+              </a:spcBef>
+              <a:buFont typeface="Arial" pitchFamily="34" charset="0"/>
+              <a:buChar char="•"/>
+              <a:defRPr sz="2000" kern="1200">
+                <a:solidFill>
+                  <a:schemeClr val="tx1"/>
+                </a:solidFill>
+                <a:latin typeface="+mn-lt"/>
+                <a:ea typeface="+mn-ea"/>
+                <a:cs typeface="+mn-cs"/>
+              </a:defRPr>
+            </a:lvl6pPr>
+            <a:lvl7pPr marL="2971800" indent="-228600" algn="l" defTabSz="914400" rtl="0" eaLnBrk="1" latinLnBrk="1" hangingPunct="1">
+              <a:spcBef>
+                <a:spcPct val="20000"/>
+              </a:spcBef>
+              <a:buFont typeface="Arial" pitchFamily="34" charset="0"/>
+              <a:buChar char="•"/>
+              <a:defRPr sz="2000" kern="1200">
+                <a:solidFill>
+                  <a:schemeClr val="tx1"/>
+                </a:solidFill>
+                <a:latin typeface="+mn-lt"/>
+                <a:ea typeface="+mn-ea"/>
+                <a:cs typeface="+mn-cs"/>
+              </a:defRPr>
+            </a:lvl7pPr>
+            <a:lvl8pPr marL="3429000" indent="-228600" algn="l" defTabSz="914400" rtl="0" eaLnBrk="1" latinLnBrk="1" hangingPunct="1">
+              <a:spcBef>
+                <a:spcPct val="20000"/>
+              </a:spcBef>
+              <a:buFont typeface="Arial" pitchFamily="34" charset="0"/>
+              <a:buChar char="•"/>
+              <a:defRPr sz="2000" kern="1200">
+                <a:solidFill>
+                  <a:schemeClr val="tx1"/>
+                </a:solidFill>
+                <a:latin typeface="+mn-lt"/>
+                <a:ea typeface="+mn-ea"/>
+                <a:cs typeface="+mn-cs"/>
+              </a:defRPr>
+            </a:lvl8pPr>
+            <a:lvl9pPr marL="3886200" indent="-228600" algn="l" defTabSz="914400" rtl="0" eaLnBrk="1" latinLnBrk="1" hangingPunct="1">
+              <a:spcBef>
+                <a:spcPct val="20000"/>
+              </a:spcBef>
+              <a:buFont typeface="Arial" pitchFamily="34" charset="0"/>
+              <a:buChar char="•"/>
+              <a:defRPr sz="2000" kern="1200">
+                <a:solidFill>
+                  <a:schemeClr val="tx1"/>
+                </a:solidFill>
+                <a:latin typeface="+mn-lt"/>
+                <a:ea typeface="+mn-ea"/>
+                <a:cs typeface="+mn-cs"/>
+              </a:defRPr>
+            </a:lvl9pPr>
+          </a:lstStyle>
+          <a:p>
+            <a:pPr marL="0" indent="0" algn="ctr">
+              <a:buFont typeface="Arial" pitchFamily="34" charset="0"/>
+              <a:buNone/>
+            </a:pPr>
+            <a:r>
+              <a:rPr lang="it-IT" sz="1600" b="1" dirty="0">
                 <a:ea typeface="맑은 고딕"/>
               </a:rPr>
-              <a:t> precedentemente calcolato. </a:t>
-            </a:r>
-            <a:endParaRPr lang="en-US" sz="2000" dirty="0">
-              <a:ea typeface="맑은 고딕"/>
-            </a:endParaRPr>
-          </a:p>
-          <a:p>
-            <a:pPr marL="285750" indent="-285750" algn="just"/>
-            <a:r>
-              <a:rPr lang="it-IT" sz="2000" dirty="0">
+              <a:t>Complessità maggiore di </a:t>
+            </a:r>
+            <a:r>
+              <a:rPr lang="it-IT" sz="1600" b="1" dirty="0" err="1">
                 <a:ea typeface="맑은 고딕"/>
               </a:rPr>
-              <a:t>Dovendo</a:t>
-            </a:r>
-            <a:r>
-              <a:rPr lang="en-US" sz="2000" dirty="0">
-                <a:ea typeface="맑은 고딕"/>
-              </a:rPr>
-              <a:t> </a:t>
-            </a:r>
-            <a:r>
-              <a:rPr lang="it-IT" sz="2000" dirty="0">
-                <a:ea typeface="맑은 고딕"/>
-              </a:rPr>
-              <a:t>valutare per ogni nodo l’introduzione di  ogni possibile arco fino al raggiungimento del grado richiesto per l’</a:t>
-            </a:r>
-            <a:r>
-              <a:rPr lang="it-IT" sz="2000" dirty="0" err="1">
-                <a:ea typeface="맑은 고딕"/>
-              </a:rPr>
-              <a:t>anonimizzazione</a:t>
-            </a:r>
-            <a:r>
-              <a:rPr lang="it-IT" sz="2000" dirty="0">
-                <a:ea typeface="맑은 고딕"/>
-              </a:rPr>
-              <a:t>, è atteso che la complessità sia più elevata.</a:t>
-            </a:r>
-            <a:endParaRPr lang="en-US" sz="2000" dirty="0">
+              <a:t>Contruct</a:t>
+            </a:r>
+            <a:endParaRPr lang="it-IT" sz="1600" b="1" dirty="0">
               <a:ea typeface="맑은 고딕"/>
             </a:endParaRPr>
           </a:p>
@@ -8175,6 +9779,738 @@
   <p:clrMapOvr>
     <a:masterClrMapping/>
   </p:clrMapOvr>
+  <p:timing>
+    <p:tnLst>
+      <p:par>
+        <p:cTn id="1" dur="indefinite" restart="never" nodeType="tmRoot">
+          <p:childTnLst>
+            <p:seq concurrent="1" nextAc="seek">
+              <p:cTn id="2" dur="indefinite" nodeType="mainSeq">
+                <p:childTnLst>
+                  <p:par>
+                    <p:cTn id="3" fill="hold">
+                      <p:stCondLst>
+                        <p:cond delay="indefinite"/>
+                      </p:stCondLst>
+                      <p:childTnLst>
+                        <p:par>
+                          <p:cTn id="4" fill="hold">
+                            <p:stCondLst>
+                              <p:cond delay="0"/>
+                            </p:stCondLst>
+                            <p:childTnLst>
+                              <p:par>
+                                <p:cTn id="5" presetID="10" presetClass="entr" presetSubtype="0" fill="hold" grpId="0" nodeType="clickEffect">
+                                  <p:stCondLst>
+                                    <p:cond delay="0"/>
+                                  </p:stCondLst>
+                                  <p:childTnLst>
+                                    <p:set>
+                                      <p:cBhvr>
+                                        <p:cTn id="6" dur="1" fill="hold">
+                                          <p:stCondLst>
+                                            <p:cond delay="0"/>
+                                          </p:stCondLst>
+                                        </p:cTn>
+                                        <p:tgtEl>
+                                          <p:spTgt spid="8">
+                                            <p:txEl>
+                                              <p:pRg st="0" end="0"/>
+                                            </p:txEl>
+                                          </p:spTgt>
+                                        </p:tgtEl>
+                                        <p:attrNameLst>
+                                          <p:attrName>style.visibility</p:attrName>
+                                        </p:attrNameLst>
+                                      </p:cBhvr>
+                                      <p:to>
+                                        <p:strVal val="visible"/>
+                                      </p:to>
+                                    </p:set>
+                                    <p:animEffect transition="in" filter="fade">
+                                      <p:cBhvr>
+                                        <p:cTn id="7" dur="500"/>
+                                        <p:tgtEl>
+                                          <p:spTgt spid="8">
+                                            <p:txEl>
+                                              <p:pRg st="0" end="0"/>
+                                            </p:txEl>
+                                          </p:spTgt>
+                                        </p:tgtEl>
+                                      </p:cBhvr>
+                                    </p:animEffect>
+                                  </p:childTnLst>
+                                </p:cTn>
+                              </p:par>
+                            </p:childTnLst>
+                          </p:cTn>
+                        </p:par>
+                      </p:childTnLst>
+                    </p:cTn>
+                  </p:par>
+                  <p:par>
+                    <p:cTn id="8" fill="hold">
+                      <p:stCondLst>
+                        <p:cond delay="indefinite"/>
+                      </p:stCondLst>
+                      <p:childTnLst>
+                        <p:par>
+                          <p:cTn id="9" fill="hold">
+                            <p:stCondLst>
+                              <p:cond delay="0"/>
+                            </p:stCondLst>
+                            <p:childTnLst>
+                              <p:par>
+                                <p:cTn id="10" presetID="2" presetClass="entr" presetSubtype="1" fill="hold" grpId="0" nodeType="clickEffect">
+                                  <p:stCondLst>
+                                    <p:cond delay="0"/>
+                                  </p:stCondLst>
+                                  <p:childTnLst>
+                                    <p:set>
+                                      <p:cBhvr>
+                                        <p:cTn id="11" dur="1" fill="hold">
+                                          <p:stCondLst>
+                                            <p:cond delay="0"/>
+                                          </p:stCondLst>
+                                        </p:cTn>
+                                        <p:tgtEl>
+                                          <p:spTgt spid="10"/>
+                                        </p:tgtEl>
+                                        <p:attrNameLst>
+                                          <p:attrName>style.visibility</p:attrName>
+                                        </p:attrNameLst>
+                                      </p:cBhvr>
+                                      <p:to>
+                                        <p:strVal val="visible"/>
+                                      </p:to>
+                                    </p:set>
+                                    <p:anim calcmode="lin" valueType="num">
+                                      <p:cBhvr additive="base">
+                                        <p:cTn id="12" dur="500" fill="hold"/>
+                                        <p:tgtEl>
+                                          <p:spTgt spid="10"/>
+                                        </p:tgtEl>
+                                        <p:attrNameLst>
+                                          <p:attrName>ppt_x</p:attrName>
+                                        </p:attrNameLst>
+                                      </p:cBhvr>
+                                      <p:tavLst>
+                                        <p:tav tm="0">
+                                          <p:val>
+                                            <p:strVal val="#ppt_x"/>
+                                          </p:val>
+                                        </p:tav>
+                                        <p:tav tm="100000">
+                                          <p:val>
+                                            <p:strVal val="#ppt_x"/>
+                                          </p:val>
+                                        </p:tav>
+                                      </p:tavLst>
+                                    </p:anim>
+                                    <p:anim calcmode="lin" valueType="num">
+                                      <p:cBhvr additive="base">
+                                        <p:cTn id="13" dur="500" fill="hold"/>
+                                        <p:tgtEl>
+                                          <p:spTgt spid="10"/>
+                                        </p:tgtEl>
+                                        <p:attrNameLst>
+                                          <p:attrName>ppt_y</p:attrName>
+                                        </p:attrNameLst>
+                                      </p:cBhvr>
+                                      <p:tavLst>
+                                        <p:tav tm="0">
+                                          <p:val>
+                                            <p:strVal val="0-#ppt_h/2"/>
+                                          </p:val>
+                                        </p:tav>
+                                        <p:tav tm="100000">
+                                          <p:val>
+                                            <p:strVal val="#ppt_y"/>
+                                          </p:val>
+                                        </p:tav>
+                                      </p:tavLst>
+                                    </p:anim>
+                                  </p:childTnLst>
+                                </p:cTn>
+                              </p:par>
+                            </p:childTnLst>
+                          </p:cTn>
+                        </p:par>
+                      </p:childTnLst>
+                    </p:cTn>
+                  </p:par>
+                  <p:par>
+                    <p:cTn id="14" fill="hold">
+                      <p:stCondLst>
+                        <p:cond delay="indefinite"/>
+                      </p:stCondLst>
+                      <p:childTnLst>
+                        <p:par>
+                          <p:cTn id="15" fill="hold">
+                            <p:stCondLst>
+                              <p:cond delay="0"/>
+                            </p:stCondLst>
+                            <p:childTnLst>
+                              <p:par>
+                                <p:cTn id="16" presetID="2" presetClass="entr" presetSubtype="4" fill="hold" grpId="0" nodeType="clickEffect">
+                                  <p:stCondLst>
+                                    <p:cond delay="0"/>
+                                  </p:stCondLst>
+                                  <p:childTnLst>
+                                    <p:set>
+                                      <p:cBhvr>
+                                        <p:cTn id="17" dur="1" fill="hold">
+                                          <p:stCondLst>
+                                            <p:cond delay="0"/>
+                                          </p:stCondLst>
+                                        </p:cTn>
+                                        <p:tgtEl>
+                                          <p:spTgt spid="9"/>
+                                        </p:tgtEl>
+                                        <p:attrNameLst>
+                                          <p:attrName>style.visibility</p:attrName>
+                                        </p:attrNameLst>
+                                      </p:cBhvr>
+                                      <p:to>
+                                        <p:strVal val="visible"/>
+                                      </p:to>
+                                    </p:set>
+                                    <p:anim calcmode="lin" valueType="num">
+                                      <p:cBhvr additive="base">
+                                        <p:cTn id="18" dur="500" fill="hold"/>
+                                        <p:tgtEl>
+                                          <p:spTgt spid="9"/>
+                                        </p:tgtEl>
+                                        <p:attrNameLst>
+                                          <p:attrName>ppt_x</p:attrName>
+                                        </p:attrNameLst>
+                                      </p:cBhvr>
+                                      <p:tavLst>
+                                        <p:tav tm="0">
+                                          <p:val>
+                                            <p:strVal val="#ppt_x"/>
+                                          </p:val>
+                                        </p:tav>
+                                        <p:tav tm="100000">
+                                          <p:val>
+                                            <p:strVal val="#ppt_x"/>
+                                          </p:val>
+                                        </p:tav>
+                                      </p:tavLst>
+                                    </p:anim>
+                                    <p:anim calcmode="lin" valueType="num">
+                                      <p:cBhvr additive="base">
+                                        <p:cTn id="19" dur="500" fill="hold"/>
+                                        <p:tgtEl>
+                                          <p:spTgt spid="9"/>
+                                        </p:tgtEl>
+                                        <p:attrNameLst>
+                                          <p:attrName>ppt_y</p:attrName>
+                                        </p:attrNameLst>
+                                      </p:cBhvr>
+                                      <p:tavLst>
+                                        <p:tav tm="0">
+                                          <p:val>
+                                            <p:strVal val="1+#ppt_h/2"/>
+                                          </p:val>
+                                        </p:tav>
+                                        <p:tav tm="100000">
+                                          <p:val>
+                                            <p:strVal val="#ppt_y"/>
+                                          </p:val>
+                                        </p:tav>
+                                      </p:tavLst>
+                                    </p:anim>
+                                  </p:childTnLst>
+                                </p:cTn>
+                              </p:par>
+                            </p:childTnLst>
+                          </p:cTn>
+                        </p:par>
+                      </p:childTnLst>
+                    </p:cTn>
+                  </p:par>
+                  <p:par>
+                    <p:cTn id="20" fill="hold">
+                      <p:stCondLst>
+                        <p:cond delay="indefinite"/>
+                      </p:stCondLst>
+                      <p:childTnLst>
+                        <p:par>
+                          <p:cTn id="21" fill="hold">
+                            <p:stCondLst>
+                              <p:cond delay="0"/>
+                            </p:stCondLst>
+                            <p:childTnLst>
+                              <p:par>
+                                <p:cTn id="22" presetID="2" presetClass="entr" presetSubtype="8" fill="hold" grpId="0" nodeType="clickEffect">
+                                  <p:stCondLst>
+                                    <p:cond delay="0"/>
+                                  </p:stCondLst>
+                                  <p:childTnLst>
+                                    <p:set>
+                                      <p:cBhvr>
+                                        <p:cTn id="23" dur="1" fill="hold">
+                                          <p:stCondLst>
+                                            <p:cond delay="0"/>
+                                          </p:stCondLst>
+                                        </p:cTn>
+                                        <p:tgtEl>
+                                          <p:spTgt spid="12"/>
+                                        </p:tgtEl>
+                                        <p:attrNameLst>
+                                          <p:attrName>style.visibility</p:attrName>
+                                        </p:attrNameLst>
+                                      </p:cBhvr>
+                                      <p:to>
+                                        <p:strVal val="visible"/>
+                                      </p:to>
+                                    </p:set>
+                                    <p:anim calcmode="lin" valueType="num">
+                                      <p:cBhvr additive="base">
+                                        <p:cTn id="24" dur="500" fill="hold"/>
+                                        <p:tgtEl>
+                                          <p:spTgt spid="12"/>
+                                        </p:tgtEl>
+                                        <p:attrNameLst>
+                                          <p:attrName>ppt_x</p:attrName>
+                                        </p:attrNameLst>
+                                      </p:cBhvr>
+                                      <p:tavLst>
+                                        <p:tav tm="0">
+                                          <p:val>
+                                            <p:strVal val="0-#ppt_w/2"/>
+                                          </p:val>
+                                        </p:tav>
+                                        <p:tav tm="100000">
+                                          <p:val>
+                                            <p:strVal val="#ppt_x"/>
+                                          </p:val>
+                                        </p:tav>
+                                      </p:tavLst>
+                                    </p:anim>
+                                    <p:anim calcmode="lin" valueType="num">
+                                      <p:cBhvr additive="base">
+                                        <p:cTn id="25" dur="500" fill="hold"/>
+                                        <p:tgtEl>
+                                          <p:spTgt spid="12"/>
+                                        </p:tgtEl>
+                                        <p:attrNameLst>
+                                          <p:attrName>ppt_y</p:attrName>
+                                        </p:attrNameLst>
+                                      </p:cBhvr>
+                                      <p:tavLst>
+                                        <p:tav tm="0">
+                                          <p:val>
+                                            <p:strVal val="#ppt_y"/>
+                                          </p:val>
+                                        </p:tav>
+                                        <p:tav tm="100000">
+                                          <p:val>
+                                            <p:strVal val="#ppt_y"/>
+                                          </p:val>
+                                        </p:tav>
+                                      </p:tavLst>
+                                    </p:anim>
+                                  </p:childTnLst>
+                                </p:cTn>
+                              </p:par>
+                              <p:par>
+                                <p:cTn id="26" presetID="2" presetClass="entr" presetSubtype="8" fill="hold" grpId="0" nodeType="withEffect">
+                                  <p:stCondLst>
+                                    <p:cond delay="0"/>
+                                  </p:stCondLst>
+                                  <p:childTnLst>
+                                    <p:set>
+                                      <p:cBhvr>
+                                        <p:cTn id="27" dur="1" fill="hold">
+                                          <p:stCondLst>
+                                            <p:cond delay="0"/>
+                                          </p:stCondLst>
+                                        </p:cTn>
+                                        <p:tgtEl>
+                                          <p:spTgt spid="13"/>
+                                        </p:tgtEl>
+                                        <p:attrNameLst>
+                                          <p:attrName>style.visibility</p:attrName>
+                                        </p:attrNameLst>
+                                      </p:cBhvr>
+                                      <p:to>
+                                        <p:strVal val="visible"/>
+                                      </p:to>
+                                    </p:set>
+                                    <p:anim calcmode="lin" valueType="num">
+                                      <p:cBhvr additive="base">
+                                        <p:cTn id="28" dur="500" fill="hold"/>
+                                        <p:tgtEl>
+                                          <p:spTgt spid="13"/>
+                                        </p:tgtEl>
+                                        <p:attrNameLst>
+                                          <p:attrName>ppt_x</p:attrName>
+                                        </p:attrNameLst>
+                                      </p:cBhvr>
+                                      <p:tavLst>
+                                        <p:tav tm="0">
+                                          <p:val>
+                                            <p:strVal val="0-#ppt_w/2"/>
+                                          </p:val>
+                                        </p:tav>
+                                        <p:tav tm="100000">
+                                          <p:val>
+                                            <p:strVal val="#ppt_x"/>
+                                          </p:val>
+                                        </p:tav>
+                                      </p:tavLst>
+                                    </p:anim>
+                                    <p:anim calcmode="lin" valueType="num">
+                                      <p:cBhvr additive="base">
+                                        <p:cTn id="29" dur="500" fill="hold"/>
+                                        <p:tgtEl>
+                                          <p:spTgt spid="13"/>
+                                        </p:tgtEl>
+                                        <p:attrNameLst>
+                                          <p:attrName>ppt_y</p:attrName>
+                                        </p:attrNameLst>
+                                      </p:cBhvr>
+                                      <p:tavLst>
+                                        <p:tav tm="0">
+                                          <p:val>
+                                            <p:strVal val="#ppt_y"/>
+                                          </p:val>
+                                        </p:tav>
+                                        <p:tav tm="100000">
+                                          <p:val>
+                                            <p:strVal val="#ppt_y"/>
+                                          </p:val>
+                                        </p:tav>
+                                      </p:tavLst>
+                                    </p:anim>
+                                  </p:childTnLst>
+                                </p:cTn>
+                              </p:par>
+                            </p:childTnLst>
+                          </p:cTn>
+                        </p:par>
+                      </p:childTnLst>
+                    </p:cTn>
+                  </p:par>
+                  <p:par>
+                    <p:cTn id="30" fill="hold">
+                      <p:stCondLst>
+                        <p:cond delay="indefinite"/>
+                      </p:stCondLst>
+                      <p:childTnLst>
+                        <p:par>
+                          <p:cTn id="31" fill="hold">
+                            <p:stCondLst>
+                              <p:cond delay="0"/>
+                            </p:stCondLst>
+                            <p:childTnLst>
+                              <p:par>
+                                <p:cTn id="32" presetID="2" presetClass="entr" presetSubtype="2" fill="hold" grpId="0" nodeType="clickEffect">
+                                  <p:stCondLst>
+                                    <p:cond delay="0"/>
+                                  </p:stCondLst>
+                                  <p:childTnLst>
+                                    <p:set>
+                                      <p:cBhvr>
+                                        <p:cTn id="33" dur="1" fill="hold">
+                                          <p:stCondLst>
+                                            <p:cond delay="0"/>
+                                          </p:stCondLst>
+                                        </p:cTn>
+                                        <p:tgtEl>
+                                          <p:spTgt spid="7">
+                                            <p:txEl>
+                                              <p:pRg st="0" end="0"/>
+                                            </p:txEl>
+                                          </p:spTgt>
+                                        </p:tgtEl>
+                                        <p:attrNameLst>
+                                          <p:attrName>style.visibility</p:attrName>
+                                        </p:attrNameLst>
+                                      </p:cBhvr>
+                                      <p:to>
+                                        <p:strVal val="visible"/>
+                                      </p:to>
+                                    </p:set>
+                                    <p:anim calcmode="lin" valueType="num">
+                                      <p:cBhvr additive="base">
+                                        <p:cTn id="34" dur="500" fill="hold"/>
+                                        <p:tgtEl>
+                                          <p:spTgt spid="7">
+                                            <p:txEl>
+                                              <p:pRg st="0" end="0"/>
+                                            </p:txEl>
+                                          </p:spTgt>
+                                        </p:tgtEl>
+                                        <p:attrNameLst>
+                                          <p:attrName>ppt_x</p:attrName>
+                                        </p:attrNameLst>
+                                      </p:cBhvr>
+                                      <p:tavLst>
+                                        <p:tav tm="0">
+                                          <p:val>
+                                            <p:strVal val="1+#ppt_w/2"/>
+                                          </p:val>
+                                        </p:tav>
+                                        <p:tav tm="100000">
+                                          <p:val>
+                                            <p:strVal val="#ppt_x"/>
+                                          </p:val>
+                                        </p:tav>
+                                      </p:tavLst>
+                                    </p:anim>
+                                    <p:anim calcmode="lin" valueType="num">
+                                      <p:cBhvr additive="base">
+                                        <p:cTn id="35" dur="500" fill="hold"/>
+                                        <p:tgtEl>
+                                          <p:spTgt spid="7">
+                                            <p:txEl>
+                                              <p:pRg st="0" end="0"/>
+                                            </p:txEl>
+                                          </p:spTgt>
+                                        </p:tgtEl>
+                                        <p:attrNameLst>
+                                          <p:attrName>ppt_y</p:attrName>
+                                        </p:attrNameLst>
+                                      </p:cBhvr>
+                                      <p:tavLst>
+                                        <p:tav tm="0">
+                                          <p:val>
+                                            <p:strVal val="#ppt_y"/>
+                                          </p:val>
+                                        </p:tav>
+                                        <p:tav tm="100000">
+                                          <p:val>
+                                            <p:strVal val="#ppt_y"/>
+                                          </p:val>
+                                        </p:tav>
+                                      </p:tavLst>
+                                    </p:anim>
+                                  </p:childTnLst>
+                                </p:cTn>
+                              </p:par>
+                            </p:childTnLst>
+                          </p:cTn>
+                        </p:par>
+                      </p:childTnLst>
+                    </p:cTn>
+                  </p:par>
+                  <p:par>
+                    <p:cTn id="36" fill="hold">
+                      <p:stCondLst>
+                        <p:cond delay="indefinite"/>
+                      </p:stCondLst>
+                      <p:childTnLst>
+                        <p:par>
+                          <p:cTn id="37" fill="hold">
+                            <p:stCondLst>
+                              <p:cond delay="0"/>
+                            </p:stCondLst>
+                            <p:childTnLst>
+                              <p:par>
+                                <p:cTn id="38" presetID="2" presetClass="entr" presetSubtype="1" fill="hold" grpId="0" nodeType="clickEffect">
+                                  <p:stCondLst>
+                                    <p:cond delay="0"/>
+                                  </p:stCondLst>
+                                  <p:childTnLst>
+                                    <p:set>
+                                      <p:cBhvr>
+                                        <p:cTn id="39" dur="1" fill="hold">
+                                          <p:stCondLst>
+                                            <p:cond delay="0"/>
+                                          </p:stCondLst>
+                                        </p:cTn>
+                                        <p:tgtEl>
+                                          <p:spTgt spid="14"/>
+                                        </p:tgtEl>
+                                        <p:attrNameLst>
+                                          <p:attrName>style.visibility</p:attrName>
+                                        </p:attrNameLst>
+                                      </p:cBhvr>
+                                      <p:to>
+                                        <p:strVal val="visible"/>
+                                      </p:to>
+                                    </p:set>
+                                    <p:anim calcmode="lin" valueType="num">
+                                      <p:cBhvr additive="base">
+                                        <p:cTn id="40" dur="500" fill="hold"/>
+                                        <p:tgtEl>
+                                          <p:spTgt spid="14"/>
+                                        </p:tgtEl>
+                                        <p:attrNameLst>
+                                          <p:attrName>ppt_x</p:attrName>
+                                        </p:attrNameLst>
+                                      </p:cBhvr>
+                                      <p:tavLst>
+                                        <p:tav tm="0">
+                                          <p:val>
+                                            <p:strVal val="#ppt_x"/>
+                                          </p:val>
+                                        </p:tav>
+                                        <p:tav tm="100000">
+                                          <p:val>
+                                            <p:strVal val="#ppt_x"/>
+                                          </p:val>
+                                        </p:tav>
+                                      </p:tavLst>
+                                    </p:anim>
+                                    <p:anim calcmode="lin" valueType="num">
+                                      <p:cBhvr additive="base">
+                                        <p:cTn id="41" dur="500" fill="hold"/>
+                                        <p:tgtEl>
+                                          <p:spTgt spid="14"/>
+                                        </p:tgtEl>
+                                        <p:attrNameLst>
+                                          <p:attrName>ppt_y</p:attrName>
+                                        </p:attrNameLst>
+                                      </p:cBhvr>
+                                      <p:tavLst>
+                                        <p:tav tm="0">
+                                          <p:val>
+                                            <p:strVal val="0-#ppt_h/2"/>
+                                          </p:val>
+                                        </p:tav>
+                                        <p:tav tm="100000">
+                                          <p:val>
+                                            <p:strVal val="#ppt_y"/>
+                                          </p:val>
+                                        </p:tav>
+                                      </p:tavLst>
+                                    </p:anim>
+                                  </p:childTnLst>
+                                </p:cTn>
+                              </p:par>
+                            </p:childTnLst>
+                          </p:cTn>
+                        </p:par>
+                      </p:childTnLst>
+                    </p:cTn>
+                  </p:par>
+                  <p:par>
+                    <p:cTn id="42" fill="hold">
+                      <p:stCondLst>
+                        <p:cond delay="indefinite"/>
+                      </p:stCondLst>
+                      <p:childTnLst>
+                        <p:par>
+                          <p:cTn id="43" fill="hold">
+                            <p:stCondLst>
+                              <p:cond delay="0"/>
+                            </p:stCondLst>
+                            <p:childTnLst>
+                              <p:par>
+                                <p:cTn id="44" presetID="2" presetClass="entr" presetSubtype="4" fill="hold" grpId="0" nodeType="clickEffect">
+                                  <p:stCondLst>
+                                    <p:cond delay="0"/>
+                                  </p:stCondLst>
+                                  <p:childTnLst>
+                                    <p:set>
+                                      <p:cBhvr>
+                                        <p:cTn id="45" dur="1" fill="hold">
+                                          <p:stCondLst>
+                                            <p:cond delay="0"/>
+                                          </p:stCondLst>
+                                        </p:cTn>
+                                        <p:tgtEl>
+                                          <p:spTgt spid="15"/>
+                                        </p:tgtEl>
+                                        <p:attrNameLst>
+                                          <p:attrName>style.visibility</p:attrName>
+                                        </p:attrNameLst>
+                                      </p:cBhvr>
+                                      <p:to>
+                                        <p:strVal val="visible"/>
+                                      </p:to>
+                                    </p:set>
+                                    <p:anim calcmode="lin" valueType="num">
+                                      <p:cBhvr additive="base">
+                                        <p:cTn id="46" dur="500" fill="hold"/>
+                                        <p:tgtEl>
+                                          <p:spTgt spid="15"/>
+                                        </p:tgtEl>
+                                        <p:attrNameLst>
+                                          <p:attrName>ppt_x</p:attrName>
+                                        </p:attrNameLst>
+                                      </p:cBhvr>
+                                      <p:tavLst>
+                                        <p:tav tm="0">
+                                          <p:val>
+                                            <p:strVal val="#ppt_x"/>
+                                          </p:val>
+                                        </p:tav>
+                                        <p:tav tm="100000">
+                                          <p:val>
+                                            <p:strVal val="#ppt_x"/>
+                                          </p:val>
+                                        </p:tav>
+                                      </p:tavLst>
+                                    </p:anim>
+                                    <p:anim calcmode="lin" valueType="num">
+                                      <p:cBhvr additive="base">
+                                        <p:cTn id="47" dur="500" fill="hold"/>
+                                        <p:tgtEl>
+                                          <p:spTgt spid="15"/>
+                                        </p:tgtEl>
+                                        <p:attrNameLst>
+                                          <p:attrName>ppt_y</p:attrName>
+                                        </p:attrNameLst>
+                                      </p:cBhvr>
+                                      <p:tavLst>
+                                        <p:tav tm="0">
+                                          <p:val>
+                                            <p:strVal val="1+#ppt_h/2"/>
+                                          </p:val>
+                                        </p:tav>
+                                        <p:tav tm="100000">
+                                          <p:val>
+                                            <p:strVal val="#ppt_y"/>
+                                          </p:val>
+                                        </p:tav>
+                                      </p:tavLst>
+                                    </p:anim>
+                                  </p:childTnLst>
+                                </p:cTn>
+                              </p:par>
+                            </p:childTnLst>
+                          </p:cTn>
+                        </p:par>
+                      </p:childTnLst>
+                    </p:cTn>
+                  </p:par>
+                </p:childTnLst>
+              </p:cTn>
+              <p:prevCondLst>
+                <p:cond evt="onPrev" delay="0">
+                  <p:tgtEl>
+                    <p:sldTgt/>
+                  </p:tgtEl>
+                </p:cond>
+              </p:prevCondLst>
+              <p:nextCondLst>
+                <p:cond evt="onNext" delay="0">
+                  <p:tgtEl>
+                    <p:sldTgt/>
+                  </p:tgtEl>
+                </p:cond>
+              </p:nextCondLst>
+            </p:seq>
+          </p:childTnLst>
+        </p:cTn>
+      </p:par>
+    </p:tnLst>
+    <p:bldLst>
+      <p:bldP spid="7" grpId="0" build="p"/>
+      <p:bldP spid="8" grpId="0" build="p"/>
+      <p:bldP spid="9" grpId="0"/>
+      <p:bldP spid="10" grpId="0" animBg="1"/>
+      <p:bldP spid="12" grpId="0" animBg="1"/>
+      <p:bldP spid="13" grpId="0"/>
+      <p:bldP spid="14" grpId="0" animBg="1"/>
+      <p:bldP spid="15" grpId="0"/>
+    </p:bldLst>
+  </p:timing>
 </p:sld>
 </file>
 
@@ -10058,8 +12394,8 @@
         </p:nvSpPr>
         <p:spPr>
           <a:xfrm>
-            <a:off x="647564" y="1491630"/>
-            <a:ext cx="7848872" cy="2880320"/>
+            <a:off x="647564" y="1347614"/>
+            <a:ext cx="7848872" cy="2448272"/>
           </a:xfrm>
         </p:spPr>
         <p:txBody>
@@ -10123,8 +12459,20 @@
           <a:p>
             <a:pPr algn="just"/>
             <a:r>
+              <a:rPr lang="it-IT" sz="2000" b="1" i="1" dirty="0"/>
+              <a:t>Dynamic </a:t>
+            </a:r>
+            <a:r>
+              <a:rPr lang="it-IT" sz="2000" b="1" i="1" dirty="0" err="1"/>
+              <a:t>Programmig</a:t>
+            </a:r>
+            <a:r>
+              <a:rPr lang="it-IT" sz="2000" b="1" i="1" dirty="0"/>
+              <a:t> </a:t>
+            </a:r>
+            <a:r>
               <a:rPr lang="it-IT" sz="2000" dirty="0"/>
-              <a:t>Riguardo i </a:t>
+              <a:t>produce soluzioni migliori in termini di </a:t>
             </a:r>
             <a:r>
               <a:rPr lang="it-IT" sz="2000" b="1" dirty="0"/>
@@ -10136,27 +12484,11 @@
             </a:r>
             <a:r>
               <a:rPr lang="it-IT" sz="2000" i="1" dirty="0"/>
-              <a:t>numero di archi</a:t>
+              <a:t>numero di archi </a:t>
             </a:r>
             <a:r>
               <a:rPr lang="it-IT" sz="2000" dirty="0"/>
-              <a:t>): la </a:t>
-            </a:r>
-            <a:r>
-              <a:rPr lang="it-IT" sz="2000" b="1" i="1" dirty="0"/>
-              <a:t>Dynamic </a:t>
-            </a:r>
-            <a:r>
-              <a:rPr lang="it-IT" sz="2000" b="1" i="1" dirty="0" err="1"/>
-              <a:t>Programmig</a:t>
-            </a:r>
-            <a:r>
-              <a:rPr lang="it-IT" sz="2000" b="1" i="1" dirty="0"/>
-              <a:t>  </a:t>
-            </a:r>
-            <a:r>
-              <a:rPr lang="it-IT" sz="2000" dirty="0"/>
-              <a:t>produce soluzioni migliori</a:t>
+              <a:t>)</a:t>
             </a:r>
           </a:p>
           <a:p>
@@ -10276,41 +12608,364 @@
             <p:ph idx="1"/>
           </p:nvPr>
         </p:nvSpPr>
-        <p:spPr/>
+        <p:spPr>
+          <a:xfrm>
+            <a:off x="251520" y="1201422"/>
+            <a:ext cx="4032448" cy="3270829"/>
+          </a:xfrm>
+        </p:spPr>
         <p:txBody>
           <a:bodyPr>
-            <a:normAutofit lnSpcReduction="10000"/>
+            <a:normAutofit/>
           </a:bodyPr>
           <a:lstStyle/>
           <a:p>
-            <a:pPr marL="0" indent="0" algn="just">
+            <a:r>
+              <a:rPr lang="it-IT" sz="2000" dirty="0"/>
+              <a:t>Algoritmo</a:t>
+            </a:r>
+            <a:r>
+              <a:rPr lang="it-IT" sz="2000" b="1" dirty="0"/>
+              <a:t> </a:t>
+            </a:r>
+            <a:r>
+              <a:rPr lang="it-IT" sz="2000" b="1" i="1" dirty="0" err="1"/>
+              <a:t>construct</a:t>
+            </a:r>
+            <a:endParaRPr lang="it-IT" sz="2000" b="1" i="1" dirty="0"/>
+          </a:p>
+          <a:p>
+            <a:pPr marL="457200" lvl="1" indent="0">
               <a:buNone/>
             </a:pPr>
             <a:r>
-              <a:rPr lang="it-IT" sz="2400" dirty="0"/>
-              <a:t>Tuttavia va tenuto conto del trade-off tra tempi di         esecuzione e reale risparmio in termini di costi: su istanze di dimensione superiori al migliaio di nodi</a:t>
-            </a:r>
-          </a:p>
-          <a:p>
-            <a:pPr algn="just"/>
-            <a:r>
-              <a:rPr lang="it-IT" sz="2400" dirty="0"/>
-              <a:t>la differenza  di costo per lo stesso data set anonimizzato con lo stesso parametro k varia nell’ordine di un migliaio mentre invece</a:t>
-            </a:r>
-          </a:p>
-          <a:p>
-            <a:pPr algn="just"/>
-            <a:r>
-              <a:rPr lang="it-IT" sz="2400" dirty="0"/>
-              <a:t>le differenze nei tempi di produzione del grafo    anonimizzato incrementa fino a raddoppiare nella media i tempi</a:t>
-            </a:r>
+              <a:rPr lang="it-IT" sz="1600" b="1" dirty="0"/>
+              <a:t>PRO</a:t>
+            </a:r>
+            <a:r>
+              <a:rPr lang="it-IT" sz="1600" dirty="0"/>
+              <a:t>:</a:t>
+            </a:r>
+          </a:p>
+          <a:p>
+            <a:pPr lvl="1"/>
+            <a:r>
+              <a:rPr lang="it-IT" sz="1600" dirty="0"/>
+              <a:t>Soluzione ottenuta in tempi molto ristretti</a:t>
+            </a:r>
+          </a:p>
+          <a:p>
+            <a:pPr marL="457200" lvl="1" indent="0">
+              <a:buNone/>
+            </a:pPr>
+            <a:r>
+              <a:rPr lang="it-IT" sz="1600" b="1" dirty="0"/>
+              <a:t>CONTRO</a:t>
+            </a:r>
+            <a:r>
+              <a:rPr lang="it-IT" sz="1600" dirty="0"/>
+              <a:t>:</a:t>
+            </a:r>
+          </a:p>
+          <a:p>
+            <a:pPr lvl="1"/>
+            <a:r>
+              <a:rPr lang="it-IT" sz="1600" dirty="0"/>
+              <a:t>Non mantiene coerenza col grafo originale</a:t>
+            </a:r>
+          </a:p>
+          <a:p>
+            <a:pPr lvl="1"/>
+            <a:r>
+              <a:rPr lang="it-IT" sz="1600" dirty="0"/>
+              <a:t>Introduce molto rumore </a:t>
+            </a:r>
+          </a:p>
+          <a:p>
+            <a:pPr lvl="1"/>
+            <a:r>
+              <a:rPr lang="it-IT" sz="1600" dirty="0"/>
+              <a:t>Rende la soluzione poco utile per analisi successive</a:t>
+            </a:r>
+          </a:p>
+        </p:txBody>
+      </p:sp>
+      <p:sp>
+        <p:nvSpPr>
+          <p:cNvPr id="4" name="CasellaDiTesto 3">
+            <a:extLst>
+              <a:ext uri="{FF2B5EF4-FFF2-40B4-BE49-F238E27FC236}">
+                <a16:creationId xmlns:a16="http://schemas.microsoft.com/office/drawing/2014/main" id="{4C458470-5C51-4050-A326-F214F0F1DD83}"/>
+              </a:ext>
+            </a:extLst>
+          </p:cNvPr>
+          <p:cNvSpPr txBox="1"/>
+          <p:nvPr/>
+        </p:nvSpPr>
+        <p:spPr>
+          <a:xfrm>
+            <a:off x="1206636" y="671249"/>
+            <a:ext cx="1667444" cy="400110"/>
+          </a:xfrm>
+          <a:prstGeom prst="rect">
+            <a:avLst/>
+          </a:prstGeom>
+          <a:noFill/>
+        </p:spPr>
+        <p:txBody>
+          <a:bodyPr wrap="none" rtlCol="0">
+            <a:spAutoFit/>
+          </a:bodyPr>
+          <a:lstStyle/>
+          <a:p>
+            <a:r>
+              <a:rPr lang="it-IT" sz="2000" b="1" dirty="0">
+                <a:solidFill>
+                  <a:schemeClr val="tx2">
+                    <a:lumMod val="20000"/>
+                    <a:lumOff val="80000"/>
+                  </a:schemeClr>
+                </a:solidFill>
+                <a:latin typeface="Arial" pitchFamily="34" charset="0"/>
+                <a:cs typeface="Arial" pitchFamily="34" charset="0"/>
+              </a:rPr>
+              <a:t>Costruzione</a:t>
+            </a:r>
+          </a:p>
+        </p:txBody>
+      </p:sp>
+      <p:sp>
+        <p:nvSpPr>
+          <p:cNvPr id="6" name="Segnaposto contenuto 2">
+            <a:extLst>
+              <a:ext uri="{FF2B5EF4-FFF2-40B4-BE49-F238E27FC236}">
+                <a16:creationId xmlns:a16="http://schemas.microsoft.com/office/drawing/2014/main" id="{0E3E1FC3-46AB-4023-8163-A5243852AD3A}"/>
+              </a:ext>
+            </a:extLst>
+          </p:cNvPr>
+          <p:cNvSpPr txBox="1">
+            <a:spLocks/>
+          </p:cNvSpPr>
+          <p:nvPr/>
+        </p:nvSpPr>
+        <p:spPr>
+          <a:xfrm>
+            <a:off x="4860032" y="1200151"/>
+            <a:ext cx="4032448" cy="3270828"/>
+          </a:xfrm>
+          <a:prstGeom prst="rect">
+            <a:avLst/>
+          </a:prstGeom>
+        </p:spPr>
+        <p:txBody>
+          <a:bodyPr vert="horz" lIns="91440" tIns="45720" rIns="91440" bIns="45720" rtlCol="0">
+            <a:normAutofit/>
+          </a:bodyPr>
+          <a:lstStyle>
+            <a:lvl1pPr marL="342900" indent="-342900" algn="l" defTabSz="914400" rtl="0" eaLnBrk="1" latinLnBrk="1" hangingPunct="1">
+              <a:spcBef>
+                <a:spcPct val="20000"/>
+              </a:spcBef>
+              <a:buFont typeface="Arial" pitchFamily="34" charset="0"/>
+              <a:buChar char="•"/>
+              <a:defRPr sz="3200" kern="1200">
+                <a:solidFill>
+                  <a:schemeClr val="tx1"/>
+                </a:solidFill>
+                <a:latin typeface="+mn-lt"/>
+                <a:ea typeface="+mn-ea"/>
+                <a:cs typeface="+mn-cs"/>
+              </a:defRPr>
+            </a:lvl1pPr>
+            <a:lvl2pPr marL="742950" indent="-285750" algn="l" defTabSz="914400" rtl="0" eaLnBrk="1" latinLnBrk="1" hangingPunct="1">
+              <a:spcBef>
+                <a:spcPct val="20000"/>
+              </a:spcBef>
+              <a:buFont typeface="Arial" pitchFamily="34" charset="0"/>
+              <a:buChar char="–"/>
+              <a:defRPr sz="2800" kern="1200">
+                <a:solidFill>
+                  <a:schemeClr val="tx1"/>
+                </a:solidFill>
+                <a:latin typeface="+mn-lt"/>
+                <a:ea typeface="+mn-ea"/>
+                <a:cs typeface="+mn-cs"/>
+              </a:defRPr>
+            </a:lvl2pPr>
+            <a:lvl3pPr marL="1143000" indent="-228600" algn="l" defTabSz="914400" rtl="0" eaLnBrk="1" latinLnBrk="1" hangingPunct="1">
+              <a:spcBef>
+                <a:spcPct val="20000"/>
+              </a:spcBef>
+              <a:buFont typeface="Arial" pitchFamily="34" charset="0"/>
+              <a:buChar char="•"/>
+              <a:defRPr sz="2400" kern="1200">
+                <a:solidFill>
+                  <a:schemeClr val="tx1"/>
+                </a:solidFill>
+                <a:latin typeface="+mn-lt"/>
+                <a:ea typeface="+mn-ea"/>
+                <a:cs typeface="+mn-cs"/>
+              </a:defRPr>
+            </a:lvl3pPr>
+            <a:lvl4pPr marL="1600200" indent="-228600" algn="l" defTabSz="914400" rtl="0" eaLnBrk="1" latinLnBrk="1" hangingPunct="1">
+              <a:spcBef>
+                <a:spcPct val="20000"/>
+              </a:spcBef>
+              <a:buFont typeface="Arial" pitchFamily="34" charset="0"/>
+              <a:buChar char="–"/>
+              <a:defRPr sz="2000" kern="1200">
+                <a:solidFill>
+                  <a:schemeClr val="tx1"/>
+                </a:solidFill>
+                <a:latin typeface="+mn-lt"/>
+                <a:ea typeface="+mn-ea"/>
+                <a:cs typeface="+mn-cs"/>
+              </a:defRPr>
+            </a:lvl4pPr>
+            <a:lvl5pPr marL="2057400" indent="-228600" algn="l" defTabSz="914400" rtl="0" eaLnBrk="1" latinLnBrk="1" hangingPunct="1">
+              <a:spcBef>
+                <a:spcPct val="20000"/>
+              </a:spcBef>
+              <a:buFont typeface="Arial" pitchFamily="34" charset="0"/>
+              <a:buChar char="»"/>
+              <a:defRPr sz="2000" kern="1200">
+                <a:solidFill>
+                  <a:schemeClr val="tx1"/>
+                </a:solidFill>
+                <a:latin typeface="+mn-lt"/>
+                <a:ea typeface="+mn-ea"/>
+                <a:cs typeface="+mn-cs"/>
+              </a:defRPr>
+            </a:lvl5pPr>
+            <a:lvl6pPr marL="2514600" indent="-228600" algn="l" defTabSz="914400" rtl="0" eaLnBrk="1" latinLnBrk="1" hangingPunct="1">
+              <a:spcBef>
+                <a:spcPct val="20000"/>
+              </a:spcBef>
+              <a:buFont typeface="Arial" pitchFamily="34" charset="0"/>
+              <a:buChar char="•"/>
+              <a:defRPr sz="2000" kern="1200">
+                <a:solidFill>
+                  <a:schemeClr val="tx1"/>
+                </a:solidFill>
+                <a:latin typeface="+mn-lt"/>
+                <a:ea typeface="+mn-ea"/>
+                <a:cs typeface="+mn-cs"/>
+              </a:defRPr>
+            </a:lvl6pPr>
+            <a:lvl7pPr marL="2971800" indent="-228600" algn="l" defTabSz="914400" rtl="0" eaLnBrk="1" latinLnBrk="1" hangingPunct="1">
+              <a:spcBef>
+                <a:spcPct val="20000"/>
+              </a:spcBef>
+              <a:buFont typeface="Arial" pitchFamily="34" charset="0"/>
+              <a:buChar char="•"/>
+              <a:defRPr sz="2000" kern="1200">
+                <a:solidFill>
+                  <a:schemeClr val="tx1"/>
+                </a:solidFill>
+                <a:latin typeface="+mn-lt"/>
+                <a:ea typeface="+mn-ea"/>
+                <a:cs typeface="+mn-cs"/>
+              </a:defRPr>
+            </a:lvl7pPr>
+            <a:lvl8pPr marL="3429000" indent="-228600" algn="l" defTabSz="914400" rtl="0" eaLnBrk="1" latinLnBrk="1" hangingPunct="1">
+              <a:spcBef>
+                <a:spcPct val="20000"/>
+              </a:spcBef>
+              <a:buFont typeface="Arial" pitchFamily="34" charset="0"/>
+              <a:buChar char="•"/>
+              <a:defRPr sz="2000" kern="1200">
+                <a:solidFill>
+                  <a:schemeClr val="tx1"/>
+                </a:solidFill>
+                <a:latin typeface="+mn-lt"/>
+                <a:ea typeface="+mn-ea"/>
+                <a:cs typeface="+mn-cs"/>
+              </a:defRPr>
+            </a:lvl8pPr>
+            <a:lvl9pPr marL="3886200" indent="-228600" algn="l" defTabSz="914400" rtl="0" eaLnBrk="1" latinLnBrk="1" hangingPunct="1">
+              <a:spcBef>
+                <a:spcPct val="20000"/>
+              </a:spcBef>
+              <a:buFont typeface="Arial" pitchFamily="34" charset="0"/>
+              <a:buChar char="•"/>
+              <a:defRPr sz="2000" kern="1200">
+                <a:solidFill>
+                  <a:schemeClr val="tx1"/>
+                </a:solidFill>
+                <a:latin typeface="+mn-lt"/>
+                <a:ea typeface="+mn-ea"/>
+                <a:cs typeface="+mn-cs"/>
+              </a:defRPr>
+            </a:lvl9pPr>
+          </a:lstStyle>
+          <a:p>
+            <a:r>
+              <a:rPr lang="it-IT" sz="2000" dirty="0"/>
+              <a:t>Algoritmo </a:t>
+            </a:r>
+            <a:r>
+              <a:rPr lang="it-IT" sz="2000" b="1" i="1" dirty="0" err="1"/>
+              <a:t>priority</a:t>
+            </a:r>
+            <a:r>
+              <a:rPr lang="it-IT" sz="2000" b="1" i="1" dirty="0"/>
+              <a:t> </a:t>
+            </a:r>
+          </a:p>
+          <a:p>
+            <a:pPr marL="457200" lvl="1" indent="0">
+              <a:buNone/>
+            </a:pPr>
+            <a:r>
+              <a:rPr lang="it-IT" sz="1600" b="1" dirty="0"/>
+              <a:t>PRO</a:t>
+            </a:r>
+            <a:r>
+              <a:rPr lang="it-IT" sz="1600" dirty="0"/>
+              <a:t>:</a:t>
+            </a:r>
+          </a:p>
+          <a:p>
+            <a:pPr lvl="1"/>
+            <a:r>
+              <a:rPr lang="it-IT" sz="1600" dirty="0"/>
+              <a:t>Mantiene coerenza col  grafo originale</a:t>
+            </a:r>
+          </a:p>
+          <a:p>
+            <a:pPr marL="457200" lvl="1" indent="0">
+              <a:buNone/>
+            </a:pPr>
+            <a:r>
+              <a:rPr lang="it-IT" sz="1600" b="1" dirty="0"/>
+              <a:t>CONTRO</a:t>
+            </a:r>
+            <a:r>
+              <a:rPr lang="it-IT" sz="1600" dirty="0"/>
+              <a:t>:</a:t>
+            </a:r>
+          </a:p>
+          <a:p>
+            <a:pPr lvl="1"/>
+            <a:r>
+              <a:rPr lang="it-IT" sz="1600" dirty="0"/>
+              <a:t>Onere computazionale  decisamente più alto</a:t>
+            </a:r>
+          </a:p>
+          <a:p>
+            <a:pPr lvl="1"/>
+            <a:r>
+              <a:rPr lang="it-IT" sz="1600" dirty="0"/>
+              <a:t>Onere computazionale crescente con la dimensione dell’istanza</a:t>
+            </a:r>
+            <a:endParaRPr lang="it-IT" sz="1400" dirty="0"/>
           </a:p>
         </p:txBody>
       </p:sp>
     </p:spTree>
     <p:extLst>
       <p:ext uri="{BB962C8B-B14F-4D97-AF65-F5344CB8AC3E}">
-        <p14:creationId xmlns:p14="http://schemas.microsoft.com/office/powerpoint/2010/main" val="4029363221"/>
+        <p14:creationId xmlns:p14="http://schemas.microsoft.com/office/powerpoint/2010/main" val="166427471"/>
       </p:ext>
     </p:extLst>
   </p:cSld>
@@ -10373,8 +13028,8 @@
         </p:nvSpPr>
         <p:spPr>
           <a:xfrm>
-            <a:off x="251520" y="1201422"/>
-            <a:ext cx="4032448" cy="3270829"/>
+            <a:off x="1002432" y="2143125"/>
+            <a:ext cx="7139136" cy="857250"/>
           </a:xfrm>
         </p:spPr>
         <p:txBody>
@@ -10383,352 +13038,44 @@
           </a:bodyPr>
           <a:lstStyle/>
           <a:p>
-            <a:r>
-              <a:rPr lang="it-IT" sz="2000" dirty="0"/>
-              <a:t>Algoritmo</a:t>
-            </a:r>
-            <a:r>
-              <a:rPr lang="it-IT" sz="2000" b="1" dirty="0"/>
-              <a:t> </a:t>
-            </a:r>
-            <a:r>
-              <a:rPr lang="it-IT" sz="2000" b="1" i="1" dirty="0" err="1"/>
-              <a:t>construct</a:t>
-            </a:r>
-            <a:endParaRPr lang="it-IT" sz="2000" b="1" i="1" dirty="0"/>
-          </a:p>
-          <a:p>
-            <a:pPr marL="457200" lvl="1" indent="0">
+            <a:pPr marL="0" indent="0" algn="ctr">
               <a:buNone/>
             </a:pPr>
             <a:r>
-              <a:rPr lang="it-IT" sz="1600" b="1" dirty="0"/>
-              <a:t>PRO</a:t>
-            </a:r>
-            <a:r>
-              <a:rPr lang="it-IT" sz="1600" dirty="0"/>
-              <a:t>:</a:t>
-            </a:r>
-          </a:p>
-          <a:p>
-            <a:pPr lvl="1"/>
-            <a:r>
-              <a:rPr lang="it-IT" sz="1600" dirty="0"/>
-              <a:t>Soluzione ottenuta in tempi molto ristretti</a:t>
-            </a:r>
-          </a:p>
-          <a:p>
-            <a:pPr marL="457200" lvl="1" indent="0">
-              <a:buNone/>
-            </a:pPr>
-            <a:r>
-              <a:rPr lang="it-IT" sz="1600" b="1" dirty="0"/>
-              <a:t>CONTRO</a:t>
-            </a:r>
-            <a:r>
-              <a:rPr lang="it-IT" sz="1600" dirty="0"/>
-              <a:t>:</a:t>
-            </a:r>
-          </a:p>
-          <a:p>
-            <a:pPr lvl="1"/>
-            <a:r>
-              <a:rPr lang="it-IT" sz="1600" dirty="0"/>
-              <a:t>Non mantiene coerenza col grafo originale</a:t>
-            </a:r>
-          </a:p>
-          <a:p>
-            <a:pPr lvl="1"/>
-            <a:r>
-              <a:rPr lang="it-IT" sz="1600" dirty="0"/>
-              <a:t>Introduce molto rumore </a:t>
-            </a:r>
-          </a:p>
-          <a:p>
-            <a:pPr lvl="1"/>
-            <a:r>
-              <a:rPr lang="it-IT" sz="1600" dirty="0"/>
-              <a:t>Rende la soluzione poco utile per analisi successive</a:t>
-            </a:r>
-          </a:p>
-        </p:txBody>
-      </p:sp>
-      <p:sp>
-        <p:nvSpPr>
-          <p:cNvPr id="4" name="CasellaDiTesto 3">
-            <a:extLst>
-              <a:ext uri="{FF2B5EF4-FFF2-40B4-BE49-F238E27FC236}">
-                <a16:creationId xmlns:a16="http://schemas.microsoft.com/office/drawing/2014/main" id="{4C458470-5C51-4050-A326-F214F0F1DD83}"/>
-              </a:ext>
-            </a:extLst>
-          </p:cNvPr>
-          <p:cNvSpPr txBox="1"/>
-          <p:nvPr/>
-        </p:nvSpPr>
-        <p:spPr>
-          <a:xfrm>
-            <a:off x="1206636" y="671249"/>
-            <a:ext cx="1667444" cy="400110"/>
-          </a:xfrm>
-          <a:prstGeom prst="rect">
-            <a:avLst/>
-          </a:prstGeom>
-          <a:noFill/>
-        </p:spPr>
-        <p:txBody>
-          <a:bodyPr wrap="none" rtlCol="0">
-            <a:spAutoFit/>
-          </a:bodyPr>
-          <a:lstStyle/>
-          <a:p>
-            <a:r>
-              <a:rPr lang="it-IT" sz="2000" b="1" dirty="0">
-                <a:solidFill>
-                  <a:schemeClr val="tx2">
-                    <a:lumMod val="20000"/>
-                    <a:lumOff val="80000"/>
-                  </a:schemeClr>
-                </a:solidFill>
-                <a:latin typeface="Arial" pitchFamily="34" charset="0"/>
-                <a:cs typeface="Arial" pitchFamily="34" charset="0"/>
-              </a:rPr>
-              <a:t>Costruzione</a:t>
-            </a:r>
-          </a:p>
-        </p:txBody>
-      </p:sp>
-      <p:sp>
-        <p:nvSpPr>
-          <p:cNvPr id="6" name="Segnaposto contenuto 2">
-            <a:extLst>
-              <a:ext uri="{FF2B5EF4-FFF2-40B4-BE49-F238E27FC236}">
-                <a16:creationId xmlns:a16="http://schemas.microsoft.com/office/drawing/2014/main" id="{0E3E1FC3-46AB-4023-8163-A5243852AD3A}"/>
-              </a:ext>
-            </a:extLst>
-          </p:cNvPr>
-          <p:cNvSpPr txBox="1">
-            <a:spLocks/>
-          </p:cNvSpPr>
-          <p:nvPr/>
-        </p:nvSpPr>
-        <p:spPr>
-          <a:xfrm>
-            <a:off x="4860032" y="1200151"/>
-            <a:ext cx="4032448" cy="3270828"/>
-          </a:xfrm>
-          <a:prstGeom prst="rect">
-            <a:avLst/>
-          </a:prstGeom>
-        </p:spPr>
-        <p:txBody>
-          <a:bodyPr vert="horz" lIns="91440" tIns="45720" rIns="91440" bIns="45720" rtlCol="0">
-            <a:normAutofit/>
-          </a:bodyPr>
-          <a:lstStyle>
-            <a:lvl1pPr marL="342900" indent="-342900" algn="l" defTabSz="914400" rtl="0" eaLnBrk="1" latinLnBrk="1" hangingPunct="1">
-              <a:spcBef>
-                <a:spcPct val="20000"/>
-              </a:spcBef>
-              <a:buFont typeface="Arial" pitchFamily="34" charset="0"/>
-              <a:buChar char="•"/>
-              <a:defRPr sz="3200" kern="1200">
-                <a:solidFill>
-                  <a:schemeClr val="tx1"/>
-                </a:solidFill>
-                <a:latin typeface="+mn-lt"/>
-                <a:ea typeface="+mn-ea"/>
-                <a:cs typeface="+mn-cs"/>
-              </a:defRPr>
-            </a:lvl1pPr>
-            <a:lvl2pPr marL="742950" indent="-285750" algn="l" defTabSz="914400" rtl="0" eaLnBrk="1" latinLnBrk="1" hangingPunct="1">
-              <a:spcBef>
-                <a:spcPct val="20000"/>
-              </a:spcBef>
-              <a:buFont typeface="Arial" pitchFamily="34" charset="0"/>
-              <a:buChar char="–"/>
-              <a:defRPr sz="2800" kern="1200">
-                <a:solidFill>
-                  <a:schemeClr val="tx1"/>
-                </a:solidFill>
-                <a:latin typeface="+mn-lt"/>
-                <a:ea typeface="+mn-ea"/>
-                <a:cs typeface="+mn-cs"/>
-              </a:defRPr>
-            </a:lvl2pPr>
-            <a:lvl3pPr marL="1143000" indent="-228600" algn="l" defTabSz="914400" rtl="0" eaLnBrk="1" latinLnBrk="1" hangingPunct="1">
-              <a:spcBef>
-                <a:spcPct val="20000"/>
-              </a:spcBef>
-              <a:buFont typeface="Arial" pitchFamily="34" charset="0"/>
-              <a:buChar char="•"/>
-              <a:defRPr sz="2400" kern="1200">
-                <a:solidFill>
-                  <a:schemeClr val="tx1"/>
-                </a:solidFill>
-                <a:latin typeface="+mn-lt"/>
-                <a:ea typeface="+mn-ea"/>
-                <a:cs typeface="+mn-cs"/>
-              </a:defRPr>
-            </a:lvl3pPr>
-            <a:lvl4pPr marL="1600200" indent="-228600" algn="l" defTabSz="914400" rtl="0" eaLnBrk="1" latinLnBrk="1" hangingPunct="1">
-              <a:spcBef>
-                <a:spcPct val="20000"/>
-              </a:spcBef>
-              <a:buFont typeface="Arial" pitchFamily="34" charset="0"/>
-              <a:buChar char="–"/>
-              <a:defRPr sz="2000" kern="1200">
-                <a:solidFill>
-                  <a:schemeClr val="tx1"/>
-                </a:solidFill>
-                <a:latin typeface="+mn-lt"/>
-                <a:ea typeface="+mn-ea"/>
-                <a:cs typeface="+mn-cs"/>
-              </a:defRPr>
-            </a:lvl4pPr>
-            <a:lvl5pPr marL="2057400" indent="-228600" algn="l" defTabSz="914400" rtl="0" eaLnBrk="1" latinLnBrk="1" hangingPunct="1">
-              <a:spcBef>
-                <a:spcPct val="20000"/>
-              </a:spcBef>
-              <a:buFont typeface="Arial" pitchFamily="34" charset="0"/>
-              <a:buChar char="»"/>
-              <a:defRPr sz="2000" kern="1200">
-                <a:solidFill>
-                  <a:schemeClr val="tx1"/>
-                </a:solidFill>
-                <a:latin typeface="+mn-lt"/>
-                <a:ea typeface="+mn-ea"/>
-                <a:cs typeface="+mn-cs"/>
-              </a:defRPr>
-            </a:lvl5pPr>
-            <a:lvl6pPr marL="2514600" indent="-228600" algn="l" defTabSz="914400" rtl="0" eaLnBrk="1" latinLnBrk="1" hangingPunct="1">
-              <a:spcBef>
-                <a:spcPct val="20000"/>
-              </a:spcBef>
-              <a:buFont typeface="Arial" pitchFamily="34" charset="0"/>
-              <a:buChar char="•"/>
-              <a:defRPr sz="2000" kern="1200">
-                <a:solidFill>
-                  <a:schemeClr val="tx1"/>
-                </a:solidFill>
-                <a:latin typeface="+mn-lt"/>
-                <a:ea typeface="+mn-ea"/>
-                <a:cs typeface="+mn-cs"/>
-              </a:defRPr>
-            </a:lvl6pPr>
-            <a:lvl7pPr marL="2971800" indent="-228600" algn="l" defTabSz="914400" rtl="0" eaLnBrk="1" latinLnBrk="1" hangingPunct="1">
-              <a:spcBef>
-                <a:spcPct val="20000"/>
-              </a:spcBef>
-              <a:buFont typeface="Arial" pitchFamily="34" charset="0"/>
-              <a:buChar char="•"/>
-              <a:defRPr sz="2000" kern="1200">
-                <a:solidFill>
-                  <a:schemeClr val="tx1"/>
-                </a:solidFill>
-                <a:latin typeface="+mn-lt"/>
-                <a:ea typeface="+mn-ea"/>
-                <a:cs typeface="+mn-cs"/>
-              </a:defRPr>
-            </a:lvl7pPr>
-            <a:lvl8pPr marL="3429000" indent="-228600" algn="l" defTabSz="914400" rtl="0" eaLnBrk="1" latinLnBrk="1" hangingPunct="1">
-              <a:spcBef>
-                <a:spcPct val="20000"/>
-              </a:spcBef>
-              <a:buFont typeface="Arial" pitchFamily="34" charset="0"/>
-              <a:buChar char="•"/>
-              <a:defRPr sz="2000" kern="1200">
-                <a:solidFill>
-                  <a:schemeClr val="tx1"/>
-                </a:solidFill>
-                <a:latin typeface="+mn-lt"/>
-                <a:ea typeface="+mn-ea"/>
-                <a:cs typeface="+mn-cs"/>
-              </a:defRPr>
-            </a:lvl8pPr>
-            <a:lvl9pPr marL="3886200" indent="-228600" algn="l" defTabSz="914400" rtl="0" eaLnBrk="1" latinLnBrk="1" hangingPunct="1">
-              <a:spcBef>
-                <a:spcPct val="20000"/>
-              </a:spcBef>
-              <a:buFont typeface="Arial" pitchFamily="34" charset="0"/>
-              <a:buChar char="•"/>
-              <a:defRPr sz="2000" kern="1200">
-                <a:solidFill>
-                  <a:schemeClr val="tx1"/>
-                </a:solidFill>
-                <a:latin typeface="+mn-lt"/>
-                <a:ea typeface="+mn-ea"/>
-                <a:cs typeface="+mn-cs"/>
-              </a:defRPr>
-            </a:lvl9pPr>
-          </a:lstStyle>
-          <a:p>
-            <a:r>
-              <a:rPr lang="it-IT" sz="2000" dirty="0"/>
-              <a:t>Algoritmo </a:t>
-            </a:r>
-            <a:r>
-              <a:rPr lang="it-IT" sz="2000" b="1" i="1" dirty="0" err="1"/>
-              <a:t>priority</a:t>
-            </a:r>
-            <a:r>
-              <a:rPr lang="it-IT" sz="2000" b="1" i="1" dirty="0"/>
-              <a:t> </a:t>
-            </a:r>
-          </a:p>
-          <a:p>
-            <a:pPr marL="457200" lvl="1" indent="0">
-              <a:buNone/>
-            </a:pPr>
-            <a:r>
-              <a:rPr lang="it-IT" sz="1600" b="1" dirty="0"/>
-              <a:t>PRO</a:t>
-            </a:r>
-            <a:r>
-              <a:rPr lang="it-IT" sz="1600" dirty="0"/>
-              <a:t>:</a:t>
-            </a:r>
-          </a:p>
-          <a:p>
-            <a:pPr lvl="1"/>
-            <a:r>
-              <a:rPr lang="it-IT" sz="1600" dirty="0"/>
-              <a:t>Mantiene coerenza col  grafo originale</a:t>
-            </a:r>
-          </a:p>
-          <a:p>
-            <a:pPr marL="457200" lvl="1" indent="0">
-              <a:buNone/>
-            </a:pPr>
-            <a:r>
-              <a:rPr lang="it-IT" sz="1600" b="1" dirty="0"/>
-              <a:t>CONTRO</a:t>
-            </a:r>
-            <a:r>
-              <a:rPr lang="it-IT" sz="1600" dirty="0"/>
-              <a:t>:</a:t>
-            </a:r>
-          </a:p>
-          <a:p>
-            <a:pPr lvl="1"/>
-            <a:r>
-              <a:rPr lang="it-IT" sz="1600" dirty="0"/>
-              <a:t>Onere computazionale  decisamente più alto</a:t>
-            </a:r>
-          </a:p>
-          <a:p>
-            <a:pPr lvl="1"/>
-            <a:r>
-              <a:rPr lang="it-IT" sz="1600" dirty="0"/>
-              <a:t>Onere computazionale crescente con la dimensione dell’istanza</a:t>
-            </a:r>
-            <a:endParaRPr lang="it-IT" sz="1400" dirty="0"/>
+              <a:rPr lang="it-IT" sz="2400" dirty="0"/>
+              <a:t>Va però tenuto conto del </a:t>
+            </a:r>
+            <a:r>
+              <a:rPr lang="it-IT" sz="2400" b="1" i="1" dirty="0"/>
+              <a:t>trade-off</a:t>
+            </a:r>
+            <a:r>
+              <a:rPr lang="it-IT" sz="2400" dirty="0"/>
+              <a:t> tra </a:t>
+            </a:r>
+            <a:r>
+              <a:rPr lang="it-IT" sz="2400" b="1" dirty="0"/>
+              <a:t>tempi</a:t>
+            </a:r>
+            <a:r>
+              <a:rPr lang="it-IT" sz="2400" dirty="0"/>
+              <a:t> di esecuzione e reale risparmio in termini di </a:t>
+            </a:r>
+            <a:r>
+              <a:rPr lang="it-IT" sz="2400" b="1" dirty="0"/>
+              <a:t>costi</a:t>
+            </a:r>
+            <a:r>
+              <a:rPr lang="it-IT" sz="2400" dirty="0"/>
+              <a:t>.</a:t>
+            </a:r>
           </a:p>
         </p:txBody>
       </p:sp>
     </p:spTree>
     <p:extLst>
       <p:ext uri="{BB962C8B-B14F-4D97-AF65-F5344CB8AC3E}">
-        <p14:creationId xmlns:p14="http://schemas.microsoft.com/office/powerpoint/2010/main" val="166427471"/>
+        <p14:creationId xmlns:p14="http://schemas.microsoft.com/office/powerpoint/2010/main" val="4029363221"/>
       </p:ext>
     </p:extLst>
   </p:cSld>
@@ -10771,14 +13118,11 @@
           <a:lstStyle/>
           <a:p>
             <a:r>
-              <a:rPr lang="en-GB" dirty="0" err="1">
+              <a:rPr lang="it-IT" dirty="0">
                 <a:latin typeface="+mj-lt"/>
               </a:rPr>
               <a:t>Conclusioni</a:t>
             </a:r>
-            <a:endParaRPr lang="it-IT" dirty="0">
-              <a:latin typeface="+mj-lt"/>
-            </a:endParaRPr>
           </a:p>
         </p:txBody>
       </p:sp>
@@ -10795,7 +13139,7 @@
         <p:spPr/>
         <p:txBody>
           <a:bodyPr>
-            <a:normAutofit fontScale="47500" lnSpcReduction="20000"/>
+            <a:normAutofit/>
           </a:bodyPr>
           <a:lstStyle/>
           <a:p>
@@ -10803,103 +13147,1180 @@
               <a:buNone/>
             </a:pPr>
             <a:r>
-              <a:rPr lang="it-IT" dirty="0"/>
-              <a:t>In conclusione l’algoritmo migliore dipende dalle necessità di chi deve manipolare             successivamente il grafo anonimizzato:</a:t>
-            </a:r>
-          </a:p>
-          <a:p>
-            <a:pPr lvl="0" algn="just"/>
-            <a:r>
-              <a:rPr lang="it-IT" dirty="0"/>
-              <a:t>Nel caso di frequenti analisi su data set estesi è consigliabile l’utilizzo di una               combinazione </a:t>
-            </a:r>
-            <a:r>
-              <a:rPr lang="it-IT" b="1" dirty="0"/>
-              <a:t>DP – </a:t>
-            </a:r>
-            <a:r>
-              <a:rPr lang="it-IT" b="1" dirty="0" err="1"/>
-              <a:t>Construct</a:t>
-            </a:r>
-            <a:r>
-              <a:rPr lang="it-IT" b="1" dirty="0"/>
-              <a:t> </a:t>
-            </a:r>
-            <a:r>
-              <a:rPr lang="it-IT" dirty="0"/>
-              <a:t>per non incombere in tempi computazionali troppo        elevati mantenendo un costo di anonimizzazione ottimo</a:t>
-            </a:r>
-          </a:p>
-          <a:p>
-            <a:pPr lvl="0" algn="just"/>
-            <a:r>
-              <a:rPr lang="it-IT" dirty="0"/>
-              <a:t>Nel caso di dati molto affidabili e coerenti con il grafo di provenienza, la scelta            consigliata dai dati ottenuti risulta essere l’utilizzo della combinazione </a:t>
-            </a:r>
-            <a:r>
-              <a:rPr lang="it-IT" b="1" dirty="0"/>
-              <a:t>Greedy – </a:t>
-            </a:r>
-            <a:r>
-              <a:rPr lang="it-IT" b="1" dirty="0" err="1"/>
-              <a:t>Priority</a:t>
-            </a:r>
-            <a:r>
-              <a:rPr lang="it-IT" b="1" dirty="0"/>
-              <a:t> </a:t>
-            </a:r>
-            <a:r>
-              <a:rPr lang="it-IT" dirty="0"/>
-              <a:t>che conferisce tempi medi di esecuzione leggermente più alti di quelli ottenuti con il    caso precedente, introducendo però la coerenza dei dati.</a:t>
-            </a:r>
-          </a:p>
-          <a:p>
-            <a:pPr lvl="0" algn="just"/>
-            <a:r>
-              <a:rPr lang="it-IT" dirty="0"/>
-              <a:t>Per anonimizzazioni rapide su data set molto estesi (utile ad esempio per un web        service) la soluzione migliore risulta essere la combinazione </a:t>
-            </a:r>
-            <a:r>
-              <a:rPr lang="it-IT" b="1" dirty="0"/>
-              <a:t>Greedy – </a:t>
-            </a:r>
-            <a:r>
-              <a:rPr lang="it-IT" b="1" dirty="0" err="1"/>
-              <a:t>Construct</a:t>
-            </a:r>
-            <a:r>
-              <a:rPr lang="it-IT" dirty="0"/>
-              <a:t>.</a:t>
-            </a:r>
-          </a:p>
-          <a:p>
-            <a:pPr lvl="0" algn="just"/>
-            <a:r>
-              <a:rPr lang="it-IT" dirty="0"/>
-              <a:t>Per la massima precisione e coerenza dei dati è necessario utilizzare </a:t>
-            </a:r>
-            <a:r>
-              <a:rPr lang="it-IT" b="1" dirty="0"/>
-              <a:t>DP – </a:t>
-            </a:r>
-            <a:r>
-              <a:rPr lang="it-IT" b="1" dirty="0" err="1"/>
-              <a:t>Priority</a:t>
-            </a:r>
-            <a:r>
-              <a:rPr lang="it-IT" b="1" dirty="0"/>
-              <a:t> </a:t>
-            </a:r>
-            <a:r>
-              <a:rPr lang="it-IT" dirty="0"/>
-              <a:t>al     costo di tempi di esecuzione molto elevati su istanze anche non estremamente estese.</a:t>
-            </a:r>
-          </a:p>
-          <a:p>
-            <a:pPr marL="0" indent="0" algn="just">
+              <a:rPr lang="it-IT" sz="2400" dirty="0"/>
+              <a:t>Su istanze di dimensione superiori al migliaio di nodi:</a:t>
+            </a:r>
+          </a:p>
+          <a:p>
+            <a:pPr algn="just"/>
+            <a:r>
+              <a:rPr lang="it-IT" sz="2400" dirty="0"/>
+              <a:t>Il costo di </a:t>
+            </a:r>
+            <a:r>
+              <a:rPr lang="it-IT" sz="2400" dirty="0" err="1"/>
+              <a:t>anonimizzazione</a:t>
+            </a:r>
+            <a:r>
+              <a:rPr lang="it-IT" sz="2400" dirty="0"/>
+              <a:t> tra i due algoritmi varia nell’ordine del migliaio di archi</a:t>
+            </a:r>
+          </a:p>
+          <a:p>
+            <a:pPr algn="just"/>
+            <a:r>
+              <a:rPr lang="it-IT" sz="2400" dirty="0"/>
+              <a:t>La differenza nei tempi di produzione del grafo anonimizzato si incrementa fino a raddoppiare nella media dei tempi</a:t>
+            </a:r>
+          </a:p>
+        </p:txBody>
+      </p:sp>
+    </p:spTree>
+    <p:extLst>
+      <p:ext uri="{BB962C8B-B14F-4D97-AF65-F5344CB8AC3E}">
+        <p14:creationId xmlns:p14="http://schemas.microsoft.com/office/powerpoint/2010/main" val="1990359295"/>
+      </p:ext>
+    </p:extLst>
+  </p:cSld>
+  <p:clrMapOvr>
+    <a:masterClrMapping/>
+  </p:clrMapOvr>
+</p:sld>
+</file>
+
+<file path=ppt/slides/slide26.xml><?xml version="1.0" encoding="utf-8"?>
+<p:sld xmlns:a="http://schemas.openxmlformats.org/drawingml/2006/main" xmlns:r="http://schemas.openxmlformats.org/officeDocument/2006/relationships" xmlns:p="http://schemas.openxmlformats.org/presentationml/2006/main">
+  <p:cSld>
+    <p:spTree>
+      <p:nvGrpSpPr>
+        <p:cNvPr id="1" name=""/>
+        <p:cNvGrpSpPr/>
+        <p:nvPr/>
+      </p:nvGrpSpPr>
+      <p:grpSpPr>
+        <a:xfrm>
+          <a:off x="0" y="0"/>
+          <a:ext cx="0" cy="0"/>
+          <a:chOff x="0" y="0"/>
+          <a:chExt cx="0" cy="0"/>
+        </a:xfrm>
+      </p:grpSpPr>
+      <p:sp>
+        <p:nvSpPr>
+          <p:cNvPr id="2" name="Titolo 1"/>
+          <p:cNvSpPr>
+            <a:spLocks noGrp="1"/>
+          </p:cNvSpPr>
+          <p:nvPr>
+            <p:ph type="title"/>
+          </p:nvPr>
+        </p:nvSpPr>
+        <p:spPr/>
+        <p:txBody>
+          <a:bodyPr/>
+          <a:lstStyle/>
+          <a:p>
+            <a:r>
+              <a:rPr lang="en-GB" dirty="0" err="1">
+                <a:latin typeface="+mj-lt"/>
+              </a:rPr>
+              <a:t>Conclusioni</a:t>
+            </a:r>
+            <a:endParaRPr lang="it-IT" dirty="0">
+              <a:latin typeface="+mj-lt"/>
+            </a:endParaRPr>
+          </a:p>
+        </p:txBody>
+      </p:sp>
+      <p:sp>
+        <p:nvSpPr>
+          <p:cNvPr id="3" name="Segnaposto contenuto 2"/>
+          <p:cNvSpPr>
+            <a:spLocks noGrp="1"/>
+          </p:cNvSpPr>
+          <p:nvPr>
+            <p:ph idx="1"/>
+          </p:nvPr>
+        </p:nvSpPr>
+        <p:spPr>
+          <a:xfrm>
+            <a:off x="642392" y="1849946"/>
+            <a:ext cx="7859216" cy="1443608"/>
+          </a:xfrm>
+        </p:spPr>
+        <p:txBody>
+          <a:bodyPr>
+            <a:normAutofit/>
+          </a:bodyPr>
+          <a:lstStyle/>
+          <a:p>
+            <a:pPr marL="0" indent="0" algn="ctr">
               <a:buNone/>
             </a:pPr>
-            <a:endParaRPr lang="it-IT" sz="2400" dirty="0"/>
+            <a:r>
+              <a:rPr lang="it-IT" sz="2800" dirty="0"/>
+              <a:t>In sostanza: l’algoritmo migliore dipende dalle necessità di chi dovrà manipolare o analizzare il grafo anonimizzato</a:t>
+            </a:r>
+            <a:endParaRPr lang="it-IT" sz="2000" dirty="0"/>
+          </a:p>
+        </p:txBody>
+      </p:sp>
+    </p:spTree>
+    <p:extLst>
+      <p:ext uri="{BB962C8B-B14F-4D97-AF65-F5344CB8AC3E}">
+        <p14:creationId xmlns:p14="http://schemas.microsoft.com/office/powerpoint/2010/main" val="3427421974"/>
+      </p:ext>
+    </p:extLst>
+  </p:cSld>
+  <p:clrMapOvr>
+    <a:masterClrMapping/>
+  </p:clrMapOvr>
+</p:sld>
+</file>
+
+<file path=ppt/slides/slide27.xml><?xml version="1.0" encoding="utf-8"?>
+<p:sld xmlns:a="http://schemas.openxmlformats.org/drawingml/2006/main" xmlns:r="http://schemas.openxmlformats.org/officeDocument/2006/relationships" xmlns:p="http://schemas.openxmlformats.org/presentationml/2006/main">
+  <p:cSld>
+    <p:spTree>
+      <p:nvGrpSpPr>
+        <p:cNvPr id="1" name=""/>
+        <p:cNvGrpSpPr/>
+        <p:nvPr/>
+      </p:nvGrpSpPr>
+      <p:grpSpPr>
+        <a:xfrm>
+          <a:off x="0" y="0"/>
+          <a:ext cx="0" cy="0"/>
+          <a:chOff x="0" y="0"/>
+          <a:chExt cx="0" cy="0"/>
+        </a:xfrm>
+      </p:grpSpPr>
+      <p:sp>
+        <p:nvSpPr>
+          <p:cNvPr id="2" name="Titolo 1"/>
+          <p:cNvSpPr>
+            <a:spLocks noGrp="1"/>
+          </p:cNvSpPr>
+          <p:nvPr>
+            <p:ph type="title"/>
+          </p:nvPr>
+        </p:nvSpPr>
+        <p:spPr/>
+        <p:txBody>
+          <a:bodyPr/>
+          <a:lstStyle/>
+          <a:p>
+            <a:r>
+              <a:rPr lang="en-GB" dirty="0" err="1">
+                <a:latin typeface="+mj-lt"/>
+              </a:rPr>
+              <a:t>Conclusioni</a:t>
+            </a:r>
+            <a:endParaRPr lang="it-IT" dirty="0">
+              <a:latin typeface="+mj-lt"/>
+            </a:endParaRPr>
+          </a:p>
+        </p:txBody>
+      </p:sp>
+      <p:sp>
+        <p:nvSpPr>
+          <p:cNvPr id="3" name="Segnaposto contenuto 2"/>
+          <p:cNvSpPr>
+            <a:spLocks noGrp="1"/>
+          </p:cNvSpPr>
+          <p:nvPr>
+            <p:ph idx="1"/>
+          </p:nvPr>
+        </p:nvSpPr>
+        <p:spPr>
+          <a:xfrm>
+            <a:off x="1043608" y="1130727"/>
+            <a:ext cx="2304256" cy="721803"/>
+          </a:xfrm>
+        </p:spPr>
+        <p:txBody>
+          <a:bodyPr>
+            <a:noAutofit/>
+          </a:bodyPr>
+          <a:lstStyle/>
+          <a:p>
+            <a:pPr marL="0" lvl="0" indent="0" algn="ctr">
+              <a:buNone/>
+            </a:pPr>
+            <a:r>
+              <a:rPr lang="it-IT" sz="2000" dirty="0"/>
+              <a:t>Analisi </a:t>
+            </a:r>
+            <a:r>
+              <a:rPr lang="it-IT" sz="2000" b="1" dirty="0"/>
+              <a:t>frequenti</a:t>
+            </a:r>
+            <a:r>
+              <a:rPr lang="it-IT" sz="2000" dirty="0"/>
+              <a:t> su Data Set </a:t>
+            </a:r>
+            <a:r>
+              <a:rPr lang="it-IT" sz="2000" b="1" dirty="0"/>
+              <a:t>estesi</a:t>
+            </a:r>
+          </a:p>
+        </p:txBody>
+      </p:sp>
+      <p:sp>
+        <p:nvSpPr>
+          <p:cNvPr id="4" name="Freccia a sinistra 3">
+            <a:extLst>
+              <a:ext uri="{FF2B5EF4-FFF2-40B4-BE49-F238E27FC236}">
+                <a16:creationId xmlns:a16="http://schemas.microsoft.com/office/drawing/2014/main" id="{52AAD68B-C27E-4FFA-9271-129D6C7B0C9E}"/>
+              </a:ext>
+            </a:extLst>
+          </p:cNvPr>
+          <p:cNvSpPr/>
+          <p:nvPr/>
+        </p:nvSpPr>
+        <p:spPr>
+          <a:xfrm rot="16200000">
+            <a:off x="1764981" y="2247281"/>
+            <a:ext cx="861512" cy="288033"/>
+          </a:xfrm>
+          <a:prstGeom prst="leftArrow">
+            <a:avLst/>
+          </a:prstGeom>
+          <a:solidFill>
+            <a:schemeClr val="accent5">
+              <a:lumMod val="60000"/>
+              <a:lumOff val="40000"/>
+            </a:schemeClr>
+          </a:solidFill>
+        </p:spPr>
+        <p:style>
+          <a:lnRef idx="2">
+            <a:schemeClr val="accent1">
+              <a:shade val="50000"/>
+            </a:schemeClr>
+          </a:lnRef>
+          <a:fillRef idx="1">
+            <a:schemeClr val="accent1"/>
+          </a:fillRef>
+          <a:effectRef idx="0">
+            <a:schemeClr val="accent1"/>
+          </a:effectRef>
+          <a:fontRef idx="minor">
+            <a:schemeClr val="lt1"/>
+          </a:fontRef>
+        </p:style>
+        <p:txBody>
+          <a:bodyPr rtlCol="0" anchor="ctr"/>
+          <a:lstStyle/>
+          <a:p>
+            <a:pPr algn="ctr"/>
+            <a:endParaRPr lang="it-IT"/>
+          </a:p>
+        </p:txBody>
+      </p:sp>
+      <p:sp>
+        <p:nvSpPr>
+          <p:cNvPr id="5" name="Segnaposto contenuto 2">
+            <a:extLst>
+              <a:ext uri="{FF2B5EF4-FFF2-40B4-BE49-F238E27FC236}">
+                <a16:creationId xmlns:a16="http://schemas.microsoft.com/office/drawing/2014/main" id="{A2F20AAD-39E9-48BB-9E24-A3B662A0B11F}"/>
+              </a:ext>
+            </a:extLst>
+          </p:cNvPr>
+          <p:cNvSpPr txBox="1">
+            <a:spLocks/>
+          </p:cNvSpPr>
+          <p:nvPr/>
+        </p:nvSpPr>
+        <p:spPr>
+          <a:xfrm>
+            <a:off x="1186644" y="2930067"/>
+            <a:ext cx="2018184" cy="721803"/>
+          </a:xfrm>
+          <a:prstGeom prst="rect">
+            <a:avLst/>
+          </a:prstGeom>
+        </p:spPr>
+        <p:txBody>
+          <a:bodyPr vert="horz" lIns="91440" tIns="45720" rIns="91440" bIns="45720" rtlCol="0">
+            <a:normAutofit/>
+          </a:bodyPr>
+          <a:lstStyle>
+            <a:lvl1pPr marL="342900" indent="-342900" algn="l" defTabSz="914400" rtl="0" eaLnBrk="1" latinLnBrk="1" hangingPunct="1">
+              <a:spcBef>
+                <a:spcPct val="20000"/>
+              </a:spcBef>
+              <a:buFont typeface="Arial" pitchFamily="34" charset="0"/>
+              <a:buChar char="•"/>
+              <a:defRPr sz="3200" kern="1200">
+                <a:solidFill>
+                  <a:schemeClr val="tx1"/>
+                </a:solidFill>
+                <a:latin typeface="+mn-lt"/>
+                <a:ea typeface="+mn-ea"/>
+                <a:cs typeface="+mn-cs"/>
+              </a:defRPr>
+            </a:lvl1pPr>
+            <a:lvl2pPr marL="742950" indent="-285750" algn="l" defTabSz="914400" rtl="0" eaLnBrk="1" latinLnBrk="1" hangingPunct="1">
+              <a:spcBef>
+                <a:spcPct val="20000"/>
+              </a:spcBef>
+              <a:buFont typeface="Arial" pitchFamily="34" charset="0"/>
+              <a:buChar char="–"/>
+              <a:defRPr sz="2800" kern="1200">
+                <a:solidFill>
+                  <a:schemeClr val="tx1"/>
+                </a:solidFill>
+                <a:latin typeface="+mn-lt"/>
+                <a:ea typeface="+mn-ea"/>
+                <a:cs typeface="+mn-cs"/>
+              </a:defRPr>
+            </a:lvl2pPr>
+            <a:lvl3pPr marL="1143000" indent="-228600" algn="l" defTabSz="914400" rtl="0" eaLnBrk="1" latinLnBrk="1" hangingPunct="1">
+              <a:spcBef>
+                <a:spcPct val="20000"/>
+              </a:spcBef>
+              <a:buFont typeface="Arial" pitchFamily="34" charset="0"/>
+              <a:buChar char="•"/>
+              <a:defRPr sz="2400" kern="1200">
+                <a:solidFill>
+                  <a:schemeClr val="tx1"/>
+                </a:solidFill>
+                <a:latin typeface="+mn-lt"/>
+                <a:ea typeface="+mn-ea"/>
+                <a:cs typeface="+mn-cs"/>
+              </a:defRPr>
+            </a:lvl3pPr>
+            <a:lvl4pPr marL="1600200" indent="-228600" algn="l" defTabSz="914400" rtl="0" eaLnBrk="1" latinLnBrk="1" hangingPunct="1">
+              <a:spcBef>
+                <a:spcPct val="20000"/>
+              </a:spcBef>
+              <a:buFont typeface="Arial" pitchFamily="34" charset="0"/>
+              <a:buChar char="–"/>
+              <a:defRPr sz="2000" kern="1200">
+                <a:solidFill>
+                  <a:schemeClr val="tx1"/>
+                </a:solidFill>
+                <a:latin typeface="+mn-lt"/>
+                <a:ea typeface="+mn-ea"/>
+                <a:cs typeface="+mn-cs"/>
+              </a:defRPr>
+            </a:lvl4pPr>
+            <a:lvl5pPr marL="2057400" indent="-228600" algn="l" defTabSz="914400" rtl="0" eaLnBrk="1" latinLnBrk="1" hangingPunct="1">
+              <a:spcBef>
+                <a:spcPct val="20000"/>
+              </a:spcBef>
+              <a:buFont typeface="Arial" pitchFamily="34" charset="0"/>
+              <a:buChar char="»"/>
+              <a:defRPr sz="2000" kern="1200">
+                <a:solidFill>
+                  <a:schemeClr val="tx1"/>
+                </a:solidFill>
+                <a:latin typeface="+mn-lt"/>
+                <a:ea typeface="+mn-ea"/>
+                <a:cs typeface="+mn-cs"/>
+              </a:defRPr>
+            </a:lvl5pPr>
+            <a:lvl6pPr marL="2514600" indent="-228600" algn="l" defTabSz="914400" rtl="0" eaLnBrk="1" latinLnBrk="1" hangingPunct="1">
+              <a:spcBef>
+                <a:spcPct val="20000"/>
+              </a:spcBef>
+              <a:buFont typeface="Arial" pitchFamily="34" charset="0"/>
+              <a:buChar char="•"/>
+              <a:defRPr sz="2000" kern="1200">
+                <a:solidFill>
+                  <a:schemeClr val="tx1"/>
+                </a:solidFill>
+                <a:latin typeface="+mn-lt"/>
+                <a:ea typeface="+mn-ea"/>
+                <a:cs typeface="+mn-cs"/>
+              </a:defRPr>
+            </a:lvl6pPr>
+            <a:lvl7pPr marL="2971800" indent="-228600" algn="l" defTabSz="914400" rtl="0" eaLnBrk="1" latinLnBrk="1" hangingPunct="1">
+              <a:spcBef>
+                <a:spcPct val="20000"/>
+              </a:spcBef>
+              <a:buFont typeface="Arial" pitchFamily="34" charset="0"/>
+              <a:buChar char="•"/>
+              <a:defRPr sz="2000" kern="1200">
+                <a:solidFill>
+                  <a:schemeClr val="tx1"/>
+                </a:solidFill>
+                <a:latin typeface="+mn-lt"/>
+                <a:ea typeface="+mn-ea"/>
+                <a:cs typeface="+mn-cs"/>
+              </a:defRPr>
+            </a:lvl7pPr>
+            <a:lvl8pPr marL="3429000" indent="-228600" algn="l" defTabSz="914400" rtl="0" eaLnBrk="1" latinLnBrk="1" hangingPunct="1">
+              <a:spcBef>
+                <a:spcPct val="20000"/>
+              </a:spcBef>
+              <a:buFont typeface="Arial" pitchFamily="34" charset="0"/>
+              <a:buChar char="•"/>
+              <a:defRPr sz="2000" kern="1200">
+                <a:solidFill>
+                  <a:schemeClr val="tx1"/>
+                </a:solidFill>
+                <a:latin typeface="+mn-lt"/>
+                <a:ea typeface="+mn-ea"/>
+                <a:cs typeface="+mn-cs"/>
+              </a:defRPr>
+            </a:lvl8pPr>
+            <a:lvl9pPr marL="3886200" indent="-228600" algn="l" defTabSz="914400" rtl="0" eaLnBrk="1" latinLnBrk="1" hangingPunct="1">
+              <a:spcBef>
+                <a:spcPct val="20000"/>
+              </a:spcBef>
+              <a:buFont typeface="Arial" pitchFamily="34" charset="0"/>
+              <a:buChar char="•"/>
+              <a:defRPr sz="2000" kern="1200">
+                <a:solidFill>
+                  <a:schemeClr val="tx1"/>
+                </a:solidFill>
+                <a:latin typeface="+mn-lt"/>
+                <a:ea typeface="+mn-ea"/>
+                <a:cs typeface="+mn-cs"/>
+              </a:defRPr>
+            </a:lvl9pPr>
+          </a:lstStyle>
+          <a:p>
+            <a:pPr marL="0" indent="0" algn="ctr">
+              <a:buFont typeface="Arial" pitchFamily="34" charset="0"/>
+              <a:buNone/>
+            </a:pPr>
+            <a:r>
+              <a:rPr lang="it-IT" sz="2000" dirty="0"/>
+              <a:t>Combinazione </a:t>
+            </a:r>
+            <a:r>
+              <a:rPr lang="it-IT" sz="2000" b="1" dirty="0"/>
+              <a:t>DP – </a:t>
+            </a:r>
+            <a:r>
+              <a:rPr lang="it-IT" sz="2000" b="1" dirty="0" err="1"/>
+              <a:t>Construct</a:t>
+            </a:r>
+            <a:endParaRPr lang="it-IT" sz="1600" dirty="0"/>
+          </a:p>
+        </p:txBody>
+      </p:sp>
+      <p:sp>
+        <p:nvSpPr>
+          <p:cNvPr id="6" name="Segnaposto contenuto 2">
+            <a:extLst>
+              <a:ext uri="{FF2B5EF4-FFF2-40B4-BE49-F238E27FC236}">
+                <a16:creationId xmlns:a16="http://schemas.microsoft.com/office/drawing/2014/main" id="{6F19C448-41DA-4A1F-A840-40BEC5D113AC}"/>
+              </a:ext>
+            </a:extLst>
+          </p:cNvPr>
+          <p:cNvSpPr txBox="1">
+            <a:spLocks/>
+          </p:cNvSpPr>
+          <p:nvPr/>
+        </p:nvSpPr>
+        <p:spPr>
+          <a:xfrm>
+            <a:off x="4987403" y="2231130"/>
+            <a:ext cx="3168352" cy="721803"/>
+          </a:xfrm>
+          <a:prstGeom prst="rect">
+            <a:avLst/>
+          </a:prstGeom>
+        </p:spPr>
+        <p:txBody>
+          <a:bodyPr vert="horz" lIns="91440" tIns="45720" rIns="91440" bIns="45720" rtlCol="0">
+            <a:normAutofit/>
+          </a:bodyPr>
+          <a:lstStyle>
+            <a:lvl1pPr marL="342900" indent="-342900" algn="l" defTabSz="914400" rtl="0" eaLnBrk="1" latinLnBrk="1" hangingPunct="1">
+              <a:spcBef>
+                <a:spcPct val="20000"/>
+              </a:spcBef>
+              <a:buFont typeface="Arial" pitchFamily="34" charset="0"/>
+              <a:buChar char="•"/>
+              <a:defRPr sz="3200" kern="1200">
+                <a:solidFill>
+                  <a:schemeClr val="tx1"/>
+                </a:solidFill>
+                <a:latin typeface="+mn-lt"/>
+                <a:ea typeface="+mn-ea"/>
+                <a:cs typeface="+mn-cs"/>
+              </a:defRPr>
+            </a:lvl1pPr>
+            <a:lvl2pPr marL="742950" indent="-285750" algn="l" defTabSz="914400" rtl="0" eaLnBrk="1" latinLnBrk="1" hangingPunct="1">
+              <a:spcBef>
+                <a:spcPct val="20000"/>
+              </a:spcBef>
+              <a:buFont typeface="Arial" pitchFamily="34" charset="0"/>
+              <a:buChar char="–"/>
+              <a:defRPr sz="2800" kern="1200">
+                <a:solidFill>
+                  <a:schemeClr val="tx1"/>
+                </a:solidFill>
+                <a:latin typeface="+mn-lt"/>
+                <a:ea typeface="+mn-ea"/>
+                <a:cs typeface="+mn-cs"/>
+              </a:defRPr>
+            </a:lvl2pPr>
+            <a:lvl3pPr marL="1143000" indent="-228600" algn="l" defTabSz="914400" rtl="0" eaLnBrk="1" latinLnBrk="1" hangingPunct="1">
+              <a:spcBef>
+                <a:spcPct val="20000"/>
+              </a:spcBef>
+              <a:buFont typeface="Arial" pitchFamily="34" charset="0"/>
+              <a:buChar char="•"/>
+              <a:defRPr sz="2400" kern="1200">
+                <a:solidFill>
+                  <a:schemeClr val="tx1"/>
+                </a:solidFill>
+                <a:latin typeface="+mn-lt"/>
+                <a:ea typeface="+mn-ea"/>
+                <a:cs typeface="+mn-cs"/>
+              </a:defRPr>
+            </a:lvl3pPr>
+            <a:lvl4pPr marL="1600200" indent="-228600" algn="l" defTabSz="914400" rtl="0" eaLnBrk="1" latinLnBrk="1" hangingPunct="1">
+              <a:spcBef>
+                <a:spcPct val="20000"/>
+              </a:spcBef>
+              <a:buFont typeface="Arial" pitchFamily="34" charset="0"/>
+              <a:buChar char="–"/>
+              <a:defRPr sz="2000" kern="1200">
+                <a:solidFill>
+                  <a:schemeClr val="tx1"/>
+                </a:solidFill>
+                <a:latin typeface="+mn-lt"/>
+                <a:ea typeface="+mn-ea"/>
+                <a:cs typeface="+mn-cs"/>
+              </a:defRPr>
+            </a:lvl4pPr>
+            <a:lvl5pPr marL="2057400" indent="-228600" algn="l" defTabSz="914400" rtl="0" eaLnBrk="1" latinLnBrk="1" hangingPunct="1">
+              <a:spcBef>
+                <a:spcPct val="20000"/>
+              </a:spcBef>
+              <a:buFont typeface="Arial" pitchFamily="34" charset="0"/>
+              <a:buChar char="»"/>
+              <a:defRPr sz="2000" kern="1200">
+                <a:solidFill>
+                  <a:schemeClr val="tx1"/>
+                </a:solidFill>
+                <a:latin typeface="+mn-lt"/>
+                <a:ea typeface="+mn-ea"/>
+                <a:cs typeface="+mn-cs"/>
+              </a:defRPr>
+            </a:lvl5pPr>
+            <a:lvl6pPr marL="2514600" indent="-228600" algn="l" defTabSz="914400" rtl="0" eaLnBrk="1" latinLnBrk="1" hangingPunct="1">
+              <a:spcBef>
+                <a:spcPct val="20000"/>
+              </a:spcBef>
+              <a:buFont typeface="Arial" pitchFamily="34" charset="0"/>
+              <a:buChar char="•"/>
+              <a:defRPr sz="2000" kern="1200">
+                <a:solidFill>
+                  <a:schemeClr val="tx1"/>
+                </a:solidFill>
+                <a:latin typeface="+mn-lt"/>
+                <a:ea typeface="+mn-ea"/>
+                <a:cs typeface="+mn-cs"/>
+              </a:defRPr>
+            </a:lvl6pPr>
+            <a:lvl7pPr marL="2971800" indent="-228600" algn="l" defTabSz="914400" rtl="0" eaLnBrk="1" latinLnBrk="1" hangingPunct="1">
+              <a:spcBef>
+                <a:spcPct val="20000"/>
+              </a:spcBef>
+              <a:buFont typeface="Arial" pitchFamily="34" charset="0"/>
+              <a:buChar char="•"/>
+              <a:defRPr sz="2000" kern="1200">
+                <a:solidFill>
+                  <a:schemeClr val="tx1"/>
+                </a:solidFill>
+                <a:latin typeface="+mn-lt"/>
+                <a:ea typeface="+mn-ea"/>
+                <a:cs typeface="+mn-cs"/>
+              </a:defRPr>
+            </a:lvl7pPr>
+            <a:lvl8pPr marL="3429000" indent="-228600" algn="l" defTabSz="914400" rtl="0" eaLnBrk="1" latinLnBrk="1" hangingPunct="1">
+              <a:spcBef>
+                <a:spcPct val="20000"/>
+              </a:spcBef>
+              <a:buFont typeface="Arial" pitchFamily="34" charset="0"/>
+              <a:buChar char="•"/>
+              <a:defRPr sz="2000" kern="1200">
+                <a:solidFill>
+                  <a:schemeClr val="tx1"/>
+                </a:solidFill>
+                <a:latin typeface="+mn-lt"/>
+                <a:ea typeface="+mn-ea"/>
+                <a:cs typeface="+mn-cs"/>
+              </a:defRPr>
+            </a:lvl8pPr>
+            <a:lvl9pPr marL="3886200" indent="-228600" algn="l" defTabSz="914400" rtl="0" eaLnBrk="1" latinLnBrk="1" hangingPunct="1">
+              <a:spcBef>
+                <a:spcPct val="20000"/>
+              </a:spcBef>
+              <a:buFont typeface="Arial" pitchFamily="34" charset="0"/>
+              <a:buChar char="•"/>
+              <a:defRPr sz="2000" kern="1200">
+                <a:solidFill>
+                  <a:schemeClr val="tx1"/>
+                </a:solidFill>
+                <a:latin typeface="+mn-lt"/>
+                <a:ea typeface="+mn-ea"/>
+                <a:cs typeface="+mn-cs"/>
+              </a:defRPr>
+            </a:lvl9pPr>
+          </a:lstStyle>
+          <a:p>
+            <a:pPr marL="0" indent="0" algn="just">
+              <a:buFont typeface="Arial" pitchFamily="34" charset="0"/>
+              <a:buNone/>
+            </a:pPr>
+            <a:r>
+              <a:rPr lang="it-IT" sz="1800" b="1" dirty="0"/>
+              <a:t>Tempi</a:t>
+            </a:r>
+            <a:r>
+              <a:rPr lang="it-IT" sz="1800" dirty="0"/>
+              <a:t> di computazione </a:t>
+            </a:r>
+            <a:r>
+              <a:rPr lang="it-IT" sz="1800" b="1" dirty="0"/>
+              <a:t>non</a:t>
+            </a:r>
+            <a:r>
+              <a:rPr lang="it-IT" sz="1800" dirty="0"/>
+              <a:t> eccessivamente </a:t>
+            </a:r>
+            <a:r>
+              <a:rPr lang="it-IT" sz="1800" b="1" dirty="0"/>
+              <a:t>elevati</a:t>
+            </a:r>
+          </a:p>
+        </p:txBody>
+      </p:sp>
+      <p:sp>
+        <p:nvSpPr>
+          <p:cNvPr id="7" name="Segnaposto contenuto 2">
+            <a:extLst>
+              <a:ext uri="{FF2B5EF4-FFF2-40B4-BE49-F238E27FC236}">
+                <a16:creationId xmlns:a16="http://schemas.microsoft.com/office/drawing/2014/main" id="{21BD1C16-510B-462B-B13D-C7EBD07B538E}"/>
+              </a:ext>
+            </a:extLst>
+          </p:cNvPr>
+          <p:cNvSpPr txBox="1">
+            <a:spLocks/>
+          </p:cNvSpPr>
+          <p:nvPr/>
+        </p:nvSpPr>
+        <p:spPr>
+          <a:xfrm>
+            <a:off x="4987403" y="3003798"/>
+            <a:ext cx="2969953" cy="648072"/>
+          </a:xfrm>
+          <a:prstGeom prst="rect">
+            <a:avLst/>
+          </a:prstGeom>
+        </p:spPr>
+        <p:txBody>
+          <a:bodyPr vert="horz" lIns="91440" tIns="45720" rIns="91440" bIns="45720" rtlCol="0">
+            <a:normAutofit/>
+          </a:bodyPr>
+          <a:lstStyle>
+            <a:lvl1pPr marL="342900" indent="-342900" algn="l" defTabSz="914400" rtl="0" eaLnBrk="1" latinLnBrk="1" hangingPunct="1">
+              <a:spcBef>
+                <a:spcPct val="20000"/>
+              </a:spcBef>
+              <a:buFont typeface="Arial" pitchFamily="34" charset="0"/>
+              <a:buChar char="•"/>
+              <a:defRPr sz="3200" kern="1200">
+                <a:solidFill>
+                  <a:schemeClr val="tx1"/>
+                </a:solidFill>
+                <a:latin typeface="+mn-lt"/>
+                <a:ea typeface="+mn-ea"/>
+                <a:cs typeface="+mn-cs"/>
+              </a:defRPr>
+            </a:lvl1pPr>
+            <a:lvl2pPr marL="742950" indent="-285750" algn="l" defTabSz="914400" rtl="0" eaLnBrk="1" latinLnBrk="1" hangingPunct="1">
+              <a:spcBef>
+                <a:spcPct val="20000"/>
+              </a:spcBef>
+              <a:buFont typeface="Arial" pitchFamily="34" charset="0"/>
+              <a:buChar char="–"/>
+              <a:defRPr sz="2800" kern="1200">
+                <a:solidFill>
+                  <a:schemeClr val="tx1"/>
+                </a:solidFill>
+                <a:latin typeface="+mn-lt"/>
+                <a:ea typeface="+mn-ea"/>
+                <a:cs typeface="+mn-cs"/>
+              </a:defRPr>
+            </a:lvl2pPr>
+            <a:lvl3pPr marL="1143000" indent="-228600" algn="l" defTabSz="914400" rtl="0" eaLnBrk="1" latinLnBrk="1" hangingPunct="1">
+              <a:spcBef>
+                <a:spcPct val="20000"/>
+              </a:spcBef>
+              <a:buFont typeface="Arial" pitchFamily="34" charset="0"/>
+              <a:buChar char="•"/>
+              <a:defRPr sz="2400" kern="1200">
+                <a:solidFill>
+                  <a:schemeClr val="tx1"/>
+                </a:solidFill>
+                <a:latin typeface="+mn-lt"/>
+                <a:ea typeface="+mn-ea"/>
+                <a:cs typeface="+mn-cs"/>
+              </a:defRPr>
+            </a:lvl3pPr>
+            <a:lvl4pPr marL="1600200" indent="-228600" algn="l" defTabSz="914400" rtl="0" eaLnBrk="1" latinLnBrk="1" hangingPunct="1">
+              <a:spcBef>
+                <a:spcPct val="20000"/>
+              </a:spcBef>
+              <a:buFont typeface="Arial" pitchFamily="34" charset="0"/>
+              <a:buChar char="–"/>
+              <a:defRPr sz="2000" kern="1200">
+                <a:solidFill>
+                  <a:schemeClr val="tx1"/>
+                </a:solidFill>
+                <a:latin typeface="+mn-lt"/>
+                <a:ea typeface="+mn-ea"/>
+                <a:cs typeface="+mn-cs"/>
+              </a:defRPr>
+            </a:lvl4pPr>
+            <a:lvl5pPr marL="2057400" indent="-228600" algn="l" defTabSz="914400" rtl="0" eaLnBrk="1" latinLnBrk="1" hangingPunct="1">
+              <a:spcBef>
+                <a:spcPct val="20000"/>
+              </a:spcBef>
+              <a:buFont typeface="Arial" pitchFamily="34" charset="0"/>
+              <a:buChar char="»"/>
+              <a:defRPr sz="2000" kern="1200">
+                <a:solidFill>
+                  <a:schemeClr val="tx1"/>
+                </a:solidFill>
+                <a:latin typeface="+mn-lt"/>
+                <a:ea typeface="+mn-ea"/>
+                <a:cs typeface="+mn-cs"/>
+              </a:defRPr>
+            </a:lvl5pPr>
+            <a:lvl6pPr marL="2514600" indent="-228600" algn="l" defTabSz="914400" rtl="0" eaLnBrk="1" latinLnBrk="1" hangingPunct="1">
+              <a:spcBef>
+                <a:spcPct val="20000"/>
+              </a:spcBef>
+              <a:buFont typeface="Arial" pitchFamily="34" charset="0"/>
+              <a:buChar char="•"/>
+              <a:defRPr sz="2000" kern="1200">
+                <a:solidFill>
+                  <a:schemeClr val="tx1"/>
+                </a:solidFill>
+                <a:latin typeface="+mn-lt"/>
+                <a:ea typeface="+mn-ea"/>
+                <a:cs typeface="+mn-cs"/>
+              </a:defRPr>
+            </a:lvl6pPr>
+            <a:lvl7pPr marL="2971800" indent="-228600" algn="l" defTabSz="914400" rtl="0" eaLnBrk="1" latinLnBrk="1" hangingPunct="1">
+              <a:spcBef>
+                <a:spcPct val="20000"/>
+              </a:spcBef>
+              <a:buFont typeface="Arial" pitchFamily="34" charset="0"/>
+              <a:buChar char="•"/>
+              <a:defRPr sz="2000" kern="1200">
+                <a:solidFill>
+                  <a:schemeClr val="tx1"/>
+                </a:solidFill>
+                <a:latin typeface="+mn-lt"/>
+                <a:ea typeface="+mn-ea"/>
+                <a:cs typeface="+mn-cs"/>
+              </a:defRPr>
+            </a:lvl7pPr>
+            <a:lvl8pPr marL="3429000" indent="-228600" algn="l" defTabSz="914400" rtl="0" eaLnBrk="1" latinLnBrk="1" hangingPunct="1">
+              <a:spcBef>
+                <a:spcPct val="20000"/>
+              </a:spcBef>
+              <a:buFont typeface="Arial" pitchFamily="34" charset="0"/>
+              <a:buChar char="•"/>
+              <a:defRPr sz="2000" kern="1200">
+                <a:solidFill>
+                  <a:schemeClr val="tx1"/>
+                </a:solidFill>
+                <a:latin typeface="+mn-lt"/>
+                <a:ea typeface="+mn-ea"/>
+                <a:cs typeface="+mn-cs"/>
+              </a:defRPr>
+            </a:lvl8pPr>
+            <a:lvl9pPr marL="3886200" indent="-228600" algn="l" defTabSz="914400" rtl="0" eaLnBrk="1" latinLnBrk="1" hangingPunct="1">
+              <a:spcBef>
+                <a:spcPct val="20000"/>
+              </a:spcBef>
+              <a:buFont typeface="Arial" pitchFamily="34" charset="0"/>
+              <a:buChar char="•"/>
+              <a:defRPr sz="2000" kern="1200">
+                <a:solidFill>
+                  <a:schemeClr val="tx1"/>
+                </a:solidFill>
+                <a:latin typeface="+mn-lt"/>
+                <a:ea typeface="+mn-ea"/>
+                <a:cs typeface="+mn-cs"/>
+              </a:defRPr>
+            </a:lvl9pPr>
+          </a:lstStyle>
+          <a:p>
+            <a:pPr marL="0" indent="0" algn="just">
+              <a:buFont typeface="Arial" pitchFamily="34" charset="0"/>
+              <a:buNone/>
+            </a:pPr>
+            <a:r>
+              <a:rPr lang="it-IT" sz="1800" b="1" dirty="0"/>
+              <a:t>Costo</a:t>
+            </a:r>
+            <a:r>
+              <a:rPr lang="it-IT" sz="1800" dirty="0"/>
+              <a:t> di </a:t>
+            </a:r>
+            <a:r>
+              <a:rPr lang="it-IT" sz="1800" dirty="0" err="1"/>
+              <a:t>anonimizzazione</a:t>
+            </a:r>
+            <a:r>
+              <a:rPr lang="it-IT" sz="1800" dirty="0"/>
+              <a:t> (archi) </a:t>
+            </a:r>
+            <a:r>
+              <a:rPr lang="it-IT" sz="1800" b="1" dirty="0"/>
+              <a:t>ottimo</a:t>
+            </a:r>
+          </a:p>
+        </p:txBody>
+      </p:sp>
+      <p:sp>
+        <p:nvSpPr>
+          <p:cNvPr id="8" name="Freccia a sinistra 7">
+            <a:extLst>
+              <a:ext uri="{FF2B5EF4-FFF2-40B4-BE49-F238E27FC236}">
+                <a16:creationId xmlns:a16="http://schemas.microsoft.com/office/drawing/2014/main" id="{45FF0A01-F6A5-41C4-BF0C-17F93411D298}"/>
+              </a:ext>
+            </a:extLst>
+          </p:cNvPr>
+          <p:cNvSpPr/>
+          <p:nvPr/>
+        </p:nvSpPr>
+        <p:spPr>
+          <a:xfrm rot="10800000">
+            <a:off x="3782496" y="3219820"/>
+            <a:ext cx="861512" cy="288033"/>
+          </a:xfrm>
+          <a:prstGeom prst="leftArrow">
+            <a:avLst/>
+          </a:prstGeom>
+          <a:solidFill>
+            <a:schemeClr val="accent5">
+              <a:lumMod val="60000"/>
+              <a:lumOff val="40000"/>
+            </a:schemeClr>
+          </a:solidFill>
+        </p:spPr>
+        <p:style>
+          <a:lnRef idx="2">
+            <a:schemeClr val="accent1">
+              <a:shade val="50000"/>
+            </a:schemeClr>
+          </a:lnRef>
+          <a:fillRef idx="1">
+            <a:schemeClr val="accent1"/>
+          </a:fillRef>
+          <a:effectRef idx="0">
+            <a:schemeClr val="accent1"/>
+          </a:effectRef>
+          <a:fontRef idx="minor">
+            <a:schemeClr val="lt1"/>
+          </a:fontRef>
+        </p:style>
+        <p:txBody>
+          <a:bodyPr rtlCol="0" anchor="ctr"/>
+          <a:lstStyle/>
+          <a:p>
+            <a:pPr algn="ctr"/>
+            <a:endParaRPr lang="it-IT"/>
+          </a:p>
+        </p:txBody>
+      </p:sp>
+      <p:sp>
+        <p:nvSpPr>
+          <p:cNvPr id="9" name="Freccia a sinistra 8">
+            <a:extLst>
+              <a:ext uri="{FF2B5EF4-FFF2-40B4-BE49-F238E27FC236}">
+                <a16:creationId xmlns:a16="http://schemas.microsoft.com/office/drawing/2014/main" id="{57F6291A-A3EE-4B60-9B86-7BDD9DD70CDB}"/>
+              </a:ext>
+            </a:extLst>
+          </p:cNvPr>
+          <p:cNvSpPr/>
+          <p:nvPr/>
+        </p:nvSpPr>
+        <p:spPr>
+          <a:xfrm rot="9624270">
+            <a:off x="3707904" y="2736312"/>
+            <a:ext cx="861512" cy="288033"/>
+          </a:xfrm>
+          <a:prstGeom prst="leftArrow">
+            <a:avLst/>
+          </a:prstGeom>
+          <a:solidFill>
+            <a:schemeClr val="accent5">
+              <a:lumMod val="60000"/>
+              <a:lumOff val="40000"/>
+            </a:schemeClr>
+          </a:solidFill>
+        </p:spPr>
+        <p:style>
+          <a:lnRef idx="2">
+            <a:schemeClr val="accent1">
+              <a:shade val="50000"/>
+            </a:schemeClr>
+          </a:lnRef>
+          <a:fillRef idx="1">
+            <a:schemeClr val="accent1"/>
+          </a:fillRef>
+          <a:effectRef idx="0">
+            <a:schemeClr val="accent1"/>
+          </a:effectRef>
+          <a:fontRef idx="minor">
+            <a:schemeClr val="lt1"/>
+          </a:fontRef>
+        </p:style>
+        <p:txBody>
+          <a:bodyPr rtlCol="0" anchor="ctr"/>
+          <a:lstStyle/>
+          <a:p>
+            <a:pPr algn="ctr"/>
+            <a:endParaRPr lang="it-IT"/>
+          </a:p>
+        </p:txBody>
+      </p:sp>
+      <p:sp>
+        <p:nvSpPr>
+          <p:cNvPr id="10" name="Freccia a sinistra 9">
+            <a:extLst>
+              <a:ext uri="{FF2B5EF4-FFF2-40B4-BE49-F238E27FC236}">
+                <a16:creationId xmlns:a16="http://schemas.microsoft.com/office/drawing/2014/main" id="{65303005-63C0-4B0B-9230-9E165A672FEA}"/>
+              </a:ext>
+            </a:extLst>
+          </p:cNvPr>
+          <p:cNvSpPr/>
+          <p:nvPr/>
+        </p:nvSpPr>
+        <p:spPr>
+          <a:xfrm rot="11930903">
+            <a:off x="3731333" y="3736453"/>
+            <a:ext cx="861512" cy="288033"/>
+          </a:xfrm>
+          <a:prstGeom prst="leftArrow">
+            <a:avLst/>
+          </a:prstGeom>
+          <a:solidFill>
+            <a:schemeClr val="accent2"/>
+          </a:solidFill>
+        </p:spPr>
+        <p:style>
+          <a:lnRef idx="2">
+            <a:schemeClr val="accent1">
+              <a:shade val="50000"/>
+            </a:schemeClr>
+          </a:lnRef>
+          <a:fillRef idx="1">
+            <a:schemeClr val="accent1"/>
+          </a:fillRef>
+          <a:effectRef idx="0">
+            <a:schemeClr val="accent1"/>
+          </a:effectRef>
+          <a:fontRef idx="minor">
+            <a:schemeClr val="lt1"/>
+          </a:fontRef>
+        </p:style>
+        <p:txBody>
+          <a:bodyPr rtlCol="0" anchor="ctr"/>
+          <a:lstStyle/>
+          <a:p>
+            <a:pPr algn="ctr"/>
+            <a:endParaRPr lang="it-IT"/>
+          </a:p>
+        </p:txBody>
+      </p:sp>
+      <p:sp>
+        <p:nvSpPr>
+          <p:cNvPr id="12" name="Segnaposto contenuto 2">
+            <a:extLst>
+              <a:ext uri="{FF2B5EF4-FFF2-40B4-BE49-F238E27FC236}">
+                <a16:creationId xmlns:a16="http://schemas.microsoft.com/office/drawing/2014/main" id="{2F57A88A-B3AF-4493-B6F4-5CBDF2361A29}"/>
+              </a:ext>
+            </a:extLst>
+          </p:cNvPr>
+          <p:cNvSpPr txBox="1">
+            <a:spLocks/>
+          </p:cNvSpPr>
+          <p:nvPr/>
+        </p:nvSpPr>
+        <p:spPr>
+          <a:xfrm>
+            <a:off x="4987403" y="3831890"/>
+            <a:ext cx="2824957" cy="648072"/>
+          </a:xfrm>
+          <a:prstGeom prst="rect">
+            <a:avLst/>
+          </a:prstGeom>
+        </p:spPr>
+        <p:txBody>
+          <a:bodyPr vert="horz" lIns="91440" tIns="45720" rIns="91440" bIns="45720" rtlCol="0">
+            <a:normAutofit/>
+          </a:bodyPr>
+          <a:lstStyle>
+            <a:lvl1pPr marL="342900" indent="-342900" algn="l" defTabSz="914400" rtl="0" eaLnBrk="1" latinLnBrk="1" hangingPunct="1">
+              <a:spcBef>
+                <a:spcPct val="20000"/>
+              </a:spcBef>
+              <a:buFont typeface="Arial" pitchFamily="34" charset="0"/>
+              <a:buChar char="•"/>
+              <a:defRPr sz="3200" kern="1200">
+                <a:solidFill>
+                  <a:schemeClr val="tx1"/>
+                </a:solidFill>
+                <a:latin typeface="+mn-lt"/>
+                <a:ea typeface="+mn-ea"/>
+                <a:cs typeface="+mn-cs"/>
+              </a:defRPr>
+            </a:lvl1pPr>
+            <a:lvl2pPr marL="742950" indent="-285750" algn="l" defTabSz="914400" rtl="0" eaLnBrk="1" latinLnBrk="1" hangingPunct="1">
+              <a:spcBef>
+                <a:spcPct val="20000"/>
+              </a:spcBef>
+              <a:buFont typeface="Arial" pitchFamily="34" charset="0"/>
+              <a:buChar char="–"/>
+              <a:defRPr sz="2800" kern="1200">
+                <a:solidFill>
+                  <a:schemeClr val="tx1"/>
+                </a:solidFill>
+                <a:latin typeface="+mn-lt"/>
+                <a:ea typeface="+mn-ea"/>
+                <a:cs typeface="+mn-cs"/>
+              </a:defRPr>
+            </a:lvl2pPr>
+            <a:lvl3pPr marL="1143000" indent="-228600" algn="l" defTabSz="914400" rtl="0" eaLnBrk="1" latinLnBrk="1" hangingPunct="1">
+              <a:spcBef>
+                <a:spcPct val="20000"/>
+              </a:spcBef>
+              <a:buFont typeface="Arial" pitchFamily="34" charset="0"/>
+              <a:buChar char="•"/>
+              <a:defRPr sz="2400" kern="1200">
+                <a:solidFill>
+                  <a:schemeClr val="tx1"/>
+                </a:solidFill>
+                <a:latin typeface="+mn-lt"/>
+                <a:ea typeface="+mn-ea"/>
+                <a:cs typeface="+mn-cs"/>
+              </a:defRPr>
+            </a:lvl3pPr>
+            <a:lvl4pPr marL="1600200" indent="-228600" algn="l" defTabSz="914400" rtl="0" eaLnBrk="1" latinLnBrk="1" hangingPunct="1">
+              <a:spcBef>
+                <a:spcPct val="20000"/>
+              </a:spcBef>
+              <a:buFont typeface="Arial" pitchFamily="34" charset="0"/>
+              <a:buChar char="–"/>
+              <a:defRPr sz="2000" kern="1200">
+                <a:solidFill>
+                  <a:schemeClr val="tx1"/>
+                </a:solidFill>
+                <a:latin typeface="+mn-lt"/>
+                <a:ea typeface="+mn-ea"/>
+                <a:cs typeface="+mn-cs"/>
+              </a:defRPr>
+            </a:lvl4pPr>
+            <a:lvl5pPr marL="2057400" indent="-228600" algn="l" defTabSz="914400" rtl="0" eaLnBrk="1" latinLnBrk="1" hangingPunct="1">
+              <a:spcBef>
+                <a:spcPct val="20000"/>
+              </a:spcBef>
+              <a:buFont typeface="Arial" pitchFamily="34" charset="0"/>
+              <a:buChar char="»"/>
+              <a:defRPr sz="2000" kern="1200">
+                <a:solidFill>
+                  <a:schemeClr val="tx1"/>
+                </a:solidFill>
+                <a:latin typeface="+mn-lt"/>
+                <a:ea typeface="+mn-ea"/>
+                <a:cs typeface="+mn-cs"/>
+              </a:defRPr>
+            </a:lvl5pPr>
+            <a:lvl6pPr marL="2514600" indent="-228600" algn="l" defTabSz="914400" rtl="0" eaLnBrk="1" latinLnBrk="1" hangingPunct="1">
+              <a:spcBef>
+                <a:spcPct val="20000"/>
+              </a:spcBef>
+              <a:buFont typeface="Arial" pitchFamily="34" charset="0"/>
+              <a:buChar char="•"/>
+              <a:defRPr sz="2000" kern="1200">
+                <a:solidFill>
+                  <a:schemeClr val="tx1"/>
+                </a:solidFill>
+                <a:latin typeface="+mn-lt"/>
+                <a:ea typeface="+mn-ea"/>
+                <a:cs typeface="+mn-cs"/>
+              </a:defRPr>
+            </a:lvl6pPr>
+            <a:lvl7pPr marL="2971800" indent="-228600" algn="l" defTabSz="914400" rtl="0" eaLnBrk="1" latinLnBrk="1" hangingPunct="1">
+              <a:spcBef>
+                <a:spcPct val="20000"/>
+              </a:spcBef>
+              <a:buFont typeface="Arial" pitchFamily="34" charset="0"/>
+              <a:buChar char="•"/>
+              <a:defRPr sz="2000" kern="1200">
+                <a:solidFill>
+                  <a:schemeClr val="tx1"/>
+                </a:solidFill>
+                <a:latin typeface="+mn-lt"/>
+                <a:ea typeface="+mn-ea"/>
+                <a:cs typeface="+mn-cs"/>
+              </a:defRPr>
+            </a:lvl7pPr>
+            <a:lvl8pPr marL="3429000" indent="-228600" algn="l" defTabSz="914400" rtl="0" eaLnBrk="1" latinLnBrk="1" hangingPunct="1">
+              <a:spcBef>
+                <a:spcPct val="20000"/>
+              </a:spcBef>
+              <a:buFont typeface="Arial" pitchFamily="34" charset="0"/>
+              <a:buChar char="•"/>
+              <a:defRPr sz="2000" kern="1200">
+                <a:solidFill>
+                  <a:schemeClr val="tx1"/>
+                </a:solidFill>
+                <a:latin typeface="+mn-lt"/>
+                <a:ea typeface="+mn-ea"/>
+                <a:cs typeface="+mn-cs"/>
+              </a:defRPr>
+            </a:lvl8pPr>
+            <a:lvl9pPr marL="3886200" indent="-228600" algn="l" defTabSz="914400" rtl="0" eaLnBrk="1" latinLnBrk="1" hangingPunct="1">
+              <a:spcBef>
+                <a:spcPct val="20000"/>
+              </a:spcBef>
+              <a:buFont typeface="Arial" pitchFamily="34" charset="0"/>
+              <a:buChar char="•"/>
+              <a:defRPr sz="2000" kern="1200">
+                <a:solidFill>
+                  <a:schemeClr val="tx1"/>
+                </a:solidFill>
+                <a:latin typeface="+mn-lt"/>
+                <a:ea typeface="+mn-ea"/>
+                <a:cs typeface="+mn-cs"/>
+              </a:defRPr>
+            </a:lvl9pPr>
+          </a:lstStyle>
+          <a:p>
+            <a:pPr marL="0" indent="0" algn="just">
+              <a:buFont typeface="Arial" pitchFamily="34" charset="0"/>
+              <a:buNone/>
+            </a:pPr>
+            <a:r>
+              <a:rPr lang="it-IT" sz="1800" dirty="0"/>
+              <a:t>Dati </a:t>
+            </a:r>
+            <a:r>
+              <a:rPr lang="it-IT" sz="1800" b="1" dirty="0"/>
+              <a:t>NON</a:t>
+            </a:r>
+            <a:r>
+              <a:rPr lang="it-IT" sz="1800" dirty="0"/>
+              <a:t> coerenti con il grafo originale</a:t>
+            </a:r>
           </a:p>
         </p:txBody>
       </p:sp>
@@ -10907,6 +14328,1656 @@
     <p:extLst>
       <p:ext uri="{BB962C8B-B14F-4D97-AF65-F5344CB8AC3E}">
         <p14:creationId xmlns:p14="http://schemas.microsoft.com/office/powerpoint/2010/main" val="3982457809"/>
+      </p:ext>
+    </p:extLst>
+  </p:cSld>
+  <p:clrMapOvr>
+    <a:masterClrMapping/>
+  </p:clrMapOvr>
+</p:sld>
+</file>
+
+<file path=ppt/slides/slide28.xml><?xml version="1.0" encoding="utf-8"?>
+<p:sld xmlns:a="http://schemas.openxmlformats.org/drawingml/2006/main" xmlns:r="http://schemas.openxmlformats.org/officeDocument/2006/relationships" xmlns:p="http://schemas.openxmlformats.org/presentationml/2006/main">
+  <p:cSld>
+    <p:spTree>
+      <p:nvGrpSpPr>
+        <p:cNvPr id="1" name=""/>
+        <p:cNvGrpSpPr/>
+        <p:nvPr/>
+      </p:nvGrpSpPr>
+      <p:grpSpPr>
+        <a:xfrm>
+          <a:off x="0" y="0"/>
+          <a:ext cx="0" cy="0"/>
+          <a:chOff x="0" y="0"/>
+          <a:chExt cx="0" cy="0"/>
+        </a:xfrm>
+      </p:grpSpPr>
+      <p:sp>
+        <p:nvSpPr>
+          <p:cNvPr id="2" name="Titolo 1"/>
+          <p:cNvSpPr>
+            <a:spLocks noGrp="1"/>
+          </p:cNvSpPr>
+          <p:nvPr>
+            <p:ph type="title"/>
+          </p:nvPr>
+        </p:nvSpPr>
+        <p:spPr/>
+        <p:txBody>
+          <a:bodyPr/>
+          <a:lstStyle/>
+          <a:p>
+            <a:r>
+              <a:rPr lang="en-GB" dirty="0" err="1">
+                <a:latin typeface="+mj-lt"/>
+              </a:rPr>
+              <a:t>Conclusioni</a:t>
+            </a:r>
+            <a:endParaRPr lang="it-IT" dirty="0">
+              <a:latin typeface="+mj-lt"/>
+            </a:endParaRPr>
+          </a:p>
+        </p:txBody>
+      </p:sp>
+      <p:sp>
+        <p:nvSpPr>
+          <p:cNvPr id="3" name="Segnaposto contenuto 2"/>
+          <p:cNvSpPr>
+            <a:spLocks noGrp="1"/>
+          </p:cNvSpPr>
+          <p:nvPr>
+            <p:ph idx="1"/>
+          </p:nvPr>
+        </p:nvSpPr>
+        <p:spPr>
+          <a:xfrm>
+            <a:off x="395536" y="1136037"/>
+            <a:ext cx="3672408" cy="721803"/>
+          </a:xfrm>
+        </p:spPr>
+        <p:txBody>
+          <a:bodyPr>
+            <a:noAutofit/>
+          </a:bodyPr>
+          <a:lstStyle/>
+          <a:p>
+            <a:pPr marL="0" lvl="0" indent="0" algn="ctr">
+              <a:buNone/>
+            </a:pPr>
+            <a:r>
+              <a:rPr lang="it-IT" sz="2000" dirty="0"/>
+              <a:t>Necessità di dati </a:t>
+            </a:r>
+            <a:r>
+              <a:rPr lang="it-IT" sz="2000" b="1" dirty="0"/>
+              <a:t>affidabili</a:t>
+            </a:r>
+            <a:r>
+              <a:rPr lang="it-IT" sz="2000" dirty="0"/>
+              <a:t> e  </a:t>
+            </a:r>
+            <a:r>
+              <a:rPr lang="it-IT" sz="2000" b="1" dirty="0"/>
+              <a:t>coerenti</a:t>
+            </a:r>
+            <a:r>
+              <a:rPr lang="it-IT" sz="2000" dirty="0"/>
+              <a:t> con il grafo originale</a:t>
+            </a:r>
+          </a:p>
+        </p:txBody>
+      </p:sp>
+      <p:sp>
+        <p:nvSpPr>
+          <p:cNvPr id="4" name="Freccia a sinistra 3">
+            <a:extLst>
+              <a:ext uri="{FF2B5EF4-FFF2-40B4-BE49-F238E27FC236}">
+                <a16:creationId xmlns:a16="http://schemas.microsoft.com/office/drawing/2014/main" id="{52AAD68B-C27E-4FFA-9271-129D6C7B0C9E}"/>
+              </a:ext>
+            </a:extLst>
+          </p:cNvPr>
+          <p:cNvSpPr/>
+          <p:nvPr/>
+        </p:nvSpPr>
+        <p:spPr>
+          <a:xfrm rot="16200000">
+            <a:off x="1764981" y="2247281"/>
+            <a:ext cx="861512" cy="288033"/>
+          </a:xfrm>
+          <a:prstGeom prst="leftArrow">
+            <a:avLst/>
+          </a:prstGeom>
+          <a:solidFill>
+            <a:schemeClr val="accent5">
+              <a:lumMod val="60000"/>
+              <a:lumOff val="40000"/>
+            </a:schemeClr>
+          </a:solidFill>
+        </p:spPr>
+        <p:style>
+          <a:lnRef idx="2">
+            <a:schemeClr val="accent1">
+              <a:shade val="50000"/>
+            </a:schemeClr>
+          </a:lnRef>
+          <a:fillRef idx="1">
+            <a:schemeClr val="accent1"/>
+          </a:fillRef>
+          <a:effectRef idx="0">
+            <a:schemeClr val="accent1"/>
+          </a:effectRef>
+          <a:fontRef idx="minor">
+            <a:schemeClr val="lt1"/>
+          </a:fontRef>
+        </p:style>
+        <p:txBody>
+          <a:bodyPr rtlCol="0" anchor="ctr"/>
+          <a:lstStyle/>
+          <a:p>
+            <a:pPr algn="ctr"/>
+            <a:endParaRPr lang="it-IT"/>
+          </a:p>
+        </p:txBody>
+      </p:sp>
+      <p:sp>
+        <p:nvSpPr>
+          <p:cNvPr id="5" name="Segnaposto contenuto 2">
+            <a:extLst>
+              <a:ext uri="{FF2B5EF4-FFF2-40B4-BE49-F238E27FC236}">
+                <a16:creationId xmlns:a16="http://schemas.microsoft.com/office/drawing/2014/main" id="{A2F20AAD-39E9-48BB-9E24-A3B662A0B11F}"/>
+              </a:ext>
+            </a:extLst>
+          </p:cNvPr>
+          <p:cNvSpPr txBox="1">
+            <a:spLocks/>
+          </p:cNvSpPr>
+          <p:nvPr/>
+        </p:nvSpPr>
+        <p:spPr>
+          <a:xfrm>
+            <a:off x="899592" y="2930067"/>
+            <a:ext cx="2592288" cy="721803"/>
+          </a:xfrm>
+          <a:prstGeom prst="rect">
+            <a:avLst/>
+          </a:prstGeom>
+        </p:spPr>
+        <p:txBody>
+          <a:bodyPr vert="horz" lIns="91440" tIns="45720" rIns="91440" bIns="45720" rtlCol="0">
+            <a:normAutofit/>
+          </a:bodyPr>
+          <a:lstStyle>
+            <a:lvl1pPr marL="342900" indent="-342900" algn="l" defTabSz="914400" rtl="0" eaLnBrk="1" latinLnBrk="1" hangingPunct="1">
+              <a:spcBef>
+                <a:spcPct val="20000"/>
+              </a:spcBef>
+              <a:buFont typeface="Arial" pitchFamily="34" charset="0"/>
+              <a:buChar char="•"/>
+              <a:defRPr sz="3200" kern="1200">
+                <a:solidFill>
+                  <a:schemeClr val="tx1"/>
+                </a:solidFill>
+                <a:latin typeface="+mn-lt"/>
+                <a:ea typeface="+mn-ea"/>
+                <a:cs typeface="+mn-cs"/>
+              </a:defRPr>
+            </a:lvl1pPr>
+            <a:lvl2pPr marL="742950" indent="-285750" algn="l" defTabSz="914400" rtl="0" eaLnBrk="1" latinLnBrk="1" hangingPunct="1">
+              <a:spcBef>
+                <a:spcPct val="20000"/>
+              </a:spcBef>
+              <a:buFont typeface="Arial" pitchFamily="34" charset="0"/>
+              <a:buChar char="–"/>
+              <a:defRPr sz="2800" kern="1200">
+                <a:solidFill>
+                  <a:schemeClr val="tx1"/>
+                </a:solidFill>
+                <a:latin typeface="+mn-lt"/>
+                <a:ea typeface="+mn-ea"/>
+                <a:cs typeface="+mn-cs"/>
+              </a:defRPr>
+            </a:lvl2pPr>
+            <a:lvl3pPr marL="1143000" indent="-228600" algn="l" defTabSz="914400" rtl="0" eaLnBrk="1" latinLnBrk="1" hangingPunct="1">
+              <a:spcBef>
+                <a:spcPct val="20000"/>
+              </a:spcBef>
+              <a:buFont typeface="Arial" pitchFamily="34" charset="0"/>
+              <a:buChar char="•"/>
+              <a:defRPr sz="2400" kern="1200">
+                <a:solidFill>
+                  <a:schemeClr val="tx1"/>
+                </a:solidFill>
+                <a:latin typeface="+mn-lt"/>
+                <a:ea typeface="+mn-ea"/>
+                <a:cs typeface="+mn-cs"/>
+              </a:defRPr>
+            </a:lvl3pPr>
+            <a:lvl4pPr marL="1600200" indent="-228600" algn="l" defTabSz="914400" rtl="0" eaLnBrk="1" latinLnBrk="1" hangingPunct="1">
+              <a:spcBef>
+                <a:spcPct val="20000"/>
+              </a:spcBef>
+              <a:buFont typeface="Arial" pitchFamily="34" charset="0"/>
+              <a:buChar char="–"/>
+              <a:defRPr sz="2000" kern="1200">
+                <a:solidFill>
+                  <a:schemeClr val="tx1"/>
+                </a:solidFill>
+                <a:latin typeface="+mn-lt"/>
+                <a:ea typeface="+mn-ea"/>
+                <a:cs typeface="+mn-cs"/>
+              </a:defRPr>
+            </a:lvl4pPr>
+            <a:lvl5pPr marL="2057400" indent="-228600" algn="l" defTabSz="914400" rtl="0" eaLnBrk="1" latinLnBrk="1" hangingPunct="1">
+              <a:spcBef>
+                <a:spcPct val="20000"/>
+              </a:spcBef>
+              <a:buFont typeface="Arial" pitchFamily="34" charset="0"/>
+              <a:buChar char="»"/>
+              <a:defRPr sz="2000" kern="1200">
+                <a:solidFill>
+                  <a:schemeClr val="tx1"/>
+                </a:solidFill>
+                <a:latin typeface="+mn-lt"/>
+                <a:ea typeface="+mn-ea"/>
+                <a:cs typeface="+mn-cs"/>
+              </a:defRPr>
+            </a:lvl5pPr>
+            <a:lvl6pPr marL="2514600" indent="-228600" algn="l" defTabSz="914400" rtl="0" eaLnBrk="1" latinLnBrk="1" hangingPunct="1">
+              <a:spcBef>
+                <a:spcPct val="20000"/>
+              </a:spcBef>
+              <a:buFont typeface="Arial" pitchFamily="34" charset="0"/>
+              <a:buChar char="•"/>
+              <a:defRPr sz="2000" kern="1200">
+                <a:solidFill>
+                  <a:schemeClr val="tx1"/>
+                </a:solidFill>
+                <a:latin typeface="+mn-lt"/>
+                <a:ea typeface="+mn-ea"/>
+                <a:cs typeface="+mn-cs"/>
+              </a:defRPr>
+            </a:lvl6pPr>
+            <a:lvl7pPr marL="2971800" indent="-228600" algn="l" defTabSz="914400" rtl="0" eaLnBrk="1" latinLnBrk="1" hangingPunct="1">
+              <a:spcBef>
+                <a:spcPct val="20000"/>
+              </a:spcBef>
+              <a:buFont typeface="Arial" pitchFamily="34" charset="0"/>
+              <a:buChar char="•"/>
+              <a:defRPr sz="2000" kern="1200">
+                <a:solidFill>
+                  <a:schemeClr val="tx1"/>
+                </a:solidFill>
+                <a:latin typeface="+mn-lt"/>
+                <a:ea typeface="+mn-ea"/>
+                <a:cs typeface="+mn-cs"/>
+              </a:defRPr>
+            </a:lvl7pPr>
+            <a:lvl8pPr marL="3429000" indent="-228600" algn="l" defTabSz="914400" rtl="0" eaLnBrk="1" latinLnBrk="1" hangingPunct="1">
+              <a:spcBef>
+                <a:spcPct val="20000"/>
+              </a:spcBef>
+              <a:buFont typeface="Arial" pitchFamily="34" charset="0"/>
+              <a:buChar char="•"/>
+              <a:defRPr sz="2000" kern="1200">
+                <a:solidFill>
+                  <a:schemeClr val="tx1"/>
+                </a:solidFill>
+                <a:latin typeface="+mn-lt"/>
+                <a:ea typeface="+mn-ea"/>
+                <a:cs typeface="+mn-cs"/>
+              </a:defRPr>
+            </a:lvl8pPr>
+            <a:lvl9pPr marL="3886200" indent="-228600" algn="l" defTabSz="914400" rtl="0" eaLnBrk="1" latinLnBrk="1" hangingPunct="1">
+              <a:spcBef>
+                <a:spcPct val="20000"/>
+              </a:spcBef>
+              <a:buFont typeface="Arial" pitchFamily="34" charset="0"/>
+              <a:buChar char="•"/>
+              <a:defRPr sz="2000" kern="1200">
+                <a:solidFill>
+                  <a:schemeClr val="tx1"/>
+                </a:solidFill>
+                <a:latin typeface="+mn-lt"/>
+                <a:ea typeface="+mn-ea"/>
+                <a:cs typeface="+mn-cs"/>
+              </a:defRPr>
+            </a:lvl9pPr>
+          </a:lstStyle>
+          <a:p>
+            <a:pPr marL="0" indent="0" algn="ctr">
+              <a:buNone/>
+            </a:pPr>
+            <a:r>
+              <a:rPr lang="it-IT" sz="1800" dirty="0"/>
+              <a:t>Combinazione </a:t>
+            </a:r>
+            <a:r>
+              <a:rPr lang="it-IT" sz="1800" b="1" dirty="0" err="1"/>
+              <a:t>Greedy</a:t>
+            </a:r>
+            <a:r>
+              <a:rPr lang="it-IT" sz="1800" b="1" dirty="0"/>
+              <a:t> – </a:t>
+            </a:r>
+            <a:r>
+              <a:rPr lang="it-IT" sz="1800" b="1" dirty="0" err="1"/>
+              <a:t>Priority</a:t>
+            </a:r>
+            <a:r>
+              <a:rPr lang="it-IT" sz="1800" b="1" dirty="0"/>
+              <a:t> </a:t>
+            </a:r>
+            <a:endParaRPr lang="it-IT" sz="1400" dirty="0"/>
+          </a:p>
+        </p:txBody>
+      </p:sp>
+      <p:sp>
+        <p:nvSpPr>
+          <p:cNvPr id="6" name="Segnaposto contenuto 2">
+            <a:extLst>
+              <a:ext uri="{FF2B5EF4-FFF2-40B4-BE49-F238E27FC236}">
+                <a16:creationId xmlns:a16="http://schemas.microsoft.com/office/drawing/2014/main" id="{6F19C448-41DA-4A1F-A840-40BEC5D113AC}"/>
+              </a:ext>
+            </a:extLst>
+          </p:cNvPr>
+          <p:cNvSpPr txBox="1">
+            <a:spLocks/>
+          </p:cNvSpPr>
+          <p:nvPr/>
+        </p:nvSpPr>
+        <p:spPr>
+          <a:xfrm>
+            <a:off x="4972159" y="3626817"/>
+            <a:ext cx="2896965" cy="721803"/>
+          </a:xfrm>
+          <a:prstGeom prst="rect">
+            <a:avLst/>
+          </a:prstGeom>
+        </p:spPr>
+        <p:txBody>
+          <a:bodyPr vert="horz" lIns="91440" tIns="45720" rIns="91440" bIns="45720" rtlCol="0">
+            <a:normAutofit fontScale="92500" lnSpcReduction="20000"/>
+          </a:bodyPr>
+          <a:lstStyle>
+            <a:lvl1pPr marL="342900" indent="-342900" algn="l" defTabSz="914400" rtl="0" eaLnBrk="1" latinLnBrk="1" hangingPunct="1">
+              <a:spcBef>
+                <a:spcPct val="20000"/>
+              </a:spcBef>
+              <a:buFont typeface="Arial" pitchFamily="34" charset="0"/>
+              <a:buChar char="•"/>
+              <a:defRPr sz="3200" kern="1200">
+                <a:solidFill>
+                  <a:schemeClr val="tx1"/>
+                </a:solidFill>
+                <a:latin typeface="+mn-lt"/>
+                <a:ea typeface="+mn-ea"/>
+                <a:cs typeface="+mn-cs"/>
+              </a:defRPr>
+            </a:lvl1pPr>
+            <a:lvl2pPr marL="742950" indent="-285750" algn="l" defTabSz="914400" rtl="0" eaLnBrk="1" latinLnBrk="1" hangingPunct="1">
+              <a:spcBef>
+                <a:spcPct val="20000"/>
+              </a:spcBef>
+              <a:buFont typeface="Arial" pitchFamily="34" charset="0"/>
+              <a:buChar char="–"/>
+              <a:defRPr sz="2800" kern="1200">
+                <a:solidFill>
+                  <a:schemeClr val="tx1"/>
+                </a:solidFill>
+                <a:latin typeface="+mn-lt"/>
+                <a:ea typeface="+mn-ea"/>
+                <a:cs typeface="+mn-cs"/>
+              </a:defRPr>
+            </a:lvl2pPr>
+            <a:lvl3pPr marL="1143000" indent="-228600" algn="l" defTabSz="914400" rtl="0" eaLnBrk="1" latinLnBrk="1" hangingPunct="1">
+              <a:spcBef>
+                <a:spcPct val="20000"/>
+              </a:spcBef>
+              <a:buFont typeface="Arial" pitchFamily="34" charset="0"/>
+              <a:buChar char="•"/>
+              <a:defRPr sz="2400" kern="1200">
+                <a:solidFill>
+                  <a:schemeClr val="tx1"/>
+                </a:solidFill>
+                <a:latin typeface="+mn-lt"/>
+                <a:ea typeface="+mn-ea"/>
+                <a:cs typeface="+mn-cs"/>
+              </a:defRPr>
+            </a:lvl3pPr>
+            <a:lvl4pPr marL="1600200" indent="-228600" algn="l" defTabSz="914400" rtl="0" eaLnBrk="1" latinLnBrk="1" hangingPunct="1">
+              <a:spcBef>
+                <a:spcPct val="20000"/>
+              </a:spcBef>
+              <a:buFont typeface="Arial" pitchFamily="34" charset="0"/>
+              <a:buChar char="–"/>
+              <a:defRPr sz="2000" kern="1200">
+                <a:solidFill>
+                  <a:schemeClr val="tx1"/>
+                </a:solidFill>
+                <a:latin typeface="+mn-lt"/>
+                <a:ea typeface="+mn-ea"/>
+                <a:cs typeface="+mn-cs"/>
+              </a:defRPr>
+            </a:lvl4pPr>
+            <a:lvl5pPr marL="2057400" indent="-228600" algn="l" defTabSz="914400" rtl="0" eaLnBrk="1" latinLnBrk="1" hangingPunct="1">
+              <a:spcBef>
+                <a:spcPct val="20000"/>
+              </a:spcBef>
+              <a:buFont typeface="Arial" pitchFamily="34" charset="0"/>
+              <a:buChar char="»"/>
+              <a:defRPr sz="2000" kern="1200">
+                <a:solidFill>
+                  <a:schemeClr val="tx1"/>
+                </a:solidFill>
+                <a:latin typeface="+mn-lt"/>
+                <a:ea typeface="+mn-ea"/>
+                <a:cs typeface="+mn-cs"/>
+              </a:defRPr>
+            </a:lvl5pPr>
+            <a:lvl6pPr marL="2514600" indent="-228600" algn="l" defTabSz="914400" rtl="0" eaLnBrk="1" latinLnBrk="1" hangingPunct="1">
+              <a:spcBef>
+                <a:spcPct val="20000"/>
+              </a:spcBef>
+              <a:buFont typeface="Arial" pitchFamily="34" charset="0"/>
+              <a:buChar char="•"/>
+              <a:defRPr sz="2000" kern="1200">
+                <a:solidFill>
+                  <a:schemeClr val="tx1"/>
+                </a:solidFill>
+                <a:latin typeface="+mn-lt"/>
+                <a:ea typeface="+mn-ea"/>
+                <a:cs typeface="+mn-cs"/>
+              </a:defRPr>
+            </a:lvl6pPr>
+            <a:lvl7pPr marL="2971800" indent="-228600" algn="l" defTabSz="914400" rtl="0" eaLnBrk="1" latinLnBrk="1" hangingPunct="1">
+              <a:spcBef>
+                <a:spcPct val="20000"/>
+              </a:spcBef>
+              <a:buFont typeface="Arial" pitchFamily="34" charset="0"/>
+              <a:buChar char="•"/>
+              <a:defRPr sz="2000" kern="1200">
+                <a:solidFill>
+                  <a:schemeClr val="tx1"/>
+                </a:solidFill>
+                <a:latin typeface="+mn-lt"/>
+                <a:ea typeface="+mn-ea"/>
+                <a:cs typeface="+mn-cs"/>
+              </a:defRPr>
+            </a:lvl7pPr>
+            <a:lvl8pPr marL="3429000" indent="-228600" algn="l" defTabSz="914400" rtl="0" eaLnBrk="1" latinLnBrk="1" hangingPunct="1">
+              <a:spcBef>
+                <a:spcPct val="20000"/>
+              </a:spcBef>
+              <a:buFont typeface="Arial" pitchFamily="34" charset="0"/>
+              <a:buChar char="•"/>
+              <a:defRPr sz="2000" kern="1200">
+                <a:solidFill>
+                  <a:schemeClr val="tx1"/>
+                </a:solidFill>
+                <a:latin typeface="+mn-lt"/>
+                <a:ea typeface="+mn-ea"/>
+                <a:cs typeface="+mn-cs"/>
+              </a:defRPr>
+            </a:lvl8pPr>
+            <a:lvl9pPr marL="3886200" indent="-228600" algn="l" defTabSz="914400" rtl="0" eaLnBrk="1" latinLnBrk="1" hangingPunct="1">
+              <a:spcBef>
+                <a:spcPct val="20000"/>
+              </a:spcBef>
+              <a:buFont typeface="Arial" pitchFamily="34" charset="0"/>
+              <a:buChar char="•"/>
+              <a:defRPr sz="2000" kern="1200">
+                <a:solidFill>
+                  <a:schemeClr val="tx1"/>
+                </a:solidFill>
+                <a:latin typeface="+mn-lt"/>
+                <a:ea typeface="+mn-ea"/>
+                <a:cs typeface="+mn-cs"/>
+              </a:defRPr>
+            </a:lvl9pPr>
+          </a:lstStyle>
+          <a:p>
+            <a:pPr marL="0" indent="0" algn="just">
+              <a:buNone/>
+            </a:pPr>
+            <a:r>
+              <a:rPr lang="it-IT" sz="1800" b="1" dirty="0"/>
+              <a:t>Tempi</a:t>
+            </a:r>
+            <a:r>
+              <a:rPr lang="it-IT" sz="1800" dirty="0"/>
+              <a:t> medi di esecuzione di poco </a:t>
+            </a:r>
+            <a:r>
+              <a:rPr lang="it-IT" sz="1800" b="1" dirty="0"/>
+              <a:t>più alti </a:t>
+            </a:r>
+            <a:r>
+              <a:rPr lang="it-IT" sz="1800" dirty="0"/>
+              <a:t>rispetto a </a:t>
+            </a:r>
+            <a:r>
+              <a:rPr lang="it-IT" sz="1800" b="1" dirty="0"/>
+              <a:t>DP - </a:t>
+            </a:r>
+            <a:r>
+              <a:rPr lang="it-IT" sz="1800" b="1" dirty="0" err="1"/>
+              <a:t>Construct</a:t>
+            </a:r>
+            <a:endParaRPr lang="it-IT" sz="1800" b="1" dirty="0"/>
+          </a:p>
+        </p:txBody>
+      </p:sp>
+      <p:sp>
+        <p:nvSpPr>
+          <p:cNvPr id="7" name="Segnaposto contenuto 2">
+            <a:extLst>
+              <a:ext uri="{FF2B5EF4-FFF2-40B4-BE49-F238E27FC236}">
+                <a16:creationId xmlns:a16="http://schemas.microsoft.com/office/drawing/2014/main" id="{21BD1C16-510B-462B-B13D-C7EBD07B538E}"/>
+              </a:ext>
+            </a:extLst>
+          </p:cNvPr>
+          <p:cNvSpPr txBox="1">
+            <a:spLocks/>
+          </p:cNvSpPr>
+          <p:nvPr/>
+        </p:nvSpPr>
+        <p:spPr>
+          <a:xfrm>
+            <a:off x="4972159" y="2895785"/>
+            <a:ext cx="2969953" cy="648072"/>
+          </a:xfrm>
+          <a:prstGeom prst="rect">
+            <a:avLst/>
+          </a:prstGeom>
+        </p:spPr>
+        <p:txBody>
+          <a:bodyPr vert="horz" lIns="91440" tIns="45720" rIns="91440" bIns="45720" rtlCol="0">
+            <a:normAutofit/>
+          </a:bodyPr>
+          <a:lstStyle>
+            <a:lvl1pPr marL="342900" indent="-342900" algn="l" defTabSz="914400" rtl="0" eaLnBrk="1" latinLnBrk="1" hangingPunct="1">
+              <a:spcBef>
+                <a:spcPct val="20000"/>
+              </a:spcBef>
+              <a:buFont typeface="Arial" pitchFamily="34" charset="0"/>
+              <a:buChar char="•"/>
+              <a:defRPr sz="3200" kern="1200">
+                <a:solidFill>
+                  <a:schemeClr val="tx1"/>
+                </a:solidFill>
+                <a:latin typeface="+mn-lt"/>
+                <a:ea typeface="+mn-ea"/>
+                <a:cs typeface="+mn-cs"/>
+              </a:defRPr>
+            </a:lvl1pPr>
+            <a:lvl2pPr marL="742950" indent="-285750" algn="l" defTabSz="914400" rtl="0" eaLnBrk="1" latinLnBrk="1" hangingPunct="1">
+              <a:spcBef>
+                <a:spcPct val="20000"/>
+              </a:spcBef>
+              <a:buFont typeface="Arial" pitchFamily="34" charset="0"/>
+              <a:buChar char="–"/>
+              <a:defRPr sz="2800" kern="1200">
+                <a:solidFill>
+                  <a:schemeClr val="tx1"/>
+                </a:solidFill>
+                <a:latin typeface="+mn-lt"/>
+                <a:ea typeface="+mn-ea"/>
+                <a:cs typeface="+mn-cs"/>
+              </a:defRPr>
+            </a:lvl2pPr>
+            <a:lvl3pPr marL="1143000" indent="-228600" algn="l" defTabSz="914400" rtl="0" eaLnBrk="1" latinLnBrk="1" hangingPunct="1">
+              <a:spcBef>
+                <a:spcPct val="20000"/>
+              </a:spcBef>
+              <a:buFont typeface="Arial" pitchFamily="34" charset="0"/>
+              <a:buChar char="•"/>
+              <a:defRPr sz="2400" kern="1200">
+                <a:solidFill>
+                  <a:schemeClr val="tx1"/>
+                </a:solidFill>
+                <a:latin typeface="+mn-lt"/>
+                <a:ea typeface="+mn-ea"/>
+                <a:cs typeface="+mn-cs"/>
+              </a:defRPr>
+            </a:lvl3pPr>
+            <a:lvl4pPr marL="1600200" indent="-228600" algn="l" defTabSz="914400" rtl="0" eaLnBrk="1" latinLnBrk="1" hangingPunct="1">
+              <a:spcBef>
+                <a:spcPct val="20000"/>
+              </a:spcBef>
+              <a:buFont typeface="Arial" pitchFamily="34" charset="0"/>
+              <a:buChar char="–"/>
+              <a:defRPr sz="2000" kern="1200">
+                <a:solidFill>
+                  <a:schemeClr val="tx1"/>
+                </a:solidFill>
+                <a:latin typeface="+mn-lt"/>
+                <a:ea typeface="+mn-ea"/>
+                <a:cs typeface="+mn-cs"/>
+              </a:defRPr>
+            </a:lvl4pPr>
+            <a:lvl5pPr marL="2057400" indent="-228600" algn="l" defTabSz="914400" rtl="0" eaLnBrk="1" latinLnBrk="1" hangingPunct="1">
+              <a:spcBef>
+                <a:spcPct val="20000"/>
+              </a:spcBef>
+              <a:buFont typeface="Arial" pitchFamily="34" charset="0"/>
+              <a:buChar char="»"/>
+              <a:defRPr sz="2000" kern="1200">
+                <a:solidFill>
+                  <a:schemeClr val="tx1"/>
+                </a:solidFill>
+                <a:latin typeface="+mn-lt"/>
+                <a:ea typeface="+mn-ea"/>
+                <a:cs typeface="+mn-cs"/>
+              </a:defRPr>
+            </a:lvl5pPr>
+            <a:lvl6pPr marL="2514600" indent="-228600" algn="l" defTabSz="914400" rtl="0" eaLnBrk="1" latinLnBrk="1" hangingPunct="1">
+              <a:spcBef>
+                <a:spcPct val="20000"/>
+              </a:spcBef>
+              <a:buFont typeface="Arial" pitchFamily="34" charset="0"/>
+              <a:buChar char="•"/>
+              <a:defRPr sz="2000" kern="1200">
+                <a:solidFill>
+                  <a:schemeClr val="tx1"/>
+                </a:solidFill>
+                <a:latin typeface="+mn-lt"/>
+                <a:ea typeface="+mn-ea"/>
+                <a:cs typeface="+mn-cs"/>
+              </a:defRPr>
+            </a:lvl6pPr>
+            <a:lvl7pPr marL="2971800" indent="-228600" algn="l" defTabSz="914400" rtl="0" eaLnBrk="1" latinLnBrk="1" hangingPunct="1">
+              <a:spcBef>
+                <a:spcPct val="20000"/>
+              </a:spcBef>
+              <a:buFont typeface="Arial" pitchFamily="34" charset="0"/>
+              <a:buChar char="•"/>
+              <a:defRPr sz="2000" kern="1200">
+                <a:solidFill>
+                  <a:schemeClr val="tx1"/>
+                </a:solidFill>
+                <a:latin typeface="+mn-lt"/>
+                <a:ea typeface="+mn-ea"/>
+                <a:cs typeface="+mn-cs"/>
+              </a:defRPr>
+            </a:lvl7pPr>
+            <a:lvl8pPr marL="3429000" indent="-228600" algn="l" defTabSz="914400" rtl="0" eaLnBrk="1" latinLnBrk="1" hangingPunct="1">
+              <a:spcBef>
+                <a:spcPct val="20000"/>
+              </a:spcBef>
+              <a:buFont typeface="Arial" pitchFamily="34" charset="0"/>
+              <a:buChar char="•"/>
+              <a:defRPr sz="2000" kern="1200">
+                <a:solidFill>
+                  <a:schemeClr val="tx1"/>
+                </a:solidFill>
+                <a:latin typeface="+mn-lt"/>
+                <a:ea typeface="+mn-ea"/>
+                <a:cs typeface="+mn-cs"/>
+              </a:defRPr>
+            </a:lvl8pPr>
+            <a:lvl9pPr marL="3886200" indent="-228600" algn="l" defTabSz="914400" rtl="0" eaLnBrk="1" latinLnBrk="1" hangingPunct="1">
+              <a:spcBef>
+                <a:spcPct val="20000"/>
+              </a:spcBef>
+              <a:buFont typeface="Arial" pitchFamily="34" charset="0"/>
+              <a:buChar char="•"/>
+              <a:defRPr sz="2000" kern="1200">
+                <a:solidFill>
+                  <a:schemeClr val="tx1"/>
+                </a:solidFill>
+                <a:latin typeface="+mn-lt"/>
+                <a:ea typeface="+mn-ea"/>
+                <a:cs typeface="+mn-cs"/>
+              </a:defRPr>
+            </a:lvl9pPr>
+          </a:lstStyle>
+          <a:p>
+            <a:pPr marL="0" indent="0" algn="just">
+              <a:buFont typeface="Arial" pitchFamily="34" charset="0"/>
+              <a:buNone/>
+            </a:pPr>
+            <a:r>
+              <a:rPr lang="it-IT" sz="1800" b="1" dirty="0"/>
+              <a:t>Costo</a:t>
+            </a:r>
+            <a:r>
+              <a:rPr lang="it-IT" sz="1800" dirty="0"/>
+              <a:t> di </a:t>
+            </a:r>
+            <a:r>
+              <a:rPr lang="it-IT" sz="1800" dirty="0" err="1"/>
+              <a:t>anonimizzazione</a:t>
+            </a:r>
+            <a:r>
+              <a:rPr lang="it-IT" sz="1800" dirty="0"/>
+              <a:t> (archi) </a:t>
+            </a:r>
+            <a:r>
+              <a:rPr lang="it-IT" sz="1800" b="1" dirty="0"/>
+              <a:t>NON ottimo</a:t>
+            </a:r>
+          </a:p>
+        </p:txBody>
+      </p:sp>
+      <p:sp>
+        <p:nvSpPr>
+          <p:cNvPr id="10" name="Freccia a sinistra 9">
+            <a:extLst>
+              <a:ext uri="{FF2B5EF4-FFF2-40B4-BE49-F238E27FC236}">
+                <a16:creationId xmlns:a16="http://schemas.microsoft.com/office/drawing/2014/main" id="{C1B292C1-40FC-4AEE-A345-9D296CB99FCF}"/>
+              </a:ext>
+            </a:extLst>
+          </p:cNvPr>
+          <p:cNvSpPr/>
+          <p:nvPr/>
+        </p:nvSpPr>
+        <p:spPr>
+          <a:xfrm rot="10800000">
+            <a:off x="3782496" y="3075804"/>
+            <a:ext cx="861512" cy="288033"/>
+          </a:xfrm>
+          <a:prstGeom prst="leftArrow">
+            <a:avLst/>
+          </a:prstGeom>
+          <a:solidFill>
+            <a:schemeClr val="accent2"/>
+          </a:solidFill>
+        </p:spPr>
+        <p:style>
+          <a:lnRef idx="2">
+            <a:schemeClr val="accent1">
+              <a:shade val="50000"/>
+            </a:schemeClr>
+          </a:lnRef>
+          <a:fillRef idx="1">
+            <a:schemeClr val="accent1"/>
+          </a:fillRef>
+          <a:effectRef idx="0">
+            <a:schemeClr val="accent1"/>
+          </a:effectRef>
+          <a:fontRef idx="minor">
+            <a:schemeClr val="lt1"/>
+          </a:fontRef>
+        </p:style>
+        <p:txBody>
+          <a:bodyPr rtlCol="0" anchor="ctr"/>
+          <a:lstStyle/>
+          <a:p>
+            <a:pPr algn="ctr"/>
+            <a:endParaRPr lang="it-IT"/>
+          </a:p>
+        </p:txBody>
+      </p:sp>
+      <p:sp>
+        <p:nvSpPr>
+          <p:cNvPr id="11" name="Freccia a sinistra 10">
+            <a:extLst>
+              <a:ext uri="{FF2B5EF4-FFF2-40B4-BE49-F238E27FC236}">
+                <a16:creationId xmlns:a16="http://schemas.microsoft.com/office/drawing/2014/main" id="{C92C966D-5F66-493C-B802-9D8381BD8A1A}"/>
+              </a:ext>
+            </a:extLst>
+          </p:cNvPr>
+          <p:cNvSpPr/>
+          <p:nvPr/>
+        </p:nvSpPr>
+        <p:spPr>
+          <a:xfrm rot="9624270">
+            <a:off x="3707904" y="2592296"/>
+            <a:ext cx="861512" cy="288033"/>
+          </a:xfrm>
+          <a:prstGeom prst="leftArrow">
+            <a:avLst/>
+          </a:prstGeom>
+          <a:solidFill>
+            <a:schemeClr val="accent5">
+              <a:lumMod val="60000"/>
+              <a:lumOff val="40000"/>
+            </a:schemeClr>
+          </a:solidFill>
+        </p:spPr>
+        <p:style>
+          <a:lnRef idx="2">
+            <a:schemeClr val="accent1">
+              <a:shade val="50000"/>
+            </a:schemeClr>
+          </a:lnRef>
+          <a:fillRef idx="1">
+            <a:schemeClr val="accent1"/>
+          </a:fillRef>
+          <a:effectRef idx="0">
+            <a:schemeClr val="accent1"/>
+          </a:effectRef>
+          <a:fontRef idx="minor">
+            <a:schemeClr val="lt1"/>
+          </a:fontRef>
+        </p:style>
+        <p:txBody>
+          <a:bodyPr rtlCol="0" anchor="ctr"/>
+          <a:lstStyle/>
+          <a:p>
+            <a:pPr algn="ctr"/>
+            <a:endParaRPr lang="it-IT"/>
+          </a:p>
+        </p:txBody>
+      </p:sp>
+      <p:sp>
+        <p:nvSpPr>
+          <p:cNvPr id="12" name="Freccia a sinistra 11">
+            <a:extLst>
+              <a:ext uri="{FF2B5EF4-FFF2-40B4-BE49-F238E27FC236}">
+                <a16:creationId xmlns:a16="http://schemas.microsoft.com/office/drawing/2014/main" id="{FE0CB7B8-9FAB-4619-8EFA-2FC82084A435}"/>
+              </a:ext>
+            </a:extLst>
+          </p:cNvPr>
+          <p:cNvSpPr/>
+          <p:nvPr/>
+        </p:nvSpPr>
+        <p:spPr>
+          <a:xfrm rot="11930903">
+            <a:off x="3731333" y="3592437"/>
+            <a:ext cx="861512" cy="288033"/>
+          </a:xfrm>
+          <a:prstGeom prst="leftArrow">
+            <a:avLst/>
+          </a:prstGeom>
+          <a:solidFill>
+            <a:schemeClr val="accent2"/>
+          </a:solidFill>
+        </p:spPr>
+        <p:style>
+          <a:lnRef idx="2">
+            <a:schemeClr val="accent1">
+              <a:shade val="50000"/>
+            </a:schemeClr>
+          </a:lnRef>
+          <a:fillRef idx="1">
+            <a:schemeClr val="accent1"/>
+          </a:fillRef>
+          <a:effectRef idx="0">
+            <a:schemeClr val="accent1"/>
+          </a:effectRef>
+          <a:fontRef idx="minor">
+            <a:schemeClr val="lt1"/>
+          </a:fontRef>
+        </p:style>
+        <p:txBody>
+          <a:bodyPr rtlCol="0" anchor="ctr"/>
+          <a:lstStyle/>
+          <a:p>
+            <a:pPr algn="ctr"/>
+            <a:endParaRPr lang="it-IT"/>
+          </a:p>
+        </p:txBody>
+      </p:sp>
+      <p:sp>
+        <p:nvSpPr>
+          <p:cNvPr id="13" name="Segnaposto contenuto 2">
+            <a:extLst>
+              <a:ext uri="{FF2B5EF4-FFF2-40B4-BE49-F238E27FC236}">
+                <a16:creationId xmlns:a16="http://schemas.microsoft.com/office/drawing/2014/main" id="{FAB91D41-4679-4D48-8DA8-C4DC00098328}"/>
+              </a:ext>
+            </a:extLst>
+          </p:cNvPr>
+          <p:cNvSpPr txBox="1">
+            <a:spLocks/>
+          </p:cNvSpPr>
+          <p:nvPr/>
+        </p:nvSpPr>
+        <p:spPr>
+          <a:xfrm>
+            <a:off x="4972159" y="2207493"/>
+            <a:ext cx="2969953" cy="367608"/>
+          </a:xfrm>
+          <a:prstGeom prst="rect">
+            <a:avLst/>
+          </a:prstGeom>
+        </p:spPr>
+        <p:txBody>
+          <a:bodyPr vert="horz" lIns="91440" tIns="45720" rIns="91440" bIns="45720" rtlCol="0">
+            <a:normAutofit/>
+          </a:bodyPr>
+          <a:lstStyle>
+            <a:lvl1pPr marL="342900" indent="-342900" algn="l" defTabSz="914400" rtl="0" eaLnBrk="1" latinLnBrk="1" hangingPunct="1">
+              <a:spcBef>
+                <a:spcPct val="20000"/>
+              </a:spcBef>
+              <a:buFont typeface="Arial" pitchFamily="34" charset="0"/>
+              <a:buChar char="•"/>
+              <a:defRPr sz="3200" kern="1200">
+                <a:solidFill>
+                  <a:schemeClr val="tx1"/>
+                </a:solidFill>
+                <a:latin typeface="+mn-lt"/>
+                <a:ea typeface="+mn-ea"/>
+                <a:cs typeface="+mn-cs"/>
+              </a:defRPr>
+            </a:lvl1pPr>
+            <a:lvl2pPr marL="742950" indent="-285750" algn="l" defTabSz="914400" rtl="0" eaLnBrk="1" latinLnBrk="1" hangingPunct="1">
+              <a:spcBef>
+                <a:spcPct val="20000"/>
+              </a:spcBef>
+              <a:buFont typeface="Arial" pitchFamily="34" charset="0"/>
+              <a:buChar char="–"/>
+              <a:defRPr sz="2800" kern="1200">
+                <a:solidFill>
+                  <a:schemeClr val="tx1"/>
+                </a:solidFill>
+                <a:latin typeface="+mn-lt"/>
+                <a:ea typeface="+mn-ea"/>
+                <a:cs typeface="+mn-cs"/>
+              </a:defRPr>
+            </a:lvl2pPr>
+            <a:lvl3pPr marL="1143000" indent="-228600" algn="l" defTabSz="914400" rtl="0" eaLnBrk="1" latinLnBrk="1" hangingPunct="1">
+              <a:spcBef>
+                <a:spcPct val="20000"/>
+              </a:spcBef>
+              <a:buFont typeface="Arial" pitchFamily="34" charset="0"/>
+              <a:buChar char="•"/>
+              <a:defRPr sz="2400" kern="1200">
+                <a:solidFill>
+                  <a:schemeClr val="tx1"/>
+                </a:solidFill>
+                <a:latin typeface="+mn-lt"/>
+                <a:ea typeface="+mn-ea"/>
+                <a:cs typeface="+mn-cs"/>
+              </a:defRPr>
+            </a:lvl3pPr>
+            <a:lvl4pPr marL="1600200" indent="-228600" algn="l" defTabSz="914400" rtl="0" eaLnBrk="1" latinLnBrk="1" hangingPunct="1">
+              <a:spcBef>
+                <a:spcPct val="20000"/>
+              </a:spcBef>
+              <a:buFont typeface="Arial" pitchFamily="34" charset="0"/>
+              <a:buChar char="–"/>
+              <a:defRPr sz="2000" kern="1200">
+                <a:solidFill>
+                  <a:schemeClr val="tx1"/>
+                </a:solidFill>
+                <a:latin typeface="+mn-lt"/>
+                <a:ea typeface="+mn-ea"/>
+                <a:cs typeface="+mn-cs"/>
+              </a:defRPr>
+            </a:lvl4pPr>
+            <a:lvl5pPr marL="2057400" indent="-228600" algn="l" defTabSz="914400" rtl="0" eaLnBrk="1" latinLnBrk="1" hangingPunct="1">
+              <a:spcBef>
+                <a:spcPct val="20000"/>
+              </a:spcBef>
+              <a:buFont typeface="Arial" pitchFamily="34" charset="0"/>
+              <a:buChar char="»"/>
+              <a:defRPr sz="2000" kern="1200">
+                <a:solidFill>
+                  <a:schemeClr val="tx1"/>
+                </a:solidFill>
+                <a:latin typeface="+mn-lt"/>
+                <a:ea typeface="+mn-ea"/>
+                <a:cs typeface="+mn-cs"/>
+              </a:defRPr>
+            </a:lvl5pPr>
+            <a:lvl6pPr marL="2514600" indent="-228600" algn="l" defTabSz="914400" rtl="0" eaLnBrk="1" latinLnBrk="1" hangingPunct="1">
+              <a:spcBef>
+                <a:spcPct val="20000"/>
+              </a:spcBef>
+              <a:buFont typeface="Arial" pitchFamily="34" charset="0"/>
+              <a:buChar char="•"/>
+              <a:defRPr sz="2000" kern="1200">
+                <a:solidFill>
+                  <a:schemeClr val="tx1"/>
+                </a:solidFill>
+                <a:latin typeface="+mn-lt"/>
+                <a:ea typeface="+mn-ea"/>
+                <a:cs typeface="+mn-cs"/>
+              </a:defRPr>
+            </a:lvl6pPr>
+            <a:lvl7pPr marL="2971800" indent="-228600" algn="l" defTabSz="914400" rtl="0" eaLnBrk="1" latinLnBrk="1" hangingPunct="1">
+              <a:spcBef>
+                <a:spcPct val="20000"/>
+              </a:spcBef>
+              <a:buFont typeface="Arial" pitchFamily="34" charset="0"/>
+              <a:buChar char="•"/>
+              <a:defRPr sz="2000" kern="1200">
+                <a:solidFill>
+                  <a:schemeClr val="tx1"/>
+                </a:solidFill>
+                <a:latin typeface="+mn-lt"/>
+                <a:ea typeface="+mn-ea"/>
+                <a:cs typeface="+mn-cs"/>
+              </a:defRPr>
+            </a:lvl7pPr>
+            <a:lvl8pPr marL="3429000" indent="-228600" algn="l" defTabSz="914400" rtl="0" eaLnBrk="1" latinLnBrk="1" hangingPunct="1">
+              <a:spcBef>
+                <a:spcPct val="20000"/>
+              </a:spcBef>
+              <a:buFont typeface="Arial" pitchFamily="34" charset="0"/>
+              <a:buChar char="•"/>
+              <a:defRPr sz="2000" kern="1200">
+                <a:solidFill>
+                  <a:schemeClr val="tx1"/>
+                </a:solidFill>
+                <a:latin typeface="+mn-lt"/>
+                <a:ea typeface="+mn-ea"/>
+                <a:cs typeface="+mn-cs"/>
+              </a:defRPr>
+            </a:lvl8pPr>
+            <a:lvl9pPr marL="3886200" indent="-228600" algn="l" defTabSz="914400" rtl="0" eaLnBrk="1" latinLnBrk="1" hangingPunct="1">
+              <a:spcBef>
+                <a:spcPct val="20000"/>
+              </a:spcBef>
+              <a:buFont typeface="Arial" pitchFamily="34" charset="0"/>
+              <a:buChar char="•"/>
+              <a:defRPr sz="2000" kern="1200">
+                <a:solidFill>
+                  <a:schemeClr val="tx1"/>
+                </a:solidFill>
+                <a:latin typeface="+mn-lt"/>
+                <a:ea typeface="+mn-ea"/>
+                <a:cs typeface="+mn-cs"/>
+              </a:defRPr>
+            </a:lvl9pPr>
+          </a:lstStyle>
+          <a:p>
+            <a:pPr marL="0" indent="0" algn="just">
+              <a:buFont typeface="Arial" pitchFamily="34" charset="0"/>
+              <a:buNone/>
+            </a:pPr>
+            <a:r>
+              <a:rPr lang="it-IT" sz="1800" b="1" dirty="0"/>
+              <a:t>Coerenza </a:t>
+            </a:r>
+            <a:r>
+              <a:rPr lang="it-IT" sz="1800" dirty="0"/>
+              <a:t>dei dati</a:t>
+            </a:r>
+            <a:endParaRPr lang="it-IT" sz="1800" b="1" dirty="0"/>
+          </a:p>
+        </p:txBody>
+      </p:sp>
+    </p:spTree>
+    <p:extLst>
+      <p:ext uri="{BB962C8B-B14F-4D97-AF65-F5344CB8AC3E}">
+        <p14:creationId xmlns:p14="http://schemas.microsoft.com/office/powerpoint/2010/main" val="3595145260"/>
+      </p:ext>
+    </p:extLst>
+  </p:cSld>
+  <p:clrMapOvr>
+    <a:masterClrMapping/>
+  </p:clrMapOvr>
+</p:sld>
+</file>
+
+<file path=ppt/slides/slide29.xml><?xml version="1.0" encoding="utf-8"?>
+<p:sld xmlns:a="http://schemas.openxmlformats.org/drawingml/2006/main" xmlns:r="http://schemas.openxmlformats.org/officeDocument/2006/relationships" xmlns:p="http://schemas.openxmlformats.org/presentationml/2006/main">
+  <p:cSld>
+    <p:spTree>
+      <p:nvGrpSpPr>
+        <p:cNvPr id="1" name=""/>
+        <p:cNvGrpSpPr/>
+        <p:nvPr/>
+      </p:nvGrpSpPr>
+      <p:grpSpPr>
+        <a:xfrm>
+          <a:off x="0" y="0"/>
+          <a:ext cx="0" cy="0"/>
+          <a:chOff x="0" y="0"/>
+          <a:chExt cx="0" cy="0"/>
+        </a:xfrm>
+      </p:grpSpPr>
+      <p:sp>
+        <p:nvSpPr>
+          <p:cNvPr id="2" name="Titolo 1"/>
+          <p:cNvSpPr>
+            <a:spLocks noGrp="1"/>
+          </p:cNvSpPr>
+          <p:nvPr>
+            <p:ph type="title"/>
+          </p:nvPr>
+        </p:nvSpPr>
+        <p:spPr/>
+        <p:txBody>
+          <a:bodyPr/>
+          <a:lstStyle/>
+          <a:p>
+            <a:r>
+              <a:rPr lang="en-GB" dirty="0" err="1">
+                <a:latin typeface="+mj-lt"/>
+              </a:rPr>
+              <a:t>Conclusioni</a:t>
+            </a:r>
+            <a:endParaRPr lang="it-IT" dirty="0">
+              <a:latin typeface="+mj-lt"/>
+            </a:endParaRPr>
+          </a:p>
+        </p:txBody>
+      </p:sp>
+      <p:sp>
+        <p:nvSpPr>
+          <p:cNvPr id="3" name="Segnaposto contenuto 2"/>
+          <p:cNvSpPr>
+            <a:spLocks noGrp="1"/>
+          </p:cNvSpPr>
+          <p:nvPr>
+            <p:ph idx="1"/>
+          </p:nvPr>
+        </p:nvSpPr>
+        <p:spPr>
+          <a:xfrm>
+            <a:off x="539552" y="1280053"/>
+            <a:ext cx="3672408" cy="721803"/>
+          </a:xfrm>
+        </p:spPr>
+        <p:txBody>
+          <a:bodyPr>
+            <a:noAutofit/>
+          </a:bodyPr>
+          <a:lstStyle/>
+          <a:p>
+            <a:pPr marL="0" lvl="0" indent="0" algn="ctr">
+              <a:buNone/>
+            </a:pPr>
+            <a:r>
+              <a:rPr lang="it-IT" sz="2000" dirty="0"/>
+              <a:t>Per </a:t>
+            </a:r>
+            <a:r>
+              <a:rPr lang="it-IT" sz="2000" dirty="0" err="1"/>
+              <a:t>anonimizzazioni</a:t>
+            </a:r>
+            <a:r>
+              <a:rPr lang="it-IT" sz="2000" dirty="0"/>
+              <a:t> </a:t>
+            </a:r>
+            <a:r>
+              <a:rPr lang="it-IT" sz="2000" b="1" dirty="0"/>
+              <a:t>rapide</a:t>
+            </a:r>
+            <a:r>
+              <a:rPr lang="it-IT" sz="2000" dirty="0"/>
+              <a:t> su Data Set </a:t>
+            </a:r>
+            <a:r>
+              <a:rPr lang="it-IT" sz="2000" b="1" dirty="0"/>
+              <a:t>molto estesi</a:t>
+            </a:r>
+          </a:p>
+        </p:txBody>
+      </p:sp>
+      <p:sp>
+        <p:nvSpPr>
+          <p:cNvPr id="4" name="Freccia a sinistra 3">
+            <a:extLst>
+              <a:ext uri="{FF2B5EF4-FFF2-40B4-BE49-F238E27FC236}">
+                <a16:creationId xmlns:a16="http://schemas.microsoft.com/office/drawing/2014/main" id="{52AAD68B-C27E-4FFA-9271-129D6C7B0C9E}"/>
+              </a:ext>
+            </a:extLst>
+          </p:cNvPr>
+          <p:cNvSpPr/>
+          <p:nvPr/>
+        </p:nvSpPr>
+        <p:spPr>
+          <a:xfrm rot="16200000">
+            <a:off x="1908997" y="2391297"/>
+            <a:ext cx="861512" cy="288033"/>
+          </a:xfrm>
+          <a:prstGeom prst="leftArrow">
+            <a:avLst/>
+          </a:prstGeom>
+          <a:solidFill>
+            <a:schemeClr val="accent5">
+              <a:lumMod val="60000"/>
+              <a:lumOff val="40000"/>
+            </a:schemeClr>
+          </a:solidFill>
+        </p:spPr>
+        <p:style>
+          <a:lnRef idx="2">
+            <a:schemeClr val="accent1">
+              <a:shade val="50000"/>
+            </a:schemeClr>
+          </a:lnRef>
+          <a:fillRef idx="1">
+            <a:schemeClr val="accent1"/>
+          </a:fillRef>
+          <a:effectRef idx="0">
+            <a:schemeClr val="accent1"/>
+          </a:effectRef>
+          <a:fontRef idx="minor">
+            <a:schemeClr val="lt1"/>
+          </a:fontRef>
+        </p:style>
+        <p:txBody>
+          <a:bodyPr rtlCol="0" anchor="ctr"/>
+          <a:lstStyle/>
+          <a:p>
+            <a:pPr algn="ctr"/>
+            <a:endParaRPr lang="it-IT"/>
+          </a:p>
+        </p:txBody>
+      </p:sp>
+      <p:sp>
+        <p:nvSpPr>
+          <p:cNvPr id="5" name="Segnaposto contenuto 2">
+            <a:extLst>
+              <a:ext uri="{FF2B5EF4-FFF2-40B4-BE49-F238E27FC236}">
+                <a16:creationId xmlns:a16="http://schemas.microsoft.com/office/drawing/2014/main" id="{A2F20AAD-39E9-48BB-9E24-A3B662A0B11F}"/>
+              </a:ext>
+            </a:extLst>
+          </p:cNvPr>
+          <p:cNvSpPr txBox="1">
+            <a:spLocks/>
+          </p:cNvSpPr>
+          <p:nvPr/>
+        </p:nvSpPr>
+        <p:spPr>
+          <a:xfrm>
+            <a:off x="539554" y="3068775"/>
+            <a:ext cx="3888430" cy="439079"/>
+          </a:xfrm>
+          <a:prstGeom prst="rect">
+            <a:avLst/>
+          </a:prstGeom>
+        </p:spPr>
+        <p:txBody>
+          <a:bodyPr vert="horz" lIns="91440" tIns="45720" rIns="91440" bIns="45720" rtlCol="0">
+            <a:normAutofit/>
+          </a:bodyPr>
+          <a:lstStyle>
+            <a:lvl1pPr marL="342900" indent="-342900" algn="l" defTabSz="914400" rtl="0" eaLnBrk="1" latinLnBrk="1" hangingPunct="1">
+              <a:spcBef>
+                <a:spcPct val="20000"/>
+              </a:spcBef>
+              <a:buFont typeface="Arial" pitchFamily="34" charset="0"/>
+              <a:buChar char="•"/>
+              <a:defRPr sz="3200" kern="1200">
+                <a:solidFill>
+                  <a:schemeClr val="tx1"/>
+                </a:solidFill>
+                <a:latin typeface="+mn-lt"/>
+                <a:ea typeface="+mn-ea"/>
+                <a:cs typeface="+mn-cs"/>
+              </a:defRPr>
+            </a:lvl1pPr>
+            <a:lvl2pPr marL="742950" indent="-285750" algn="l" defTabSz="914400" rtl="0" eaLnBrk="1" latinLnBrk="1" hangingPunct="1">
+              <a:spcBef>
+                <a:spcPct val="20000"/>
+              </a:spcBef>
+              <a:buFont typeface="Arial" pitchFamily="34" charset="0"/>
+              <a:buChar char="–"/>
+              <a:defRPr sz="2800" kern="1200">
+                <a:solidFill>
+                  <a:schemeClr val="tx1"/>
+                </a:solidFill>
+                <a:latin typeface="+mn-lt"/>
+                <a:ea typeface="+mn-ea"/>
+                <a:cs typeface="+mn-cs"/>
+              </a:defRPr>
+            </a:lvl2pPr>
+            <a:lvl3pPr marL="1143000" indent="-228600" algn="l" defTabSz="914400" rtl="0" eaLnBrk="1" latinLnBrk="1" hangingPunct="1">
+              <a:spcBef>
+                <a:spcPct val="20000"/>
+              </a:spcBef>
+              <a:buFont typeface="Arial" pitchFamily="34" charset="0"/>
+              <a:buChar char="•"/>
+              <a:defRPr sz="2400" kern="1200">
+                <a:solidFill>
+                  <a:schemeClr val="tx1"/>
+                </a:solidFill>
+                <a:latin typeface="+mn-lt"/>
+                <a:ea typeface="+mn-ea"/>
+                <a:cs typeface="+mn-cs"/>
+              </a:defRPr>
+            </a:lvl3pPr>
+            <a:lvl4pPr marL="1600200" indent="-228600" algn="l" defTabSz="914400" rtl="0" eaLnBrk="1" latinLnBrk="1" hangingPunct="1">
+              <a:spcBef>
+                <a:spcPct val="20000"/>
+              </a:spcBef>
+              <a:buFont typeface="Arial" pitchFamily="34" charset="0"/>
+              <a:buChar char="–"/>
+              <a:defRPr sz="2000" kern="1200">
+                <a:solidFill>
+                  <a:schemeClr val="tx1"/>
+                </a:solidFill>
+                <a:latin typeface="+mn-lt"/>
+                <a:ea typeface="+mn-ea"/>
+                <a:cs typeface="+mn-cs"/>
+              </a:defRPr>
+            </a:lvl4pPr>
+            <a:lvl5pPr marL="2057400" indent="-228600" algn="l" defTabSz="914400" rtl="0" eaLnBrk="1" latinLnBrk="1" hangingPunct="1">
+              <a:spcBef>
+                <a:spcPct val="20000"/>
+              </a:spcBef>
+              <a:buFont typeface="Arial" pitchFamily="34" charset="0"/>
+              <a:buChar char="»"/>
+              <a:defRPr sz="2000" kern="1200">
+                <a:solidFill>
+                  <a:schemeClr val="tx1"/>
+                </a:solidFill>
+                <a:latin typeface="+mn-lt"/>
+                <a:ea typeface="+mn-ea"/>
+                <a:cs typeface="+mn-cs"/>
+              </a:defRPr>
+            </a:lvl5pPr>
+            <a:lvl6pPr marL="2514600" indent="-228600" algn="l" defTabSz="914400" rtl="0" eaLnBrk="1" latinLnBrk="1" hangingPunct="1">
+              <a:spcBef>
+                <a:spcPct val="20000"/>
+              </a:spcBef>
+              <a:buFont typeface="Arial" pitchFamily="34" charset="0"/>
+              <a:buChar char="•"/>
+              <a:defRPr sz="2000" kern="1200">
+                <a:solidFill>
+                  <a:schemeClr val="tx1"/>
+                </a:solidFill>
+                <a:latin typeface="+mn-lt"/>
+                <a:ea typeface="+mn-ea"/>
+                <a:cs typeface="+mn-cs"/>
+              </a:defRPr>
+            </a:lvl6pPr>
+            <a:lvl7pPr marL="2971800" indent="-228600" algn="l" defTabSz="914400" rtl="0" eaLnBrk="1" latinLnBrk="1" hangingPunct="1">
+              <a:spcBef>
+                <a:spcPct val="20000"/>
+              </a:spcBef>
+              <a:buFont typeface="Arial" pitchFamily="34" charset="0"/>
+              <a:buChar char="•"/>
+              <a:defRPr sz="2000" kern="1200">
+                <a:solidFill>
+                  <a:schemeClr val="tx1"/>
+                </a:solidFill>
+                <a:latin typeface="+mn-lt"/>
+                <a:ea typeface="+mn-ea"/>
+                <a:cs typeface="+mn-cs"/>
+              </a:defRPr>
+            </a:lvl7pPr>
+            <a:lvl8pPr marL="3429000" indent="-228600" algn="l" defTabSz="914400" rtl="0" eaLnBrk="1" latinLnBrk="1" hangingPunct="1">
+              <a:spcBef>
+                <a:spcPct val="20000"/>
+              </a:spcBef>
+              <a:buFont typeface="Arial" pitchFamily="34" charset="0"/>
+              <a:buChar char="•"/>
+              <a:defRPr sz="2000" kern="1200">
+                <a:solidFill>
+                  <a:schemeClr val="tx1"/>
+                </a:solidFill>
+                <a:latin typeface="+mn-lt"/>
+                <a:ea typeface="+mn-ea"/>
+                <a:cs typeface="+mn-cs"/>
+              </a:defRPr>
+            </a:lvl8pPr>
+            <a:lvl9pPr marL="3886200" indent="-228600" algn="l" defTabSz="914400" rtl="0" eaLnBrk="1" latinLnBrk="1" hangingPunct="1">
+              <a:spcBef>
+                <a:spcPct val="20000"/>
+              </a:spcBef>
+              <a:buFont typeface="Arial" pitchFamily="34" charset="0"/>
+              <a:buChar char="•"/>
+              <a:defRPr sz="2000" kern="1200">
+                <a:solidFill>
+                  <a:schemeClr val="tx1"/>
+                </a:solidFill>
+                <a:latin typeface="+mn-lt"/>
+                <a:ea typeface="+mn-ea"/>
+                <a:cs typeface="+mn-cs"/>
+              </a:defRPr>
+            </a:lvl9pPr>
+          </a:lstStyle>
+          <a:p>
+            <a:pPr marL="0" indent="0" algn="ctr">
+              <a:buNone/>
+            </a:pPr>
+            <a:r>
+              <a:rPr lang="it-IT" sz="1800" dirty="0"/>
+              <a:t>Combinazione </a:t>
+            </a:r>
+            <a:r>
+              <a:rPr lang="it-IT" sz="1800" b="1" dirty="0" err="1"/>
+              <a:t>Greedy</a:t>
+            </a:r>
+            <a:r>
+              <a:rPr lang="it-IT" sz="1800" b="1" dirty="0"/>
+              <a:t> – </a:t>
+            </a:r>
+            <a:r>
+              <a:rPr lang="it-IT" sz="1800" b="1" dirty="0" err="1"/>
+              <a:t>Construct</a:t>
+            </a:r>
+            <a:endParaRPr lang="it-IT" sz="1400" dirty="0"/>
+          </a:p>
+        </p:txBody>
+      </p:sp>
+      <p:sp>
+        <p:nvSpPr>
+          <p:cNvPr id="14" name="Freccia a sinistra 13">
+            <a:extLst>
+              <a:ext uri="{FF2B5EF4-FFF2-40B4-BE49-F238E27FC236}">
+                <a16:creationId xmlns:a16="http://schemas.microsoft.com/office/drawing/2014/main" id="{C6799C66-25D1-4FDC-A2B4-77A59FA57C85}"/>
+              </a:ext>
+            </a:extLst>
+          </p:cNvPr>
+          <p:cNvSpPr/>
+          <p:nvPr/>
+        </p:nvSpPr>
+        <p:spPr>
+          <a:xfrm rot="10800000">
+            <a:off x="4211960" y="1496936"/>
+            <a:ext cx="1008114" cy="288033"/>
+          </a:xfrm>
+          <a:prstGeom prst="leftArrow">
+            <a:avLst/>
+          </a:prstGeom>
+          <a:solidFill>
+            <a:schemeClr val="accent5">
+              <a:lumMod val="60000"/>
+              <a:lumOff val="40000"/>
+            </a:schemeClr>
+          </a:solidFill>
+        </p:spPr>
+        <p:style>
+          <a:lnRef idx="2">
+            <a:schemeClr val="accent1">
+              <a:shade val="50000"/>
+            </a:schemeClr>
+          </a:lnRef>
+          <a:fillRef idx="1">
+            <a:schemeClr val="accent1"/>
+          </a:fillRef>
+          <a:effectRef idx="0">
+            <a:schemeClr val="accent1"/>
+          </a:effectRef>
+          <a:fontRef idx="minor">
+            <a:schemeClr val="lt1"/>
+          </a:fontRef>
+        </p:style>
+        <p:txBody>
+          <a:bodyPr rtlCol="0" anchor="ctr"/>
+          <a:lstStyle/>
+          <a:p>
+            <a:pPr algn="ctr"/>
+            <a:endParaRPr lang="it-IT"/>
+          </a:p>
+        </p:txBody>
+      </p:sp>
+      <p:sp>
+        <p:nvSpPr>
+          <p:cNvPr id="15" name="Segnaposto contenuto 2">
+            <a:extLst>
+              <a:ext uri="{FF2B5EF4-FFF2-40B4-BE49-F238E27FC236}">
+                <a16:creationId xmlns:a16="http://schemas.microsoft.com/office/drawing/2014/main" id="{40D43C98-CF30-4320-8A33-D0F8DC91FE35}"/>
+              </a:ext>
+            </a:extLst>
+          </p:cNvPr>
+          <p:cNvSpPr txBox="1">
+            <a:spLocks/>
+          </p:cNvSpPr>
+          <p:nvPr/>
+        </p:nvSpPr>
+        <p:spPr>
+          <a:xfrm>
+            <a:off x="5364088" y="1427151"/>
+            <a:ext cx="2736304" cy="427603"/>
+          </a:xfrm>
+          <a:prstGeom prst="rect">
+            <a:avLst/>
+          </a:prstGeom>
+          <a:ln>
+            <a:solidFill>
+              <a:schemeClr val="accent1"/>
+            </a:solidFill>
+          </a:ln>
+        </p:spPr>
+        <p:txBody>
+          <a:bodyPr vert="horz" lIns="91440" tIns="45720" rIns="91440" bIns="45720" rtlCol="0">
+            <a:noAutofit/>
+          </a:bodyPr>
+          <a:lstStyle>
+            <a:lvl1pPr marL="342900" indent="-342900" algn="l" defTabSz="914400" rtl="0" eaLnBrk="1" latinLnBrk="1" hangingPunct="1">
+              <a:spcBef>
+                <a:spcPct val="20000"/>
+              </a:spcBef>
+              <a:buFont typeface="Arial" pitchFamily="34" charset="0"/>
+              <a:buChar char="•"/>
+              <a:defRPr sz="3200" kern="1200">
+                <a:solidFill>
+                  <a:schemeClr val="tx1"/>
+                </a:solidFill>
+                <a:latin typeface="+mn-lt"/>
+                <a:ea typeface="+mn-ea"/>
+                <a:cs typeface="+mn-cs"/>
+              </a:defRPr>
+            </a:lvl1pPr>
+            <a:lvl2pPr marL="742950" indent="-285750" algn="l" defTabSz="914400" rtl="0" eaLnBrk="1" latinLnBrk="1" hangingPunct="1">
+              <a:spcBef>
+                <a:spcPct val="20000"/>
+              </a:spcBef>
+              <a:buFont typeface="Arial" pitchFamily="34" charset="0"/>
+              <a:buChar char="–"/>
+              <a:defRPr sz="2800" kern="1200">
+                <a:solidFill>
+                  <a:schemeClr val="tx1"/>
+                </a:solidFill>
+                <a:latin typeface="+mn-lt"/>
+                <a:ea typeface="+mn-ea"/>
+                <a:cs typeface="+mn-cs"/>
+              </a:defRPr>
+            </a:lvl2pPr>
+            <a:lvl3pPr marL="1143000" indent="-228600" algn="l" defTabSz="914400" rtl="0" eaLnBrk="1" latinLnBrk="1" hangingPunct="1">
+              <a:spcBef>
+                <a:spcPct val="20000"/>
+              </a:spcBef>
+              <a:buFont typeface="Arial" pitchFamily="34" charset="0"/>
+              <a:buChar char="•"/>
+              <a:defRPr sz="2400" kern="1200">
+                <a:solidFill>
+                  <a:schemeClr val="tx1"/>
+                </a:solidFill>
+                <a:latin typeface="+mn-lt"/>
+                <a:ea typeface="+mn-ea"/>
+                <a:cs typeface="+mn-cs"/>
+              </a:defRPr>
+            </a:lvl3pPr>
+            <a:lvl4pPr marL="1600200" indent="-228600" algn="l" defTabSz="914400" rtl="0" eaLnBrk="1" latinLnBrk="1" hangingPunct="1">
+              <a:spcBef>
+                <a:spcPct val="20000"/>
+              </a:spcBef>
+              <a:buFont typeface="Arial" pitchFamily="34" charset="0"/>
+              <a:buChar char="–"/>
+              <a:defRPr sz="2000" kern="1200">
+                <a:solidFill>
+                  <a:schemeClr val="tx1"/>
+                </a:solidFill>
+                <a:latin typeface="+mn-lt"/>
+                <a:ea typeface="+mn-ea"/>
+                <a:cs typeface="+mn-cs"/>
+              </a:defRPr>
+            </a:lvl4pPr>
+            <a:lvl5pPr marL="2057400" indent="-228600" algn="l" defTabSz="914400" rtl="0" eaLnBrk="1" latinLnBrk="1" hangingPunct="1">
+              <a:spcBef>
+                <a:spcPct val="20000"/>
+              </a:spcBef>
+              <a:buFont typeface="Arial" pitchFamily="34" charset="0"/>
+              <a:buChar char="»"/>
+              <a:defRPr sz="2000" kern="1200">
+                <a:solidFill>
+                  <a:schemeClr val="tx1"/>
+                </a:solidFill>
+                <a:latin typeface="+mn-lt"/>
+                <a:ea typeface="+mn-ea"/>
+                <a:cs typeface="+mn-cs"/>
+              </a:defRPr>
+            </a:lvl5pPr>
+            <a:lvl6pPr marL="2514600" indent="-228600" algn="l" defTabSz="914400" rtl="0" eaLnBrk="1" latinLnBrk="1" hangingPunct="1">
+              <a:spcBef>
+                <a:spcPct val="20000"/>
+              </a:spcBef>
+              <a:buFont typeface="Arial" pitchFamily="34" charset="0"/>
+              <a:buChar char="•"/>
+              <a:defRPr sz="2000" kern="1200">
+                <a:solidFill>
+                  <a:schemeClr val="tx1"/>
+                </a:solidFill>
+                <a:latin typeface="+mn-lt"/>
+                <a:ea typeface="+mn-ea"/>
+                <a:cs typeface="+mn-cs"/>
+              </a:defRPr>
+            </a:lvl6pPr>
+            <a:lvl7pPr marL="2971800" indent="-228600" algn="l" defTabSz="914400" rtl="0" eaLnBrk="1" latinLnBrk="1" hangingPunct="1">
+              <a:spcBef>
+                <a:spcPct val="20000"/>
+              </a:spcBef>
+              <a:buFont typeface="Arial" pitchFamily="34" charset="0"/>
+              <a:buChar char="•"/>
+              <a:defRPr sz="2000" kern="1200">
+                <a:solidFill>
+                  <a:schemeClr val="tx1"/>
+                </a:solidFill>
+                <a:latin typeface="+mn-lt"/>
+                <a:ea typeface="+mn-ea"/>
+                <a:cs typeface="+mn-cs"/>
+              </a:defRPr>
+            </a:lvl7pPr>
+            <a:lvl8pPr marL="3429000" indent="-228600" algn="l" defTabSz="914400" rtl="0" eaLnBrk="1" latinLnBrk="1" hangingPunct="1">
+              <a:spcBef>
+                <a:spcPct val="20000"/>
+              </a:spcBef>
+              <a:buFont typeface="Arial" pitchFamily="34" charset="0"/>
+              <a:buChar char="•"/>
+              <a:defRPr sz="2000" kern="1200">
+                <a:solidFill>
+                  <a:schemeClr val="tx1"/>
+                </a:solidFill>
+                <a:latin typeface="+mn-lt"/>
+                <a:ea typeface="+mn-ea"/>
+                <a:cs typeface="+mn-cs"/>
+              </a:defRPr>
+            </a:lvl8pPr>
+            <a:lvl9pPr marL="3886200" indent="-228600" algn="l" defTabSz="914400" rtl="0" eaLnBrk="1" latinLnBrk="1" hangingPunct="1">
+              <a:spcBef>
+                <a:spcPct val="20000"/>
+              </a:spcBef>
+              <a:buFont typeface="Arial" pitchFamily="34" charset="0"/>
+              <a:buChar char="•"/>
+              <a:defRPr sz="2000" kern="1200">
+                <a:solidFill>
+                  <a:schemeClr val="tx1"/>
+                </a:solidFill>
+                <a:latin typeface="+mn-lt"/>
+                <a:ea typeface="+mn-ea"/>
+                <a:cs typeface="+mn-cs"/>
+              </a:defRPr>
+            </a:lvl9pPr>
+          </a:lstStyle>
+          <a:p>
+            <a:pPr marL="0" indent="0">
+              <a:buFont typeface="Arial" pitchFamily="34" charset="0"/>
+              <a:buNone/>
+            </a:pPr>
+            <a:r>
+              <a:rPr lang="it-IT" sz="2000" dirty="0"/>
+              <a:t>Esempio: Web Service</a:t>
+            </a:r>
+          </a:p>
+        </p:txBody>
+      </p:sp>
+    </p:spTree>
+    <p:extLst>
+      <p:ext uri="{BB962C8B-B14F-4D97-AF65-F5344CB8AC3E}">
+        <p14:creationId xmlns:p14="http://schemas.microsoft.com/office/powerpoint/2010/main" val="902360426"/>
       </p:ext>
     </p:extLst>
   </p:cSld>
@@ -10943,6 +16014,958 @@
             <p:ph type="title"/>
           </p:nvPr>
         </p:nvSpPr>
+        <p:spPr>
+          <a:xfrm>
+            <a:off x="0" y="27216"/>
+            <a:ext cx="9144000" cy="744334"/>
+          </a:xfrm>
+        </p:spPr>
+        <p:txBody>
+          <a:bodyPr/>
+          <a:lstStyle/>
+          <a:p>
+            <a:r>
+              <a:rPr lang="it-IT" dirty="0">
+                <a:latin typeface="+mj-lt"/>
+              </a:rPr>
+              <a:t>Tecniche di </a:t>
+            </a:r>
+            <a:r>
+              <a:rPr lang="it-IT" dirty="0" err="1">
+                <a:latin typeface="+mj-lt"/>
+              </a:rPr>
+              <a:t>anonimizzazione</a:t>
+            </a:r>
+            <a:r>
+              <a:rPr lang="it-IT" dirty="0">
+                <a:latin typeface="+mj-lt"/>
+              </a:rPr>
+              <a:t> </a:t>
+            </a:r>
+          </a:p>
+        </p:txBody>
+      </p:sp>
+      <p:sp>
+        <p:nvSpPr>
+          <p:cNvPr id="3" name="Segnaposto contenuto 2"/>
+          <p:cNvSpPr>
+            <a:spLocks noGrp="1"/>
+          </p:cNvSpPr>
+          <p:nvPr>
+            <p:ph idx="1"/>
+          </p:nvPr>
+        </p:nvSpPr>
+        <p:spPr>
+          <a:xfrm>
+            <a:off x="395536" y="1723132"/>
+            <a:ext cx="8424936" cy="1697236"/>
+          </a:xfrm>
+        </p:spPr>
+        <p:txBody>
+          <a:bodyPr anchor="ctr">
+            <a:normAutofit/>
+          </a:bodyPr>
+          <a:lstStyle/>
+          <a:p>
+            <a:pPr algn="just"/>
+            <a:r>
+              <a:rPr lang="it-IT" sz="2800" dirty="0"/>
+              <a:t>I </a:t>
+            </a:r>
+            <a:r>
+              <a:rPr lang="it-IT" sz="2800" b="1" dirty="0"/>
+              <a:t>grafi</a:t>
+            </a:r>
+            <a:r>
+              <a:rPr lang="it-IT" sz="2800" dirty="0"/>
+              <a:t> sono stati </a:t>
+            </a:r>
+            <a:r>
+              <a:rPr lang="it-IT" sz="2800" b="1" dirty="0"/>
+              <a:t>anonimizzati</a:t>
+            </a:r>
+            <a:r>
+              <a:rPr lang="it-IT" sz="2800" dirty="0"/>
+              <a:t> per svariati valori di </a:t>
+            </a:r>
+            <a:r>
+              <a:rPr lang="it-IT" sz="2800" b="1" i="1" dirty="0"/>
+              <a:t>K</a:t>
+            </a:r>
+            <a:r>
+              <a:rPr lang="it-IT" sz="2800" dirty="0"/>
+              <a:t> (incrementali)</a:t>
+            </a:r>
+          </a:p>
+          <a:p>
+            <a:pPr algn="just"/>
+            <a:r>
+              <a:rPr lang="it-IT" sz="2800" dirty="0"/>
+              <a:t>Gli </a:t>
+            </a:r>
+            <a:r>
+              <a:rPr lang="it-IT" sz="2800" b="1" dirty="0"/>
+              <a:t>algoritmi</a:t>
+            </a:r>
+            <a:r>
+              <a:rPr lang="it-IT" sz="2800" dirty="0"/>
+              <a:t> sono stati implementati in </a:t>
+            </a:r>
+            <a:r>
+              <a:rPr lang="it-IT" sz="2800" b="1" i="1" dirty="0"/>
+              <a:t>Java</a:t>
+            </a:r>
+          </a:p>
+        </p:txBody>
+      </p:sp>
+    </p:spTree>
+    <p:extLst>
+      <p:ext uri="{BB962C8B-B14F-4D97-AF65-F5344CB8AC3E}">
+        <p14:creationId xmlns:p14="http://schemas.microsoft.com/office/powerpoint/2010/main" val="1128288444"/>
+      </p:ext>
+    </p:extLst>
+  </p:cSld>
+  <p:clrMapOvr>
+    <a:masterClrMapping/>
+  </p:clrMapOvr>
+</p:sld>
+</file>
+
+<file path=ppt/slides/slide30.xml><?xml version="1.0" encoding="utf-8"?>
+<p:sld xmlns:a="http://schemas.openxmlformats.org/drawingml/2006/main" xmlns:r="http://schemas.openxmlformats.org/officeDocument/2006/relationships" xmlns:p="http://schemas.openxmlformats.org/presentationml/2006/main">
+  <p:cSld>
+    <p:spTree>
+      <p:nvGrpSpPr>
+        <p:cNvPr id="1" name=""/>
+        <p:cNvGrpSpPr/>
+        <p:nvPr/>
+      </p:nvGrpSpPr>
+      <p:grpSpPr>
+        <a:xfrm>
+          <a:off x="0" y="0"/>
+          <a:ext cx="0" cy="0"/>
+          <a:chOff x="0" y="0"/>
+          <a:chExt cx="0" cy="0"/>
+        </a:xfrm>
+      </p:grpSpPr>
+      <p:sp>
+        <p:nvSpPr>
+          <p:cNvPr id="2" name="Titolo 1"/>
+          <p:cNvSpPr>
+            <a:spLocks noGrp="1"/>
+          </p:cNvSpPr>
+          <p:nvPr>
+            <p:ph type="title"/>
+          </p:nvPr>
+        </p:nvSpPr>
+        <p:spPr/>
+        <p:txBody>
+          <a:bodyPr/>
+          <a:lstStyle/>
+          <a:p>
+            <a:r>
+              <a:rPr lang="en-GB" dirty="0" err="1">
+                <a:latin typeface="+mj-lt"/>
+              </a:rPr>
+              <a:t>Conclusioni</a:t>
+            </a:r>
+            <a:endParaRPr lang="it-IT" dirty="0">
+              <a:latin typeface="+mj-lt"/>
+            </a:endParaRPr>
+          </a:p>
+        </p:txBody>
+      </p:sp>
+      <p:sp>
+        <p:nvSpPr>
+          <p:cNvPr id="3" name="Segnaposto contenuto 2"/>
+          <p:cNvSpPr>
+            <a:spLocks noGrp="1"/>
+          </p:cNvSpPr>
+          <p:nvPr>
+            <p:ph idx="1"/>
+          </p:nvPr>
+        </p:nvSpPr>
+        <p:spPr>
+          <a:xfrm>
+            <a:off x="755576" y="1136900"/>
+            <a:ext cx="2880320" cy="721803"/>
+          </a:xfrm>
+        </p:spPr>
+        <p:txBody>
+          <a:bodyPr>
+            <a:noAutofit/>
+          </a:bodyPr>
+          <a:lstStyle/>
+          <a:p>
+            <a:pPr marL="0" lvl="0" indent="0" algn="ctr">
+              <a:buNone/>
+            </a:pPr>
+            <a:r>
+              <a:rPr lang="it-IT" sz="2000" b="1" dirty="0"/>
+              <a:t>Massima precisione </a:t>
+            </a:r>
+            <a:r>
+              <a:rPr lang="it-IT" sz="2000" dirty="0"/>
+              <a:t>e </a:t>
+            </a:r>
+            <a:r>
+              <a:rPr lang="it-IT" sz="2000" b="1" dirty="0"/>
+              <a:t>coerenza </a:t>
+            </a:r>
+            <a:r>
+              <a:rPr lang="it-IT" sz="2000" dirty="0"/>
+              <a:t>dei dati</a:t>
+            </a:r>
+            <a:endParaRPr lang="it-IT" sz="2000" b="1" dirty="0"/>
+          </a:p>
+        </p:txBody>
+      </p:sp>
+      <p:sp>
+        <p:nvSpPr>
+          <p:cNvPr id="4" name="Freccia a sinistra 3">
+            <a:extLst>
+              <a:ext uri="{FF2B5EF4-FFF2-40B4-BE49-F238E27FC236}">
+                <a16:creationId xmlns:a16="http://schemas.microsoft.com/office/drawing/2014/main" id="{52AAD68B-C27E-4FFA-9271-129D6C7B0C9E}"/>
+              </a:ext>
+            </a:extLst>
+          </p:cNvPr>
+          <p:cNvSpPr/>
+          <p:nvPr/>
+        </p:nvSpPr>
+        <p:spPr>
+          <a:xfrm rot="16200000">
+            <a:off x="1764981" y="2247281"/>
+            <a:ext cx="861512" cy="288033"/>
+          </a:xfrm>
+          <a:prstGeom prst="leftArrow">
+            <a:avLst/>
+          </a:prstGeom>
+          <a:solidFill>
+            <a:schemeClr val="accent5">
+              <a:lumMod val="60000"/>
+              <a:lumOff val="40000"/>
+            </a:schemeClr>
+          </a:solidFill>
+        </p:spPr>
+        <p:style>
+          <a:lnRef idx="2">
+            <a:schemeClr val="accent1">
+              <a:shade val="50000"/>
+            </a:schemeClr>
+          </a:lnRef>
+          <a:fillRef idx="1">
+            <a:schemeClr val="accent1"/>
+          </a:fillRef>
+          <a:effectRef idx="0">
+            <a:schemeClr val="accent1"/>
+          </a:effectRef>
+          <a:fontRef idx="minor">
+            <a:schemeClr val="lt1"/>
+          </a:fontRef>
+        </p:style>
+        <p:txBody>
+          <a:bodyPr rtlCol="0" anchor="ctr"/>
+          <a:lstStyle/>
+          <a:p>
+            <a:pPr algn="ctr"/>
+            <a:endParaRPr lang="it-IT"/>
+          </a:p>
+        </p:txBody>
+      </p:sp>
+      <p:sp>
+        <p:nvSpPr>
+          <p:cNvPr id="5" name="Segnaposto contenuto 2">
+            <a:extLst>
+              <a:ext uri="{FF2B5EF4-FFF2-40B4-BE49-F238E27FC236}">
+                <a16:creationId xmlns:a16="http://schemas.microsoft.com/office/drawing/2014/main" id="{A2F20AAD-39E9-48BB-9E24-A3B662A0B11F}"/>
+              </a:ext>
+            </a:extLst>
+          </p:cNvPr>
+          <p:cNvSpPr txBox="1">
+            <a:spLocks/>
+          </p:cNvSpPr>
+          <p:nvPr/>
+        </p:nvSpPr>
+        <p:spPr>
+          <a:xfrm>
+            <a:off x="1259632" y="2923892"/>
+            <a:ext cx="1872208" cy="721803"/>
+          </a:xfrm>
+          <a:prstGeom prst="rect">
+            <a:avLst/>
+          </a:prstGeom>
+        </p:spPr>
+        <p:txBody>
+          <a:bodyPr vert="horz" lIns="91440" tIns="45720" rIns="91440" bIns="45720" rtlCol="0">
+            <a:normAutofit/>
+          </a:bodyPr>
+          <a:lstStyle>
+            <a:lvl1pPr marL="342900" indent="-342900" algn="l" defTabSz="914400" rtl="0" eaLnBrk="1" latinLnBrk="1" hangingPunct="1">
+              <a:spcBef>
+                <a:spcPct val="20000"/>
+              </a:spcBef>
+              <a:buFont typeface="Arial" pitchFamily="34" charset="0"/>
+              <a:buChar char="•"/>
+              <a:defRPr sz="3200" kern="1200">
+                <a:solidFill>
+                  <a:schemeClr val="tx1"/>
+                </a:solidFill>
+                <a:latin typeface="+mn-lt"/>
+                <a:ea typeface="+mn-ea"/>
+                <a:cs typeface="+mn-cs"/>
+              </a:defRPr>
+            </a:lvl1pPr>
+            <a:lvl2pPr marL="742950" indent="-285750" algn="l" defTabSz="914400" rtl="0" eaLnBrk="1" latinLnBrk="1" hangingPunct="1">
+              <a:spcBef>
+                <a:spcPct val="20000"/>
+              </a:spcBef>
+              <a:buFont typeface="Arial" pitchFamily="34" charset="0"/>
+              <a:buChar char="–"/>
+              <a:defRPr sz="2800" kern="1200">
+                <a:solidFill>
+                  <a:schemeClr val="tx1"/>
+                </a:solidFill>
+                <a:latin typeface="+mn-lt"/>
+                <a:ea typeface="+mn-ea"/>
+                <a:cs typeface="+mn-cs"/>
+              </a:defRPr>
+            </a:lvl2pPr>
+            <a:lvl3pPr marL="1143000" indent="-228600" algn="l" defTabSz="914400" rtl="0" eaLnBrk="1" latinLnBrk="1" hangingPunct="1">
+              <a:spcBef>
+                <a:spcPct val="20000"/>
+              </a:spcBef>
+              <a:buFont typeface="Arial" pitchFamily="34" charset="0"/>
+              <a:buChar char="•"/>
+              <a:defRPr sz="2400" kern="1200">
+                <a:solidFill>
+                  <a:schemeClr val="tx1"/>
+                </a:solidFill>
+                <a:latin typeface="+mn-lt"/>
+                <a:ea typeface="+mn-ea"/>
+                <a:cs typeface="+mn-cs"/>
+              </a:defRPr>
+            </a:lvl3pPr>
+            <a:lvl4pPr marL="1600200" indent="-228600" algn="l" defTabSz="914400" rtl="0" eaLnBrk="1" latinLnBrk="1" hangingPunct="1">
+              <a:spcBef>
+                <a:spcPct val="20000"/>
+              </a:spcBef>
+              <a:buFont typeface="Arial" pitchFamily="34" charset="0"/>
+              <a:buChar char="–"/>
+              <a:defRPr sz="2000" kern="1200">
+                <a:solidFill>
+                  <a:schemeClr val="tx1"/>
+                </a:solidFill>
+                <a:latin typeface="+mn-lt"/>
+                <a:ea typeface="+mn-ea"/>
+                <a:cs typeface="+mn-cs"/>
+              </a:defRPr>
+            </a:lvl4pPr>
+            <a:lvl5pPr marL="2057400" indent="-228600" algn="l" defTabSz="914400" rtl="0" eaLnBrk="1" latinLnBrk="1" hangingPunct="1">
+              <a:spcBef>
+                <a:spcPct val="20000"/>
+              </a:spcBef>
+              <a:buFont typeface="Arial" pitchFamily="34" charset="0"/>
+              <a:buChar char="»"/>
+              <a:defRPr sz="2000" kern="1200">
+                <a:solidFill>
+                  <a:schemeClr val="tx1"/>
+                </a:solidFill>
+                <a:latin typeface="+mn-lt"/>
+                <a:ea typeface="+mn-ea"/>
+                <a:cs typeface="+mn-cs"/>
+              </a:defRPr>
+            </a:lvl5pPr>
+            <a:lvl6pPr marL="2514600" indent="-228600" algn="l" defTabSz="914400" rtl="0" eaLnBrk="1" latinLnBrk="1" hangingPunct="1">
+              <a:spcBef>
+                <a:spcPct val="20000"/>
+              </a:spcBef>
+              <a:buFont typeface="Arial" pitchFamily="34" charset="0"/>
+              <a:buChar char="•"/>
+              <a:defRPr sz="2000" kern="1200">
+                <a:solidFill>
+                  <a:schemeClr val="tx1"/>
+                </a:solidFill>
+                <a:latin typeface="+mn-lt"/>
+                <a:ea typeface="+mn-ea"/>
+                <a:cs typeface="+mn-cs"/>
+              </a:defRPr>
+            </a:lvl6pPr>
+            <a:lvl7pPr marL="2971800" indent="-228600" algn="l" defTabSz="914400" rtl="0" eaLnBrk="1" latinLnBrk="1" hangingPunct="1">
+              <a:spcBef>
+                <a:spcPct val="20000"/>
+              </a:spcBef>
+              <a:buFont typeface="Arial" pitchFamily="34" charset="0"/>
+              <a:buChar char="•"/>
+              <a:defRPr sz="2000" kern="1200">
+                <a:solidFill>
+                  <a:schemeClr val="tx1"/>
+                </a:solidFill>
+                <a:latin typeface="+mn-lt"/>
+                <a:ea typeface="+mn-ea"/>
+                <a:cs typeface="+mn-cs"/>
+              </a:defRPr>
+            </a:lvl7pPr>
+            <a:lvl8pPr marL="3429000" indent="-228600" algn="l" defTabSz="914400" rtl="0" eaLnBrk="1" latinLnBrk="1" hangingPunct="1">
+              <a:spcBef>
+                <a:spcPct val="20000"/>
+              </a:spcBef>
+              <a:buFont typeface="Arial" pitchFamily="34" charset="0"/>
+              <a:buChar char="•"/>
+              <a:defRPr sz="2000" kern="1200">
+                <a:solidFill>
+                  <a:schemeClr val="tx1"/>
+                </a:solidFill>
+                <a:latin typeface="+mn-lt"/>
+                <a:ea typeface="+mn-ea"/>
+                <a:cs typeface="+mn-cs"/>
+              </a:defRPr>
+            </a:lvl8pPr>
+            <a:lvl9pPr marL="3886200" indent="-228600" algn="l" defTabSz="914400" rtl="0" eaLnBrk="1" latinLnBrk="1" hangingPunct="1">
+              <a:spcBef>
+                <a:spcPct val="20000"/>
+              </a:spcBef>
+              <a:buFont typeface="Arial" pitchFamily="34" charset="0"/>
+              <a:buChar char="•"/>
+              <a:defRPr sz="2000" kern="1200">
+                <a:solidFill>
+                  <a:schemeClr val="tx1"/>
+                </a:solidFill>
+                <a:latin typeface="+mn-lt"/>
+                <a:ea typeface="+mn-ea"/>
+                <a:cs typeface="+mn-cs"/>
+              </a:defRPr>
+            </a:lvl9pPr>
+          </a:lstStyle>
+          <a:p>
+            <a:pPr marL="0" indent="0" algn="ctr">
+              <a:buNone/>
+            </a:pPr>
+            <a:r>
+              <a:rPr lang="it-IT" sz="1800" dirty="0"/>
+              <a:t>Combinazione </a:t>
+            </a:r>
+            <a:r>
+              <a:rPr lang="it-IT" sz="1800" b="1" dirty="0"/>
+              <a:t>DP – </a:t>
+            </a:r>
+            <a:r>
+              <a:rPr lang="it-IT" sz="1800" b="1" dirty="0" err="1"/>
+              <a:t>Priority</a:t>
+            </a:r>
+            <a:endParaRPr lang="it-IT" sz="1400" dirty="0"/>
+          </a:p>
+        </p:txBody>
+      </p:sp>
+      <p:sp>
+        <p:nvSpPr>
+          <p:cNvPr id="16" name="Freccia a sinistra 15">
+            <a:extLst>
+              <a:ext uri="{FF2B5EF4-FFF2-40B4-BE49-F238E27FC236}">
+                <a16:creationId xmlns:a16="http://schemas.microsoft.com/office/drawing/2014/main" id="{8502FCEF-2C24-4650-A921-0C7108C2B8FB}"/>
+              </a:ext>
+            </a:extLst>
+          </p:cNvPr>
+          <p:cNvSpPr/>
+          <p:nvPr/>
+        </p:nvSpPr>
+        <p:spPr>
+          <a:xfrm rot="9624270">
+            <a:off x="3659249" y="2723655"/>
+            <a:ext cx="861512" cy="288033"/>
+          </a:xfrm>
+          <a:prstGeom prst="leftArrow">
+            <a:avLst/>
+          </a:prstGeom>
+          <a:solidFill>
+            <a:schemeClr val="accent5">
+              <a:lumMod val="60000"/>
+              <a:lumOff val="40000"/>
+            </a:schemeClr>
+          </a:solidFill>
+        </p:spPr>
+        <p:style>
+          <a:lnRef idx="2">
+            <a:schemeClr val="accent1">
+              <a:shade val="50000"/>
+            </a:schemeClr>
+          </a:lnRef>
+          <a:fillRef idx="1">
+            <a:schemeClr val="accent1"/>
+          </a:fillRef>
+          <a:effectRef idx="0">
+            <a:schemeClr val="accent1"/>
+          </a:effectRef>
+          <a:fontRef idx="minor">
+            <a:schemeClr val="lt1"/>
+          </a:fontRef>
+        </p:style>
+        <p:txBody>
+          <a:bodyPr rtlCol="0" anchor="ctr"/>
+          <a:lstStyle/>
+          <a:p>
+            <a:pPr algn="ctr"/>
+            <a:endParaRPr lang="it-IT"/>
+          </a:p>
+        </p:txBody>
+      </p:sp>
+      <p:sp>
+        <p:nvSpPr>
+          <p:cNvPr id="17" name="Freccia a sinistra 16">
+            <a:extLst>
+              <a:ext uri="{FF2B5EF4-FFF2-40B4-BE49-F238E27FC236}">
+                <a16:creationId xmlns:a16="http://schemas.microsoft.com/office/drawing/2014/main" id="{6C068BFB-0AF3-4820-A2FF-7F02C6A940D0}"/>
+              </a:ext>
+            </a:extLst>
+          </p:cNvPr>
+          <p:cNvSpPr/>
+          <p:nvPr/>
+        </p:nvSpPr>
+        <p:spPr>
+          <a:xfrm rot="11930903">
+            <a:off x="3682678" y="3495278"/>
+            <a:ext cx="861512" cy="288033"/>
+          </a:xfrm>
+          <a:prstGeom prst="leftArrow">
+            <a:avLst/>
+          </a:prstGeom>
+          <a:solidFill>
+            <a:schemeClr val="accent2"/>
+          </a:solidFill>
+        </p:spPr>
+        <p:style>
+          <a:lnRef idx="2">
+            <a:schemeClr val="accent1">
+              <a:shade val="50000"/>
+            </a:schemeClr>
+          </a:lnRef>
+          <a:fillRef idx="1">
+            <a:schemeClr val="accent1"/>
+          </a:fillRef>
+          <a:effectRef idx="0">
+            <a:schemeClr val="accent1"/>
+          </a:effectRef>
+          <a:fontRef idx="minor">
+            <a:schemeClr val="lt1"/>
+          </a:fontRef>
+        </p:style>
+        <p:txBody>
+          <a:bodyPr rtlCol="0" anchor="ctr"/>
+          <a:lstStyle/>
+          <a:p>
+            <a:pPr algn="ctr"/>
+            <a:endParaRPr lang="it-IT"/>
+          </a:p>
+        </p:txBody>
+      </p:sp>
+      <p:sp>
+        <p:nvSpPr>
+          <p:cNvPr id="18" name="Segnaposto contenuto 2">
+            <a:extLst>
+              <a:ext uri="{FF2B5EF4-FFF2-40B4-BE49-F238E27FC236}">
+                <a16:creationId xmlns:a16="http://schemas.microsoft.com/office/drawing/2014/main" id="{FA988C52-EE1B-433A-9585-DF13F09BFFF9}"/>
+              </a:ext>
+            </a:extLst>
+          </p:cNvPr>
+          <p:cNvSpPr txBox="1">
+            <a:spLocks/>
+          </p:cNvSpPr>
+          <p:nvPr/>
+        </p:nvSpPr>
+        <p:spPr>
+          <a:xfrm>
+            <a:off x="4934094" y="3639245"/>
+            <a:ext cx="2969953" cy="721803"/>
+          </a:xfrm>
+          <a:prstGeom prst="rect">
+            <a:avLst/>
+          </a:prstGeom>
+        </p:spPr>
+        <p:txBody>
+          <a:bodyPr vert="horz" lIns="91440" tIns="45720" rIns="91440" bIns="45720" rtlCol="0">
+            <a:normAutofit/>
+          </a:bodyPr>
+          <a:lstStyle>
+            <a:lvl1pPr marL="342900" indent="-342900" algn="l" defTabSz="914400" rtl="0" eaLnBrk="1" latinLnBrk="1" hangingPunct="1">
+              <a:spcBef>
+                <a:spcPct val="20000"/>
+              </a:spcBef>
+              <a:buFont typeface="Arial" pitchFamily="34" charset="0"/>
+              <a:buChar char="•"/>
+              <a:defRPr sz="3200" kern="1200">
+                <a:solidFill>
+                  <a:schemeClr val="tx1"/>
+                </a:solidFill>
+                <a:latin typeface="+mn-lt"/>
+                <a:ea typeface="+mn-ea"/>
+                <a:cs typeface="+mn-cs"/>
+              </a:defRPr>
+            </a:lvl1pPr>
+            <a:lvl2pPr marL="742950" indent="-285750" algn="l" defTabSz="914400" rtl="0" eaLnBrk="1" latinLnBrk="1" hangingPunct="1">
+              <a:spcBef>
+                <a:spcPct val="20000"/>
+              </a:spcBef>
+              <a:buFont typeface="Arial" pitchFamily="34" charset="0"/>
+              <a:buChar char="–"/>
+              <a:defRPr sz="2800" kern="1200">
+                <a:solidFill>
+                  <a:schemeClr val="tx1"/>
+                </a:solidFill>
+                <a:latin typeface="+mn-lt"/>
+                <a:ea typeface="+mn-ea"/>
+                <a:cs typeface="+mn-cs"/>
+              </a:defRPr>
+            </a:lvl2pPr>
+            <a:lvl3pPr marL="1143000" indent="-228600" algn="l" defTabSz="914400" rtl="0" eaLnBrk="1" latinLnBrk="1" hangingPunct="1">
+              <a:spcBef>
+                <a:spcPct val="20000"/>
+              </a:spcBef>
+              <a:buFont typeface="Arial" pitchFamily="34" charset="0"/>
+              <a:buChar char="•"/>
+              <a:defRPr sz="2400" kern="1200">
+                <a:solidFill>
+                  <a:schemeClr val="tx1"/>
+                </a:solidFill>
+                <a:latin typeface="+mn-lt"/>
+                <a:ea typeface="+mn-ea"/>
+                <a:cs typeface="+mn-cs"/>
+              </a:defRPr>
+            </a:lvl3pPr>
+            <a:lvl4pPr marL="1600200" indent="-228600" algn="l" defTabSz="914400" rtl="0" eaLnBrk="1" latinLnBrk="1" hangingPunct="1">
+              <a:spcBef>
+                <a:spcPct val="20000"/>
+              </a:spcBef>
+              <a:buFont typeface="Arial" pitchFamily="34" charset="0"/>
+              <a:buChar char="–"/>
+              <a:defRPr sz="2000" kern="1200">
+                <a:solidFill>
+                  <a:schemeClr val="tx1"/>
+                </a:solidFill>
+                <a:latin typeface="+mn-lt"/>
+                <a:ea typeface="+mn-ea"/>
+                <a:cs typeface="+mn-cs"/>
+              </a:defRPr>
+            </a:lvl4pPr>
+            <a:lvl5pPr marL="2057400" indent="-228600" algn="l" defTabSz="914400" rtl="0" eaLnBrk="1" latinLnBrk="1" hangingPunct="1">
+              <a:spcBef>
+                <a:spcPct val="20000"/>
+              </a:spcBef>
+              <a:buFont typeface="Arial" pitchFamily="34" charset="0"/>
+              <a:buChar char="»"/>
+              <a:defRPr sz="2000" kern="1200">
+                <a:solidFill>
+                  <a:schemeClr val="tx1"/>
+                </a:solidFill>
+                <a:latin typeface="+mn-lt"/>
+                <a:ea typeface="+mn-ea"/>
+                <a:cs typeface="+mn-cs"/>
+              </a:defRPr>
+            </a:lvl5pPr>
+            <a:lvl6pPr marL="2514600" indent="-228600" algn="l" defTabSz="914400" rtl="0" eaLnBrk="1" latinLnBrk="1" hangingPunct="1">
+              <a:spcBef>
+                <a:spcPct val="20000"/>
+              </a:spcBef>
+              <a:buFont typeface="Arial" pitchFamily="34" charset="0"/>
+              <a:buChar char="•"/>
+              <a:defRPr sz="2000" kern="1200">
+                <a:solidFill>
+                  <a:schemeClr val="tx1"/>
+                </a:solidFill>
+                <a:latin typeface="+mn-lt"/>
+                <a:ea typeface="+mn-ea"/>
+                <a:cs typeface="+mn-cs"/>
+              </a:defRPr>
+            </a:lvl6pPr>
+            <a:lvl7pPr marL="2971800" indent="-228600" algn="l" defTabSz="914400" rtl="0" eaLnBrk="1" latinLnBrk="1" hangingPunct="1">
+              <a:spcBef>
+                <a:spcPct val="20000"/>
+              </a:spcBef>
+              <a:buFont typeface="Arial" pitchFamily="34" charset="0"/>
+              <a:buChar char="•"/>
+              <a:defRPr sz="2000" kern="1200">
+                <a:solidFill>
+                  <a:schemeClr val="tx1"/>
+                </a:solidFill>
+                <a:latin typeface="+mn-lt"/>
+                <a:ea typeface="+mn-ea"/>
+                <a:cs typeface="+mn-cs"/>
+              </a:defRPr>
+            </a:lvl7pPr>
+            <a:lvl8pPr marL="3429000" indent="-228600" algn="l" defTabSz="914400" rtl="0" eaLnBrk="1" latinLnBrk="1" hangingPunct="1">
+              <a:spcBef>
+                <a:spcPct val="20000"/>
+              </a:spcBef>
+              <a:buFont typeface="Arial" pitchFamily="34" charset="0"/>
+              <a:buChar char="•"/>
+              <a:defRPr sz="2000" kern="1200">
+                <a:solidFill>
+                  <a:schemeClr val="tx1"/>
+                </a:solidFill>
+                <a:latin typeface="+mn-lt"/>
+                <a:ea typeface="+mn-ea"/>
+                <a:cs typeface="+mn-cs"/>
+              </a:defRPr>
+            </a:lvl8pPr>
+            <a:lvl9pPr marL="3886200" indent="-228600" algn="l" defTabSz="914400" rtl="0" eaLnBrk="1" latinLnBrk="1" hangingPunct="1">
+              <a:spcBef>
+                <a:spcPct val="20000"/>
+              </a:spcBef>
+              <a:buFont typeface="Arial" pitchFamily="34" charset="0"/>
+              <a:buChar char="•"/>
+              <a:defRPr sz="2000" kern="1200">
+                <a:solidFill>
+                  <a:schemeClr val="tx1"/>
+                </a:solidFill>
+                <a:latin typeface="+mn-lt"/>
+                <a:ea typeface="+mn-ea"/>
+                <a:cs typeface="+mn-cs"/>
+              </a:defRPr>
+            </a:lvl9pPr>
+          </a:lstStyle>
+          <a:p>
+            <a:pPr marL="0" indent="0" algn="just">
+              <a:buNone/>
+            </a:pPr>
+            <a:r>
+              <a:rPr lang="it-IT" sz="1800" b="1" dirty="0"/>
+              <a:t>Tempi</a:t>
+            </a:r>
+            <a:r>
+              <a:rPr lang="it-IT" sz="1800" dirty="0"/>
+              <a:t> molto elevati anche su istanze piccole</a:t>
+            </a:r>
+            <a:endParaRPr lang="it-IT" sz="1800" b="1" dirty="0"/>
+          </a:p>
+        </p:txBody>
+      </p:sp>
+      <p:sp>
+        <p:nvSpPr>
+          <p:cNvPr id="19" name="Segnaposto contenuto 2">
+            <a:extLst>
+              <a:ext uri="{FF2B5EF4-FFF2-40B4-BE49-F238E27FC236}">
+                <a16:creationId xmlns:a16="http://schemas.microsoft.com/office/drawing/2014/main" id="{A1A5938C-0587-4480-B804-562F15190190}"/>
+              </a:ext>
+            </a:extLst>
+          </p:cNvPr>
+          <p:cNvSpPr txBox="1">
+            <a:spLocks/>
+          </p:cNvSpPr>
+          <p:nvPr/>
+        </p:nvSpPr>
+        <p:spPr>
+          <a:xfrm>
+            <a:off x="4934094" y="2387946"/>
+            <a:ext cx="2969953" cy="367608"/>
+          </a:xfrm>
+          <a:prstGeom prst="rect">
+            <a:avLst/>
+          </a:prstGeom>
+        </p:spPr>
+        <p:txBody>
+          <a:bodyPr vert="horz" lIns="91440" tIns="45720" rIns="91440" bIns="45720" rtlCol="0">
+            <a:normAutofit/>
+          </a:bodyPr>
+          <a:lstStyle>
+            <a:lvl1pPr marL="342900" indent="-342900" algn="l" defTabSz="914400" rtl="0" eaLnBrk="1" latinLnBrk="1" hangingPunct="1">
+              <a:spcBef>
+                <a:spcPct val="20000"/>
+              </a:spcBef>
+              <a:buFont typeface="Arial" pitchFamily="34" charset="0"/>
+              <a:buChar char="•"/>
+              <a:defRPr sz="3200" kern="1200">
+                <a:solidFill>
+                  <a:schemeClr val="tx1"/>
+                </a:solidFill>
+                <a:latin typeface="+mn-lt"/>
+                <a:ea typeface="+mn-ea"/>
+                <a:cs typeface="+mn-cs"/>
+              </a:defRPr>
+            </a:lvl1pPr>
+            <a:lvl2pPr marL="742950" indent="-285750" algn="l" defTabSz="914400" rtl="0" eaLnBrk="1" latinLnBrk="1" hangingPunct="1">
+              <a:spcBef>
+                <a:spcPct val="20000"/>
+              </a:spcBef>
+              <a:buFont typeface="Arial" pitchFamily="34" charset="0"/>
+              <a:buChar char="–"/>
+              <a:defRPr sz="2800" kern="1200">
+                <a:solidFill>
+                  <a:schemeClr val="tx1"/>
+                </a:solidFill>
+                <a:latin typeface="+mn-lt"/>
+                <a:ea typeface="+mn-ea"/>
+                <a:cs typeface="+mn-cs"/>
+              </a:defRPr>
+            </a:lvl2pPr>
+            <a:lvl3pPr marL="1143000" indent="-228600" algn="l" defTabSz="914400" rtl="0" eaLnBrk="1" latinLnBrk="1" hangingPunct="1">
+              <a:spcBef>
+                <a:spcPct val="20000"/>
+              </a:spcBef>
+              <a:buFont typeface="Arial" pitchFamily="34" charset="0"/>
+              <a:buChar char="•"/>
+              <a:defRPr sz="2400" kern="1200">
+                <a:solidFill>
+                  <a:schemeClr val="tx1"/>
+                </a:solidFill>
+                <a:latin typeface="+mn-lt"/>
+                <a:ea typeface="+mn-ea"/>
+                <a:cs typeface="+mn-cs"/>
+              </a:defRPr>
+            </a:lvl3pPr>
+            <a:lvl4pPr marL="1600200" indent="-228600" algn="l" defTabSz="914400" rtl="0" eaLnBrk="1" latinLnBrk="1" hangingPunct="1">
+              <a:spcBef>
+                <a:spcPct val="20000"/>
+              </a:spcBef>
+              <a:buFont typeface="Arial" pitchFamily="34" charset="0"/>
+              <a:buChar char="–"/>
+              <a:defRPr sz="2000" kern="1200">
+                <a:solidFill>
+                  <a:schemeClr val="tx1"/>
+                </a:solidFill>
+                <a:latin typeface="+mn-lt"/>
+                <a:ea typeface="+mn-ea"/>
+                <a:cs typeface="+mn-cs"/>
+              </a:defRPr>
+            </a:lvl4pPr>
+            <a:lvl5pPr marL="2057400" indent="-228600" algn="l" defTabSz="914400" rtl="0" eaLnBrk="1" latinLnBrk="1" hangingPunct="1">
+              <a:spcBef>
+                <a:spcPct val="20000"/>
+              </a:spcBef>
+              <a:buFont typeface="Arial" pitchFamily="34" charset="0"/>
+              <a:buChar char="»"/>
+              <a:defRPr sz="2000" kern="1200">
+                <a:solidFill>
+                  <a:schemeClr val="tx1"/>
+                </a:solidFill>
+                <a:latin typeface="+mn-lt"/>
+                <a:ea typeface="+mn-ea"/>
+                <a:cs typeface="+mn-cs"/>
+              </a:defRPr>
+            </a:lvl5pPr>
+            <a:lvl6pPr marL="2514600" indent="-228600" algn="l" defTabSz="914400" rtl="0" eaLnBrk="1" latinLnBrk="1" hangingPunct="1">
+              <a:spcBef>
+                <a:spcPct val="20000"/>
+              </a:spcBef>
+              <a:buFont typeface="Arial" pitchFamily="34" charset="0"/>
+              <a:buChar char="•"/>
+              <a:defRPr sz="2000" kern="1200">
+                <a:solidFill>
+                  <a:schemeClr val="tx1"/>
+                </a:solidFill>
+                <a:latin typeface="+mn-lt"/>
+                <a:ea typeface="+mn-ea"/>
+                <a:cs typeface="+mn-cs"/>
+              </a:defRPr>
+            </a:lvl6pPr>
+            <a:lvl7pPr marL="2971800" indent="-228600" algn="l" defTabSz="914400" rtl="0" eaLnBrk="1" latinLnBrk="1" hangingPunct="1">
+              <a:spcBef>
+                <a:spcPct val="20000"/>
+              </a:spcBef>
+              <a:buFont typeface="Arial" pitchFamily="34" charset="0"/>
+              <a:buChar char="•"/>
+              <a:defRPr sz="2000" kern="1200">
+                <a:solidFill>
+                  <a:schemeClr val="tx1"/>
+                </a:solidFill>
+                <a:latin typeface="+mn-lt"/>
+                <a:ea typeface="+mn-ea"/>
+                <a:cs typeface="+mn-cs"/>
+              </a:defRPr>
+            </a:lvl7pPr>
+            <a:lvl8pPr marL="3429000" indent="-228600" algn="l" defTabSz="914400" rtl="0" eaLnBrk="1" latinLnBrk="1" hangingPunct="1">
+              <a:spcBef>
+                <a:spcPct val="20000"/>
+              </a:spcBef>
+              <a:buFont typeface="Arial" pitchFamily="34" charset="0"/>
+              <a:buChar char="•"/>
+              <a:defRPr sz="2000" kern="1200">
+                <a:solidFill>
+                  <a:schemeClr val="tx1"/>
+                </a:solidFill>
+                <a:latin typeface="+mn-lt"/>
+                <a:ea typeface="+mn-ea"/>
+                <a:cs typeface="+mn-cs"/>
+              </a:defRPr>
+            </a:lvl8pPr>
+            <a:lvl9pPr marL="3886200" indent="-228600" algn="l" defTabSz="914400" rtl="0" eaLnBrk="1" latinLnBrk="1" hangingPunct="1">
+              <a:spcBef>
+                <a:spcPct val="20000"/>
+              </a:spcBef>
+              <a:buFont typeface="Arial" pitchFamily="34" charset="0"/>
+              <a:buChar char="•"/>
+              <a:defRPr sz="2000" kern="1200">
+                <a:solidFill>
+                  <a:schemeClr val="tx1"/>
+                </a:solidFill>
+                <a:latin typeface="+mn-lt"/>
+                <a:ea typeface="+mn-ea"/>
+                <a:cs typeface="+mn-cs"/>
+              </a:defRPr>
+            </a:lvl9pPr>
+          </a:lstStyle>
+          <a:p>
+            <a:pPr marL="0" indent="0" algn="just">
+              <a:buFont typeface="Arial" pitchFamily="34" charset="0"/>
+              <a:buNone/>
+            </a:pPr>
+            <a:r>
+              <a:rPr lang="it-IT" sz="1800" b="1" dirty="0"/>
+              <a:t>Costo </a:t>
+            </a:r>
+            <a:r>
+              <a:rPr lang="it-IT" sz="1800" dirty="0"/>
+              <a:t>(</a:t>
+            </a:r>
+            <a:r>
+              <a:rPr lang="it-IT" sz="1800" i="1" dirty="0"/>
+              <a:t>archi</a:t>
+            </a:r>
+            <a:r>
+              <a:rPr lang="it-IT" sz="1800" dirty="0"/>
+              <a:t>) ottimo</a:t>
+            </a:r>
+            <a:endParaRPr lang="it-IT" sz="1800" b="1" i="1" dirty="0"/>
+          </a:p>
+        </p:txBody>
+      </p:sp>
+    </p:spTree>
+    <p:extLst>
+      <p:ext uri="{BB962C8B-B14F-4D97-AF65-F5344CB8AC3E}">
+        <p14:creationId xmlns:p14="http://schemas.microsoft.com/office/powerpoint/2010/main" val="3393231530"/>
+      </p:ext>
+    </p:extLst>
+  </p:cSld>
+  <p:clrMapOvr>
+    <a:masterClrMapping/>
+  </p:clrMapOvr>
+</p:sld>
+</file>
+
+<file path=ppt/slides/slide4.xml><?xml version="1.0" encoding="utf-8"?>
+<p:sld xmlns:a="http://schemas.openxmlformats.org/drawingml/2006/main" xmlns:r="http://schemas.openxmlformats.org/officeDocument/2006/relationships" xmlns:p="http://schemas.openxmlformats.org/presentationml/2006/main">
+  <p:cSld>
+    <p:spTree>
+      <p:nvGrpSpPr>
+        <p:cNvPr id="1" name=""/>
+        <p:cNvGrpSpPr/>
+        <p:nvPr/>
+      </p:nvGrpSpPr>
+      <p:grpSpPr>
+        <a:xfrm>
+          <a:off x="0" y="0"/>
+          <a:ext cx="0" cy="0"/>
+          <a:chOff x="0" y="0"/>
+          <a:chExt cx="0" cy="0"/>
+        </a:xfrm>
+      </p:grpSpPr>
+      <p:sp>
+        <p:nvSpPr>
+          <p:cNvPr id="2" name="Titolo 1"/>
+          <p:cNvSpPr>
+            <a:spLocks noGrp="1"/>
+          </p:cNvSpPr>
+          <p:nvPr>
+            <p:ph type="title"/>
+          </p:nvPr>
+        </p:nvSpPr>
         <p:spPr/>
         <p:txBody>
           <a:bodyPr/>
@@ -11142,7 +17165,7 @@
             </a:r>
             <a:r>
               <a:rPr lang="it-IT" sz="2800" dirty="0"/>
-              <a:t> anonimizzato l’algoritmo        anonimizza secondo</a:t>
+              <a:t> anonimizzato l’algoritmo        può seguire due approcci</a:t>
             </a:r>
           </a:p>
           <a:p>
@@ -11267,7 +17290,7 @@
         </p:nvSpPr>
         <p:spPr>
           <a:xfrm>
-            <a:off x="1003325" y="3438748"/>
+            <a:off x="5724128" y="3515433"/>
             <a:ext cx="2168799" cy="1077218"/>
           </a:xfrm>
           <a:prstGeom prst="rect">
@@ -11305,7 +17328,7 @@
         </p:nvSpPr>
         <p:spPr>
           <a:xfrm>
-            <a:off x="4190937" y="3438748"/>
+            <a:off x="395536" y="3507852"/>
             <a:ext cx="4701543" cy="1077218"/>
           </a:xfrm>
           <a:prstGeom prst="rect">
@@ -11927,140 +17950,6 @@
 </p:sld>
 </file>
 
-<file path=ppt/slides/slide4.xml><?xml version="1.0" encoding="utf-8"?>
-<p:sld xmlns:a="http://schemas.openxmlformats.org/drawingml/2006/main" xmlns:r="http://schemas.openxmlformats.org/officeDocument/2006/relationships" xmlns:p="http://schemas.openxmlformats.org/presentationml/2006/main">
-  <p:cSld>
-    <p:spTree>
-      <p:nvGrpSpPr>
-        <p:cNvPr id="1" name=""/>
-        <p:cNvGrpSpPr/>
-        <p:nvPr/>
-      </p:nvGrpSpPr>
-      <p:grpSpPr>
-        <a:xfrm>
-          <a:off x="0" y="0"/>
-          <a:ext cx="0" cy="0"/>
-          <a:chOff x="0" y="0"/>
-          <a:chExt cx="0" cy="0"/>
-        </a:xfrm>
-      </p:grpSpPr>
-      <p:sp>
-        <p:nvSpPr>
-          <p:cNvPr id="2" name="Titolo 1"/>
-          <p:cNvSpPr>
-            <a:spLocks noGrp="1"/>
-          </p:cNvSpPr>
-          <p:nvPr>
-            <p:ph type="title"/>
-          </p:nvPr>
-        </p:nvSpPr>
-        <p:spPr>
-          <a:xfrm>
-            <a:off x="0" y="27216"/>
-            <a:ext cx="9144000" cy="744334"/>
-          </a:xfrm>
-        </p:spPr>
-        <p:txBody>
-          <a:bodyPr/>
-          <a:lstStyle/>
-          <a:p>
-            <a:r>
-              <a:rPr lang="it-IT" dirty="0">
-                <a:latin typeface="+mj-lt"/>
-              </a:rPr>
-              <a:t>Tecniche di </a:t>
-            </a:r>
-            <a:r>
-              <a:rPr lang="it-IT" dirty="0" err="1">
-                <a:latin typeface="+mj-lt"/>
-              </a:rPr>
-              <a:t>anonimizzazione</a:t>
-            </a:r>
-            <a:r>
-              <a:rPr lang="it-IT" dirty="0">
-                <a:latin typeface="+mj-lt"/>
-              </a:rPr>
-              <a:t> </a:t>
-            </a:r>
-          </a:p>
-        </p:txBody>
-      </p:sp>
-      <p:sp>
-        <p:nvSpPr>
-          <p:cNvPr id="3" name="Segnaposto contenuto 2"/>
-          <p:cNvSpPr>
-            <a:spLocks noGrp="1"/>
-          </p:cNvSpPr>
-          <p:nvPr>
-            <p:ph idx="1"/>
-          </p:nvPr>
-        </p:nvSpPr>
-        <p:spPr>
-          <a:xfrm>
-            <a:off x="390364" y="874514"/>
-            <a:ext cx="8363272" cy="3394472"/>
-          </a:xfrm>
-        </p:spPr>
-        <p:txBody>
-          <a:bodyPr anchor="ctr">
-            <a:normAutofit/>
-          </a:bodyPr>
-          <a:lstStyle/>
-          <a:p>
-            <a:r>
-              <a:rPr lang="it-IT" dirty="0"/>
-              <a:t>I grafi sono stati </a:t>
-            </a:r>
-            <a:r>
-              <a:rPr lang="it-IT" b="1" dirty="0"/>
-              <a:t>anonimizzati</a:t>
-            </a:r>
-            <a:r>
-              <a:rPr lang="it-IT" dirty="0"/>
-              <a:t> per svariati valori di </a:t>
-            </a:r>
-            <a:r>
-              <a:rPr lang="it-IT" b="1" i="1" dirty="0"/>
-              <a:t>K</a:t>
-            </a:r>
-            <a:r>
-              <a:rPr lang="it-IT" dirty="0"/>
-              <a:t> (incrementali)</a:t>
-            </a:r>
-          </a:p>
-          <a:p>
-            <a:r>
-              <a:rPr lang="it-IT" dirty="0"/>
-              <a:t>I seguenti </a:t>
-            </a:r>
-            <a:r>
-              <a:rPr lang="it-IT" b="1" dirty="0"/>
-              <a:t>algoritmi</a:t>
-            </a:r>
-            <a:r>
-              <a:rPr lang="it-IT" dirty="0"/>
-              <a:t> implementati in </a:t>
-            </a:r>
-            <a:r>
-              <a:rPr lang="it-IT" b="1" dirty="0"/>
-              <a:t>Java</a:t>
-            </a:r>
-          </a:p>
-        </p:txBody>
-      </p:sp>
-    </p:spTree>
-    <p:extLst>
-      <p:ext uri="{BB962C8B-B14F-4D97-AF65-F5344CB8AC3E}">
-        <p14:creationId xmlns:p14="http://schemas.microsoft.com/office/powerpoint/2010/main" val="1128288444"/>
-      </p:ext>
-    </p:extLst>
-  </p:cSld>
-  <p:clrMapOvr>
-    <a:masterClrMapping/>
-  </p:clrMapOvr>
-</p:sld>
-</file>
-
 <file path=ppt/slides/slide5.xml><?xml version="1.0" encoding="utf-8"?>
 <p:sld xmlns:a="http://schemas.openxmlformats.org/drawingml/2006/main" xmlns:r="http://schemas.openxmlformats.org/officeDocument/2006/relationships" xmlns:p="http://schemas.openxmlformats.org/presentationml/2006/main">
   <p:cSld>
@@ -13196,7 +19085,15 @@
             </a:pPr>
             <a:r>
               <a:rPr lang="it-IT" dirty="0"/>
-              <a:t>Vengono valutate tutte le possibili </a:t>
+              <a:t>Vengono valutate </a:t>
+            </a:r>
+            <a:r>
+              <a:rPr lang="it-IT" b="1" dirty="0"/>
+              <a:t>tutte</a:t>
+            </a:r>
+            <a:r>
+              <a:rPr lang="it-IT" dirty="0"/>
+              <a:t> le possibili </a:t>
             </a:r>
           </a:p>
           <a:p>
@@ -13206,7 +19103,15 @@
             </a:pPr>
             <a:r>
               <a:rPr lang="it-IT" dirty="0"/>
-              <a:t>combinazioni di cluster scegliendo quella a </a:t>
+              <a:t>combinazioni di </a:t>
+            </a:r>
+            <a:r>
+              <a:rPr lang="it-IT" b="1" dirty="0"/>
+              <a:t>cluster</a:t>
+            </a:r>
+            <a:r>
+              <a:rPr lang="it-IT" dirty="0"/>
+              <a:t> scegliendo quella a </a:t>
             </a:r>
             <a:r>
               <a:rPr lang="it-IT" b="1" dirty="0"/>
@@ -13309,11 +19214,19 @@
               <a:buNone/>
             </a:pPr>
             <a:r>
-              <a:rPr lang="it-IT"/>
-              <a:t>Implementazione semplificata rispetto a      </a:t>
-            </a:r>
-            <a:r>
-              <a:rPr lang="it-IT" b="1"/>
+              <a:rPr lang="it-IT" dirty="0"/>
+              <a:t>Implementazione </a:t>
+            </a:r>
+            <a:r>
+              <a:rPr lang="it-IT" b="1" dirty="0"/>
+              <a:t>semplificata</a:t>
+            </a:r>
+            <a:r>
+              <a:rPr lang="it-IT" dirty="0"/>
+              <a:t> rispetto a      </a:t>
+            </a:r>
+            <a:r>
+              <a:rPr lang="it-IT" b="1" dirty="0"/>
               <a:t>Dynamic Programming</a:t>
             </a:r>
           </a:p>

--- a/Presentation/Towards_Identity_Anonymization_on_graph(K-degree anonymization).pptx
+++ b/Presentation/Towards_Identity_Anonymization_on_graph(K-degree anonymization).pptx
@@ -12611,7 +12611,7 @@
         <p:spPr>
           <a:xfrm>
             <a:off x="251520" y="1201422"/>
-            <a:ext cx="4032448" cy="3270829"/>
+            <a:ext cx="4176464" cy="3270829"/>
           </a:xfrm>
         </p:spPr>
         <p:txBody>
@@ -13244,8 +13244,8 @@
         </p:nvSpPr>
         <p:spPr>
           <a:xfrm>
-            <a:off x="642392" y="1849946"/>
-            <a:ext cx="7859216" cy="1443608"/>
+            <a:off x="590972" y="1849946"/>
+            <a:ext cx="7962056" cy="1443608"/>
           </a:xfrm>
         </p:spPr>
         <p:txBody>
@@ -13259,7 +13259,39 @@
             </a:pPr>
             <a:r>
               <a:rPr lang="it-IT" sz="2800" dirty="0"/>
-              <a:t>In sostanza: l’algoritmo migliore dipende dalle necessità di chi dovrà manipolare o analizzare il grafo anonimizzato</a:t>
+              <a:t>In sostanza: </a:t>
+            </a:r>
+            <a:r>
+              <a:rPr lang="it-IT" sz="2800" b="1" dirty="0"/>
+              <a:t>l’algoritmo migliore </a:t>
+            </a:r>
+            <a:r>
+              <a:rPr lang="it-IT" sz="2800" dirty="0"/>
+              <a:t>dipende dalle </a:t>
+            </a:r>
+            <a:r>
+              <a:rPr lang="it-IT" sz="2800" b="1" dirty="0"/>
+              <a:t>necessità</a:t>
+            </a:r>
+            <a:r>
+              <a:rPr lang="it-IT" sz="2800" dirty="0"/>
+              <a:t> di chi dovrà </a:t>
+            </a:r>
+            <a:r>
+              <a:rPr lang="it-IT" sz="2800" b="1" dirty="0"/>
+              <a:t>manipolare</a:t>
+            </a:r>
+            <a:r>
+              <a:rPr lang="it-IT" sz="2800" dirty="0"/>
+              <a:t> o </a:t>
+            </a:r>
+            <a:r>
+              <a:rPr lang="it-IT" sz="2800" b="1" dirty="0"/>
+              <a:t>analizzare</a:t>
+            </a:r>
+            <a:r>
+              <a:rPr lang="it-IT" sz="2800" dirty="0"/>
+              <a:t> il grafo anonimizzato</a:t>
             </a:r>
             <a:endParaRPr lang="it-IT" sz="2000" dirty="0"/>
           </a:p>

--- a/Presentation/Towards_Identity_Anonymization_on_graph(K-degree anonymization).pptx
+++ b/Presentation/Towards_Identity_Anonymization_on_graph(K-degree anonymization).pptx
@@ -174,9 +174,9 @@
 <p1510:revInfo xmlns:a="http://schemas.openxmlformats.org/drawingml/2006/main" xmlns:r="http://schemas.openxmlformats.org/officeDocument/2006/relationships" xmlns:p1510="http://schemas.microsoft.com/office/powerpoint/2015/10/main">
   <p1510:revLst>
     <p1510:client id="{73B7BA9C-7E3A-45A7-8C8D-6162147F030B}" v="790" dt="2019-03-14T16:19:10.455"/>
+    <p1510:client id="{2EE172F5-1581-ADA4-F99B-300CD6C88063}" v="58" dt="2019-03-14T15:44:05.301"/>
+    <p1510:client id="{35A4603D-76DC-37E8-9F43-8747B071C77F}" v="37" dt="2019-03-14T11:17:27.226"/>
     <p1510:client id="{8AA02FEC-AB14-4109-B76C-C10B11DA5FCE}" v="55" dt="2019-03-14T10:37:49.570"/>
-    <p1510:client id="{35A4603D-76DC-37E8-9F43-8747B071C77F}" v="37" dt="2019-03-14T11:17:27.226"/>
-    <p1510:client id="{2EE172F5-1581-ADA4-F99B-300CD6C88063}" v="58" dt="2019-03-14T15:44:05.301"/>
   </p1510:revLst>
 </p1510:revInfo>
 </file>
@@ -263,7 +263,7 @@
           <a:p>
             <a:fld id="{A55BA7C1-22AE-0645-AD7C-34C9095A0266}" type="datetimeFigureOut">
               <a:rPr lang="it-IT" smtClean="0"/>
-              <a:t>16/03/2019</a:t>
+              <a:t>17/03/2019</a:t>
             </a:fld>
             <a:endParaRPr lang="it-IT"/>
           </a:p>
@@ -3443,7 +3443,7 @@
           <a:p>
             <a:fld id="{DF8C5CDB-1AEF-4522-8EAF-CE1F4E5D863E}" type="datetimeFigureOut">
               <a:rPr lang="ko-KR" altLang="en-US" smtClean="0"/>
-              <a:t>2019-03-16</a:t>
+              <a:t>2019-03-17</a:t>
             </a:fld>
             <a:endParaRPr lang="ko-KR" altLang="en-US"/>
           </a:p>
@@ -3623,7 +3623,7 @@
           <a:p>
             <a:fld id="{DF8C5CDB-1AEF-4522-8EAF-CE1F4E5D863E}" type="datetimeFigureOut">
               <a:rPr lang="ko-KR" altLang="en-US" smtClean="0"/>
-              <a:t>2019-03-16</a:t>
+              <a:t>2019-03-17</a:t>
             </a:fld>
             <a:endParaRPr lang="ko-KR" altLang="en-US"/>
           </a:p>
@@ -3802,7 +3802,7 @@
           <a:p>
             <a:fld id="{DF8C5CDB-1AEF-4522-8EAF-CE1F4E5D863E}" type="datetimeFigureOut">
               <a:rPr lang="ko-KR" altLang="en-US" smtClean="0"/>
-              <a:t>2019-03-16</a:t>
+              <a:t>2019-03-17</a:t>
             </a:fld>
             <a:endParaRPr lang="ko-KR" altLang="en-US"/>
           </a:p>
@@ -4084,7 +4084,7 @@
           <a:p>
             <a:fld id="{DF8C5CDB-1AEF-4522-8EAF-CE1F4E5D863E}" type="datetimeFigureOut">
               <a:rPr lang="ko-KR" altLang="en-US" smtClean="0"/>
-              <a:t>2019-03-16</a:t>
+              <a:t>2019-03-17</a:t>
             </a:fld>
             <a:endParaRPr lang="ko-KR" altLang="en-US"/>
           </a:p>
@@ -4372,7 +4372,7 @@
           <a:p>
             <a:fld id="{DF8C5CDB-1AEF-4522-8EAF-CE1F4E5D863E}" type="datetimeFigureOut">
               <a:rPr lang="ko-KR" altLang="en-US" smtClean="0"/>
-              <a:t>2019-03-16</a:t>
+              <a:t>2019-03-17</a:t>
             </a:fld>
             <a:endParaRPr lang="ko-KR" altLang="en-US"/>
           </a:p>
@@ -4799,7 +4799,7 @@
           <a:p>
             <a:fld id="{DF8C5CDB-1AEF-4522-8EAF-CE1F4E5D863E}" type="datetimeFigureOut">
               <a:rPr lang="ko-KR" altLang="en-US" smtClean="0"/>
-              <a:t>2019-03-16</a:t>
+              <a:t>2019-03-17</a:t>
             </a:fld>
             <a:endParaRPr lang="ko-KR" altLang="en-US"/>
           </a:p>
@@ -4917,7 +4917,7 @@
           <a:p>
             <a:fld id="{DF8C5CDB-1AEF-4522-8EAF-CE1F4E5D863E}" type="datetimeFigureOut">
               <a:rPr lang="ko-KR" altLang="en-US" smtClean="0"/>
-              <a:t>2019-03-16</a:t>
+              <a:t>2019-03-17</a:t>
             </a:fld>
             <a:endParaRPr lang="ko-KR" altLang="en-US"/>
           </a:p>
@@ -5012,7 +5012,7 @@
           <a:p>
             <a:fld id="{DF8C5CDB-1AEF-4522-8EAF-CE1F4E5D863E}" type="datetimeFigureOut">
               <a:rPr lang="ko-KR" altLang="en-US" smtClean="0"/>
-              <a:t>2019-03-16</a:t>
+              <a:t>2019-03-17</a:t>
             </a:fld>
             <a:endParaRPr lang="ko-KR" altLang="en-US"/>
           </a:p>
@@ -5289,7 +5289,7 @@
           <a:p>
             <a:fld id="{DF8C5CDB-1AEF-4522-8EAF-CE1F4E5D863E}" type="datetimeFigureOut">
               <a:rPr lang="ko-KR" altLang="en-US" smtClean="0"/>
-              <a:t>2019-03-16</a:t>
+              <a:t>2019-03-17</a:t>
             </a:fld>
             <a:endParaRPr lang="ko-KR" altLang="en-US"/>
           </a:p>
@@ -5542,7 +5542,7 @@
           <a:p>
             <a:fld id="{DF8C5CDB-1AEF-4522-8EAF-CE1F4E5D863E}" type="datetimeFigureOut">
               <a:rPr lang="ko-KR" altLang="en-US" smtClean="0"/>
-              <a:t>2019-03-16</a:t>
+              <a:t>2019-03-17</a:t>
             </a:fld>
             <a:endParaRPr lang="ko-KR" altLang="en-US"/>
           </a:p>
@@ -5764,7 +5764,7 @@
           <a:p>
             <a:fld id="{DF8C5CDB-1AEF-4522-8EAF-CE1F4E5D863E}" type="datetimeFigureOut">
               <a:rPr lang="ko-KR" altLang="en-US" smtClean="0"/>
-              <a:t>2019-03-16</a:t>
+              <a:t>2019-03-17</a:t>
             </a:fld>
             <a:endParaRPr lang="ko-KR" altLang="en-US"/>
           </a:p>
@@ -17599,7 +17599,7 @@
                                 </p:cTn>
                               </p:par>
                               <p:par>
-                                <p:cTn id="14" presetID="10" presetClass="entr" presetSubtype="0" fill="hold" grpId="0" nodeType="withEffect">
+                                <p:cTn id="14" presetID="2" presetClass="entr" presetSubtype="4" fill="hold" grpId="0" nodeType="withEffect">
                                   <p:stCondLst>
                                     <p:cond delay="0"/>
                                   </p:stCondLst>
@@ -17612,11 +17612,7 @@
                                           </p:stCondLst>
                                         </p:cTn>
                                         <p:tgtEl>
-                                          <p:spTgt spid="10">
-                                            <p:txEl>
-                                              <p:pRg st="0" end="0"/>
-                                            </p:txEl>
-                                          </p:spTgt>
+                                          <p:spTgt spid="11"/>
                                         </p:tgtEl>
                                         <p:attrNameLst>
                                           <p:attrName>style.visibility</p:attrName>
@@ -17626,61 +17622,52 @@
                                         <p:strVal val="visible"/>
                                       </p:to>
                                     </p:set>
-                                    <p:animEffect transition="in" filter="fade">
-                                      <p:cBhvr>
-                                        <p:cTn id="16" dur="500"/>
+                                    <p:anim calcmode="lin" valueType="num">
+                                      <p:cBhvr additive="base">
+                                        <p:cTn id="16" dur="500" fill="hold"/>
                                         <p:tgtEl>
-                                          <p:spTgt spid="10">
-                                            <p:txEl>
-                                              <p:pRg st="0" end="0"/>
-                                            </p:txEl>
-                                          </p:spTgt>
-                                        </p:tgtEl>
-                                      </p:cBhvr>
-                                    </p:animEffect>
-                                  </p:childTnLst>
-                                </p:cTn>
-                              </p:par>
-                              <p:par>
-                                <p:cTn id="17" presetID="10" presetClass="entr" presetSubtype="0" fill="hold" grpId="0" nodeType="withEffect">
-                                  <p:stCondLst>
-                                    <p:cond delay="0"/>
-                                  </p:stCondLst>
-                                  <p:childTnLst>
-                                    <p:set>
-                                      <p:cBhvr>
-                                        <p:cTn id="18" dur="1" fill="hold">
-                                          <p:stCondLst>
-                                            <p:cond delay="0"/>
-                                          </p:stCondLst>
-                                        </p:cTn>
-                                        <p:tgtEl>
-                                          <p:spTgt spid="10">
-                                            <p:txEl>
-                                              <p:pRg st="1" end="1"/>
-                                            </p:txEl>
-                                          </p:spTgt>
+                                          <p:spTgt spid="11"/>
                                         </p:tgtEl>
                                         <p:attrNameLst>
-                                          <p:attrName>style.visibility</p:attrName>
+                                          <p:attrName>ppt_x</p:attrName>
                                         </p:attrNameLst>
                                       </p:cBhvr>
-                                      <p:to>
-                                        <p:strVal val="visible"/>
-                                      </p:to>
-                                    </p:set>
-                                    <p:animEffect transition="in" filter="fade">
-                                      <p:cBhvr>
-                                        <p:cTn id="19" dur="500"/>
+                                      <p:tavLst>
+                                        <p:tav tm="0">
+                                          <p:val>
+                                            <p:strVal val="#ppt_x"/>
+                                          </p:val>
+                                        </p:tav>
+                                        <p:tav tm="100000">
+                                          <p:val>
+                                            <p:strVal val="#ppt_x"/>
+                                          </p:val>
+                                        </p:tav>
+                                      </p:tavLst>
+                                    </p:anim>
+                                    <p:anim calcmode="lin" valueType="num">
+                                      <p:cBhvr additive="base">
+                                        <p:cTn id="17" dur="500" fill="hold"/>
                                         <p:tgtEl>
-                                          <p:spTgt spid="10">
-                                            <p:txEl>
-                                              <p:pRg st="1" end="1"/>
-                                            </p:txEl>
-                                          </p:spTgt>
+                                          <p:spTgt spid="11"/>
                                         </p:tgtEl>
+                                        <p:attrNameLst>
+                                          <p:attrName>ppt_y</p:attrName>
+                                        </p:attrNameLst>
                                       </p:cBhvr>
-                                    </p:animEffect>
+                                      <p:tavLst>
+                                        <p:tav tm="0">
+                                          <p:val>
+                                            <p:strVal val="1+#ppt_h/2"/>
+                                          </p:val>
+                                        </p:tav>
+                                        <p:tav tm="100000">
+                                          <p:val>
+                                            <p:strVal val="#ppt_y"/>
+                                          </p:val>
+                                        </p:tav>
+                                      </p:tavLst>
+                                    </p:anim>
                                   </p:childTnLst>
                                 </p:cTn>
                               </p:par>
@@ -17691,26 +17678,26 @@
                     </p:cTn>
                   </p:par>
                   <p:par>
-                    <p:cTn id="20" fill="hold">
+                    <p:cTn id="18" fill="hold">
                       <p:stCondLst>
                         <p:cond delay="indefinite"/>
                       </p:stCondLst>
                       <p:childTnLst>
                         <p:par>
-                          <p:cTn id="21" fill="hold">
+                          <p:cTn id="19" fill="hold">
                             <p:stCondLst>
                               <p:cond delay="0"/>
                             </p:stCondLst>
                             <p:childTnLst>
                               <p:par>
-                                <p:cTn id="22" presetID="2" presetClass="entr" presetSubtype="9" fill="hold" grpId="0" nodeType="clickEffect">
+                                <p:cTn id="20" presetID="2" presetClass="entr" presetSubtype="9" fill="hold" grpId="0" nodeType="clickEffect">
                                   <p:stCondLst>
                                     <p:cond delay="0"/>
                                   </p:stCondLst>
                                   <p:childTnLst>
                                     <p:set>
                                       <p:cBhvr>
-                                        <p:cTn id="23" dur="1" fill="hold">
+                                        <p:cTn id="21" dur="1" fill="hold">
                                           <p:stCondLst>
                                             <p:cond delay="0"/>
                                           </p:stCondLst>
@@ -17728,7 +17715,7 @@
                                     </p:set>
                                     <p:anim calcmode="lin" valueType="num">
                                       <p:cBhvr additive="base">
-                                        <p:cTn id="24" dur="500" fill="hold"/>
+                                        <p:cTn id="22" dur="500" fill="hold"/>
                                         <p:tgtEl>
                                           <p:spTgt spid="9"/>
                                         </p:tgtEl>
@@ -17751,7 +17738,7 @@
                                     </p:anim>
                                     <p:anim calcmode="lin" valueType="num">
                                       <p:cBhvr additive="base">
-                                        <p:cTn id="25" dur="500" fill="hold"/>
+                                        <p:cTn id="23" dur="500" fill="hold"/>
                                         <p:tgtEl>
                                           <p:spTgt spid="9"/>
                                         </p:tgtEl>
@@ -17776,24 +17763,20 @@
                                 </p:cTn>
                               </p:par>
                               <p:par>
-                                <p:cTn id="26" presetID="2" presetClass="entr" presetSubtype="4" fill="hold" grpId="0" nodeType="withEffect">
+                                <p:cTn id="24" presetID="2" presetClass="entr" presetSubtype="4" fill="hold" grpId="0" nodeType="withEffect">
                                   <p:stCondLst>
                                     <p:cond delay="0"/>
                                   </p:stCondLst>
                                   <p:childTnLst>
                                     <p:set>
                                       <p:cBhvr>
-                                        <p:cTn id="27" dur="1" fill="hold">
+                                        <p:cTn id="25" dur="1" fill="hold">
                                           <p:stCondLst>
                                             <p:cond delay="0"/>
                                           </p:stCondLst>
                                         </p:cTn>
                                         <p:tgtEl>
-                                          <p:spTgt spid="11">
-                                            <p:txEl>
-                                              <p:pRg st="0" end="0"/>
-                                            </p:txEl>
-                                          </p:spTgt>
+                                          <p:spTgt spid="10"/>
                                         </p:tgtEl>
                                         <p:attrNameLst>
                                           <p:attrName>style.visibility</p:attrName>
@@ -17805,13 +17788,9 @@
                                     </p:set>
                                     <p:anim calcmode="lin" valueType="num">
                                       <p:cBhvr additive="base">
-                                        <p:cTn id="28" dur="500" fill="hold"/>
+                                        <p:cTn id="26" dur="500" fill="hold"/>
                                         <p:tgtEl>
-                                          <p:spTgt spid="11">
-                                            <p:txEl>
-                                              <p:pRg st="0" end="0"/>
-                                            </p:txEl>
-                                          </p:spTgt>
+                                          <p:spTgt spid="10"/>
                                         </p:tgtEl>
                                         <p:attrNameLst>
                                           <p:attrName>ppt_x</p:attrName>
@@ -17832,98 +17811,9 @@
                                     </p:anim>
                                     <p:anim calcmode="lin" valueType="num">
                                       <p:cBhvr additive="base">
-                                        <p:cTn id="29" dur="500" fill="hold"/>
+                                        <p:cTn id="27" dur="500" fill="hold"/>
                                         <p:tgtEl>
-                                          <p:spTgt spid="11">
-                                            <p:txEl>
-                                              <p:pRg st="0" end="0"/>
-                                            </p:txEl>
-                                          </p:spTgt>
-                                        </p:tgtEl>
-                                        <p:attrNameLst>
-                                          <p:attrName>ppt_y</p:attrName>
-                                        </p:attrNameLst>
-                                      </p:cBhvr>
-                                      <p:tavLst>
-                                        <p:tav tm="0">
-                                          <p:val>
-                                            <p:strVal val="1+#ppt_h/2"/>
-                                          </p:val>
-                                        </p:tav>
-                                        <p:tav tm="100000">
-                                          <p:val>
-                                            <p:strVal val="#ppt_y"/>
-                                          </p:val>
-                                        </p:tav>
-                                      </p:tavLst>
-                                    </p:anim>
-                                  </p:childTnLst>
-                                </p:cTn>
-                              </p:par>
-                              <p:par>
-                                <p:cTn id="30" presetID="2" presetClass="entr" presetSubtype="4" fill="hold" grpId="0" nodeType="withEffect">
-                                  <p:stCondLst>
-                                    <p:cond delay="0"/>
-                                  </p:stCondLst>
-                                  <p:childTnLst>
-                                    <p:set>
-                                      <p:cBhvr>
-                                        <p:cTn id="31" dur="1" fill="hold">
-                                          <p:stCondLst>
-                                            <p:cond delay="0"/>
-                                          </p:stCondLst>
-                                        </p:cTn>
-                                        <p:tgtEl>
-                                          <p:spTgt spid="11">
-                                            <p:txEl>
-                                              <p:pRg st="1" end="1"/>
-                                            </p:txEl>
-                                          </p:spTgt>
-                                        </p:tgtEl>
-                                        <p:attrNameLst>
-                                          <p:attrName>style.visibility</p:attrName>
-                                        </p:attrNameLst>
-                                      </p:cBhvr>
-                                      <p:to>
-                                        <p:strVal val="visible"/>
-                                      </p:to>
-                                    </p:set>
-                                    <p:anim calcmode="lin" valueType="num">
-                                      <p:cBhvr additive="base">
-                                        <p:cTn id="32" dur="500" fill="hold"/>
-                                        <p:tgtEl>
-                                          <p:spTgt spid="11">
-                                            <p:txEl>
-                                              <p:pRg st="1" end="1"/>
-                                            </p:txEl>
-                                          </p:spTgt>
-                                        </p:tgtEl>
-                                        <p:attrNameLst>
-                                          <p:attrName>ppt_x</p:attrName>
-                                        </p:attrNameLst>
-                                      </p:cBhvr>
-                                      <p:tavLst>
-                                        <p:tav tm="0">
-                                          <p:val>
-                                            <p:strVal val="#ppt_x"/>
-                                          </p:val>
-                                        </p:tav>
-                                        <p:tav tm="100000">
-                                          <p:val>
-                                            <p:strVal val="#ppt_x"/>
-                                          </p:val>
-                                        </p:tav>
-                                      </p:tavLst>
-                                    </p:anim>
-                                    <p:anim calcmode="lin" valueType="num">
-                                      <p:cBhvr additive="base">
-                                        <p:cTn id="33" dur="500" fill="hold"/>
-                                        <p:tgtEl>
-                                          <p:spTgt spid="11">
-                                            <p:txEl>
-                                              <p:pRg st="1" end="1"/>
-                                            </p:txEl>
-                                          </p:spTgt>
+                                          <p:spTgt spid="10"/>
                                         </p:tgtEl>
                                         <p:attrNameLst>
                                           <p:attrName>ppt_y</p:attrName>
@@ -17975,8 +17865,8 @@
     <p:bldLst>
       <p:bldP spid="8" grpId="0" animBg="1"/>
       <p:bldP spid="9" grpId="0" animBg="1"/>
-      <p:bldP spid="10" grpId="0" build="allAtOnce"/>
-      <p:bldP spid="11" grpId="0" build="allAtOnce"/>
+      <p:bldP spid="10" grpId="0"/>
+      <p:bldP spid="11" grpId="0"/>
     </p:bldLst>
   </p:timing>
 </p:sld>
@@ -19690,7 +19580,7 @@
         <p:spPr>
           <a:xfrm>
             <a:off x="5553831" y="3298613"/>
-            <a:ext cx="2186521" cy="830997"/>
+            <a:ext cx="2474553" cy="830997"/>
           </a:xfrm>
           <a:prstGeom prst="rect">
             <a:avLst/>
@@ -19703,10 +19593,10 @@
           </a:bodyPr>
           <a:lstStyle/>
           <a:p>
-            <a:pPr algn="just"/>
+            <a:pPr algn="ctr"/>
             <a:r>
               <a:rPr lang="it-IT" sz="2400" b="1" dirty="0"/>
-              <a:t>Creazione un nuovo cluster</a:t>
+              <a:t>Creazione di un nuovo cluster</a:t>
             </a:r>
             <a:endParaRPr lang="en-US" sz="2400" b="1" dirty="0"/>
           </a:p>
@@ -19895,7 +19785,7 @@
                             </p:stCondLst>
                             <p:childTnLst>
                               <p:par>
-                                <p:cTn id="5" presetID="2" presetClass="entr" presetSubtype="3" fill="hold" grpId="0" nodeType="clickEffect">
+                                <p:cTn id="5" presetID="10" presetClass="entr" presetSubtype="0" fill="hold" grpId="0" nodeType="clickEffect">
                                   <p:stCondLst>
                                     <p:cond delay="0"/>
                                   </p:stCondLst>
@@ -19903,6 +19793,59 @@
                                     <p:set>
                                       <p:cBhvr>
                                         <p:cTn id="6" dur="1" fill="hold">
+                                          <p:stCondLst>
+                                            <p:cond delay="0"/>
+                                          </p:stCondLst>
+                                        </p:cTn>
+                                        <p:tgtEl>
+                                          <p:spTgt spid="5"/>
+                                        </p:tgtEl>
+                                        <p:attrNameLst>
+                                          <p:attrName>style.visibility</p:attrName>
+                                        </p:attrNameLst>
+                                      </p:cBhvr>
+                                      <p:to>
+                                        <p:strVal val="visible"/>
+                                      </p:to>
+                                    </p:set>
+                                    <p:animEffect transition="in" filter="fade">
+                                      <p:cBhvr>
+                                        <p:cTn id="7" dur="500"/>
+                                        <p:tgtEl>
+                                          <p:spTgt spid="5"/>
+                                        </p:tgtEl>
+                                      </p:cBhvr>
+                                    </p:animEffect>
+                                  </p:childTnLst>
+                                </p:cTn>
+                              </p:par>
+                            </p:childTnLst>
+                          </p:cTn>
+                        </p:par>
+                      </p:childTnLst>
+                    </p:cTn>
+                  </p:par>
+                  <p:par>
+                    <p:cTn id="8" fill="hold">
+                      <p:stCondLst>
+                        <p:cond delay="indefinite"/>
+                      </p:stCondLst>
+                      <p:childTnLst>
+                        <p:par>
+                          <p:cTn id="9" fill="hold">
+                            <p:stCondLst>
+                              <p:cond delay="0"/>
+                            </p:stCondLst>
+                            <p:childTnLst>
+                              <p:par>
+                                <p:cTn id="10" presetID="2" presetClass="entr" presetSubtype="3" fill="hold" grpId="0" nodeType="clickEffect">
+                                  <p:stCondLst>
+                                    <p:cond delay="0"/>
+                                  </p:stCondLst>
+                                  <p:childTnLst>
+                                    <p:set>
+                                      <p:cBhvr>
+                                        <p:cTn id="11" dur="1" fill="hold">
                                           <p:stCondLst>
                                             <p:cond delay="0"/>
                                           </p:stCondLst>
@@ -19920,7 +19863,7 @@
                                     </p:set>
                                     <p:anim calcmode="lin" valueType="num">
                                       <p:cBhvr additive="base">
-                                        <p:cTn id="7" dur="500" fill="hold"/>
+                                        <p:cTn id="12" dur="500" fill="hold"/>
                                         <p:tgtEl>
                                           <p:spTgt spid="8"/>
                                         </p:tgtEl>
@@ -19943,7 +19886,7 @@
                                     </p:anim>
                                     <p:anim calcmode="lin" valueType="num">
                                       <p:cBhvr additive="base">
-                                        <p:cTn id="8" dur="500" fill="hold"/>
+                                        <p:cTn id="13" dur="500" fill="hold"/>
                                         <p:tgtEl>
                                           <p:spTgt spid="8"/>
                                         </p:tgtEl>
@@ -19967,33 +19910,15 @@
                                   </p:childTnLst>
                                 </p:cTn>
                               </p:par>
-                            </p:childTnLst>
-                          </p:cTn>
-                        </p:par>
-                      </p:childTnLst>
-                    </p:cTn>
-                  </p:par>
-                  <p:par>
-                    <p:cTn id="9" fill="hold">
-                      <p:stCondLst>
-                        <p:cond delay="indefinite"/>
-                      </p:stCondLst>
-                      <p:childTnLst>
-                        <p:par>
-                          <p:cTn id="10" fill="hold">
-                            <p:stCondLst>
-                              <p:cond delay="0"/>
-                            </p:stCondLst>
-                            <p:childTnLst>
                               <p:par>
-                                <p:cTn id="11" presetID="2" presetClass="entr" presetSubtype="4" fill="hold" grpId="0" nodeType="clickEffect">
+                                <p:cTn id="14" presetID="2" presetClass="entr" presetSubtype="4" fill="hold" grpId="0" nodeType="withEffect">
                                   <p:stCondLst>
                                     <p:cond delay="0"/>
                                   </p:stCondLst>
                                   <p:childTnLst>
                                     <p:set>
                                       <p:cBhvr>
-                                        <p:cTn id="12" dur="1" fill="hold">
+                                        <p:cTn id="15" dur="1" fill="hold">
                                           <p:stCondLst>
                                             <p:cond delay="0"/>
                                           </p:stCondLst>
@@ -20011,7 +19936,7 @@
                                     </p:set>
                                     <p:anim calcmode="lin" valueType="num">
                                       <p:cBhvr additive="base">
-                                        <p:cTn id="13" dur="500" fill="hold"/>
+                                        <p:cTn id="16" dur="500" fill="hold"/>
                                         <p:tgtEl>
                                           <p:spTgt spid="4"/>
                                         </p:tgtEl>
@@ -20034,7 +19959,7 @@
                                     </p:anim>
                                     <p:anim calcmode="lin" valueType="num">
                                       <p:cBhvr additive="base">
-                                        <p:cTn id="14" dur="500" fill="hold"/>
+                                        <p:cTn id="17" dur="500" fill="hold"/>
                                         <p:tgtEl>
                                           <p:spTgt spid="4"/>
                                         </p:tgtEl>
@@ -20065,26 +19990,26 @@
                     </p:cTn>
                   </p:par>
                   <p:par>
-                    <p:cTn id="15" fill="hold">
+                    <p:cTn id="18" fill="hold">
                       <p:stCondLst>
                         <p:cond delay="indefinite"/>
                       </p:stCondLst>
                       <p:childTnLst>
                         <p:par>
-                          <p:cTn id="16" fill="hold">
+                          <p:cTn id="19" fill="hold">
                             <p:stCondLst>
                               <p:cond delay="0"/>
                             </p:stCondLst>
                             <p:childTnLst>
                               <p:par>
-                                <p:cTn id="17" presetID="2" presetClass="entr" presetSubtype="9" fill="hold" grpId="0" nodeType="clickEffect">
+                                <p:cTn id="20" presetID="2" presetClass="entr" presetSubtype="9" fill="hold" grpId="0" nodeType="clickEffect">
                                   <p:stCondLst>
                                     <p:cond delay="0"/>
                                   </p:stCondLst>
                                   <p:childTnLst>
                                     <p:set>
                                       <p:cBhvr>
-                                        <p:cTn id="18" dur="1" fill="hold">
+                                        <p:cTn id="21" dur="1" fill="hold">
                                           <p:stCondLst>
                                             <p:cond delay="0"/>
                                           </p:stCondLst>
@@ -20102,7 +20027,7 @@
                                     </p:set>
                                     <p:anim calcmode="lin" valueType="num">
                                       <p:cBhvr additive="base">
-                                        <p:cTn id="19" dur="500" fill="hold"/>
+                                        <p:cTn id="22" dur="500" fill="hold"/>
                                         <p:tgtEl>
                                           <p:spTgt spid="10"/>
                                         </p:tgtEl>
@@ -20125,7 +20050,7 @@
                                     </p:anim>
                                     <p:anim calcmode="lin" valueType="num">
                                       <p:cBhvr additive="base">
-                                        <p:cTn id="20" dur="500" fill="hold"/>
+                                        <p:cTn id="23" dur="500" fill="hold"/>
                                         <p:tgtEl>
                                           <p:spTgt spid="10"/>
                                         </p:tgtEl>
@@ -20149,33 +20074,15 @@
                                   </p:childTnLst>
                                 </p:cTn>
                               </p:par>
-                            </p:childTnLst>
-                          </p:cTn>
-                        </p:par>
-                      </p:childTnLst>
-                    </p:cTn>
-                  </p:par>
-                  <p:par>
-                    <p:cTn id="21" fill="hold">
-                      <p:stCondLst>
-                        <p:cond delay="indefinite"/>
-                      </p:stCondLst>
-                      <p:childTnLst>
-                        <p:par>
-                          <p:cTn id="22" fill="hold">
-                            <p:stCondLst>
-                              <p:cond delay="0"/>
-                            </p:stCondLst>
-                            <p:childTnLst>
                               <p:par>
-                                <p:cTn id="23" presetID="2" presetClass="entr" presetSubtype="4" fill="hold" grpId="0" nodeType="clickEffect">
+                                <p:cTn id="24" presetID="2" presetClass="entr" presetSubtype="4" fill="hold" grpId="0" nodeType="withEffect">
                                   <p:stCondLst>
                                     <p:cond delay="0"/>
                                   </p:stCondLst>
                                   <p:childTnLst>
                                     <p:set>
                                       <p:cBhvr>
-                                        <p:cTn id="24" dur="1" fill="hold">
+                                        <p:cTn id="25" dur="1" fill="hold">
                                           <p:stCondLst>
                                             <p:cond delay="0"/>
                                           </p:stCondLst>
@@ -20193,7 +20100,7 @@
                                     </p:set>
                                     <p:anim calcmode="lin" valueType="num">
                                       <p:cBhvr additive="base">
-                                        <p:cTn id="25" dur="500" fill="hold"/>
+                                        <p:cTn id="26" dur="500" fill="hold"/>
                                         <p:tgtEl>
                                           <p:spTgt spid="6"/>
                                         </p:tgtEl>
@@ -20216,7 +20123,7 @@
                                     </p:anim>
                                     <p:anim calcmode="lin" valueType="num">
                                       <p:cBhvr additive="base">
-                                        <p:cTn id="26" dur="500" fill="hold"/>
+                                        <p:cTn id="27" dur="500" fill="hold"/>
                                         <p:tgtEl>
                                           <p:spTgt spid="6"/>
                                         </p:tgtEl>
@@ -20268,6 +20175,7 @@
       </p:par>
     </p:tnLst>
     <p:bldLst>
+      <p:bldP spid="5" grpId="0"/>
       <p:bldP spid="6" grpId="0"/>
       <p:bldP spid="4" grpId="0"/>
       <p:bldP spid="8" grpId="0" animBg="1"/>

--- a/Presentation/Towards_Identity_Anonymization_on_graph(K-degree anonymization).pptx
+++ b/Presentation/Towards_Identity_Anonymization_on_graph(K-degree anonymization).pptx
@@ -138,7 +138,7 @@
   </p:defaultTextStyle>
   <p:extLst>
     <p:ext uri="{EFAFB233-063F-42B5-8137-9DF3F51BA10A}">
-      <p15:sldGuideLst xmlns:p15="http://schemas.microsoft.com/office/powerpoint/2012/main">
+      <p15:sldGuideLst xmlns:p15="http://schemas.microsoft.com/office/powerpoint/2012/main" xmlns="">
         <p15:guide id="1" orient="horz" pos="1620">
           <p15:clr>
             <a:srgbClr val="A4A3A4"/>
@@ -152,7 +152,7 @@
       </p15:sldGuideLst>
     </p:ext>
     <p:ext uri="{2D200454-40CA-4A62-9FC3-DE9A4176ACB9}">
-      <p15:notesGuideLst xmlns:p15="http://schemas.microsoft.com/office/powerpoint/2012/main"/>
+      <p15:notesGuideLst xmlns:p15="http://schemas.microsoft.com/office/powerpoint/2012/main" xmlns=""/>
     </p:ext>
   </p:extLst>
 </p:presentation>
@@ -161,11 +161,7 @@
 <file path=ppt/commentAuthors.xml><?xml version="1.0" encoding="utf-8"?>
 <p:cmAuthorLst xmlns:a="http://schemas.openxmlformats.org/drawingml/2006/main" xmlns:r="http://schemas.openxmlformats.org/officeDocument/2006/relationships" xmlns:p="http://schemas.openxmlformats.org/presentationml/2006/main">
   <p:cmAuthor id="1" name="Alessio Gilardi" initials="AG" lastIdx="4" clrIdx="0">
-    <p:extLst>
-      <p:ext uri="{19B8F6BF-5375-455C-9EA6-DF929625EA0E}">
-        <p15:presenceInfo xmlns:p15="http://schemas.microsoft.com/office/powerpoint/2012/main" userId="S-1-12-1-416434936-1257934124-2827684486-2471108990" providerId="AD"/>
-      </p:ext>
-    </p:extLst>
+    <p:extLst/>
   </p:cmAuthor>
 </p:cmAuthorLst>
 </file>
@@ -263,7 +259,7 @@
           <a:p>
             <a:fld id="{A55BA7C1-22AE-0645-AD7C-34C9095A0266}" type="datetimeFigureOut">
               <a:rPr lang="it-IT" smtClean="0"/>
-              <a:t>17/03/2019</a:t>
+              <a:t>18/03/2019</a:t>
             </a:fld>
             <a:endParaRPr lang="it-IT"/>
           </a:p>
@@ -3146,7 +3142,7 @@
           <p:cNvPr id="2" name="Immagine 1">
             <a:extLst>
               <a:ext uri="{FF2B5EF4-FFF2-40B4-BE49-F238E27FC236}">
-                <a16:creationId xmlns:a16="http://schemas.microsoft.com/office/drawing/2014/main" id="{1697FF78-6249-45CA-87E4-75DEBD5CB8D9}"/>
+                <a16:creationId xmlns:a16="http://schemas.microsoft.com/office/drawing/2014/main" xmlns="" id="{1697FF78-6249-45CA-87E4-75DEBD5CB8D9}"/>
               </a:ext>
             </a:extLst>
           </p:cNvPr>
@@ -3182,7 +3178,7 @@
           <p:cNvPr id="3" name="Immagine 2">
             <a:extLst>
               <a:ext uri="{FF2B5EF4-FFF2-40B4-BE49-F238E27FC236}">
-                <a16:creationId xmlns:a16="http://schemas.microsoft.com/office/drawing/2014/main" id="{6E0C2C66-B069-4D6B-A5AF-C03D37897834}"/>
+                <a16:creationId xmlns:a16="http://schemas.microsoft.com/office/drawing/2014/main" xmlns="" id="{6E0C2C66-B069-4D6B-A5AF-C03D37897834}"/>
               </a:ext>
             </a:extLst>
           </p:cNvPr>
@@ -3218,7 +3214,7 @@
           <p:cNvPr id="4" name="Immagine 3">
             <a:extLst>
               <a:ext uri="{FF2B5EF4-FFF2-40B4-BE49-F238E27FC236}">
-                <a16:creationId xmlns:a16="http://schemas.microsoft.com/office/drawing/2014/main" id="{15EB95F6-B157-48AC-B02E-275509424AD3}"/>
+                <a16:creationId xmlns:a16="http://schemas.microsoft.com/office/drawing/2014/main" xmlns="" id="{15EB95F6-B157-48AC-B02E-275509424AD3}"/>
               </a:ext>
             </a:extLst>
           </p:cNvPr>
@@ -3254,7 +3250,7 @@
           <p:cNvPr id="5" name="Immagine 4">
             <a:extLst>
               <a:ext uri="{FF2B5EF4-FFF2-40B4-BE49-F238E27FC236}">
-                <a16:creationId xmlns:a16="http://schemas.microsoft.com/office/drawing/2014/main" id="{A026063C-61A9-4B0C-8AC5-5CE10DDB0160}"/>
+                <a16:creationId xmlns:a16="http://schemas.microsoft.com/office/drawing/2014/main" xmlns="" id="{A026063C-61A9-4B0C-8AC5-5CE10DDB0160}"/>
               </a:ext>
             </a:extLst>
           </p:cNvPr>
@@ -3290,7 +3286,7 @@
           <p:cNvPr id="6" name="Immagine 5">
             <a:extLst>
               <a:ext uri="{FF2B5EF4-FFF2-40B4-BE49-F238E27FC236}">
-                <a16:creationId xmlns:a16="http://schemas.microsoft.com/office/drawing/2014/main" id="{1D33C969-1E51-4A09-AFCB-EF72864DCFAF}"/>
+                <a16:creationId xmlns:a16="http://schemas.microsoft.com/office/drawing/2014/main" xmlns="" id="{1D33C969-1E51-4A09-AFCB-EF72864DCFAF}"/>
               </a:ext>
             </a:extLst>
           </p:cNvPr>
@@ -3443,7 +3439,7 @@
           <a:p>
             <a:fld id="{DF8C5CDB-1AEF-4522-8EAF-CE1F4E5D863E}" type="datetimeFigureOut">
               <a:rPr lang="ko-KR" altLang="en-US" smtClean="0"/>
-              <a:t>2019-03-17</a:t>
+              <a:t>2019-03-18</a:t>
             </a:fld>
             <a:endParaRPr lang="ko-KR" altLang="en-US"/>
           </a:p>
@@ -3623,7 +3619,7 @@
           <a:p>
             <a:fld id="{DF8C5CDB-1AEF-4522-8EAF-CE1F4E5D863E}" type="datetimeFigureOut">
               <a:rPr lang="ko-KR" altLang="en-US" smtClean="0"/>
-              <a:t>2019-03-17</a:t>
+              <a:t>2019-03-18</a:t>
             </a:fld>
             <a:endParaRPr lang="ko-KR" altLang="en-US"/>
           </a:p>
@@ -3802,7 +3798,7 @@
           <a:p>
             <a:fld id="{DF8C5CDB-1AEF-4522-8EAF-CE1F4E5D863E}" type="datetimeFigureOut">
               <a:rPr lang="ko-KR" altLang="en-US" smtClean="0"/>
-              <a:t>2019-03-17</a:t>
+              <a:t>2019-03-18</a:t>
             </a:fld>
             <a:endParaRPr lang="ko-KR" altLang="en-US"/>
           </a:p>
@@ -3855,7 +3851,7 @@
           <p:cNvPr id="7" name="Immagine 6">
             <a:extLst>
               <a:ext uri="{FF2B5EF4-FFF2-40B4-BE49-F238E27FC236}">
-                <a16:creationId xmlns:a16="http://schemas.microsoft.com/office/drawing/2014/main" id="{A72BE1A7-F7AE-464A-8A0E-CCDD4D0A5902}"/>
+                <a16:creationId xmlns:a16="http://schemas.microsoft.com/office/drawing/2014/main" xmlns="" id="{A72BE1A7-F7AE-464A-8A0E-CCDD4D0A5902}"/>
               </a:ext>
             </a:extLst>
           </p:cNvPr>
@@ -4084,7 +4080,7 @@
           <a:p>
             <a:fld id="{DF8C5CDB-1AEF-4522-8EAF-CE1F4E5D863E}" type="datetimeFigureOut">
               <a:rPr lang="ko-KR" altLang="en-US" smtClean="0"/>
-              <a:t>2019-03-17</a:t>
+              <a:t>2019-03-18</a:t>
             </a:fld>
             <a:endParaRPr lang="ko-KR" altLang="en-US"/>
           </a:p>
@@ -4372,7 +4368,7 @@
           <a:p>
             <a:fld id="{DF8C5CDB-1AEF-4522-8EAF-CE1F4E5D863E}" type="datetimeFigureOut">
               <a:rPr lang="ko-KR" altLang="en-US" smtClean="0"/>
-              <a:t>2019-03-17</a:t>
+              <a:t>2019-03-18</a:t>
             </a:fld>
             <a:endParaRPr lang="ko-KR" altLang="en-US"/>
           </a:p>
@@ -4799,7 +4795,7 @@
           <a:p>
             <a:fld id="{DF8C5CDB-1AEF-4522-8EAF-CE1F4E5D863E}" type="datetimeFigureOut">
               <a:rPr lang="ko-KR" altLang="en-US" smtClean="0"/>
-              <a:t>2019-03-17</a:t>
+              <a:t>2019-03-18</a:t>
             </a:fld>
             <a:endParaRPr lang="ko-KR" altLang="en-US"/>
           </a:p>
@@ -4917,7 +4913,7 @@
           <a:p>
             <a:fld id="{DF8C5CDB-1AEF-4522-8EAF-CE1F4E5D863E}" type="datetimeFigureOut">
               <a:rPr lang="ko-KR" altLang="en-US" smtClean="0"/>
-              <a:t>2019-03-17</a:t>
+              <a:t>2019-03-18</a:t>
             </a:fld>
             <a:endParaRPr lang="ko-KR" altLang="en-US"/>
           </a:p>
@@ -5012,7 +5008,7 @@
           <a:p>
             <a:fld id="{DF8C5CDB-1AEF-4522-8EAF-CE1F4E5D863E}" type="datetimeFigureOut">
               <a:rPr lang="ko-KR" altLang="en-US" smtClean="0"/>
-              <a:t>2019-03-17</a:t>
+              <a:t>2019-03-18</a:t>
             </a:fld>
             <a:endParaRPr lang="ko-KR" altLang="en-US"/>
           </a:p>
@@ -5289,7 +5285,7 @@
           <a:p>
             <a:fld id="{DF8C5CDB-1AEF-4522-8EAF-CE1F4E5D863E}" type="datetimeFigureOut">
               <a:rPr lang="ko-KR" altLang="en-US" smtClean="0"/>
-              <a:t>2019-03-17</a:t>
+              <a:t>2019-03-18</a:t>
             </a:fld>
             <a:endParaRPr lang="ko-KR" altLang="en-US"/>
           </a:p>
@@ -5542,7 +5538,7 @@
           <a:p>
             <a:fld id="{DF8C5CDB-1AEF-4522-8EAF-CE1F4E5D863E}" type="datetimeFigureOut">
               <a:rPr lang="ko-KR" altLang="en-US" smtClean="0"/>
-              <a:t>2019-03-17</a:t>
+              <a:t>2019-03-18</a:t>
             </a:fld>
             <a:endParaRPr lang="ko-KR" altLang="en-US"/>
           </a:p>
@@ -5764,7 +5760,7 @@
           <a:p>
             <a:fld id="{DF8C5CDB-1AEF-4522-8EAF-CE1F4E5D863E}" type="datetimeFigureOut">
               <a:rPr lang="ko-KR" altLang="en-US" smtClean="0"/>
-              <a:t>2019-03-17</a:t>
+              <a:t>2019-03-18</a:t>
             </a:fld>
             <a:endParaRPr lang="ko-KR" altLang="en-US"/>
           </a:p>
@@ -6389,6 +6385,13 @@
   <p:clrMapOvr>
     <a:masterClrMapping/>
   </p:clrMapOvr>
+  <p:timing>
+    <p:tnLst>
+      <p:par>
+        <p:cTn id="1" dur="indefinite" restart="never" nodeType="tmRoot"/>
+      </p:par>
+    </p:tnLst>
+  </p:timing>
 </p:sld>
 </file>
 
@@ -6813,7 +6816,7 @@
           <p:cNvPr id="12" name="CasellaDiTesto 11">
             <a:extLst>
               <a:ext uri="{FF2B5EF4-FFF2-40B4-BE49-F238E27FC236}">
-                <a16:creationId xmlns:a16="http://schemas.microsoft.com/office/drawing/2014/main" id="{86C752DB-7FEF-4E25-80C7-7ADA3B21B36B}"/>
+                <a16:creationId xmlns:a16="http://schemas.microsoft.com/office/drawing/2014/main" xmlns="" id="{86C752DB-7FEF-4E25-80C7-7ADA3B21B36B}"/>
               </a:ext>
             </a:extLst>
           </p:cNvPr>
@@ -7503,7 +7506,7 @@
           <p:cNvPr id="4" name="CasellaDiTesto 3">
             <a:extLst>
               <a:ext uri="{FF2B5EF4-FFF2-40B4-BE49-F238E27FC236}">
-                <a16:creationId xmlns:a16="http://schemas.microsoft.com/office/drawing/2014/main" id="{FE319EFB-796A-4FB0-B0C2-95945AC81C0D}"/>
+                <a16:creationId xmlns:a16="http://schemas.microsoft.com/office/drawing/2014/main" xmlns="" id="{FE319EFB-796A-4FB0-B0C2-95945AC81C0D}"/>
               </a:ext>
             </a:extLst>
           </p:cNvPr>
@@ -7551,7 +7554,7 @@
           <p:cNvPr id="5" name="Freccia a sinistra 4">
             <a:extLst>
               <a:ext uri="{FF2B5EF4-FFF2-40B4-BE49-F238E27FC236}">
-                <a16:creationId xmlns:a16="http://schemas.microsoft.com/office/drawing/2014/main" id="{E64BDADA-A1F6-4C74-B1B9-3D850F892DE4}"/>
+                <a16:creationId xmlns:a16="http://schemas.microsoft.com/office/drawing/2014/main" xmlns="" id="{E64BDADA-A1F6-4C74-B1B9-3D850F892DE4}"/>
               </a:ext>
             </a:extLst>
           </p:cNvPr>
@@ -7762,33 +7765,15 @@
                                   </p:childTnLst>
                                 </p:cTn>
                               </p:par>
-                            </p:childTnLst>
-                          </p:cTn>
-                        </p:par>
-                      </p:childTnLst>
-                    </p:cTn>
-                  </p:par>
-                  <p:par>
-                    <p:cTn id="14" fill="hold">
-                      <p:stCondLst>
-                        <p:cond delay="indefinite"/>
-                      </p:stCondLst>
-                      <p:childTnLst>
-                        <p:par>
-                          <p:cTn id="15" fill="hold">
-                            <p:stCondLst>
-                              <p:cond delay="0"/>
-                            </p:stCondLst>
-                            <p:childTnLst>
                               <p:par>
-                                <p:cTn id="16" presetID="2" presetClass="entr" presetSubtype="4" fill="hold" grpId="0" nodeType="clickEffect">
+                                <p:cTn id="14" presetID="2" presetClass="entr" presetSubtype="4" fill="hold" grpId="0" nodeType="withEffect">
                                   <p:stCondLst>
                                     <p:cond delay="0"/>
                                   </p:stCondLst>
                                   <p:childTnLst>
                                     <p:set>
                                       <p:cBhvr>
-                                        <p:cTn id="17" dur="1" fill="hold">
+                                        <p:cTn id="15" dur="1" fill="hold">
                                           <p:stCondLst>
                                             <p:cond delay="0"/>
                                           </p:stCondLst>
@@ -7806,7 +7791,7 @@
                                     </p:set>
                                     <p:anim calcmode="lin" valueType="num">
                                       <p:cBhvr additive="base">
-                                        <p:cTn id="18" dur="500" fill="hold"/>
+                                        <p:cTn id="16" dur="500" fill="hold"/>
                                         <p:tgtEl>
                                           <p:spTgt spid="4"/>
                                         </p:tgtEl>
@@ -7829,7 +7814,7 @@
                                     </p:anim>
                                     <p:anim calcmode="lin" valueType="num">
                                       <p:cBhvr additive="base">
-                                        <p:cTn id="19" dur="500" fill="hold"/>
+                                        <p:cTn id="17" dur="500" fill="hold"/>
                                         <p:tgtEl>
                                           <p:spTgt spid="4"/>
                                         </p:tgtEl>
@@ -7974,7 +7959,7 @@
           <p:cNvPr id="5" name="Segnaposto contenuto 2">
             <a:extLst>
               <a:ext uri="{FF2B5EF4-FFF2-40B4-BE49-F238E27FC236}">
-                <a16:creationId xmlns:a16="http://schemas.microsoft.com/office/drawing/2014/main" id="{0434A724-68AD-4F95-8197-FB6C99014F47}"/>
+                <a16:creationId xmlns:a16="http://schemas.microsoft.com/office/drawing/2014/main" xmlns="" id="{0434A724-68AD-4F95-8197-FB6C99014F47}"/>
               </a:ext>
             </a:extLst>
           </p:cNvPr>
@@ -8169,7 +8154,7 @@
           <p:cNvPr id="6" name="Freccia a sinistra 5">
             <a:extLst>
               <a:ext uri="{FF2B5EF4-FFF2-40B4-BE49-F238E27FC236}">
-                <a16:creationId xmlns:a16="http://schemas.microsoft.com/office/drawing/2014/main" id="{2CD6A550-58F3-4FB9-8C5C-574669F7B4C7}"/>
+                <a16:creationId xmlns:a16="http://schemas.microsoft.com/office/drawing/2014/main" xmlns="" id="{2CD6A550-58F3-4FB9-8C5C-574669F7B4C7}"/>
               </a:ext>
             </a:extLst>
           </p:cNvPr>
@@ -8221,7 +8206,7 @@
           <p:cNvPr id="7" name="Rettangolo 6">
             <a:extLst>
               <a:ext uri="{FF2B5EF4-FFF2-40B4-BE49-F238E27FC236}">
-                <a16:creationId xmlns:a16="http://schemas.microsoft.com/office/drawing/2014/main" id="{3D9D1354-3416-4792-9AEA-A60C514E5E86}"/>
+                <a16:creationId xmlns:a16="http://schemas.microsoft.com/office/drawing/2014/main" xmlns="" id="{3D9D1354-3416-4792-9AEA-A60C514E5E86}"/>
               </a:ext>
             </a:extLst>
           </p:cNvPr>
@@ -8280,7 +8265,7 @@
           <p:cNvPr id="8" name="Freccia a sinistra 7">
             <a:extLst>
               <a:ext uri="{FF2B5EF4-FFF2-40B4-BE49-F238E27FC236}">
-                <a16:creationId xmlns:a16="http://schemas.microsoft.com/office/drawing/2014/main" id="{588EBAFE-7638-48D7-83A4-C07F693D70F1}"/>
+                <a16:creationId xmlns:a16="http://schemas.microsoft.com/office/drawing/2014/main" xmlns="" id="{588EBAFE-7638-48D7-83A4-C07F693D70F1}"/>
               </a:ext>
             </a:extLst>
           </p:cNvPr>
@@ -8332,7 +8317,7 @@
           <p:cNvPr id="9" name="Rettangolo 8">
             <a:extLst>
               <a:ext uri="{FF2B5EF4-FFF2-40B4-BE49-F238E27FC236}">
-                <a16:creationId xmlns:a16="http://schemas.microsoft.com/office/drawing/2014/main" id="{BF690ECC-F9BF-4243-8C75-74D96F6F8784}"/>
+                <a16:creationId xmlns:a16="http://schemas.microsoft.com/office/drawing/2014/main" xmlns="" id="{BF690ECC-F9BF-4243-8C75-74D96F6F8784}"/>
               </a:ext>
             </a:extLst>
           </p:cNvPr>
@@ -8527,33 +8512,15 @@
                                   </p:childTnLst>
                                 </p:cTn>
                               </p:par>
-                            </p:childTnLst>
-                          </p:cTn>
-                        </p:par>
-                      </p:childTnLst>
-                    </p:cTn>
-                  </p:par>
-                  <p:par>
-                    <p:cTn id="14" fill="hold">
-                      <p:stCondLst>
-                        <p:cond delay="indefinite"/>
-                      </p:stCondLst>
-                      <p:childTnLst>
-                        <p:par>
-                          <p:cTn id="15" fill="hold">
-                            <p:stCondLst>
-                              <p:cond delay="0"/>
-                            </p:stCondLst>
-                            <p:childTnLst>
                               <p:par>
-                                <p:cTn id="16" presetID="2" presetClass="entr" presetSubtype="4" fill="hold" grpId="0" nodeType="clickEffect">
+                                <p:cTn id="14" presetID="2" presetClass="entr" presetSubtype="4" fill="hold" grpId="0" nodeType="withEffect">
                                   <p:stCondLst>
                                     <p:cond delay="0"/>
                                   </p:stCondLst>
                                   <p:childTnLst>
                                     <p:set>
                                       <p:cBhvr>
-                                        <p:cTn id="17" dur="1" fill="hold">
+                                        <p:cTn id="15" dur="1" fill="hold">
                                           <p:stCondLst>
                                             <p:cond delay="0"/>
                                           </p:stCondLst>
@@ -8571,7 +8538,7 @@
                                     </p:set>
                                     <p:anim calcmode="lin" valueType="num">
                                       <p:cBhvr additive="base">
-                                        <p:cTn id="18" dur="500" fill="hold"/>
+                                        <p:cTn id="16" dur="500" fill="hold"/>
                                         <p:tgtEl>
                                           <p:spTgt spid="5"/>
                                         </p:tgtEl>
@@ -8594,7 +8561,7 @@
                                     </p:anim>
                                     <p:anim calcmode="lin" valueType="num">
                                       <p:cBhvr additive="base">
-                                        <p:cTn id="19" dur="500" fill="hold"/>
+                                        <p:cTn id="17" dur="500" fill="hold"/>
                                         <p:tgtEl>
                                           <p:spTgt spid="5"/>
                                         </p:tgtEl>
@@ -8625,26 +8592,26 @@
                     </p:cTn>
                   </p:par>
                   <p:par>
-                    <p:cTn id="20" fill="hold">
+                    <p:cTn id="18" fill="hold">
                       <p:stCondLst>
                         <p:cond delay="indefinite"/>
                       </p:stCondLst>
                       <p:childTnLst>
                         <p:par>
-                          <p:cTn id="21" fill="hold">
+                          <p:cTn id="19" fill="hold">
                             <p:stCondLst>
                               <p:cond delay="0"/>
                             </p:stCondLst>
                             <p:childTnLst>
                               <p:par>
-                                <p:cTn id="22" presetID="2" presetClass="entr" presetSubtype="8" fill="hold" grpId="0" nodeType="clickEffect">
+                                <p:cTn id="20" presetID="2" presetClass="entr" presetSubtype="8" fill="hold" grpId="0" nodeType="clickEffect">
                                   <p:stCondLst>
                                     <p:cond delay="0"/>
                                   </p:stCondLst>
                                   <p:childTnLst>
                                     <p:set>
                                       <p:cBhvr>
-                                        <p:cTn id="23" dur="1" fill="hold">
+                                        <p:cTn id="21" dur="1" fill="hold">
                                           <p:stCondLst>
                                             <p:cond delay="0"/>
                                           </p:stCondLst>
@@ -8662,7 +8629,7 @@
                                     </p:set>
                                     <p:anim calcmode="lin" valueType="num">
                                       <p:cBhvr additive="base">
-                                        <p:cTn id="24" dur="500" fill="hold"/>
+                                        <p:cTn id="22" dur="500" fill="hold"/>
                                         <p:tgtEl>
                                           <p:spTgt spid="8"/>
                                         </p:tgtEl>
@@ -8685,7 +8652,7 @@
                                     </p:anim>
                                     <p:anim calcmode="lin" valueType="num">
                                       <p:cBhvr additive="base">
-                                        <p:cTn id="25" dur="500" fill="hold"/>
+                                        <p:cTn id="23" dur="500" fill="hold"/>
                                         <p:tgtEl>
                                           <p:spTgt spid="8"/>
                                         </p:tgtEl>
@@ -8710,14 +8677,14 @@
                                 </p:cTn>
                               </p:par>
                               <p:par>
-                                <p:cTn id="26" presetID="2" presetClass="entr" presetSubtype="8" fill="hold" grpId="0" nodeType="withEffect">
+                                <p:cTn id="24" presetID="2" presetClass="entr" presetSubtype="8" fill="hold" grpId="0" nodeType="withEffect">
                                   <p:stCondLst>
                                     <p:cond delay="0"/>
                                   </p:stCondLst>
                                   <p:childTnLst>
                                     <p:set>
                                       <p:cBhvr>
-                                        <p:cTn id="27" dur="1" fill="hold">
+                                        <p:cTn id="25" dur="1" fill="hold">
                                           <p:stCondLst>
                                             <p:cond delay="0"/>
                                           </p:stCondLst>
@@ -8735,7 +8702,7 @@
                                     </p:set>
                                     <p:anim calcmode="lin" valueType="num">
                                       <p:cBhvr additive="base">
-                                        <p:cTn id="28" dur="500" fill="hold"/>
+                                        <p:cTn id="26" dur="500" fill="hold"/>
                                         <p:tgtEl>
                                           <p:spTgt spid="9"/>
                                         </p:tgtEl>
@@ -8758,7 +8725,7 @@
                                     </p:anim>
                                     <p:anim calcmode="lin" valueType="num">
                                       <p:cBhvr additive="base">
-                                        <p:cTn id="29" dur="500" fill="hold"/>
+                                        <p:cTn id="27" dur="500" fill="hold"/>
                                         <p:tgtEl>
                                           <p:spTgt spid="9"/>
                                         </p:tgtEl>
@@ -8782,33 +8749,15 @@
                                   </p:childTnLst>
                                 </p:cTn>
                               </p:par>
-                            </p:childTnLst>
-                          </p:cTn>
-                        </p:par>
-                      </p:childTnLst>
-                    </p:cTn>
-                  </p:par>
-                  <p:par>
-                    <p:cTn id="30" fill="hold">
-                      <p:stCondLst>
-                        <p:cond delay="indefinite"/>
-                      </p:stCondLst>
-                      <p:childTnLst>
-                        <p:par>
-                          <p:cTn id="31" fill="hold">
-                            <p:stCondLst>
-                              <p:cond delay="0"/>
-                            </p:stCondLst>
-                            <p:childTnLst>
                               <p:par>
-                                <p:cTn id="32" presetID="2" presetClass="entr" presetSubtype="2" fill="hold" grpId="0" nodeType="clickEffect">
+                                <p:cTn id="28" presetID="2" presetClass="entr" presetSubtype="2" fill="hold" grpId="0" nodeType="withEffect">
                                   <p:stCondLst>
                                     <p:cond delay="0"/>
                                   </p:stCondLst>
                                   <p:childTnLst>
                                     <p:set>
                                       <p:cBhvr>
-                                        <p:cTn id="33" dur="1" fill="hold">
+                                        <p:cTn id="29" dur="1" fill="hold">
                                           <p:stCondLst>
                                             <p:cond delay="0"/>
                                           </p:stCondLst>
@@ -8826,7 +8775,7 @@
                                     </p:set>
                                     <p:anim calcmode="lin" valueType="num">
                                       <p:cBhvr additive="base">
-                                        <p:cTn id="34" dur="500" fill="hold"/>
+                                        <p:cTn id="30" dur="500" fill="hold"/>
                                         <p:tgtEl>
                                           <p:spTgt spid="7"/>
                                         </p:tgtEl>
@@ -8849,7 +8798,7 @@
                                     </p:anim>
                                     <p:anim calcmode="lin" valueType="num">
                                       <p:cBhvr additive="base">
-                                        <p:cTn id="35" dur="500" fill="hold"/>
+                                        <p:cTn id="31" dur="500" fill="hold"/>
                                         <p:tgtEl>
                                           <p:spTgt spid="7"/>
                                         </p:tgtEl>
@@ -8961,7 +8910,7 @@
           <p:cNvPr id="7" name="Segnaposto contenuto 6">
             <a:extLst>
               <a:ext uri="{FF2B5EF4-FFF2-40B4-BE49-F238E27FC236}">
-                <a16:creationId xmlns:a16="http://schemas.microsoft.com/office/drawing/2014/main" id="{CDBDE2B9-67F9-4ECC-AFDD-EBCA7654083E}"/>
+                <a16:creationId xmlns:a16="http://schemas.microsoft.com/office/drawing/2014/main" xmlns="" id="{CDBDE2B9-67F9-4ECC-AFDD-EBCA7654083E}"/>
               </a:ext>
             </a:extLst>
           </p:cNvPr>
@@ -9009,7 +8958,7 @@
           <p:cNvPr id="8" name="Segnaposto contenuto 2">
             <a:extLst>
               <a:ext uri="{FF2B5EF4-FFF2-40B4-BE49-F238E27FC236}">
-                <a16:creationId xmlns:a16="http://schemas.microsoft.com/office/drawing/2014/main" id="{E62D292D-83CB-4ED4-9E10-DFFE302693F5}"/>
+                <a16:creationId xmlns:a16="http://schemas.microsoft.com/office/drawing/2014/main" xmlns="" id="{E62D292D-83CB-4ED4-9E10-DFFE302693F5}"/>
               </a:ext>
             </a:extLst>
           </p:cNvPr>
@@ -9185,7 +9134,7 @@
           <p:cNvPr id="9" name="Segnaposto contenuto 2">
             <a:extLst>
               <a:ext uri="{FF2B5EF4-FFF2-40B4-BE49-F238E27FC236}">
-                <a16:creationId xmlns:a16="http://schemas.microsoft.com/office/drawing/2014/main" id="{EF7056F1-E9E8-4E1F-A3EE-701CE856EBB4}"/>
+                <a16:creationId xmlns:a16="http://schemas.microsoft.com/office/drawing/2014/main" xmlns="" id="{EF7056F1-E9E8-4E1F-A3EE-701CE856EBB4}"/>
               </a:ext>
             </a:extLst>
           </p:cNvPr>
@@ -9395,7 +9344,7 @@
           <p:cNvPr id="10" name="Freccia a sinistra 9">
             <a:extLst>
               <a:ext uri="{FF2B5EF4-FFF2-40B4-BE49-F238E27FC236}">
-                <a16:creationId xmlns:a16="http://schemas.microsoft.com/office/drawing/2014/main" id="{6918A887-C92F-4D38-A1AE-C8EFE67EC847}"/>
+                <a16:creationId xmlns:a16="http://schemas.microsoft.com/office/drawing/2014/main" xmlns="" id="{6918A887-C92F-4D38-A1AE-C8EFE67EC847}"/>
               </a:ext>
             </a:extLst>
           </p:cNvPr>
@@ -9447,7 +9396,7 @@
           <p:cNvPr id="12" name="Freccia a sinistra 11">
             <a:extLst>
               <a:ext uri="{FF2B5EF4-FFF2-40B4-BE49-F238E27FC236}">
-                <a16:creationId xmlns:a16="http://schemas.microsoft.com/office/drawing/2014/main" id="{D3A2DC2F-7278-45F6-8857-ECBF372A8824}"/>
+                <a16:creationId xmlns:a16="http://schemas.microsoft.com/office/drawing/2014/main" xmlns="" id="{D3A2DC2F-7278-45F6-8857-ECBF372A8824}"/>
               </a:ext>
             </a:extLst>
           </p:cNvPr>
@@ -9499,7 +9448,7 @@
           <p:cNvPr id="13" name="Rettangolo 12">
             <a:extLst>
               <a:ext uri="{FF2B5EF4-FFF2-40B4-BE49-F238E27FC236}">
-                <a16:creationId xmlns:a16="http://schemas.microsoft.com/office/drawing/2014/main" id="{D80C508C-F4D6-47DE-8C40-75E92D1F2B8D}"/>
+                <a16:creationId xmlns:a16="http://schemas.microsoft.com/office/drawing/2014/main" xmlns="" id="{D80C508C-F4D6-47DE-8C40-75E92D1F2B8D}"/>
               </a:ext>
             </a:extLst>
           </p:cNvPr>
@@ -9535,7 +9484,7 @@
           <p:cNvPr id="14" name="Freccia a sinistra 13">
             <a:extLst>
               <a:ext uri="{FF2B5EF4-FFF2-40B4-BE49-F238E27FC236}">
-                <a16:creationId xmlns:a16="http://schemas.microsoft.com/office/drawing/2014/main" id="{AD4666D3-E737-4590-AB59-8C9E9647DE05}"/>
+                <a16:creationId xmlns:a16="http://schemas.microsoft.com/office/drawing/2014/main" xmlns="" id="{AD4666D3-E737-4590-AB59-8C9E9647DE05}"/>
               </a:ext>
             </a:extLst>
           </p:cNvPr>
@@ -9587,7 +9536,7 @@
           <p:cNvPr id="15" name="Segnaposto contenuto 6">
             <a:extLst>
               <a:ext uri="{FF2B5EF4-FFF2-40B4-BE49-F238E27FC236}">
-                <a16:creationId xmlns:a16="http://schemas.microsoft.com/office/drawing/2014/main" id="{02DEE03C-8DEF-4292-92AE-D6EEE1F72428}"/>
+                <a16:creationId xmlns:a16="http://schemas.microsoft.com/office/drawing/2014/main" xmlns="" id="{02DEE03C-8DEF-4292-92AE-D6EEE1F72428}"/>
               </a:ext>
             </a:extLst>
           </p:cNvPr>
@@ -9933,33 +9882,15 @@
                                   </p:childTnLst>
                                 </p:cTn>
                               </p:par>
-                            </p:childTnLst>
-                          </p:cTn>
-                        </p:par>
-                      </p:childTnLst>
-                    </p:cTn>
-                  </p:par>
-                  <p:par>
-                    <p:cTn id="14" fill="hold">
-                      <p:stCondLst>
-                        <p:cond delay="indefinite"/>
-                      </p:stCondLst>
-                      <p:childTnLst>
-                        <p:par>
-                          <p:cTn id="15" fill="hold">
-                            <p:stCondLst>
-                              <p:cond delay="0"/>
-                            </p:stCondLst>
-                            <p:childTnLst>
                               <p:par>
-                                <p:cTn id="16" presetID="2" presetClass="entr" presetSubtype="4" fill="hold" grpId="0" nodeType="clickEffect">
+                                <p:cTn id="14" presetID="2" presetClass="entr" presetSubtype="4" fill="hold" grpId="0" nodeType="withEffect">
                                   <p:stCondLst>
                                     <p:cond delay="0"/>
                                   </p:stCondLst>
                                   <p:childTnLst>
                                     <p:set>
                                       <p:cBhvr>
-                                        <p:cTn id="17" dur="1" fill="hold">
+                                        <p:cTn id="15" dur="1" fill="hold">
                                           <p:stCondLst>
                                             <p:cond delay="0"/>
                                           </p:stCondLst>
@@ -9977,7 +9908,7 @@
                                     </p:set>
                                     <p:anim calcmode="lin" valueType="num">
                                       <p:cBhvr additive="base">
-                                        <p:cTn id="18" dur="500" fill="hold"/>
+                                        <p:cTn id="16" dur="500" fill="hold"/>
                                         <p:tgtEl>
                                           <p:spTgt spid="9"/>
                                         </p:tgtEl>
@@ -10000,7 +9931,7 @@
                                     </p:anim>
                                     <p:anim calcmode="lin" valueType="num">
                                       <p:cBhvr additive="base">
-                                        <p:cTn id="19" dur="500" fill="hold"/>
+                                        <p:cTn id="17" dur="500" fill="hold"/>
                                         <p:tgtEl>
                                           <p:spTgt spid="9"/>
                                         </p:tgtEl>
@@ -10031,26 +9962,26 @@
                     </p:cTn>
                   </p:par>
                   <p:par>
-                    <p:cTn id="20" fill="hold">
+                    <p:cTn id="18" fill="hold">
                       <p:stCondLst>
                         <p:cond delay="indefinite"/>
                       </p:stCondLst>
                       <p:childTnLst>
                         <p:par>
-                          <p:cTn id="21" fill="hold">
+                          <p:cTn id="19" fill="hold">
                             <p:stCondLst>
                               <p:cond delay="0"/>
                             </p:stCondLst>
                             <p:childTnLst>
                               <p:par>
-                                <p:cTn id="22" presetID="2" presetClass="entr" presetSubtype="8" fill="hold" grpId="0" nodeType="clickEffect">
+                                <p:cTn id="20" presetID="2" presetClass="entr" presetSubtype="8" fill="hold" grpId="0" nodeType="clickEffect">
                                   <p:stCondLst>
                                     <p:cond delay="0"/>
                                   </p:stCondLst>
                                   <p:childTnLst>
                                     <p:set>
                                       <p:cBhvr>
-                                        <p:cTn id="23" dur="1" fill="hold">
+                                        <p:cTn id="21" dur="1" fill="hold">
                                           <p:stCondLst>
                                             <p:cond delay="0"/>
                                           </p:stCondLst>
@@ -10068,7 +9999,7 @@
                                     </p:set>
                                     <p:anim calcmode="lin" valueType="num">
                                       <p:cBhvr additive="base">
-                                        <p:cTn id="24" dur="500" fill="hold"/>
+                                        <p:cTn id="22" dur="500" fill="hold"/>
                                         <p:tgtEl>
                                           <p:spTgt spid="12"/>
                                         </p:tgtEl>
@@ -10091,7 +10022,7 @@
                                     </p:anim>
                                     <p:anim calcmode="lin" valueType="num">
                                       <p:cBhvr additive="base">
-                                        <p:cTn id="25" dur="500" fill="hold"/>
+                                        <p:cTn id="23" dur="500" fill="hold"/>
                                         <p:tgtEl>
                                           <p:spTgt spid="12"/>
                                         </p:tgtEl>
@@ -10116,14 +10047,14 @@
                                 </p:cTn>
                               </p:par>
                               <p:par>
-                                <p:cTn id="26" presetID="2" presetClass="entr" presetSubtype="8" fill="hold" grpId="0" nodeType="withEffect">
+                                <p:cTn id="24" presetID="2" presetClass="entr" presetSubtype="8" fill="hold" grpId="0" nodeType="withEffect">
                                   <p:stCondLst>
                                     <p:cond delay="0"/>
                                   </p:stCondLst>
                                   <p:childTnLst>
                                     <p:set>
                                       <p:cBhvr>
-                                        <p:cTn id="27" dur="1" fill="hold">
+                                        <p:cTn id="25" dur="1" fill="hold">
                                           <p:stCondLst>
                                             <p:cond delay="0"/>
                                           </p:stCondLst>
@@ -10141,7 +10072,7 @@
                                     </p:set>
                                     <p:anim calcmode="lin" valueType="num">
                                       <p:cBhvr additive="base">
-                                        <p:cTn id="28" dur="500" fill="hold"/>
+                                        <p:cTn id="26" dur="500" fill="hold"/>
                                         <p:tgtEl>
                                           <p:spTgt spid="13"/>
                                         </p:tgtEl>
@@ -10164,7 +10095,7 @@
                                     </p:anim>
                                     <p:anim calcmode="lin" valueType="num">
                                       <p:cBhvr additive="base">
-                                        <p:cTn id="29" dur="500" fill="hold"/>
+                                        <p:cTn id="27" dur="500" fill="hold"/>
                                         <p:tgtEl>
                                           <p:spTgt spid="13"/>
                                         </p:tgtEl>
@@ -10188,33 +10119,15 @@
                                   </p:childTnLst>
                                 </p:cTn>
                               </p:par>
-                            </p:childTnLst>
-                          </p:cTn>
-                        </p:par>
-                      </p:childTnLst>
-                    </p:cTn>
-                  </p:par>
-                  <p:par>
-                    <p:cTn id="30" fill="hold">
-                      <p:stCondLst>
-                        <p:cond delay="indefinite"/>
-                      </p:stCondLst>
-                      <p:childTnLst>
-                        <p:par>
-                          <p:cTn id="31" fill="hold">
-                            <p:stCondLst>
-                              <p:cond delay="0"/>
-                            </p:stCondLst>
-                            <p:childTnLst>
                               <p:par>
-                                <p:cTn id="32" presetID="2" presetClass="entr" presetSubtype="2" fill="hold" grpId="0" nodeType="clickEffect">
+                                <p:cTn id="28" presetID="2" presetClass="entr" presetSubtype="2" fill="hold" grpId="0" nodeType="withEffect">
                                   <p:stCondLst>
                                     <p:cond delay="0"/>
                                   </p:stCondLst>
                                   <p:childTnLst>
                                     <p:set>
                                       <p:cBhvr>
-                                        <p:cTn id="33" dur="1" fill="hold">
+                                        <p:cTn id="29" dur="1" fill="hold">
                                           <p:stCondLst>
                                             <p:cond delay="0"/>
                                           </p:stCondLst>
@@ -10236,7 +10149,7 @@
                                     </p:set>
                                     <p:anim calcmode="lin" valueType="num">
                                       <p:cBhvr additive="base">
-                                        <p:cTn id="34" dur="500" fill="hold"/>
+                                        <p:cTn id="30" dur="500" fill="hold"/>
                                         <p:tgtEl>
                                           <p:spTgt spid="7">
                                             <p:txEl>
@@ -10263,7 +10176,7 @@
                                     </p:anim>
                                     <p:anim calcmode="lin" valueType="num">
                                       <p:cBhvr additive="base">
-                                        <p:cTn id="35" dur="500" fill="hold"/>
+                                        <p:cTn id="31" dur="500" fill="hold"/>
                                         <p:tgtEl>
                                           <p:spTgt spid="7">
                                             <p:txEl>
@@ -10298,26 +10211,26 @@
                     </p:cTn>
                   </p:par>
                   <p:par>
-                    <p:cTn id="36" fill="hold">
+                    <p:cTn id="32" fill="hold">
                       <p:stCondLst>
                         <p:cond delay="indefinite"/>
                       </p:stCondLst>
                       <p:childTnLst>
                         <p:par>
-                          <p:cTn id="37" fill="hold">
+                          <p:cTn id="33" fill="hold">
                             <p:stCondLst>
                               <p:cond delay="0"/>
                             </p:stCondLst>
                             <p:childTnLst>
                               <p:par>
-                                <p:cTn id="38" presetID="2" presetClass="entr" presetSubtype="1" fill="hold" grpId="0" nodeType="clickEffect">
+                                <p:cTn id="34" presetID="2" presetClass="entr" presetSubtype="1" fill="hold" grpId="0" nodeType="clickEffect">
                                   <p:stCondLst>
                                     <p:cond delay="0"/>
                                   </p:stCondLst>
                                   <p:childTnLst>
                                     <p:set>
                                       <p:cBhvr>
-                                        <p:cTn id="39" dur="1" fill="hold">
+                                        <p:cTn id="35" dur="1" fill="hold">
                                           <p:stCondLst>
                                             <p:cond delay="0"/>
                                           </p:stCondLst>
@@ -10335,7 +10248,7 @@
                                     </p:set>
                                     <p:anim calcmode="lin" valueType="num">
                                       <p:cBhvr additive="base">
-                                        <p:cTn id="40" dur="500" fill="hold"/>
+                                        <p:cTn id="36" dur="500" fill="hold"/>
                                         <p:tgtEl>
                                           <p:spTgt spid="14"/>
                                         </p:tgtEl>
@@ -10358,7 +10271,7 @@
                                     </p:anim>
                                     <p:anim calcmode="lin" valueType="num">
                                       <p:cBhvr additive="base">
-                                        <p:cTn id="41" dur="500" fill="hold"/>
+                                        <p:cTn id="37" dur="500" fill="hold"/>
                                         <p:tgtEl>
                                           <p:spTgt spid="14"/>
                                         </p:tgtEl>
@@ -10382,33 +10295,15 @@
                                   </p:childTnLst>
                                 </p:cTn>
                               </p:par>
-                            </p:childTnLst>
-                          </p:cTn>
-                        </p:par>
-                      </p:childTnLst>
-                    </p:cTn>
-                  </p:par>
-                  <p:par>
-                    <p:cTn id="42" fill="hold">
-                      <p:stCondLst>
-                        <p:cond delay="indefinite"/>
-                      </p:stCondLst>
-                      <p:childTnLst>
-                        <p:par>
-                          <p:cTn id="43" fill="hold">
-                            <p:stCondLst>
-                              <p:cond delay="0"/>
-                            </p:stCondLst>
-                            <p:childTnLst>
                               <p:par>
-                                <p:cTn id="44" presetID="2" presetClass="entr" presetSubtype="4" fill="hold" grpId="0" nodeType="clickEffect">
+                                <p:cTn id="38" presetID="2" presetClass="entr" presetSubtype="4" fill="hold" grpId="0" nodeType="withEffect">
                                   <p:stCondLst>
                                     <p:cond delay="0"/>
                                   </p:stCondLst>
                                   <p:childTnLst>
                                     <p:set>
                                       <p:cBhvr>
-                                        <p:cTn id="45" dur="1" fill="hold">
+                                        <p:cTn id="39" dur="1" fill="hold">
                                           <p:stCondLst>
                                             <p:cond delay="0"/>
                                           </p:stCondLst>
@@ -10426,7 +10321,7 @@
                                     </p:set>
                                     <p:anim calcmode="lin" valueType="num">
                                       <p:cBhvr additive="base">
-                                        <p:cTn id="46" dur="500" fill="hold"/>
+                                        <p:cTn id="40" dur="500" fill="hold"/>
                                         <p:tgtEl>
                                           <p:spTgt spid="15"/>
                                         </p:tgtEl>
@@ -10449,7 +10344,7 @@
                                     </p:anim>
                                     <p:anim calcmode="lin" valueType="num">
                                       <p:cBhvr additive="base">
-                                        <p:cTn id="47" dur="500" fill="hold"/>
+                                        <p:cTn id="41" dur="500" fill="hold"/>
                                         <p:tgtEl>
                                           <p:spTgt spid="15"/>
                                         </p:tgtEl>
@@ -10643,6 +10538,13 @@
   <p:clrMapOvr>
     <a:masterClrMapping/>
   </p:clrMapOvr>
+  <p:timing>
+    <p:tnLst>
+      <p:par>
+        <p:cTn id="1" dur="indefinite" restart="never" nodeType="tmRoot"/>
+      </p:par>
+    </p:tnLst>
+  </p:timing>
 </p:sld>
 </file>
 
@@ -11418,7 +11320,7 @@
           <p:cNvPr id="6" name="Immagine 5">
             <a:extLst>
               <a:ext uri="{FF2B5EF4-FFF2-40B4-BE49-F238E27FC236}">
-                <a16:creationId xmlns:a16="http://schemas.microsoft.com/office/drawing/2014/main" id="{1C306236-CC00-7647-92D5-B35B47F62EA9}"/>
+                <a16:creationId xmlns:a16="http://schemas.microsoft.com/office/drawing/2014/main" xmlns="" id="{1C306236-CC00-7647-92D5-B35B47F62EA9}"/>
               </a:ext>
             </a:extLst>
           </p:cNvPr>
@@ -11441,7 +11343,7 @@
         </p:blipFill>
         <p:spPr>
           <a:xfrm>
-            <a:off x="1727684" y="1620206"/>
+            <a:off x="1547664" y="1620206"/>
             <a:ext cx="5688632" cy="3394472"/>
           </a:xfrm>
           <a:prstGeom prst="rect">
@@ -11459,6 +11361,13 @@
   <p:clrMapOvr>
     <a:masterClrMapping/>
   </p:clrMapOvr>
+  <p:timing>
+    <p:tnLst>
+      <p:par>
+        <p:cTn id="1" dur="indefinite" restart="never" nodeType="tmRoot"/>
+      </p:par>
+    </p:tnLst>
+  </p:timing>
 </p:sld>
 </file>
 
@@ -11564,7 +11473,7 @@
           <p:cNvPr id="7" name="Immagine 6">
             <a:extLst>
               <a:ext uri="{FF2B5EF4-FFF2-40B4-BE49-F238E27FC236}">
-                <a16:creationId xmlns:a16="http://schemas.microsoft.com/office/drawing/2014/main" id="{A441418F-23FF-5346-B922-35384CDCB34F}"/>
+                <a16:creationId xmlns:a16="http://schemas.microsoft.com/office/drawing/2014/main" xmlns="" id="{A441418F-23FF-5346-B922-35384CDCB34F}"/>
               </a:ext>
             </a:extLst>
           </p:cNvPr>
@@ -11605,6 +11514,13 @@
   <p:clrMapOvr>
     <a:masterClrMapping/>
   </p:clrMapOvr>
+  <p:timing>
+    <p:tnLst>
+      <p:par>
+        <p:cTn id="1" dur="indefinite" restart="never" nodeType="tmRoot"/>
+      </p:par>
+    </p:tnLst>
+  </p:timing>
 </p:sld>
 </file>
 
@@ -11710,7 +11626,7 @@
           <p:cNvPr id="6" name="Immagine 5">
             <a:extLst>
               <a:ext uri="{FF2B5EF4-FFF2-40B4-BE49-F238E27FC236}">
-                <a16:creationId xmlns:a16="http://schemas.microsoft.com/office/drawing/2014/main" id="{91528184-72CB-764E-AF76-E970CF53BCE0}"/>
+                <a16:creationId xmlns:a16="http://schemas.microsoft.com/office/drawing/2014/main" xmlns="" id="{91528184-72CB-764E-AF76-E970CF53BCE0}"/>
               </a:ext>
             </a:extLst>
           </p:cNvPr>
@@ -11751,6 +11667,13 @@
   <p:clrMapOvr>
     <a:masterClrMapping/>
   </p:clrMapOvr>
+  <p:timing>
+    <p:tnLst>
+      <p:par>
+        <p:cTn id="1" dur="indefinite" restart="never" nodeType="tmRoot"/>
+      </p:par>
+    </p:tnLst>
+  </p:timing>
 </p:sld>
 </file>
 
@@ -11856,7 +11779,7 @@
           <p:cNvPr id="7" name="Immagine 6">
             <a:extLst>
               <a:ext uri="{FF2B5EF4-FFF2-40B4-BE49-F238E27FC236}">
-                <a16:creationId xmlns:a16="http://schemas.microsoft.com/office/drawing/2014/main" id="{97C3AC0D-C308-DE49-B289-2466A91E9851}"/>
+                <a16:creationId xmlns:a16="http://schemas.microsoft.com/office/drawing/2014/main" xmlns="" id="{97C3AC0D-C308-DE49-B289-2466A91E9851}"/>
               </a:ext>
             </a:extLst>
           </p:cNvPr>
@@ -11897,6 +11820,13 @@
   <p:clrMapOvr>
     <a:masterClrMapping/>
   </p:clrMapOvr>
+  <p:timing>
+    <p:tnLst>
+      <p:par>
+        <p:cTn id="1" dur="indefinite" restart="never" nodeType="tmRoot"/>
+      </p:par>
+    </p:tnLst>
+  </p:timing>
 </p:sld>
 </file>
 
@@ -12046,6 +11976,13 @@
   <p:clrMapOvr>
     <a:masterClrMapping/>
   </p:clrMapOvr>
+  <p:timing>
+    <p:tnLst>
+      <p:par>
+        <p:cTn id="1" dur="indefinite" restart="never" nodeType="tmRoot"/>
+      </p:par>
+    </p:tnLst>
+  </p:timing>
 </p:sld>
 </file>
 
@@ -12151,7 +12088,7 @@
           <p:cNvPr id="6" name="Immagine 5">
             <a:extLst>
               <a:ext uri="{FF2B5EF4-FFF2-40B4-BE49-F238E27FC236}">
-                <a16:creationId xmlns:a16="http://schemas.microsoft.com/office/drawing/2014/main" id="{21A85A62-F1D3-7E4A-9612-54BAC294F06A}"/>
+                <a16:creationId xmlns:a16="http://schemas.microsoft.com/office/drawing/2014/main" xmlns="" id="{21A85A62-F1D3-7E4A-9612-54BAC294F06A}"/>
               </a:ext>
             </a:extLst>
           </p:cNvPr>
@@ -12192,6 +12129,13 @@
   <p:clrMapOvr>
     <a:masterClrMapping/>
   </p:clrMapOvr>
+  <p:timing>
+    <p:tnLst>
+      <p:par>
+        <p:cTn id="1" dur="indefinite" restart="never" nodeType="tmRoot"/>
+      </p:par>
+    </p:tnLst>
+  </p:timing>
 </p:sld>
 </file>
 
@@ -12297,7 +12241,7 @@
           <p:cNvPr id="7" name="Immagine 6">
             <a:extLst>
               <a:ext uri="{FF2B5EF4-FFF2-40B4-BE49-F238E27FC236}">
-                <a16:creationId xmlns:a16="http://schemas.microsoft.com/office/drawing/2014/main" id="{BFC88322-0986-0F42-B06B-EF278F7D737A}"/>
+                <a16:creationId xmlns:a16="http://schemas.microsoft.com/office/drawing/2014/main" xmlns="" id="{BFC88322-0986-0F42-B06B-EF278F7D737A}"/>
               </a:ext>
             </a:extLst>
           </p:cNvPr>
@@ -12338,6 +12282,13 @@
   <p:clrMapOvr>
     <a:masterClrMapping/>
   </p:clrMapOvr>
+  <p:timing>
+    <p:tnLst>
+      <p:par>
+        <p:cTn id="1" dur="indefinite" restart="never" nodeType="tmRoot"/>
+      </p:par>
+    </p:tnLst>
+  </p:timing>
 </p:sld>
 </file>
 
@@ -12505,7 +12456,7 @@
           <p:cNvPr id="5" name="CasellaDiTesto 4">
             <a:extLst>
               <a:ext uri="{FF2B5EF4-FFF2-40B4-BE49-F238E27FC236}">
-                <a16:creationId xmlns:a16="http://schemas.microsoft.com/office/drawing/2014/main" id="{AF328554-59DD-4404-818A-45D1ED00AE7D}"/>
+                <a16:creationId xmlns:a16="http://schemas.microsoft.com/office/drawing/2014/main" xmlns="" id="{AF328554-59DD-4404-818A-45D1ED00AE7D}"/>
               </a:ext>
             </a:extLst>
           </p:cNvPr>
@@ -12554,6 +12505,13 @@
   <p:clrMapOvr>
     <a:masterClrMapping/>
   </p:clrMapOvr>
+  <p:timing>
+    <p:tnLst>
+      <p:par>
+        <p:cTn id="1" dur="indefinite" restart="never" nodeType="tmRoot"/>
+      </p:par>
+    </p:tnLst>
+  </p:timing>
 </p:sld>
 </file>
 
@@ -12695,7 +12653,7 @@
           <p:cNvPr id="4" name="CasellaDiTesto 3">
             <a:extLst>
               <a:ext uri="{FF2B5EF4-FFF2-40B4-BE49-F238E27FC236}">
-                <a16:creationId xmlns:a16="http://schemas.microsoft.com/office/drawing/2014/main" id="{4C458470-5C51-4050-A326-F214F0F1DD83}"/>
+                <a16:creationId xmlns:a16="http://schemas.microsoft.com/office/drawing/2014/main" xmlns="" id="{4C458470-5C51-4050-A326-F214F0F1DD83}"/>
               </a:ext>
             </a:extLst>
           </p:cNvPr>
@@ -12739,7 +12697,7 @@
           <p:cNvPr id="6" name="Segnaposto contenuto 2">
             <a:extLst>
               <a:ext uri="{FF2B5EF4-FFF2-40B4-BE49-F238E27FC236}">
-                <a16:creationId xmlns:a16="http://schemas.microsoft.com/office/drawing/2014/main" id="{0E3E1FC3-46AB-4023-8163-A5243852AD3A}"/>
+                <a16:creationId xmlns:a16="http://schemas.microsoft.com/office/drawing/2014/main" xmlns="" id="{0E3E1FC3-46AB-4023-8163-A5243852AD3A}"/>
               </a:ext>
             </a:extLst>
           </p:cNvPr>
@@ -12972,6 +12930,13 @@
   <p:clrMapOvr>
     <a:masterClrMapping/>
   </p:clrMapOvr>
+  <p:timing>
+    <p:tnLst>
+      <p:par>
+        <p:cTn id="1" dur="indefinite" restart="never" nodeType="tmRoot"/>
+      </p:par>
+    </p:tnLst>
+  </p:timing>
 </p:sld>
 </file>
 
@@ -13082,6 +13047,13 @@
   <p:clrMapOvr>
     <a:masterClrMapping/>
   </p:clrMapOvr>
+  <p:timing>
+    <p:tnLst>
+      <p:par>
+        <p:cTn id="1" dur="indefinite" restart="never" nodeType="tmRoot"/>
+      </p:par>
+    </p:tnLst>
+  </p:timing>
 </p:sld>
 </file>
 
@@ -13185,6 +13157,13 @@
   <p:clrMapOvr>
     <a:masterClrMapping/>
   </p:clrMapOvr>
+  <p:timing>
+    <p:tnLst>
+      <p:par>
+        <p:cTn id="1" dur="indefinite" restart="never" nodeType="tmRoot"/>
+      </p:par>
+    </p:tnLst>
+  </p:timing>
 </p:sld>
 </file>
 
@@ -13307,6 +13286,13 @@
   <p:clrMapOvr>
     <a:masterClrMapping/>
   </p:clrMapOvr>
+  <p:timing>
+    <p:tnLst>
+      <p:par>
+        <p:cTn id="1" dur="indefinite" restart="never" nodeType="tmRoot"/>
+      </p:par>
+    </p:tnLst>
+  </p:timing>
 </p:sld>
 </file>
 
@@ -13403,7 +13389,7 @@
           <p:cNvPr id="4" name="Freccia a sinistra 3">
             <a:extLst>
               <a:ext uri="{FF2B5EF4-FFF2-40B4-BE49-F238E27FC236}">
-                <a16:creationId xmlns:a16="http://schemas.microsoft.com/office/drawing/2014/main" id="{52AAD68B-C27E-4FFA-9271-129D6C7B0C9E}"/>
+                <a16:creationId xmlns:a16="http://schemas.microsoft.com/office/drawing/2014/main" xmlns="" id="{52AAD68B-C27E-4FFA-9271-129D6C7B0C9E}"/>
               </a:ext>
             </a:extLst>
           </p:cNvPr>
@@ -13455,7 +13441,7 @@
           <p:cNvPr id="5" name="Segnaposto contenuto 2">
             <a:extLst>
               <a:ext uri="{FF2B5EF4-FFF2-40B4-BE49-F238E27FC236}">
-                <a16:creationId xmlns:a16="http://schemas.microsoft.com/office/drawing/2014/main" id="{A2F20AAD-39E9-48BB-9E24-A3B662A0B11F}"/>
+                <a16:creationId xmlns:a16="http://schemas.microsoft.com/office/drawing/2014/main" xmlns="" id="{A2F20AAD-39E9-48BB-9E24-A3B662A0B11F}"/>
               </a:ext>
             </a:extLst>
           </p:cNvPr>
@@ -13640,7 +13626,7 @@
           <p:cNvPr id="6" name="Segnaposto contenuto 2">
             <a:extLst>
               <a:ext uri="{FF2B5EF4-FFF2-40B4-BE49-F238E27FC236}">
-                <a16:creationId xmlns:a16="http://schemas.microsoft.com/office/drawing/2014/main" id="{6F19C448-41DA-4A1F-A840-40BEC5D113AC}"/>
+                <a16:creationId xmlns:a16="http://schemas.microsoft.com/office/drawing/2014/main" xmlns="" id="{6F19C448-41DA-4A1F-A840-40BEC5D113AC}"/>
               </a:ext>
             </a:extLst>
           </p:cNvPr>
@@ -13832,7 +13818,7 @@
           <p:cNvPr id="7" name="Segnaposto contenuto 2">
             <a:extLst>
               <a:ext uri="{FF2B5EF4-FFF2-40B4-BE49-F238E27FC236}">
-                <a16:creationId xmlns:a16="http://schemas.microsoft.com/office/drawing/2014/main" id="{21BD1C16-510B-462B-B13D-C7EBD07B538E}"/>
+                <a16:creationId xmlns:a16="http://schemas.microsoft.com/office/drawing/2014/main" xmlns="" id="{21BD1C16-510B-462B-B13D-C7EBD07B538E}"/>
               </a:ext>
             </a:extLst>
           </p:cNvPr>
@@ -14024,7 +14010,7 @@
           <p:cNvPr id="8" name="Freccia a sinistra 7">
             <a:extLst>
               <a:ext uri="{FF2B5EF4-FFF2-40B4-BE49-F238E27FC236}">
-                <a16:creationId xmlns:a16="http://schemas.microsoft.com/office/drawing/2014/main" id="{45FF0A01-F6A5-41C4-BF0C-17F93411D298}"/>
+                <a16:creationId xmlns:a16="http://schemas.microsoft.com/office/drawing/2014/main" xmlns="" id="{45FF0A01-F6A5-41C4-BF0C-17F93411D298}"/>
               </a:ext>
             </a:extLst>
           </p:cNvPr>
@@ -14076,7 +14062,7 @@
           <p:cNvPr id="9" name="Freccia a sinistra 8">
             <a:extLst>
               <a:ext uri="{FF2B5EF4-FFF2-40B4-BE49-F238E27FC236}">
-                <a16:creationId xmlns:a16="http://schemas.microsoft.com/office/drawing/2014/main" id="{57F6291A-A3EE-4B60-9B86-7BDD9DD70CDB}"/>
+                <a16:creationId xmlns:a16="http://schemas.microsoft.com/office/drawing/2014/main" xmlns="" id="{57F6291A-A3EE-4B60-9B86-7BDD9DD70CDB}"/>
               </a:ext>
             </a:extLst>
           </p:cNvPr>
@@ -14128,7 +14114,7 @@
           <p:cNvPr id="10" name="Freccia a sinistra 9">
             <a:extLst>
               <a:ext uri="{FF2B5EF4-FFF2-40B4-BE49-F238E27FC236}">
-                <a16:creationId xmlns:a16="http://schemas.microsoft.com/office/drawing/2014/main" id="{65303005-63C0-4B0B-9230-9E165A672FEA}"/>
+                <a16:creationId xmlns:a16="http://schemas.microsoft.com/office/drawing/2014/main" xmlns="" id="{65303005-63C0-4B0B-9230-9E165A672FEA}"/>
               </a:ext>
             </a:extLst>
           </p:cNvPr>
@@ -14177,7 +14163,7 @@
           <p:cNvPr id="12" name="Segnaposto contenuto 2">
             <a:extLst>
               <a:ext uri="{FF2B5EF4-FFF2-40B4-BE49-F238E27FC236}">
-                <a16:creationId xmlns:a16="http://schemas.microsoft.com/office/drawing/2014/main" id="{2F57A88A-B3AF-4493-B6F4-5CBDF2361A29}"/>
+                <a16:creationId xmlns:a16="http://schemas.microsoft.com/office/drawing/2014/main" xmlns="" id="{2F57A88A-B3AF-4493-B6F4-5CBDF2361A29}"/>
               </a:ext>
             </a:extLst>
           </p:cNvPr>
@@ -14366,6 +14352,702 @@
   <p:clrMapOvr>
     <a:masterClrMapping/>
   </p:clrMapOvr>
+  <p:timing>
+    <p:tnLst>
+      <p:par>
+        <p:cTn id="1" dur="indefinite" restart="never" nodeType="tmRoot">
+          <p:childTnLst>
+            <p:seq concurrent="1" nextAc="seek">
+              <p:cTn id="2" dur="indefinite" nodeType="mainSeq">
+                <p:childTnLst>
+                  <p:par>
+                    <p:cTn id="3" fill="hold">
+                      <p:stCondLst>
+                        <p:cond delay="indefinite"/>
+                      </p:stCondLst>
+                      <p:childTnLst>
+                        <p:par>
+                          <p:cTn id="4" fill="hold">
+                            <p:stCondLst>
+                              <p:cond delay="0"/>
+                            </p:stCondLst>
+                            <p:childTnLst>
+                              <p:par>
+                                <p:cTn id="5" presetID="2" presetClass="entr" presetSubtype="1" fill="hold" grpId="0" nodeType="clickEffect">
+                                  <p:stCondLst>
+                                    <p:cond delay="0"/>
+                                  </p:stCondLst>
+                                  <p:childTnLst>
+                                    <p:set>
+                                      <p:cBhvr>
+                                        <p:cTn id="6" dur="1" fill="hold">
+                                          <p:stCondLst>
+                                            <p:cond delay="0"/>
+                                          </p:stCondLst>
+                                        </p:cTn>
+                                        <p:tgtEl>
+                                          <p:spTgt spid="4"/>
+                                        </p:tgtEl>
+                                        <p:attrNameLst>
+                                          <p:attrName>style.visibility</p:attrName>
+                                        </p:attrNameLst>
+                                      </p:cBhvr>
+                                      <p:to>
+                                        <p:strVal val="visible"/>
+                                      </p:to>
+                                    </p:set>
+                                    <p:anim calcmode="lin" valueType="num">
+                                      <p:cBhvr additive="base">
+                                        <p:cTn id="7" dur="500" fill="hold"/>
+                                        <p:tgtEl>
+                                          <p:spTgt spid="4"/>
+                                        </p:tgtEl>
+                                        <p:attrNameLst>
+                                          <p:attrName>ppt_x</p:attrName>
+                                        </p:attrNameLst>
+                                      </p:cBhvr>
+                                      <p:tavLst>
+                                        <p:tav tm="0">
+                                          <p:val>
+                                            <p:strVal val="#ppt_x"/>
+                                          </p:val>
+                                        </p:tav>
+                                        <p:tav tm="100000">
+                                          <p:val>
+                                            <p:strVal val="#ppt_x"/>
+                                          </p:val>
+                                        </p:tav>
+                                      </p:tavLst>
+                                    </p:anim>
+                                    <p:anim calcmode="lin" valueType="num">
+                                      <p:cBhvr additive="base">
+                                        <p:cTn id="8" dur="500" fill="hold"/>
+                                        <p:tgtEl>
+                                          <p:spTgt spid="4"/>
+                                        </p:tgtEl>
+                                        <p:attrNameLst>
+                                          <p:attrName>ppt_y</p:attrName>
+                                        </p:attrNameLst>
+                                      </p:cBhvr>
+                                      <p:tavLst>
+                                        <p:tav tm="0">
+                                          <p:val>
+                                            <p:strVal val="0-#ppt_h/2"/>
+                                          </p:val>
+                                        </p:tav>
+                                        <p:tav tm="100000">
+                                          <p:val>
+                                            <p:strVal val="#ppt_y"/>
+                                          </p:val>
+                                        </p:tav>
+                                      </p:tavLst>
+                                    </p:anim>
+                                  </p:childTnLst>
+                                </p:cTn>
+                              </p:par>
+                              <p:par>
+                                <p:cTn id="9" presetID="2" presetClass="entr" presetSubtype="4" fill="hold" grpId="0" nodeType="withEffect">
+                                  <p:stCondLst>
+                                    <p:cond delay="0"/>
+                                  </p:stCondLst>
+                                  <p:childTnLst>
+                                    <p:set>
+                                      <p:cBhvr>
+                                        <p:cTn id="10" dur="1" fill="hold">
+                                          <p:stCondLst>
+                                            <p:cond delay="0"/>
+                                          </p:stCondLst>
+                                        </p:cTn>
+                                        <p:tgtEl>
+                                          <p:spTgt spid="5"/>
+                                        </p:tgtEl>
+                                        <p:attrNameLst>
+                                          <p:attrName>style.visibility</p:attrName>
+                                        </p:attrNameLst>
+                                      </p:cBhvr>
+                                      <p:to>
+                                        <p:strVal val="visible"/>
+                                      </p:to>
+                                    </p:set>
+                                    <p:anim calcmode="lin" valueType="num">
+                                      <p:cBhvr additive="base">
+                                        <p:cTn id="11" dur="500" fill="hold"/>
+                                        <p:tgtEl>
+                                          <p:spTgt spid="5"/>
+                                        </p:tgtEl>
+                                        <p:attrNameLst>
+                                          <p:attrName>ppt_x</p:attrName>
+                                        </p:attrNameLst>
+                                      </p:cBhvr>
+                                      <p:tavLst>
+                                        <p:tav tm="0">
+                                          <p:val>
+                                            <p:strVal val="#ppt_x"/>
+                                          </p:val>
+                                        </p:tav>
+                                        <p:tav tm="100000">
+                                          <p:val>
+                                            <p:strVal val="#ppt_x"/>
+                                          </p:val>
+                                        </p:tav>
+                                      </p:tavLst>
+                                    </p:anim>
+                                    <p:anim calcmode="lin" valueType="num">
+                                      <p:cBhvr additive="base">
+                                        <p:cTn id="12" dur="500" fill="hold"/>
+                                        <p:tgtEl>
+                                          <p:spTgt spid="5"/>
+                                        </p:tgtEl>
+                                        <p:attrNameLst>
+                                          <p:attrName>ppt_y</p:attrName>
+                                        </p:attrNameLst>
+                                      </p:cBhvr>
+                                      <p:tavLst>
+                                        <p:tav tm="0">
+                                          <p:val>
+                                            <p:strVal val="1+#ppt_h/2"/>
+                                          </p:val>
+                                        </p:tav>
+                                        <p:tav tm="100000">
+                                          <p:val>
+                                            <p:strVal val="#ppt_y"/>
+                                          </p:val>
+                                        </p:tav>
+                                      </p:tavLst>
+                                    </p:anim>
+                                  </p:childTnLst>
+                                </p:cTn>
+                              </p:par>
+                            </p:childTnLst>
+                          </p:cTn>
+                        </p:par>
+                      </p:childTnLst>
+                    </p:cTn>
+                  </p:par>
+                  <p:par>
+                    <p:cTn id="13" fill="hold">
+                      <p:stCondLst>
+                        <p:cond delay="indefinite"/>
+                      </p:stCondLst>
+                      <p:childTnLst>
+                        <p:par>
+                          <p:cTn id="14" fill="hold">
+                            <p:stCondLst>
+                              <p:cond delay="0"/>
+                            </p:stCondLst>
+                            <p:childTnLst>
+                              <p:par>
+                                <p:cTn id="15" presetID="2" presetClass="entr" presetSubtype="12" fill="hold" grpId="0" nodeType="clickEffect">
+                                  <p:stCondLst>
+                                    <p:cond delay="0"/>
+                                  </p:stCondLst>
+                                  <p:childTnLst>
+                                    <p:set>
+                                      <p:cBhvr>
+                                        <p:cTn id="16" dur="1" fill="hold">
+                                          <p:stCondLst>
+                                            <p:cond delay="0"/>
+                                          </p:stCondLst>
+                                        </p:cTn>
+                                        <p:tgtEl>
+                                          <p:spTgt spid="9"/>
+                                        </p:tgtEl>
+                                        <p:attrNameLst>
+                                          <p:attrName>style.visibility</p:attrName>
+                                        </p:attrNameLst>
+                                      </p:cBhvr>
+                                      <p:to>
+                                        <p:strVal val="visible"/>
+                                      </p:to>
+                                    </p:set>
+                                    <p:anim calcmode="lin" valueType="num">
+                                      <p:cBhvr additive="base">
+                                        <p:cTn id="17" dur="500" fill="hold"/>
+                                        <p:tgtEl>
+                                          <p:spTgt spid="9"/>
+                                        </p:tgtEl>
+                                        <p:attrNameLst>
+                                          <p:attrName>ppt_x</p:attrName>
+                                        </p:attrNameLst>
+                                      </p:cBhvr>
+                                      <p:tavLst>
+                                        <p:tav tm="0">
+                                          <p:val>
+                                            <p:strVal val="0-#ppt_w/2"/>
+                                          </p:val>
+                                        </p:tav>
+                                        <p:tav tm="100000">
+                                          <p:val>
+                                            <p:strVal val="#ppt_x"/>
+                                          </p:val>
+                                        </p:tav>
+                                      </p:tavLst>
+                                    </p:anim>
+                                    <p:anim calcmode="lin" valueType="num">
+                                      <p:cBhvr additive="base">
+                                        <p:cTn id="18" dur="500" fill="hold"/>
+                                        <p:tgtEl>
+                                          <p:spTgt spid="9"/>
+                                        </p:tgtEl>
+                                        <p:attrNameLst>
+                                          <p:attrName>ppt_y</p:attrName>
+                                        </p:attrNameLst>
+                                      </p:cBhvr>
+                                      <p:tavLst>
+                                        <p:tav tm="0">
+                                          <p:val>
+                                            <p:strVal val="1+#ppt_h/2"/>
+                                          </p:val>
+                                        </p:tav>
+                                        <p:tav tm="100000">
+                                          <p:val>
+                                            <p:strVal val="#ppt_y"/>
+                                          </p:val>
+                                        </p:tav>
+                                      </p:tavLst>
+                                    </p:anim>
+                                  </p:childTnLst>
+                                </p:cTn>
+                              </p:par>
+                              <p:par>
+                                <p:cTn id="19" presetID="2" presetClass="entr" presetSubtype="2" fill="hold" grpId="0" nodeType="withEffect">
+                                  <p:stCondLst>
+                                    <p:cond delay="0"/>
+                                  </p:stCondLst>
+                                  <p:childTnLst>
+                                    <p:set>
+                                      <p:cBhvr>
+                                        <p:cTn id="20" dur="1" fill="hold">
+                                          <p:stCondLst>
+                                            <p:cond delay="0"/>
+                                          </p:stCondLst>
+                                        </p:cTn>
+                                        <p:tgtEl>
+                                          <p:spTgt spid="6"/>
+                                        </p:tgtEl>
+                                        <p:attrNameLst>
+                                          <p:attrName>style.visibility</p:attrName>
+                                        </p:attrNameLst>
+                                      </p:cBhvr>
+                                      <p:to>
+                                        <p:strVal val="visible"/>
+                                      </p:to>
+                                    </p:set>
+                                    <p:anim calcmode="lin" valueType="num">
+                                      <p:cBhvr additive="base">
+                                        <p:cTn id="21" dur="500" fill="hold"/>
+                                        <p:tgtEl>
+                                          <p:spTgt spid="6"/>
+                                        </p:tgtEl>
+                                        <p:attrNameLst>
+                                          <p:attrName>ppt_x</p:attrName>
+                                        </p:attrNameLst>
+                                      </p:cBhvr>
+                                      <p:tavLst>
+                                        <p:tav tm="0">
+                                          <p:val>
+                                            <p:strVal val="1+#ppt_w/2"/>
+                                          </p:val>
+                                        </p:tav>
+                                        <p:tav tm="100000">
+                                          <p:val>
+                                            <p:strVal val="#ppt_x"/>
+                                          </p:val>
+                                        </p:tav>
+                                      </p:tavLst>
+                                    </p:anim>
+                                    <p:anim calcmode="lin" valueType="num">
+                                      <p:cBhvr additive="base">
+                                        <p:cTn id="22" dur="500" fill="hold"/>
+                                        <p:tgtEl>
+                                          <p:spTgt spid="6"/>
+                                        </p:tgtEl>
+                                        <p:attrNameLst>
+                                          <p:attrName>ppt_y</p:attrName>
+                                        </p:attrNameLst>
+                                      </p:cBhvr>
+                                      <p:tavLst>
+                                        <p:tav tm="0">
+                                          <p:val>
+                                            <p:strVal val="#ppt_y"/>
+                                          </p:val>
+                                        </p:tav>
+                                        <p:tav tm="100000">
+                                          <p:val>
+                                            <p:strVal val="#ppt_y"/>
+                                          </p:val>
+                                        </p:tav>
+                                      </p:tavLst>
+                                    </p:anim>
+                                  </p:childTnLst>
+                                </p:cTn>
+                              </p:par>
+                            </p:childTnLst>
+                          </p:cTn>
+                        </p:par>
+                      </p:childTnLst>
+                    </p:cTn>
+                  </p:par>
+                  <p:par>
+                    <p:cTn id="23" fill="hold">
+                      <p:stCondLst>
+                        <p:cond delay="indefinite"/>
+                      </p:stCondLst>
+                      <p:childTnLst>
+                        <p:par>
+                          <p:cTn id="24" fill="hold">
+                            <p:stCondLst>
+                              <p:cond delay="0"/>
+                            </p:stCondLst>
+                            <p:childTnLst>
+                              <p:par>
+                                <p:cTn id="25" presetID="2" presetClass="entr" presetSubtype="8" fill="hold" grpId="0" nodeType="clickEffect">
+                                  <p:stCondLst>
+                                    <p:cond delay="0"/>
+                                  </p:stCondLst>
+                                  <p:childTnLst>
+                                    <p:set>
+                                      <p:cBhvr>
+                                        <p:cTn id="26" dur="1" fill="hold">
+                                          <p:stCondLst>
+                                            <p:cond delay="0"/>
+                                          </p:stCondLst>
+                                        </p:cTn>
+                                        <p:tgtEl>
+                                          <p:spTgt spid="8"/>
+                                        </p:tgtEl>
+                                        <p:attrNameLst>
+                                          <p:attrName>style.visibility</p:attrName>
+                                        </p:attrNameLst>
+                                      </p:cBhvr>
+                                      <p:to>
+                                        <p:strVal val="visible"/>
+                                      </p:to>
+                                    </p:set>
+                                    <p:anim calcmode="lin" valueType="num">
+                                      <p:cBhvr additive="base">
+                                        <p:cTn id="27" dur="500" fill="hold"/>
+                                        <p:tgtEl>
+                                          <p:spTgt spid="8"/>
+                                        </p:tgtEl>
+                                        <p:attrNameLst>
+                                          <p:attrName>ppt_x</p:attrName>
+                                        </p:attrNameLst>
+                                      </p:cBhvr>
+                                      <p:tavLst>
+                                        <p:tav tm="0">
+                                          <p:val>
+                                            <p:strVal val="0-#ppt_w/2"/>
+                                          </p:val>
+                                        </p:tav>
+                                        <p:tav tm="100000">
+                                          <p:val>
+                                            <p:strVal val="#ppt_x"/>
+                                          </p:val>
+                                        </p:tav>
+                                      </p:tavLst>
+                                    </p:anim>
+                                    <p:anim calcmode="lin" valueType="num">
+                                      <p:cBhvr additive="base">
+                                        <p:cTn id="28" dur="500" fill="hold"/>
+                                        <p:tgtEl>
+                                          <p:spTgt spid="8"/>
+                                        </p:tgtEl>
+                                        <p:attrNameLst>
+                                          <p:attrName>ppt_y</p:attrName>
+                                        </p:attrNameLst>
+                                      </p:cBhvr>
+                                      <p:tavLst>
+                                        <p:tav tm="0">
+                                          <p:val>
+                                            <p:strVal val="#ppt_y"/>
+                                          </p:val>
+                                        </p:tav>
+                                        <p:tav tm="100000">
+                                          <p:val>
+                                            <p:strVal val="#ppt_y"/>
+                                          </p:val>
+                                        </p:tav>
+                                      </p:tavLst>
+                                    </p:anim>
+                                  </p:childTnLst>
+                                </p:cTn>
+                              </p:par>
+                              <p:par>
+                                <p:cTn id="29" presetID="2" presetClass="entr" presetSubtype="2" fill="hold" grpId="0" nodeType="withEffect">
+                                  <p:stCondLst>
+                                    <p:cond delay="0"/>
+                                  </p:stCondLst>
+                                  <p:childTnLst>
+                                    <p:set>
+                                      <p:cBhvr>
+                                        <p:cTn id="30" dur="1" fill="hold">
+                                          <p:stCondLst>
+                                            <p:cond delay="0"/>
+                                          </p:stCondLst>
+                                        </p:cTn>
+                                        <p:tgtEl>
+                                          <p:spTgt spid="7"/>
+                                        </p:tgtEl>
+                                        <p:attrNameLst>
+                                          <p:attrName>style.visibility</p:attrName>
+                                        </p:attrNameLst>
+                                      </p:cBhvr>
+                                      <p:to>
+                                        <p:strVal val="visible"/>
+                                      </p:to>
+                                    </p:set>
+                                    <p:anim calcmode="lin" valueType="num">
+                                      <p:cBhvr additive="base">
+                                        <p:cTn id="31" dur="500" fill="hold"/>
+                                        <p:tgtEl>
+                                          <p:spTgt spid="7"/>
+                                        </p:tgtEl>
+                                        <p:attrNameLst>
+                                          <p:attrName>ppt_x</p:attrName>
+                                        </p:attrNameLst>
+                                      </p:cBhvr>
+                                      <p:tavLst>
+                                        <p:tav tm="0">
+                                          <p:val>
+                                            <p:strVal val="1+#ppt_w/2"/>
+                                          </p:val>
+                                        </p:tav>
+                                        <p:tav tm="100000">
+                                          <p:val>
+                                            <p:strVal val="#ppt_x"/>
+                                          </p:val>
+                                        </p:tav>
+                                      </p:tavLst>
+                                    </p:anim>
+                                    <p:anim calcmode="lin" valueType="num">
+                                      <p:cBhvr additive="base">
+                                        <p:cTn id="32" dur="500" fill="hold"/>
+                                        <p:tgtEl>
+                                          <p:spTgt spid="7"/>
+                                        </p:tgtEl>
+                                        <p:attrNameLst>
+                                          <p:attrName>ppt_y</p:attrName>
+                                        </p:attrNameLst>
+                                      </p:cBhvr>
+                                      <p:tavLst>
+                                        <p:tav tm="0">
+                                          <p:val>
+                                            <p:strVal val="#ppt_y"/>
+                                          </p:val>
+                                        </p:tav>
+                                        <p:tav tm="100000">
+                                          <p:val>
+                                            <p:strVal val="#ppt_y"/>
+                                          </p:val>
+                                        </p:tav>
+                                      </p:tavLst>
+                                    </p:anim>
+                                  </p:childTnLst>
+                                </p:cTn>
+                              </p:par>
+                            </p:childTnLst>
+                          </p:cTn>
+                        </p:par>
+                      </p:childTnLst>
+                    </p:cTn>
+                  </p:par>
+                  <p:par>
+                    <p:cTn id="33" fill="hold">
+                      <p:stCondLst>
+                        <p:cond delay="indefinite"/>
+                      </p:stCondLst>
+                      <p:childTnLst>
+                        <p:par>
+                          <p:cTn id="34" fill="hold">
+                            <p:stCondLst>
+                              <p:cond delay="0"/>
+                            </p:stCondLst>
+                            <p:childTnLst>
+                              <p:par>
+                                <p:cTn id="35" presetID="2" presetClass="entr" presetSubtype="9" fill="hold" grpId="0" nodeType="clickEffect">
+                                  <p:stCondLst>
+                                    <p:cond delay="0"/>
+                                  </p:stCondLst>
+                                  <p:childTnLst>
+                                    <p:set>
+                                      <p:cBhvr>
+                                        <p:cTn id="36" dur="1" fill="hold">
+                                          <p:stCondLst>
+                                            <p:cond delay="0"/>
+                                          </p:stCondLst>
+                                        </p:cTn>
+                                        <p:tgtEl>
+                                          <p:spTgt spid="10"/>
+                                        </p:tgtEl>
+                                        <p:attrNameLst>
+                                          <p:attrName>style.visibility</p:attrName>
+                                        </p:attrNameLst>
+                                      </p:cBhvr>
+                                      <p:to>
+                                        <p:strVal val="visible"/>
+                                      </p:to>
+                                    </p:set>
+                                    <p:anim calcmode="lin" valueType="num">
+                                      <p:cBhvr additive="base">
+                                        <p:cTn id="37" dur="500" fill="hold"/>
+                                        <p:tgtEl>
+                                          <p:spTgt spid="10"/>
+                                        </p:tgtEl>
+                                        <p:attrNameLst>
+                                          <p:attrName>ppt_x</p:attrName>
+                                        </p:attrNameLst>
+                                      </p:cBhvr>
+                                      <p:tavLst>
+                                        <p:tav tm="0">
+                                          <p:val>
+                                            <p:strVal val="0-#ppt_w/2"/>
+                                          </p:val>
+                                        </p:tav>
+                                        <p:tav tm="100000">
+                                          <p:val>
+                                            <p:strVal val="#ppt_x"/>
+                                          </p:val>
+                                        </p:tav>
+                                      </p:tavLst>
+                                    </p:anim>
+                                    <p:anim calcmode="lin" valueType="num">
+                                      <p:cBhvr additive="base">
+                                        <p:cTn id="38" dur="500" fill="hold"/>
+                                        <p:tgtEl>
+                                          <p:spTgt spid="10"/>
+                                        </p:tgtEl>
+                                        <p:attrNameLst>
+                                          <p:attrName>ppt_y</p:attrName>
+                                        </p:attrNameLst>
+                                      </p:cBhvr>
+                                      <p:tavLst>
+                                        <p:tav tm="0">
+                                          <p:val>
+                                            <p:strVal val="0-#ppt_h/2"/>
+                                          </p:val>
+                                        </p:tav>
+                                        <p:tav tm="100000">
+                                          <p:val>
+                                            <p:strVal val="#ppt_y"/>
+                                          </p:val>
+                                        </p:tav>
+                                      </p:tavLst>
+                                    </p:anim>
+                                  </p:childTnLst>
+                                </p:cTn>
+                              </p:par>
+                              <p:par>
+                                <p:cTn id="39" presetID="2" presetClass="entr" presetSubtype="2" fill="hold" grpId="0" nodeType="withEffect">
+                                  <p:stCondLst>
+                                    <p:cond delay="0"/>
+                                  </p:stCondLst>
+                                  <p:childTnLst>
+                                    <p:set>
+                                      <p:cBhvr>
+                                        <p:cTn id="40" dur="1" fill="hold">
+                                          <p:stCondLst>
+                                            <p:cond delay="0"/>
+                                          </p:stCondLst>
+                                        </p:cTn>
+                                        <p:tgtEl>
+                                          <p:spTgt spid="12"/>
+                                        </p:tgtEl>
+                                        <p:attrNameLst>
+                                          <p:attrName>style.visibility</p:attrName>
+                                        </p:attrNameLst>
+                                      </p:cBhvr>
+                                      <p:to>
+                                        <p:strVal val="visible"/>
+                                      </p:to>
+                                    </p:set>
+                                    <p:anim calcmode="lin" valueType="num">
+                                      <p:cBhvr additive="base">
+                                        <p:cTn id="41" dur="500" fill="hold"/>
+                                        <p:tgtEl>
+                                          <p:spTgt spid="12"/>
+                                        </p:tgtEl>
+                                        <p:attrNameLst>
+                                          <p:attrName>ppt_x</p:attrName>
+                                        </p:attrNameLst>
+                                      </p:cBhvr>
+                                      <p:tavLst>
+                                        <p:tav tm="0">
+                                          <p:val>
+                                            <p:strVal val="1+#ppt_w/2"/>
+                                          </p:val>
+                                        </p:tav>
+                                        <p:tav tm="100000">
+                                          <p:val>
+                                            <p:strVal val="#ppt_x"/>
+                                          </p:val>
+                                        </p:tav>
+                                      </p:tavLst>
+                                    </p:anim>
+                                    <p:anim calcmode="lin" valueType="num">
+                                      <p:cBhvr additive="base">
+                                        <p:cTn id="42" dur="500" fill="hold"/>
+                                        <p:tgtEl>
+                                          <p:spTgt spid="12"/>
+                                        </p:tgtEl>
+                                        <p:attrNameLst>
+                                          <p:attrName>ppt_y</p:attrName>
+                                        </p:attrNameLst>
+                                      </p:cBhvr>
+                                      <p:tavLst>
+                                        <p:tav tm="0">
+                                          <p:val>
+                                            <p:strVal val="#ppt_y"/>
+                                          </p:val>
+                                        </p:tav>
+                                        <p:tav tm="100000">
+                                          <p:val>
+                                            <p:strVal val="#ppt_y"/>
+                                          </p:val>
+                                        </p:tav>
+                                      </p:tavLst>
+                                    </p:anim>
+                                  </p:childTnLst>
+                                </p:cTn>
+                              </p:par>
+                            </p:childTnLst>
+                          </p:cTn>
+                        </p:par>
+                      </p:childTnLst>
+                    </p:cTn>
+                  </p:par>
+                </p:childTnLst>
+              </p:cTn>
+              <p:prevCondLst>
+                <p:cond evt="onPrev" delay="0">
+                  <p:tgtEl>
+                    <p:sldTgt/>
+                  </p:tgtEl>
+                </p:cond>
+              </p:prevCondLst>
+              <p:nextCondLst>
+                <p:cond evt="onNext" delay="0">
+                  <p:tgtEl>
+                    <p:sldTgt/>
+                  </p:tgtEl>
+                </p:cond>
+              </p:nextCondLst>
+            </p:seq>
+          </p:childTnLst>
+        </p:cTn>
+      </p:par>
+    </p:tnLst>
+    <p:bldLst>
+      <p:bldP spid="4" grpId="0" animBg="1"/>
+      <p:bldP spid="5" grpId="0"/>
+      <p:bldP spid="6" grpId="0"/>
+      <p:bldP spid="7" grpId="0"/>
+      <p:bldP spid="8" grpId="0" animBg="1"/>
+      <p:bldP spid="9" grpId="0" animBg="1"/>
+      <p:bldP spid="10" grpId="0" animBg="1"/>
+      <p:bldP spid="12" grpId="0"/>
+    </p:bldLst>
+  </p:timing>
 </p:sld>
 </file>
 
@@ -14466,7 +15148,7 @@
           <p:cNvPr id="4" name="Freccia a sinistra 3">
             <a:extLst>
               <a:ext uri="{FF2B5EF4-FFF2-40B4-BE49-F238E27FC236}">
-                <a16:creationId xmlns:a16="http://schemas.microsoft.com/office/drawing/2014/main" id="{52AAD68B-C27E-4FFA-9271-129D6C7B0C9E}"/>
+                <a16:creationId xmlns:a16="http://schemas.microsoft.com/office/drawing/2014/main" xmlns="" id="{52AAD68B-C27E-4FFA-9271-129D6C7B0C9E}"/>
               </a:ext>
             </a:extLst>
           </p:cNvPr>
@@ -14518,7 +15200,7 @@
           <p:cNvPr id="5" name="Segnaposto contenuto 2">
             <a:extLst>
               <a:ext uri="{FF2B5EF4-FFF2-40B4-BE49-F238E27FC236}">
-                <a16:creationId xmlns:a16="http://schemas.microsoft.com/office/drawing/2014/main" id="{A2F20AAD-39E9-48BB-9E24-A3B662A0B11F}"/>
+                <a16:creationId xmlns:a16="http://schemas.microsoft.com/office/drawing/2014/main" xmlns="" id="{A2F20AAD-39E9-48BB-9E24-A3B662A0B11F}"/>
               </a:ext>
             </a:extLst>
           </p:cNvPr>
@@ -14710,7 +15392,7 @@
           <p:cNvPr id="6" name="Segnaposto contenuto 2">
             <a:extLst>
               <a:ext uri="{FF2B5EF4-FFF2-40B4-BE49-F238E27FC236}">
-                <a16:creationId xmlns:a16="http://schemas.microsoft.com/office/drawing/2014/main" id="{6F19C448-41DA-4A1F-A840-40BEC5D113AC}"/>
+                <a16:creationId xmlns:a16="http://schemas.microsoft.com/office/drawing/2014/main" xmlns="" id="{6F19C448-41DA-4A1F-A840-40BEC5D113AC}"/>
               </a:ext>
             </a:extLst>
           </p:cNvPr>
@@ -14906,7 +15588,7 @@
           <p:cNvPr id="7" name="Segnaposto contenuto 2">
             <a:extLst>
               <a:ext uri="{FF2B5EF4-FFF2-40B4-BE49-F238E27FC236}">
-                <a16:creationId xmlns:a16="http://schemas.microsoft.com/office/drawing/2014/main" id="{21BD1C16-510B-462B-B13D-C7EBD07B538E}"/>
+                <a16:creationId xmlns:a16="http://schemas.microsoft.com/office/drawing/2014/main" xmlns="" id="{21BD1C16-510B-462B-B13D-C7EBD07B538E}"/>
               </a:ext>
             </a:extLst>
           </p:cNvPr>
@@ -15098,7 +15780,7 @@
           <p:cNvPr id="10" name="Freccia a sinistra 9">
             <a:extLst>
               <a:ext uri="{FF2B5EF4-FFF2-40B4-BE49-F238E27FC236}">
-                <a16:creationId xmlns:a16="http://schemas.microsoft.com/office/drawing/2014/main" id="{C1B292C1-40FC-4AEE-A345-9D296CB99FCF}"/>
+                <a16:creationId xmlns:a16="http://schemas.microsoft.com/office/drawing/2014/main" xmlns="" id="{C1B292C1-40FC-4AEE-A345-9D296CB99FCF}"/>
               </a:ext>
             </a:extLst>
           </p:cNvPr>
@@ -15147,7 +15829,7 @@
           <p:cNvPr id="11" name="Freccia a sinistra 10">
             <a:extLst>
               <a:ext uri="{FF2B5EF4-FFF2-40B4-BE49-F238E27FC236}">
-                <a16:creationId xmlns:a16="http://schemas.microsoft.com/office/drawing/2014/main" id="{C92C966D-5F66-493C-B802-9D8381BD8A1A}"/>
+                <a16:creationId xmlns:a16="http://schemas.microsoft.com/office/drawing/2014/main" xmlns="" id="{C92C966D-5F66-493C-B802-9D8381BD8A1A}"/>
               </a:ext>
             </a:extLst>
           </p:cNvPr>
@@ -15199,7 +15881,7 @@
           <p:cNvPr id="12" name="Freccia a sinistra 11">
             <a:extLst>
               <a:ext uri="{FF2B5EF4-FFF2-40B4-BE49-F238E27FC236}">
-                <a16:creationId xmlns:a16="http://schemas.microsoft.com/office/drawing/2014/main" id="{FE0CB7B8-9FAB-4619-8EFA-2FC82084A435}"/>
+                <a16:creationId xmlns:a16="http://schemas.microsoft.com/office/drawing/2014/main" xmlns="" id="{FE0CB7B8-9FAB-4619-8EFA-2FC82084A435}"/>
               </a:ext>
             </a:extLst>
           </p:cNvPr>
@@ -15248,7 +15930,7 @@
           <p:cNvPr id="13" name="Segnaposto contenuto 2">
             <a:extLst>
               <a:ext uri="{FF2B5EF4-FFF2-40B4-BE49-F238E27FC236}">
-                <a16:creationId xmlns:a16="http://schemas.microsoft.com/office/drawing/2014/main" id="{FAB91D41-4679-4D48-8DA8-C4DC00098328}"/>
+                <a16:creationId xmlns:a16="http://schemas.microsoft.com/office/drawing/2014/main" xmlns="" id="{FAB91D41-4679-4D48-8DA8-C4DC00098328}"/>
               </a:ext>
             </a:extLst>
           </p:cNvPr>
@@ -15434,6 +16116,702 @@
   <p:clrMapOvr>
     <a:masterClrMapping/>
   </p:clrMapOvr>
+  <p:timing>
+    <p:tnLst>
+      <p:par>
+        <p:cTn id="1" dur="indefinite" restart="never" nodeType="tmRoot">
+          <p:childTnLst>
+            <p:seq concurrent="1" nextAc="seek">
+              <p:cTn id="2" dur="indefinite" nodeType="mainSeq">
+                <p:childTnLst>
+                  <p:par>
+                    <p:cTn id="3" fill="hold">
+                      <p:stCondLst>
+                        <p:cond delay="indefinite"/>
+                      </p:stCondLst>
+                      <p:childTnLst>
+                        <p:par>
+                          <p:cTn id="4" fill="hold">
+                            <p:stCondLst>
+                              <p:cond delay="0"/>
+                            </p:stCondLst>
+                            <p:childTnLst>
+                              <p:par>
+                                <p:cTn id="5" presetID="2" presetClass="entr" presetSubtype="1" fill="hold" grpId="0" nodeType="clickEffect">
+                                  <p:stCondLst>
+                                    <p:cond delay="0"/>
+                                  </p:stCondLst>
+                                  <p:childTnLst>
+                                    <p:set>
+                                      <p:cBhvr>
+                                        <p:cTn id="6" dur="1" fill="hold">
+                                          <p:stCondLst>
+                                            <p:cond delay="0"/>
+                                          </p:stCondLst>
+                                        </p:cTn>
+                                        <p:tgtEl>
+                                          <p:spTgt spid="4"/>
+                                        </p:tgtEl>
+                                        <p:attrNameLst>
+                                          <p:attrName>style.visibility</p:attrName>
+                                        </p:attrNameLst>
+                                      </p:cBhvr>
+                                      <p:to>
+                                        <p:strVal val="visible"/>
+                                      </p:to>
+                                    </p:set>
+                                    <p:anim calcmode="lin" valueType="num">
+                                      <p:cBhvr additive="base">
+                                        <p:cTn id="7" dur="500" fill="hold"/>
+                                        <p:tgtEl>
+                                          <p:spTgt spid="4"/>
+                                        </p:tgtEl>
+                                        <p:attrNameLst>
+                                          <p:attrName>ppt_x</p:attrName>
+                                        </p:attrNameLst>
+                                      </p:cBhvr>
+                                      <p:tavLst>
+                                        <p:tav tm="0">
+                                          <p:val>
+                                            <p:strVal val="#ppt_x"/>
+                                          </p:val>
+                                        </p:tav>
+                                        <p:tav tm="100000">
+                                          <p:val>
+                                            <p:strVal val="#ppt_x"/>
+                                          </p:val>
+                                        </p:tav>
+                                      </p:tavLst>
+                                    </p:anim>
+                                    <p:anim calcmode="lin" valueType="num">
+                                      <p:cBhvr additive="base">
+                                        <p:cTn id="8" dur="500" fill="hold"/>
+                                        <p:tgtEl>
+                                          <p:spTgt spid="4"/>
+                                        </p:tgtEl>
+                                        <p:attrNameLst>
+                                          <p:attrName>ppt_y</p:attrName>
+                                        </p:attrNameLst>
+                                      </p:cBhvr>
+                                      <p:tavLst>
+                                        <p:tav tm="0">
+                                          <p:val>
+                                            <p:strVal val="0-#ppt_h/2"/>
+                                          </p:val>
+                                        </p:tav>
+                                        <p:tav tm="100000">
+                                          <p:val>
+                                            <p:strVal val="#ppt_y"/>
+                                          </p:val>
+                                        </p:tav>
+                                      </p:tavLst>
+                                    </p:anim>
+                                  </p:childTnLst>
+                                </p:cTn>
+                              </p:par>
+                              <p:par>
+                                <p:cTn id="9" presetID="2" presetClass="entr" presetSubtype="4" fill="hold" grpId="0" nodeType="withEffect">
+                                  <p:stCondLst>
+                                    <p:cond delay="0"/>
+                                  </p:stCondLst>
+                                  <p:childTnLst>
+                                    <p:set>
+                                      <p:cBhvr>
+                                        <p:cTn id="10" dur="1" fill="hold">
+                                          <p:stCondLst>
+                                            <p:cond delay="0"/>
+                                          </p:stCondLst>
+                                        </p:cTn>
+                                        <p:tgtEl>
+                                          <p:spTgt spid="5"/>
+                                        </p:tgtEl>
+                                        <p:attrNameLst>
+                                          <p:attrName>style.visibility</p:attrName>
+                                        </p:attrNameLst>
+                                      </p:cBhvr>
+                                      <p:to>
+                                        <p:strVal val="visible"/>
+                                      </p:to>
+                                    </p:set>
+                                    <p:anim calcmode="lin" valueType="num">
+                                      <p:cBhvr additive="base">
+                                        <p:cTn id="11" dur="500" fill="hold"/>
+                                        <p:tgtEl>
+                                          <p:spTgt spid="5"/>
+                                        </p:tgtEl>
+                                        <p:attrNameLst>
+                                          <p:attrName>ppt_x</p:attrName>
+                                        </p:attrNameLst>
+                                      </p:cBhvr>
+                                      <p:tavLst>
+                                        <p:tav tm="0">
+                                          <p:val>
+                                            <p:strVal val="#ppt_x"/>
+                                          </p:val>
+                                        </p:tav>
+                                        <p:tav tm="100000">
+                                          <p:val>
+                                            <p:strVal val="#ppt_x"/>
+                                          </p:val>
+                                        </p:tav>
+                                      </p:tavLst>
+                                    </p:anim>
+                                    <p:anim calcmode="lin" valueType="num">
+                                      <p:cBhvr additive="base">
+                                        <p:cTn id="12" dur="500" fill="hold"/>
+                                        <p:tgtEl>
+                                          <p:spTgt spid="5"/>
+                                        </p:tgtEl>
+                                        <p:attrNameLst>
+                                          <p:attrName>ppt_y</p:attrName>
+                                        </p:attrNameLst>
+                                      </p:cBhvr>
+                                      <p:tavLst>
+                                        <p:tav tm="0">
+                                          <p:val>
+                                            <p:strVal val="1+#ppt_h/2"/>
+                                          </p:val>
+                                        </p:tav>
+                                        <p:tav tm="100000">
+                                          <p:val>
+                                            <p:strVal val="#ppt_y"/>
+                                          </p:val>
+                                        </p:tav>
+                                      </p:tavLst>
+                                    </p:anim>
+                                  </p:childTnLst>
+                                </p:cTn>
+                              </p:par>
+                            </p:childTnLst>
+                          </p:cTn>
+                        </p:par>
+                      </p:childTnLst>
+                    </p:cTn>
+                  </p:par>
+                  <p:par>
+                    <p:cTn id="13" fill="hold">
+                      <p:stCondLst>
+                        <p:cond delay="indefinite"/>
+                      </p:stCondLst>
+                      <p:childTnLst>
+                        <p:par>
+                          <p:cTn id="14" fill="hold">
+                            <p:stCondLst>
+                              <p:cond delay="0"/>
+                            </p:stCondLst>
+                            <p:childTnLst>
+                              <p:par>
+                                <p:cTn id="15" presetID="2" presetClass="entr" presetSubtype="12" fill="hold" grpId="0" nodeType="clickEffect">
+                                  <p:stCondLst>
+                                    <p:cond delay="0"/>
+                                  </p:stCondLst>
+                                  <p:childTnLst>
+                                    <p:set>
+                                      <p:cBhvr>
+                                        <p:cTn id="16" dur="1" fill="hold">
+                                          <p:stCondLst>
+                                            <p:cond delay="0"/>
+                                          </p:stCondLst>
+                                        </p:cTn>
+                                        <p:tgtEl>
+                                          <p:spTgt spid="11"/>
+                                        </p:tgtEl>
+                                        <p:attrNameLst>
+                                          <p:attrName>style.visibility</p:attrName>
+                                        </p:attrNameLst>
+                                      </p:cBhvr>
+                                      <p:to>
+                                        <p:strVal val="visible"/>
+                                      </p:to>
+                                    </p:set>
+                                    <p:anim calcmode="lin" valueType="num">
+                                      <p:cBhvr additive="base">
+                                        <p:cTn id="17" dur="500" fill="hold"/>
+                                        <p:tgtEl>
+                                          <p:spTgt spid="11"/>
+                                        </p:tgtEl>
+                                        <p:attrNameLst>
+                                          <p:attrName>ppt_x</p:attrName>
+                                        </p:attrNameLst>
+                                      </p:cBhvr>
+                                      <p:tavLst>
+                                        <p:tav tm="0">
+                                          <p:val>
+                                            <p:strVal val="0-#ppt_w/2"/>
+                                          </p:val>
+                                        </p:tav>
+                                        <p:tav tm="100000">
+                                          <p:val>
+                                            <p:strVal val="#ppt_x"/>
+                                          </p:val>
+                                        </p:tav>
+                                      </p:tavLst>
+                                    </p:anim>
+                                    <p:anim calcmode="lin" valueType="num">
+                                      <p:cBhvr additive="base">
+                                        <p:cTn id="18" dur="500" fill="hold"/>
+                                        <p:tgtEl>
+                                          <p:spTgt spid="11"/>
+                                        </p:tgtEl>
+                                        <p:attrNameLst>
+                                          <p:attrName>ppt_y</p:attrName>
+                                        </p:attrNameLst>
+                                      </p:cBhvr>
+                                      <p:tavLst>
+                                        <p:tav tm="0">
+                                          <p:val>
+                                            <p:strVal val="1+#ppt_h/2"/>
+                                          </p:val>
+                                        </p:tav>
+                                        <p:tav tm="100000">
+                                          <p:val>
+                                            <p:strVal val="#ppt_y"/>
+                                          </p:val>
+                                        </p:tav>
+                                      </p:tavLst>
+                                    </p:anim>
+                                  </p:childTnLst>
+                                </p:cTn>
+                              </p:par>
+                              <p:par>
+                                <p:cTn id="19" presetID="2" presetClass="entr" presetSubtype="2" fill="hold" grpId="0" nodeType="withEffect">
+                                  <p:stCondLst>
+                                    <p:cond delay="0"/>
+                                  </p:stCondLst>
+                                  <p:childTnLst>
+                                    <p:set>
+                                      <p:cBhvr>
+                                        <p:cTn id="20" dur="1" fill="hold">
+                                          <p:stCondLst>
+                                            <p:cond delay="0"/>
+                                          </p:stCondLst>
+                                        </p:cTn>
+                                        <p:tgtEl>
+                                          <p:spTgt spid="13"/>
+                                        </p:tgtEl>
+                                        <p:attrNameLst>
+                                          <p:attrName>style.visibility</p:attrName>
+                                        </p:attrNameLst>
+                                      </p:cBhvr>
+                                      <p:to>
+                                        <p:strVal val="visible"/>
+                                      </p:to>
+                                    </p:set>
+                                    <p:anim calcmode="lin" valueType="num">
+                                      <p:cBhvr additive="base">
+                                        <p:cTn id="21" dur="500" fill="hold"/>
+                                        <p:tgtEl>
+                                          <p:spTgt spid="13"/>
+                                        </p:tgtEl>
+                                        <p:attrNameLst>
+                                          <p:attrName>ppt_x</p:attrName>
+                                        </p:attrNameLst>
+                                      </p:cBhvr>
+                                      <p:tavLst>
+                                        <p:tav tm="0">
+                                          <p:val>
+                                            <p:strVal val="1+#ppt_w/2"/>
+                                          </p:val>
+                                        </p:tav>
+                                        <p:tav tm="100000">
+                                          <p:val>
+                                            <p:strVal val="#ppt_x"/>
+                                          </p:val>
+                                        </p:tav>
+                                      </p:tavLst>
+                                    </p:anim>
+                                    <p:anim calcmode="lin" valueType="num">
+                                      <p:cBhvr additive="base">
+                                        <p:cTn id="22" dur="500" fill="hold"/>
+                                        <p:tgtEl>
+                                          <p:spTgt spid="13"/>
+                                        </p:tgtEl>
+                                        <p:attrNameLst>
+                                          <p:attrName>ppt_y</p:attrName>
+                                        </p:attrNameLst>
+                                      </p:cBhvr>
+                                      <p:tavLst>
+                                        <p:tav tm="0">
+                                          <p:val>
+                                            <p:strVal val="#ppt_y"/>
+                                          </p:val>
+                                        </p:tav>
+                                        <p:tav tm="100000">
+                                          <p:val>
+                                            <p:strVal val="#ppt_y"/>
+                                          </p:val>
+                                        </p:tav>
+                                      </p:tavLst>
+                                    </p:anim>
+                                  </p:childTnLst>
+                                </p:cTn>
+                              </p:par>
+                            </p:childTnLst>
+                          </p:cTn>
+                        </p:par>
+                      </p:childTnLst>
+                    </p:cTn>
+                  </p:par>
+                  <p:par>
+                    <p:cTn id="23" fill="hold">
+                      <p:stCondLst>
+                        <p:cond delay="indefinite"/>
+                      </p:stCondLst>
+                      <p:childTnLst>
+                        <p:par>
+                          <p:cTn id="24" fill="hold">
+                            <p:stCondLst>
+                              <p:cond delay="0"/>
+                            </p:stCondLst>
+                            <p:childTnLst>
+                              <p:par>
+                                <p:cTn id="25" presetID="2" presetClass="entr" presetSubtype="8" fill="hold" grpId="0" nodeType="clickEffect">
+                                  <p:stCondLst>
+                                    <p:cond delay="0"/>
+                                  </p:stCondLst>
+                                  <p:childTnLst>
+                                    <p:set>
+                                      <p:cBhvr>
+                                        <p:cTn id="26" dur="1" fill="hold">
+                                          <p:stCondLst>
+                                            <p:cond delay="0"/>
+                                          </p:stCondLst>
+                                        </p:cTn>
+                                        <p:tgtEl>
+                                          <p:spTgt spid="10"/>
+                                        </p:tgtEl>
+                                        <p:attrNameLst>
+                                          <p:attrName>style.visibility</p:attrName>
+                                        </p:attrNameLst>
+                                      </p:cBhvr>
+                                      <p:to>
+                                        <p:strVal val="visible"/>
+                                      </p:to>
+                                    </p:set>
+                                    <p:anim calcmode="lin" valueType="num">
+                                      <p:cBhvr additive="base">
+                                        <p:cTn id="27" dur="500" fill="hold"/>
+                                        <p:tgtEl>
+                                          <p:spTgt spid="10"/>
+                                        </p:tgtEl>
+                                        <p:attrNameLst>
+                                          <p:attrName>ppt_x</p:attrName>
+                                        </p:attrNameLst>
+                                      </p:cBhvr>
+                                      <p:tavLst>
+                                        <p:tav tm="0">
+                                          <p:val>
+                                            <p:strVal val="0-#ppt_w/2"/>
+                                          </p:val>
+                                        </p:tav>
+                                        <p:tav tm="100000">
+                                          <p:val>
+                                            <p:strVal val="#ppt_x"/>
+                                          </p:val>
+                                        </p:tav>
+                                      </p:tavLst>
+                                    </p:anim>
+                                    <p:anim calcmode="lin" valueType="num">
+                                      <p:cBhvr additive="base">
+                                        <p:cTn id="28" dur="500" fill="hold"/>
+                                        <p:tgtEl>
+                                          <p:spTgt spid="10"/>
+                                        </p:tgtEl>
+                                        <p:attrNameLst>
+                                          <p:attrName>ppt_y</p:attrName>
+                                        </p:attrNameLst>
+                                      </p:cBhvr>
+                                      <p:tavLst>
+                                        <p:tav tm="0">
+                                          <p:val>
+                                            <p:strVal val="#ppt_y"/>
+                                          </p:val>
+                                        </p:tav>
+                                        <p:tav tm="100000">
+                                          <p:val>
+                                            <p:strVal val="#ppt_y"/>
+                                          </p:val>
+                                        </p:tav>
+                                      </p:tavLst>
+                                    </p:anim>
+                                  </p:childTnLst>
+                                </p:cTn>
+                              </p:par>
+                              <p:par>
+                                <p:cTn id="29" presetID="2" presetClass="entr" presetSubtype="2" fill="hold" grpId="0" nodeType="withEffect">
+                                  <p:stCondLst>
+                                    <p:cond delay="0"/>
+                                  </p:stCondLst>
+                                  <p:childTnLst>
+                                    <p:set>
+                                      <p:cBhvr>
+                                        <p:cTn id="30" dur="1" fill="hold">
+                                          <p:stCondLst>
+                                            <p:cond delay="0"/>
+                                          </p:stCondLst>
+                                        </p:cTn>
+                                        <p:tgtEl>
+                                          <p:spTgt spid="7"/>
+                                        </p:tgtEl>
+                                        <p:attrNameLst>
+                                          <p:attrName>style.visibility</p:attrName>
+                                        </p:attrNameLst>
+                                      </p:cBhvr>
+                                      <p:to>
+                                        <p:strVal val="visible"/>
+                                      </p:to>
+                                    </p:set>
+                                    <p:anim calcmode="lin" valueType="num">
+                                      <p:cBhvr additive="base">
+                                        <p:cTn id="31" dur="500" fill="hold"/>
+                                        <p:tgtEl>
+                                          <p:spTgt spid="7"/>
+                                        </p:tgtEl>
+                                        <p:attrNameLst>
+                                          <p:attrName>ppt_x</p:attrName>
+                                        </p:attrNameLst>
+                                      </p:cBhvr>
+                                      <p:tavLst>
+                                        <p:tav tm="0">
+                                          <p:val>
+                                            <p:strVal val="1+#ppt_w/2"/>
+                                          </p:val>
+                                        </p:tav>
+                                        <p:tav tm="100000">
+                                          <p:val>
+                                            <p:strVal val="#ppt_x"/>
+                                          </p:val>
+                                        </p:tav>
+                                      </p:tavLst>
+                                    </p:anim>
+                                    <p:anim calcmode="lin" valueType="num">
+                                      <p:cBhvr additive="base">
+                                        <p:cTn id="32" dur="500" fill="hold"/>
+                                        <p:tgtEl>
+                                          <p:spTgt spid="7"/>
+                                        </p:tgtEl>
+                                        <p:attrNameLst>
+                                          <p:attrName>ppt_y</p:attrName>
+                                        </p:attrNameLst>
+                                      </p:cBhvr>
+                                      <p:tavLst>
+                                        <p:tav tm="0">
+                                          <p:val>
+                                            <p:strVal val="#ppt_y"/>
+                                          </p:val>
+                                        </p:tav>
+                                        <p:tav tm="100000">
+                                          <p:val>
+                                            <p:strVal val="#ppt_y"/>
+                                          </p:val>
+                                        </p:tav>
+                                      </p:tavLst>
+                                    </p:anim>
+                                  </p:childTnLst>
+                                </p:cTn>
+                              </p:par>
+                            </p:childTnLst>
+                          </p:cTn>
+                        </p:par>
+                      </p:childTnLst>
+                    </p:cTn>
+                  </p:par>
+                  <p:par>
+                    <p:cTn id="33" fill="hold">
+                      <p:stCondLst>
+                        <p:cond delay="indefinite"/>
+                      </p:stCondLst>
+                      <p:childTnLst>
+                        <p:par>
+                          <p:cTn id="34" fill="hold">
+                            <p:stCondLst>
+                              <p:cond delay="0"/>
+                            </p:stCondLst>
+                            <p:childTnLst>
+                              <p:par>
+                                <p:cTn id="35" presetID="2" presetClass="entr" presetSubtype="9" fill="hold" grpId="0" nodeType="clickEffect">
+                                  <p:stCondLst>
+                                    <p:cond delay="0"/>
+                                  </p:stCondLst>
+                                  <p:childTnLst>
+                                    <p:set>
+                                      <p:cBhvr>
+                                        <p:cTn id="36" dur="1" fill="hold">
+                                          <p:stCondLst>
+                                            <p:cond delay="0"/>
+                                          </p:stCondLst>
+                                        </p:cTn>
+                                        <p:tgtEl>
+                                          <p:spTgt spid="12"/>
+                                        </p:tgtEl>
+                                        <p:attrNameLst>
+                                          <p:attrName>style.visibility</p:attrName>
+                                        </p:attrNameLst>
+                                      </p:cBhvr>
+                                      <p:to>
+                                        <p:strVal val="visible"/>
+                                      </p:to>
+                                    </p:set>
+                                    <p:anim calcmode="lin" valueType="num">
+                                      <p:cBhvr additive="base">
+                                        <p:cTn id="37" dur="500" fill="hold"/>
+                                        <p:tgtEl>
+                                          <p:spTgt spid="12"/>
+                                        </p:tgtEl>
+                                        <p:attrNameLst>
+                                          <p:attrName>ppt_x</p:attrName>
+                                        </p:attrNameLst>
+                                      </p:cBhvr>
+                                      <p:tavLst>
+                                        <p:tav tm="0">
+                                          <p:val>
+                                            <p:strVal val="0-#ppt_w/2"/>
+                                          </p:val>
+                                        </p:tav>
+                                        <p:tav tm="100000">
+                                          <p:val>
+                                            <p:strVal val="#ppt_x"/>
+                                          </p:val>
+                                        </p:tav>
+                                      </p:tavLst>
+                                    </p:anim>
+                                    <p:anim calcmode="lin" valueType="num">
+                                      <p:cBhvr additive="base">
+                                        <p:cTn id="38" dur="500" fill="hold"/>
+                                        <p:tgtEl>
+                                          <p:spTgt spid="12"/>
+                                        </p:tgtEl>
+                                        <p:attrNameLst>
+                                          <p:attrName>ppt_y</p:attrName>
+                                        </p:attrNameLst>
+                                      </p:cBhvr>
+                                      <p:tavLst>
+                                        <p:tav tm="0">
+                                          <p:val>
+                                            <p:strVal val="0-#ppt_h/2"/>
+                                          </p:val>
+                                        </p:tav>
+                                        <p:tav tm="100000">
+                                          <p:val>
+                                            <p:strVal val="#ppt_y"/>
+                                          </p:val>
+                                        </p:tav>
+                                      </p:tavLst>
+                                    </p:anim>
+                                  </p:childTnLst>
+                                </p:cTn>
+                              </p:par>
+                              <p:par>
+                                <p:cTn id="39" presetID="2" presetClass="entr" presetSubtype="2" fill="hold" grpId="0" nodeType="withEffect">
+                                  <p:stCondLst>
+                                    <p:cond delay="0"/>
+                                  </p:stCondLst>
+                                  <p:childTnLst>
+                                    <p:set>
+                                      <p:cBhvr>
+                                        <p:cTn id="40" dur="1" fill="hold">
+                                          <p:stCondLst>
+                                            <p:cond delay="0"/>
+                                          </p:stCondLst>
+                                        </p:cTn>
+                                        <p:tgtEl>
+                                          <p:spTgt spid="6"/>
+                                        </p:tgtEl>
+                                        <p:attrNameLst>
+                                          <p:attrName>style.visibility</p:attrName>
+                                        </p:attrNameLst>
+                                      </p:cBhvr>
+                                      <p:to>
+                                        <p:strVal val="visible"/>
+                                      </p:to>
+                                    </p:set>
+                                    <p:anim calcmode="lin" valueType="num">
+                                      <p:cBhvr additive="base">
+                                        <p:cTn id="41" dur="500" fill="hold"/>
+                                        <p:tgtEl>
+                                          <p:spTgt spid="6"/>
+                                        </p:tgtEl>
+                                        <p:attrNameLst>
+                                          <p:attrName>ppt_x</p:attrName>
+                                        </p:attrNameLst>
+                                      </p:cBhvr>
+                                      <p:tavLst>
+                                        <p:tav tm="0">
+                                          <p:val>
+                                            <p:strVal val="1+#ppt_w/2"/>
+                                          </p:val>
+                                        </p:tav>
+                                        <p:tav tm="100000">
+                                          <p:val>
+                                            <p:strVal val="#ppt_x"/>
+                                          </p:val>
+                                        </p:tav>
+                                      </p:tavLst>
+                                    </p:anim>
+                                    <p:anim calcmode="lin" valueType="num">
+                                      <p:cBhvr additive="base">
+                                        <p:cTn id="42" dur="500" fill="hold"/>
+                                        <p:tgtEl>
+                                          <p:spTgt spid="6"/>
+                                        </p:tgtEl>
+                                        <p:attrNameLst>
+                                          <p:attrName>ppt_y</p:attrName>
+                                        </p:attrNameLst>
+                                      </p:cBhvr>
+                                      <p:tavLst>
+                                        <p:tav tm="0">
+                                          <p:val>
+                                            <p:strVal val="#ppt_y"/>
+                                          </p:val>
+                                        </p:tav>
+                                        <p:tav tm="100000">
+                                          <p:val>
+                                            <p:strVal val="#ppt_y"/>
+                                          </p:val>
+                                        </p:tav>
+                                      </p:tavLst>
+                                    </p:anim>
+                                  </p:childTnLst>
+                                </p:cTn>
+                              </p:par>
+                            </p:childTnLst>
+                          </p:cTn>
+                        </p:par>
+                      </p:childTnLst>
+                    </p:cTn>
+                  </p:par>
+                </p:childTnLst>
+              </p:cTn>
+              <p:prevCondLst>
+                <p:cond evt="onPrev" delay="0">
+                  <p:tgtEl>
+                    <p:sldTgt/>
+                  </p:tgtEl>
+                </p:cond>
+              </p:prevCondLst>
+              <p:nextCondLst>
+                <p:cond evt="onNext" delay="0">
+                  <p:tgtEl>
+                    <p:sldTgt/>
+                  </p:tgtEl>
+                </p:cond>
+              </p:nextCondLst>
+            </p:seq>
+          </p:childTnLst>
+        </p:cTn>
+      </p:par>
+    </p:tnLst>
+    <p:bldLst>
+      <p:bldP spid="4" grpId="0" animBg="1"/>
+      <p:bldP spid="5" grpId="0"/>
+      <p:bldP spid="6" grpId="0"/>
+      <p:bldP spid="7" grpId="0"/>
+      <p:bldP spid="10" grpId="0" animBg="1"/>
+      <p:bldP spid="11" grpId="0" animBg="1"/>
+      <p:bldP spid="12" grpId="0" animBg="1"/>
+      <p:bldP spid="13" grpId="0"/>
+    </p:bldLst>
+  </p:timing>
 </p:sld>
 </file>
 
@@ -15538,7 +16916,7 @@
           <p:cNvPr id="4" name="Freccia a sinistra 3">
             <a:extLst>
               <a:ext uri="{FF2B5EF4-FFF2-40B4-BE49-F238E27FC236}">
-                <a16:creationId xmlns:a16="http://schemas.microsoft.com/office/drawing/2014/main" id="{52AAD68B-C27E-4FFA-9271-129D6C7B0C9E}"/>
+                <a16:creationId xmlns:a16="http://schemas.microsoft.com/office/drawing/2014/main" xmlns="" id="{52AAD68B-C27E-4FFA-9271-129D6C7B0C9E}"/>
               </a:ext>
             </a:extLst>
           </p:cNvPr>
@@ -15590,7 +16968,7 @@
           <p:cNvPr id="5" name="Segnaposto contenuto 2">
             <a:extLst>
               <a:ext uri="{FF2B5EF4-FFF2-40B4-BE49-F238E27FC236}">
-                <a16:creationId xmlns:a16="http://schemas.microsoft.com/office/drawing/2014/main" id="{A2F20AAD-39E9-48BB-9E24-A3B662A0B11F}"/>
+                <a16:creationId xmlns:a16="http://schemas.microsoft.com/office/drawing/2014/main" xmlns="" id="{A2F20AAD-39E9-48BB-9E24-A3B662A0B11F}"/>
               </a:ext>
             </a:extLst>
           </p:cNvPr>
@@ -15778,7 +17156,7 @@
           <p:cNvPr id="14" name="Freccia a sinistra 13">
             <a:extLst>
               <a:ext uri="{FF2B5EF4-FFF2-40B4-BE49-F238E27FC236}">
-                <a16:creationId xmlns:a16="http://schemas.microsoft.com/office/drawing/2014/main" id="{C6799C66-25D1-4FDC-A2B4-77A59FA57C85}"/>
+                <a16:creationId xmlns:a16="http://schemas.microsoft.com/office/drawing/2014/main" xmlns="" id="{C6799C66-25D1-4FDC-A2B4-77A59FA57C85}"/>
               </a:ext>
             </a:extLst>
           </p:cNvPr>
@@ -15830,7 +17208,7 @@
           <p:cNvPr id="15" name="Segnaposto contenuto 2">
             <a:extLst>
               <a:ext uri="{FF2B5EF4-FFF2-40B4-BE49-F238E27FC236}">
-                <a16:creationId xmlns:a16="http://schemas.microsoft.com/office/drawing/2014/main" id="{40D43C98-CF30-4320-8A33-D0F8DC91FE35}"/>
+                <a16:creationId xmlns:a16="http://schemas.microsoft.com/office/drawing/2014/main" xmlns="" id="{40D43C98-CF30-4320-8A33-D0F8DC91FE35}"/>
               </a:ext>
             </a:extLst>
           </p:cNvPr>
@@ -16016,6 +17394,370 @@
   <p:clrMapOvr>
     <a:masterClrMapping/>
   </p:clrMapOvr>
+  <p:timing>
+    <p:tnLst>
+      <p:par>
+        <p:cTn id="1" dur="indefinite" restart="never" nodeType="tmRoot">
+          <p:childTnLst>
+            <p:seq concurrent="1" nextAc="seek">
+              <p:cTn id="2" dur="indefinite" nodeType="mainSeq">
+                <p:childTnLst>
+                  <p:par>
+                    <p:cTn id="3" fill="hold">
+                      <p:stCondLst>
+                        <p:cond delay="indefinite"/>
+                      </p:stCondLst>
+                      <p:childTnLst>
+                        <p:par>
+                          <p:cTn id="4" fill="hold">
+                            <p:stCondLst>
+                              <p:cond delay="0"/>
+                            </p:stCondLst>
+                            <p:childTnLst>
+                              <p:par>
+                                <p:cTn id="5" presetID="2" presetClass="entr" presetSubtype="8" fill="hold" grpId="0" nodeType="clickEffect">
+                                  <p:stCondLst>
+                                    <p:cond delay="0"/>
+                                  </p:stCondLst>
+                                  <p:childTnLst>
+                                    <p:set>
+                                      <p:cBhvr>
+                                        <p:cTn id="6" dur="1" fill="hold">
+                                          <p:stCondLst>
+                                            <p:cond delay="0"/>
+                                          </p:stCondLst>
+                                        </p:cTn>
+                                        <p:tgtEl>
+                                          <p:spTgt spid="14"/>
+                                        </p:tgtEl>
+                                        <p:attrNameLst>
+                                          <p:attrName>style.visibility</p:attrName>
+                                        </p:attrNameLst>
+                                      </p:cBhvr>
+                                      <p:to>
+                                        <p:strVal val="visible"/>
+                                      </p:to>
+                                    </p:set>
+                                    <p:anim calcmode="lin" valueType="num">
+                                      <p:cBhvr additive="base">
+                                        <p:cTn id="7" dur="500" fill="hold"/>
+                                        <p:tgtEl>
+                                          <p:spTgt spid="14"/>
+                                        </p:tgtEl>
+                                        <p:attrNameLst>
+                                          <p:attrName>ppt_x</p:attrName>
+                                        </p:attrNameLst>
+                                      </p:cBhvr>
+                                      <p:tavLst>
+                                        <p:tav tm="0">
+                                          <p:val>
+                                            <p:strVal val="0-#ppt_w/2"/>
+                                          </p:val>
+                                        </p:tav>
+                                        <p:tav tm="100000">
+                                          <p:val>
+                                            <p:strVal val="#ppt_x"/>
+                                          </p:val>
+                                        </p:tav>
+                                      </p:tavLst>
+                                    </p:anim>
+                                    <p:anim calcmode="lin" valueType="num">
+                                      <p:cBhvr additive="base">
+                                        <p:cTn id="8" dur="500" fill="hold"/>
+                                        <p:tgtEl>
+                                          <p:spTgt spid="14"/>
+                                        </p:tgtEl>
+                                        <p:attrNameLst>
+                                          <p:attrName>ppt_y</p:attrName>
+                                        </p:attrNameLst>
+                                      </p:cBhvr>
+                                      <p:tavLst>
+                                        <p:tav tm="0">
+                                          <p:val>
+                                            <p:strVal val="#ppt_y"/>
+                                          </p:val>
+                                        </p:tav>
+                                        <p:tav tm="100000">
+                                          <p:val>
+                                            <p:strVal val="#ppt_y"/>
+                                          </p:val>
+                                        </p:tav>
+                                      </p:tavLst>
+                                    </p:anim>
+                                  </p:childTnLst>
+                                </p:cTn>
+                              </p:par>
+                              <p:par>
+                                <p:cTn id="9" presetID="2" presetClass="entr" presetSubtype="2" fill="hold" grpId="0" nodeType="withEffect">
+                                  <p:stCondLst>
+                                    <p:cond delay="0"/>
+                                  </p:stCondLst>
+                                  <p:childTnLst>
+                                    <p:set>
+                                      <p:cBhvr>
+                                        <p:cTn id="10" dur="1" fill="hold">
+                                          <p:stCondLst>
+                                            <p:cond delay="0"/>
+                                          </p:stCondLst>
+                                        </p:cTn>
+                                        <p:tgtEl>
+                                          <p:spTgt spid="15"/>
+                                        </p:tgtEl>
+                                        <p:attrNameLst>
+                                          <p:attrName>style.visibility</p:attrName>
+                                        </p:attrNameLst>
+                                      </p:cBhvr>
+                                      <p:to>
+                                        <p:strVal val="visible"/>
+                                      </p:to>
+                                    </p:set>
+                                    <p:anim calcmode="lin" valueType="num">
+                                      <p:cBhvr additive="base">
+                                        <p:cTn id="11" dur="500" fill="hold"/>
+                                        <p:tgtEl>
+                                          <p:spTgt spid="15"/>
+                                        </p:tgtEl>
+                                        <p:attrNameLst>
+                                          <p:attrName>ppt_x</p:attrName>
+                                        </p:attrNameLst>
+                                      </p:cBhvr>
+                                      <p:tavLst>
+                                        <p:tav tm="0">
+                                          <p:val>
+                                            <p:strVal val="1+#ppt_w/2"/>
+                                          </p:val>
+                                        </p:tav>
+                                        <p:tav tm="100000">
+                                          <p:val>
+                                            <p:strVal val="#ppt_x"/>
+                                          </p:val>
+                                        </p:tav>
+                                      </p:tavLst>
+                                    </p:anim>
+                                    <p:anim calcmode="lin" valueType="num">
+                                      <p:cBhvr additive="base">
+                                        <p:cTn id="12" dur="500" fill="hold"/>
+                                        <p:tgtEl>
+                                          <p:spTgt spid="15"/>
+                                        </p:tgtEl>
+                                        <p:attrNameLst>
+                                          <p:attrName>ppt_y</p:attrName>
+                                        </p:attrNameLst>
+                                      </p:cBhvr>
+                                      <p:tavLst>
+                                        <p:tav tm="0">
+                                          <p:val>
+                                            <p:strVal val="#ppt_y"/>
+                                          </p:val>
+                                        </p:tav>
+                                        <p:tav tm="100000">
+                                          <p:val>
+                                            <p:strVal val="#ppt_y"/>
+                                          </p:val>
+                                        </p:tav>
+                                      </p:tavLst>
+                                    </p:anim>
+                                  </p:childTnLst>
+                                </p:cTn>
+                              </p:par>
+                            </p:childTnLst>
+                          </p:cTn>
+                        </p:par>
+                      </p:childTnLst>
+                    </p:cTn>
+                  </p:par>
+                  <p:par>
+                    <p:cTn id="13" fill="hold">
+                      <p:stCondLst>
+                        <p:cond delay="indefinite"/>
+                      </p:stCondLst>
+                      <p:childTnLst>
+                        <p:par>
+                          <p:cTn id="14" fill="hold">
+                            <p:stCondLst>
+                              <p:cond delay="0"/>
+                            </p:stCondLst>
+                            <p:childTnLst>
+                              <p:par>
+                                <p:cTn id="15" presetID="2" presetClass="entr" presetSubtype="1" fill="hold" grpId="0" nodeType="clickEffect">
+                                  <p:stCondLst>
+                                    <p:cond delay="0"/>
+                                  </p:stCondLst>
+                                  <p:childTnLst>
+                                    <p:set>
+                                      <p:cBhvr>
+                                        <p:cTn id="16" dur="1" fill="hold">
+                                          <p:stCondLst>
+                                            <p:cond delay="0"/>
+                                          </p:stCondLst>
+                                        </p:cTn>
+                                        <p:tgtEl>
+                                          <p:spTgt spid="4"/>
+                                        </p:tgtEl>
+                                        <p:attrNameLst>
+                                          <p:attrName>style.visibility</p:attrName>
+                                        </p:attrNameLst>
+                                      </p:cBhvr>
+                                      <p:to>
+                                        <p:strVal val="visible"/>
+                                      </p:to>
+                                    </p:set>
+                                    <p:anim calcmode="lin" valueType="num">
+                                      <p:cBhvr additive="base">
+                                        <p:cTn id="17" dur="500" fill="hold"/>
+                                        <p:tgtEl>
+                                          <p:spTgt spid="4"/>
+                                        </p:tgtEl>
+                                        <p:attrNameLst>
+                                          <p:attrName>ppt_x</p:attrName>
+                                        </p:attrNameLst>
+                                      </p:cBhvr>
+                                      <p:tavLst>
+                                        <p:tav tm="0">
+                                          <p:val>
+                                            <p:strVal val="#ppt_x"/>
+                                          </p:val>
+                                        </p:tav>
+                                        <p:tav tm="100000">
+                                          <p:val>
+                                            <p:strVal val="#ppt_x"/>
+                                          </p:val>
+                                        </p:tav>
+                                      </p:tavLst>
+                                    </p:anim>
+                                    <p:anim calcmode="lin" valueType="num">
+                                      <p:cBhvr additive="base">
+                                        <p:cTn id="18" dur="500" fill="hold"/>
+                                        <p:tgtEl>
+                                          <p:spTgt spid="4"/>
+                                        </p:tgtEl>
+                                        <p:attrNameLst>
+                                          <p:attrName>ppt_y</p:attrName>
+                                        </p:attrNameLst>
+                                      </p:cBhvr>
+                                      <p:tavLst>
+                                        <p:tav tm="0">
+                                          <p:val>
+                                            <p:strVal val="0-#ppt_h/2"/>
+                                          </p:val>
+                                        </p:tav>
+                                        <p:tav tm="100000">
+                                          <p:val>
+                                            <p:strVal val="#ppt_y"/>
+                                          </p:val>
+                                        </p:tav>
+                                      </p:tavLst>
+                                    </p:anim>
+                                  </p:childTnLst>
+                                </p:cTn>
+                              </p:par>
+                              <p:par>
+                                <p:cTn id="19" presetID="2" presetClass="entr" presetSubtype="4" fill="hold" grpId="0" nodeType="withEffect">
+                                  <p:stCondLst>
+                                    <p:cond delay="0"/>
+                                  </p:stCondLst>
+                                  <p:childTnLst>
+                                    <p:set>
+                                      <p:cBhvr>
+                                        <p:cTn id="20" dur="1" fill="hold">
+                                          <p:stCondLst>
+                                            <p:cond delay="0"/>
+                                          </p:stCondLst>
+                                        </p:cTn>
+                                        <p:tgtEl>
+                                          <p:spTgt spid="5"/>
+                                        </p:tgtEl>
+                                        <p:attrNameLst>
+                                          <p:attrName>style.visibility</p:attrName>
+                                        </p:attrNameLst>
+                                      </p:cBhvr>
+                                      <p:to>
+                                        <p:strVal val="visible"/>
+                                      </p:to>
+                                    </p:set>
+                                    <p:anim calcmode="lin" valueType="num">
+                                      <p:cBhvr additive="base">
+                                        <p:cTn id="21" dur="500" fill="hold"/>
+                                        <p:tgtEl>
+                                          <p:spTgt spid="5"/>
+                                        </p:tgtEl>
+                                        <p:attrNameLst>
+                                          <p:attrName>ppt_x</p:attrName>
+                                        </p:attrNameLst>
+                                      </p:cBhvr>
+                                      <p:tavLst>
+                                        <p:tav tm="0">
+                                          <p:val>
+                                            <p:strVal val="#ppt_x"/>
+                                          </p:val>
+                                        </p:tav>
+                                        <p:tav tm="100000">
+                                          <p:val>
+                                            <p:strVal val="#ppt_x"/>
+                                          </p:val>
+                                        </p:tav>
+                                      </p:tavLst>
+                                    </p:anim>
+                                    <p:anim calcmode="lin" valueType="num">
+                                      <p:cBhvr additive="base">
+                                        <p:cTn id="22" dur="500" fill="hold"/>
+                                        <p:tgtEl>
+                                          <p:spTgt spid="5"/>
+                                        </p:tgtEl>
+                                        <p:attrNameLst>
+                                          <p:attrName>ppt_y</p:attrName>
+                                        </p:attrNameLst>
+                                      </p:cBhvr>
+                                      <p:tavLst>
+                                        <p:tav tm="0">
+                                          <p:val>
+                                            <p:strVal val="1+#ppt_h/2"/>
+                                          </p:val>
+                                        </p:tav>
+                                        <p:tav tm="100000">
+                                          <p:val>
+                                            <p:strVal val="#ppt_y"/>
+                                          </p:val>
+                                        </p:tav>
+                                      </p:tavLst>
+                                    </p:anim>
+                                  </p:childTnLst>
+                                </p:cTn>
+                              </p:par>
+                            </p:childTnLst>
+                          </p:cTn>
+                        </p:par>
+                      </p:childTnLst>
+                    </p:cTn>
+                  </p:par>
+                </p:childTnLst>
+              </p:cTn>
+              <p:prevCondLst>
+                <p:cond evt="onPrev" delay="0">
+                  <p:tgtEl>
+                    <p:sldTgt/>
+                  </p:tgtEl>
+                </p:cond>
+              </p:prevCondLst>
+              <p:nextCondLst>
+                <p:cond evt="onNext" delay="0">
+                  <p:tgtEl>
+                    <p:sldTgt/>
+                  </p:tgtEl>
+                </p:cond>
+              </p:nextCondLst>
+            </p:seq>
+          </p:childTnLst>
+        </p:cTn>
+      </p:par>
+    </p:tnLst>
+    <p:bldLst>
+      <p:bldP spid="4" grpId="0" animBg="1"/>
+      <p:bldP spid="5" grpId="0"/>
+      <p:bldP spid="14" grpId="0" animBg="1"/>
+      <p:bldP spid="15" grpId="0" animBg="1"/>
+    </p:bldLst>
+  </p:timing>
 </p:sld>
 </file>
 
@@ -16160,6 +17902,13 @@
   <p:clrMapOvr>
     <a:masterClrMapping/>
   </p:clrMapOvr>
+  <p:timing>
+    <p:tnLst>
+      <p:par>
+        <p:cTn id="1" dur="indefinite" restart="never" nodeType="tmRoot"/>
+      </p:par>
+    </p:tnLst>
+  </p:timing>
 </p:sld>
 </file>
 
@@ -16257,7 +18006,7 @@
           <p:cNvPr id="4" name="Freccia a sinistra 3">
             <a:extLst>
               <a:ext uri="{FF2B5EF4-FFF2-40B4-BE49-F238E27FC236}">
-                <a16:creationId xmlns:a16="http://schemas.microsoft.com/office/drawing/2014/main" id="{52AAD68B-C27E-4FFA-9271-129D6C7B0C9E}"/>
+                <a16:creationId xmlns:a16="http://schemas.microsoft.com/office/drawing/2014/main" xmlns="" id="{52AAD68B-C27E-4FFA-9271-129D6C7B0C9E}"/>
               </a:ext>
             </a:extLst>
           </p:cNvPr>
@@ -16309,7 +18058,7 @@
           <p:cNvPr id="5" name="Segnaposto contenuto 2">
             <a:extLst>
               <a:ext uri="{FF2B5EF4-FFF2-40B4-BE49-F238E27FC236}">
-                <a16:creationId xmlns:a16="http://schemas.microsoft.com/office/drawing/2014/main" id="{A2F20AAD-39E9-48BB-9E24-A3B662A0B11F}"/>
+                <a16:creationId xmlns:a16="http://schemas.microsoft.com/office/drawing/2014/main" xmlns="" id="{A2F20AAD-39E9-48BB-9E24-A3B662A0B11F}"/>
               </a:ext>
             </a:extLst>
           </p:cNvPr>
@@ -16493,7 +18242,7 @@
           <p:cNvPr id="16" name="Freccia a sinistra 15">
             <a:extLst>
               <a:ext uri="{FF2B5EF4-FFF2-40B4-BE49-F238E27FC236}">
-                <a16:creationId xmlns:a16="http://schemas.microsoft.com/office/drawing/2014/main" id="{8502FCEF-2C24-4650-A921-0C7108C2B8FB}"/>
+                <a16:creationId xmlns:a16="http://schemas.microsoft.com/office/drawing/2014/main" xmlns="" id="{8502FCEF-2C24-4650-A921-0C7108C2B8FB}"/>
               </a:ext>
             </a:extLst>
           </p:cNvPr>
@@ -16545,7 +18294,7 @@
           <p:cNvPr id="17" name="Freccia a sinistra 16">
             <a:extLst>
               <a:ext uri="{FF2B5EF4-FFF2-40B4-BE49-F238E27FC236}">
-                <a16:creationId xmlns:a16="http://schemas.microsoft.com/office/drawing/2014/main" id="{6C068BFB-0AF3-4820-A2FF-7F02C6A940D0}"/>
+                <a16:creationId xmlns:a16="http://schemas.microsoft.com/office/drawing/2014/main" xmlns="" id="{6C068BFB-0AF3-4820-A2FF-7F02C6A940D0}"/>
               </a:ext>
             </a:extLst>
           </p:cNvPr>
@@ -16554,7 +18303,7 @@
         </p:nvSpPr>
         <p:spPr>
           <a:xfrm rot="11930903">
-            <a:off x="3682678" y="3495278"/>
+            <a:off x="3682678" y="3493765"/>
             <a:ext cx="861512" cy="288033"/>
           </a:xfrm>
           <a:prstGeom prst="leftArrow">
@@ -16594,7 +18343,7 @@
           <p:cNvPr id="18" name="Segnaposto contenuto 2">
             <a:extLst>
               <a:ext uri="{FF2B5EF4-FFF2-40B4-BE49-F238E27FC236}">
-                <a16:creationId xmlns:a16="http://schemas.microsoft.com/office/drawing/2014/main" id="{FA988C52-EE1B-433A-9585-DF13F09BFFF9}"/>
+                <a16:creationId xmlns:a16="http://schemas.microsoft.com/office/drawing/2014/main" xmlns="" id="{FA988C52-EE1B-433A-9585-DF13F09BFFF9}"/>
               </a:ext>
             </a:extLst>
           </p:cNvPr>
@@ -16774,7 +18523,7 @@
           <p:cNvPr id="19" name="Segnaposto contenuto 2">
             <a:extLst>
               <a:ext uri="{FF2B5EF4-FFF2-40B4-BE49-F238E27FC236}">
-                <a16:creationId xmlns:a16="http://schemas.microsoft.com/office/drawing/2014/main" id="{A1A5938C-0587-4480-B804-562F15190190}"/>
+                <a16:creationId xmlns:a16="http://schemas.microsoft.com/office/drawing/2014/main" xmlns="" id="{A1A5938C-0587-4480-B804-562F15190190}"/>
               </a:ext>
             </a:extLst>
           </p:cNvPr>
@@ -16968,6 +18717,536 @@
   <p:clrMapOvr>
     <a:masterClrMapping/>
   </p:clrMapOvr>
+  <p:timing>
+    <p:tnLst>
+      <p:par>
+        <p:cTn id="1" dur="indefinite" restart="never" nodeType="tmRoot">
+          <p:childTnLst>
+            <p:seq concurrent="1" nextAc="seek">
+              <p:cTn id="2" dur="indefinite" nodeType="mainSeq">
+                <p:childTnLst>
+                  <p:par>
+                    <p:cTn id="3" fill="hold">
+                      <p:stCondLst>
+                        <p:cond delay="indefinite"/>
+                      </p:stCondLst>
+                      <p:childTnLst>
+                        <p:par>
+                          <p:cTn id="4" fill="hold">
+                            <p:stCondLst>
+                              <p:cond delay="0"/>
+                            </p:stCondLst>
+                            <p:childTnLst>
+                              <p:par>
+                                <p:cTn id="5" presetID="2" presetClass="entr" presetSubtype="1" fill="hold" grpId="0" nodeType="clickEffect">
+                                  <p:stCondLst>
+                                    <p:cond delay="0"/>
+                                  </p:stCondLst>
+                                  <p:childTnLst>
+                                    <p:set>
+                                      <p:cBhvr>
+                                        <p:cTn id="6" dur="1" fill="hold">
+                                          <p:stCondLst>
+                                            <p:cond delay="0"/>
+                                          </p:stCondLst>
+                                        </p:cTn>
+                                        <p:tgtEl>
+                                          <p:spTgt spid="4"/>
+                                        </p:tgtEl>
+                                        <p:attrNameLst>
+                                          <p:attrName>style.visibility</p:attrName>
+                                        </p:attrNameLst>
+                                      </p:cBhvr>
+                                      <p:to>
+                                        <p:strVal val="visible"/>
+                                      </p:to>
+                                    </p:set>
+                                    <p:anim calcmode="lin" valueType="num">
+                                      <p:cBhvr additive="base">
+                                        <p:cTn id="7" dur="500" fill="hold"/>
+                                        <p:tgtEl>
+                                          <p:spTgt spid="4"/>
+                                        </p:tgtEl>
+                                        <p:attrNameLst>
+                                          <p:attrName>ppt_x</p:attrName>
+                                        </p:attrNameLst>
+                                      </p:cBhvr>
+                                      <p:tavLst>
+                                        <p:tav tm="0">
+                                          <p:val>
+                                            <p:strVal val="#ppt_x"/>
+                                          </p:val>
+                                        </p:tav>
+                                        <p:tav tm="100000">
+                                          <p:val>
+                                            <p:strVal val="#ppt_x"/>
+                                          </p:val>
+                                        </p:tav>
+                                      </p:tavLst>
+                                    </p:anim>
+                                    <p:anim calcmode="lin" valueType="num">
+                                      <p:cBhvr additive="base">
+                                        <p:cTn id="8" dur="500" fill="hold"/>
+                                        <p:tgtEl>
+                                          <p:spTgt spid="4"/>
+                                        </p:tgtEl>
+                                        <p:attrNameLst>
+                                          <p:attrName>ppt_y</p:attrName>
+                                        </p:attrNameLst>
+                                      </p:cBhvr>
+                                      <p:tavLst>
+                                        <p:tav tm="0">
+                                          <p:val>
+                                            <p:strVal val="0-#ppt_h/2"/>
+                                          </p:val>
+                                        </p:tav>
+                                        <p:tav tm="100000">
+                                          <p:val>
+                                            <p:strVal val="#ppt_y"/>
+                                          </p:val>
+                                        </p:tav>
+                                      </p:tavLst>
+                                    </p:anim>
+                                  </p:childTnLst>
+                                </p:cTn>
+                              </p:par>
+                              <p:par>
+                                <p:cTn id="9" presetID="2" presetClass="entr" presetSubtype="4" fill="hold" grpId="0" nodeType="withEffect">
+                                  <p:stCondLst>
+                                    <p:cond delay="0"/>
+                                  </p:stCondLst>
+                                  <p:childTnLst>
+                                    <p:set>
+                                      <p:cBhvr>
+                                        <p:cTn id="10" dur="1" fill="hold">
+                                          <p:stCondLst>
+                                            <p:cond delay="0"/>
+                                          </p:stCondLst>
+                                        </p:cTn>
+                                        <p:tgtEl>
+                                          <p:spTgt spid="5"/>
+                                        </p:tgtEl>
+                                        <p:attrNameLst>
+                                          <p:attrName>style.visibility</p:attrName>
+                                        </p:attrNameLst>
+                                      </p:cBhvr>
+                                      <p:to>
+                                        <p:strVal val="visible"/>
+                                      </p:to>
+                                    </p:set>
+                                    <p:anim calcmode="lin" valueType="num">
+                                      <p:cBhvr additive="base">
+                                        <p:cTn id="11" dur="500" fill="hold"/>
+                                        <p:tgtEl>
+                                          <p:spTgt spid="5"/>
+                                        </p:tgtEl>
+                                        <p:attrNameLst>
+                                          <p:attrName>ppt_x</p:attrName>
+                                        </p:attrNameLst>
+                                      </p:cBhvr>
+                                      <p:tavLst>
+                                        <p:tav tm="0">
+                                          <p:val>
+                                            <p:strVal val="#ppt_x"/>
+                                          </p:val>
+                                        </p:tav>
+                                        <p:tav tm="100000">
+                                          <p:val>
+                                            <p:strVal val="#ppt_x"/>
+                                          </p:val>
+                                        </p:tav>
+                                      </p:tavLst>
+                                    </p:anim>
+                                    <p:anim calcmode="lin" valueType="num">
+                                      <p:cBhvr additive="base">
+                                        <p:cTn id="12" dur="500" fill="hold"/>
+                                        <p:tgtEl>
+                                          <p:spTgt spid="5"/>
+                                        </p:tgtEl>
+                                        <p:attrNameLst>
+                                          <p:attrName>ppt_y</p:attrName>
+                                        </p:attrNameLst>
+                                      </p:cBhvr>
+                                      <p:tavLst>
+                                        <p:tav tm="0">
+                                          <p:val>
+                                            <p:strVal val="1+#ppt_h/2"/>
+                                          </p:val>
+                                        </p:tav>
+                                        <p:tav tm="100000">
+                                          <p:val>
+                                            <p:strVal val="#ppt_y"/>
+                                          </p:val>
+                                        </p:tav>
+                                      </p:tavLst>
+                                    </p:anim>
+                                  </p:childTnLst>
+                                </p:cTn>
+                              </p:par>
+                            </p:childTnLst>
+                          </p:cTn>
+                        </p:par>
+                      </p:childTnLst>
+                    </p:cTn>
+                  </p:par>
+                  <p:par>
+                    <p:cTn id="13" fill="hold">
+                      <p:stCondLst>
+                        <p:cond delay="indefinite"/>
+                      </p:stCondLst>
+                      <p:childTnLst>
+                        <p:par>
+                          <p:cTn id="14" fill="hold">
+                            <p:stCondLst>
+                              <p:cond delay="0"/>
+                            </p:stCondLst>
+                            <p:childTnLst>
+                              <p:par>
+                                <p:cTn id="15" presetID="2" presetClass="entr" presetSubtype="12" fill="hold" grpId="0" nodeType="clickEffect">
+                                  <p:stCondLst>
+                                    <p:cond delay="0"/>
+                                  </p:stCondLst>
+                                  <p:childTnLst>
+                                    <p:set>
+                                      <p:cBhvr>
+                                        <p:cTn id="16" dur="1" fill="hold">
+                                          <p:stCondLst>
+                                            <p:cond delay="0"/>
+                                          </p:stCondLst>
+                                        </p:cTn>
+                                        <p:tgtEl>
+                                          <p:spTgt spid="16"/>
+                                        </p:tgtEl>
+                                        <p:attrNameLst>
+                                          <p:attrName>style.visibility</p:attrName>
+                                        </p:attrNameLst>
+                                      </p:cBhvr>
+                                      <p:to>
+                                        <p:strVal val="visible"/>
+                                      </p:to>
+                                    </p:set>
+                                    <p:anim calcmode="lin" valueType="num">
+                                      <p:cBhvr additive="base">
+                                        <p:cTn id="17" dur="500" fill="hold"/>
+                                        <p:tgtEl>
+                                          <p:spTgt spid="16"/>
+                                        </p:tgtEl>
+                                        <p:attrNameLst>
+                                          <p:attrName>ppt_x</p:attrName>
+                                        </p:attrNameLst>
+                                      </p:cBhvr>
+                                      <p:tavLst>
+                                        <p:tav tm="0">
+                                          <p:val>
+                                            <p:strVal val="0-#ppt_w/2"/>
+                                          </p:val>
+                                        </p:tav>
+                                        <p:tav tm="100000">
+                                          <p:val>
+                                            <p:strVal val="#ppt_x"/>
+                                          </p:val>
+                                        </p:tav>
+                                      </p:tavLst>
+                                    </p:anim>
+                                    <p:anim calcmode="lin" valueType="num">
+                                      <p:cBhvr additive="base">
+                                        <p:cTn id="18" dur="500" fill="hold"/>
+                                        <p:tgtEl>
+                                          <p:spTgt spid="16"/>
+                                        </p:tgtEl>
+                                        <p:attrNameLst>
+                                          <p:attrName>ppt_y</p:attrName>
+                                        </p:attrNameLst>
+                                      </p:cBhvr>
+                                      <p:tavLst>
+                                        <p:tav tm="0">
+                                          <p:val>
+                                            <p:strVal val="1+#ppt_h/2"/>
+                                          </p:val>
+                                        </p:tav>
+                                        <p:tav tm="100000">
+                                          <p:val>
+                                            <p:strVal val="#ppt_y"/>
+                                          </p:val>
+                                        </p:tav>
+                                      </p:tavLst>
+                                    </p:anim>
+                                  </p:childTnLst>
+                                </p:cTn>
+                              </p:par>
+                              <p:par>
+                                <p:cTn id="19" presetID="2" presetClass="entr" presetSubtype="2" fill="hold" grpId="0" nodeType="withEffect">
+                                  <p:stCondLst>
+                                    <p:cond delay="0"/>
+                                  </p:stCondLst>
+                                  <p:childTnLst>
+                                    <p:set>
+                                      <p:cBhvr>
+                                        <p:cTn id="20" dur="1" fill="hold">
+                                          <p:stCondLst>
+                                            <p:cond delay="0"/>
+                                          </p:stCondLst>
+                                        </p:cTn>
+                                        <p:tgtEl>
+                                          <p:spTgt spid="19"/>
+                                        </p:tgtEl>
+                                        <p:attrNameLst>
+                                          <p:attrName>style.visibility</p:attrName>
+                                        </p:attrNameLst>
+                                      </p:cBhvr>
+                                      <p:to>
+                                        <p:strVal val="visible"/>
+                                      </p:to>
+                                    </p:set>
+                                    <p:anim calcmode="lin" valueType="num">
+                                      <p:cBhvr additive="base">
+                                        <p:cTn id="21" dur="500" fill="hold"/>
+                                        <p:tgtEl>
+                                          <p:spTgt spid="19"/>
+                                        </p:tgtEl>
+                                        <p:attrNameLst>
+                                          <p:attrName>ppt_x</p:attrName>
+                                        </p:attrNameLst>
+                                      </p:cBhvr>
+                                      <p:tavLst>
+                                        <p:tav tm="0">
+                                          <p:val>
+                                            <p:strVal val="1+#ppt_w/2"/>
+                                          </p:val>
+                                        </p:tav>
+                                        <p:tav tm="100000">
+                                          <p:val>
+                                            <p:strVal val="#ppt_x"/>
+                                          </p:val>
+                                        </p:tav>
+                                      </p:tavLst>
+                                    </p:anim>
+                                    <p:anim calcmode="lin" valueType="num">
+                                      <p:cBhvr additive="base">
+                                        <p:cTn id="22" dur="500" fill="hold"/>
+                                        <p:tgtEl>
+                                          <p:spTgt spid="19"/>
+                                        </p:tgtEl>
+                                        <p:attrNameLst>
+                                          <p:attrName>ppt_y</p:attrName>
+                                        </p:attrNameLst>
+                                      </p:cBhvr>
+                                      <p:tavLst>
+                                        <p:tav tm="0">
+                                          <p:val>
+                                            <p:strVal val="#ppt_y"/>
+                                          </p:val>
+                                        </p:tav>
+                                        <p:tav tm="100000">
+                                          <p:val>
+                                            <p:strVal val="#ppt_y"/>
+                                          </p:val>
+                                        </p:tav>
+                                      </p:tavLst>
+                                    </p:anim>
+                                  </p:childTnLst>
+                                </p:cTn>
+                              </p:par>
+                            </p:childTnLst>
+                          </p:cTn>
+                        </p:par>
+                      </p:childTnLst>
+                    </p:cTn>
+                  </p:par>
+                  <p:par>
+                    <p:cTn id="23" fill="hold">
+                      <p:stCondLst>
+                        <p:cond delay="indefinite"/>
+                      </p:stCondLst>
+                      <p:childTnLst>
+                        <p:par>
+                          <p:cTn id="24" fill="hold">
+                            <p:stCondLst>
+                              <p:cond delay="0"/>
+                            </p:stCondLst>
+                            <p:childTnLst>
+                              <p:par>
+                                <p:cTn id="25" presetID="2" presetClass="entr" presetSubtype="9" fill="hold" grpId="0" nodeType="clickEffect">
+                                  <p:stCondLst>
+                                    <p:cond delay="0"/>
+                                  </p:stCondLst>
+                                  <p:childTnLst>
+                                    <p:set>
+                                      <p:cBhvr>
+                                        <p:cTn id="26" dur="1" fill="hold">
+                                          <p:stCondLst>
+                                            <p:cond delay="0"/>
+                                          </p:stCondLst>
+                                        </p:cTn>
+                                        <p:tgtEl>
+                                          <p:spTgt spid="17"/>
+                                        </p:tgtEl>
+                                        <p:attrNameLst>
+                                          <p:attrName>style.visibility</p:attrName>
+                                        </p:attrNameLst>
+                                      </p:cBhvr>
+                                      <p:to>
+                                        <p:strVal val="visible"/>
+                                      </p:to>
+                                    </p:set>
+                                    <p:anim calcmode="lin" valueType="num">
+                                      <p:cBhvr additive="base">
+                                        <p:cTn id="27" dur="500" fill="hold"/>
+                                        <p:tgtEl>
+                                          <p:spTgt spid="17"/>
+                                        </p:tgtEl>
+                                        <p:attrNameLst>
+                                          <p:attrName>ppt_x</p:attrName>
+                                        </p:attrNameLst>
+                                      </p:cBhvr>
+                                      <p:tavLst>
+                                        <p:tav tm="0">
+                                          <p:val>
+                                            <p:strVal val="0-#ppt_w/2"/>
+                                          </p:val>
+                                        </p:tav>
+                                        <p:tav tm="100000">
+                                          <p:val>
+                                            <p:strVal val="#ppt_x"/>
+                                          </p:val>
+                                        </p:tav>
+                                      </p:tavLst>
+                                    </p:anim>
+                                    <p:anim calcmode="lin" valueType="num">
+                                      <p:cBhvr additive="base">
+                                        <p:cTn id="28" dur="500" fill="hold"/>
+                                        <p:tgtEl>
+                                          <p:spTgt spid="17"/>
+                                        </p:tgtEl>
+                                        <p:attrNameLst>
+                                          <p:attrName>ppt_y</p:attrName>
+                                        </p:attrNameLst>
+                                      </p:cBhvr>
+                                      <p:tavLst>
+                                        <p:tav tm="0">
+                                          <p:val>
+                                            <p:strVal val="0-#ppt_h/2"/>
+                                          </p:val>
+                                        </p:tav>
+                                        <p:tav tm="100000">
+                                          <p:val>
+                                            <p:strVal val="#ppt_y"/>
+                                          </p:val>
+                                        </p:tav>
+                                      </p:tavLst>
+                                    </p:anim>
+                                  </p:childTnLst>
+                                </p:cTn>
+                              </p:par>
+                              <p:par>
+                                <p:cTn id="29" presetID="2" presetClass="entr" presetSubtype="2" fill="hold" grpId="0" nodeType="withEffect">
+                                  <p:stCondLst>
+                                    <p:cond delay="0"/>
+                                  </p:stCondLst>
+                                  <p:childTnLst>
+                                    <p:set>
+                                      <p:cBhvr>
+                                        <p:cTn id="30" dur="1" fill="hold">
+                                          <p:stCondLst>
+                                            <p:cond delay="0"/>
+                                          </p:stCondLst>
+                                        </p:cTn>
+                                        <p:tgtEl>
+                                          <p:spTgt spid="18"/>
+                                        </p:tgtEl>
+                                        <p:attrNameLst>
+                                          <p:attrName>style.visibility</p:attrName>
+                                        </p:attrNameLst>
+                                      </p:cBhvr>
+                                      <p:to>
+                                        <p:strVal val="visible"/>
+                                      </p:to>
+                                    </p:set>
+                                    <p:anim calcmode="lin" valueType="num">
+                                      <p:cBhvr additive="base">
+                                        <p:cTn id="31" dur="500" fill="hold"/>
+                                        <p:tgtEl>
+                                          <p:spTgt spid="18"/>
+                                        </p:tgtEl>
+                                        <p:attrNameLst>
+                                          <p:attrName>ppt_x</p:attrName>
+                                        </p:attrNameLst>
+                                      </p:cBhvr>
+                                      <p:tavLst>
+                                        <p:tav tm="0">
+                                          <p:val>
+                                            <p:strVal val="1+#ppt_w/2"/>
+                                          </p:val>
+                                        </p:tav>
+                                        <p:tav tm="100000">
+                                          <p:val>
+                                            <p:strVal val="#ppt_x"/>
+                                          </p:val>
+                                        </p:tav>
+                                      </p:tavLst>
+                                    </p:anim>
+                                    <p:anim calcmode="lin" valueType="num">
+                                      <p:cBhvr additive="base">
+                                        <p:cTn id="32" dur="500" fill="hold"/>
+                                        <p:tgtEl>
+                                          <p:spTgt spid="18"/>
+                                        </p:tgtEl>
+                                        <p:attrNameLst>
+                                          <p:attrName>ppt_y</p:attrName>
+                                        </p:attrNameLst>
+                                      </p:cBhvr>
+                                      <p:tavLst>
+                                        <p:tav tm="0">
+                                          <p:val>
+                                            <p:strVal val="#ppt_y"/>
+                                          </p:val>
+                                        </p:tav>
+                                        <p:tav tm="100000">
+                                          <p:val>
+                                            <p:strVal val="#ppt_y"/>
+                                          </p:val>
+                                        </p:tav>
+                                      </p:tavLst>
+                                    </p:anim>
+                                  </p:childTnLst>
+                                </p:cTn>
+                              </p:par>
+                            </p:childTnLst>
+                          </p:cTn>
+                        </p:par>
+                      </p:childTnLst>
+                    </p:cTn>
+                  </p:par>
+                </p:childTnLst>
+              </p:cTn>
+              <p:prevCondLst>
+                <p:cond evt="onPrev" delay="0">
+                  <p:tgtEl>
+                    <p:sldTgt/>
+                  </p:tgtEl>
+                </p:cond>
+              </p:prevCondLst>
+              <p:nextCondLst>
+                <p:cond evt="onNext" delay="0">
+                  <p:tgtEl>
+                    <p:sldTgt/>
+                  </p:tgtEl>
+                </p:cond>
+              </p:nextCondLst>
+            </p:seq>
+          </p:childTnLst>
+        </p:cTn>
+      </p:par>
+    </p:tnLst>
+    <p:bldLst>
+      <p:bldP spid="4" grpId="0" animBg="1"/>
+      <p:bldP spid="5" grpId="0"/>
+      <p:bldP spid="16" grpId="0" animBg="1"/>
+      <p:bldP spid="17" grpId="0" animBg="1"/>
+      <p:bldP spid="18" grpId="0"/>
+      <p:bldP spid="19" grpId="0"/>
+    </p:bldLst>
+  </p:timing>
 </p:sld>
 </file>
 
@@ -17395,7 +19674,7 @@
           <p:cNvPr id="3" name="CasellaDiTesto 2">
             <a:extLst>
               <a:ext uri="{FF2B5EF4-FFF2-40B4-BE49-F238E27FC236}">
-                <a16:creationId xmlns:a16="http://schemas.microsoft.com/office/drawing/2014/main" id="{6B766F73-C325-44DD-B203-D5A0D0911082}"/>
+                <a16:creationId xmlns:a16="http://schemas.microsoft.com/office/drawing/2014/main" xmlns="" id="{6B766F73-C325-44DD-B203-D5A0D0911082}"/>
               </a:ext>
             </a:extLst>
           </p:cNvPr>
@@ -19063,6 +21342,13 @@
   <p:clrMapOvr>
     <a:masterClrMapping/>
   </p:clrMapOvr>
+  <p:timing>
+    <p:tnLst>
+      <p:par>
+        <p:cTn id="1" dur="indefinite" restart="never" nodeType="tmRoot"/>
+      </p:par>
+    </p:tnLst>
+  </p:timing>
 </p:sld>
 </file>
 
@@ -19511,7 +21797,7 @@
           <p:cNvPr id="5" name="CasellaDiTesto 4">
             <a:extLst>
               <a:ext uri="{FF2B5EF4-FFF2-40B4-BE49-F238E27FC236}">
-                <a16:creationId xmlns:a16="http://schemas.microsoft.com/office/drawing/2014/main" id="{DF6707CD-056C-44E0-A596-192752800AC1}"/>
+                <a16:creationId xmlns:a16="http://schemas.microsoft.com/office/drawing/2014/main" xmlns="" id="{DF6707CD-056C-44E0-A596-192752800AC1}"/>
               </a:ext>
             </a:extLst>
           </p:cNvPr>
@@ -19570,7 +21856,7 @@
           <p:cNvPr id="6" name="CasellaDiTesto 5">
             <a:extLst>
               <a:ext uri="{FF2B5EF4-FFF2-40B4-BE49-F238E27FC236}">
-                <a16:creationId xmlns:a16="http://schemas.microsoft.com/office/drawing/2014/main" id="{4FFB9536-6D87-40EE-BE02-E74E100076F5}"/>
+                <a16:creationId xmlns:a16="http://schemas.microsoft.com/office/drawing/2014/main" xmlns="" id="{4FFB9536-6D87-40EE-BE02-E74E100076F5}"/>
               </a:ext>
             </a:extLst>
           </p:cNvPr>
@@ -19607,7 +21893,7 @@
           <p:cNvPr id="4" name="TextBox 3">
             <a:extLst>
               <a:ext uri="{FF2B5EF4-FFF2-40B4-BE49-F238E27FC236}">
-                <a16:creationId xmlns:a16="http://schemas.microsoft.com/office/drawing/2014/main" id="{FC51D9A0-F468-46B4-87EA-9ABB89E5A85E}"/>
+                <a16:creationId xmlns:a16="http://schemas.microsoft.com/office/drawing/2014/main" xmlns="" id="{FC51D9A0-F468-46B4-87EA-9ABB89E5A85E}"/>
               </a:ext>
             </a:extLst>
           </p:cNvPr>
@@ -19655,7 +21941,7 @@
           <p:cNvPr id="8" name="Freccia a sinistra 6">
             <a:extLst>
               <a:ext uri="{FF2B5EF4-FFF2-40B4-BE49-F238E27FC236}">
-                <a16:creationId xmlns:a16="http://schemas.microsoft.com/office/drawing/2014/main" id="{087203C0-2577-40B6-9440-9041D7630F57}"/>
+                <a16:creationId xmlns:a16="http://schemas.microsoft.com/office/drawing/2014/main" xmlns="" id="{087203C0-2577-40B6-9440-9041D7630F57}"/>
               </a:ext>
             </a:extLst>
           </p:cNvPr>
@@ -19707,7 +21993,7 @@
           <p:cNvPr id="10" name="Freccia a sinistra 7">
             <a:extLst>
               <a:ext uri="{FF2B5EF4-FFF2-40B4-BE49-F238E27FC236}">
-                <a16:creationId xmlns:a16="http://schemas.microsoft.com/office/drawing/2014/main" id="{8814F101-5DA6-4571-802A-BF15B9270B16}"/>
+                <a16:creationId xmlns:a16="http://schemas.microsoft.com/office/drawing/2014/main" xmlns="" id="{8814F101-5DA6-4571-802A-BF15B9270B16}"/>
               </a:ext>
             </a:extLst>
           </p:cNvPr>
@@ -20299,7 +22585,7 @@
           <p:cNvPr id="6" name="Freccia a sinistra 5">
             <a:extLst>
               <a:ext uri="{FF2B5EF4-FFF2-40B4-BE49-F238E27FC236}">
-                <a16:creationId xmlns:a16="http://schemas.microsoft.com/office/drawing/2014/main" id="{A1755853-E9EB-407A-9A81-5BE7C3F8CFFF}"/>
+                <a16:creationId xmlns:a16="http://schemas.microsoft.com/office/drawing/2014/main" xmlns="" id="{A1755853-E9EB-407A-9A81-5BE7C3F8CFFF}"/>
               </a:ext>
             </a:extLst>
           </p:cNvPr>
@@ -20351,7 +22637,7 @@
           <p:cNvPr id="7" name="Rettangolo 6">
             <a:extLst>
               <a:ext uri="{FF2B5EF4-FFF2-40B4-BE49-F238E27FC236}">
-                <a16:creationId xmlns:a16="http://schemas.microsoft.com/office/drawing/2014/main" id="{5539374F-6357-4868-B879-196C3A864CF4}"/>
+                <a16:creationId xmlns:a16="http://schemas.microsoft.com/office/drawing/2014/main" xmlns="" id="{5539374F-6357-4868-B879-196C3A864CF4}"/>
               </a:ext>
             </a:extLst>
           </p:cNvPr>
@@ -20444,7 +22730,7 @@
                             </p:stCondLst>
                             <p:childTnLst>
                               <p:par>
-                                <p:cTn id="5" presetID="2" presetClass="entr" presetSubtype="3" fill="hold" grpId="0" nodeType="clickEffect">
+                                <p:cTn id="5" presetID="2" presetClass="entr" presetSubtype="1" fill="hold" grpId="0" nodeType="clickEffect">
                                   <p:stCondLst>
                                     <p:cond delay="0"/>
                                   </p:stCondLst>
@@ -20480,7 +22766,7 @@
                                       <p:tavLst>
                                         <p:tav tm="0">
                                           <p:val>
-                                            <p:strVal val="1+#ppt_w/2"/>
+                                            <p:strVal val="#ppt_x"/>
                                           </p:val>
                                         </p:tav>
                                         <p:tav tm="100000">
@@ -20516,33 +22802,15 @@
                                   </p:childTnLst>
                                 </p:cTn>
                               </p:par>
-                            </p:childTnLst>
-                          </p:cTn>
-                        </p:par>
-                      </p:childTnLst>
-                    </p:cTn>
-                  </p:par>
-                  <p:par>
-                    <p:cTn id="9" fill="hold">
-                      <p:stCondLst>
-                        <p:cond delay="indefinite"/>
-                      </p:stCondLst>
-                      <p:childTnLst>
-                        <p:par>
-                          <p:cTn id="10" fill="hold">
-                            <p:stCondLst>
-                              <p:cond delay="0"/>
-                            </p:stCondLst>
-                            <p:childTnLst>
                               <p:par>
-                                <p:cTn id="11" presetID="2" presetClass="entr" presetSubtype="4" fill="hold" grpId="0" nodeType="clickEffect">
+                                <p:cTn id="9" presetID="2" presetClass="entr" presetSubtype="4" fill="hold" grpId="0" nodeType="withEffect">
                                   <p:stCondLst>
                                     <p:cond delay="0"/>
                                   </p:stCondLst>
                                   <p:childTnLst>
                                     <p:set>
                                       <p:cBhvr>
-                                        <p:cTn id="12" dur="1" fill="hold">
+                                        <p:cTn id="10" dur="1" fill="hold">
                                           <p:stCondLst>
                                             <p:cond delay="0"/>
                                           </p:stCondLst>
@@ -20560,7 +22828,7 @@
                                     </p:set>
                                     <p:anim calcmode="lin" valueType="num">
                                       <p:cBhvr additive="base">
-                                        <p:cTn id="13" dur="500" fill="hold"/>
+                                        <p:cTn id="11" dur="500" fill="hold"/>
                                         <p:tgtEl>
                                           <p:spTgt spid="7"/>
                                         </p:tgtEl>
@@ -20583,7 +22851,7 @@
                                     </p:anim>
                                     <p:anim calcmode="lin" valueType="num">
                                       <p:cBhvr additive="base">
-                                        <p:cTn id="14" dur="500" fill="hold"/>
+                                        <p:cTn id="12" dur="500" fill="hold"/>
                                         <p:tgtEl>
                                           <p:spTgt spid="7"/>
                                         </p:tgtEl>
@@ -21199,7 +23467,7 @@
   <a:extraClrSchemeLst/>
   <a:extLst>
     <a:ext uri="{05A4C25C-085E-4340-85A3-A5531E510DB2}">
-      <thm15:themeFamily xmlns:thm15="http://schemas.microsoft.com/office/thememl/2012/main" name="Office Theme" id="{62F939B6-93AF-4DB8-9C6B-D6C7DFDC589F}" vid="{4A3C46E8-61CC-4603-A589-7422A47A8E4A}"/>
+      <thm15:themeFamily xmlns:thm15="http://schemas.microsoft.com/office/thememl/2012/main" xmlns="" name="Office Theme" id="{62F939B6-93AF-4DB8-9C6B-D6C7DFDC589F}" vid="{4A3C46E8-61CC-4603-A589-7422A47A8E4A}"/>
     </a:ext>
   </a:extLst>
 </a:theme>

--- a/Presentation/Towards_Identity_Anonymization_on_graph(K-degree anonymization).pptx
+++ b/Presentation/Towards_Identity_Anonymization_on_graph(K-degree anonymization).pptx
@@ -21,8 +21,8 @@
     <p:sldId id="261" r:id="rId12"/>
     <p:sldId id="267" r:id="rId13"/>
     <p:sldId id="262" r:id="rId14"/>
-    <p:sldId id="270" r:id="rId15"/>
-    <p:sldId id="283" r:id="rId16"/>
+    <p:sldId id="283" r:id="rId15"/>
+    <p:sldId id="270" r:id="rId16"/>
     <p:sldId id="271" r:id="rId17"/>
     <p:sldId id="272" r:id="rId18"/>
     <p:sldId id="273" r:id="rId19"/>
@@ -138,7 +138,7 @@
   </p:defaultTextStyle>
   <p:extLst>
     <p:ext uri="{EFAFB233-063F-42B5-8137-9DF3F51BA10A}">
-      <p15:sldGuideLst xmlns:p15="http://schemas.microsoft.com/office/powerpoint/2012/main" xmlns="">
+      <p15:sldGuideLst xmlns="" xmlns:p15="http://schemas.microsoft.com/office/powerpoint/2012/main">
         <p15:guide id="1" orient="horz" pos="1620">
           <p15:clr>
             <a:srgbClr val="A4A3A4"/>
@@ -152,7 +152,7 @@
       </p15:sldGuideLst>
     </p:ext>
     <p:ext uri="{2D200454-40CA-4A62-9FC3-DE9A4176ACB9}">
-      <p15:notesGuideLst xmlns:p15="http://schemas.microsoft.com/office/powerpoint/2012/main" xmlns=""/>
+      <p15:notesGuideLst xmlns="" xmlns:p15="http://schemas.microsoft.com/office/powerpoint/2012/main"/>
     </p:ext>
   </p:extLst>
 </p:presentation>
@@ -259,7 +259,7 @@
           <a:p>
             <a:fld id="{A55BA7C1-22AE-0645-AD7C-34C9095A0266}" type="datetimeFigureOut">
               <a:rPr lang="it-IT" smtClean="0"/>
-              <a:t>18/03/2019</a:t>
+              <a:t>20/03/2019</a:t>
             </a:fld>
             <a:endParaRPr lang="it-IT"/>
           </a:p>
@@ -674,7 +674,7 @@
     </p:spTree>
     <p:extLst>
       <p:ext uri="{BB962C8B-B14F-4D97-AF65-F5344CB8AC3E}">
-        <p14:creationId xmlns:p14="http://schemas.microsoft.com/office/powerpoint/2010/main" val="2250264833"/>
+        <p14:creationId xmlns:p14="http://schemas.microsoft.com/office/powerpoint/2010/main" val="4166403027"/>
       </p:ext>
     </p:extLst>
   </p:cSld>
@@ -773,7 +773,7 @@
     </p:spTree>
     <p:extLst>
       <p:ext uri="{BB962C8B-B14F-4D97-AF65-F5344CB8AC3E}">
-        <p14:creationId xmlns:p14="http://schemas.microsoft.com/office/powerpoint/2010/main" val="4166403027"/>
+        <p14:creationId xmlns:p14="http://schemas.microsoft.com/office/powerpoint/2010/main" val="2250264833"/>
       </p:ext>
     </p:extLst>
   </p:cSld>
@@ -3142,7 +3142,7 @@
           <p:cNvPr id="2" name="Immagine 1">
             <a:extLst>
               <a:ext uri="{FF2B5EF4-FFF2-40B4-BE49-F238E27FC236}">
-                <a16:creationId xmlns:a16="http://schemas.microsoft.com/office/drawing/2014/main" xmlns="" id="{1697FF78-6249-45CA-87E4-75DEBD5CB8D9}"/>
+                <a16:creationId xmlns="" xmlns:a16="http://schemas.microsoft.com/office/drawing/2014/main" id="{1697FF78-6249-45CA-87E4-75DEBD5CB8D9}"/>
               </a:ext>
             </a:extLst>
           </p:cNvPr>
@@ -3178,7 +3178,7 @@
           <p:cNvPr id="3" name="Immagine 2">
             <a:extLst>
               <a:ext uri="{FF2B5EF4-FFF2-40B4-BE49-F238E27FC236}">
-                <a16:creationId xmlns:a16="http://schemas.microsoft.com/office/drawing/2014/main" xmlns="" id="{6E0C2C66-B069-4D6B-A5AF-C03D37897834}"/>
+                <a16:creationId xmlns="" xmlns:a16="http://schemas.microsoft.com/office/drawing/2014/main" id="{6E0C2C66-B069-4D6B-A5AF-C03D37897834}"/>
               </a:ext>
             </a:extLst>
           </p:cNvPr>
@@ -3214,7 +3214,7 @@
           <p:cNvPr id="4" name="Immagine 3">
             <a:extLst>
               <a:ext uri="{FF2B5EF4-FFF2-40B4-BE49-F238E27FC236}">
-                <a16:creationId xmlns:a16="http://schemas.microsoft.com/office/drawing/2014/main" xmlns="" id="{15EB95F6-B157-48AC-B02E-275509424AD3}"/>
+                <a16:creationId xmlns="" xmlns:a16="http://schemas.microsoft.com/office/drawing/2014/main" id="{15EB95F6-B157-48AC-B02E-275509424AD3}"/>
               </a:ext>
             </a:extLst>
           </p:cNvPr>
@@ -3250,7 +3250,7 @@
           <p:cNvPr id="5" name="Immagine 4">
             <a:extLst>
               <a:ext uri="{FF2B5EF4-FFF2-40B4-BE49-F238E27FC236}">
-                <a16:creationId xmlns:a16="http://schemas.microsoft.com/office/drawing/2014/main" xmlns="" id="{A026063C-61A9-4B0C-8AC5-5CE10DDB0160}"/>
+                <a16:creationId xmlns="" xmlns:a16="http://schemas.microsoft.com/office/drawing/2014/main" id="{A026063C-61A9-4B0C-8AC5-5CE10DDB0160}"/>
               </a:ext>
             </a:extLst>
           </p:cNvPr>
@@ -3286,7 +3286,7 @@
           <p:cNvPr id="6" name="Immagine 5">
             <a:extLst>
               <a:ext uri="{FF2B5EF4-FFF2-40B4-BE49-F238E27FC236}">
-                <a16:creationId xmlns:a16="http://schemas.microsoft.com/office/drawing/2014/main" xmlns="" id="{1D33C969-1E51-4A09-AFCB-EF72864DCFAF}"/>
+                <a16:creationId xmlns="" xmlns:a16="http://schemas.microsoft.com/office/drawing/2014/main" id="{1D33C969-1E51-4A09-AFCB-EF72864DCFAF}"/>
               </a:ext>
             </a:extLst>
           </p:cNvPr>
@@ -3439,7 +3439,7 @@
           <a:p>
             <a:fld id="{DF8C5CDB-1AEF-4522-8EAF-CE1F4E5D863E}" type="datetimeFigureOut">
               <a:rPr lang="ko-KR" altLang="en-US" smtClean="0"/>
-              <a:t>2019-03-18</a:t>
+              <a:t>2019-03-20</a:t>
             </a:fld>
             <a:endParaRPr lang="ko-KR" altLang="en-US"/>
           </a:p>
@@ -3619,7 +3619,7 @@
           <a:p>
             <a:fld id="{DF8C5CDB-1AEF-4522-8EAF-CE1F4E5D863E}" type="datetimeFigureOut">
               <a:rPr lang="ko-KR" altLang="en-US" smtClean="0"/>
-              <a:t>2019-03-18</a:t>
+              <a:t>2019-03-20</a:t>
             </a:fld>
             <a:endParaRPr lang="ko-KR" altLang="en-US"/>
           </a:p>
@@ -3798,7 +3798,7 @@
           <a:p>
             <a:fld id="{DF8C5CDB-1AEF-4522-8EAF-CE1F4E5D863E}" type="datetimeFigureOut">
               <a:rPr lang="ko-KR" altLang="en-US" smtClean="0"/>
-              <a:t>2019-03-18</a:t>
+              <a:t>2019-03-20</a:t>
             </a:fld>
             <a:endParaRPr lang="ko-KR" altLang="en-US"/>
           </a:p>
@@ -3851,7 +3851,7 @@
           <p:cNvPr id="7" name="Immagine 6">
             <a:extLst>
               <a:ext uri="{FF2B5EF4-FFF2-40B4-BE49-F238E27FC236}">
-                <a16:creationId xmlns:a16="http://schemas.microsoft.com/office/drawing/2014/main" xmlns="" id="{A72BE1A7-F7AE-464A-8A0E-CCDD4D0A5902}"/>
+                <a16:creationId xmlns="" xmlns:a16="http://schemas.microsoft.com/office/drawing/2014/main" id="{A72BE1A7-F7AE-464A-8A0E-CCDD4D0A5902}"/>
               </a:ext>
             </a:extLst>
           </p:cNvPr>
@@ -4080,7 +4080,7 @@
           <a:p>
             <a:fld id="{DF8C5CDB-1AEF-4522-8EAF-CE1F4E5D863E}" type="datetimeFigureOut">
               <a:rPr lang="ko-KR" altLang="en-US" smtClean="0"/>
-              <a:t>2019-03-18</a:t>
+              <a:t>2019-03-20</a:t>
             </a:fld>
             <a:endParaRPr lang="ko-KR" altLang="en-US"/>
           </a:p>
@@ -4368,7 +4368,7 @@
           <a:p>
             <a:fld id="{DF8C5CDB-1AEF-4522-8EAF-CE1F4E5D863E}" type="datetimeFigureOut">
               <a:rPr lang="ko-KR" altLang="en-US" smtClean="0"/>
-              <a:t>2019-03-18</a:t>
+              <a:t>2019-03-20</a:t>
             </a:fld>
             <a:endParaRPr lang="ko-KR" altLang="en-US"/>
           </a:p>
@@ -4795,7 +4795,7 @@
           <a:p>
             <a:fld id="{DF8C5CDB-1AEF-4522-8EAF-CE1F4E5D863E}" type="datetimeFigureOut">
               <a:rPr lang="ko-KR" altLang="en-US" smtClean="0"/>
-              <a:t>2019-03-18</a:t>
+              <a:t>2019-03-20</a:t>
             </a:fld>
             <a:endParaRPr lang="ko-KR" altLang="en-US"/>
           </a:p>
@@ -4913,7 +4913,7 @@
           <a:p>
             <a:fld id="{DF8C5CDB-1AEF-4522-8EAF-CE1F4E5D863E}" type="datetimeFigureOut">
               <a:rPr lang="ko-KR" altLang="en-US" smtClean="0"/>
-              <a:t>2019-03-18</a:t>
+              <a:t>2019-03-20</a:t>
             </a:fld>
             <a:endParaRPr lang="ko-KR" altLang="en-US"/>
           </a:p>
@@ -5008,7 +5008,7 @@
           <a:p>
             <a:fld id="{DF8C5CDB-1AEF-4522-8EAF-CE1F4E5D863E}" type="datetimeFigureOut">
               <a:rPr lang="ko-KR" altLang="en-US" smtClean="0"/>
-              <a:t>2019-03-18</a:t>
+              <a:t>2019-03-20</a:t>
             </a:fld>
             <a:endParaRPr lang="ko-KR" altLang="en-US"/>
           </a:p>
@@ -5285,7 +5285,7 @@
           <a:p>
             <a:fld id="{DF8C5CDB-1AEF-4522-8EAF-CE1F4E5D863E}" type="datetimeFigureOut">
               <a:rPr lang="ko-KR" altLang="en-US" smtClean="0"/>
-              <a:t>2019-03-18</a:t>
+              <a:t>2019-03-20</a:t>
             </a:fld>
             <a:endParaRPr lang="ko-KR" altLang="en-US"/>
           </a:p>
@@ -5538,7 +5538,7 @@
           <a:p>
             <a:fld id="{DF8C5CDB-1AEF-4522-8EAF-CE1F4E5D863E}" type="datetimeFigureOut">
               <a:rPr lang="ko-KR" altLang="en-US" smtClean="0"/>
-              <a:t>2019-03-18</a:t>
+              <a:t>2019-03-20</a:t>
             </a:fld>
             <a:endParaRPr lang="ko-KR" altLang="en-US"/>
           </a:p>
@@ -5760,7 +5760,7 @@
           <a:p>
             <a:fld id="{DF8C5CDB-1AEF-4522-8EAF-CE1F4E5D863E}" type="datetimeFigureOut">
               <a:rPr lang="ko-KR" altLang="en-US" smtClean="0"/>
-              <a:t>2019-03-18</a:t>
+              <a:t>2019-03-20</a:t>
             </a:fld>
             <a:endParaRPr lang="ko-KR" altLang="en-US"/>
           </a:p>
@@ -6816,7 +6816,7 @@
           <p:cNvPr id="12" name="CasellaDiTesto 11">
             <a:extLst>
               <a:ext uri="{FF2B5EF4-FFF2-40B4-BE49-F238E27FC236}">
-                <a16:creationId xmlns:a16="http://schemas.microsoft.com/office/drawing/2014/main" xmlns="" id="{86C752DB-7FEF-4E25-80C7-7ADA3B21B36B}"/>
+                <a16:creationId xmlns="" xmlns:a16="http://schemas.microsoft.com/office/drawing/2014/main" id="{86C752DB-7FEF-4E25-80C7-7ADA3B21B36B}"/>
               </a:ext>
             </a:extLst>
           </p:cNvPr>
@@ -7506,7 +7506,7 @@
           <p:cNvPr id="4" name="CasellaDiTesto 3">
             <a:extLst>
               <a:ext uri="{FF2B5EF4-FFF2-40B4-BE49-F238E27FC236}">
-                <a16:creationId xmlns:a16="http://schemas.microsoft.com/office/drawing/2014/main" xmlns="" id="{FE319EFB-796A-4FB0-B0C2-95945AC81C0D}"/>
+                <a16:creationId xmlns="" xmlns:a16="http://schemas.microsoft.com/office/drawing/2014/main" id="{FE319EFB-796A-4FB0-B0C2-95945AC81C0D}"/>
               </a:ext>
             </a:extLst>
           </p:cNvPr>
@@ -7554,7 +7554,7 @@
           <p:cNvPr id="5" name="Freccia a sinistra 4">
             <a:extLst>
               <a:ext uri="{FF2B5EF4-FFF2-40B4-BE49-F238E27FC236}">
-                <a16:creationId xmlns:a16="http://schemas.microsoft.com/office/drawing/2014/main" xmlns="" id="{E64BDADA-A1F6-4C74-B1B9-3D850F892DE4}"/>
+                <a16:creationId xmlns="" xmlns:a16="http://schemas.microsoft.com/office/drawing/2014/main" id="{E64BDADA-A1F6-4C74-B1B9-3D850F892DE4}"/>
               </a:ext>
             </a:extLst>
           </p:cNvPr>
@@ -7959,7 +7959,7 @@
           <p:cNvPr id="5" name="Segnaposto contenuto 2">
             <a:extLst>
               <a:ext uri="{FF2B5EF4-FFF2-40B4-BE49-F238E27FC236}">
-                <a16:creationId xmlns:a16="http://schemas.microsoft.com/office/drawing/2014/main" xmlns="" id="{0434A724-68AD-4F95-8197-FB6C99014F47}"/>
+                <a16:creationId xmlns="" xmlns:a16="http://schemas.microsoft.com/office/drawing/2014/main" id="{0434A724-68AD-4F95-8197-FB6C99014F47}"/>
               </a:ext>
             </a:extLst>
           </p:cNvPr>
@@ -8154,7 +8154,7 @@
           <p:cNvPr id="6" name="Freccia a sinistra 5">
             <a:extLst>
               <a:ext uri="{FF2B5EF4-FFF2-40B4-BE49-F238E27FC236}">
-                <a16:creationId xmlns:a16="http://schemas.microsoft.com/office/drawing/2014/main" xmlns="" id="{2CD6A550-58F3-4FB9-8C5C-574669F7B4C7}"/>
+                <a16:creationId xmlns="" xmlns:a16="http://schemas.microsoft.com/office/drawing/2014/main" id="{2CD6A550-58F3-4FB9-8C5C-574669F7B4C7}"/>
               </a:ext>
             </a:extLst>
           </p:cNvPr>
@@ -8206,7 +8206,7 @@
           <p:cNvPr id="7" name="Rettangolo 6">
             <a:extLst>
               <a:ext uri="{FF2B5EF4-FFF2-40B4-BE49-F238E27FC236}">
-                <a16:creationId xmlns:a16="http://schemas.microsoft.com/office/drawing/2014/main" xmlns="" id="{3D9D1354-3416-4792-9AEA-A60C514E5E86}"/>
+                <a16:creationId xmlns="" xmlns:a16="http://schemas.microsoft.com/office/drawing/2014/main" id="{3D9D1354-3416-4792-9AEA-A60C514E5E86}"/>
               </a:ext>
             </a:extLst>
           </p:cNvPr>
@@ -8265,7 +8265,7 @@
           <p:cNvPr id="8" name="Freccia a sinistra 7">
             <a:extLst>
               <a:ext uri="{FF2B5EF4-FFF2-40B4-BE49-F238E27FC236}">
-                <a16:creationId xmlns:a16="http://schemas.microsoft.com/office/drawing/2014/main" xmlns="" id="{588EBAFE-7638-48D7-83A4-C07F693D70F1}"/>
+                <a16:creationId xmlns="" xmlns:a16="http://schemas.microsoft.com/office/drawing/2014/main" id="{588EBAFE-7638-48D7-83A4-C07F693D70F1}"/>
               </a:ext>
             </a:extLst>
           </p:cNvPr>
@@ -8317,7 +8317,7 @@
           <p:cNvPr id="9" name="Rettangolo 8">
             <a:extLst>
               <a:ext uri="{FF2B5EF4-FFF2-40B4-BE49-F238E27FC236}">
-                <a16:creationId xmlns:a16="http://schemas.microsoft.com/office/drawing/2014/main" xmlns="" id="{BF690ECC-F9BF-4243-8C75-74D96F6F8784}"/>
+                <a16:creationId xmlns="" xmlns:a16="http://schemas.microsoft.com/office/drawing/2014/main" id="{BF690ECC-F9BF-4243-8C75-74D96F6F8784}"/>
               </a:ext>
             </a:extLst>
           </p:cNvPr>
@@ -8910,7 +8910,7 @@
           <p:cNvPr id="7" name="Segnaposto contenuto 6">
             <a:extLst>
               <a:ext uri="{FF2B5EF4-FFF2-40B4-BE49-F238E27FC236}">
-                <a16:creationId xmlns:a16="http://schemas.microsoft.com/office/drawing/2014/main" xmlns="" id="{CDBDE2B9-67F9-4ECC-AFDD-EBCA7654083E}"/>
+                <a16:creationId xmlns="" xmlns:a16="http://schemas.microsoft.com/office/drawing/2014/main" id="{CDBDE2B9-67F9-4ECC-AFDD-EBCA7654083E}"/>
               </a:ext>
             </a:extLst>
           </p:cNvPr>
@@ -8958,7 +8958,7 @@
           <p:cNvPr id="8" name="Segnaposto contenuto 2">
             <a:extLst>
               <a:ext uri="{FF2B5EF4-FFF2-40B4-BE49-F238E27FC236}">
-                <a16:creationId xmlns:a16="http://schemas.microsoft.com/office/drawing/2014/main" xmlns="" id="{E62D292D-83CB-4ED4-9E10-DFFE302693F5}"/>
+                <a16:creationId xmlns="" xmlns:a16="http://schemas.microsoft.com/office/drawing/2014/main" id="{E62D292D-83CB-4ED4-9E10-DFFE302693F5}"/>
               </a:ext>
             </a:extLst>
           </p:cNvPr>
@@ -9134,7 +9134,7 @@
           <p:cNvPr id="9" name="Segnaposto contenuto 2">
             <a:extLst>
               <a:ext uri="{FF2B5EF4-FFF2-40B4-BE49-F238E27FC236}">
-                <a16:creationId xmlns:a16="http://schemas.microsoft.com/office/drawing/2014/main" xmlns="" id="{EF7056F1-E9E8-4E1F-A3EE-701CE856EBB4}"/>
+                <a16:creationId xmlns="" xmlns:a16="http://schemas.microsoft.com/office/drawing/2014/main" id="{EF7056F1-E9E8-4E1F-A3EE-701CE856EBB4}"/>
               </a:ext>
             </a:extLst>
           </p:cNvPr>
@@ -9344,7 +9344,7 @@
           <p:cNvPr id="10" name="Freccia a sinistra 9">
             <a:extLst>
               <a:ext uri="{FF2B5EF4-FFF2-40B4-BE49-F238E27FC236}">
-                <a16:creationId xmlns:a16="http://schemas.microsoft.com/office/drawing/2014/main" xmlns="" id="{6918A887-C92F-4D38-A1AE-C8EFE67EC847}"/>
+                <a16:creationId xmlns="" xmlns:a16="http://schemas.microsoft.com/office/drawing/2014/main" id="{6918A887-C92F-4D38-A1AE-C8EFE67EC847}"/>
               </a:ext>
             </a:extLst>
           </p:cNvPr>
@@ -9396,7 +9396,7 @@
           <p:cNvPr id="12" name="Freccia a sinistra 11">
             <a:extLst>
               <a:ext uri="{FF2B5EF4-FFF2-40B4-BE49-F238E27FC236}">
-                <a16:creationId xmlns:a16="http://schemas.microsoft.com/office/drawing/2014/main" xmlns="" id="{D3A2DC2F-7278-45F6-8857-ECBF372A8824}"/>
+                <a16:creationId xmlns="" xmlns:a16="http://schemas.microsoft.com/office/drawing/2014/main" id="{D3A2DC2F-7278-45F6-8857-ECBF372A8824}"/>
               </a:ext>
             </a:extLst>
           </p:cNvPr>
@@ -9448,7 +9448,7 @@
           <p:cNvPr id="13" name="Rettangolo 12">
             <a:extLst>
               <a:ext uri="{FF2B5EF4-FFF2-40B4-BE49-F238E27FC236}">
-                <a16:creationId xmlns:a16="http://schemas.microsoft.com/office/drawing/2014/main" xmlns="" id="{D80C508C-F4D6-47DE-8C40-75E92D1F2B8D}"/>
+                <a16:creationId xmlns="" xmlns:a16="http://schemas.microsoft.com/office/drawing/2014/main" id="{D80C508C-F4D6-47DE-8C40-75E92D1F2B8D}"/>
               </a:ext>
             </a:extLst>
           </p:cNvPr>
@@ -9484,7 +9484,7 @@
           <p:cNvPr id="14" name="Freccia a sinistra 13">
             <a:extLst>
               <a:ext uri="{FF2B5EF4-FFF2-40B4-BE49-F238E27FC236}">
-                <a16:creationId xmlns:a16="http://schemas.microsoft.com/office/drawing/2014/main" xmlns="" id="{AD4666D3-E737-4590-AB59-8C9E9647DE05}"/>
+                <a16:creationId xmlns="" xmlns:a16="http://schemas.microsoft.com/office/drawing/2014/main" id="{AD4666D3-E737-4590-AB59-8C9E9647DE05}"/>
               </a:ext>
             </a:extLst>
           </p:cNvPr>
@@ -9536,7 +9536,7 @@
           <p:cNvPr id="15" name="Segnaposto contenuto 6">
             <a:extLst>
               <a:ext uri="{FF2B5EF4-FFF2-40B4-BE49-F238E27FC236}">
-                <a16:creationId xmlns:a16="http://schemas.microsoft.com/office/drawing/2014/main" xmlns="" id="{02DEE03C-8DEF-4292-92AE-D6EEE1F72428}"/>
+                <a16:creationId xmlns="" xmlns:a16="http://schemas.microsoft.com/office/drawing/2014/main" id="{02DEE03C-8DEF-4292-92AE-D6EEE1F72428}"/>
               </a:ext>
             </a:extLst>
           </p:cNvPr>
@@ -10459,145 +10459,6 @@
             <p:ph idx="1"/>
           </p:nvPr>
         </p:nvSpPr>
-        <p:spPr/>
-        <p:txBody>
-          <a:bodyPr>
-            <a:normAutofit/>
-          </a:bodyPr>
-          <a:lstStyle/>
-          <a:p>
-            <a:pPr marL="0" indent="0" algn="ctr">
-              <a:buNone/>
-            </a:pPr>
-            <a:r>
-              <a:rPr lang="it-IT" sz="2800" dirty="0"/>
-              <a:t>Esecuzione dell’</a:t>
-            </a:r>
-            <a:r>
-              <a:rPr lang="it-IT" sz="2800" b="1" dirty="0"/>
-              <a:t>algoritmo</a:t>
-            </a:r>
-            <a:r>
-              <a:rPr lang="it-IT" sz="2800" dirty="0"/>
-              <a:t> su istanze di diverse  dimensioni (</a:t>
-            </a:r>
-            <a:r>
-              <a:rPr lang="it-IT" sz="2800" i="1" dirty="0"/>
-              <a:t>nodi </a:t>
-            </a:r>
-            <a:r>
-              <a:rPr lang="it-IT" sz="2800" dirty="0"/>
-              <a:t>):</a:t>
-            </a:r>
-          </a:p>
-          <a:p>
-            <a:pPr lvl="1"/>
-            <a:r>
-              <a:rPr lang="it-IT" sz="2000" dirty="0"/>
-              <a:t>100</a:t>
-            </a:r>
-          </a:p>
-          <a:p>
-            <a:pPr lvl="1"/>
-            <a:r>
-              <a:rPr lang="it-IT" sz="2000" dirty="0"/>
-              <a:t>300</a:t>
-            </a:r>
-          </a:p>
-          <a:p>
-            <a:pPr lvl="1"/>
-            <a:r>
-              <a:rPr lang="it-IT" sz="2000" dirty="0"/>
-              <a:t>750  (due versioni, uno più denso e uno più sparso)</a:t>
-            </a:r>
-          </a:p>
-          <a:p>
-            <a:pPr lvl="1"/>
-            <a:r>
-              <a:rPr lang="it-IT" sz="2000" dirty="0"/>
-              <a:t>1000 </a:t>
-            </a:r>
-          </a:p>
-          <a:p>
-            <a:pPr lvl="1"/>
-            <a:r>
-              <a:rPr lang="it-IT" sz="2000" dirty="0"/>
-              <a:t>2000</a:t>
-            </a:r>
-            <a:endParaRPr lang="it-IT" sz="2400" dirty="0"/>
-          </a:p>
-        </p:txBody>
-      </p:sp>
-    </p:spTree>
-    <p:extLst>
-      <p:ext uri="{BB962C8B-B14F-4D97-AF65-F5344CB8AC3E}">
-        <p14:creationId xmlns:p14="http://schemas.microsoft.com/office/powerpoint/2010/main" val="4293783340"/>
-      </p:ext>
-    </p:extLst>
-  </p:cSld>
-  <p:clrMapOvr>
-    <a:masterClrMapping/>
-  </p:clrMapOvr>
-  <p:timing>
-    <p:tnLst>
-      <p:par>
-        <p:cTn id="1" dur="indefinite" restart="never" nodeType="tmRoot"/>
-      </p:par>
-    </p:tnLst>
-  </p:timing>
-</p:sld>
-</file>
-
-<file path=ppt/slides/slide15.xml><?xml version="1.0" encoding="utf-8"?>
-<p:sld xmlns:a="http://schemas.openxmlformats.org/drawingml/2006/main" xmlns:r="http://schemas.openxmlformats.org/officeDocument/2006/relationships" xmlns:p="http://schemas.openxmlformats.org/presentationml/2006/main">
-  <p:cSld>
-    <p:spTree>
-      <p:nvGrpSpPr>
-        <p:cNvPr id="1" name=""/>
-        <p:cNvGrpSpPr/>
-        <p:nvPr/>
-      </p:nvGrpSpPr>
-      <p:grpSpPr>
-        <a:xfrm>
-          <a:off x="0" y="0"/>
-          <a:ext cx="0" cy="0"/>
-          <a:chOff x="0" y="0"/>
-          <a:chExt cx="0" cy="0"/>
-        </a:xfrm>
-      </p:grpSpPr>
-      <p:sp>
-        <p:nvSpPr>
-          <p:cNvPr id="2" name="Titolo 1"/>
-          <p:cNvSpPr>
-            <a:spLocks noGrp="1"/>
-          </p:cNvSpPr>
-          <p:nvPr>
-            <p:ph type="title"/>
-          </p:nvPr>
-        </p:nvSpPr>
-        <p:spPr/>
-        <p:txBody>
-          <a:bodyPr/>
-          <a:lstStyle/>
-          <a:p>
-            <a:r>
-              <a:rPr lang="en-GB" dirty="0"/>
-              <a:t>Testing</a:t>
-            </a:r>
-            <a:endParaRPr lang="it-IT" dirty="0"/>
-          </a:p>
-        </p:txBody>
-      </p:sp>
-      <p:sp>
-        <p:nvSpPr>
-          <p:cNvPr id="3" name="Segnaposto contenuto 2"/>
-          <p:cNvSpPr>
-            <a:spLocks noGrp="1"/>
-          </p:cNvSpPr>
-          <p:nvPr>
-            <p:ph idx="1"/>
-          </p:nvPr>
-        </p:nvSpPr>
         <p:spPr>
           <a:xfrm>
             <a:off x="611560" y="1131590"/>
@@ -11221,6 +11082,145 @@
 </p:sld>
 </file>
 
+<file path=ppt/slides/slide15.xml><?xml version="1.0" encoding="utf-8"?>
+<p:sld xmlns:a="http://schemas.openxmlformats.org/drawingml/2006/main" xmlns:r="http://schemas.openxmlformats.org/officeDocument/2006/relationships" xmlns:p="http://schemas.openxmlformats.org/presentationml/2006/main">
+  <p:cSld>
+    <p:spTree>
+      <p:nvGrpSpPr>
+        <p:cNvPr id="1" name=""/>
+        <p:cNvGrpSpPr/>
+        <p:nvPr/>
+      </p:nvGrpSpPr>
+      <p:grpSpPr>
+        <a:xfrm>
+          <a:off x="0" y="0"/>
+          <a:ext cx="0" cy="0"/>
+          <a:chOff x="0" y="0"/>
+          <a:chExt cx="0" cy="0"/>
+        </a:xfrm>
+      </p:grpSpPr>
+      <p:sp>
+        <p:nvSpPr>
+          <p:cNvPr id="2" name="Titolo 1"/>
+          <p:cNvSpPr>
+            <a:spLocks noGrp="1"/>
+          </p:cNvSpPr>
+          <p:nvPr>
+            <p:ph type="title"/>
+          </p:nvPr>
+        </p:nvSpPr>
+        <p:spPr/>
+        <p:txBody>
+          <a:bodyPr/>
+          <a:lstStyle/>
+          <a:p>
+            <a:r>
+              <a:rPr lang="en-GB" dirty="0"/>
+              <a:t>Testing</a:t>
+            </a:r>
+            <a:endParaRPr lang="it-IT" dirty="0"/>
+          </a:p>
+        </p:txBody>
+      </p:sp>
+      <p:sp>
+        <p:nvSpPr>
+          <p:cNvPr id="3" name="Segnaposto contenuto 2"/>
+          <p:cNvSpPr>
+            <a:spLocks noGrp="1"/>
+          </p:cNvSpPr>
+          <p:nvPr>
+            <p:ph idx="1"/>
+          </p:nvPr>
+        </p:nvSpPr>
+        <p:spPr/>
+        <p:txBody>
+          <a:bodyPr>
+            <a:normAutofit/>
+          </a:bodyPr>
+          <a:lstStyle/>
+          <a:p>
+            <a:pPr marL="0" indent="0" algn="ctr">
+              <a:buNone/>
+            </a:pPr>
+            <a:r>
+              <a:rPr lang="it-IT" sz="2800" dirty="0"/>
+              <a:t>Esecuzione dell’</a:t>
+            </a:r>
+            <a:r>
+              <a:rPr lang="it-IT" sz="2800" b="1" dirty="0"/>
+              <a:t>algoritmo</a:t>
+            </a:r>
+            <a:r>
+              <a:rPr lang="it-IT" sz="2800" dirty="0"/>
+              <a:t> su istanze di diverse  dimensioni (</a:t>
+            </a:r>
+            <a:r>
+              <a:rPr lang="it-IT" sz="2800" i="1" dirty="0"/>
+              <a:t>nodi </a:t>
+            </a:r>
+            <a:r>
+              <a:rPr lang="it-IT" sz="2800" dirty="0"/>
+              <a:t>):</a:t>
+            </a:r>
+          </a:p>
+          <a:p>
+            <a:pPr lvl="1"/>
+            <a:r>
+              <a:rPr lang="it-IT" sz="2000" dirty="0"/>
+              <a:t>100</a:t>
+            </a:r>
+          </a:p>
+          <a:p>
+            <a:pPr lvl="1"/>
+            <a:r>
+              <a:rPr lang="it-IT" sz="2000" dirty="0"/>
+              <a:t>300</a:t>
+            </a:r>
+          </a:p>
+          <a:p>
+            <a:pPr lvl="1"/>
+            <a:r>
+              <a:rPr lang="it-IT" sz="2000" dirty="0"/>
+              <a:t>750  (due versioni, uno più denso e uno più sparso)</a:t>
+            </a:r>
+          </a:p>
+          <a:p>
+            <a:pPr lvl="1"/>
+            <a:r>
+              <a:rPr lang="it-IT" sz="2000" dirty="0"/>
+              <a:t>1000 </a:t>
+            </a:r>
+          </a:p>
+          <a:p>
+            <a:pPr lvl="1"/>
+            <a:r>
+              <a:rPr lang="it-IT" sz="2000" dirty="0"/>
+              <a:t>2000</a:t>
+            </a:r>
+            <a:endParaRPr lang="it-IT" sz="2400" dirty="0"/>
+          </a:p>
+        </p:txBody>
+      </p:sp>
+    </p:spTree>
+    <p:extLst>
+      <p:ext uri="{BB962C8B-B14F-4D97-AF65-F5344CB8AC3E}">
+        <p14:creationId xmlns:p14="http://schemas.microsoft.com/office/powerpoint/2010/main" val="4293783340"/>
+      </p:ext>
+    </p:extLst>
+  </p:cSld>
+  <p:clrMapOvr>
+    <a:masterClrMapping/>
+  </p:clrMapOvr>
+  <p:timing>
+    <p:tnLst>
+      <p:par>
+        <p:cTn id="1" dur="indefinite" restart="never" nodeType="tmRoot"/>
+      </p:par>
+    </p:tnLst>
+  </p:timing>
+</p:sld>
+</file>
+
 <file path=ppt/slides/slide16.xml><?xml version="1.0" encoding="utf-8"?>
 <p:sld xmlns:a="http://schemas.openxmlformats.org/drawingml/2006/main" xmlns:r="http://schemas.openxmlformats.org/officeDocument/2006/relationships" xmlns:p="http://schemas.openxmlformats.org/presentationml/2006/main">
   <p:cSld>
@@ -11320,7 +11320,7 @@
           <p:cNvPr id="6" name="Immagine 5">
             <a:extLst>
               <a:ext uri="{FF2B5EF4-FFF2-40B4-BE49-F238E27FC236}">
-                <a16:creationId xmlns:a16="http://schemas.microsoft.com/office/drawing/2014/main" xmlns="" id="{1C306236-CC00-7647-92D5-B35B47F62EA9}"/>
+                <a16:creationId xmlns="" xmlns:a16="http://schemas.microsoft.com/office/drawing/2014/main" id="{1C306236-CC00-7647-92D5-B35B47F62EA9}"/>
               </a:ext>
             </a:extLst>
           </p:cNvPr>
@@ -11473,7 +11473,7 @@
           <p:cNvPr id="7" name="Immagine 6">
             <a:extLst>
               <a:ext uri="{FF2B5EF4-FFF2-40B4-BE49-F238E27FC236}">
-                <a16:creationId xmlns:a16="http://schemas.microsoft.com/office/drawing/2014/main" xmlns="" id="{A441418F-23FF-5346-B922-35384CDCB34F}"/>
+                <a16:creationId xmlns="" xmlns:a16="http://schemas.microsoft.com/office/drawing/2014/main" id="{A441418F-23FF-5346-B922-35384CDCB34F}"/>
               </a:ext>
             </a:extLst>
           </p:cNvPr>
@@ -11626,7 +11626,7 @@
           <p:cNvPr id="6" name="Immagine 5">
             <a:extLst>
               <a:ext uri="{FF2B5EF4-FFF2-40B4-BE49-F238E27FC236}">
-                <a16:creationId xmlns:a16="http://schemas.microsoft.com/office/drawing/2014/main" xmlns="" id="{91528184-72CB-764E-AF76-E970CF53BCE0}"/>
+                <a16:creationId xmlns="" xmlns:a16="http://schemas.microsoft.com/office/drawing/2014/main" id="{91528184-72CB-764E-AF76-E970CF53BCE0}"/>
               </a:ext>
             </a:extLst>
           </p:cNvPr>
@@ -11779,7 +11779,7 @@
           <p:cNvPr id="7" name="Immagine 6">
             <a:extLst>
               <a:ext uri="{FF2B5EF4-FFF2-40B4-BE49-F238E27FC236}">
-                <a16:creationId xmlns:a16="http://schemas.microsoft.com/office/drawing/2014/main" xmlns="" id="{97C3AC0D-C308-DE49-B289-2466A91E9851}"/>
+                <a16:creationId xmlns="" xmlns:a16="http://schemas.microsoft.com/office/drawing/2014/main" id="{97C3AC0D-C308-DE49-B289-2466A91E9851}"/>
               </a:ext>
             </a:extLst>
           </p:cNvPr>
@@ -12088,7 +12088,7 @@
           <p:cNvPr id="6" name="Immagine 5">
             <a:extLst>
               <a:ext uri="{FF2B5EF4-FFF2-40B4-BE49-F238E27FC236}">
-                <a16:creationId xmlns:a16="http://schemas.microsoft.com/office/drawing/2014/main" xmlns="" id="{21A85A62-F1D3-7E4A-9612-54BAC294F06A}"/>
+                <a16:creationId xmlns="" xmlns:a16="http://schemas.microsoft.com/office/drawing/2014/main" id="{21A85A62-F1D3-7E4A-9612-54BAC294F06A}"/>
               </a:ext>
             </a:extLst>
           </p:cNvPr>
@@ -12241,7 +12241,7 @@
           <p:cNvPr id="7" name="Immagine 6">
             <a:extLst>
               <a:ext uri="{FF2B5EF4-FFF2-40B4-BE49-F238E27FC236}">
-                <a16:creationId xmlns:a16="http://schemas.microsoft.com/office/drawing/2014/main" xmlns="" id="{BFC88322-0986-0F42-B06B-EF278F7D737A}"/>
+                <a16:creationId xmlns="" xmlns:a16="http://schemas.microsoft.com/office/drawing/2014/main" id="{BFC88322-0986-0F42-B06B-EF278F7D737A}"/>
               </a:ext>
             </a:extLst>
           </p:cNvPr>
@@ -12456,7 +12456,7 @@
           <p:cNvPr id="5" name="CasellaDiTesto 4">
             <a:extLst>
               <a:ext uri="{FF2B5EF4-FFF2-40B4-BE49-F238E27FC236}">
-                <a16:creationId xmlns:a16="http://schemas.microsoft.com/office/drawing/2014/main" xmlns="" id="{AF328554-59DD-4404-818A-45D1ED00AE7D}"/>
+                <a16:creationId xmlns="" xmlns:a16="http://schemas.microsoft.com/office/drawing/2014/main" id="{AF328554-59DD-4404-818A-45D1ED00AE7D}"/>
               </a:ext>
             </a:extLst>
           </p:cNvPr>
@@ -12653,7 +12653,7 @@
           <p:cNvPr id="4" name="CasellaDiTesto 3">
             <a:extLst>
               <a:ext uri="{FF2B5EF4-FFF2-40B4-BE49-F238E27FC236}">
-                <a16:creationId xmlns:a16="http://schemas.microsoft.com/office/drawing/2014/main" xmlns="" id="{4C458470-5C51-4050-A326-F214F0F1DD83}"/>
+                <a16:creationId xmlns="" xmlns:a16="http://schemas.microsoft.com/office/drawing/2014/main" id="{4C458470-5C51-4050-A326-F214F0F1DD83}"/>
               </a:ext>
             </a:extLst>
           </p:cNvPr>
@@ -12697,7 +12697,7 @@
           <p:cNvPr id="6" name="Segnaposto contenuto 2">
             <a:extLst>
               <a:ext uri="{FF2B5EF4-FFF2-40B4-BE49-F238E27FC236}">
-                <a16:creationId xmlns:a16="http://schemas.microsoft.com/office/drawing/2014/main" xmlns="" id="{0E3E1FC3-46AB-4023-8163-A5243852AD3A}"/>
+                <a16:creationId xmlns="" xmlns:a16="http://schemas.microsoft.com/office/drawing/2014/main" id="{0E3E1FC3-46AB-4023-8163-A5243852AD3A}"/>
               </a:ext>
             </a:extLst>
           </p:cNvPr>
@@ -13389,7 +13389,7 @@
           <p:cNvPr id="4" name="Freccia a sinistra 3">
             <a:extLst>
               <a:ext uri="{FF2B5EF4-FFF2-40B4-BE49-F238E27FC236}">
-                <a16:creationId xmlns:a16="http://schemas.microsoft.com/office/drawing/2014/main" xmlns="" id="{52AAD68B-C27E-4FFA-9271-129D6C7B0C9E}"/>
+                <a16:creationId xmlns="" xmlns:a16="http://schemas.microsoft.com/office/drawing/2014/main" id="{52AAD68B-C27E-4FFA-9271-129D6C7B0C9E}"/>
               </a:ext>
             </a:extLst>
           </p:cNvPr>
@@ -13441,7 +13441,7 @@
           <p:cNvPr id="5" name="Segnaposto contenuto 2">
             <a:extLst>
               <a:ext uri="{FF2B5EF4-FFF2-40B4-BE49-F238E27FC236}">
-                <a16:creationId xmlns:a16="http://schemas.microsoft.com/office/drawing/2014/main" xmlns="" id="{A2F20AAD-39E9-48BB-9E24-A3B662A0B11F}"/>
+                <a16:creationId xmlns="" xmlns:a16="http://schemas.microsoft.com/office/drawing/2014/main" id="{A2F20AAD-39E9-48BB-9E24-A3B662A0B11F}"/>
               </a:ext>
             </a:extLst>
           </p:cNvPr>
@@ -13626,7 +13626,7 @@
           <p:cNvPr id="6" name="Segnaposto contenuto 2">
             <a:extLst>
               <a:ext uri="{FF2B5EF4-FFF2-40B4-BE49-F238E27FC236}">
-                <a16:creationId xmlns:a16="http://schemas.microsoft.com/office/drawing/2014/main" xmlns="" id="{6F19C448-41DA-4A1F-A840-40BEC5D113AC}"/>
+                <a16:creationId xmlns="" xmlns:a16="http://schemas.microsoft.com/office/drawing/2014/main" id="{6F19C448-41DA-4A1F-A840-40BEC5D113AC}"/>
               </a:ext>
             </a:extLst>
           </p:cNvPr>
@@ -13818,7 +13818,7 @@
           <p:cNvPr id="7" name="Segnaposto contenuto 2">
             <a:extLst>
               <a:ext uri="{FF2B5EF4-FFF2-40B4-BE49-F238E27FC236}">
-                <a16:creationId xmlns:a16="http://schemas.microsoft.com/office/drawing/2014/main" xmlns="" id="{21BD1C16-510B-462B-B13D-C7EBD07B538E}"/>
+                <a16:creationId xmlns="" xmlns:a16="http://schemas.microsoft.com/office/drawing/2014/main" id="{21BD1C16-510B-462B-B13D-C7EBD07B538E}"/>
               </a:ext>
             </a:extLst>
           </p:cNvPr>
@@ -14010,7 +14010,7 @@
           <p:cNvPr id="8" name="Freccia a sinistra 7">
             <a:extLst>
               <a:ext uri="{FF2B5EF4-FFF2-40B4-BE49-F238E27FC236}">
-                <a16:creationId xmlns:a16="http://schemas.microsoft.com/office/drawing/2014/main" xmlns="" id="{45FF0A01-F6A5-41C4-BF0C-17F93411D298}"/>
+                <a16:creationId xmlns="" xmlns:a16="http://schemas.microsoft.com/office/drawing/2014/main" id="{45FF0A01-F6A5-41C4-BF0C-17F93411D298}"/>
               </a:ext>
             </a:extLst>
           </p:cNvPr>
@@ -14062,7 +14062,7 @@
           <p:cNvPr id="9" name="Freccia a sinistra 8">
             <a:extLst>
               <a:ext uri="{FF2B5EF4-FFF2-40B4-BE49-F238E27FC236}">
-                <a16:creationId xmlns:a16="http://schemas.microsoft.com/office/drawing/2014/main" xmlns="" id="{57F6291A-A3EE-4B60-9B86-7BDD9DD70CDB}"/>
+                <a16:creationId xmlns="" xmlns:a16="http://schemas.microsoft.com/office/drawing/2014/main" id="{57F6291A-A3EE-4B60-9B86-7BDD9DD70CDB}"/>
               </a:ext>
             </a:extLst>
           </p:cNvPr>
@@ -14114,7 +14114,7 @@
           <p:cNvPr id="10" name="Freccia a sinistra 9">
             <a:extLst>
               <a:ext uri="{FF2B5EF4-FFF2-40B4-BE49-F238E27FC236}">
-                <a16:creationId xmlns:a16="http://schemas.microsoft.com/office/drawing/2014/main" xmlns="" id="{65303005-63C0-4B0B-9230-9E165A672FEA}"/>
+                <a16:creationId xmlns="" xmlns:a16="http://schemas.microsoft.com/office/drawing/2014/main" id="{65303005-63C0-4B0B-9230-9E165A672FEA}"/>
               </a:ext>
             </a:extLst>
           </p:cNvPr>
@@ -14163,7 +14163,7 @@
           <p:cNvPr id="12" name="Segnaposto contenuto 2">
             <a:extLst>
               <a:ext uri="{FF2B5EF4-FFF2-40B4-BE49-F238E27FC236}">
-                <a16:creationId xmlns:a16="http://schemas.microsoft.com/office/drawing/2014/main" xmlns="" id="{2F57A88A-B3AF-4493-B6F4-5CBDF2361A29}"/>
+                <a16:creationId xmlns="" xmlns:a16="http://schemas.microsoft.com/office/drawing/2014/main" id="{2F57A88A-B3AF-4493-B6F4-5CBDF2361A29}"/>
               </a:ext>
             </a:extLst>
           </p:cNvPr>
@@ -15148,7 +15148,7 @@
           <p:cNvPr id="4" name="Freccia a sinistra 3">
             <a:extLst>
               <a:ext uri="{FF2B5EF4-FFF2-40B4-BE49-F238E27FC236}">
-                <a16:creationId xmlns:a16="http://schemas.microsoft.com/office/drawing/2014/main" xmlns="" id="{52AAD68B-C27E-4FFA-9271-129D6C7B0C9E}"/>
+                <a16:creationId xmlns="" xmlns:a16="http://schemas.microsoft.com/office/drawing/2014/main" id="{52AAD68B-C27E-4FFA-9271-129D6C7B0C9E}"/>
               </a:ext>
             </a:extLst>
           </p:cNvPr>
@@ -15200,7 +15200,7 @@
           <p:cNvPr id="5" name="Segnaposto contenuto 2">
             <a:extLst>
               <a:ext uri="{FF2B5EF4-FFF2-40B4-BE49-F238E27FC236}">
-                <a16:creationId xmlns:a16="http://schemas.microsoft.com/office/drawing/2014/main" xmlns="" id="{A2F20AAD-39E9-48BB-9E24-A3B662A0B11F}"/>
+                <a16:creationId xmlns="" xmlns:a16="http://schemas.microsoft.com/office/drawing/2014/main" id="{A2F20AAD-39E9-48BB-9E24-A3B662A0B11F}"/>
               </a:ext>
             </a:extLst>
           </p:cNvPr>
@@ -15392,7 +15392,7 @@
           <p:cNvPr id="6" name="Segnaposto contenuto 2">
             <a:extLst>
               <a:ext uri="{FF2B5EF4-FFF2-40B4-BE49-F238E27FC236}">
-                <a16:creationId xmlns:a16="http://schemas.microsoft.com/office/drawing/2014/main" xmlns="" id="{6F19C448-41DA-4A1F-A840-40BEC5D113AC}"/>
+                <a16:creationId xmlns="" xmlns:a16="http://schemas.microsoft.com/office/drawing/2014/main" id="{6F19C448-41DA-4A1F-A840-40BEC5D113AC}"/>
               </a:ext>
             </a:extLst>
           </p:cNvPr>
@@ -15588,7 +15588,7 @@
           <p:cNvPr id="7" name="Segnaposto contenuto 2">
             <a:extLst>
               <a:ext uri="{FF2B5EF4-FFF2-40B4-BE49-F238E27FC236}">
-                <a16:creationId xmlns:a16="http://schemas.microsoft.com/office/drawing/2014/main" xmlns="" id="{21BD1C16-510B-462B-B13D-C7EBD07B538E}"/>
+                <a16:creationId xmlns="" xmlns:a16="http://schemas.microsoft.com/office/drawing/2014/main" id="{21BD1C16-510B-462B-B13D-C7EBD07B538E}"/>
               </a:ext>
             </a:extLst>
           </p:cNvPr>
@@ -15780,7 +15780,7 @@
           <p:cNvPr id="10" name="Freccia a sinistra 9">
             <a:extLst>
               <a:ext uri="{FF2B5EF4-FFF2-40B4-BE49-F238E27FC236}">
-                <a16:creationId xmlns:a16="http://schemas.microsoft.com/office/drawing/2014/main" xmlns="" id="{C1B292C1-40FC-4AEE-A345-9D296CB99FCF}"/>
+                <a16:creationId xmlns="" xmlns:a16="http://schemas.microsoft.com/office/drawing/2014/main" id="{C1B292C1-40FC-4AEE-A345-9D296CB99FCF}"/>
               </a:ext>
             </a:extLst>
           </p:cNvPr>
@@ -15829,7 +15829,7 @@
           <p:cNvPr id="11" name="Freccia a sinistra 10">
             <a:extLst>
               <a:ext uri="{FF2B5EF4-FFF2-40B4-BE49-F238E27FC236}">
-                <a16:creationId xmlns:a16="http://schemas.microsoft.com/office/drawing/2014/main" xmlns="" id="{C92C966D-5F66-493C-B802-9D8381BD8A1A}"/>
+                <a16:creationId xmlns="" xmlns:a16="http://schemas.microsoft.com/office/drawing/2014/main" id="{C92C966D-5F66-493C-B802-9D8381BD8A1A}"/>
               </a:ext>
             </a:extLst>
           </p:cNvPr>
@@ -15881,7 +15881,7 @@
           <p:cNvPr id="12" name="Freccia a sinistra 11">
             <a:extLst>
               <a:ext uri="{FF2B5EF4-FFF2-40B4-BE49-F238E27FC236}">
-                <a16:creationId xmlns:a16="http://schemas.microsoft.com/office/drawing/2014/main" xmlns="" id="{FE0CB7B8-9FAB-4619-8EFA-2FC82084A435}"/>
+                <a16:creationId xmlns="" xmlns:a16="http://schemas.microsoft.com/office/drawing/2014/main" id="{FE0CB7B8-9FAB-4619-8EFA-2FC82084A435}"/>
               </a:ext>
             </a:extLst>
           </p:cNvPr>
@@ -15930,7 +15930,7 @@
           <p:cNvPr id="13" name="Segnaposto contenuto 2">
             <a:extLst>
               <a:ext uri="{FF2B5EF4-FFF2-40B4-BE49-F238E27FC236}">
-                <a16:creationId xmlns:a16="http://schemas.microsoft.com/office/drawing/2014/main" xmlns="" id="{FAB91D41-4679-4D48-8DA8-C4DC00098328}"/>
+                <a16:creationId xmlns="" xmlns:a16="http://schemas.microsoft.com/office/drawing/2014/main" id="{FAB91D41-4679-4D48-8DA8-C4DC00098328}"/>
               </a:ext>
             </a:extLst>
           </p:cNvPr>
@@ -16916,7 +16916,7 @@
           <p:cNvPr id="4" name="Freccia a sinistra 3">
             <a:extLst>
               <a:ext uri="{FF2B5EF4-FFF2-40B4-BE49-F238E27FC236}">
-                <a16:creationId xmlns:a16="http://schemas.microsoft.com/office/drawing/2014/main" xmlns="" id="{52AAD68B-C27E-4FFA-9271-129D6C7B0C9E}"/>
+                <a16:creationId xmlns="" xmlns:a16="http://schemas.microsoft.com/office/drawing/2014/main" id="{52AAD68B-C27E-4FFA-9271-129D6C7B0C9E}"/>
               </a:ext>
             </a:extLst>
           </p:cNvPr>
@@ -16968,7 +16968,7 @@
           <p:cNvPr id="5" name="Segnaposto contenuto 2">
             <a:extLst>
               <a:ext uri="{FF2B5EF4-FFF2-40B4-BE49-F238E27FC236}">
-                <a16:creationId xmlns:a16="http://schemas.microsoft.com/office/drawing/2014/main" xmlns="" id="{A2F20AAD-39E9-48BB-9E24-A3B662A0B11F}"/>
+                <a16:creationId xmlns="" xmlns:a16="http://schemas.microsoft.com/office/drawing/2014/main" id="{A2F20AAD-39E9-48BB-9E24-A3B662A0B11F}"/>
               </a:ext>
             </a:extLst>
           </p:cNvPr>
@@ -17156,7 +17156,7 @@
           <p:cNvPr id="14" name="Freccia a sinistra 13">
             <a:extLst>
               <a:ext uri="{FF2B5EF4-FFF2-40B4-BE49-F238E27FC236}">
-                <a16:creationId xmlns:a16="http://schemas.microsoft.com/office/drawing/2014/main" xmlns="" id="{C6799C66-25D1-4FDC-A2B4-77A59FA57C85}"/>
+                <a16:creationId xmlns="" xmlns:a16="http://schemas.microsoft.com/office/drawing/2014/main" id="{C6799C66-25D1-4FDC-A2B4-77A59FA57C85}"/>
               </a:ext>
             </a:extLst>
           </p:cNvPr>
@@ -17208,7 +17208,7 @@
           <p:cNvPr id="15" name="Segnaposto contenuto 2">
             <a:extLst>
               <a:ext uri="{FF2B5EF4-FFF2-40B4-BE49-F238E27FC236}">
-                <a16:creationId xmlns:a16="http://schemas.microsoft.com/office/drawing/2014/main" xmlns="" id="{40D43C98-CF30-4320-8A33-D0F8DC91FE35}"/>
+                <a16:creationId xmlns="" xmlns:a16="http://schemas.microsoft.com/office/drawing/2014/main" id="{40D43C98-CF30-4320-8A33-D0F8DC91FE35}"/>
               </a:ext>
             </a:extLst>
           </p:cNvPr>
@@ -18006,7 +18006,7 @@
           <p:cNvPr id="4" name="Freccia a sinistra 3">
             <a:extLst>
               <a:ext uri="{FF2B5EF4-FFF2-40B4-BE49-F238E27FC236}">
-                <a16:creationId xmlns:a16="http://schemas.microsoft.com/office/drawing/2014/main" xmlns="" id="{52AAD68B-C27E-4FFA-9271-129D6C7B0C9E}"/>
+                <a16:creationId xmlns="" xmlns:a16="http://schemas.microsoft.com/office/drawing/2014/main" id="{52AAD68B-C27E-4FFA-9271-129D6C7B0C9E}"/>
               </a:ext>
             </a:extLst>
           </p:cNvPr>
@@ -18058,7 +18058,7 @@
           <p:cNvPr id="5" name="Segnaposto contenuto 2">
             <a:extLst>
               <a:ext uri="{FF2B5EF4-FFF2-40B4-BE49-F238E27FC236}">
-                <a16:creationId xmlns:a16="http://schemas.microsoft.com/office/drawing/2014/main" xmlns="" id="{A2F20AAD-39E9-48BB-9E24-A3B662A0B11F}"/>
+                <a16:creationId xmlns="" xmlns:a16="http://schemas.microsoft.com/office/drawing/2014/main" id="{A2F20AAD-39E9-48BB-9E24-A3B662A0B11F}"/>
               </a:ext>
             </a:extLst>
           </p:cNvPr>
@@ -18242,7 +18242,7 @@
           <p:cNvPr id="16" name="Freccia a sinistra 15">
             <a:extLst>
               <a:ext uri="{FF2B5EF4-FFF2-40B4-BE49-F238E27FC236}">
-                <a16:creationId xmlns:a16="http://schemas.microsoft.com/office/drawing/2014/main" xmlns="" id="{8502FCEF-2C24-4650-A921-0C7108C2B8FB}"/>
+                <a16:creationId xmlns="" xmlns:a16="http://schemas.microsoft.com/office/drawing/2014/main" id="{8502FCEF-2C24-4650-A921-0C7108C2B8FB}"/>
               </a:ext>
             </a:extLst>
           </p:cNvPr>
@@ -18294,7 +18294,7 @@
           <p:cNvPr id="17" name="Freccia a sinistra 16">
             <a:extLst>
               <a:ext uri="{FF2B5EF4-FFF2-40B4-BE49-F238E27FC236}">
-                <a16:creationId xmlns:a16="http://schemas.microsoft.com/office/drawing/2014/main" xmlns="" id="{6C068BFB-0AF3-4820-A2FF-7F02C6A940D0}"/>
+                <a16:creationId xmlns="" xmlns:a16="http://schemas.microsoft.com/office/drawing/2014/main" id="{6C068BFB-0AF3-4820-A2FF-7F02C6A940D0}"/>
               </a:ext>
             </a:extLst>
           </p:cNvPr>
@@ -18343,7 +18343,7 @@
           <p:cNvPr id="18" name="Segnaposto contenuto 2">
             <a:extLst>
               <a:ext uri="{FF2B5EF4-FFF2-40B4-BE49-F238E27FC236}">
-                <a16:creationId xmlns:a16="http://schemas.microsoft.com/office/drawing/2014/main" xmlns="" id="{FA988C52-EE1B-433A-9585-DF13F09BFFF9}"/>
+                <a16:creationId xmlns="" xmlns:a16="http://schemas.microsoft.com/office/drawing/2014/main" id="{FA988C52-EE1B-433A-9585-DF13F09BFFF9}"/>
               </a:ext>
             </a:extLst>
           </p:cNvPr>
@@ -18523,7 +18523,7 @@
           <p:cNvPr id="19" name="Segnaposto contenuto 2">
             <a:extLst>
               <a:ext uri="{FF2B5EF4-FFF2-40B4-BE49-F238E27FC236}">
-                <a16:creationId xmlns:a16="http://schemas.microsoft.com/office/drawing/2014/main" xmlns="" id="{A1A5938C-0587-4480-B804-562F15190190}"/>
+                <a16:creationId xmlns="" xmlns:a16="http://schemas.microsoft.com/office/drawing/2014/main" id="{A1A5938C-0587-4480-B804-562F15190190}"/>
               </a:ext>
             </a:extLst>
           </p:cNvPr>
@@ -19674,7 +19674,7 @@
           <p:cNvPr id="3" name="CasellaDiTesto 2">
             <a:extLst>
               <a:ext uri="{FF2B5EF4-FFF2-40B4-BE49-F238E27FC236}">
-                <a16:creationId xmlns:a16="http://schemas.microsoft.com/office/drawing/2014/main" xmlns="" id="{6B766F73-C325-44DD-B203-D5A0D0911082}"/>
+                <a16:creationId xmlns="" xmlns:a16="http://schemas.microsoft.com/office/drawing/2014/main" id="{6B766F73-C325-44DD-B203-D5A0D0911082}"/>
               </a:ext>
             </a:extLst>
           </p:cNvPr>
@@ -21797,7 +21797,7 @@
           <p:cNvPr id="5" name="CasellaDiTesto 4">
             <a:extLst>
               <a:ext uri="{FF2B5EF4-FFF2-40B4-BE49-F238E27FC236}">
-                <a16:creationId xmlns:a16="http://schemas.microsoft.com/office/drawing/2014/main" xmlns="" id="{DF6707CD-056C-44E0-A596-192752800AC1}"/>
+                <a16:creationId xmlns="" xmlns:a16="http://schemas.microsoft.com/office/drawing/2014/main" id="{DF6707CD-056C-44E0-A596-192752800AC1}"/>
               </a:ext>
             </a:extLst>
           </p:cNvPr>
@@ -21856,7 +21856,7 @@
           <p:cNvPr id="6" name="CasellaDiTesto 5">
             <a:extLst>
               <a:ext uri="{FF2B5EF4-FFF2-40B4-BE49-F238E27FC236}">
-                <a16:creationId xmlns:a16="http://schemas.microsoft.com/office/drawing/2014/main" xmlns="" id="{4FFB9536-6D87-40EE-BE02-E74E100076F5}"/>
+                <a16:creationId xmlns="" xmlns:a16="http://schemas.microsoft.com/office/drawing/2014/main" id="{4FFB9536-6D87-40EE-BE02-E74E100076F5}"/>
               </a:ext>
             </a:extLst>
           </p:cNvPr>
@@ -21893,7 +21893,7 @@
           <p:cNvPr id="4" name="TextBox 3">
             <a:extLst>
               <a:ext uri="{FF2B5EF4-FFF2-40B4-BE49-F238E27FC236}">
-                <a16:creationId xmlns:a16="http://schemas.microsoft.com/office/drawing/2014/main" xmlns="" id="{FC51D9A0-F468-46B4-87EA-9ABB89E5A85E}"/>
+                <a16:creationId xmlns="" xmlns:a16="http://schemas.microsoft.com/office/drawing/2014/main" id="{FC51D9A0-F468-46B4-87EA-9ABB89E5A85E}"/>
               </a:ext>
             </a:extLst>
           </p:cNvPr>
@@ -21941,7 +21941,7 @@
           <p:cNvPr id="8" name="Freccia a sinistra 6">
             <a:extLst>
               <a:ext uri="{FF2B5EF4-FFF2-40B4-BE49-F238E27FC236}">
-                <a16:creationId xmlns:a16="http://schemas.microsoft.com/office/drawing/2014/main" xmlns="" id="{087203C0-2577-40B6-9440-9041D7630F57}"/>
+                <a16:creationId xmlns="" xmlns:a16="http://schemas.microsoft.com/office/drawing/2014/main" id="{087203C0-2577-40B6-9440-9041D7630F57}"/>
               </a:ext>
             </a:extLst>
           </p:cNvPr>
@@ -21993,7 +21993,7 @@
           <p:cNvPr id="10" name="Freccia a sinistra 7">
             <a:extLst>
               <a:ext uri="{FF2B5EF4-FFF2-40B4-BE49-F238E27FC236}">
-                <a16:creationId xmlns:a16="http://schemas.microsoft.com/office/drawing/2014/main" xmlns="" id="{8814F101-5DA6-4571-802A-BF15B9270B16}"/>
+                <a16:creationId xmlns="" xmlns:a16="http://schemas.microsoft.com/office/drawing/2014/main" id="{8814F101-5DA6-4571-802A-BF15B9270B16}"/>
               </a:ext>
             </a:extLst>
           </p:cNvPr>
@@ -22585,7 +22585,7 @@
           <p:cNvPr id="6" name="Freccia a sinistra 5">
             <a:extLst>
               <a:ext uri="{FF2B5EF4-FFF2-40B4-BE49-F238E27FC236}">
-                <a16:creationId xmlns:a16="http://schemas.microsoft.com/office/drawing/2014/main" xmlns="" id="{A1755853-E9EB-407A-9A81-5BE7C3F8CFFF}"/>
+                <a16:creationId xmlns="" xmlns:a16="http://schemas.microsoft.com/office/drawing/2014/main" id="{A1755853-E9EB-407A-9A81-5BE7C3F8CFFF}"/>
               </a:ext>
             </a:extLst>
           </p:cNvPr>
@@ -22637,7 +22637,7 @@
           <p:cNvPr id="7" name="Rettangolo 6">
             <a:extLst>
               <a:ext uri="{FF2B5EF4-FFF2-40B4-BE49-F238E27FC236}">
-                <a16:creationId xmlns:a16="http://schemas.microsoft.com/office/drawing/2014/main" xmlns="" id="{5539374F-6357-4868-B879-196C3A864CF4}"/>
+                <a16:creationId xmlns="" xmlns:a16="http://schemas.microsoft.com/office/drawing/2014/main" id="{5539374F-6357-4868-B879-196C3A864CF4}"/>
               </a:ext>
             </a:extLst>
           </p:cNvPr>
@@ -23467,7 +23467,7 @@
   <a:extraClrSchemeLst/>
   <a:extLst>
     <a:ext uri="{05A4C25C-085E-4340-85A3-A5531E510DB2}">
-      <thm15:themeFamily xmlns:thm15="http://schemas.microsoft.com/office/thememl/2012/main" xmlns="" name="Office Theme" id="{62F939B6-93AF-4DB8-9C6B-D6C7DFDC589F}" vid="{4A3C46E8-61CC-4603-A589-7422A47A8E4A}"/>
+      <thm15:themeFamily xmlns="" xmlns:thm15="http://schemas.microsoft.com/office/thememl/2012/main" name="Office Theme" id="{62F939B6-93AF-4DB8-9C6B-D6C7DFDC589F}" vid="{4A3C46E8-61CC-4603-A589-7422A47A8E4A}"/>
     </a:ext>
   </a:extLst>
 </a:theme>

--- a/Presentation/Towards_Identity_Anonymization_on_graph(K-degree anonymization).pptx
+++ b/Presentation/Towards_Identity_Anonymization_on_graph(K-degree anonymization).pptx
@@ -8247,7 +8247,15 @@
             </a:r>
             <a:r>
               <a:rPr lang="it-IT" dirty="0"/>
-              <a:t> avranno alcun </a:t>
+              <a:t> </a:t>
+            </a:r>
+            <a:r>
+              <a:rPr lang="it-IT" dirty="0" smtClean="0"/>
+              <a:t> avranno </a:t>
+            </a:r>
+            <a:r>
+              <a:rPr lang="it-IT" dirty="0"/>
+              <a:t>alcun </a:t>
             </a:r>
             <a:r>
               <a:rPr lang="it-IT" b="1" dirty="0"/>
@@ -8255,8 +8263,21 @@
             </a:r>
             <a:r>
               <a:rPr lang="it-IT" dirty="0"/>
-              <a:t> con quelli presenti nel grafo originale non anonimizzato</a:t>
-            </a:r>
+              <a:t> con quelli </a:t>
+            </a:r>
+            <a:r>
+              <a:rPr lang="it-IT" dirty="0" smtClean="0"/>
+              <a:t>   presenti </a:t>
+            </a:r>
+            <a:r>
+              <a:rPr lang="it-IT" dirty="0"/>
+              <a:t>nel grafo originale non </a:t>
+            </a:r>
+            <a:r>
+              <a:rPr lang="it-IT" dirty="0" smtClean="0"/>
+              <a:t>   anonimizzato</a:t>
+            </a:r>
+            <a:endParaRPr lang="it-IT" dirty="0"/>
           </a:p>
         </p:txBody>
       </p:sp>
@@ -9328,7 +9349,13 @@
               <a:t> a portarlo al nuovo grado di </a:t>
             </a:r>
             <a:r>
-              <a:rPr lang="it-IT" sz="1800" dirty="0" err="1">
+              <a:rPr lang="it-IT" sz="1800" dirty="0" smtClean="0">
+                <a:ea typeface="맑은 고딕"/>
+              </a:rPr>
+              <a:t>      </a:t>
+            </a:r>
+            <a:r>
+              <a:rPr lang="it-IT" sz="1800" dirty="0" err="1" smtClean="0">
                 <a:ea typeface="맑은 고딕"/>
               </a:rPr>
               <a:t>anonimizzazione</a:t>
@@ -11482,7 +11509,7 @@
           </p:cNvPicPr>
           <p:nvPr/>
         </p:nvPicPr>
-        <p:blipFill>
+        <p:blipFill rotWithShape="1">
           <a:blip r:embed="rId2" cstate="print">
             <a:extLst>
               <a:ext uri="{28A0092B-C50C-407E-A947-70E740481C1C}">
@@ -11490,14 +11517,13 @@
               </a:ext>
             </a:extLst>
           </a:blip>
-          <a:stretch>
-            <a:fillRect/>
-          </a:stretch>
+          <a:srcRect l="4224" t="5666" r="5103" b="3160"/>
+          <a:stretch/>
         </p:blipFill>
         <p:spPr>
           <a:xfrm>
-            <a:off x="1718386" y="1646551"/>
-            <a:ext cx="5707228" cy="3394472"/>
+            <a:off x="1547664" y="1635646"/>
+            <a:ext cx="5708916" cy="3414266"/>
           </a:xfrm>
           <a:prstGeom prst="rect">
             <a:avLst/>
@@ -11635,7 +11661,7 @@
           </p:cNvPicPr>
           <p:nvPr/>
         </p:nvPicPr>
-        <p:blipFill>
+        <p:blipFill rotWithShape="1">
           <a:blip r:embed="rId2" cstate="print">
             <a:extLst>
               <a:ext uri="{28A0092B-C50C-407E-A947-70E740481C1C}">
@@ -11643,14 +11669,13 @@
               </a:ext>
             </a:extLst>
           </a:blip>
-          <a:stretch>
-            <a:fillRect/>
-          </a:stretch>
+          <a:srcRect l="5746" t="6796" r="5568" b="4990"/>
+          <a:stretch/>
         </p:blipFill>
         <p:spPr>
           <a:xfrm>
-            <a:off x="1745092" y="1618210"/>
-            <a:ext cx="5653815" cy="3394472"/>
+            <a:off x="1763688" y="1707654"/>
+            <a:ext cx="5526377" cy="3300321"/>
           </a:xfrm>
           <a:prstGeom prst="rect">
             <a:avLst/>
@@ -11788,7 +11813,7 @@
           </p:cNvPicPr>
           <p:nvPr/>
         </p:nvPicPr>
-        <p:blipFill>
+        <p:blipFill rotWithShape="1">
           <a:blip r:embed="rId2">
             <a:extLst>
               <a:ext uri="{28A0092B-C50C-407E-A947-70E740481C1C}">
@@ -11796,14 +11821,13 @@
               </a:ext>
             </a:extLst>
           </a:blip>
-          <a:stretch>
-            <a:fillRect/>
-          </a:stretch>
+          <a:srcRect l="4619" t="6961" r="6554" b="3337"/>
+          <a:stretch/>
         </p:blipFill>
         <p:spPr>
           <a:xfrm>
-            <a:off x="1195273" y="1635646"/>
-            <a:ext cx="6753454" cy="3318330"/>
+            <a:off x="1471694" y="1779662"/>
+            <a:ext cx="6179035" cy="3063643"/>
           </a:xfrm>
           <a:prstGeom prst="rect">
             <a:avLst/>
@@ -12097,7 +12121,7 @@
           </p:cNvPicPr>
           <p:nvPr/>
         </p:nvPicPr>
-        <p:blipFill>
+        <p:blipFill rotWithShape="1">
           <a:blip r:embed="rId3">
             <a:extLst>
               <a:ext uri="{28A0092B-C50C-407E-A947-70E740481C1C}">
@@ -12105,14 +12129,13 @@
               </a:ext>
             </a:extLst>
           </a:blip>
-          <a:stretch>
-            <a:fillRect/>
-          </a:stretch>
+          <a:srcRect l="5056" t="6552" r="6365" b="4049"/>
+          <a:stretch/>
         </p:blipFill>
         <p:spPr>
           <a:xfrm>
-            <a:off x="1117791" y="1646551"/>
-            <a:ext cx="6908417" cy="3394472"/>
+            <a:off x="1467058" y="1868993"/>
+            <a:ext cx="6119447" cy="3034603"/>
           </a:xfrm>
           <a:prstGeom prst="rect">
             <a:avLst/>
@@ -12250,7 +12273,7 @@
           </p:cNvPicPr>
           <p:nvPr/>
         </p:nvPicPr>
-        <p:blipFill>
+        <p:blipFill rotWithShape="1">
           <a:blip r:embed="rId2">
             <a:extLst>
               <a:ext uri="{28A0092B-C50C-407E-A947-70E740481C1C}">
@@ -12258,14 +12281,13 @@
               </a:ext>
             </a:extLst>
           </a:blip>
-          <a:stretch>
-            <a:fillRect/>
-          </a:stretch>
+          <a:srcRect l="5347" t="5962" r="6220" b="3457"/>
+          <a:stretch/>
         </p:blipFill>
         <p:spPr>
           <a:xfrm>
-            <a:off x="1117791" y="1646551"/>
-            <a:ext cx="6908417" cy="3394472"/>
+            <a:off x="1487156" y="1788607"/>
+            <a:ext cx="6109398" cy="3074795"/>
           </a:xfrm>
           <a:prstGeom prst="rect">
             <a:avLst/>
@@ -12378,12 +12400,20 @@
               <a:t>) dell’algoritmo di </a:t>
             </a:r>
             <a:r>
-              <a:rPr lang="it-IT" sz="2000" b="1" dirty="0" err="1"/>
+              <a:rPr lang="it-IT" sz="2000" dirty="0" smtClean="0"/>
+              <a:t> </a:t>
+            </a:r>
+            <a:r>
+              <a:rPr lang="it-IT" sz="2000" b="1" dirty="0" err="1" smtClean="0"/>
               <a:t>anonimizzazione</a:t>
             </a:r>
             <a:r>
+              <a:rPr lang="it-IT" sz="2000" dirty="0" smtClean="0"/>
+              <a:t> </a:t>
+            </a:r>
+            <a:r>
               <a:rPr lang="it-IT" sz="2000" dirty="0"/>
-              <a:t> con </a:t>
+              <a:t>con </a:t>
             </a:r>
             <a:r>
               <a:rPr lang="it-IT" sz="2000" b="1" i="1" dirty="0"/>
@@ -12391,15 +12421,19 @@
             </a:r>
             <a:r>
               <a:rPr lang="it-IT" sz="2000" dirty="0"/>
-              <a:t>risulta nettamente </a:t>
-            </a:r>
-            <a:r>
-              <a:rPr lang="it-IT" sz="2000" b="1" dirty="0"/>
-              <a:t>superiore</a:t>
+              <a:t>risulta </a:t>
+            </a:r>
+            <a:r>
+              <a:rPr lang="it-IT" sz="2000" b="1" dirty="0" smtClean="0"/>
+              <a:t>maggiore</a:t>
+            </a:r>
+            <a:r>
+              <a:rPr lang="it-IT" sz="2000" dirty="0" smtClean="0"/>
+              <a:t> </a:t>
             </a:r>
             <a:r>
               <a:rPr lang="it-IT" sz="2000" dirty="0"/>
-              <a:t> rispetto alla versione </a:t>
+              <a:t>rispetto alla versione </a:t>
             </a:r>
             <a:r>
               <a:rPr lang="it-IT" sz="2000" b="1" i="1" dirty="0" err="1"/>
@@ -12887,7 +12921,15 @@
             <a:pPr lvl="1"/>
             <a:r>
               <a:rPr lang="it-IT" sz="1600" dirty="0"/>
-              <a:t>Mantiene coerenza col  grafo originale</a:t>
+              <a:t>Mantiene coerenza col  </a:t>
+            </a:r>
+            <a:r>
+              <a:rPr lang="it-IT" sz="1600" dirty="0" smtClean="0"/>
+              <a:t>grafo    </a:t>
+            </a:r>
+            <a:r>
+              <a:rPr lang="it-IT" sz="1600" dirty="0"/>
+              <a:t>originale</a:t>
             </a:r>
           </a:p>
           <a:p>
@@ -12907,7 +12949,15 @@
             <a:pPr lvl="1"/>
             <a:r>
               <a:rPr lang="it-IT" sz="1600" dirty="0"/>
-              <a:t>Onere computazionale  decisamente più alto</a:t>
+              <a:t>Onere computazionale  </a:t>
+            </a:r>
+            <a:r>
+              <a:rPr lang="it-IT" sz="1600" dirty="0" smtClean="0"/>
+              <a:t>decisa  mente </a:t>
+            </a:r>
+            <a:r>
+              <a:rPr lang="it-IT" sz="1600" dirty="0"/>
+              <a:t>più alto</a:t>
             </a:r>
           </a:p>
           <a:p>
@@ -13142,7 +13192,23 @@
             <a:pPr algn="just"/>
             <a:r>
               <a:rPr lang="it-IT" sz="2400" dirty="0"/>
-              <a:t>La differenza nei tempi di produzione del grafo anonimizzato si incrementa fino a raddoppiare nella media dei tempi</a:t>
+              <a:t>La differenza nei tempi di produzione del grafo </a:t>
+            </a:r>
+            <a:r>
+              <a:rPr lang="it-IT" sz="2400" dirty="0" smtClean="0"/>
+              <a:t>         anonimizzato </a:t>
+            </a:r>
+            <a:r>
+              <a:rPr lang="it-IT" sz="2400" dirty="0"/>
+              <a:t>si incrementa fino a raddoppiare nella </a:t>
+            </a:r>
+            <a:r>
+              <a:rPr lang="it-IT" sz="2400" dirty="0" smtClean="0"/>
+              <a:t> media </a:t>
+            </a:r>
+            <a:r>
+              <a:rPr lang="it-IT" sz="2400" dirty="0"/>
+              <a:t>dei tempi</a:t>
             </a:r>
           </a:p>
         </p:txBody>

--- a/Presentation/Towards_Identity_Anonymization_on_graph(K-degree anonymization).pptx
+++ b/Presentation/Towards_Identity_Anonymization_on_graph(K-degree anonymization).pptx
@@ -138,7 +138,7 @@
   </p:defaultTextStyle>
   <p:extLst>
     <p:ext uri="{EFAFB233-063F-42B5-8137-9DF3F51BA10A}">
-      <p15:sldGuideLst xmlns="" xmlns:p15="http://schemas.microsoft.com/office/powerpoint/2012/main">
+      <p15:sldGuideLst xmlns:p15="http://schemas.microsoft.com/office/powerpoint/2012/main" xmlns="">
         <p15:guide id="1" orient="horz" pos="1620">
           <p15:clr>
             <a:srgbClr val="A4A3A4"/>
@@ -152,7 +152,7 @@
       </p15:sldGuideLst>
     </p:ext>
     <p:ext uri="{2D200454-40CA-4A62-9FC3-DE9A4176ACB9}">
-      <p15:notesGuideLst xmlns="" xmlns:p15="http://schemas.microsoft.com/office/powerpoint/2012/main"/>
+      <p15:notesGuideLst xmlns:p15="http://schemas.microsoft.com/office/powerpoint/2012/main" xmlns=""/>
     </p:ext>
   </p:extLst>
 </p:presentation>
@@ -259,7 +259,7 @@
           <a:p>
             <a:fld id="{A55BA7C1-22AE-0645-AD7C-34C9095A0266}" type="datetimeFigureOut">
               <a:rPr lang="it-IT" smtClean="0"/>
-              <a:t>20/03/2019</a:t>
+              <a:t>21/03/2019</a:t>
             </a:fld>
             <a:endParaRPr lang="it-IT"/>
           </a:p>
@@ -3142,7 +3142,7 @@
           <p:cNvPr id="2" name="Immagine 1">
             <a:extLst>
               <a:ext uri="{FF2B5EF4-FFF2-40B4-BE49-F238E27FC236}">
-                <a16:creationId xmlns="" xmlns:a16="http://schemas.microsoft.com/office/drawing/2014/main" id="{1697FF78-6249-45CA-87E4-75DEBD5CB8D9}"/>
+                <a16:creationId xmlns:a16="http://schemas.microsoft.com/office/drawing/2014/main" xmlns="" id="{1697FF78-6249-45CA-87E4-75DEBD5CB8D9}"/>
               </a:ext>
             </a:extLst>
           </p:cNvPr>
@@ -3178,7 +3178,7 @@
           <p:cNvPr id="3" name="Immagine 2">
             <a:extLst>
               <a:ext uri="{FF2B5EF4-FFF2-40B4-BE49-F238E27FC236}">
-                <a16:creationId xmlns="" xmlns:a16="http://schemas.microsoft.com/office/drawing/2014/main" id="{6E0C2C66-B069-4D6B-A5AF-C03D37897834}"/>
+                <a16:creationId xmlns:a16="http://schemas.microsoft.com/office/drawing/2014/main" xmlns="" id="{6E0C2C66-B069-4D6B-A5AF-C03D37897834}"/>
               </a:ext>
             </a:extLst>
           </p:cNvPr>
@@ -3214,7 +3214,7 @@
           <p:cNvPr id="4" name="Immagine 3">
             <a:extLst>
               <a:ext uri="{FF2B5EF4-FFF2-40B4-BE49-F238E27FC236}">
-                <a16:creationId xmlns="" xmlns:a16="http://schemas.microsoft.com/office/drawing/2014/main" id="{15EB95F6-B157-48AC-B02E-275509424AD3}"/>
+                <a16:creationId xmlns:a16="http://schemas.microsoft.com/office/drawing/2014/main" xmlns="" id="{15EB95F6-B157-48AC-B02E-275509424AD3}"/>
               </a:ext>
             </a:extLst>
           </p:cNvPr>
@@ -3250,7 +3250,7 @@
           <p:cNvPr id="5" name="Immagine 4">
             <a:extLst>
               <a:ext uri="{FF2B5EF4-FFF2-40B4-BE49-F238E27FC236}">
-                <a16:creationId xmlns="" xmlns:a16="http://schemas.microsoft.com/office/drawing/2014/main" id="{A026063C-61A9-4B0C-8AC5-5CE10DDB0160}"/>
+                <a16:creationId xmlns:a16="http://schemas.microsoft.com/office/drawing/2014/main" xmlns="" id="{A026063C-61A9-4B0C-8AC5-5CE10DDB0160}"/>
               </a:ext>
             </a:extLst>
           </p:cNvPr>
@@ -3286,7 +3286,7 @@
           <p:cNvPr id="6" name="Immagine 5">
             <a:extLst>
               <a:ext uri="{FF2B5EF4-FFF2-40B4-BE49-F238E27FC236}">
-                <a16:creationId xmlns="" xmlns:a16="http://schemas.microsoft.com/office/drawing/2014/main" id="{1D33C969-1E51-4A09-AFCB-EF72864DCFAF}"/>
+                <a16:creationId xmlns:a16="http://schemas.microsoft.com/office/drawing/2014/main" xmlns="" id="{1D33C969-1E51-4A09-AFCB-EF72864DCFAF}"/>
               </a:ext>
             </a:extLst>
           </p:cNvPr>
@@ -3439,7 +3439,7 @@
           <a:p>
             <a:fld id="{DF8C5CDB-1AEF-4522-8EAF-CE1F4E5D863E}" type="datetimeFigureOut">
               <a:rPr lang="ko-KR" altLang="en-US" smtClean="0"/>
-              <a:t>2019-03-20</a:t>
+              <a:t>2019-03-21</a:t>
             </a:fld>
             <a:endParaRPr lang="ko-KR" altLang="en-US"/>
           </a:p>
@@ -3619,7 +3619,7 @@
           <a:p>
             <a:fld id="{DF8C5CDB-1AEF-4522-8EAF-CE1F4E5D863E}" type="datetimeFigureOut">
               <a:rPr lang="ko-KR" altLang="en-US" smtClean="0"/>
-              <a:t>2019-03-20</a:t>
+              <a:t>2019-03-21</a:t>
             </a:fld>
             <a:endParaRPr lang="ko-KR" altLang="en-US"/>
           </a:p>
@@ -3798,7 +3798,7 @@
           <a:p>
             <a:fld id="{DF8C5CDB-1AEF-4522-8EAF-CE1F4E5D863E}" type="datetimeFigureOut">
               <a:rPr lang="ko-KR" altLang="en-US" smtClean="0"/>
-              <a:t>2019-03-20</a:t>
+              <a:t>2019-03-21</a:t>
             </a:fld>
             <a:endParaRPr lang="ko-KR" altLang="en-US"/>
           </a:p>
@@ -3851,7 +3851,7 @@
           <p:cNvPr id="7" name="Immagine 6">
             <a:extLst>
               <a:ext uri="{FF2B5EF4-FFF2-40B4-BE49-F238E27FC236}">
-                <a16:creationId xmlns="" xmlns:a16="http://schemas.microsoft.com/office/drawing/2014/main" id="{A72BE1A7-F7AE-464A-8A0E-CCDD4D0A5902}"/>
+                <a16:creationId xmlns:a16="http://schemas.microsoft.com/office/drawing/2014/main" xmlns="" id="{A72BE1A7-F7AE-464A-8A0E-CCDD4D0A5902}"/>
               </a:ext>
             </a:extLst>
           </p:cNvPr>
@@ -4080,7 +4080,7 @@
           <a:p>
             <a:fld id="{DF8C5CDB-1AEF-4522-8EAF-CE1F4E5D863E}" type="datetimeFigureOut">
               <a:rPr lang="ko-KR" altLang="en-US" smtClean="0"/>
-              <a:t>2019-03-20</a:t>
+              <a:t>2019-03-21</a:t>
             </a:fld>
             <a:endParaRPr lang="ko-KR" altLang="en-US"/>
           </a:p>
@@ -4368,7 +4368,7 @@
           <a:p>
             <a:fld id="{DF8C5CDB-1AEF-4522-8EAF-CE1F4E5D863E}" type="datetimeFigureOut">
               <a:rPr lang="ko-KR" altLang="en-US" smtClean="0"/>
-              <a:t>2019-03-20</a:t>
+              <a:t>2019-03-21</a:t>
             </a:fld>
             <a:endParaRPr lang="ko-KR" altLang="en-US"/>
           </a:p>
@@ -4795,7 +4795,7 @@
           <a:p>
             <a:fld id="{DF8C5CDB-1AEF-4522-8EAF-CE1F4E5D863E}" type="datetimeFigureOut">
               <a:rPr lang="ko-KR" altLang="en-US" smtClean="0"/>
-              <a:t>2019-03-20</a:t>
+              <a:t>2019-03-21</a:t>
             </a:fld>
             <a:endParaRPr lang="ko-KR" altLang="en-US"/>
           </a:p>
@@ -4913,7 +4913,7 @@
           <a:p>
             <a:fld id="{DF8C5CDB-1AEF-4522-8EAF-CE1F4E5D863E}" type="datetimeFigureOut">
               <a:rPr lang="ko-KR" altLang="en-US" smtClean="0"/>
-              <a:t>2019-03-20</a:t>
+              <a:t>2019-03-21</a:t>
             </a:fld>
             <a:endParaRPr lang="ko-KR" altLang="en-US"/>
           </a:p>
@@ -5008,7 +5008,7 @@
           <a:p>
             <a:fld id="{DF8C5CDB-1AEF-4522-8EAF-CE1F4E5D863E}" type="datetimeFigureOut">
               <a:rPr lang="ko-KR" altLang="en-US" smtClean="0"/>
-              <a:t>2019-03-20</a:t>
+              <a:t>2019-03-21</a:t>
             </a:fld>
             <a:endParaRPr lang="ko-KR" altLang="en-US"/>
           </a:p>
@@ -5285,7 +5285,7 @@
           <a:p>
             <a:fld id="{DF8C5CDB-1AEF-4522-8EAF-CE1F4E5D863E}" type="datetimeFigureOut">
               <a:rPr lang="ko-KR" altLang="en-US" smtClean="0"/>
-              <a:t>2019-03-20</a:t>
+              <a:t>2019-03-21</a:t>
             </a:fld>
             <a:endParaRPr lang="ko-KR" altLang="en-US"/>
           </a:p>
@@ -5538,7 +5538,7 @@
           <a:p>
             <a:fld id="{DF8C5CDB-1AEF-4522-8EAF-CE1F4E5D863E}" type="datetimeFigureOut">
               <a:rPr lang="ko-KR" altLang="en-US" smtClean="0"/>
-              <a:t>2019-03-20</a:t>
+              <a:t>2019-03-21</a:t>
             </a:fld>
             <a:endParaRPr lang="ko-KR" altLang="en-US"/>
           </a:p>
@@ -5760,7 +5760,7 @@
           <a:p>
             <a:fld id="{DF8C5CDB-1AEF-4522-8EAF-CE1F4E5D863E}" type="datetimeFigureOut">
               <a:rPr lang="ko-KR" altLang="en-US" smtClean="0"/>
-              <a:t>2019-03-20</a:t>
+              <a:t>2019-03-21</a:t>
             </a:fld>
             <a:endParaRPr lang="ko-KR" altLang="en-US"/>
           </a:p>
@@ -6615,7 +6615,7 @@
               <a:t>Per ciascun tipo di </a:t>
             </a:r>
             <a:r>
-              <a:rPr lang="it-IT" sz="2800" b="1" err="1"/>
+              <a:rPr lang="it-IT" sz="2800" b="1" dirty="0" err="1"/>
               <a:t>anonimizzazione</a:t>
             </a:r>
             <a:r>
@@ -6816,7 +6816,7 @@
           <p:cNvPr id="12" name="CasellaDiTesto 11">
             <a:extLst>
               <a:ext uri="{FF2B5EF4-FFF2-40B4-BE49-F238E27FC236}">
-                <a16:creationId xmlns="" xmlns:a16="http://schemas.microsoft.com/office/drawing/2014/main" id="{86C752DB-7FEF-4E25-80C7-7ADA3B21B36B}"/>
+                <a16:creationId xmlns:a16="http://schemas.microsoft.com/office/drawing/2014/main" xmlns="" id="{86C752DB-7FEF-4E25-80C7-7ADA3B21B36B}"/>
               </a:ext>
             </a:extLst>
           </p:cNvPr>
@@ -7506,7 +7506,7 @@
           <p:cNvPr id="4" name="CasellaDiTesto 3">
             <a:extLst>
               <a:ext uri="{FF2B5EF4-FFF2-40B4-BE49-F238E27FC236}">
-                <a16:creationId xmlns="" xmlns:a16="http://schemas.microsoft.com/office/drawing/2014/main" id="{FE319EFB-796A-4FB0-B0C2-95945AC81C0D}"/>
+                <a16:creationId xmlns:a16="http://schemas.microsoft.com/office/drawing/2014/main" xmlns="" id="{FE319EFB-796A-4FB0-B0C2-95945AC81C0D}"/>
               </a:ext>
             </a:extLst>
           </p:cNvPr>
@@ -7554,7 +7554,7 @@
           <p:cNvPr id="5" name="Freccia a sinistra 4">
             <a:extLst>
               <a:ext uri="{FF2B5EF4-FFF2-40B4-BE49-F238E27FC236}">
-                <a16:creationId xmlns="" xmlns:a16="http://schemas.microsoft.com/office/drawing/2014/main" id="{E64BDADA-A1F6-4C74-B1B9-3D850F892DE4}"/>
+                <a16:creationId xmlns:a16="http://schemas.microsoft.com/office/drawing/2014/main" xmlns="" id="{E64BDADA-A1F6-4C74-B1B9-3D850F892DE4}"/>
               </a:ext>
             </a:extLst>
           </p:cNvPr>
@@ -7959,7 +7959,7 @@
           <p:cNvPr id="5" name="Segnaposto contenuto 2">
             <a:extLst>
               <a:ext uri="{FF2B5EF4-FFF2-40B4-BE49-F238E27FC236}">
-                <a16:creationId xmlns="" xmlns:a16="http://schemas.microsoft.com/office/drawing/2014/main" id="{0434A724-68AD-4F95-8197-FB6C99014F47}"/>
+                <a16:creationId xmlns:a16="http://schemas.microsoft.com/office/drawing/2014/main" xmlns="" id="{0434A724-68AD-4F95-8197-FB6C99014F47}"/>
               </a:ext>
             </a:extLst>
           </p:cNvPr>
@@ -8154,7 +8154,7 @@
           <p:cNvPr id="6" name="Freccia a sinistra 5">
             <a:extLst>
               <a:ext uri="{FF2B5EF4-FFF2-40B4-BE49-F238E27FC236}">
-                <a16:creationId xmlns="" xmlns:a16="http://schemas.microsoft.com/office/drawing/2014/main" id="{2CD6A550-58F3-4FB9-8C5C-574669F7B4C7}"/>
+                <a16:creationId xmlns:a16="http://schemas.microsoft.com/office/drawing/2014/main" xmlns="" id="{2CD6A550-58F3-4FB9-8C5C-574669F7B4C7}"/>
               </a:ext>
             </a:extLst>
           </p:cNvPr>
@@ -8206,7 +8206,7 @@
           <p:cNvPr id="7" name="Rettangolo 6">
             <a:extLst>
               <a:ext uri="{FF2B5EF4-FFF2-40B4-BE49-F238E27FC236}">
-                <a16:creationId xmlns="" xmlns:a16="http://schemas.microsoft.com/office/drawing/2014/main" id="{3D9D1354-3416-4792-9AEA-A60C514E5E86}"/>
+                <a16:creationId xmlns:a16="http://schemas.microsoft.com/office/drawing/2014/main" xmlns="" id="{3D9D1354-3416-4792-9AEA-A60C514E5E86}"/>
               </a:ext>
             </a:extLst>
           </p:cNvPr>
@@ -8286,7 +8286,7 @@
           <p:cNvPr id="8" name="Freccia a sinistra 7">
             <a:extLst>
               <a:ext uri="{FF2B5EF4-FFF2-40B4-BE49-F238E27FC236}">
-                <a16:creationId xmlns="" xmlns:a16="http://schemas.microsoft.com/office/drawing/2014/main" id="{588EBAFE-7638-48D7-83A4-C07F693D70F1}"/>
+                <a16:creationId xmlns:a16="http://schemas.microsoft.com/office/drawing/2014/main" xmlns="" id="{588EBAFE-7638-48D7-83A4-C07F693D70F1}"/>
               </a:ext>
             </a:extLst>
           </p:cNvPr>
@@ -8338,7 +8338,7 @@
           <p:cNvPr id="9" name="Rettangolo 8">
             <a:extLst>
               <a:ext uri="{FF2B5EF4-FFF2-40B4-BE49-F238E27FC236}">
-                <a16:creationId xmlns="" xmlns:a16="http://schemas.microsoft.com/office/drawing/2014/main" id="{BF690ECC-F9BF-4243-8C75-74D96F6F8784}"/>
+                <a16:creationId xmlns:a16="http://schemas.microsoft.com/office/drawing/2014/main" xmlns="" id="{BF690ECC-F9BF-4243-8C75-74D96F6F8784}"/>
               </a:ext>
             </a:extLst>
           </p:cNvPr>
@@ -8931,7 +8931,7 @@
           <p:cNvPr id="7" name="Segnaposto contenuto 6">
             <a:extLst>
               <a:ext uri="{FF2B5EF4-FFF2-40B4-BE49-F238E27FC236}">
-                <a16:creationId xmlns="" xmlns:a16="http://schemas.microsoft.com/office/drawing/2014/main" id="{CDBDE2B9-67F9-4ECC-AFDD-EBCA7654083E}"/>
+                <a16:creationId xmlns:a16="http://schemas.microsoft.com/office/drawing/2014/main" xmlns="" id="{CDBDE2B9-67F9-4ECC-AFDD-EBCA7654083E}"/>
               </a:ext>
             </a:extLst>
           </p:cNvPr>
@@ -8979,7 +8979,7 @@
           <p:cNvPr id="8" name="Segnaposto contenuto 2">
             <a:extLst>
               <a:ext uri="{FF2B5EF4-FFF2-40B4-BE49-F238E27FC236}">
-                <a16:creationId xmlns="" xmlns:a16="http://schemas.microsoft.com/office/drawing/2014/main" id="{E62D292D-83CB-4ED4-9E10-DFFE302693F5}"/>
+                <a16:creationId xmlns:a16="http://schemas.microsoft.com/office/drawing/2014/main" xmlns="" id="{E62D292D-83CB-4ED4-9E10-DFFE302693F5}"/>
               </a:ext>
             </a:extLst>
           </p:cNvPr>
@@ -9155,7 +9155,7 @@
           <p:cNvPr id="9" name="Segnaposto contenuto 2">
             <a:extLst>
               <a:ext uri="{FF2B5EF4-FFF2-40B4-BE49-F238E27FC236}">
-                <a16:creationId xmlns="" xmlns:a16="http://schemas.microsoft.com/office/drawing/2014/main" id="{EF7056F1-E9E8-4E1F-A3EE-701CE856EBB4}"/>
+                <a16:creationId xmlns:a16="http://schemas.microsoft.com/office/drawing/2014/main" xmlns="" id="{EF7056F1-E9E8-4E1F-A3EE-701CE856EBB4}"/>
               </a:ext>
             </a:extLst>
           </p:cNvPr>
@@ -9371,7 +9371,7 @@
           <p:cNvPr id="10" name="Freccia a sinistra 9">
             <a:extLst>
               <a:ext uri="{FF2B5EF4-FFF2-40B4-BE49-F238E27FC236}">
-                <a16:creationId xmlns="" xmlns:a16="http://schemas.microsoft.com/office/drawing/2014/main" id="{6918A887-C92F-4D38-A1AE-C8EFE67EC847}"/>
+                <a16:creationId xmlns:a16="http://schemas.microsoft.com/office/drawing/2014/main" xmlns="" id="{6918A887-C92F-4D38-A1AE-C8EFE67EC847}"/>
               </a:ext>
             </a:extLst>
           </p:cNvPr>
@@ -9423,7 +9423,7 @@
           <p:cNvPr id="12" name="Freccia a sinistra 11">
             <a:extLst>
               <a:ext uri="{FF2B5EF4-FFF2-40B4-BE49-F238E27FC236}">
-                <a16:creationId xmlns="" xmlns:a16="http://schemas.microsoft.com/office/drawing/2014/main" id="{D3A2DC2F-7278-45F6-8857-ECBF372A8824}"/>
+                <a16:creationId xmlns:a16="http://schemas.microsoft.com/office/drawing/2014/main" xmlns="" id="{D3A2DC2F-7278-45F6-8857-ECBF372A8824}"/>
               </a:ext>
             </a:extLst>
           </p:cNvPr>
@@ -9475,7 +9475,7 @@
           <p:cNvPr id="13" name="Rettangolo 12">
             <a:extLst>
               <a:ext uri="{FF2B5EF4-FFF2-40B4-BE49-F238E27FC236}">
-                <a16:creationId xmlns="" xmlns:a16="http://schemas.microsoft.com/office/drawing/2014/main" id="{D80C508C-F4D6-47DE-8C40-75E92D1F2B8D}"/>
+                <a16:creationId xmlns:a16="http://schemas.microsoft.com/office/drawing/2014/main" xmlns="" id="{D80C508C-F4D6-47DE-8C40-75E92D1F2B8D}"/>
               </a:ext>
             </a:extLst>
           </p:cNvPr>
@@ -9511,7 +9511,7 @@
           <p:cNvPr id="14" name="Freccia a sinistra 13">
             <a:extLst>
               <a:ext uri="{FF2B5EF4-FFF2-40B4-BE49-F238E27FC236}">
-                <a16:creationId xmlns="" xmlns:a16="http://schemas.microsoft.com/office/drawing/2014/main" id="{AD4666D3-E737-4590-AB59-8C9E9647DE05}"/>
+                <a16:creationId xmlns:a16="http://schemas.microsoft.com/office/drawing/2014/main" xmlns="" id="{AD4666D3-E737-4590-AB59-8C9E9647DE05}"/>
               </a:ext>
             </a:extLst>
           </p:cNvPr>
@@ -9563,7 +9563,7 @@
           <p:cNvPr id="15" name="Segnaposto contenuto 6">
             <a:extLst>
               <a:ext uri="{FF2B5EF4-FFF2-40B4-BE49-F238E27FC236}">
-                <a16:creationId xmlns="" xmlns:a16="http://schemas.microsoft.com/office/drawing/2014/main" id="{02DEE03C-8DEF-4292-92AE-D6EEE1F72428}"/>
+                <a16:creationId xmlns:a16="http://schemas.microsoft.com/office/drawing/2014/main" xmlns="" id="{02DEE03C-8DEF-4292-92AE-D6EEE1F72428}"/>
               </a:ext>
             </a:extLst>
           </p:cNvPr>
@@ -9583,7 +9583,7 @@
         </p:spPr>
         <p:txBody>
           <a:bodyPr vert="horz" lIns="91440" tIns="45720" rIns="91440" bIns="45720" rtlCol="0">
-            <a:normAutofit/>
+            <a:normAutofit fontScale="92500"/>
           </a:bodyPr>
           <a:lstStyle>
             <a:lvl1pPr marL="342900" indent="-342900" algn="l" defTabSz="914400" rtl="0" eaLnBrk="1" latinLnBrk="1" hangingPunct="1">
@@ -9734,10 +9734,10 @@
               <a:t>Complessità maggiore di </a:t>
             </a:r>
             <a:r>
-              <a:rPr lang="it-IT" sz="1600" b="1" dirty="0" err="1">
+              <a:rPr lang="it-IT" sz="1600" b="1" dirty="0" err="1" smtClean="0">
                 <a:ea typeface="맑은 고딕"/>
               </a:rPr>
-              <a:t>Contruct</a:t>
+              <a:t>Construct</a:t>
             </a:r>
             <a:endParaRPr lang="it-IT" sz="1600" b="1" dirty="0">
               <a:ea typeface="맑은 고딕"/>
@@ -11301,7 +11301,7 @@
         </p:nvSpPr>
         <p:spPr>
           <a:xfrm>
-            <a:off x="457200" y="897217"/>
+            <a:off x="467544" y="1059582"/>
             <a:ext cx="8229600" cy="3394472"/>
           </a:xfrm>
         </p:spPr>
@@ -11347,7 +11347,7 @@
           <p:cNvPr id="6" name="Immagine 5">
             <a:extLst>
               <a:ext uri="{FF2B5EF4-FFF2-40B4-BE49-F238E27FC236}">
-                <a16:creationId xmlns="" xmlns:a16="http://schemas.microsoft.com/office/drawing/2014/main" id="{1C306236-CC00-7647-92D5-B35B47F62EA9}"/>
+                <a16:creationId xmlns:a16="http://schemas.microsoft.com/office/drawing/2014/main" xmlns="" id="{1C306236-CC00-7647-92D5-B35B47F62EA9}"/>
               </a:ext>
             </a:extLst>
           </p:cNvPr>
@@ -11356,7 +11356,7 @@
           </p:cNvPicPr>
           <p:nvPr/>
         </p:nvPicPr>
-        <p:blipFill>
+        <p:blipFill rotWithShape="1">
           <a:blip r:embed="rId2">
             <a:extLst>
               <a:ext uri="{28A0092B-C50C-407E-A947-70E740481C1C}">
@@ -11364,14 +11364,13 @@
               </a:ext>
             </a:extLst>
           </a:blip>
-          <a:stretch>
-            <a:fillRect/>
-          </a:stretch>
+          <a:srcRect t="6827"/>
+          <a:stretch/>
         </p:blipFill>
         <p:spPr>
           <a:xfrm>
-            <a:off x="1547664" y="1620206"/>
-            <a:ext cx="5688632" cy="3394472"/>
+            <a:off x="1547664" y="1851948"/>
+            <a:ext cx="5688632" cy="3162729"/>
           </a:xfrm>
           <a:prstGeom prst="rect">
             <a:avLst/>
@@ -11454,7 +11453,7 @@
         </p:nvSpPr>
         <p:spPr>
           <a:xfrm>
-            <a:off x="457200" y="897217"/>
+            <a:off x="467544" y="987574"/>
             <a:ext cx="8229600" cy="3394472"/>
           </a:xfrm>
         </p:spPr>
@@ -11500,7 +11499,7 @@
           <p:cNvPr id="7" name="Immagine 6">
             <a:extLst>
               <a:ext uri="{FF2B5EF4-FFF2-40B4-BE49-F238E27FC236}">
-                <a16:creationId xmlns="" xmlns:a16="http://schemas.microsoft.com/office/drawing/2014/main" id="{A441418F-23FF-5346-B922-35384CDCB34F}"/>
+                <a16:creationId xmlns:a16="http://schemas.microsoft.com/office/drawing/2014/main" xmlns="" id="{A441418F-23FF-5346-B922-35384CDCB34F}"/>
               </a:ext>
             </a:extLst>
           </p:cNvPr>
@@ -11517,13 +11516,13 @@
               </a:ext>
             </a:extLst>
           </a:blip>
-          <a:srcRect l="4224" t="5666" r="5103" b="3160"/>
+          <a:srcRect l="4224" t="8042" r="5103" b="3160"/>
           <a:stretch/>
         </p:blipFill>
         <p:spPr>
           <a:xfrm>
-            <a:off x="1547664" y="1635646"/>
-            <a:ext cx="5708916" cy="3414266"/>
+            <a:off x="1547664" y="1724628"/>
+            <a:ext cx="5708916" cy="3325284"/>
           </a:xfrm>
           <a:prstGeom prst="rect">
             <a:avLst/>
@@ -11606,7 +11605,7 @@
         </p:nvSpPr>
         <p:spPr>
           <a:xfrm>
-            <a:off x="457200" y="897217"/>
+            <a:off x="412076" y="987574"/>
             <a:ext cx="8229600" cy="3394472"/>
           </a:xfrm>
         </p:spPr>
@@ -11652,7 +11651,7 @@
           <p:cNvPr id="6" name="Immagine 5">
             <a:extLst>
               <a:ext uri="{FF2B5EF4-FFF2-40B4-BE49-F238E27FC236}">
-                <a16:creationId xmlns="" xmlns:a16="http://schemas.microsoft.com/office/drawing/2014/main" id="{91528184-72CB-764E-AF76-E970CF53BCE0}"/>
+                <a16:creationId xmlns:a16="http://schemas.microsoft.com/office/drawing/2014/main" xmlns="" id="{91528184-72CB-764E-AF76-E970CF53BCE0}"/>
               </a:ext>
             </a:extLst>
           </p:cNvPr>
@@ -11669,13 +11668,13 @@
               </a:ext>
             </a:extLst>
           </a:blip>
-          <a:srcRect l="5746" t="6796" r="5568" b="4990"/>
+          <a:srcRect l="5746" t="9106" r="5568" b="4990"/>
           <a:stretch/>
         </p:blipFill>
         <p:spPr>
           <a:xfrm>
-            <a:off x="1763688" y="1707654"/>
-            <a:ext cx="5526377" cy="3300321"/>
+            <a:off x="1763688" y="1794076"/>
+            <a:ext cx="5526377" cy="3213899"/>
           </a:xfrm>
           <a:prstGeom prst="rect">
             <a:avLst/>
@@ -11758,7 +11757,7 @@
         </p:nvSpPr>
         <p:spPr>
           <a:xfrm>
-            <a:off x="457200" y="897217"/>
+            <a:off x="457200" y="977478"/>
             <a:ext cx="8229600" cy="3394472"/>
           </a:xfrm>
         </p:spPr>
@@ -11794,7 +11793,15 @@
             </a:r>
             <a:r>
               <a:rPr lang="it-IT" sz="2000" dirty="0"/>
-              <a:t> core  ?? , 8GB RAM)</a:t>
+              <a:t> </a:t>
+            </a:r>
+            <a:r>
+              <a:rPr lang="it-IT" sz="2000" dirty="0" smtClean="0"/>
+              <a:t>core i5 </a:t>
+            </a:r>
+            <a:r>
+              <a:rPr lang="it-IT" sz="2000" dirty="0"/>
+              <a:t>, 8GB RAM)</a:t>
             </a:r>
           </a:p>
         </p:txBody>
@@ -11804,7 +11811,7 @@
           <p:cNvPr id="7" name="Immagine 6">
             <a:extLst>
               <a:ext uri="{FF2B5EF4-FFF2-40B4-BE49-F238E27FC236}">
-                <a16:creationId xmlns="" xmlns:a16="http://schemas.microsoft.com/office/drawing/2014/main" id="{97C3AC0D-C308-DE49-B289-2466A91E9851}"/>
+                <a16:creationId xmlns:a16="http://schemas.microsoft.com/office/drawing/2014/main" xmlns="" id="{97C3AC0D-C308-DE49-B289-2466A91E9851}"/>
               </a:ext>
             </a:extLst>
           </p:cNvPr>
@@ -12066,7 +12073,7 @@
         </p:nvSpPr>
         <p:spPr>
           <a:xfrm>
-            <a:off x="457200" y="897217"/>
+            <a:off x="457200" y="1049486"/>
             <a:ext cx="8229600" cy="3394472"/>
           </a:xfrm>
         </p:spPr>
@@ -12112,7 +12119,7 @@
           <p:cNvPr id="6" name="Immagine 5">
             <a:extLst>
               <a:ext uri="{FF2B5EF4-FFF2-40B4-BE49-F238E27FC236}">
-                <a16:creationId xmlns="" xmlns:a16="http://schemas.microsoft.com/office/drawing/2014/main" id="{21A85A62-F1D3-7E4A-9612-54BAC294F06A}"/>
+                <a16:creationId xmlns:a16="http://schemas.microsoft.com/office/drawing/2014/main" xmlns="" id="{21A85A62-F1D3-7E4A-9612-54BAC294F06A}"/>
               </a:ext>
             </a:extLst>
           </p:cNvPr>
@@ -12218,7 +12225,7 @@
         </p:nvSpPr>
         <p:spPr>
           <a:xfrm>
-            <a:off x="457200" y="897217"/>
+            <a:off x="457200" y="987574"/>
             <a:ext cx="8229600" cy="3394472"/>
           </a:xfrm>
         </p:spPr>
@@ -12264,7 +12271,7 @@
           <p:cNvPr id="7" name="Immagine 6">
             <a:extLst>
               <a:ext uri="{FF2B5EF4-FFF2-40B4-BE49-F238E27FC236}">
-                <a16:creationId xmlns="" xmlns:a16="http://schemas.microsoft.com/office/drawing/2014/main" id="{BFC88322-0986-0F42-B06B-EF278F7D737A}"/>
+                <a16:creationId xmlns:a16="http://schemas.microsoft.com/office/drawing/2014/main" xmlns="" id="{BFC88322-0986-0F42-B06B-EF278F7D737A}"/>
               </a:ext>
             </a:extLst>
           </p:cNvPr>
@@ -12444,16 +12451,16 @@
           <a:p>
             <a:pPr algn="just"/>
             <a:r>
-              <a:rPr lang="it-IT" sz="2000" b="1" i="1" dirty="0"/>
-              <a:t>Dynamic </a:t>
-            </a:r>
-            <a:r>
               <a:rPr lang="it-IT" sz="2000" b="1" i="1" dirty="0" err="1"/>
-              <a:t>Programmig</a:t>
+              <a:t>Dynamic</a:t>
             </a:r>
             <a:r>
               <a:rPr lang="it-IT" sz="2000" b="1" i="1" dirty="0"/>
               <a:t> </a:t>
+            </a:r>
+            <a:r>
+              <a:rPr lang="it-IT" sz="2000" b="1" i="1" dirty="0" smtClean="0"/>
+              <a:t>Programming </a:t>
             </a:r>
             <a:r>
               <a:rPr lang="it-IT" sz="2000" dirty="0"/>
@@ -12490,7 +12497,7 @@
           <p:cNvPr id="5" name="CasellaDiTesto 4">
             <a:extLst>
               <a:ext uri="{FF2B5EF4-FFF2-40B4-BE49-F238E27FC236}">
-                <a16:creationId xmlns="" xmlns:a16="http://schemas.microsoft.com/office/drawing/2014/main" id="{AF328554-59DD-4404-818A-45D1ED00AE7D}"/>
+                <a16:creationId xmlns:a16="http://schemas.microsoft.com/office/drawing/2014/main" xmlns="" id="{AF328554-59DD-4404-818A-45D1ED00AE7D}"/>
               </a:ext>
             </a:extLst>
           </p:cNvPr>
@@ -12687,7 +12694,7 @@
           <p:cNvPr id="4" name="CasellaDiTesto 3">
             <a:extLst>
               <a:ext uri="{FF2B5EF4-FFF2-40B4-BE49-F238E27FC236}">
-                <a16:creationId xmlns="" xmlns:a16="http://schemas.microsoft.com/office/drawing/2014/main" id="{4C458470-5C51-4050-A326-F214F0F1DD83}"/>
+                <a16:creationId xmlns:a16="http://schemas.microsoft.com/office/drawing/2014/main" xmlns="" id="{4C458470-5C51-4050-A326-F214F0F1DD83}"/>
               </a:ext>
             </a:extLst>
           </p:cNvPr>
@@ -12731,7 +12738,7 @@
           <p:cNvPr id="6" name="Segnaposto contenuto 2">
             <a:extLst>
               <a:ext uri="{FF2B5EF4-FFF2-40B4-BE49-F238E27FC236}">
-                <a16:creationId xmlns="" xmlns:a16="http://schemas.microsoft.com/office/drawing/2014/main" id="{0E3E1FC3-46AB-4023-8163-A5243852AD3A}"/>
+                <a16:creationId xmlns:a16="http://schemas.microsoft.com/office/drawing/2014/main" xmlns="" id="{0E3E1FC3-46AB-4023-8163-A5243852AD3A}"/>
               </a:ext>
             </a:extLst>
           </p:cNvPr>
@@ -13455,7 +13462,7 @@
           <p:cNvPr id="4" name="Freccia a sinistra 3">
             <a:extLst>
               <a:ext uri="{FF2B5EF4-FFF2-40B4-BE49-F238E27FC236}">
-                <a16:creationId xmlns="" xmlns:a16="http://schemas.microsoft.com/office/drawing/2014/main" id="{52AAD68B-C27E-4FFA-9271-129D6C7B0C9E}"/>
+                <a16:creationId xmlns:a16="http://schemas.microsoft.com/office/drawing/2014/main" xmlns="" id="{52AAD68B-C27E-4FFA-9271-129D6C7B0C9E}"/>
               </a:ext>
             </a:extLst>
           </p:cNvPr>
@@ -13507,7 +13514,7 @@
           <p:cNvPr id="5" name="Segnaposto contenuto 2">
             <a:extLst>
               <a:ext uri="{FF2B5EF4-FFF2-40B4-BE49-F238E27FC236}">
-                <a16:creationId xmlns="" xmlns:a16="http://schemas.microsoft.com/office/drawing/2014/main" id="{A2F20AAD-39E9-48BB-9E24-A3B662A0B11F}"/>
+                <a16:creationId xmlns:a16="http://schemas.microsoft.com/office/drawing/2014/main" xmlns="" id="{A2F20AAD-39E9-48BB-9E24-A3B662A0B11F}"/>
               </a:ext>
             </a:extLst>
           </p:cNvPr>
@@ -13692,7 +13699,7 @@
           <p:cNvPr id="6" name="Segnaposto contenuto 2">
             <a:extLst>
               <a:ext uri="{FF2B5EF4-FFF2-40B4-BE49-F238E27FC236}">
-                <a16:creationId xmlns="" xmlns:a16="http://schemas.microsoft.com/office/drawing/2014/main" id="{6F19C448-41DA-4A1F-A840-40BEC5D113AC}"/>
+                <a16:creationId xmlns:a16="http://schemas.microsoft.com/office/drawing/2014/main" xmlns="" id="{6F19C448-41DA-4A1F-A840-40BEC5D113AC}"/>
               </a:ext>
             </a:extLst>
           </p:cNvPr>
@@ -13884,7 +13891,7 @@
           <p:cNvPr id="7" name="Segnaposto contenuto 2">
             <a:extLst>
               <a:ext uri="{FF2B5EF4-FFF2-40B4-BE49-F238E27FC236}">
-                <a16:creationId xmlns="" xmlns:a16="http://schemas.microsoft.com/office/drawing/2014/main" id="{21BD1C16-510B-462B-B13D-C7EBD07B538E}"/>
+                <a16:creationId xmlns:a16="http://schemas.microsoft.com/office/drawing/2014/main" xmlns="" id="{21BD1C16-510B-462B-B13D-C7EBD07B538E}"/>
               </a:ext>
             </a:extLst>
           </p:cNvPr>
@@ -14076,7 +14083,7 @@
           <p:cNvPr id="8" name="Freccia a sinistra 7">
             <a:extLst>
               <a:ext uri="{FF2B5EF4-FFF2-40B4-BE49-F238E27FC236}">
-                <a16:creationId xmlns="" xmlns:a16="http://schemas.microsoft.com/office/drawing/2014/main" id="{45FF0A01-F6A5-41C4-BF0C-17F93411D298}"/>
+                <a16:creationId xmlns:a16="http://schemas.microsoft.com/office/drawing/2014/main" xmlns="" id="{45FF0A01-F6A5-41C4-BF0C-17F93411D298}"/>
               </a:ext>
             </a:extLst>
           </p:cNvPr>
@@ -14128,7 +14135,7 @@
           <p:cNvPr id="9" name="Freccia a sinistra 8">
             <a:extLst>
               <a:ext uri="{FF2B5EF4-FFF2-40B4-BE49-F238E27FC236}">
-                <a16:creationId xmlns="" xmlns:a16="http://schemas.microsoft.com/office/drawing/2014/main" id="{57F6291A-A3EE-4B60-9B86-7BDD9DD70CDB}"/>
+                <a16:creationId xmlns:a16="http://schemas.microsoft.com/office/drawing/2014/main" xmlns="" id="{57F6291A-A3EE-4B60-9B86-7BDD9DD70CDB}"/>
               </a:ext>
             </a:extLst>
           </p:cNvPr>
@@ -14180,7 +14187,7 @@
           <p:cNvPr id="10" name="Freccia a sinistra 9">
             <a:extLst>
               <a:ext uri="{FF2B5EF4-FFF2-40B4-BE49-F238E27FC236}">
-                <a16:creationId xmlns="" xmlns:a16="http://schemas.microsoft.com/office/drawing/2014/main" id="{65303005-63C0-4B0B-9230-9E165A672FEA}"/>
+                <a16:creationId xmlns:a16="http://schemas.microsoft.com/office/drawing/2014/main" xmlns="" id="{65303005-63C0-4B0B-9230-9E165A672FEA}"/>
               </a:ext>
             </a:extLst>
           </p:cNvPr>
@@ -14229,7 +14236,7 @@
           <p:cNvPr id="12" name="Segnaposto contenuto 2">
             <a:extLst>
               <a:ext uri="{FF2B5EF4-FFF2-40B4-BE49-F238E27FC236}">
-                <a16:creationId xmlns="" xmlns:a16="http://schemas.microsoft.com/office/drawing/2014/main" id="{2F57A88A-B3AF-4493-B6F4-5CBDF2361A29}"/>
+                <a16:creationId xmlns:a16="http://schemas.microsoft.com/office/drawing/2014/main" xmlns="" id="{2F57A88A-B3AF-4493-B6F4-5CBDF2361A29}"/>
               </a:ext>
             </a:extLst>
           </p:cNvPr>
@@ -15214,7 +15221,7 @@
           <p:cNvPr id="4" name="Freccia a sinistra 3">
             <a:extLst>
               <a:ext uri="{FF2B5EF4-FFF2-40B4-BE49-F238E27FC236}">
-                <a16:creationId xmlns="" xmlns:a16="http://schemas.microsoft.com/office/drawing/2014/main" id="{52AAD68B-C27E-4FFA-9271-129D6C7B0C9E}"/>
+                <a16:creationId xmlns:a16="http://schemas.microsoft.com/office/drawing/2014/main" xmlns="" id="{52AAD68B-C27E-4FFA-9271-129D6C7B0C9E}"/>
               </a:ext>
             </a:extLst>
           </p:cNvPr>
@@ -15266,7 +15273,7 @@
           <p:cNvPr id="5" name="Segnaposto contenuto 2">
             <a:extLst>
               <a:ext uri="{FF2B5EF4-FFF2-40B4-BE49-F238E27FC236}">
-                <a16:creationId xmlns="" xmlns:a16="http://schemas.microsoft.com/office/drawing/2014/main" id="{A2F20AAD-39E9-48BB-9E24-A3B662A0B11F}"/>
+                <a16:creationId xmlns:a16="http://schemas.microsoft.com/office/drawing/2014/main" xmlns="" id="{A2F20AAD-39E9-48BB-9E24-A3B662A0B11F}"/>
               </a:ext>
             </a:extLst>
           </p:cNvPr>
@@ -15458,7 +15465,7 @@
           <p:cNvPr id="6" name="Segnaposto contenuto 2">
             <a:extLst>
               <a:ext uri="{FF2B5EF4-FFF2-40B4-BE49-F238E27FC236}">
-                <a16:creationId xmlns="" xmlns:a16="http://schemas.microsoft.com/office/drawing/2014/main" id="{6F19C448-41DA-4A1F-A840-40BEC5D113AC}"/>
+                <a16:creationId xmlns:a16="http://schemas.microsoft.com/office/drawing/2014/main" xmlns="" id="{6F19C448-41DA-4A1F-A840-40BEC5D113AC}"/>
               </a:ext>
             </a:extLst>
           </p:cNvPr>
@@ -15654,7 +15661,7 @@
           <p:cNvPr id="7" name="Segnaposto contenuto 2">
             <a:extLst>
               <a:ext uri="{FF2B5EF4-FFF2-40B4-BE49-F238E27FC236}">
-                <a16:creationId xmlns="" xmlns:a16="http://schemas.microsoft.com/office/drawing/2014/main" id="{21BD1C16-510B-462B-B13D-C7EBD07B538E}"/>
+                <a16:creationId xmlns:a16="http://schemas.microsoft.com/office/drawing/2014/main" xmlns="" id="{21BD1C16-510B-462B-B13D-C7EBD07B538E}"/>
               </a:ext>
             </a:extLst>
           </p:cNvPr>
@@ -15846,7 +15853,7 @@
           <p:cNvPr id="10" name="Freccia a sinistra 9">
             <a:extLst>
               <a:ext uri="{FF2B5EF4-FFF2-40B4-BE49-F238E27FC236}">
-                <a16:creationId xmlns="" xmlns:a16="http://schemas.microsoft.com/office/drawing/2014/main" id="{C1B292C1-40FC-4AEE-A345-9D296CB99FCF}"/>
+                <a16:creationId xmlns:a16="http://schemas.microsoft.com/office/drawing/2014/main" xmlns="" id="{C1B292C1-40FC-4AEE-A345-9D296CB99FCF}"/>
               </a:ext>
             </a:extLst>
           </p:cNvPr>
@@ -15895,7 +15902,7 @@
           <p:cNvPr id="11" name="Freccia a sinistra 10">
             <a:extLst>
               <a:ext uri="{FF2B5EF4-FFF2-40B4-BE49-F238E27FC236}">
-                <a16:creationId xmlns="" xmlns:a16="http://schemas.microsoft.com/office/drawing/2014/main" id="{C92C966D-5F66-493C-B802-9D8381BD8A1A}"/>
+                <a16:creationId xmlns:a16="http://schemas.microsoft.com/office/drawing/2014/main" xmlns="" id="{C92C966D-5F66-493C-B802-9D8381BD8A1A}"/>
               </a:ext>
             </a:extLst>
           </p:cNvPr>
@@ -15947,7 +15954,7 @@
           <p:cNvPr id="12" name="Freccia a sinistra 11">
             <a:extLst>
               <a:ext uri="{FF2B5EF4-FFF2-40B4-BE49-F238E27FC236}">
-                <a16:creationId xmlns="" xmlns:a16="http://schemas.microsoft.com/office/drawing/2014/main" id="{FE0CB7B8-9FAB-4619-8EFA-2FC82084A435}"/>
+                <a16:creationId xmlns:a16="http://schemas.microsoft.com/office/drawing/2014/main" xmlns="" id="{FE0CB7B8-9FAB-4619-8EFA-2FC82084A435}"/>
               </a:ext>
             </a:extLst>
           </p:cNvPr>
@@ -15996,7 +16003,7 @@
           <p:cNvPr id="13" name="Segnaposto contenuto 2">
             <a:extLst>
               <a:ext uri="{FF2B5EF4-FFF2-40B4-BE49-F238E27FC236}">
-                <a16:creationId xmlns="" xmlns:a16="http://schemas.microsoft.com/office/drawing/2014/main" id="{FAB91D41-4679-4D48-8DA8-C4DC00098328}"/>
+                <a16:creationId xmlns:a16="http://schemas.microsoft.com/office/drawing/2014/main" xmlns="" id="{FAB91D41-4679-4D48-8DA8-C4DC00098328}"/>
               </a:ext>
             </a:extLst>
           </p:cNvPr>
@@ -16982,7 +16989,7 @@
           <p:cNvPr id="4" name="Freccia a sinistra 3">
             <a:extLst>
               <a:ext uri="{FF2B5EF4-FFF2-40B4-BE49-F238E27FC236}">
-                <a16:creationId xmlns="" xmlns:a16="http://schemas.microsoft.com/office/drawing/2014/main" id="{52AAD68B-C27E-4FFA-9271-129D6C7B0C9E}"/>
+                <a16:creationId xmlns:a16="http://schemas.microsoft.com/office/drawing/2014/main" xmlns="" id="{52AAD68B-C27E-4FFA-9271-129D6C7B0C9E}"/>
               </a:ext>
             </a:extLst>
           </p:cNvPr>
@@ -17034,7 +17041,7 @@
           <p:cNvPr id="5" name="Segnaposto contenuto 2">
             <a:extLst>
               <a:ext uri="{FF2B5EF4-FFF2-40B4-BE49-F238E27FC236}">
-                <a16:creationId xmlns="" xmlns:a16="http://schemas.microsoft.com/office/drawing/2014/main" id="{A2F20AAD-39E9-48BB-9E24-A3B662A0B11F}"/>
+                <a16:creationId xmlns:a16="http://schemas.microsoft.com/office/drawing/2014/main" xmlns="" id="{A2F20AAD-39E9-48BB-9E24-A3B662A0B11F}"/>
               </a:ext>
             </a:extLst>
           </p:cNvPr>
@@ -17222,7 +17229,7 @@
           <p:cNvPr id="14" name="Freccia a sinistra 13">
             <a:extLst>
               <a:ext uri="{FF2B5EF4-FFF2-40B4-BE49-F238E27FC236}">
-                <a16:creationId xmlns="" xmlns:a16="http://schemas.microsoft.com/office/drawing/2014/main" id="{C6799C66-25D1-4FDC-A2B4-77A59FA57C85}"/>
+                <a16:creationId xmlns:a16="http://schemas.microsoft.com/office/drawing/2014/main" xmlns="" id="{C6799C66-25D1-4FDC-A2B4-77A59FA57C85}"/>
               </a:ext>
             </a:extLst>
           </p:cNvPr>
@@ -17274,7 +17281,7 @@
           <p:cNvPr id="15" name="Segnaposto contenuto 2">
             <a:extLst>
               <a:ext uri="{FF2B5EF4-FFF2-40B4-BE49-F238E27FC236}">
-                <a16:creationId xmlns="" xmlns:a16="http://schemas.microsoft.com/office/drawing/2014/main" id="{40D43C98-CF30-4320-8A33-D0F8DC91FE35}"/>
+                <a16:creationId xmlns:a16="http://schemas.microsoft.com/office/drawing/2014/main" xmlns="" id="{40D43C98-CF30-4320-8A33-D0F8DC91FE35}"/>
               </a:ext>
             </a:extLst>
           </p:cNvPr>
@@ -18072,7 +18079,7 @@
           <p:cNvPr id="4" name="Freccia a sinistra 3">
             <a:extLst>
               <a:ext uri="{FF2B5EF4-FFF2-40B4-BE49-F238E27FC236}">
-                <a16:creationId xmlns="" xmlns:a16="http://schemas.microsoft.com/office/drawing/2014/main" id="{52AAD68B-C27E-4FFA-9271-129D6C7B0C9E}"/>
+                <a16:creationId xmlns:a16="http://schemas.microsoft.com/office/drawing/2014/main" xmlns="" id="{52AAD68B-C27E-4FFA-9271-129D6C7B0C9E}"/>
               </a:ext>
             </a:extLst>
           </p:cNvPr>
@@ -18124,7 +18131,7 @@
           <p:cNvPr id="5" name="Segnaposto contenuto 2">
             <a:extLst>
               <a:ext uri="{FF2B5EF4-FFF2-40B4-BE49-F238E27FC236}">
-                <a16:creationId xmlns="" xmlns:a16="http://schemas.microsoft.com/office/drawing/2014/main" id="{A2F20AAD-39E9-48BB-9E24-A3B662A0B11F}"/>
+                <a16:creationId xmlns:a16="http://schemas.microsoft.com/office/drawing/2014/main" xmlns="" id="{A2F20AAD-39E9-48BB-9E24-A3B662A0B11F}"/>
               </a:ext>
             </a:extLst>
           </p:cNvPr>
@@ -18308,7 +18315,7 @@
           <p:cNvPr id="16" name="Freccia a sinistra 15">
             <a:extLst>
               <a:ext uri="{FF2B5EF4-FFF2-40B4-BE49-F238E27FC236}">
-                <a16:creationId xmlns="" xmlns:a16="http://schemas.microsoft.com/office/drawing/2014/main" id="{8502FCEF-2C24-4650-A921-0C7108C2B8FB}"/>
+                <a16:creationId xmlns:a16="http://schemas.microsoft.com/office/drawing/2014/main" xmlns="" id="{8502FCEF-2C24-4650-A921-0C7108C2B8FB}"/>
               </a:ext>
             </a:extLst>
           </p:cNvPr>
@@ -18360,7 +18367,7 @@
           <p:cNvPr id="17" name="Freccia a sinistra 16">
             <a:extLst>
               <a:ext uri="{FF2B5EF4-FFF2-40B4-BE49-F238E27FC236}">
-                <a16:creationId xmlns="" xmlns:a16="http://schemas.microsoft.com/office/drawing/2014/main" id="{6C068BFB-0AF3-4820-A2FF-7F02C6A940D0}"/>
+                <a16:creationId xmlns:a16="http://schemas.microsoft.com/office/drawing/2014/main" xmlns="" id="{6C068BFB-0AF3-4820-A2FF-7F02C6A940D0}"/>
               </a:ext>
             </a:extLst>
           </p:cNvPr>
@@ -18409,7 +18416,7 @@
           <p:cNvPr id="18" name="Segnaposto contenuto 2">
             <a:extLst>
               <a:ext uri="{FF2B5EF4-FFF2-40B4-BE49-F238E27FC236}">
-                <a16:creationId xmlns="" xmlns:a16="http://schemas.microsoft.com/office/drawing/2014/main" id="{FA988C52-EE1B-433A-9585-DF13F09BFFF9}"/>
+                <a16:creationId xmlns:a16="http://schemas.microsoft.com/office/drawing/2014/main" xmlns="" id="{FA988C52-EE1B-433A-9585-DF13F09BFFF9}"/>
               </a:ext>
             </a:extLst>
           </p:cNvPr>
@@ -18589,7 +18596,7 @@
           <p:cNvPr id="19" name="Segnaposto contenuto 2">
             <a:extLst>
               <a:ext uri="{FF2B5EF4-FFF2-40B4-BE49-F238E27FC236}">
-                <a16:creationId xmlns="" xmlns:a16="http://schemas.microsoft.com/office/drawing/2014/main" id="{A1A5938C-0587-4480-B804-562F15190190}"/>
+                <a16:creationId xmlns:a16="http://schemas.microsoft.com/office/drawing/2014/main" xmlns="" id="{A1A5938C-0587-4480-B804-562F15190190}"/>
               </a:ext>
             </a:extLst>
           </p:cNvPr>
@@ -19740,7 +19747,7 @@
           <p:cNvPr id="3" name="CasellaDiTesto 2">
             <a:extLst>
               <a:ext uri="{FF2B5EF4-FFF2-40B4-BE49-F238E27FC236}">
-                <a16:creationId xmlns="" xmlns:a16="http://schemas.microsoft.com/office/drawing/2014/main" id="{6B766F73-C325-44DD-B203-D5A0D0911082}"/>
+                <a16:creationId xmlns:a16="http://schemas.microsoft.com/office/drawing/2014/main" xmlns="" id="{6B766F73-C325-44DD-B203-D5A0D0911082}"/>
               </a:ext>
             </a:extLst>
           </p:cNvPr>
@@ -21863,7 +21870,7 @@
           <p:cNvPr id="5" name="CasellaDiTesto 4">
             <a:extLst>
               <a:ext uri="{FF2B5EF4-FFF2-40B4-BE49-F238E27FC236}">
-                <a16:creationId xmlns="" xmlns:a16="http://schemas.microsoft.com/office/drawing/2014/main" id="{DF6707CD-056C-44E0-A596-192752800AC1}"/>
+                <a16:creationId xmlns:a16="http://schemas.microsoft.com/office/drawing/2014/main" xmlns="" id="{DF6707CD-056C-44E0-A596-192752800AC1}"/>
               </a:ext>
             </a:extLst>
           </p:cNvPr>
@@ -21922,7 +21929,7 @@
           <p:cNvPr id="6" name="CasellaDiTesto 5">
             <a:extLst>
               <a:ext uri="{FF2B5EF4-FFF2-40B4-BE49-F238E27FC236}">
-                <a16:creationId xmlns="" xmlns:a16="http://schemas.microsoft.com/office/drawing/2014/main" id="{4FFB9536-6D87-40EE-BE02-E74E100076F5}"/>
+                <a16:creationId xmlns:a16="http://schemas.microsoft.com/office/drawing/2014/main" xmlns="" id="{4FFB9536-6D87-40EE-BE02-E74E100076F5}"/>
               </a:ext>
             </a:extLst>
           </p:cNvPr>
@@ -21959,7 +21966,7 @@
           <p:cNvPr id="4" name="TextBox 3">
             <a:extLst>
               <a:ext uri="{FF2B5EF4-FFF2-40B4-BE49-F238E27FC236}">
-                <a16:creationId xmlns="" xmlns:a16="http://schemas.microsoft.com/office/drawing/2014/main" id="{FC51D9A0-F468-46B4-87EA-9ABB89E5A85E}"/>
+                <a16:creationId xmlns:a16="http://schemas.microsoft.com/office/drawing/2014/main" xmlns="" id="{FC51D9A0-F468-46B4-87EA-9ABB89E5A85E}"/>
               </a:ext>
             </a:extLst>
           </p:cNvPr>
@@ -22007,7 +22014,7 @@
           <p:cNvPr id="8" name="Freccia a sinistra 6">
             <a:extLst>
               <a:ext uri="{FF2B5EF4-FFF2-40B4-BE49-F238E27FC236}">
-                <a16:creationId xmlns="" xmlns:a16="http://schemas.microsoft.com/office/drawing/2014/main" id="{087203C0-2577-40B6-9440-9041D7630F57}"/>
+                <a16:creationId xmlns:a16="http://schemas.microsoft.com/office/drawing/2014/main" xmlns="" id="{087203C0-2577-40B6-9440-9041D7630F57}"/>
               </a:ext>
             </a:extLst>
           </p:cNvPr>
@@ -22059,7 +22066,7 @@
           <p:cNvPr id="10" name="Freccia a sinistra 7">
             <a:extLst>
               <a:ext uri="{FF2B5EF4-FFF2-40B4-BE49-F238E27FC236}">
-                <a16:creationId xmlns="" xmlns:a16="http://schemas.microsoft.com/office/drawing/2014/main" id="{8814F101-5DA6-4571-802A-BF15B9270B16}"/>
+                <a16:creationId xmlns:a16="http://schemas.microsoft.com/office/drawing/2014/main" xmlns="" id="{8814F101-5DA6-4571-802A-BF15B9270B16}"/>
               </a:ext>
             </a:extLst>
           </p:cNvPr>
@@ -22651,7 +22658,7 @@
           <p:cNvPr id="6" name="Freccia a sinistra 5">
             <a:extLst>
               <a:ext uri="{FF2B5EF4-FFF2-40B4-BE49-F238E27FC236}">
-                <a16:creationId xmlns="" xmlns:a16="http://schemas.microsoft.com/office/drawing/2014/main" id="{A1755853-E9EB-407A-9A81-5BE7C3F8CFFF}"/>
+                <a16:creationId xmlns:a16="http://schemas.microsoft.com/office/drawing/2014/main" xmlns="" id="{A1755853-E9EB-407A-9A81-5BE7C3F8CFFF}"/>
               </a:ext>
             </a:extLst>
           </p:cNvPr>
@@ -22703,7 +22710,7 @@
           <p:cNvPr id="7" name="Rettangolo 6">
             <a:extLst>
               <a:ext uri="{FF2B5EF4-FFF2-40B4-BE49-F238E27FC236}">
-                <a16:creationId xmlns="" xmlns:a16="http://schemas.microsoft.com/office/drawing/2014/main" id="{5539374F-6357-4868-B879-196C3A864CF4}"/>
+                <a16:creationId xmlns:a16="http://schemas.microsoft.com/office/drawing/2014/main" xmlns="" id="{5539374F-6357-4868-B879-196C3A864CF4}"/>
               </a:ext>
             </a:extLst>
           </p:cNvPr>
@@ -23533,7 +23540,7 @@
   <a:extraClrSchemeLst/>
   <a:extLst>
     <a:ext uri="{05A4C25C-085E-4340-85A3-A5531E510DB2}">
-      <thm15:themeFamily xmlns="" xmlns:thm15="http://schemas.microsoft.com/office/thememl/2012/main" name="Office Theme" id="{62F939B6-93AF-4DB8-9C6B-D6C7DFDC589F}" vid="{4A3C46E8-61CC-4603-A589-7422A47A8E4A}"/>
+      <thm15:themeFamily xmlns:thm15="http://schemas.microsoft.com/office/thememl/2012/main" xmlns="" name="Office Theme" id="{62F939B6-93AF-4DB8-9C6B-D6C7DFDC589F}" vid="{4A3C46E8-61CC-4603-A589-7422A47A8E4A}"/>
     </a:ext>
   </a:extLst>
 </a:theme>
